--- a/DraftSlides/Lecture8.pptx
+++ b/DraftSlides/Lecture8.pptx
@@ -223,1817 +223,76 @@
 </p:presentation>
 </file>
 
-<file path=ppt/revisionInfo.xml><?xml version="1.0" encoding="utf-8"?>
-<p1510:revInfo xmlns:a="http://schemas.openxmlformats.org/drawingml/2006/main" xmlns:r="http://schemas.openxmlformats.org/officeDocument/2006/relationships" xmlns:p1510="http://schemas.microsoft.com/office/powerpoint/2015/10/main">
-  <p1510:revLst>
-    <p1510:client id="{A364C4AF-944E-4333-86BA-C37F8AC2AABB}" v="2" dt="2021-09-28T16:29:02.756"/>
-  </p1510:revLst>
-</p1510:revInfo>
-</file>
-
 <file path=ppt/changesInfos/changesInfo1.xml><?xml version="1.0" encoding="utf-8"?>
 <pc:chgInfo xmlns:a="http://schemas.openxmlformats.org/drawingml/2006/main" xmlns:r="http://schemas.openxmlformats.org/officeDocument/2006/relationships" xmlns:ac="http://schemas.microsoft.com/office/drawing/2013/main/command" xmlns:pc="http://schemas.microsoft.com/office/powerpoint/2013/main/command">
   <pc:docChgLst>
-    <pc:chgData name="Khattab, Sherif" userId="c83b1e15-36f3-4f46-aceb-05aac24c545e" providerId="ADAL" clId="{E6EB0EA7-2544-4CF1-A7D6-AFF5E9AECA5D}"/>
-    <pc:docChg chg="addSld delSld modSld modMainMaster">
-      <pc:chgData name="Khattab, Sherif" userId="c83b1e15-36f3-4f46-aceb-05aac24c545e" providerId="ADAL" clId="{E6EB0EA7-2544-4CF1-A7D6-AFF5E9AECA5D}" dt="2020-05-14T17:16:25.708" v="6"/>
+    <pc:chgData name="Khattab, Sherif" userId="c83b1e15-36f3-4f46-aceb-05aac24c545e" providerId="ADAL" clId="{FE92C68B-4A2B-491A-802D-9A016E970098}"/>
+    <pc:docChg chg="addSld modSld">
+      <pc:chgData name="Khattab, Sherif" userId="c83b1e15-36f3-4f46-aceb-05aac24c545e" providerId="ADAL" clId="{FE92C68B-4A2B-491A-802D-9A016E970098}" dt="2021-01-21T02:52:14.809" v="71" actId="20577"/>
       <pc:docMkLst>
         <pc:docMk/>
       </pc:docMkLst>
-      <pc:sldChg chg="del">
-        <pc:chgData name="Khattab, Sherif" userId="c83b1e15-36f3-4f46-aceb-05aac24c545e" providerId="ADAL" clId="{E6EB0EA7-2544-4CF1-A7D6-AFF5E9AECA5D}" dt="2020-05-14T17:10:07.728" v="1" actId="47"/>
-        <pc:sldMkLst>
-          <pc:docMk/>
-          <pc:sldMk cId="0" sldId="256"/>
-        </pc:sldMkLst>
-      </pc:sldChg>
-      <pc:sldChg chg="modSp">
-        <pc:chgData name="Khattab, Sherif" userId="c83b1e15-36f3-4f46-aceb-05aac24c545e" providerId="ADAL" clId="{E6EB0EA7-2544-4CF1-A7D6-AFF5E9AECA5D}" dt="2020-05-14T17:16:25.708" v="6"/>
-        <pc:sldMkLst>
-          <pc:docMk/>
-          <pc:sldMk cId="2710637777" sldId="322"/>
-        </pc:sldMkLst>
-        <pc:spChg chg="mod">
-          <ac:chgData name="Khattab, Sherif" userId="c83b1e15-36f3-4f46-aceb-05aac24c545e" providerId="ADAL" clId="{E6EB0EA7-2544-4CF1-A7D6-AFF5E9AECA5D}" dt="2020-05-14T17:16:25.708" v="6"/>
-          <ac:spMkLst>
-            <pc:docMk/>
-            <pc:sldMk cId="2710637777" sldId="322"/>
-            <ac:spMk id="4" creationId="{98D70E46-AD06-A84D-A403-48FFDDB68BC6}"/>
-          </ac:spMkLst>
-        </pc:spChg>
-        <pc:spChg chg="mod">
-          <ac:chgData name="Khattab, Sherif" userId="c83b1e15-36f3-4f46-aceb-05aac24c545e" providerId="ADAL" clId="{E6EB0EA7-2544-4CF1-A7D6-AFF5E9AECA5D}" dt="2020-05-14T17:16:25.708" v="6"/>
-          <ac:spMkLst>
-            <pc:docMk/>
-            <pc:sldMk cId="2710637777" sldId="322"/>
-            <ac:spMk id="5" creationId="{68F74981-ADDA-9144-ACB5-CE4649DD2D8F}"/>
-          </ac:spMkLst>
-        </pc:spChg>
-        <pc:spChg chg="mod">
-          <ac:chgData name="Khattab, Sherif" userId="c83b1e15-36f3-4f46-aceb-05aac24c545e" providerId="ADAL" clId="{E6EB0EA7-2544-4CF1-A7D6-AFF5E9AECA5D}" dt="2020-05-14T17:16:25.708" v="6"/>
-          <ac:spMkLst>
-            <pc:docMk/>
-            <pc:sldMk cId="2710637777" sldId="322"/>
-            <ac:spMk id="90114" creationId="{308C4648-C13A-A547-ABA8-14DA70E0773D}"/>
-          </ac:spMkLst>
-        </pc:spChg>
-        <pc:spChg chg="mod">
-          <ac:chgData name="Khattab, Sherif" userId="c83b1e15-36f3-4f46-aceb-05aac24c545e" providerId="ADAL" clId="{E6EB0EA7-2544-4CF1-A7D6-AFF5E9AECA5D}" dt="2020-05-14T17:16:25.708" v="6"/>
-          <ac:spMkLst>
-            <pc:docMk/>
-            <pc:sldMk cId="2710637777" sldId="322"/>
-            <ac:spMk id="90115" creationId="{691666FD-EDA0-044F-A826-5F64B00DC362}"/>
-          </ac:spMkLst>
-        </pc:spChg>
-      </pc:sldChg>
-      <pc:sldChg chg="modSp">
-        <pc:chgData name="Khattab, Sherif" userId="c83b1e15-36f3-4f46-aceb-05aac24c545e" providerId="ADAL" clId="{E6EB0EA7-2544-4CF1-A7D6-AFF5E9AECA5D}" dt="2020-05-14T17:16:25.708" v="6"/>
-        <pc:sldMkLst>
-          <pc:docMk/>
-          <pc:sldMk cId="3292918179" sldId="324"/>
-        </pc:sldMkLst>
-        <pc:spChg chg="mod">
-          <ac:chgData name="Khattab, Sherif" userId="c83b1e15-36f3-4f46-aceb-05aac24c545e" providerId="ADAL" clId="{E6EB0EA7-2544-4CF1-A7D6-AFF5E9AECA5D}" dt="2020-05-14T17:16:25.708" v="6"/>
-          <ac:spMkLst>
-            <pc:docMk/>
-            <pc:sldMk cId="3292918179" sldId="324"/>
-            <ac:spMk id="24" creationId="{39DA5595-35A6-EF4C-A674-D955A9DDF867}"/>
-          </ac:spMkLst>
-        </pc:spChg>
-        <pc:spChg chg="mod">
-          <ac:chgData name="Khattab, Sherif" userId="c83b1e15-36f3-4f46-aceb-05aac24c545e" providerId="ADAL" clId="{E6EB0EA7-2544-4CF1-A7D6-AFF5E9AECA5D}" dt="2020-05-14T17:16:25.708" v="6"/>
-          <ac:spMkLst>
-            <pc:docMk/>
-            <pc:sldMk cId="3292918179" sldId="324"/>
-            <ac:spMk id="25" creationId="{D21BF80B-2C7E-944E-B2A9-604706C7B598}"/>
-          </ac:spMkLst>
-        </pc:spChg>
-        <pc:spChg chg="mod">
-          <ac:chgData name="Khattab, Sherif" userId="c83b1e15-36f3-4f46-aceb-05aac24c545e" providerId="ADAL" clId="{E6EB0EA7-2544-4CF1-A7D6-AFF5E9AECA5D}" dt="2020-05-14T17:16:25.708" v="6"/>
-          <ac:spMkLst>
-            <pc:docMk/>
-            <pc:sldMk cId="3292918179" sldId="324"/>
-            <ac:spMk id="92162" creationId="{4BC23600-A1B0-CF42-B178-92570A01C5A5}"/>
-          </ac:spMkLst>
-        </pc:spChg>
-      </pc:sldChg>
-      <pc:sldChg chg="modSp">
-        <pc:chgData name="Khattab, Sherif" userId="c83b1e15-36f3-4f46-aceb-05aac24c545e" providerId="ADAL" clId="{E6EB0EA7-2544-4CF1-A7D6-AFF5E9AECA5D}" dt="2020-05-14T17:16:25.708" v="6"/>
-        <pc:sldMkLst>
-          <pc:docMk/>
-          <pc:sldMk cId="355119911" sldId="338"/>
-        </pc:sldMkLst>
-        <pc:spChg chg="mod">
-          <ac:chgData name="Khattab, Sherif" userId="c83b1e15-36f3-4f46-aceb-05aac24c545e" providerId="ADAL" clId="{E6EB0EA7-2544-4CF1-A7D6-AFF5E9AECA5D}" dt="2020-05-14T17:16:25.708" v="6"/>
-          <ac:spMkLst>
-            <pc:docMk/>
-            <pc:sldMk cId="355119911" sldId="338"/>
-            <ac:spMk id="5" creationId="{9BF724B2-8DB6-E34D-92D7-DCA24F5F0C0D}"/>
-          </ac:spMkLst>
-        </pc:spChg>
-        <pc:spChg chg="mod">
-          <ac:chgData name="Khattab, Sherif" userId="c83b1e15-36f3-4f46-aceb-05aac24c545e" providerId="ADAL" clId="{E6EB0EA7-2544-4CF1-A7D6-AFF5E9AECA5D}" dt="2020-05-14T17:16:25.708" v="6"/>
-          <ac:spMkLst>
-            <pc:docMk/>
-            <pc:sldMk cId="355119911" sldId="338"/>
-            <ac:spMk id="6" creationId="{17F9517E-E98B-6746-8827-A9871727AF2B}"/>
-          </ac:spMkLst>
-        </pc:spChg>
-        <pc:spChg chg="mod">
-          <ac:chgData name="Khattab, Sherif" userId="c83b1e15-36f3-4f46-aceb-05aac24c545e" providerId="ADAL" clId="{E6EB0EA7-2544-4CF1-A7D6-AFF5E9AECA5D}" dt="2020-05-14T17:16:25.708" v="6"/>
-          <ac:spMkLst>
-            <pc:docMk/>
-            <pc:sldMk cId="355119911" sldId="338"/>
-            <ac:spMk id="106499" creationId="{ACBD2F3A-500A-1745-93B6-2D7243F6ECAD}"/>
-          </ac:spMkLst>
-        </pc:spChg>
-        <pc:spChg chg="mod">
-          <ac:chgData name="Khattab, Sherif" userId="c83b1e15-36f3-4f46-aceb-05aac24c545e" providerId="ADAL" clId="{E6EB0EA7-2544-4CF1-A7D6-AFF5E9AECA5D}" dt="2020-05-14T17:16:25.708" v="6"/>
-          <ac:spMkLst>
-            <pc:docMk/>
-            <pc:sldMk cId="355119911" sldId="338"/>
-            <ac:spMk id="106500" creationId="{C1A6B44F-6A6E-624E-A1A8-C1E38440BAFC}"/>
-          </ac:spMkLst>
-        </pc:spChg>
-      </pc:sldChg>
-      <pc:sldChg chg="modSp">
-        <pc:chgData name="Khattab, Sherif" userId="c83b1e15-36f3-4f46-aceb-05aac24c545e" providerId="ADAL" clId="{E6EB0EA7-2544-4CF1-A7D6-AFF5E9AECA5D}" dt="2020-05-14T17:16:25.708" v="6"/>
-        <pc:sldMkLst>
-          <pc:docMk/>
-          <pc:sldMk cId="4223572414" sldId="339"/>
-        </pc:sldMkLst>
-        <pc:spChg chg="mod">
-          <ac:chgData name="Khattab, Sherif" userId="c83b1e15-36f3-4f46-aceb-05aac24c545e" providerId="ADAL" clId="{E6EB0EA7-2544-4CF1-A7D6-AFF5E9AECA5D}" dt="2020-05-14T17:16:25.708" v="6"/>
-          <ac:spMkLst>
-            <pc:docMk/>
-            <pc:sldMk cId="4223572414" sldId="339"/>
-            <ac:spMk id="4" creationId="{D69010A4-1F91-904E-B3C8-1167C46C655B}"/>
-          </ac:spMkLst>
-        </pc:spChg>
-        <pc:spChg chg="mod">
-          <ac:chgData name="Khattab, Sherif" userId="c83b1e15-36f3-4f46-aceb-05aac24c545e" providerId="ADAL" clId="{E6EB0EA7-2544-4CF1-A7D6-AFF5E9AECA5D}" dt="2020-05-14T17:16:25.708" v="6"/>
-          <ac:spMkLst>
-            <pc:docMk/>
-            <pc:sldMk cId="4223572414" sldId="339"/>
-            <ac:spMk id="5" creationId="{9CD943DD-44DA-D14E-86E5-53D56F3B4693}"/>
-          </ac:spMkLst>
-        </pc:spChg>
-        <pc:spChg chg="mod">
-          <ac:chgData name="Khattab, Sherif" userId="c83b1e15-36f3-4f46-aceb-05aac24c545e" providerId="ADAL" clId="{E6EB0EA7-2544-4CF1-A7D6-AFF5E9AECA5D}" dt="2020-05-14T17:16:25.708" v="6"/>
-          <ac:spMkLst>
-            <pc:docMk/>
-            <pc:sldMk cId="4223572414" sldId="339"/>
-            <ac:spMk id="107522" creationId="{7F365B32-B892-9644-B8A9-4981039D7D56}"/>
-          </ac:spMkLst>
-        </pc:spChg>
-        <pc:spChg chg="mod">
-          <ac:chgData name="Khattab, Sherif" userId="c83b1e15-36f3-4f46-aceb-05aac24c545e" providerId="ADAL" clId="{E6EB0EA7-2544-4CF1-A7D6-AFF5E9AECA5D}" dt="2020-05-14T17:16:25.708" v="6"/>
-          <ac:spMkLst>
-            <pc:docMk/>
-            <pc:sldMk cId="4223572414" sldId="339"/>
-            <ac:spMk id="107523" creationId="{0F9697C6-2257-044C-8E34-AC62DE514C44}"/>
-          </ac:spMkLst>
-        </pc:spChg>
-      </pc:sldChg>
-      <pc:sldChg chg="modSp">
-        <pc:chgData name="Khattab, Sherif" userId="c83b1e15-36f3-4f46-aceb-05aac24c545e" providerId="ADAL" clId="{E6EB0EA7-2544-4CF1-A7D6-AFF5E9AECA5D}" dt="2020-05-14T17:16:25.708" v="6"/>
-        <pc:sldMkLst>
-          <pc:docMk/>
-          <pc:sldMk cId="470668490" sldId="340"/>
-        </pc:sldMkLst>
-        <pc:spChg chg="mod">
-          <ac:chgData name="Khattab, Sherif" userId="c83b1e15-36f3-4f46-aceb-05aac24c545e" providerId="ADAL" clId="{E6EB0EA7-2544-4CF1-A7D6-AFF5E9AECA5D}" dt="2020-05-14T17:16:25.708" v="6"/>
-          <ac:spMkLst>
-            <pc:docMk/>
-            <pc:sldMk cId="470668490" sldId="340"/>
-            <ac:spMk id="4" creationId="{29BFE3FF-96E0-4A48-9771-0902F36838F3}"/>
-          </ac:spMkLst>
-        </pc:spChg>
-        <pc:spChg chg="mod">
-          <ac:chgData name="Khattab, Sherif" userId="c83b1e15-36f3-4f46-aceb-05aac24c545e" providerId="ADAL" clId="{E6EB0EA7-2544-4CF1-A7D6-AFF5E9AECA5D}" dt="2020-05-14T17:16:25.708" v="6"/>
-          <ac:spMkLst>
-            <pc:docMk/>
-            <pc:sldMk cId="470668490" sldId="340"/>
-            <ac:spMk id="5" creationId="{85AFFB91-7C27-6641-9A78-BE1CCACB6DE8}"/>
-          </ac:spMkLst>
-        </pc:spChg>
-        <pc:spChg chg="mod">
-          <ac:chgData name="Khattab, Sherif" userId="c83b1e15-36f3-4f46-aceb-05aac24c545e" providerId="ADAL" clId="{E6EB0EA7-2544-4CF1-A7D6-AFF5E9AECA5D}" dt="2020-05-14T17:16:25.708" v="6"/>
-          <ac:spMkLst>
-            <pc:docMk/>
-            <pc:sldMk cId="470668490" sldId="340"/>
-            <ac:spMk id="108546" creationId="{96849A06-BBDF-C040-849E-A024B4FC255B}"/>
-          </ac:spMkLst>
-        </pc:spChg>
-        <pc:spChg chg="mod">
-          <ac:chgData name="Khattab, Sherif" userId="c83b1e15-36f3-4f46-aceb-05aac24c545e" providerId="ADAL" clId="{E6EB0EA7-2544-4CF1-A7D6-AFF5E9AECA5D}" dt="2020-05-14T17:16:25.708" v="6"/>
-          <ac:spMkLst>
-            <pc:docMk/>
-            <pc:sldMk cId="470668490" sldId="340"/>
-            <ac:spMk id="108547" creationId="{CC82A9AD-5F15-AB49-8F90-FE2C306DA419}"/>
-          </ac:spMkLst>
-        </pc:spChg>
-      </pc:sldChg>
-      <pc:sldChg chg="modSp">
-        <pc:chgData name="Khattab, Sherif" userId="c83b1e15-36f3-4f46-aceb-05aac24c545e" providerId="ADAL" clId="{E6EB0EA7-2544-4CF1-A7D6-AFF5E9AECA5D}" dt="2020-05-14T17:16:25.708" v="6"/>
-        <pc:sldMkLst>
-          <pc:docMk/>
-          <pc:sldMk cId="1205868326" sldId="341"/>
-        </pc:sldMkLst>
-        <pc:spChg chg="mod">
-          <ac:chgData name="Khattab, Sherif" userId="c83b1e15-36f3-4f46-aceb-05aac24c545e" providerId="ADAL" clId="{E6EB0EA7-2544-4CF1-A7D6-AFF5E9AECA5D}" dt="2020-05-14T17:16:25.708" v="6"/>
-          <ac:spMkLst>
-            <pc:docMk/>
-            <pc:sldMk cId="1205868326" sldId="341"/>
-            <ac:spMk id="4" creationId="{A5FE58C8-1460-C848-AB84-4F361A9896A1}"/>
-          </ac:spMkLst>
-        </pc:spChg>
-        <pc:spChg chg="mod">
-          <ac:chgData name="Khattab, Sherif" userId="c83b1e15-36f3-4f46-aceb-05aac24c545e" providerId="ADAL" clId="{E6EB0EA7-2544-4CF1-A7D6-AFF5E9AECA5D}" dt="2020-05-14T17:16:25.708" v="6"/>
-          <ac:spMkLst>
-            <pc:docMk/>
-            <pc:sldMk cId="1205868326" sldId="341"/>
-            <ac:spMk id="5" creationId="{F81FC055-C345-0D4E-990E-67395EA45FB7}"/>
-          </ac:spMkLst>
-        </pc:spChg>
-        <pc:spChg chg="mod">
-          <ac:chgData name="Khattab, Sherif" userId="c83b1e15-36f3-4f46-aceb-05aac24c545e" providerId="ADAL" clId="{E6EB0EA7-2544-4CF1-A7D6-AFF5E9AECA5D}" dt="2020-05-14T17:16:25.708" v="6"/>
-          <ac:spMkLst>
-            <pc:docMk/>
-            <pc:sldMk cId="1205868326" sldId="341"/>
-            <ac:spMk id="109570" creationId="{6A881214-C7A5-214A-8E7E-4D686B71DB5F}"/>
-          </ac:spMkLst>
-        </pc:spChg>
-        <pc:spChg chg="mod">
-          <ac:chgData name="Khattab, Sherif" userId="c83b1e15-36f3-4f46-aceb-05aac24c545e" providerId="ADAL" clId="{E6EB0EA7-2544-4CF1-A7D6-AFF5E9AECA5D}" dt="2020-05-14T17:16:25.708" v="6"/>
-          <ac:spMkLst>
-            <pc:docMk/>
-            <pc:sldMk cId="1205868326" sldId="341"/>
-            <ac:spMk id="109571" creationId="{EB65A8A9-691B-3D4F-B0AA-00914900DB3A}"/>
-          </ac:spMkLst>
-        </pc:spChg>
-      </pc:sldChg>
-      <pc:sldChg chg="modSp">
-        <pc:chgData name="Khattab, Sherif" userId="c83b1e15-36f3-4f46-aceb-05aac24c545e" providerId="ADAL" clId="{E6EB0EA7-2544-4CF1-A7D6-AFF5E9AECA5D}" dt="2020-05-14T17:16:25.708" v="6"/>
-        <pc:sldMkLst>
-          <pc:docMk/>
-          <pc:sldMk cId="1806563943" sldId="342"/>
-        </pc:sldMkLst>
-        <pc:spChg chg="mod">
-          <ac:chgData name="Khattab, Sherif" userId="c83b1e15-36f3-4f46-aceb-05aac24c545e" providerId="ADAL" clId="{E6EB0EA7-2544-4CF1-A7D6-AFF5E9AECA5D}" dt="2020-05-14T17:16:25.708" v="6"/>
-          <ac:spMkLst>
-            <pc:docMk/>
-            <pc:sldMk cId="1806563943" sldId="342"/>
-            <ac:spMk id="7" creationId="{6E9B925F-4BC9-934E-AB01-067F794B522E}"/>
-          </ac:spMkLst>
-        </pc:spChg>
-        <pc:spChg chg="mod">
-          <ac:chgData name="Khattab, Sherif" userId="c83b1e15-36f3-4f46-aceb-05aac24c545e" providerId="ADAL" clId="{E6EB0EA7-2544-4CF1-A7D6-AFF5E9AECA5D}" dt="2020-05-14T17:16:25.708" v="6"/>
-          <ac:spMkLst>
-            <pc:docMk/>
-            <pc:sldMk cId="1806563943" sldId="342"/>
-            <ac:spMk id="8" creationId="{0A731FB3-7935-8345-B6C7-AEE0B02240B9}"/>
-          </ac:spMkLst>
-        </pc:spChg>
-        <pc:spChg chg="mod">
-          <ac:chgData name="Khattab, Sherif" userId="c83b1e15-36f3-4f46-aceb-05aac24c545e" providerId="ADAL" clId="{E6EB0EA7-2544-4CF1-A7D6-AFF5E9AECA5D}" dt="2020-05-14T17:16:25.708" v="6"/>
-          <ac:spMkLst>
-            <pc:docMk/>
-            <pc:sldMk cId="1806563943" sldId="342"/>
-            <ac:spMk id="110597" creationId="{BDC36B20-DEF6-BF4D-B0E7-8F5461CE049F}"/>
-          </ac:spMkLst>
-        </pc:spChg>
-        <pc:spChg chg="mod">
-          <ac:chgData name="Khattab, Sherif" userId="c83b1e15-36f3-4f46-aceb-05aac24c545e" providerId="ADAL" clId="{E6EB0EA7-2544-4CF1-A7D6-AFF5E9AECA5D}" dt="2020-05-14T17:16:25.708" v="6"/>
-          <ac:spMkLst>
-            <pc:docMk/>
-            <pc:sldMk cId="1806563943" sldId="342"/>
-            <ac:spMk id="110598" creationId="{58C40865-3753-A447-9770-211D098125F8}"/>
-          </ac:spMkLst>
-        </pc:spChg>
-      </pc:sldChg>
-      <pc:sldChg chg="modSp">
-        <pc:chgData name="Khattab, Sherif" userId="c83b1e15-36f3-4f46-aceb-05aac24c545e" providerId="ADAL" clId="{E6EB0EA7-2544-4CF1-A7D6-AFF5E9AECA5D}" dt="2020-05-14T17:16:25.708" v="6"/>
-        <pc:sldMkLst>
-          <pc:docMk/>
-          <pc:sldMk cId="1167711490" sldId="343"/>
-        </pc:sldMkLst>
-        <pc:spChg chg="mod">
-          <ac:chgData name="Khattab, Sherif" userId="c83b1e15-36f3-4f46-aceb-05aac24c545e" providerId="ADAL" clId="{E6EB0EA7-2544-4CF1-A7D6-AFF5E9AECA5D}" dt="2020-05-14T17:16:25.708" v="6"/>
-          <ac:spMkLst>
-            <pc:docMk/>
-            <pc:sldMk cId="1167711490" sldId="343"/>
-            <ac:spMk id="7" creationId="{72500EF2-C006-2647-8CFD-300FA28B30EA}"/>
-          </ac:spMkLst>
-        </pc:spChg>
-        <pc:spChg chg="mod">
-          <ac:chgData name="Khattab, Sherif" userId="c83b1e15-36f3-4f46-aceb-05aac24c545e" providerId="ADAL" clId="{E6EB0EA7-2544-4CF1-A7D6-AFF5E9AECA5D}" dt="2020-05-14T17:16:25.708" v="6"/>
-          <ac:spMkLst>
-            <pc:docMk/>
-            <pc:sldMk cId="1167711490" sldId="343"/>
-            <ac:spMk id="8" creationId="{5513A82D-D95D-3B46-B415-F25C0E574B15}"/>
-          </ac:spMkLst>
-        </pc:spChg>
-        <pc:spChg chg="mod">
-          <ac:chgData name="Khattab, Sherif" userId="c83b1e15-36f3-4f46-aceb-05aac24c545e" providerId="ADAL" clId="{E6EB0EA7-2544-4CF1-A7D6-AFF5E9AECA5D}" dt="2020-05-14T17:16:25.708" v="6"/>
-          <ac:spMkLst>
-            <pc:docMk/>
-            <pc:sldMk cId="1167711490" sldId="343"/>
-            <ac:spMk id="111621" creationId="{98D1A996-CF96-BF4C-9178-C10B8182C328}"/>
-          </ac:spMkLst>
-        </pc:spChg>
-        <pc:spChg chg="mod">
-          <ac:chgData name="Khattab, Sherif" userId="c83b1e15-36f3-4f46-aceb-05aac24c545e" providerId="ADAL" clId="{E6EB0EA7-2544-4CF1-A7D6-AFF5E9AECA5D}" dt="2020-05-14T17:16:25.708" v="6"/>
-          <ac:spMkLst>
-            <pc:docMk/>
-            <pc:sldMk cId="1167711490" sldId="343"/>
-            <ac:spMk id="111622" creationId="{8B17F8A5-FE1E-5540-991C-590D33FA245A}"/>
-          </ac:spMkLst>
-        </pc:spChg>
-      </pc:sldChg>
-      <pc:sldChg chg="modSp">
-        <pc:chgData name="Khattab, Sherif" userId="c83b1e15-36f3-4f46-aceb-05aac24c545e" providerId="ADAL" clId="{E6EB0EA7-2544-4CF1-A7D6-AFF5E9AECA5D}" dt="2020-05-14T17:16:25.708" v="6"/>
-        <pc:sldMkLst>
-          <pc:docMk/>
-          <pc:sldMk cId="1271999567" sldId="349"/>
-        </pc:sldMkLst>
-        <pc:spChg chg="mod">
-          <ac:chgData name="Khattab, Sherif" userId="c83b1e15-36f3-4f46-aceb-05aac24c545e" providerId="ADAL" clId="{E6EB0EA7-2544-4CF1-A7D6-AFF5E9AECA5D}" dt="2020-05-14T17:16:25.708" v="6"/>
-          <ac:spMkLst>
-            <pc:docMk/>
-            <pc:sldMk cId="1271999567" sldId="349"/>
-            <ac:spMk id="2" creationId="{17A8AD5B-F689-B94F-A878-23B8A0273164}"/>
-          </ac:spMkLst>
-        </pc:spChg>
-        <pc:spChg chg="mod">
-          <ac:chgData name="Khattab, Sherif" userId="c83b1e15-36f3-4f46-aceb-05aac24c545e" providerId="ADAL" clId="{E6EB0EA7-2544-4CF1-A7D6-AFF5E9AECA5D}" dt="2020-05-14T17:16:25.708" v="6"/>
-          <ac:spMkLst>
-            <pc:docMk/>
-            <pc:sldMk cId="1271999567" sldId="349"/>
-            <ac:spMk id="6" creationId="{A88B15B3-238A-4746-829A-03A0FAA7FB19}"/>
-          </ac:spMkLst>
-        </pc:spChg>
-        <pc:spChg chg="mod">
-          <ac:chgData name="Khattab, Sherif" userId="c83b1e15-36f3-4f46-aceb-05aac24c545e" providerId="ADAL" clId="{E6EB0EA7-2544-4CF1-A7D6-AFF5E9AECA5D}" dt="2020-05-14T17:16:25.708" v="6"/>
-          <ac:spMkLst>
-            <pc:docMk/>
-            <pc:sldMk cId="1271999567" sldId="349"/>
-            <ac:spMk id="7" creationId="{D97A772E-AF56-8A43-8E21-10E9198972DA}"/>
-          </ac:spMkLst>
-        </pc:spChg>
-        <pc:spChg chg="mod">
-          <ac:chgData name="Khattab, Sherif" userId="c83b1e15-36f3-4f46-aceb-05aac24c545e" providerId="ADAL" clId="{E6EB0EA7-2544-4CF1-A7D6-AFF5E9AECA5D}" dt="2020-05-14T17:16:25.708" v="6"/>
-          <ac:spMkLst>
-            <pc:docMk/>
-            <pc:sldMk cId="1271999567" sldId="349"/>
-            <ac:spMk id="117762" creationId="{39807B7F-29D5-4E40-91D5-70F81AE81EDD}"/>
-          </ac:spMkLst>
-        </pc:spChg>
-      </pc:sldChg>
-      <pc:sldChg chg="modSp">
-        <pc:chgData name="Khattab, Sherif" userId="c83b1e15-36f3-4f46-aceb-05aac24c545e" providerId="ADAL" clId="{E6EB0EA7-2544-4CF1-A7D6-AFF5E9AECA5D}" dt="2020-05-14T17:16:25.708" v="6"/>
-        <pc:sldMkLst>
-          <pc:docMk/>
-          <pc:sldMk cId="434376579" sldId="363"/>
-        </pc:sldMkLst>
-        <pc:spChg chg="mod">
-          <ac:chgData name="Khattab, Sherif" userId="c83b1e15-36f3-4f46-aceb-05aac24c545e" providerId="ADAL" clId="{E6EB0EA7-2544-4CF1-A7D6-AFF5E9AECA5D}" dt="2020-05-14T17:16:25.708" v="6"/>
-          <ac:spMkLst>
-            <pc:docMk/>
-            <pc:sldMk cId="434376579" sldId="363"/>
-            <ac:spMk id="13" creationId="{399F8E88-2D61-7E41-B9E7-D5D16445265E}"/>
-          </ac:spMkLst>
-        </pc:spChg>
-        <pc:spChg chg="mod">
-          <ac:chgData name="Khattab, Sherif" userId="c83b1e15-36f3-4f46-aceb-05aac24c545e" providerId="ADAL" clId="{E6EB0EA7-2544-4CF1-A7D6-AFF5E9AECA5D}" dt="2020-05-14T17:16:25.708" v="6"/>
-          <ac:spMkLst>
-            <pc:docMk/>
-            <pc:sldMk cId="434376579" sldId="363"/>
-            <ac:spMk id="14" creationId="{1D9B0268-8DED-C745-8271-8B812DB10776}"/>
-          </ac:spMkLst>
-        </pc:spChg>
-        <pc:spChg chg="mod">
-          <ac:chgData name="Khattab, Sherif" userId="c83b1e15-36f3-4f46-aceb-05aac24c545e" providerId="ADAL" clId="{E6EB0EA7-2544-4CF1-A7D6-AFF5E9AECA5D}" dt="2020-05-14T17:16:25.708" v="6"/>
-          <ac:spMkLst>
-            <pc:docMk/>
-            <pc:sldMk cId="434376579" sldId="363"/>
-            <ac:spMk id="91148" creationId="{D182CBCC-E588-9C46-9A14-D3D8D1F9D94B}"/>
-          </ac:spMkLst>
-        </pc:spChg>
-      </pc:sldChg>
-      <pc:sldChg chg="modSp">
-        <pc:chgData name="Khattab, Sherif" userId="c83b1e15-36f3-4f46-aceb-05aac24c545e" providerId="ADAL" clId="{E6EB0EA7-2544-4CF1-A7D6-AFF5E9AECA5D}" dt="2020-05-14T17:16:25.708" v="6"/>
-        <pc:sldMkLst>
-          <pc:docMk/>
-          <pc:sldMk cId="815621424" sldId="364"/>
-        </pc:sldMkLst>
-        <pc:spChg chg="mod">
-          <ac:chgData name="Khattab, Sherif" userId="c83b1e15-36f3-4f46-aceb-05aac24c545e" providerId="ADAL" clId="{E6EB0EA7-2544-4CF1-A7D6-AFF5E9AECA5D}" dt="2020-05-14T17:16:25.708" v="6"/>
-          <ac:spMkLst>
-            <pc:docMk/>
-            <pc:sldMk cId="815621424" sldId="364"/>
-            <ac:spMk id="27" creationId="{667676E5-52CF-B949-92AA-54CEC4825EDD}"/>
-          </ac:spMkLst>
-        </pc:spChg>
-        <pc:spChg chg="mod">
-          <ac:chgData name="Khattab, Sherif" userId="c83b1e15-36f3-4f46-aceb-05aac24c545e" providerId="ADAL" clId="{E6EB0EA7-2544-4CF1-A7D6-AFF5E9AECA5D}" dt="2020-05-14T17:16:25.708" v="6"/>
-          <ac:spMkLst>
-            <pc:docMk/>
-            <pc:sldMk cId="815621424" sldId="364"/>
-            <ac:spMk id="28" creationId="{EC52B04B-D8AF-8643-A73A-7D7FBE25B1FC}"/>
-          </ac:spMkLst>
-        </pc:spChg>
-        <pc:spChg chg="mod">
-          <ac:chgData name="Khattab, Sherif" userId="c83b1e15-36f3-4f46-aceb-05aac24c545e" providerId="ADAL" clId="{E6EB0EA7-2544-4CF1-A7D6-AFF5E9AECA5D}" dt="2020-05-14T17:16:25.708" v="6"/>
-          <ac:spMkLst>
-            <pc:docMk/>
-            <pc:sldMk cId="815621424" sldId="364"/>
-            <ac:spMk id="93186" creationId="{E502F9E0-21A9-6844-A11A-A0680165B684}"/>
-          </ac:spMkLst>
-        </pc:spChg>
-        <pc:spChg chg="mod">
-          <ac:chgData name="Khattab, Sherif" userId="c83b1e15-36f3-4f46-aceb-05aac24c545e" providerId="ADAL" clId="{E6EB0EA7-2544-4CF1-A7D6-AFF5E9AECA5D}" dt="2020-05-14T17:16:25.708" v="6"/>
-          <ac:spMkLst>
-            <pc:docMk/>
-            <pc:sldMk cId="815621424" sldId="364"/>
-            <ac:spMk id="93187" creationId="{83249007-0AB0-EB49-9417-995673C1CEF5}"/>
-          </ac:spMkLst>
-        </pc:spChg>
-      </pc:sldChg>
-      <pc:sldChg chg="modSp">
-        <pc:chgData name="Khattab, Sherif" userId="c83b1e15-36f3-4f46-aceb-05aac24c545e" providerId="ADAL" clId="{E6EB0EA7-2544-4CF1-A7D6-AFF5E9AECA5D}" dt="2020-05-14T17:16:25.708" v="6"/>
-        <pc:sldMkLst>
-          <pc:docMk/>
-          <pc:sldMk cId="1934104099" sldId="365"/>
-        </pc:sldMkLst>
-        <pc:spChg chg="mod">
-          <ac:chgData name="Khattab, Sherif" userId="c83b1e15-36f3-4f46-aceb-05aac24c545e" providerId="ADAL" clId="{E6EB0EA7-2544-4CF1-A7D6-AFF5E9AECA5D}" dt="2020-05-14T17:16:25.708" v="6"/>
-          <ac:spMkLst>
-            <pc:docMk/>
-            <pc:sldMk cId="1934104099" sldId="365"/>
-            <ac:spMk id="8" creationId="{87B93D98-EEC5-C245-A824-29408C4F6AA9}"/>
-          </ac:spMkLst>
-        </pc:spChg>
-        <pc:spChg chg="mod">
-          <ac:chgData name="Khattab, Sherif" userId="c83b1e15-36f3-4f46-aceb-05aac24c545e" providerId="ADAL" clId="{E6EB0EA7-2544-4CF1-A7D6-AFF5E9AECA5D}" dt="2020-05-14T17:16:25.708" v="6"/>
-          <ac:spMkLst>
-            <pc:docMk/>
-            <pc:sldMk cId="1934104099" sldId="365"/>
-            <ac:spMk id="9" creationId="{97A00662-141E-7B4B-97ED-0FA4B9115725}"/>
-          </ac:spMkLst>
-        </pc:spChg>
-        <pc:spChg chg="mod">
-          <ac:chgData name="Khattab, Sherif" userId="c83b1e15-36f3-4f46-aceb-05aac24c545e" providerId="ADAL" clId="{E6EB0EA7-2544-4CF1-A7D6-AFF5E9AECA5D}" dt="2020-05-14T17:16:25.708" v="6"/>
-          <ac:spMkLst>
-            <pc:docMk/>
-            <pc:sldMk cId="1934104099" sldId="365"/>
-            <ac:spMk id="94210" creationId="{FD1747F8-31B5-1F41-BD48-CAFBB42D9534}"/>
-          </ac:spMkLst>
-        </pc:spChg>
-        <pc:spChg chg="mod">
-          <ac:chgData name="Khattab, Sherif" userId="c83b1e15-36f3-4f46-aceb-05aac24c545e" providerId="ADAL" clId="{E6EB0EA7-2544-4CF1-A7D6-AFF5E9AECA5D}" dt="2020-05-14T17:16:25.708" v="6"/>
-          <ac:spMkLst>
-            <pc:docMk/>
-            <pc:sldMk cId="1934104099" sldId="365"/>
-            <ac:spMk id="94211" creationId="{2F4C0CE7-B9FD-0E45-8A7B-DDDB3455B140}"/>
-          </ac:spMkLst>
-        </pc:spChg>
-      </pc:sldChg>
-      <pc:sldChg chg="modSp">
-        <pc:chgData name="Khattab, Sherif" userId="c83b1e15-36f3-4f46-aceb-05aac24c545e" providerId="ADAL" clId="{E6EB0EA7-2544-4CF1-A7D6-AFF5E9AECA5D}" dt="2020-05-14T17:16:25.708" v="6"/>
-        <pc:sldMkLst>
-          <pc:docMk/>
-          <pc:sldMk cId="2782429159" sldId="366"/>
-        </pc:sldMkLst>
-        <pc:spChg chg="mod">
-          <ac:chgData name="Khattab, Sherif" userId="c83b1e15-36f3-4f46-aceb-05aac24c545e" providerId="ADAL" clId="{E6EB0EA7-2544-4CF1-A7D6-AFF5E9AECA5D}" dt="2020-05-14T17:16:25.708" v="6"/>
-          <ac:spMkLst>
-            <pc:docMk/>
-            <pc:sldMk cId="2782429159" sldId="366"/>
-            <ac:spMk id="4" creationId="{27D16428-557C-2344-B354-75ACA52C8E36}"/>
-          </ac:spMkLst>
-        </pc:spChg>
-        <pc:spChg chg="mod">
-          <ac:chgData name="Khattab, Sherif" userId="c83b1e15-36f3-4f46-aceb-05aac24c545e" providerId="ADAL" clId="{E6EB0EA7-2544-4CF1-A7D6-AFF5E9AECA5D}" dt="2020-05-14T17:16:25.708" v="6"/>
-          <ac:spMkLst>
-            <pc:docMk/>
-            <pc:sldMk cId="2782429159" sldId="366"/>
-            <ac:spMk id="5" creationId="{9B92B5DB-B929-F947-BA57-49A11A6B5B28}"/>
-          </ac:spMkLst>
-        </pc:spChg>
-        <pc:spChg chg="mod">
-          <ac:chgData name="Khattab, Sherif" userId="c83b1e15-36f3-4f46-aceb-05aac24c545e" providerId="ADAL" clId="{E6EB0EA7-2544-4CF1-A7D6-AFF5E9AECA5D}" dt="2020-05-14T17:16:25.708" v="6"/>
-          <ac:spMkLst>
-            <pc:docMk/>
-            <pc:sldMk cId="2782429159" sldId="366"/>
-            <ac:spMk id="95234" creationId="{22679527-1C13-D745-AD6F-BECD21053034}"/>
-          </ac:spMkLst>
-        </pc:spChg>
-      </pc:sldChg>
-      <pc:sldChg chg="modSp">
-        <pc:chgData name="Khattab, Sherif" userId="c83b1e15-36f3-4f46-aceb-05aac24c545e" providerId="ADAL" clId="{E6EB0EA7-2544-4CF1-A7D6-AFF5E9AECA5D}" dt="2020-05-14T17:16:25.708" v="6"/>
-        <pc:sldMkLst>
-          <pc:docMk/>
-          <pc:sldMk cId="2251973667" sldId="367"/>
-        </pc:sldMkLst>
-        <pc:spChg chg="mod">
-          <ac:chgData name="Khattab, Sherif" userId="c83b1e15-36f3-4f46-aceb-05aac24c545e" providerId="ADAL" clId="{E6EB0EA7-2544-4CF1-A7D6-AFF5E9AECA5D}" dt="2020-05-14T17:16:25.708" v="6"/>
-          <ac:spMkLst>
-            <pc:docMk/>
-            <pc:sldMk cId="2251973667" sldId="367"/>
-            <ac:spMk id="4" creationId="{27AC079A-FDEE-5245-9DF2-0EA014E67F57}"/>
-          </ac:spMkLst>
-        </pc:spChg>
-        <pc:spChg chg="mod">
-          <ac:chgData name="Khattab, Sherif" userId="c83b1e15-36f3-4f46-aceb-05aac24c545e" providerId="ADAL" clId="{E6EB0EA7-2544-4CF1-A7D6-AFF5E9AECA5D}" dt="2020-05-14T17:16:25.708" v="6"/>
-          <ac:spMkLst>
-            <pc:docMk/>
-            <pc:sldMk cId="2251973667" sldId="367"/>
-            <ac:spMk id="5" creationId="{4BE14FC9-25DA-A545-BFFF-97AA43D9616B}"/>
-          </ac:spMkLst>
-        </pc:spChg>
-        <pc:spChg chg="mod">
-          <ac:chgData name="Khattab, Sherif" userId="c83b1e15-36f3-4f46-aceb-05aac24c545e" providerId="ADAL" clId="{E6EB0EA7-2544-4CF1-A7D6-AFF5E9AECA5D}" dt="2020-05-14T17:16:25.708" v="6"/>
-          <ac:spMkLst>
-            <pc:docMk/>
-            <pc:sldMk cId="2251973667" sldId="367"/>
-            <ac:spMk id="98306" creationId="{8383A26D-3C56-0042-8B6C-8FD1E0DFA250}"/>
-          </ac:spMkLst>
-        </pc:spChg>
-        <pc:spChg chg="mod">
-          <ac:chgData name="Khattab, Sherif" userId="c83b1e15-36f3-4f46-aceb-05aac24c545e" providerId="ADAL" clId="{E6EB0EA7-2544-4CF1-A7D6-AFF5E9AECA5D}" dt="2020-05-14T17:16:25.708" v="6"/>
-          <ac:spMkLst>
-            <pc:docMk/>
-            <pc:sldMk cId="2251973667" sldId="367"/>
-            <ac:spMk id="98307" creationId="{6AF066B1-89F4-4E4D-8ABF-40AC813F6866}"/>
-          </ac:spMkLst>
-        </pc:spChg>
-      </pc:sldChg>
-      <pc:sldChg chg="modSp">
-        <pc:chgData name="Khattab, Sherif" userId="c83b1e15-36f3-4f46-aceb-05aac24c545e" providerId="ADAL" clId="{E6EB0EA7-2544-4CF1-A7D6-AFF5E9AECA5D}" dt="2020-05-14T17:16:25.708" v="6"/>
-        <pc:sldMkLst>
-          <pc:docMk/>
-          <pc:sldMk cId="3138501136" sldId="368"/>
-        </pc:sldMkLst>
-        <pc:spChg chg="mod">
-          <ac:chgData name="Khattab, Sherif" userId="c83b1e15-36f3-4f46-aceb-05aac24c545e" providerId="ADAL" clId="{E6EB0EA7-2544-4CF1-A7D6-AFF5E9AECA5D}" dt="2020-05-14T17:16:25.708" v="6"/>
-          <ac:spMkLst>
-            <pc:docMk/>
-            <pc:sldMk cId="3138501136" sldId="368"/>
-            <ac:spMk id="7" creationId="{532CA168-7A4E-084D-AF13-F17DA4C99AF9}"/>
-          </ac:spMkLst>
-        </pc:spChg>
-        <pc:spChg chg="mod">
-          <ac:chgData name="Khattab, Sherif" userId="c83b1e15-36f3-4f46-aceb-05aac24c545e" providerId="ADAL" clId="{E6EB0EA7-2544-4CF1-A7D6-AFF5E9AECA5D}" dt="2020-05-14T17:16:25.708" v="6"/>
-          <ac:spMkLst>
-            <pc:docMk/>
-            <pc:sldMk cId="3138501136" sldId="368"/>
-            <ac:spMk id="8" creationId="{0C0EE1E8-F246-0344-879F-ACDF28735FC1}"/>
-          </ac:spMkLst>
-        </pc:spChg>
-        <pc:spChg chg="mod">
-          <ac:chgData name="Khattab, Sherif" userId="c83b1e15-36f3-4f46-aceb-05aac24c545e" providerId="ADAL" clId="{E6EB0EA7-2544-4CF1-A7D6-AFF5E9AECA5D}" dt="2020-05-14T17:16:25.708" v="6"/>
-          <ac:spMkLst>
-            <pc:docMk/>
-            <pc:sldMk cId="3138501136" sldId="368"/>
-            <ac:spMk id="99333" creationId="{6961FFD0-3136-6744-AF77-2A7A1A790F1E}"/>
-          </ac:spMkLst>
-        </pc:spChg>
-      </pc:sldChg>
-      <pc:sldChg chg="modSp">
-        <pc:chgData name="Khattab, Sherif" userId="c83b1e15-36f3-4f46-aceb-05aac24c545e" providerId="ADAL" clId="{E6EB0EA7-2544-4CF1-A7D6-AFF5E9AECA5D}" dt="2020-05-14T17:16:25.708" v="6"/>
-        <pc:sldMkLst>
-          <pc:docMk/>
-          <pc:sldMk cId="3210992163" sldId="369"/>
-        </pc:sldMkLst>
-        <pc:spChg chg="mod">
-          <ac:chgData name="Khattab, Sherif" userId="c83b1e15-36f3-4f46-aceb-05aac24c545e" providerId="ADAL" clId="{E6EB0EA7-2544-4CF1-A7D6-AFF5E9AECA5D}" dt="2020-05-14T17:16:25.708" v="6"/>
-          <ac:spMkLst>
-            <pc:docMk/>
-            <pc:sldMk cId="3210992163" sldId="369"/>
-            <ac:spMk id="4" creationId="{73DBA84E-7D96-E442-8FC3-A0C3749B1CC1}"/>
-          </ac:spMkLst>
-        </pc:spChg>
-        <pc:spChg chg="mod">
-          <ac:chgData name="Khattab, Sherif" userId="c83b1e15-36f3-4f46-aceb-05aac24c545e" providerId="ADAL" clId="{E6EB0EA7-2544-4CF1-A7D6-AFF5E9AECA5D}" dt="2020-05-14T17:16:25.708" v="6"/>
-          <ac:spMkLst>
-            <pc:docMk/>
-            <pc:sldMk cId="3210992163" sldId="369"/>
-            <ac:spMk id="5" creationId="{B9F1484A-3D19-CA4A-81F0-82E85A0AC7BB}"/>
-          </ac:spMkLst>
-        </pc:spChg>
-        <pc:spChg chg="mod">
-          <ac:chgData name="Khattab, Sherif" userId="c83b1e15-36f3-4f46-aceb-05aac24c545e" providerId="ADAL" clId="{E6EB0EA7-2544-4CF1-A7D6-AFF5E9AECA5D}" dt="2020-05-14T17:16:25.708" v="6"/>
-          <ac:spMkLst>
-            <pc:docMk/>
-            <pc:sldMk cId="3210992163" sldId="369"/>
-            <ac:spMk id="100354" creationId="{E957CE05-A4BD-144F-A0C4-0AAE7BD7009B}"/>
-          </ac:spMkLst>
-        </pc:spChg>
-        <pc:spChg chg="mod">
-          <ac:chgData name="Khattab, Sherif" userId="c83b1e15-36f3-4f46-aceb-05aac24c545e" providerId="ADAL" clId="{E6EB0EA7-2544-4CF1-A7D6-AFF5E9AECA5D}" dt="2020-05-14T17:16:25.708" v="6"/>
-          <ac:spMkLst>
-            <pc:docMk/>
-            <pc:sldMk cId="3210992163" sldId="369"/>
-            <ac:spMk id="100355" creationId="{0C36604A-A763-A345-B88E-8E6F2BF0C1FE}"/>
-          </ac:spMkLst>
-        </pc:spChg>
-      </pc:sldChg>
-      <pc:sldChg chg="modSp">
-        <pc:chgData name="Khattab, Sherif" userId="c83b1e15-36f3-4f46-aceb-05aac24c545e" providerId="ADAL" clId="{E6EB0EA7-2544-4CF1-A7D6-AFF5E9AECA5D}" dt="2020-05-14T17:16:25.708" v="6"/>
-        <pc:sldMkLst>
-          <pc:docMk/>
-          <pc:sldMk cId="4013065491" sldId="370"/>
-        </pc:sldMkLst>
-        <pc:spChg chg="mod">
-          <ac:chgData name="Khattab, Sherif" userId="c83b1e15-36f3-4f46-aceb-05aac24c545e" providerId="ADAL" clId="{E6EB0EA7-2544-4CF1-A7D6-AFF5E9AECA5D}" dt="2020-05-14T17:16:25.708" v="6"/>
-          <ac:spMkLst>
-            <pc:docMk/>
-            <pc:sldMk cId="4013065491" sldId="370"/>
-            <ac:spMk id="6" creationId="{B0B49E68-86D2-5744-ABD1-0A95627B1316}"/>
-          </ac:spMkLst>
-        </pc:spChg>
-        <pc:spChg chg="mod">
-          <ac:chgData name="Khattab, Sherif" userId="c83b1e15-36f3-4f46-aceb-05aac24c545e" providerId="ADAL" clId="{E6EB0EA7-2544-4CF1-A7D6-AFF5E9AECA5D}" dt="2020-05-14T17:16:25.708" v="6"/>
-          <ac:spMkLst>
-            <pc:docMk/>
-            <pc:sldMk cId="4013065491" sldId="370"/>
-            <ac:spMk id="7" creationId="{FD8B4B24-CAA8-9C41-A932-1538077BB231}"/>
-          </ac:spMkLst>
-        </pc:spChg>
-        <pc:spChg chg="mod">
-          <ac:chgData name="Khattab, Sherif" userId="c83b1e15-36f3-4f46-aceb-05aac24c545e" providerId="ADAL" clId="{E6EB0EA7-2544-4CF1-A7D6-AFF5E9AECA5D}" dt="2020-05-14T17:16:25.708" v="6"/>
-          <ac:spMkLst>
-            <pc:docMk/>
-            <pc:sldMk cId="4013065491" sldId="370"/>
-            <ac:spMk id="101378" creationId="{1C91B2E0-F076-D54D-8685-060CEC00A4EC}"/>
-          </ac:spMkLst>
-        </pc:spChg>
-      </pc:sldChg>
-      <pc:sldChg chg="modSp">
-        <pc:chgData name="Khattab, Sherif" userId="c83b1e15-36f3-4f46-aceb-05aac24c545e" providerId="ADAL" clId="{E6EB0EA7-2544-4CF1-A7D6-AFF5E9AECA5D}" dt="2020-05-14T17:16:25.708" v="6"/>
-        <pc:sldMkLst>
-          <pc:docMk/>
-          <pc:sldMk cId="2592968416" sldId="371"/>
-        </pc:sldMkLst>
-        <pc:spChg chg="mod">
-          <ac:chgData name="Khattab, Sherif" userId="c83b1e15-36f3-4f46-aceb-05aac24c545e" providerId="ADAL" clId="{E6EB0EA7-2544-4CF1-A7D6-AFF5E9AECA5D}" dt="2020-05-14T17:16:25.708" v="6"/>
-          <ac:spMkLst>
-            <pc:docMk/>
-            <pc:sldMk cId="2592968416" sldId="371"/>
-            <ac:spMk id="6" creationId="{04A613E7-574B-C34F-80DA-88C723B69E84}"/>
-          </ac:spMkLst>
-        </pc:spChg>
-        <pc:spChg chg="mod">
-          <ac:chgData name="Khattab, Sherif" userId="c83b1e15-36f3-4f46-aceb-05aac24c545e" providerId="ADAL" clId="{E6EB0EA7-2544-4CF1-A7D6-AFF5E9AECA5D}" dt="2020-05-14T17:16:25.708" v="6"/>
-          <ac:spMkLst>
-            <pc:docMk/>
-            <pc:sldMk cId="2592968416" sldId="371"/>
-            <ac:spMk id="7" creationId="{7CC2F7F6-93EA-AE4F-84CC-7374B32F503D}"/>
-          </ac:spMkLst>
-        </pc:spChg>
-        <pc:spChg chg="mod">
-          <ac:chgData name="Khattab, Sherif" userId="c83b1e15-36f3-4f46-aceb-05aac24c545e" providerId="ADAL" clId="{E6EB0EA7-2544-4CF1-A7D6-AFF5E9AECA5D}" dt="2020-05-14T17:16:25.708" v="6"/>
-          <ac:spMkLst>
-            <pc:docMk/>
-            <pc:sldMk cId="2592968416" sldId="371"/>
-            <ac:spMk id="102404" creationId="{6FDA00AC-6865-D94C-836F-7D9600078A83}"/>
-          </ac:spMkLst>
-        </pc:spChg>
-      </pc:sldChg>
-      <pc:sldChg chg="modSp">
-        <pc:chgData name="Khattab, Sherif" userId="c83b1e15-36f3-4f46-aceb-05aac24c545e" providerId="ADAL" clId="{E6EB0EA7-2544-4CF1-A7D6-AFF5E9AECA5D}" dt="2020-05-14T17:16:25.708" v="6"/>
-        <pc:sldMkLst>
-          <pc:docMk/>
-          <pc:sldMk cId="3848335379" sldId="372"/>
-        </pc:sldMkLst>
-        <pc:spChg chg="mod">
-          <ac:chgData name="Khattab, Sherif" userId="c83b1e15-36f3-4f46-aceb-05aac24c545e" providerId="ADAL" clId="{E6EB0EA7-2544-4CF1-A7D6-AFF5E9AECA5D}" dt="2020-05-14T17:16:25.708" v="6"/>
-          <ac:spMkLst>
-            <pc:docMk/>
-            <pc:sldMk cId="3848335379" sldId="372"/>
-            <ac:spMk id="7" creationId="{1C1CA73E-1E55-D244-B89B-B72382873627}"/>
-          </ac:spMkLst>
-        </pc:spChg>
-        <pc:spChg chg="mod">
-          <ac:chgData name="Khattab, Sherif" userId="c83b1e15-36f3-4f46-aceb-05aac24c545e" providerId="ADAL" clId="{E6EB0EA7-2544-4CF1-A7D6-AFF5E9AECA5D}" dt="2020-05-14T17:16:25.708" v="6"/>
-          <ac:spMkLst>
-            <pc:docMk/>
-            <pc:sldMk cId="3848335379" sldId="372"/>
-            <ac:spMk id="8" creationId="{79E131D4-95F6-D248-9154-AE15F551EEE7}"/>
-          </ac:spMkLst>
-        </pc:spChg>
-        <pc:spChg chg="mod">
-          <ac:chgData name="Khattab, Sherif" userId="c83b1e15-36f3-4f46-aceb-05aac24c545e" providerId="ADAL" clId="{E6EB0EA7-2544-4CF1-A7D6-AFF5E9AECA5D}" dt="2020-05-14T17:16:25.708" v="6"/>
-          <ac:spMkLst>
-            <pc:docMk/>
-            <pc:sldMk cId="3848335379" sldId="372"/>
-            <ac:spMk id="103429" creationId="{8D930911-1A6D-B54F-B76E-66809DD1728E}"/>
-          </ac:spMkLst>
-        </pc:spChg>
-        <pc:spChg chg="mod">
-          <ac:chgData name="Khattab, Sherif" userId="c83b1e15-36f3-4f46-aceb-05aac24c545e" providerId="ADAL" clId="{E6EB0EA7-2544-4CF1-A7D6-AFF5E9AECA5D}" dt="2020-05-14T17:16:25.708" v="6"/>
-          <ac:spMkLst>
-            <pc:docMk/>
-            <pc:sldMk cId="3848335379" sldId="372"/>
-            <ac:spMk id="103430" creationId="{0CA11B9E-1475-6C4F-9C95-B08141F31ADC}"/>
-          </ac:spMkLst>
-        </pc:spChg>
-      </pc:sldChg>
-      <pc:sldChg chg="modSp">
-        <pc:chgData name="Khattab, Sherif" userId="c83b1e15-36f3-4f46-aceb-05aac24c545e" providerId="ADAL" clId="{E6EB0EA7-2544-4CF1-A7D6-AFF5E9AECA5D}" dt="2020-05-14T17:16:25.708" v="6"/>
-        <pc:sldMkLst>
-          <pc:docMk/>
-          <pc:sldMk cId="3161117264" sldId="373"/>
-        </pc:sldMkLst>
-        <pc:spChg chg="mod">
-          <ac:chgData name="Khattab, Sherif" userId="c83b1e15-36f3-4f46-aceb-05aac24c545e" providerId="ADAL" clId="{E6EB0EA7-2544-4CF1-A7D6-AFF5E9AECA5D}" dt="2020-05-14T17:16:25.708" v="6"/>
-          <ac:spMkLst>
-            <pc:docMk/>
-            <pc:sldMk cId="3161117264" sldId="373"/>
-            <ac:spMk id="4" creationId="{D286E859-8EBE-914A-BE43-1BFE745BB03C}"/>
-          </ac:spMkLst>
-        </pc:spChg>
-        <pc:spChg chg="mod">
-          <ac:chgData name="Khattab, Sherif" userId="c83b1e15-36f3-4f46-aceb-05aac24c545e" providerId="ADAL" clId="{E6EB0EA7-2544-4CF1-A7D6-AFF5E9AECA5D}" dt="2020-05-14T17:16:25.708" v="6"/>
-          <ac:spMkLst>
-            <pc:docMk/>
-            <pc:sldMk cId="3161117264" sldId="373"/>
-            <ac:spMk id="5" creationId="{BB0DD3E4-3515-714D-878B-FD1CC73773E4}"/>
-          </ac:spMkLst>
-        </pc:spChg>
-        <pc:spChg chg="mod">
-          <ac:chgData name="Khattab, Sherif" userId="c83b1e15-36f3-4f46-aceb-05aac24c545e" providerId="ADAL" clId="{E6EB0EA7-2544-4CF1-A7D6-AFF5E9AECA5D}" dt="2020-05-14T17:16:25.708" v="6"/>
-          <ac:spMkLst>
-            <pc:docMk/>
-            <pc:sldMk cId="3161117264" sldId="373"/>
-            <ac:spMk id="104450" creationId="{EB53BFD2-2569-C440-A78C-F70A1D185BE8}"/>
-          </ac:spMkLst>
-        </pc:spChg>
-        <pc:spChg chg="mod">
-          <ac:chgData name="Khattab, Sherif" userId="c83b1e15-36f3-4f46-aceb-05aac24c545e" providerId="ADAL" clId="{E6EB0EA7-2544-4CF1-A7D6-AFF5E9AECA5D}" dt="2020-05-14T17:16:25.708" v="6"/>
-          <ac:spMkLst>
-            <pc:docMk/>
-            <pc:sldMk cId="3161117264" sldId="373"/>
-            <ac:spMk id="104451" creationId="{36A9E868-CE41-B547-B6C1-87C325B8A1FF}"/>
-          </ac:spMkLst>
-        </pc:spChg>
-      </pc:sldChg>
-      <pc:sldChg chg="modSp">
-        <pc:chgData name="Khattab, Sherif" userId="c83b1e15-36f3-4f46-aceb-05aac24c545e" providerId="ADAL" clId="{E6EB0EA7-2544-4CF1-A7D6-AFF5E9AECA5D}" dt="2020-05-14T17:16:25.708" v="6"/>
-        <pc:sldMkLst>
-          <pc:docMk/>
-          <pc:sldMk cId="1542066946" sldId="374"/>
-        </pc:sldMkLst>
-        <pc:spChg chg="mod">
-          <ac:chgData name="Khattab, Sherif" userId="c83b1e15-36f3-4f46-aceb-05aac24c545e" providerId="ADAL" clId="{E6EB0EA7-2544-4CF1-A7D6-AFF5E9AECA5D}" dt="2020-05-14T17:16:25.708" v="6"/>
-          <ac:spMkLst>
-            <pc:docMk/>
-            <pc:sldMk cId="1542066946" sldId="374"/>
-            <ac:spMk id="4" creationId="{EEDC933A-1F17-A24F-80B2-2B746C541E3D}"/>
-          </ac:spMkLst>
-        </pc:spChg>
-        <pc:spChg chg="mod">
-          <ac:chgData name="Khattab, Sherif" userId="c83b1e15-36f3-4f46-aceb-05aac24c545e" providerId="ADAL" clId="{E6EB0EA7-2544-4CF1-A7D6-AFF5E9AECA5D}" dt="2020-05-14T17:16:25.708" v="6"/>
-          <ac:spMkLst>
-            <pc:docMk/>
-            <pc:sldMk cId="1542066946" sldId="374"/>
-            <ac:spMk id="5" creationId="{309D0953-6635-1B4D-A779-9F44EE0705E6}"/>
-          </ac:spMkLst>
-        </pc:spChg>
-        <pc:spChg chg="mod">
-          <ac:chgData name="Khattab, Sherif" userId="c83b1e15-36f3-4f46-aceb-05aac24c545e" providerId="ADAL" clId="{E6EB0EA7-2544-4CF1-A7D6-AFF5E9AECA5D}" dt="2020-05-14T17:16:25.708" v="6"/>
-          <ac:spMkLst>
-            <pc:docMk/>
-            <pc:sldMk cId="1542066946" sldId="374"/>
-            <ac:spMk id="105474" creationId="{6E60B537-4E2B-3645-8740-E45FF319D167}"/>
-          </ac:spMkLst>
-        </pc:spChg>
-        <pc:spChg chg="mod">
-          <ac:chgData name="Khattab, Sherif" userId="c83b1e15-36f3-4f46-aceb-05aac24c545e" providerId="ADAL" clId="{E6EB0EA7-2544-4CF1-A7D6-AFF5E9AECA5D}" dt="2020-05-14T17:16:25.708" v="6"/>
-          <ac:spMkLst>
-            <pc:docMk/>
-            <pc:sldMk cId="1542066946" sldId="374"/>
-            <ac:spMk id="105475" creationId="{B2EA02B2-FF2F-E840-9115-9F46B908CC54}"/>
-          </ac:spMkLst>
-        </pc:spChg>
-      </pc:sldChg>
-      <pc:sldChg chg="modSp">
-        <pc:chgData name="Khattab, Sherif" userId="c83b1e15-36f3-4f46-aceb-05aac24c545e" providerId="ADAL" clId="{E6EB0EA7-2544-4CF1-A7D6-AFF5E9AECA5D}" dt="2020-05-14T17:16:25.708" v="6"/>
-        <pc:sldMkLst>
-          <pc:docMk/>
-          <pc:sldMk cId="834112894" sldId="375"/>
-        </pc:sldMkLst>
-        <pc:spChg chg="mod">
-          <ac:chgData name="Khattab, Sherif" userId="c83b1e15-36f3-4f46-aceb-05aac24c545e" providerId="ADAL" clId="{E6EB0EA7-2544-4CF1-A7D6-AFF5E9AECA5D}" dt="2020-05-14T17:16:25.708" v="6"/>
-          <ac:spMkLst>
-            <pc:docMk/>
-            <pc:sldMk cId="834112894" sldId="375"/>
-            <ac:spMk id="4" creationId="{31956E2C-E5A6-0647-BF42-137E615716E0}"/>
-          </ac:spMkLst>
-        </pc:spChg>
-        <pc:spChg chg="mod">
-          <ac:chgData name="Khattab, Sherif" userId="c83b1e15-36f3-4f46-aceb-05aac24c545e" providerId="ADAL" clId="{E6EB0EA7-2544-4CF1-A7D6-AFF5E9AECA5D}" dt="2020-05-14T17:16:25.708" v="6"/>
-          <ac:spMkLst>
-            <pc:docMk/>
-            <pc:sldMk cId="834112894" sldId="375"/>
-            <ac:spMk id="5" creationId="{B7C7726A-A27A-B54E-8233-121EE02C6ADC}"/>
-          </ac:spMkLst>
-        </pc:spChg>
-        <pc:spChg chg="mod">
-          <ac:chgData name="Khattab, Sherif" userId="c83b1e15-36f3-4f46-aceb-05aac24c545e" providerId="ADAL" clId="{E6EB0EA7-2544-4CF1-A7D6-AFF5E9AECA5D}" dt="2020-05-14T17:16:25.708" v="6"/>
-          <ac:spMkLst>
-            <pc:docMk/>
-            <pc:sldMk cId="834112894" sldId="375"/>
-            <ac:spMk id="112642" creationId="{838EA777-B608-8E4A-8B51-786B3BEF4E8D}"/>
-          </ac:spMkLst>
-        </pc:spChg>
-        <pc:spChg chg="mod">
-          <ac:chgData name="Khattab, Sherif" userId="c83b1e15-36f3-4f46-aceb-05aac24c545e" providerId="ADAL" clId="{E6EB0EA7-2544-4CF1-A7D6-AFF5E9AECA5D}" dt="2020-05-14T17:16:25.708" v="6"/>
-          <ac:spMkLst>
-            <pc:docMk/>
-            <pc:sldMk cId="834112894" sldId="375"/>
-            <ac:spMk id="112643" creationId="{362D90CE-C693-414D-B6F5-8829A4C95071}"/>
-          </ac:spMkLst>
-        </pc:spChg>
-      </pc:sldChg>
-      <pc:sldChg chg="modSp">
-        <pc:chgData name="Khattab, Sherif" userId="c83b1e15-36f3-4f46-aceb-05aac24c545e" providerId="ADAL" clId="{E6EB0EA7-2544-4CF1-A7D6-AFF5E9AECA5D}" dt="2020-05-14T17:16:25.708" v="6"/>
-        <pc:sldMkLst>
-          <pc:docMk/>
-          <pc:sldMk cId="1165577892" sldId="376"/>
-        </pc:sldMkLst>
-        <pc:spChg chg="mod">
-          <ac:chgData name="Khattab, Sherif" userId="c83b1e15-36f3-4f46-aceb-05aac24c545e" providerId="ADAL" clId="{E6EB0EA7-2544-4CF1-A7D6-AFF5E9AECA5D}" dt="2020-05-14T17:16:25.708" v="6"/>
-          <ac:spMkLst>
-            <pc:docMk/>
-            <pc:sldMk cId="1165577892" sldId="376"/>
-            <ac:spMk id="40" creationId="{67328B6C-4287-814A-93BF-39FD1F8937B2}"/>
-          </ac:spMkLst>
-        </pc:spChg>
-        <pc:spChg chg="mod">
-          <ac:chgData name="Khattab, Sherif" userId="c83b1e15-36f3-4f46-aceb-05aac24c545e" providerId="ADAL" clId="{E6EB0EA7-2544-4CF1-A7D6-AFF5E9AECA5D}" dt="2020-05-14T17:16:25.708" v="6"/>
-          <ac:spMkLst>
-            <pc:docMk/>
-            <pc:sldMk cId="1165577892" sldId="376"/>
-            <ac:spMk id="41" creationId="{8B2F9FDC-8F0A-CC49-98A2-71FB6688BA80}"/>
-          </ac:spMkLst>
-        </pc:spChg>
-        <pc:spChg chg="mod">
-          <ac:chgData name="Khattab, Sherif" userId="c83b1e15-36f3-4f46-aceb-05aac24c545e" providerId="ADAL" clId="{E6EB0EA7-2544-4CF1-A7D6-AFF5E9AECA5D}" dt="2020-05-14T17:16:25.708" v="6"/>
-          <ac:spMkLst>
-            <pc:docMk/>
-            <pc:sldMk cId="1165577892" sldId="376"/>
-            <ac:spMk id="113666" creationId="{75B0BB18-45FE-C145-86F9-5F2D13AD61F3}"/>
-          </ac:spMkLst>
-        </pc:spChg>
-        <pc:spChg chg="mod">
-          <ac:chgData name="Khattab, Sherif" userId="c83b1e15-36f3-4f46-aceb-05aac24c545e" providerId="ADAL" clId="{E6EB0EA7-2544-4CF1-A7D6-AFF5E9AECA5D}" dt="2020-05-14T17:16:25.708" v="6"/>
-          <ac:spMkLst>
-            <pc:docMk/>
-            <pc:sldMk cId="1165577892" sldId="376"/>
-            <ac:spMk id="113667" creationId="{53E09A75-9602-D845-8429-42B9F821B4BA}"/>
-          </ac:spMkLst>
-        </pc:spChg>
-      </pc:sldChg>
-      <pc:sldChg chg="modSp">
-        <pc:chgData name="Khattab, Sherif" userId="c83b1e15-36f3-4f46-aceb-05aac24c545e" providerId="ADAL" clId="{E6EB0EA7-2544-4CF1-A7D6-AFF5E9AECA5D}" dt="2020-05-14T17:16:25.708" v="6"/>
-        <pc:sldMkLst>
-          <pc:docMk/>
-          <pc:sldMk cId="583513582" sldId="377"/>
-        </pc:sldMkLst>
-        <pc:spChg chg="mod">
-          <ac:chgData name="Khattab, Sherif" userId="c83b1e15-36f3-4f46-aceb-05aac24c545e" providerId="ADAL" clId="{E6EB0EA7-2544-4CF1-A7D6-AFF5E9AECA5D}" dt="2020-05-14T17:16:25.708" v="6"/>
-          <ac:spMkLst>
-            <pc:docMk/>
-            <pc:sldMk cId="583513582" sldId="377"/>
-            <ac:spMk id="7" creationId="{0E336C6B-24E5-C547-995B-7595329F8449}"/>
-          </ac:spMkLst>
-        </pc:spChg>
-        <pc:spChg chg="mod">
-          <ac:chgData name="Khattab, Sherif" userId="c83b1e15-36f3-4f46-aceb-05aac24c545e" providerId="ADAL" clId="{E6EB0EA7-2544-4CF1-A7D6-AFF5E9AECA5D}" dt="2020-05-14T17:16:25.708" v="6"/>
-          <ac:spMkLst>
-            <pc:docMk/>
-            <pc:sldMk cId="583513582" sldId="377"/>
-            <ac:spMk id="8" creationId="{E0264D84-51E2-CF40-866C-B9902608A9A7}"/>
-          </ac:spMkLst>
-        </pc:spChg>
-        <pc:spChg chg="mod">
-          <ac:chgData name="Khattab, Sherif" userId="c83b1e15-36f3-4f46-aceb-05aac24c545e" providerId="ADAL" clId="{E6EB0EA7-2544-4CF1-A7D6-AFF5E9AECA5D}" dt="2020-05-14T17:16:25.708" v="6"/>
-          <ac:spMkLst>
-            <pc:docMk/>
-            <pc:sldMk cId="583513582" sldId="377"/>
-            <ac:spMk id="114693" creationId="{2AAD9DE3-45D5-A249-B337-D99D281826B9}"/>
-          </ac:spMkLst>
-        </pc:spChg>
-      </pc:sldChg>
-      <pc:sldChg chg="modSp">
-        <pc:chgData name="Khattab, Sherif" userId="c83b1e15-36f3-4f46-aceb-05aac24c545e" providerId="ADAL" clId="{E6EB0EA7-2544-4CF1-A7D6-AFF5E9AECA5D}" dt="2020-05-14T17:16:25.708" v="6"/>
-        <pc:sldMkLst>
-          <pc:docMk/>
-          <pc:sldMk cId="3990797458" sldId="378"/>
-        </pc:sldMkLst>
-        <pc:spChg chg="mod">
-          <ac:chgData name="Khattab, Sherif" userId="c83b1e15-36f3-4f46-aceb-05aac24c545e" providerId="ADAL" clId="{E6EB0EA7-2544-4CF1-A7D6-AFF5E9AECA5D}" dt="2020-05-14T17:16:25.708" v="6"/>
-          <ac:spMkLst>
-            <pc:docMk/>
-            <pc:sldMk cId="3990797458" sldId="378"/>
-            <ac:spMk id="4" creationId="{BD0C602E-3244-7347-8C4C-7141324C4D74}"/>
-          </ac:spMkLst>
-        </pc:spChg>
-        <pc:spChg chg="mod">
-          <ac:chgData name="Khattab, Sherif" userId="c83b1e15-36f3-4f46-aceb-05aac24c545e" providerId="ADAL" clId="{E6EB0EA7-2544-4CF1-A7D6-AFF5E9AECA5D}" dt="2020-05-14T17:16:25.708" v="6"/>
-          <ac:spMkLst>
-            <pc:docMk/>
-            <pc:sldMk cId="3990797458" sldId="378"/>
-            <ac:spMk id="5" creationId="{83641B87-BBB9-9941-85A4-F6E6D630A406}"/>
-          </ac:spMkLst>
-        </pc:spChg>
-        <pc:spChg chg="mod">
-          <ac:chgData name="Khattab, Sherif" userId="c83b1e15-36f3-4f46-aceb-05aac24c545e" providerId="ADAL" clId="{E6EB0EA7-2544-4CF1-A7D6-AFF5E9AECA5D}" dt="2020-05-14T17:16:25.708" v="6"/>
-          <ac:spMkLst>
-            <pc:docMk/>
-            <pc:sldMk cId="3990797458" sldId="378"/>
-            <ac:spMk id="115714" creationId="{662FDEC6-1A57-7A4E-BD61-B4C9C42FB107}"/>
-          </ac:spMkLst>
-        </pc:spChg>
-        <pc:spChg chg="mod">
-          <ac:chgData name="Khattab, Sherif" userId="c83b1e15-36f3-4f46-aceb-05aac24c545e" providerId="ADAL" clId="{E6EB0EA7-2544-4CF1-A7D6-AFF5E9AECA5D}" dt="2020-05-14T17:16:25.708" v="6"/>
-          <ac:spMkLst>
-            <pc:docMk/>
-            <pc:sldMk cId="3990797458" sldId="378"/>
-            <ac:spMk id="115715" creationId="{9CCF0D6A-3A12-D542-BC48-B9C95F39152F}"/>
-          </ac:spMkLst>
-        </pc:spChg>
-      </pc:sldChg>
-      <pc:sldChg chg="modSp">
-        <pc:chgData name="Khattab, Sherif" userId="c83b1e15-36f3-4f46-aceb-05aac24c545e" providerId="ADAL" clId="{E6EB0EA7-2544-4CF1-A7D6-AFF5E9AECA5D}" dt="2020-05-14T17:16:25.708" v="6"/>
-        <pc:sldMkLst>
-          <pc:docMk/>
-          <pc:sldMk cId="2736486443" sldId="379"/>
-        </pc:sldMkLst>
-        <pc:spChg chg="mod">
-          <ac:chgData name="Khattab, Sherif" userId="c83b1e15-36f3-4f46-aceb-05aac24c545e" providerId="ADAL" clId="{E6EB0EA7-2544-4CF1-A7D6-AFF5E9AECA5D}" dt="2020-05-14T17:16:25.708" v="6"/>
-          <ac:spMkLst>
-            <pc:docMk/>
-            <pc:sldMk cId="2736486443" sldId="379"/>
-            <ac:spMk id="7" creationId="{58C40539-46F0-494A-8163-8D5BF28501B8}"/>
-          </ac:spMkLst>
-        </pc:spChg>
-        <pc:spChg chg="mod">
-          <ac:chgData name="Khattab, Sherif" userId="c83b1e15-36f3-4f46-aceb-05aac24c545e" providerId="ADAL" clId="{E6EB0EA7-2544-4CF1-A7D6-AFF5E9AECA5D}" dt="2020-05-14T17:16:25.708" v="6"/>
-          <ac:spMkLst>
-            <pc:docMk/>
-            <pc:sldMk cId="2736486443" sldId="379"/>
-            <ac:spMk id="8" creationId="{FE005030-9F97-AB44-8CA9-4B4CEC2B226B}"/>
-          </ac:spMkLst>
-        </pc:spChg>
-        <pc:spChg chg="mod">
-          <ac:chgData name="Khattab, Sherif" userId="c83b1e15-36f3-4f46-aceb-05aac24c545e" providerId="ADAL" clId="{E6EB0EA7-2544-4CF1-A7D6-AFF5E9AECA5D}" dt="2020-05-14T17:16:25.708" v="6"/>
-          <ac:spMkLst>
-            <pc:docMk/>
-            <pc:sldMk cId="2736486443" sldId="379"/>
-            <ac:spMk id="116741" creationId="{61954CF2-0056-D24F-AC34-B313ACE689DF}"/>
-          </ac:spMkLst>
-        </pc:spChg>
-        <pc:spChg chg="mod">
-          <ac:chgData name="Khattab, Sherif" userId="c83b1e15-36f3-4f46-aceb-05aac24c545e" providerId="ADAL" clId="{E6EB0EA7-2544-4CF1-A7D6-AFF5E9AECA5D}" dt="2020-05-14T17:16:25.708" v="6"/>
-          <ac:spMkLst>
-            <pc:docMk/>
-            <pc:sldMk cId="2736486443" sldId="379"/>
-            <ac:spMk id="116742" creationId="{7FDA39D6-D460-F84C-B825-972ADE5DCF4A}"/>
-          </ac:spMkLst>
-        </pc:spChg>
-      </pc:sldChg>
-      <pc:sldChg chg="modSp">
-        <pc:chgData name="Khattab, Sherif" userId="c83b1e15-36f3-4f46-aceb-05aac24c545e" providerId="ADAL" clId="{E6EB0EA7-2544-4CF1-A7D6-AFF5E9AECA5D}" dt="2020-05-14T17:16:25.708" v="6"/>
-        <pc:sldMkLst>
-          <pc:docMk/>
-          <pc:sldMk cId="541381985" sldId="380"/>
-        </pc:sldMkLst>
-        <pc:spChg chg="mod">
-          <ac:chgData name="Khattab, Sherif" userId="c83b1e15-36f3-4f46-aceb-05aac24c545e" providerId="ADAL" clId="{E6EB0EA7-2544-4CF1-A7D6-AFF5E9AECA5D}" dt="2020-05-14T17:16:25.708" v="6"/>
-          <ac:spMkLst>
-            <pc:docMk/>
-            <pc:sldMk cId="541381985" sldId="380"/>
-            <ac:spMk id="23" creationId="{D8BAE81C-B76B-1043-9117-0845AC5B4638}"/>
-          </ac:spMkLst>
-        </pc:spChg>
-        <pc:spChg chg="mod">
-          <ac:chgData name="Khattab, Sherif" userId="c83b1e15-36f3-4f46-aceb-05aac24c545e" providerId="ADAL" clId="{E6EB0EA7-2544-4CF1-A7D6-AFF5E9AECA5D}" dt="2020-05-14T17:16:25.708" v="6"/>
-          <ac:spMkLst>
-            <pc:docMk/>
-            <pc:sldMk cId="541381985" sldId="380"/>
-            <ac:spMk id="24" creationId="{E12A7118-22DB-E24A-AC7D-671F01F34327}"/>
-          </ac:spMkLst>
-        </pc:spChg>
-        <pc:spChg chg="mod">
-          <ac:chgData name="Khattab, Sherif" userId="c83b1e15-36f3-4f46-aceb-05aac24c545e" providerId="ADAL" clId="{E6EB0EA7-2544-4CF1-A7D6-AFF5E9AECA5D}" dt="2020-05-14T17:16:25.708" v="6"/>
-          <ac:spMkLst>
-            <pc:docMk/>
-            <pc:sldMk cId="541381985" sldId="380"/>
-            <ac:spMk id="118786" creationId="{26D54543-5CF1-B947-A0EE-00F2D893EE94}"/>
-          </ac:spMkLst>
-        </pc:spChg>
-      </pc:sldChg>
-      <pc:sldChg chg="modSp">
-        <pc:chgData name="Khattab, Sherif" userId="c83b1e15-36f3-4f46-aceb-05aac24c545e" providerId="ADAL" clId="{E6EB0EA7-2544-4CF1-A7D6-AFF5E9AECA5D}" dt="2020-05-14T17:16:25.708" v="6"/>
-        <pc:sldMkLst>
-          <pc:docMk/>
-          <pc:sldMk cId="2235897330" sldId="381"/>
-        </pc:sldMkLst>
-        <pc:spChg chg="mod">
-          <ac:chgData name="Khattab, Sherif" userId="c83b1e15-36f3-4f46-aceb-05aac24c545e" providerId="ADAL" clId="{E6EB0EA7-2544-4CF1-A7D6-AFF5E9AECA5D}" dt="2020-05-14T17:16:25.708" v="6"/>
-          <ac:spMkLst>
-            <pc:docMk/>
-            <pc:sldMk cId="2235897330" sldId="381"/>
-            <ac:spMk id="6" creationId="{14AD1B91-AC10-B440-9C4C-C14AAC27D890}"/>
-          </ac:spMkLst>
-        </pc:spChg>
-        <pc:spChg chg="mod">
-          <ac:chgData name="Khattab, Sherif" userId="c83b1e15-36f3-4f46-aceb-05aac24c545e" providerId="ADAL" clId="{E6EB0EA7-2544-4CF1-A7D6-AFF5E9AECA5D}" dt="2020-05-14T17:16:25.708" v="6"/>
-          <ac:spMkLst>
-            <pc:docMk/>
-            <pc:sldMk cId="2235897330" sldId="381"/>
-            <ac:spMk id="7" creationId="{B9EE9886-5992-E94D-9C19-0A09959F63CE}"/>
-          </ac:spMkLst>
-        </pc:spChg>
-        <pc:spChg chg="mod">
-          <ac:chgData name="Khattab, Sherif" userId="c83b1e15-36f3-4f46-aceb-05aac24c545e" providerId="ADAL" clId="{E6EB0EA7-2544-4CF1-A7D6-AFF5E9AECA5D}" dt="2020-05-14T17:16:25.708" v="6"/>
-          <ac:spMkLst>
-            <pc:docMk/>
-            <pc:sldMk cId="2235897330" sldId="381"/>
-            <ac:spMk id="119812" creationId="{A73752DD-1D6A-F745-BB51-635DA198A402}"/>
-          </ac:spMkLst>
-        </pc:spChg>
-        <pc:spChg chg="mod">
-          <ac:chgData name="Khattab, Sherif" userId="c83b1e15-36f3-4f46-aceb-05aac24c545e" providerId="ADAL" clId="{E6EB0EA7-2544-4CF1-A7D6-AFF5E9AECA5D}" dt="2020-05-14T17:16:25.708" v="6"/>
-          <ac:spMkLst>
-            <pc:docMk/>
-            <pc:sldMk cId="2235897330" sldId="381"/>
-            <ac:spMk id="119813" creationId="{2D0E5FEC-FE0E-9048-B247-70B668077E38}"/>
-          </ac:spMkLst>
-        </pc:spChg>
-      </pc:sldChg>
-      <pc:sldChg chg="modSp">
-        <pc:chgData name="Khattab, Sherif" userId="c83b1e15-36f3-4f46-aceb-05aac24c545e" providerId="ADAL" clId="{E6EB0EA7-2544-4CF1-A7D6-AFF5E9AECA5D}" dt="2020-05-14T17:16:25.708" v="6"/>
-        <pc:sldMkLst>
-          <pc:docMk/>
-          <pc:sldMk cId="3360044446" sldId="382"/>
-        </pc:sldMkLst>
-        <pc:spChg chg="mod">
-          <ac:chgData name="Khattab, Sherif" userId="c83b1e15-36f3-4f46-aceb-05aac24c545e" providerId="ADAL" clId="{E6EB0EA7-2544-4CF1-A7D6-AFF5E9AECA5D}" dt="2020-05-14T17:16:25.708" v="6"/>
-          <ac:spMkLst>
-            <pc:docMk/>
-            <pc:sldMk cId="3360044446" sldId="382"/>
-            <ac:spMk id="6" creationId="{892037B0-DA9E-524E-9830-DB51F1E2FAD4}"/>
-          </ac:spMkLst>
-        </pc:spChg>
-        <pc:spChg chg="mod">
-          <ac:chgData name="Khattab, Sherif" userId="c83b1e15-36f3-4f46-aceb-05aac24c545e" providerId="ADAL" clId="{E6EB0EA7-2544-4CF1-A7D6-AFF5E9AECA5D}" dt="2020-05-14T17:16:25.708" v="6"/>
-          <ac:spMkLst>
-            <pc:docMk/>
-            <pc:sldMk cId="3360044446" sldId="382"/>
-            <ac:spMk id="7" creationId="{7AAA58F4-97D1-A64F-ABCD-20A52A9C827F}"/>
-          </ac:spMkLst>
-        </pc:spChg>
-        <pc:spChg chg="mod">
-          <ac:chgData name="Khattab, Sherif" userId="c83b1e15-36f3-4f46-aceb-05aac24c545e" providerId="ADAL" clId="{E6EB0EA7-2544-4CF1-A7D6-AFF5E9AECA5D}" dt="2020-05-14T17:16:25.708" v="6"/>
-          <ac:spMkLst>
-            <pc:docMk/>
-            <pc:sldMk cId="3360044446" sldId="382"/>
-            <ac:spMk id="120836" creationId="{88BA2802-16A1-694F-9A85-7A5E70F37E97}"/>
-          </ac:spMkLst>
-        </pc:spChg>
-      </pc:sldChg>
-      <pc:sldChg chg="modSp">
-        <pc:chgData name="Khattab, Sherif" userId="c83b1e15-36f3-4f46-aceb-05aac24c545e" providerId="ADAL" clId="{E6EB0EA7-2544-4CF1-A7D6-AFF5E9AECA5D}" dt="2020-05-14T17:16:25.708" v="6"/>
-        <pc:sldMkLst>
-          <pc:docMk/>
-          <pc:sldMk cId="1954384084" sldId="383"/>
-        </pc:sldMkLst>
-        <pc:spChg chg="mod">
-          <ac:chgData name="Khattab, Sherif" userId="c83b1e15-36f3-4f46-aceb-05aac24c545e" providerId="ADAL" clId="{E6EB0EA7-2544-4CF1-A7D6-AFF5E9AECA5D}" dt="2020-05-14T17:16:25.708" v="6"/>
-          <ac:spMkLst>
-            <pc:docMk/>
-            <pc:sldMk cId="1954384084" sldId="383"/>
-            <ac:spMk id="2" creationId="{C152C312-EE9A-B14C-81EE-6E9046ACD9F5}"/>
-          </ac:spMkLst>
-        </pc:spChg>
-        <pc:spChg chg="mod">
-          <ac:chgData name="Khattab, Sherif" userId="c83b1e15-36f3-4f46-aceb-05aac24c545e" providerId="ADAL" clId="{E6EB0EA7-2544-4CF1-A7D6-AFF5E9AECA5D}" dt="2020-05-14T17:16:25.708" v="6"/>
-          <ac:spMkLst>
-            <pc:docMk/>
-            <pc:sldMk cId="1954384084" sldId="383"/>
-            <ac:spMk id="6" creationId="{42655DCF-2496-8343-8285-CC501D3D933F}"/>
-          </ac:spMkLst>
-        </pc:spChg>
-        <pc:spChg chg="mod">
-          <ac:chgData name="Khattab, Sherif" userId="c83b1e15-36f3-4f46-aceb-05aac24c545e" providerId="ADAL" clId="{E6EB0EA7-2544-4CF1-A7D6-AFF5E9AECA5D}" dt="2020-05-14T17:16:25.708" v="6"/>
-          <ac:spMkLst>
-            <pc:docMk/>
-            <pc:sldMk cId="1954384084" sldId="383"/>
-            <ac:spMk id="7" creationId="{46F010D7-2CC3-2A4D-91D1-83C1FF96DE38}"/>
-          </ac:spMkLst>
-        </pc:spChg>
-        <pc:spChg chg="mod">
-          <ac:chgData name="Khattab, Sherif" userId="c83b1e15-36f3-4f46-aceb-05aac24c545e" providerId="ADAL" clId="{E6EB0EA7-2544-4CF1-A7D6-AFF5E9AECA5D}" dt="2020-05-14T17:16:25.708" v="6"/>
-          <ac:spMkLst>
-            <pc:docMk/>
-            <pc:sldMk cId="1954384084" sldId="383"/>
-            <ac:spMk id="121858" creationId="{996677B1-E9B9-7E43-80C2-5A0146DDFBD6}"/>
-          </ac:spMkLst>
-        </pc:spChg>
-      </pc:sldChg>
-      <pc:sldChg chg="modSp">
-        <pc:chgData name="Khattab, Sherif" userId="c83b1e15-36f3-4f46-aceb-05aac24c545e" providerId="ADAL" clId="{E6EB0EA7-2544-4CF1-A7D6-AFF5E9AECA5D}" dt="2020-05-14T17:16:25.708" v="6"/>
-        <pc:sldMkLst>
-          <pc:docMk/>
-          <pc:sldMk cId="220759689" sldId="384"/>
-        </pc:sldMkLst>
-        <pc:spChg chg="mod">
-          <ac:chgData name="Khattab, Sherif" userId="c83b1e15-36f3-4f46-aceb-05aac24c545e" providerId="ADAL" clId="{E6EB0EA7-2544-4CF1-A7D6-AFF5E9AECA5D}" dt="2020-05-14T17:16:25.708" v="6"/>
-          <ac:spMkLst>
-            <pc:docMk/>
-            <pc:sldMk cId="220759689" sldId="384"/>
-            <ac:spMk id="2" creationId="{CF207B98-521B-224F-9214-404C50F1BDD2}"/>
-          </ac:spMkLst>
-        </pc:spChg>
-        <pc:spChg chg="mod">
-          <ac:chgData name="Khattab, Sherif" userId="c83b1e15-36f3-4f46-aceb-05aac24c545e" providerId="ADAL" clId="{E6EB0EA7-2544-4CF1-A7D6-AFF5E9AECA5D}" dt="2020-05-14T17:16:25.708" v="6"/>
-          <ac:spMkLst>
-            <pc:docMk/>
-            <pc:sldMk cId="220759689" sldId="384"/>
-            <ac:spMk id="4" creationId="{CC9723C8-7544-8F48-9942-691DFD0E7709}"/>
-          </ac:spMkLst>
-        </pc:spChg>
-        <pc:spChg chg="mod">
-          <ac:chgData name="Khattab, Sherif" userId="c83b1e15-36f3-4f46-aceb-05aac24c545e" providerId="ADAL" clId="{E6EB0EA7-2544-4CF1-A7D6-AFF5E9AECA5D}" dt="2020-05-14T17:16:25.708" v="6"/>
-          <ac:spMkLst>
-            <pc:docMk/>
-            <pc:sldMk cId="220759689" sldId="384"/>
-            <ac:spMk id="5" creationId="{E6792081-A4F1-204D-89A2-A383EBF798DE}"/>
-          </ac:spMkLst>
-        </pc:spChg>
-        <pc:spChg chg="mod">
-          <ac:chgData name="Khattab, Sherif" userId="c83b1e15-36f3-4f46-aceb-05aac24c545e" providerId="ADAL" clId="{E6EB0EA7-2544-4CF1-A7D6-AFF5E9AECA5D}" dt="2020-05-14T17:16:25.708" v="6"/>
-          <ac:spMkLst>
-            <pc:docMk/>
-            <pc:sldMk cId="220759689" sldId="384"/>
-            <ac:spMk id="122883" creationId="{0E76E078-47E1-124A-A71A-BC95F0EC2D35}"/>
-          </ac:spMkLst>
-        </pc:spChg>
-      </pc:sldChg>
-      <pc:sldChg chg="modSp">
-        <pc:chgData name="Khattab, Sherif" userId="c83b1e15-36f3-4f46-aceb-05aac24c545e" providerId="ADAL" clId="{E6EB0EA7-2544-4CF1-A7D6-AFF5E9AECA5D}" dt="2020-05-14T17:16:25.708" v="6"/>
-        <pc:sldMkLst>
-          <pc:docMk/>
-          <pc:sldMk cId="2809799376" sldId="385"/>
-        </pc:sldMkLst>
-        <pc:spChg chg="mod">
-          <ac:chgData name="Khattab, Sherif" userId="c83b1e15-36f3-4f46-aceb-05aac24c545e" providerId="ADAL" clId="{E6EB0EA7-2544-4CF1-A7D6-AFF5E9AECA5D}" dt="2020-05-14T17:16:25.708" v="6"/>
-          <ac:spMkLst>
-            <pc:docMk/>
-            <pc:sldMk cId="2809799376" sldId="385"/>
-            <ac:spMk id="6" creationId="{5C0366B7-59B2-A44E-A41C-A7F29A0C0CA0}"/>
-          </ac:spMkLst>
-        </pc:spChg>
-        <pc:spChg chg="mod">
-          <ac:chgData name="Khattab, Sherif" userId="c83b1e15-36f3-4f46-aceb-05aac24c545e" providerId="ADAL" clId="{E6EB0EA7-2544-4CF1-A7D6-AFF5E9AECA5D}" dt="2020-05-14T17:16:25.708" v="6"/>
-          <ac:spMkLst>
-            <pc:docMk/>
-            <pc:sldMk cId="2809799376" sldId="385"/>
-            <ac:spMk id="7" creationId="{B7E9558F-D8D8-2248-A973-1E52834737CC}"/>
-          </ac:spMkLst>
-        </pc:spChg>
-        <pc:spChg chg="mod">
-          <ac:chgData name="Khattab, Sherif" userId="c83b1e15-36f3-4f46-aceb-05aac24c545e" providerId="ADAL" clId="{E6EB0EA7-2544-4CF1-A7D6-AFF5E9AECA5D}" dt="2020-05-14T17:16:25.708" v="6"/>
-          <ac:spMkLst>
-            <pc:docMk/>
-            <pc:sldMk cId="2809799376" sldId="385"/>
-            <ac:spMk id="123906" creationId="{C9706936-D7BB-8D41-95AD-F45EB6AAB603}"/>
-          </ac:spMkLst>
-        </pc:spChg>
-      </pc:sldChg>
-      <pc:sldChg chg="add">
-        <pc:chgData name="Khattab, Sherif" userId="c83b1e15-36f3-4f46-aceb-05aac24c545e" providerId="ADAL" clId="{E6EB0EA7-2544-4CF1-A7D6-AFF5E9AECA5D}" dt="2020-05-14T17:10:05.791" v="0"/>
+      <pc:sldChg chg="modSp mod">
+        <pc:chgData name="Khattab, Sherif" userId="c83b1e15-36f3-4f46-aceb-05aac24c545e" providerId="ADAL" clId="{FE92C68B-4A2B-491A-802D-9A016E970098}" dt="2021-01-21T02:51:24.200" v="12" actId="20577"/>
         <pc:sldMkLst>
           <pc:docMk/>
           <pc:sldMk cId="1330366002" sldId="454"/>
         </pc:sldMkLst>
-      </pc:sldChg>
-      <pc:sldMasterChg chg="modSldLayout">
-        <pc:chgData name="Khattab, Sherif" userId="c83b1e15-36f3-4f46-aceb-05aac24c545e" providerId="ADAL" clId="{E6EB0EA7-2544-4CF1-A7D6-AFF5E9AECA5D}" dt="2020-05-14T17:11:02.329" v="5" actId="478"/>
-        <pc:sldMasterMkLst>
-          <pc:docMk/>
-          <pc:sldMasterMk cId="0" sldId="2147483648"/>
-        </pc:sldMasterMkLst>
-        <pc:sldLayoutChg chg="addSp delSp modSp">
-          <pc:chgData name="Khattab, Sherif" userId="c83b1e15-36f3-4f46-aceb-05aac24c545e" providerId="ADAL" clId="{E6EB0EA7-2544-4CF1-A7D6-AFF5E9AECA5D}" dt="2020-05-14T17:11:02.329" v="5" actId="478"/>
-          <pc:sldLayoutMkLst>
-            <pc:docMk/>
-            <pc:sldMasterMk cId="0" sldId="2147483648"/>
-            <pc:sldLayoutMk cId="75952674" sldId="2147483651"/>
-          </pc:sldLayoutMkLst>
-          <pc:spChg chg="mod">
-            <ac:chgData name="Khattab, Sherif" userId="c83b1e15-36f3-4f46-aceb-05aac24c545e" providerId="ADAL" clId="{E6EB0EA7-2544-4CF1-A7D6-AFF5E9AECA5D}" dt="2020-05-14T17:10:58.314" v="4" actId="207"/>
-            <ac:spMkLst>
-              <pc:docMk/>
-              <pc:sldMasterMk cId="0" sldId="2147483648"/>
-              <pc:sldLayoutMk cId="75952674" sldId="2147483651"/>
-              <ac:spMk id="2" creationId="{00000000-0000-0000-0000-000000000000}"/>
-            </ac:spMkLst>
-          </pc:spChg>
-          <pc:picChg chg="add del mod">
-            <ac:chgData name="Khattab, Sherif" userId="c83b1e15-36f3-4f46-aceb-05aac24c545e" providerId="ADAL" clId="{E6EB0EA7-2544-4CF1-A7D6-AFF5E9AECA5D}" dt="2020-05-14T17:11:02.329" v="5" actId="478"/>
-            <ac:picMkLst>
-              <pc:docMk/>
-              <pc:sldMasterMk cId="0" sldId="2147483648"/>
-              <pc:sldLayoutMk cId="75952674" sldId="2147483651"/>
-              <ac:picMk id="10" creationId="{CE32924D-DB3B-4207-A608-C0B94DD56D2C}"/>
-            </ac:picMkLst>
-          </pc:picChg>
-        </pc:sldLayoutChg>
-      </pc:sldMasterChg>
+        <pc:spChg chg="mod">
+          <ac:chgData name="Khattab, Sherif" userId="c83b1e15-36f3-4f46-aceb-05aac24c545e" providerId="ADAL" clId="{FE92C68B-4A2B-491A-802D-9A016E970098}" dt="2021-01-21T02:51:24.200" v="12" actId="20577"/>
+          <ac:spMkLst>
+            <pc:docMk/>
+            <pc:sldMk cId="1330366002" sldId="454"/>
+            <ac:spMk id="3" creationId="{00000000-0000-0000-0000-000000000000}"/>
+          </ac:spMkLst>
+        </pc:spChg>
+      </pc:sldChg>
+      <pc:sldChg chg="modSp new mod">
+        <pc:chgData name="Khattab, Sherif" userId="c83b1e15-36f3-4f46-aceb-05aac24c545e" providerId="ADAL" clId="{FE92C68B-4A2B-491A-802D-9A016E970098}" dt="2021-01-21T02:52:14.809" v="71" actId="20577"/>
+        <pc:sldMkLst>
+          <pc:docMk/>
+          <pc:sldMk cId="702367729" sldId="496"/>
+        </pc:sldMkLst>
+        <pc:spChg chg="mod">
+          <ac:chgData name="Khattab, Sherif" userId="c83b1e15-36f3-4f46-aceb-05aac24c545e" providerId="ADAL" clId="{FE92C68B-4A2B-491A-802D-9A016E970098}" dt="2021-01-21T02:51:45.117" v="26" actId="20577"/>
+          <ac:spMkLst>
+            <pc:docMk/>
+            <pc:sldMk cId="702367729" sldId="496"/>
+            <ac:spMk id="2" creationId="{AB9EA720-F5B4-463B-B14C-1970BB85B2C8}"/>
+          </ac:spMkLst>
+        </pc:spChg>
+        <pc:spChg chg="mod">
+          <ac:chgData name="Khattab, Sherif" userId="c83b1e15-36f3-4f46-aceb-05aac24c545e" providerId="ADAL" clId="{FE92C68B-4A2B-491A-802D-9A016E970098}" dt="2021-01-21T02:52:14.809" v="71" actId="20577"/>
+          <ac:spMkLst>
+            <pc:docMk/>
+            <pc:sldMk cId="702367729" sldId="496"/>
+            <ac:spMk id="3" creationId="{2466C52D-9A48-4683-BE7F-268D8DB7FAAD}"/>
+          </ac:spMkLst>
+        </pc:spChg>
+      </pc:sldChg>
     </pc:docChg>
   </pc:docChgLst>
   <pc:docChgLst>
-    <pc:chgData name="Khattab, Sherif" userId="c83b1e15-36f3-4f46-aceb-05aac24c545e" providerId="ADAL" clId="{BA7E1913-A6F0-C848-94D5-CEC45678B150}"/>
-    <pc:docChg chg="addSld modSld">
-      <pc:chgData name="Khattab, Sherif" userId="c83b1e15-36f3-4f46-aceb-05aac24c545e" providerId="ADAL" clId="{BA7E1913-A6F0-C848-94D5-CEC45678B150}" dt="2021-01-20T03:36:45.256" v="0"/>
+    <pc:chgData name="Khattab, Sherif" userId="c83b1e15-36f3-4f46-aceb-05aac24c545e" providerId="ADAL" clId="{E6AB764D-2824-4613-BFFF-A2420CC730EF}"/>
+    <pc:docChg chg="modSld">
+      <pc:chgData name="Khattab, Sherif" userId="c83b1e15-36f3-4f46-aceb-05aac24c545e" providerId="ADAL" clId="{E6AB764D-2824-4613-BFFF-A2420CC730EF}" dt="2022-02-03T14:11:49.656" v="0"/>
       <pc:docMkLst>
         <pc:docMk/>
       </pc:docMkLst>
-      <pc:sldChg chg="add">
-        <pc:chgData name="Khattab, Sherif" userId="c83b1e15-36f3-4f46-aceb-05aac24c545e" providerId="ADAL" clId="{BA7E1913-A6F0-C848-94D5-CEC45678B150}" dt="2021-01-20T03:36:45.256" v="0"/>
-        <pc:sldMkLst>
-          <pc:docMk/>
-          <pc:sldMk cId="2329144619" sldId="445"/>
-        </pc:sldMkLst>
-      </pc:sldChg>
-      <pc:sldChg chg="add">
-        <pc:chgData name="Khattab, Sherif" userId="c83b1e15-36f3-4f46-aceb-05aac24c545e" providerId="ADAL" clId="{BA7E1913-A6F0-C848-94D5-CEC45678B150}" dt="2021-01-20T03:36:45.256" v="0"/>
-        <pc:sldMkLst>
-          <pc:docMk/>
-          <pc:sldMk cId="1783368962" sldId="448"/>
-        </pc:sldMkLst>
-      </pc:sldChg>
-      <pc:sldChg chg="add">
-        <pc:chgData name="Khattab, Sherif" userId="c83b1e15-36f3-4f46-aceb-05aac24c545e" providerId="ADAL" clId="{BA7E1913-A6F0-C848-94D5-CEC45678B150}" dt="2021-01-20T03:36:45.256" v="0"/>
-        <pc:sldMkLst>
-          <pc:docMk/>
-          <pc:sldMk cId="2276002102" sldId="451"/>
-        </pc:sldMkLst>
-      </pc:sldChg>
-      <pc:sldChg chg="modSp">
-        <pc:chgData name="Khattab, Sherif" userId="c83b1e15-36f3-4f46-aceb-05aac24c545e" providerId="ADAL" clId="{BA7E1913-A6F0-C848-94D5-CEC45678B150}" dt="2021-01-20T03:36:45.256" v="0"/>
-        <pc:sldMkLst>
-          <pc:docMk/>
-          <pc:sldMk cId="1025764700" sldId="471"/>
-        </pc:sldMkLst>
-        <pc:spChg chg="mod">
-          <ac:chgData name="Khattab, Sherif" userId="c83b1e15-36f3-4f46-aceb-05aac24c545e" providerId="ADAL" clId="{BA7E1913-A6F0-C848-94D5-CEC45678B150}" dt="2021-01-20T03:36:45.256" v="0"/>
-          <ac:spMkLst>
-            <pc:docMk/>
-            <pc:sldMk cId="1025764700" sldId="471"/>
-            <ac:spMk id="2" creationId="{002C4211-0128-449E-9D1F-69BC748F2810}"/>
-          </ac:spMkLst>
-        </pc:spChg>
-        <pc:spChg chg="mod">
-          <ac:chgData name="Khattab, Sherif" userId="c83b1e15-36f3-4f46-aceb-05aac24c545e" providerId="ADAL" clId="{BA7E1913-A6F0-C848-94D5-CEC45678B150}" dt="2021-01-20T03:36:45.256" v="0"/>
-          <ac:spMkLst>
-            <pc:docMk/>
-            <pc:sldMk cId="1025764700" sldId="471"/>
-            <ac:spMk id="4" creationId="{2E01187D-8C39-467D-8FD2-B6E79B15F5CB}"/>
-          </ac:spMkLst>
-        </pc:spChg>
-        <pc:spChg chg="mod">
-          <ac:chgData name="Khattab, Sherif" userId="c83b1e15-36f3-4f46-aceb-05aac24c545e" providerId="ADAL" clId="{BA7E1913-A6F0-C848-94D5-CEC45678B150}" dt="2021-01-20T03:36:45.256" v="0"/>
-          <ac:spMkLst>
-            <pc:docMk/>
-            <pc:sldMk cId="1025764700" sldId="471"/>
-            <ac:spMk id="5121" creationId="{7512BAA4-EBB3-4158-9546-24CBE50F6439}"/>
-          </ac:spMkLst>
-        </pc:spChg>
-        <pc:spChg chg="mod">
-          <ac:chgData name="Khattab, Sherif" userId="c83b1e15-36f3-4f46-aceb-05aac24c545e" providerId="ADAL" clId="{BA7E1913-A6F0-C848-94D5-CEC45678B150}" dt="2021-01-20T03:36:45.256" v="0"/>
-          <ac:spMkLst>
-            <pc:docMk/>
-            <pc:sldMk cId="1025764700" sldId="471"/>
-            <ac:spMk id="5122" creationId="{23997D45-6B1B-416E-BB06-0DAFD6B2DE75}"/>
-          </ac:spMkLst>
-        </pc:spChg>
-        <pc:grpChg chg="mod">
-          <ac:chgData name="Khattab, Sherif" userId="c83b1e15-36f3-4f46-aceb-05aac24c545e" providerId="ADAL" clId="{BA7E1913-A6F0-C848-94D5-CEC45678B150}" dt="2021-01-20T03:36:45.256" v="0"/>
-          <ac:grpSpMkLst>
-            <pc:docMk/>
-            <pc:sldMk cId="1025764700" sldId="471"/>
-            <ac:grpSpMk id="1" creationId="{00000000-0000-0000-0000-000000000000}"/>
-          </ac:grpSpMkLst>
-        </pc:grpChg>
-        <pc:graphicFrameChg chg="mod">
-          <ac:chgData name="Khattab, Sherif" userId="c83b1e15-36f3-4f46-aceb-05aac24c545e" providerId="ADAL" clId="{BA7E1913-A6F0-C848-94D5-CEC45678B150}" dt="2021-01-20T03:36:45.256" v="0"/>
-          <ac:graphicFrameMkLst>
-            <pc:docMk/>
-            <pc:sldMk cId="1025764700" sldId="471"/>
-            <ac:graphicFrameMk id="5123" creationId="{21D7AF36-DB7D-4E96-B4D0-2E733D24C464}"/>
-          </ac:graphicFrameMkLst>
-        </pc:graphicFrameChg>
-      </pc:sldChg>
-      <pc:sldChg chg="modSp">
-        <pc:chgData name="Khattab, Sherif" userId="c83b1e15-36f3-4f46-aceb-05aac24c545e" providerId="ADAL" clId="{BA7E1913-A6F0-C848-94D5-CEC45678B150}" dt="2021-01-20T03:36:45.256" v="0"/>
-        <pc:sldMkLst>
-          <pc:docMk/>
-          <pc:sldMk cId="3109107092" sldId="472"/>
-        </pc:sldMkLst>
-        <pc:spChg chg="mod">
-          <ac:chgData name="Khattab, Sherif" userId="c83b1e15-36f3-4f46-aceb-05aac24c545e" providerId="ADAL" clId="{BA7E1913-A6F0-C848-94D5-CEC45678B150}" dt="2021-01-20T03:36:45.256" v="0"/>
-          <ac:spMkLst>
-            <pc:docMk/>
-            <pc:sldMk cId="3109107092" sldId="472"/>
-            <ac:spMk id="3" creationId="{30AEF3C6-7EA7-449A-9293-E3ED9F2886F9}"/>
-          </ac:spMkLst>
-        </pc:spChg>
-        <pc:spChg chg="mod">
-          <ac:chgData name="Khattab, Sherif" userId="c83b1e15-36f3-4f46-aceb-05aac24c545e" providerId="ADAL" clId="{BA7E1913-A6F0-C848-94D5-CEC45678B150}" dt="2021-01-20T03:36:45.256" v="0"/>
-          <ac:spMkLst>
-            <pc:docMk/>
-            <pc:sldMk cId="3109107092" sldId="472"/>
-            <ac:spMk id="5" creationId="{86D334BE-F1A0-401C-A7A6-E8399DADA66A}"/>
-          </ac:spMkLst>
-        </pc:spChg>
-        <pc:spChg chg="mod">
-          <ac:chgData name="Khattab, Sherif" userId="c83b1e15-36f3-4f46-aceb-05aac24c545e" providerId="ADAL" clId="{BA7E1913-A6F0-C848-94D5-CEC45678B150}" dt="2021-01-20T03:36:45.256" v="0"/>
-          <ac:spMkLst>
-            <pc:docMk/>
-            <pc:sldMk cId="3109107092" sldId="472"/>
-            <ac:spMk id="7" creationId="{E5F29704-03AA-B747-A2ED-5B8027B1EDEB}"/>
-          </ac:spMkLst>
-        </pc:spChg>
-        <pc:spChg chg="mod">
-          <ac:chgData name="Khattab, Sherif" userId="c83b1e15-36f3-4f46-aceb-05aac24c545e" providerId="ADAL" clId="{BA7E1913-A6F0-C848-94D5-CEC45678B150}" dt="2021-01-20T03:36:45.256" v="0"/>
-          <ac:spMkLst>
-            <pc:docMk/>
-            <pc:sldMk cId="3109107092" sldId="472"/>
-            <ac:spMk id="6146" creationId="{5AEA12F1-A345-4E80-B81B-BB7F54B720F7}"/>
-          </ac:spMkLst>
-        </pc:spChg>
-        <pc:grpChg chg="mod">
-          <ac:chgData name="Khattab, Sherif" userId="c83b1e15-36f3-4f46-aceb-05aac24c545e" providerId="ADAL" clId="{BA7E1913-A6F0-C848-94D5-CEC45678B150}" dt="2021-01-20T03:36:45.256" v="0"/>
-          <ac:grpSpMkLst>
-            <pc:docMk/>
-            <pc:sldMk cId="3109107092" sldId="472"/>
-            <ac:grpSpMk id="1" creationId="{00000000-0000-0000-0000-000000000000}"/>
-          </ac:grpSpMkLst>
-        </pc:grpChg>
-        <pc:graphicFrameChg chg="mod">
-          <ac:chgData name="Khattab, Sherif" userId="c83b1e15-36f3-4f46-aceb-05aac24c545e" providerId="ADAL" clId="{BA7E1913-A6F0-C848-94D5-CEC45678B150}" dt="2021-01-20T03:36:45.256" v="0"/>
-          <ac:graphicFrameMkLst>
-            <pc:docMk/>
-            <pc:sldMk cId="3109107092" sldId="472"/>
-            <ac:graphicFrameMk id="6145" creationId="{1F7F153F-0046-48A7-AF42-071F4C813482}"/>
-          </ac:graphicFrameMkLst>
-        </pc:graphicFrameChg>
-      </pc:sldChg>
-      <pc:sldChg chg="modSp">
-        <pc:chgData name="Khattab, Sherif" userId="c83b1e15-36f3-4f46-aceb-05aac24c545e" providerId="ADAL" clId="{BA7E1913-A6F0-C848-94D5-CEC45678B150}" dt="2021-01-20T03:36:45.256" v="0"/>
-        <pc:sldMkLst>
-          <pc:docMk/>
-          <pc:sldMk cId="4038969182" sldId="477"/>
-        </pc:sldMkLst>
-        <pc:spChg chg="mod">
-          <ac:chgData name="Khattab, Sherif" userId="c83b1e15-36f3-4f46-aceb-05aac24c545e" providerId="ADAL" clId="{BA7E1913-A6F0-C848-94D5-CEC45678B150}" dt="2021-01-20T03:36:45.256" v="0"/>
-          <ac:spMkLst>
-            <pc:docMk/>
-            <pc:sldMk cId="4038969182" sldId="477"/>
-            <ac:spMk id="2" creationId="{FC2F5822-FB95-4FA7-8814-7A9973030216}"/>
-          </ac:spMkLst>
-        </pc:spChg>
-        <pc:spChg chg="mod">
-          <ac:chgData name="Khattab, Sherif" userId="c83b1e15-36f3-4f46-aceb-05aac24c545e" providerId="ADAL" clId="{BA7E1913-A6F0-C848-94D5-CEC45678B150}" dt="2021-01-20T03:36:45.256" v="0"/>
-          <ac:spMkLst>
-            <pc:docMk/>
-            <pc:sldMk cId="4038969182" sldId="477"/>
-            <ac:spMk id="4" creationId="{AC512AFF-6A18-4D49-A4E6-2CC1827AA033}"/>
-          </ac:spMkLst>
-        </pc:spChg>
-        <pc:spChg chg="mod">
-          <ac:chgData name="Khattab, Sherif" userId="c83b1e15-36f3-4f46-aceb-05aac24c545e" providerId="ADAL" clId="{BA7E1913-A6F0-C848-94D5-CEC45678B150}" dt="2021-01-20T03:36:45.256" v="0"/>
-          <ac:spMkLst>
-            <pc:docMk/>
-            <pc:sldMk cId="4038969182" sldId="477"/>
-            <ac:spMk id="16385" creationId="{6A11D2B9-CA45-4A0D-B509-8257E2D9B94F}"/>
-          </ac:spMkLst>
-        </pc:spChg>
-        <pc:spChg chg="mod">
-          <ac:chgData name="Khattab, Sherif" userId="c83b1e15-36f3-4f46-aceb-05aac24c545e" providerId="ADAL" clId="{BA7E1913-A6F0-C848-94D5-CEC45678B150}" dt="2021-01-20T03:36:45.256" v="0"/>
-          <ac:spMkLst>
-            <pc:docMk/>
-            <pc:sldMk cId="4038969182" sldId="477"/>
-            <ac:spMk id="16386" creationId="{2EE14E1C-57AD-4AA5-8D97-EF494DA8A5A6}"/>
-          </ac:spMkLst>
-        </pc:spChg>
-        <pc:grpChg chg="mod">
-          <ac:chgData name="Khattab, Sherif" userId="c83b1e15-36f3-4f46-aceb-05aac24c545e" providerId="ADAL" clId="{BA7E1913-A6F0-C848-94D5-CEC45678B150}" dt="2021-01-20T03:36:45.256" v="0"/>
-          <ac:grpSpMkLst>
-            <pc:docMk/>
-            <pc:sldMk cId="4038969182" sldId="477"/>
-            <ac:grpSpMk id="1" creationId="{00000000-0000-0000-0000-000000000000}"/>
-          </ac:grpSpMkLst>
-        </pc:grpChg>
-        <pc:graphicFrameChg chg="mod">
-          <ac:chgData name="Khattab, Sherif" userId="c83b1e15-36f3-4f46-aceb-05aac24c545e" providerId="ADAL" clId="{BA7E1913-A6F0-C848-94D5-CEC45678B150}" dt="2021-01-20T03:36:45.256" v="0"/>
-          <ac:graphicFrameMkLst>
-            <pc:docMk/>
-            <pc:sldMk cId="4038969182" sldId="477"/>
-            <ac:graphicFrameMk id="16387" creationId="{AF2F8ED8-16A1-4F89-BDB6-8C2730B36B52}"/>
-          </ac:graphicFrameMkLst>
-        </pc:graphicFrameChg>
-      </pc:sldChg>
-      <pc:sldChg chg="modSp">
-        <pc:chgData name="Khattab, Sherif" userId="c83b1e15-36f3-4f46-aceb-05aac24c545e" providerId="ADAL" clId="{BA7E1913-A6F0-C848-94D5-CEC45678B150}" dt="2021-01-20T03:36:45.256" v="0"/>
-        <pc:sldMkLst>
-          <pc:docMk/>
-          <pc:sldMk cId="873856523" sldId="479"/>
-        </pc:sldMkLst>
-        <pc:spChg chg="mod">
-          <ac:chgData name="Khattab, Sherif" userId="c83b1e15-36f3-4f46-aceb-05aac24c545e" providerId="ADAL" clId="{BA7E1913-A6F0-C848-94D5-CEC45678B150}" dt="2021-01-20T03:36:45.256" v="0"/>
-          <ac:spMkLst>
-            <pc:docMk/>
-            <pc:sldMk cId="873856523" sldId="479"/>
-            <ac:spMk id="2" creationId="{0EA6D591-B53C-496E-AC8A-4A137C95CFED}"/>
-          </ac:spMkLst>
-        </pc:spChg>
-        <pc:spChg chg="mod">
-          <ac:chgData name="Khattab, Sherif" userId="c83b1e15-36f3-4f46-aceb-05aac24c545e" providerId="ADAL" clId="{BA7E1913-A6F0-C848-94D5-CEC45678B150}" dt="2021-01-20T03:36:45.256" v="0"/>
-          <ac:spMkLst>
-            <pc:docMk/>
-            <pc:sldMk cId="873856523" sldId="479"/>
-            <ac:spMk id="4" creationId="{ED98CD1B-CC0F-4183-9A7A-D761866A6186}"/>
-          </ac:spMkLst>
-        </pc:spChg>
-        <pc:spChg chg="mod">
-          <ac:chgData name="Khattab, Sherif" userId="c83b1e15-36f3-4f46-aceb-05aac24c545e" providerId="ADAL" clId="{BA7E1913-A6F0-C848-94D5-CEC45678B150}" dt="2021-01-20T03:36:45.256" v="0"/>
-          <ac:spMkLst>
-            <pc:docMk/>
-            <pc:sldMk cId="873856523" sldId="479"/>
-            <ac:spMk id="18433" creationId="{E3607FC9-A77A-4CEC-B201-FD6943B401ED}"/>
-          </ac:spMkLst>
-        </pc:spChg>
-        <pc:spChg chg="mod">
-          <ac:chgData name="Khattab, Sherif" userId="c83b1e15-36f3-4f46-aceb-05aac24c545e" providerId="ADAL" clId="{BA7E1913-A6F0-C848-94D5-CEC45678B150}" dt="2021-01-20T03:36:45.256" v="0"/>
-          <ac:spMkLst>
-            <pc:docMk/>
-            <pc:sldMk cId="873856523" sldId="479"/>
-            <ac:spMk id="18434" creationId="{A670C1CC-C98F-4983-9392-1D866C0F5D42}"/>
-          </ac:spMkLst>
-        </pc:spChg>
-        <pc:grpChg chg="mod">
-          <ac:chgData name="Khattab, Sherif" userId="c83b1e15-36f3-4f46-aceb-05aac24c545e" providerId="ADAL" clId="{BA7E1913-A6F0-C848-94D5-CEC45678B150}" dt="2021-01-20T03:36:45.256" v="0"/>
-          <ac:grpSpMkLst>
-            <pc:docMk/>
-            <pc:sldMk cId="873856523" sldId="479"/>
-            <ac:grpSpMk id="1" creationId="{00000000-0000-0000-0000-000000000000}"/>
-          </ac:grpSpMkLst>
-        </pc:grpChg>
-        <pc:graphicFrameChg chg="mod">
-          <ac:chgData name="Khattab, Sherif" userId="c83b1e15-36f3-4f46-aceb-05aac24c545e" providerId="ADAL" clId="{BA7E1913-A6F0-C848-94D5-CEC45678B150}" dt="2021-01-20T03:36:45.256" v="0"/>
-          <ac:graphicFrameMkLst>
-            <pc:docMk/>
-            <pc:sldMk cId="873856523" sldId="479"/>
-            <ac:graphicFrameMk id="18435" creationId="{E649380A-CE1F-4021-A060-3DE112829840}"/>
-          </ac:graphicFrameMkLst>
-        </pc:graphicFrameChg>
-      </pc:sldChg>
-      <pc:sldChg chg="modSp">
-        <pc:chgData name="Khattab, Sherif" userId="c83b1e15-36f3-4f46-aceb-05aac24c545e" providerId="ADAL" clId="{BA7E1913-A6F0-C848-94D5-CEC45678B150}" dt="2021-01-20T03:36:45.256" v="0"/>
-        <pc:sldMkLst>
-          <pc:docMk/>
-          <pc:sldMk cId="1560930406" sldId="482"/>
-        </pc:sldMkLst>
-        <pc:spChg chg="mod">
-          <ac:chgData name="Khattab, Sherif" userId="c83b1e15-36f3-4f46-aceb-05aac24c545e" providerId="ADAL" clId="{BA7E1913-A6F0-C848-94D5-CEC45678B150}" dt="2021-01-20T03:36:45.256" v="0"/>
-          <ac:spMkLst>
-            <pc:docMk/>
-            <pc:sldMk cId="1560930406" sldId="482"/>
-            <ac:spMk id="2" creationId="{DF0F4013-0B68-4D88-865A-4FC3176C8654}"/>
-          </ac:spMkLst>
-        </pc:spChg>
-        <pc:spChg chg="mod">
-          <ac:chgData name="Khattab, Sherif" userId="c83b1e15-36f3-4f46-aceb-05aac24c545e" providerId="ADAL" clId="{BA7E1913-A6F0-C848-94D5-CEC45678B150}" dt="2021-01-20T03:36:45.256" v="0"/>
-          <ac:spMkLst>
-            <pc:docMk/>
-            <pc:sldMk cId="1560930406" sldId="482"/>
-            <ac:spMk id="4" creationId="{EC2FC32F-B9CD-4D1A-AE2B-0825BE055635}"/>
-          </ac:spMkLst>
-        </pc:spChg>
-        <pc:spChg chg="mod">
-          <ac:chgData name="Khattab, Sherif" userId="c83b1e15-36f3-4f46-aceb-05aac24c545e" providerId="ADAL" clId="{BA7E1913-A6F0-C848-94D5-CEC45678B150}" dt="2021-01-20T03:36:45.256" v="0"/>
-          <ac:spMkLst>
-            <pc:docMk/>
-            <pc:sldMk cId="1560930406" sldId="482"/>
-            <ac:spMk id="23553" creationId="{E59624D1-FEEB-4340-9651-13DD586B53A9}"/>
-          </ac:spMkLst>
-        </pc:spChg>
-        <pc:spChg chg="mod">
-          <ac:chgData name="Khattab, Sherif" userId="c83b1e15-36f3-4f46-aceb-05aac24c545e" providerId="ADAL" clId="{BA7E1913-A6F0-C848-94D5-CEC45678B150}" dt="2021-01-20T03:36:45.256" v="0"/>
-          <ac:spMkLst>
-            <pc:docMk/>
-            <pc:sldMk cId="1560930406" sldId="482"/>
-            <ac:spMk id="23554" creationId="{352A19DE-2E99-4131-8018-428EB1D381D8}"/>
-          </ac:spMkLst>
-        </pc:spChg>
-        <pc:grpChg chg="mod">
-          <ac:chgData name="Khattab, Sherif" userId="c83b1e15-36f3-4f46-aceb-05aac24c545e" providerId="ADAL" clId="{BA7E1913-A6F0-C848-94D5-CEC45678B150}" dt="2021-01-20T03:36:45.256" v="0"/>
-          <ac:grpSpMkLst>
-            <pc:docMk/>
-            <pc:sldMk cId="1560930406" sldId="482"/>
-            <ac:grpSpMk id="1" creationId="{00000000-0000-0000-0000-000000000000}"/>
-          </ac:grpSpMkLst>
-        </pc:grpChg>
-        <pc:graphicFrameChg chg="mod">
-          <ac:chgData name="Khattab, Sherif" userId="c83b1e15-36f3-4f46-aceb-05aac24c545e" providerId="ADAL" clId="{BA7E1913-A6F0-C848-94D5-CEC45678B150}" dt="2021-01-20T03:36:45.256" v="0"/>
-          <ac:graphicFrameMkLst>
-            <pc:docMk/>
-            <pc:sldMk cId="1560930406" sldId="482"/>
-            <ac:graphicFrameMk id="23555" creationId="{72BCA54F-0328-4938-A740-EE2040664901}"/>
-          </ac:graphicFrameMkLst>
-        </pc:graphicFrameChg>
-      </pc:sldChg>
-      <pc:sldChg chg="modSp">
-        <pc:chgData name="Khattab, Sherif" userId="c83b1e15-36f3-4f46-aceb-05aac24c545e" providerId="ADAL" clId="{BA7E1913-A6F0-C848-94D5-CEC45678B150}" dt="2021-01-20T03:36:45.256" v="0"/>
-        <pc:sldMkLst>
-          <pc:docMk/>
-          <pc:sldMk cId="1948397067" sldId="484"/>
-        </pc:sldMkLst>
-        <pc:spChg chg="mod">
-          <ac:chgData name="Khattab, Sherif" userId="c83b1e15-36f3-4f46-aceb-05aac24c545e" providerId="ADAL" clId="{BA7E1913-A6F0-C848-94D5-CEC45678B150}" dt="2021-01-20T03:36:45.256" v="0"/>
-          <ac:spMkLst>
-            <pc:docMk/>
-            <pc:sldMk cId="1948397067" sldId="484"/>
-            <ac:spMk id="3" creationId="{8EEA02BE-54EF-4DED-8936-3DDE41ED48F3}"/>
-          </ac:spMkLst>
-        </pc:spChg>
-        <pc:spChg chg="mod">
-          <ac:chgData name="Khattab, Sherif" userId="c83b1e15-36f3-4f46-aceb-05aac24c545e" providerId="ADAL" clId="{BA7E1913-A6F0-C848-94D5-CEC45678B150}" dt="2021-01-20T03:36:45.256" v="0"/>
-          <ac:spMkLst>
-            <pc:docMk/>
-            <pc:sldMk cId="1948397067" sldId="484"/>
-            <ac:spMk id="5" creationId="{DE1FD728-0EB3-4F5A-B200-1BF20173728C}"/>
-          </ac:spMkLst>
-        </pc:spChg>
-        <pc:spChg chg="mod">
-          <ac:chgData name="Khattab, Sherif" userId="c83b1e15-36f3-4f46-aceb-05aac24c545e" providerId="ADAL" clId="{BA7E1913-A6F0-C848-94D5-CEC45678B150}" dt="2021-01-20T03:36:45.256" v="0"/>
-          <ac:spMkLst>
-            <pc:docMk/>
-            <pc:sldMk cId="1948397067" sldId="484"/>
-            <ac:spMk id="7" creationId="{8A225AA0-21AD-A843-A4E3-3C82E24A7D11}"/>
-          </ac:spMkLst>
-        </pc:spChg>
-        <pc:spChg chg="mod">
-          <ac:chgData name="Khattab, Sherif" userId="c83b1e15-36f3-4f46-aceb-05aac24c545e" providerId="ADAL" clId="{BA7E1913-A6F0-C848-94D5-CEC45678B150}" dt="2021-01-20T03:36:45.256" v="0"/>
-          <ac:spMkLst>
-            <pc:docMk/>
-            <pc:sldMk cId="1948397067" sldId="484"/>
-            <ac:spMk id="25601" creationId="{5E2E26B9-79A1-4156-BA81-69E66E0DF0CE}"/>
-          </ac:spMkLst>
-        </pc:spChg>
-        <pc:grpChg chg="mod">
-          <ac:chgData name="Khattab, Sherif" userId="c83b1e15-36f3-4f46-aceb-05aac24c545e" providerId="ADAL" clId="{BA7E1913-A6F0-C848-94D5-CEC45678B150}" dt="2021-01-20T03:36:45.256" v="0"/>
-          <ac:grpSpMkLst>
-            <pc:docMk/>
-            <pc:sldMk cId="1948397067" sldId="484"/>
-            <ac:grpSpMk id="1" creationId="{00000000-0000-0000-0000-000000000000}"/>
-          </ac:grpSpMkLst>
-        </pc:grpChg>
-        <pc:graphicFrameChg chg="mod">
-          <ac:chgData name="Khattab, Sherif" userId="c83b1e15-36f3-4f46-aceb-05aac24c545e" providerId="ADAL" clId="{BA7E1913-A6F0-C848-94D5-CEC45678B150}" dt="2021-01-20T03:36:45.256" v="0"/>
-          <ac:graphicFrameMkLst>
-            <pc:docMk/>
-            <pc:sldMk cId="1948397067" sldId="484"/>
-            <ac:graphicFrameMk id="25602" creationId="{D681AA8F-570B-452A-9EE8-6BAD95C0CB2A}"/>
-          </ac:graphicFrameMkLst>
-        </pc:graphicFrameChg>
-      </pc:sldChg>
-      <pc:sldChg chg="modSp">
-        <pc:chgData name="Khattab, Sherif" userId="c83b1e15-36f3-4f46-aceb-05aac24c545e" providerId="ADAL" clId="{BA7E1913-A6F0-C848-94D5-CEC45678B150}" dt="2021-01-20T03:36:45.256" v="0"/>
-        <pc:sldMkLst>
-          <pc:docMk/>
-          <pc:sldMk cId="1363323927" sldId="488"/>
-        </pc:sldMkLst>
-        <pc:spChg chg="mod">
-          <ac:chgData name="Khattab, Sherif" userId="c83b1e15-36f3-4f46-aceb-05aac24c545e" providerId="ADAL" clId="{BA7E1913-A6F0-C848-94D5-CEC45678B150}" dt="2021-01-20T03:36:45.256" v="0"/>
-          <ac:spMkLst>
-            <pc:docMk/>
-            <pc:sldMk cId="1363323927" sldId="488"/>
-            <ac:spMk id="2" creationId="{D1784F0E-0CE3-4DF2-BF5E-AC961DED9AD5}"/>
-          </ac:spMkLst>
-        </pc:spChg>
-        <pc:spChg chg="mod">
-          <ac:chgData name="Khattab, Sherif" userId="c83b1e15-36f3-4f46-aceb-05aac24c545e" providerId="ADAL" clId="{BA7E1913-A6F0-C848-94D5-CEC45678B150}" dt="2021-01-20T03:36:45.256" v="0"/>
-          <ac:spMkLst>
-            <pc:docMk/>
-            <pc:sldMk cId="1363323927" sldId="488"/>
-            <ac:spMk id="4" creationId="{EDE852BE-9DBB-4B9F-96D6-41502235E65B}"/>
-          </ac:spMkLst>
-        </pc:spChg>
-        <pc:spChg chg="mod">
-          <ac:chgData name="Khattab, Sherif" userId="c83b1e15-36f3-4f46-aceb-05aac24c545e" providerId="ADAL" clId="{BA7E1913-A6F0-C848-94D5-CEC45678B150}" dt="2021-01-20T03:36:45.256" v="0"/>
-          <ac:spMkLst>
-            <pc:docMk/>
-            <pc:sldMk cId="1363323927" sldId="488"/>
-            <ac:spMk id="29697" creationId="{28E17C06-9C26-4EA2-A8CB-9E266E08CFC9}"/>
-          </ac:spMkLst>
-        </pc:spChg>
-        <pc:spChg chg="mod">
-          <ac:chgData name="Khattab, Sherif" userId="c83b1e15-36f3-4f46-aceb-05aac24c545e" providerId="ADAL" clId="{BA7E1913-A6F0-C848-94D5-CEC45678B150}" dt="2021-01-20T03:36:45.256" v="0"/>
-          <ac:spMkLst>
-            <pc:docMk/>
-            <pc:sldMk cId="1363323927" sldId="488"/>
-            <ac:spMk id="29699" creationId="{9B87D08D-EF4A-454B-A132-2A933B33FADF}"/>
-          </ac:spMkLst>
-        </pc:spChg>
-        <pc:grpChg chg="mod">
-          <ac:chgData name="Khattab, Sherif" userId="c83b1e15-36f3-4f46-aceb-05aac24c545e" providerId="ADAL" clId="{BA7E1913-A6F0-C848-94D5-CEC45678B150}" dt="2021-01-20T03:36:45.256" v="0"/>
-          <ac:grpSpMkLst>
-            <pc:docMk/>
-            <pc:sldMk cId="1363323927" sldId="488"/>
-            <ac:grpSpMk id="1" creationId="{00000000-0000-0000-0000-000000000000}"/>
-          </ac:grpSpMkLst>
-        </pc:grpChg>
-        <pc:graphicFrameChg chg="mod">
-          <ac:chgData name="Khattab, Sherif" userId="c83b1e15-36f3-4f46-aceb-05aac24c545e" providerId="ADAL" clId="{BA7E1913-A6F0-C848-94D5-CEC45678B150}" dt="2021-01-20T03:36:45.256" v="0"/>
-          <ac:graphicFrameMkLst>
-            <pc:docMk/>
-            <pc:sldMk cId="1363323927" sldId="488"/>
-            <ac:graphicFrameMk id="29698" creationId="{5096B804-6DD5-4EA7-8B5D-E7C04AA4F65D}"/>
-          </ac:graphicFrameMkLst>
-        </pc:graphicFrameChg>
-      </pc:sldChg>
-      <pc:sldChg chg="modSp">
-        <pc:chgData name="Khattab, Sherif" userId="c83b1e15-36f3-4f46-aceb-05aac24c545e" providerId="ADAL" clId="{BA7E1913-A6F0-C848-94D5-CEC45678B150}" dt="2021-01-20T03:36:45.256" v="0"/>
-        <pc:sldMkLst>
-          <pc:docMk/>
-          <pc:sldMk cId="936409682" sldId="489"/>
-        </pc:sldMkLst>
-        <pc:spChg chg="mod">
-          <ac:chgData name="Khattab, Sherif" userId="c83b1e15-36f3-4f46-aceb-05aac24c545e" providerId="ADAL" clId="{BA7E1913-A6F0-C848-94D5-CEC45678B150}" dt="2021-01-20T03:36:45.256" v="0"/>
-          <ac:spMkLst>
-            <pc:docMk/>
-            <pc:sldMk cId="936409682" sldId="489"/>
-            <ac:spMk id="2" creationId="{150C62BB-E114-454B-85DB-53D764ED6038}"/>
-          </ac:spMkLst>
-        </pc:spChg>
-        <pc:spChg chg="mod">
-          <ac:chgData name="Khattab, Sherif" userId="c83b1e15-36f3-4f46-aceb-05aac24c545e" providerId="ADAL" clId="{BA7E1913-A6F0-C848-94D5-CEC45678B150}" dt="2021-01-20T03:36:45.256" v="0"/>
-          <ac:spMkLst>
-            <pc:docMk/>
-            <pc:sldMk cId="936409682" sldId="489"/>
-            <ac:spMk id="4" creationId="{8F548AA1-681E-4DA0-A9AF-6C8D550D5E08}"/>
-          </ac:spMkLst>
-        </pc:spChg>
-        <pc:spChg chg="mod">
-          <ac:chgData name="Khattab, Sherif" userId="c83b1e15-36f3-4f46-aceb-05aac24c545e" providerId="ADAL" clId="{BA7E1913-A6F0-C848-94D5-CEC45678B150}" dt="2021-01-20T03:36:45.256" v="0"/>
-          <ac:spMkLst>
-            <pc:docMk/>
-            <pc:sldMk cId="936409682" sldId="489"/>
-            <ac:spMk id="30721" creationId="{0A3F3B3A-9F5F-4801-AFED-E732F58A9EA2}"/>
-          </ac:spMkLst>
-        </pc:spChg>
-        <pc:spChg chg="mod">
-          <ac:chgData name="Khattab, Sherif" userId="c83b1e15-36f3-4f46-aceb-05aac24c545e" providerId="ADAL" clId="{BA7E1913-A6F0-C848-94D5-CEC45678B150}" dt="2021-01-20T03:36:45.256" v="0"/>
-          <ac:spMkLst>
-            <pc:docMk/>
-            <pc:sldMk cId="936409682" sldId="489"/>
-            <ac:spMk id="30722" creationId="{33C3E8B9-1772-47B4-9411-185F126423BA}"/>
-          </ac:spMkLst>
-        </pc:spChg>
-        <pc:grpChg chg="mod">
-          <ac:chgData name="Khattab, Sherif" userId="c83b1e15-36f3-4f46-aceb-05aac24c545e" providerId="ADAL" clId="{BA7E1913-A6F0-C848-94D5-CEC45678B150}" dt="2021-01-20T03:36:45.256" v="0"/>
-          <ac:grpSpMkLst>
-            <pc:docMk/>
-            <pc:sldMk cId="936409682" sldId="489"/>
-            <ac:grpSpMk id="1" creationId="{00000000-0000-0000-0000-000000000000}"/>
-          </ac:grpSpMkLst>
-        </pc:grpChg>
-        <pc:graphicFrameChg chg="mod">
-          <ac:chgData name="Khattab, Sherif" userId="c83b1e15-36f3-4f46-aceb-05aac24c545e" providerId="ADAL" clId="{BA7E1913-A6F0-C848-94D5-CEC45678B150}" dt="2021-01-20T03:36:45.256" v="0"/>
-          <ac:graphicFrameMkLst>
-            <pc:docMk/>
-            <pc:sldMk cId="936409682" sldId="489"/>
-            <ac:graphicFrameMk id="30723" creationId="{24ED8923-A61A-4244-A0FE-28542EDE5C2B}"/>
-          </ac:graphicFrameMkLst>
-        </pc:graphicFrameChg>
-      </pc:sldChg>
-      <pc:sldChg chg="modSp">
-        <pc:chgData name="Khattab, Sherif" userId="c83b1e15-36f3-4f46-aceb-05aac24c545e" providerId="ADAL" clId="{BA7E1913-A6F0-C848-94D5-CEC45678B150}" dt="2021-01-20T03:36:45.256" v="0"/>
-        <pc:sldMkLst>
-          <pc:docMk/>
-          <pc:sldMk cId="3447713174" sldId="494"/>
-        </pc:sldMkLst>
-        <pc:spChg chg="mod">
-          <ac:chgData name="Khattab, Sherif" userId="c83b1e15-36f3-4f46-aceb-05aac24c545e" providerId="ADAL" clId="{BA7E1913-A6F0-C848-94D5-CEC45678B150}" dt="2021-01-20T03:36:45.256" v="0"/>
-          <ac:spMkLst>
-            <pc:docMk/>
-            <pc:sldMk cId="3447713174" sldId="494"/>
-            <ac:spMk id="3" creationId="{68983252-D58B-4136-834E-912F539F00B6}"/>
-          </ac:spMkLst>
-        </pc:spChg>
-        <pc:spChg chg="mod">
-          <ac:chgData name="Khattab, Sherif" userId="c83b1e15-36f3-4f46-aceb-05aac24c545e" providerId="ADAL" clId="{BA7E1913-A6F0-C848-94D5-CEC45678B150}" dt="2021-01-20T03:36:45.256" v="0"/>
-          <ac:spMkLst>
-            <pc:docMk/>
-            <pc:sldMk cId="3447713174" sldId="494"/>
-            <ac:spMk id="5" creationId="{6E7E3CCF-4F96-45E6-B828-6AA5F067043A}"/>
-          </ac:spMkLst>
-        </pc:spChg>
-        <pc:spChg chg="mod">
-          <ac:chgData name="Khattab, Sherif" userId="c83b1e15-36f3-4f46-aceb-05aac24c545e" providerId="ADAL" clId="{BA7E1913-A6F0-C848-94D5-CEC45678B150}" dt="2021-01-20T03:36:45.256" v="0"/>
-          <ac:spMkLst>
-            <pc:docMk/>
-            <pc:sldMk cId="3447713174" sldId="494"/>
-            <ac:spMk id="7" creationId="{E82B22B3-1517-E346-9A8B-094A40D2FC5B}"/>
-          </ac:spMkLst>
-        </pc:spChg>
-        <pc:spChg chg="mod">
-          <ac:chgData name="Khattab, Sherif" userId="c83b1e15-36f3-4f46-aceb-05aac24c545e" providerId="ADAL" clId="{BA7E1913-A6F0-C848-94D5-CEC45678B150}" dt="2021-01-20T03:36:45.256" v="0"/>
-          <ac:spMkLst>
-            <pc:docMk/>
-            <pc:sldMk cId="3447713174" sldId="494"/>
-            <ac:spMk id="35841" creationId="{B48F48C8-3631-4F5F-8724-374B534CDB0D}"/>
-          </ac:spMkLst>
-        </pc:spChg>
-        <pc:grpChg chg="mod">
-          <ac:chgData name="Khattab, Sherif" userId="c83b1e15-36f3-4f46-aceb-05aac24c545e" providerId="ADAL" clId="{BA7E1913-A6F0-C848-94D5-CEC45678B150}" dt="2021-01-20T03:36:45.256" v="0"/>
-          <ac:grpSpMkLst>
-            <pc:docMk/>
-            <pc:sldMk cId="3447713174" sldId="494"/>
-            <ac:grpSpMk id="1" creationId="{00000000-0000-0000-0000-000000000000}"/>
-          </ac:grpSpMkLst>
-        </pc:grpChg>
-        <pc:graphicFrameChg chg="mod">
-          <ac:chgData name="Khattab, Sherif" userId="c83b1e15-36f3-4f46-aceb-05aac24c545e" providerId="ADAL" clId="{BA7E1913-A6F0-C848-94D5-CEC45678B150}" dt="2021-01-20T03:36:45.256" v="0"/>
-          <ac:graphicFrameMkLst>
-            <pc:docMk/>
-            <pc:sldMk cId="3447713174" sldId="494"/>
-            <ac:graphicFrameMk id="35842" creationId="{8D1701A4-A56B-439A-9B39-A560D76A3316}"/>
-          </ac:graphicFrameMkLst>
-        </pc:graphicFrameChg>
-      </pc:sldChg>
-      <pc:sldChg chg="modSp">
-        <pc:chgData name="Khattab, Sherif" userId="c83b1e15-36f3-4f46-aceb-05aac24c545e" providerId="ADAL" clId="{BA7E1913-A6F0-C848-94D5-CEC45678B150}" dt="2021-01-20T03:36:45.256" v="0"/>
-        <pc:sldMkLst>
-          <pc:docMk/>
-          <pc:sldMk cId="2129126942" sldId="495"/>
-        </pc:sldMkLst>
-        <pc:spChg chg="mod">
-          <ac:chgData name="Khattab, Sherif" userId="c83b1e15-36f3-4f46-aceb-05aac24c545e" providerId="ADAL" clId="{BA7E1913-A6F0-C848-94D5-CEC45678B150}" dt="2021-01-20T03:36:45.256" v="0"/>
-          <ac:spMkLst>
-            <pc:docMk/>
-            <pc:sldMk cId="2129126942" sldId="495"/>
-            <ac:spMk id="2" creationId="{B0EDE6F0-5E08-467B-A6AE-AA045809023A}"/>
-          </ac:spMkLst>
-        </pc:spChg>
-        <pc:spChg chg="mod">
-          <ac:chgData name="Khattab, Sherif" userId="c83b1e15-36f3-4f46-aceb-05aac24c545e" providerId="ADAL" clId="{BA7E1913-A6F0-C848-94D5-CEC45678B150}" dt="2021-01-20T03:36:45.256" v="0"/>
-          <ac:spMkLst>
-            <pc:docMk/>
-            <pc:sldMk cId="2129126942" sldId="495"/>
-            <ac:spMk id="4" creationId="{31048580-254B-4562-B07A-13FA9D7EEB7E}"/>
-          </ac:spMkLst>
-        </pc:spChg>
-        <pc:spChg chg="mod">
-          <ac:chgData name="Khattab, Sherif" userId="c83b1e15-36f3-4f46-aceb-05aac24c545e" providerId="ADAL" clId="{BA7E1913-A6F0-C848-94D5-CEC45678B150}" dt="2021-01-20T03:36:45.256" v="0"/>
-          <ac:spMkLst>
-            <pc:docMk/>
-            <pc:sldMk cId="2129126942" sldId="495"/>
-            <ac:spMk id="36865" creationId="{7EA33581-0FBA-4513-BC21-59EBD3254C34}"/>
-          </ac:spMkLst>
-        </pc:spChg>
-        <pc:spChg chg="mod">
-          <ac:chgData name="Khattab, Sherif" userId="c83b1e15-36f3-4f46-aceb-05aac24c545e" providerId="ADAL" clId="{BA7E1913-A6F0-C848-94D5-CEC45678B150}" dt="2021-01-20T03:36:45.256" v="0"/>
-          <ac:spMkLst>
-            <pc:docMk/>
-            <pc:sldMk cId="2129126942" sldId="495"/>
-            <ac:spMk id="36866" creationId="{D4B374AC-8E1B-4FB1-8CD1-E75C5A388926}"/>
-          </ac:spMkLst>
-        </pc:spChg>
-        <pc:grpChg chg="mod">
-          <ac:chgData name="Khattab, Sherif" userId="c83b1e15-36f3-4f46-aceb-05aac24c545e" providerId="ADAL" clId="{BA7E1913-A6F0-C848-94D5-CEC45678B150}" dt="2021-01-20T03:36:45.256" v="0"/>
-          <ac:grpSpMkLst>
-            <pc:docMk/>
-            <pc:sldMk cId="2129126942" sldId="495"/>
-            <ac:grpSpMk id="1" creationId="{00000000-0000-0000-0000-000000000000}"/>
-          </ac:grpSpMkLst>
-        </pc:grpChg>
-        <pc:graphicFrameChg chg="mod">
-          <ac:chgData name="Khattab, Sherif" userId="c83b1e15-36f3-4f46-aceb-05aac24c545e" providerId="ADAL" clId="{BA7E1913-A6F0-C848-94D5-CEC45678B150}" dt="2021-01-20T03:36:45.256" v="0"/>
-          <ac:graphicFrameMkLst>
-            <pc:docMk/>
-            <pc:sldMk cId="2129126942" sldId="495"/>
-            <ac:graphicFrameMk id="36867" creationId="{6EBD17C3-7239-4686-9A19-775BA4E9A6D5}"/>
-          </ac:graphicFrameMkLst>
-        </pc:graphicFrameChg>
+      <pc:sldChg chg="modSp mod">
+        <pc:chgData name="Khattab, Sherif" userId="c83b1e15-36f3-4f46-aceb-05aac24c545e" providerId="ADAL" clId="{E6AB764D-2824-4613-BFFF-A2420CC730EF}" dt="2022-02-03T14:11:49.656" v="0"/>
+        <pc:sldMkLst>
+          <pc:docMk/>
+          <pc:sldMk cId="1330366002" sldId="454"/>
+        </pc:sldMkLst>
+        <pc:spChg chg="mod">
+          <ac:chgData name="Khattab, Sherif" userId="c83b1e15-36f3-4f46-aceb-05aac24c545e" providerId="ADAL" clId="{E6AB764D-2824-4613-BFFF-A2420CC730EF}" dt="2022-02-03T14:11:49.656" v="0"/>
+          <ac:spMkLst>
+            <pc:docMk/>
+            <pc:sldMk cId="1330366002" sldId="454"/>
+            <ac:spMk id="3" creationId="{00000000-0000-0000-0000-000000000000}"/>
+          </ac:spMkLst>
+        </pc:spChg>
       </pc:sldChg>
     </pc:docChg>
   </pc:docChgLst>
@@ -5089,20 +3348,3216 @@
     </pc:docChg>
   </pc:docChgLst>
   <pc:docChgLst>
-    <pc:chgData name="Khattab, Sherif" userId="c83b1e15-36f3-4f46-aceb-05aac24c545e" providerId="ADAL" clId="{EE78B4C3-BA47-2B47-8B84-4022815E3587}"/>
+    <pc:chgData name="Khattab, Sherif" userId="c83b1e15-36f3-4f46-aceb-05aac24c545e" providerId="ADAL" clId="{A364C4AF-944E-4333-86BA-C37F8AC2AABB}"/>
     <pc:docChg chg="addSld delSld modSld">
-      <pc:chgData name="Khattab, Sherif" userId="c83b1e15-36f3-4f46-aceb-05aac24c545e" providerId="ADAL" clId="{EE78B4C3-BA47-2B47-8B84-4022815E3587}" dt="2019-05-14T13:34:18.851" v="46"/>
+      <pc:chgData name="Khattab, Sherif" userId="c83b1e15-36f3-4f46-aceb-05aac24c545e" providerId="ADAL" clId="{A364C4AF-944E-4333-86BA-C37F8AC2AABB}" dt="2021-09-30T16:01:53.785" v="80" actId="2696"/>
+      <pc:docMkLst>
+        <pc:docMk/>
+      </pc:docMkLst>
+      <pc:sldChg chg="add">
+        <pc:chgData name="Khattab, Sherif" userId="c83b1e15-36f3-4f46-aceb-05aac24c545e" providerId="ADAL" clId="{A364C4AF-944E-4333-86BA-C37F8AC2AABB}" dt="2021-09-28T16:29:02.753" v="79"/>
+        <pc:sldMkLst>
+          <pc:docMk/>
+          <pc:sldMk cId="1806563943" sldId="342"/>
+        </pc:sldMkLst>
+      </pc:sldChg>
+      <pc:sldChg chg="add">
+        <pc:chgData name="Khattab, Sherif" userId="c83b1e15-36f3-4f46-aceb-05aac24c545e" providerId="ADAL" clId="{A364C4AF-944E-4333-86BA-C37F8AC2AABB}" dt="2021-09-28T16:29:02.753" v="79"/>
+        <pc:sldMkLst>
+          <pc:docMk/>
+          <pc:sldMk cId="1167711490" sldId="343"/>
+        </pc:sldMkLst>
+      </pc:sldChg>
+      <pc:sldChg chg="add del">
+        <pc:chgData name="Khattab, Sherif" userId="c83b1e15-36f3-4f46-aceb-05aac24c545e" providerId="ADAL" clId="{A364C4AF-944E-4333-86BA-C37F8AC2AABB}" dt="2021-09-30T16:01:53.785" v="80" actId="2696"/>
+        <pc:sldMkLst>
+          <pc:docMk/>
+          <pc:sldMk cId="1271999567" sldId="349"/>
+        </pc:sldMkLst>
+      </pc:sldChg>
+      <pc:sldChg chg="add del">
+        <pc:chgData name="Khattab, Sherif" userId="c83b1e15-36f3-4f46-aceb-05aac24c545e" providerId="ADAL" clId="{A364C4AF-944E-4333-86BA-C37F8AC2AABB}" dt="2021-09-30T16:01:53.785" v="80" actId="2696"/>
+        <pc:sldMkLst>
+          <pc:docMk/>
+          <pc:sldMk cId="3990797458" sldId="378"/>
+        </pc:sldMkLst>
+      </pc:sldChg>
+      <pc:sldChg chg="add del">
+        <pc:chgData name="Khattab, Sherif" userId="c83b1e15-36f3-4f46-aceb-05aac24c545e" providerId="ADAL" clId="{A364C4AF-944E-4333-86BA-C37F8AC2AABB}" dt="2021-09-30T16:01:53.785" v="80" actId="2696"/>
+        <pc:sldMkLst>
+          <pc:docMk/>
+          <pc:sldMk cId="2736486443" sldId="379"/>
+        </pc:sldMkLst>
+      </pc:sldChg>
+      <pc:sldChg chg="add del">
+        <pc:chgData name="Khattab, Sherif" userId="c83b1e15-36f3-4f46-aceb-05aac24c545e" providerId="ADAL" clId="{A364C4AF-944E-4333-86BA-C37F8AC2AABB}" dt="2021-09-30T16:01:53.785" v="80" actId="2696"/>
+        <pc:sldMkLst>
+          <pc:docMk/>
+          <pc:sldMk cId="1337868689" sldId="381"/>
+        </pc:sldMkLst>
+      </pc:sldChg>
+      <pc:sldChg chg="del">
+        <pc:chgData name="Khattab, Sherif" userId="c83b1e15-36f3-4f46-aceb-05aac24c545e" providerId="ADAL" clId="{A364C4AF-944E-4333-86BA-C37F8AC2AABB}" dt="2021-09-30T16:01:53.785" v="80" actId="2696"/>
+        <pc:sldMkLst>
+          <pc:docMk/>
+          <pc:sldMk cId="3851230975" sldId="382"/>
+        </pc:sldMkLst>
+      </pc:sldChg>
+      <pc:sldChg chg="add del">
+        <pc:chgData name="Khattab, Sherif" userId="c83b1e15-36f3-4f46-aceb-05aac24c545e" providerId="ADAL" clId="{A364C4AF-944E-4333-86BA-C37F8AC2AABB}" dt="2021-09-30T16:01:53.785" v="80" actId="2696"/>
+        <pc:sldMkLst>
+          <pc:docMk/>
+          <pc:sldMk cId="1591837287" sldId="384"/>
+        </pc:sldMkLst>
+      </pc:sldChg>
+      <pc:sldChg chg="del">
+        <pc:chgData name="Khattab, Sherif" userId="c83b1e15-36f3-4f46-aceb-05aac24c545e" providerId="ADAL" clId="{A364C4AF-944E-4333-86BA-C37F8AC2AABB}" dt="2021-09-30T16:01:53.785" v="80" actId="2696"/>
+        <pc:sldMkLst>
+          <pc:docMk/>
+          <pc:sldMk cId="1898410716" sldId="385"/>
+        </pc:sldMkLst>
+      </pc:sldChg>
+      <pc:sldChg chg="del">
+        <pc:chgData name="Khattab, Sherif" userId="c83b1e15-36f3-4f46-aceb-05aac24c545e" providerId="ADAL" clId="{A364C4AF-944E-4333-86BA-C37F8AC2AABB}" dt="2021-09-28T16:28:01.437" v="6" actId="47"/>
+        <pc:sldMkLst>
+          <pc:docMk/>
+          <pc:sldMk cId="702367729" sldId="496"/>
+        </pc:sldMkLst>
+      </pc:sldChg>
+      <pc:sldChg chg="modSp add mod">
+        <pc:chgData name="Khattab, Sherif" userId="c83b1e15-36f3-4f46-aceb-05aac24c545e" providerId="ADAL" clId="{A364C4AF-944E-4333-86BA-C37F8AC2AABB}" dt="2021-09-28T16:27:59.143" v="5" actId="5793"/>
+        <pc:sldMkLst>
+          <pc:docMk/>
+          <pc:sldMk cId="3903507516" sldId="498"/>
+        </pc:sldMkLst>
+        <pc:spChg chg="mod">
+          <ac:chgData name="Khattab, Sherif" userId="c83b1e15-36f3-4f46-aceb-05aac24c545e" providerId="ADAL" clId="{A364C4AF-944E-4333-86BA-C37F8AC2AABB}" dt="2021-09-28T16:27:59.143" v="5" actId="5793"/>
+          <ac:spMkLst>
+            <pc:docMk/>
+            <pc:sldMk cId="3903507516" sldId="498"/>
+            <ac:spMk id="3" creationId="{2466C52D-9A48-4683-BE7F-268D8DB7FAAD}"/>
+          </ac:spMkLst>
+        </pc:spChg>
+      </pc:sldChg>
+      <pc:sldChg chg="del">
+        <pc:chgData name="Khattab, Sherif" userId="c83b1e15-36f3-4f46-aceb-05aac24c545e" providerId="ADAL" clId="{A364C4AF-944E-4333-86BA-C37F8AC2AABB}" dt="2021-09-28T16:28:51.069" v="78" actId="47"/>
+        <pc:sldMkLst>
+          <pc:docMk/>
+          <pc:sldMk cId="4202616107" sldId="500"/>
+        </pc:sldMkLst>
+      </pc:sldChg>
+      <pc:sldChg chg="modSp mod">
+        <pc:chgData name="Khattab, Sherif" userId="c83b1e15-36f3-4f46-aceb-05aac24c545e" providerId="ADAL" clId="{A364C4AF-944E-4333-86BA-C37F8AC2AABB}" dt="2021-09-28T16:28:47.590" v="77" actId="20577"/>
+        <pc:sldMkLst>
+          <pc:docMk/>
+          <pc:sldMk cId="2116864396" sldId="505"/>
+        </pc:sldMkLst>
+        <pc:spChg chg="mod">
+          <ac:chgData name="Khattab, Sherif" userId="c83b1e15-36f3-4f46-aceb-05aac24c545e" providerId="ADAL" clId="{A364C4AF-944E-4333-86BA-C37F8AC2AABB}" dt="2021-09-28T16:28:47.590" v="77" actId="20577"/>
+          <ac:spMkLst>
+            <pc:docMk/>
+            <pc:sldMk cId="2116864396" sldId="505"/>
+            <ac:spMk id="3" creationId="{9FDE3B14-90B9-4B5A-83C7-6E633E32EA28}"/>
+          </ac:spMkLst>
+        </pc:spChg>
+      </pc:sldChg>
+      <pc:sldChg chg="del">
+        <pc:chgData name="Khattab, Sherif" userId="c83b1e15-36f3-4f46-aceb-05aac24c545e" providerId="ADAL" clId="{A364C4AF-944E-4333-86BA-C37F8AC2AABB}" dt="2021-09-30T16:01:53.785" v="80" actId="2696"/>
+        <pc:sldMkLst>
+          <pc:docMk/>
+          <pc:sldMk cId="3652489610" sldId="506"/>
+        </pc:sldMkLst>
+      </pc:sldChg>
+      <pc:sldChg chg="add">
+        <pc:chgData name="Khattab, Sherif" userId="c83b1e15-36f3-4f46-aceb-05aac24c545e" providerId="ADAL" clId="{A364C4AF-944E-4333-86BA-C37F8AC2AABB}" dt="2021-09-28T16:29:02.753" v="79"/>
+        <pc:sldMkLst>
+          <pc:docMk/>
+          <pc:sldMk cId="707882026" sldId="509"/>
+        </pc:sldMkLst>
+      </pc:sldChg>
+      <pc:sldChg chg="add">
+        <pc:chgData name="Khattab, Sherif" userId="c83b1e15-36f3-4f46-aceb-05aac24c545e" providerId="ADAL" clId="{A364C4AF-944E-4333-86BA-C37F8AC2AABB}" dt="2021-09-28T16:29:02.753" v="79"/>
+        <pc:sldMkLst>
+          <pc:docMk/>
+          <pc:sldMk cId="2108493189" sldId="510"/>
+        </pc:sldMkLst>
+      </pc:sldChg>
+      <pc:sldChg chg="add">
+        <pc:chgData name="Khattab, Sherif" userId="c83b1e15-36f3-4f46-aceb-05aac24c545e" providerId="ADAL" clId="{A364C4AF-944E-4333-86BA-C37F8AC2AABB}" dt="2021-09-28T16:29:02.753" v="79"/>
+        <pc:sldMkLst>
+          <pc:docMk/>
+          <pc:sldMk cId="2618280309" sldId="511"/>
+        </pc:sldMkLst>
+      </pc:sldChg>
+      <pc:sldChg chg="add del">
+        <pc:chgData name="Khattab, Sherif" userId="c83b1e15-36f3-4f46-aceb-05aac24c545e" providerId="ADAL" clId="{A364C4AF-944E-4333-86BA-C37F8AC2AABB}" dt="2021-09-30T16:01:53.785" v="80" actId="2696"/>
+        <pc:sldMkLst>
+          <pc:docMk/>
+          <pc:sldMk cId="2907412692" sldId="512"/>
+        </pc:sldMkLst>
+      </pc:sldChg>
+      <pc:sldChg chg="add del">
+        <pc:chgData name="Khattab, Sherif" userId="c83b1e15-36f3-4f46-aceb-05aac24c545e" providerId="ADAL" clId="{A364C4AF-944E-4333-86BA-C37F8AC2AABB}" dt="2021-09-30T16:01:53.785" v="80" actId="2696"/>
+        <pc:sldMkLst>
+          <pc:docMk/>
+          <pc:sldMk cId="3017477705" sldId="513"/>
+        </pc:sldMkLst>
+      </pc:sldChg>
+      <pc:sldChg chg="add del">
+        <pc:chgData name="Khattab, Sherif" userId="c83b1e15-36f3-4f46-aceb-05aac24c545e" providerId="ADAL" clId="{A364C4AF-944E-4333-86BA-C37F8AC2AABB}" dt="2021-09-30T16:01:53.785" v="80" actId="2696"/>
+        <pc:sldMkLst>
+          <pc:docMk/>
+          <pc:sldMk cId="1468641068" sldId="514"/>
+        </pc:sldMkLst>
+      </pc:sldChg>
+      <pc:sldChg chg="add del">
+        <pc:chgData name="Khattab, Sherif" userId="c83b1e15-36f3-4f46-aceb-05aac24c545e" providerId="ADAL" clId="{A364C4AF-944E-4333-86BA-C37F8AC2AABB}" dt="2021-09-30T16:01:53.785" v="80" actId="2696"/>
+        <pc:sldMkLst>
+          <pc:docMk/>
+          <pc:sldMk cId="2793897325" sldId="515"/>
+        </pc:sldMkLst>
+      </pc:sldChg>
+      <pc:sldChg chg="del">
+        <pc:chgData name="Khattab, Sherif" userId="c83b1e15-36f3-4f46-aceb-05aac24c545e" providerId="ADAL" clId="{A364C4AF-944E-4333-86BA-C37F8AC2AABB}" dt="2021-09-30T16:01:53.785" v="80" actId="2696"/>
+        <pc:sldMkLst>
+          <pc:docMk/>
+          <pc:sldMk cId="2487721040" sldId="516"/>
+        </pc:sldMkLst>
+      </pc:sldChg>
+      <pc:sldChg chg="del">
+        <pc:chgData name="Khattab, Sherif" userId="c83b1e15-36f3-4f46-aceb-05aac24c545e" providerId="ADAL" clId="{A364C4AF-944E-4333-86BA-C37F8AC2AABB}" dt="2021-09-30T16:01:53.785" v="80" actId="2696"/>
+        <pc:sldMkLst>
+          <pc:docMk/>
+          <pc:sldMk cId="1616471687" sldId="518"/>
+        </pc:sldMkLst>
+      </pc:sldChg>
+      <pc:sldChg chg="del">
+        <pc:chgData name="Khattab, Sherif" userId="c83b1e15-36f3-4f46-aceb-05aac24c545e" providerId="ADAL" clId="{A364C4AF-944E-4333-86BA-C37F8AC2AABB}" dt="2021-09-30T16:01:53.785" v="80" actId="2696"/>
+        <pc:sldMkLst>
+          <pc:docMk/>
+          <pc:sldMk cId="3504930043" sldId="519"/>
+        </pc:sldMkLst>
+      </pc:sldChg>
+      <pc:sldChg chg="del">
+        <pc:chgData name="Khattab, Sherif" userId="c83b1e15-36f3-4f46-aceb-05aac24c545e" providerId="ADAL" clId="{A364C4AF-944E-4333-86BA-C37F8AC2AABB}" dt="2021-09-30T16:01:53.785" v="80" actId="2696"/>
+        <pc:sldMkLst>
+          <pc:docMk/>
+          <pc:sldMk cId="2126070970" sldId="520"/>
+        </pc:sldMkLst>
+      </pc:sldChg>
+      <pc:sldChg chg="del">
+        <pc:chgData name="Khattab, Sherif" userId="c83b1e15-36f3-4f46-aceb-05aac24c545e" providerId="ADAL" clId="{A364C4AF-944E-4333-86BA-C37F8AC2AABB}" dt="2021-09-30T16:01:53.785" v="80" actId="2696"/>
+        <pc:sldMkLst>
+          <pc:docMk/>
+          <pc:sldMk cId="2842851832" sldId="521"/>
+        </pc:sldMkLst>
+      </pc:sldChg>
+      <pc:sldChg chg="del">
+        <pc:chgData name="Khattab, Sherif" userId="c83b1e15-36f3-4f46-aceb-05aac24c545e" providerId="ADAL" clId="{A364C4AF-944E-4333-86BA-C37F8AC2AABB}" dt="2021-09-30T16:01:53.785" v="80" actId="2696"/>
+        <pc:sldMkLst>
+          <pc:docMk/>
+          <pc:sldMk cId="3046460320" sldId="522"/>
+        </pc:sldMkLst>
+      </pc:sldChg>
+      <pc:sldChg chg="add">
+        <pc:chgData name="Khattab, Sherif" userId="c83b1e15-36f3-4f46-aceb-05aac24c545e" providerId="ADAL" clId="{A364C4AF-944E-4333-86BA-C37F8AC2AABB}" dt="2021-09-28T16:29:02.753" v="79"/>
+        <pc:sldMkLst>
+          <pc:docMk/>
+          <pc:sldMk cId="1471214150" sldId="523"/>
+        </pc:sldMkLst>
+      </pc:sldChg>
+      <pc:sldChg chg="add">
+        <pc:chgData name="Khattab, Sherif" userId="c83b1e15-36f3-4f46-aceb-05aac24c545e" providerId="ADAL" clId="{A364C4AF-944E-4333-86BA-C37F8AC2AABB}" dt="2021-09-28T16:29:02.753" v="79"/>
+        <pc:sldMkLst>
+          <pc:docMk/>
+          <pc:sldMk cId="1839202036" sldId="524"/>
+        </pc:sldMkLst>
+      </pc:sldChg>
+      <pc:sldChg chg="add">
+        <pc:chgData name="Khattab, Sherif" userId="c83b1e15-36f3-4f46-aceb-05aac24c545e" providerId="ADAL" clId="{A364C4AF-944E-4333-86BA-C37F8AC2AABB}" dt="2021-09-28T16:29:02.753" v="79"/>
+        <pc:sldMkLst>
+          <pc:docMk/>
+          <pc:sldMk cId="1301141676" sldId="525"/>
+        </pc:sldMkLst>
+      </pc:sldChg>
+      <pc:sldChg chg="add">
+        <pc:chgData name="Khattab, Sherif" userId="c83b1e15-36f3-4f46-aceb-05aac24c545e" providerId="ADAL" clId="{A364C4AF-944E-4333-86BA-C37F8AC2AABB}" dt="2021-09-28T16:29:02.753" v="79"/>
+        <pc:sldMkLst>
+          <pc:docMk/>
+          <pc:sldMk cId="3336646820" sldId="526"/>
+        </pc:sldMkLst>
+      </pc:sldChg>
+      <pc:sldChg chg="add del">
+        <pc:chgData name="Khattab, Sherif" userId="c83b1e15-36f3-4f46-aceb-05aac24c545e" providerId="ADAL" clId="{A364C4AF-944E-4333-86BA-C37F8AC2AABB}" dt="2021-09-30T16:01:53.785" v="80" actId="2696"/>
+        <pc:sldMkLst>
+          <pc:docMk/>
+          <pc:sldMk cId="3989127528" sldId="527"/>
+        </pc:sldMkLst>
+      </pc:sldChg>
+      <pc:sldChg chg="add">
+        <pc:chgData name="Khattab, Sherif" userId="c83b1e15-36f3-4f46-aceb-05aac24c545e" providerId="ADAL" clId="{A364C4AF-944E-4333-86BA-C37F8AC2AABB}" dt="2021-09-28T16:29:02.753" v="79"/>
+        <pc:sldMkLst>
+          <pc:docMk/>
+          <pc:sldMk cId="3718964789" sldId="543"/>
+        </pc:sldMkLst>
+      </pc:sldChg>
+      <pc:sldChg chg="add">
+        <pc:chgData name="Khattab, Sherif" userId="c83b1e15-36f3-4f46-aceb-05aac24c545e" providerId="ADAL" clId="{A364C4AF-944E-4333-86BA-C37F8AC2AABB}" dt="2021-09-28T16:29:02.753" v="79"/>
+        <pc:sldMkLst>
+          <pc:docMk/>
+          <pc:sldMk cId="486560120" sldId="544"/>
+        </pc:sldMkLst>
+      </pc:sldChg>
+      <pc:sldChg chg="add del">
+        <pc:chgData name="Khattab, Sherif" userId="c83b1e15-36f3-4f46-aceb-05aac24c545e" providerId="ADAL" clId="{A364C4AF-944E-4333-86BA-C37F8AC2AABB}" dt="2021-09-30T16:01:53.785" v="80" actId="2696"/>
+        <pc:sldMkLst>
+          <pc:docMk/>
+          <pc:sldMk cId="2959171718" sldId="545"/>
+        </pc:sldMkLst>
+      </pc:sldChg>
+      <pc:sldChg chg="add del">
+        <pc:chgData name="Khattab, Sherif" userId="c83b1e15-36f3-4f46-aceb-05aac24c545e" providerId="ADAL" clId="{A364C4AF-944E-4333-86BA-C37F8AC2AABB}" dt="2021-09-30T16:01:53.785" v="80" actId="2696"/>
+        <pc:sldMkLst>
+          <pc:docMk/>
+          <pc:sldMk cId="2259346312" sldId="546"/>
+        </pc:sldMkLst>
+      </pc:sldChg>
+      <pc:sldChg chg="add del">
+        <pc:chgData name="Khattab, Sherif" userId="c83b1e15-36f3-4f46-aceb-05aac24c545e" providerId="ADAL" clId="{A364C4AF-944E-4333-86BA-C37F8AC2AABB}" dt="2021-09-30T16:01:53.785" v="80" actId="2696"/>
+        <pc:sldMkLst>
+          <pc:docMk/>
+          <pc:sldMk cId="3876805328" sldId="547"/>
+        </pc:sldMkLst>
+      </pc:sldChg>
+      <pc:sldChg chg="add del">
+        <pc:chgData name="Khattab, Sherif" userId="c83b1e15-36f3-4f46-aceb-05aac24c545e" providerId="ADAL" clId="{A364C4AF-944E-4333-86BA-C37F8AC2AABB}" dt="2021-09-30T16:01:53.785" v="80" actId="2696"/>
+        <pc:sldMkLst>
+          <pc:docMk/>
+          <pc:sldMk cId="1302483671" sldId="548"/>
+        </pc:sldMkLst>
+      </pc:sldChg>
+      <pc:sldChg chg="add del">
+        <pc:chgData name="Khattab, Sherif" userId="c83b1e15-36f3-4f46-aceb-05aac24c545e" providerId="ADAL" clId="{A364C4AF-944E-4333-86BA-C37F8AC2AABB}" dt="2021-09-30T16:01:53.785" v="80" actId="2696"/>
+        <pc:sldMkLst>
+          <pc:docMk/>
+          <pc:sldMk cId="4082589092" sldId="549"/>
+        </pc:sldMkLst>
+      </pc:sldChg>
+      <pc:sldChg chg="add del">
+        <pc:chgData name="Khattab, Sherif" userId="c83b1e15-36f3-4f46-aceb-05aac24c545e" providerId="ADAL" clId="{A364C4AF-944E-4333-86BA-C37F8AC2AABB}" dt="2021-09-30T16:01:53.785" v="80" actId="2696"/>
+        <pc:sldMkLst>
+          <pc:docMk/>
+          <pc:sldMk cId="2768642374" sldId="550"/>
+        </pc:sldMkLst>
+      </pc:sldChg>
+      <pc:sldChg chg="add del">
+        <pc:chgData name="Khattab, Sherif" userId="c83b1e15-36f3-4f46-aceb-05aac24c545e" providerId="ADAL" clId="{A364C4AF-944E-4333-86BA-C37F8AC2AABB}" dt="2021-09-30T16:01:53.785" v="80" actId="2696"/>
+        <pc:sldMkLst>
+          <pc:docMk/>
+          <pc:sldMk cId="1850740189" sldId="551"/>
+        </pc:sldMkLst>
+      </pc:sldChg>
+      <pc:sldChg chg="add del">
+        <pc:chgData name="Khattab, Sherif" userId="c83b1e15-36f3-4f46-aceb-05aac24c545e" providerId="ADAL" clId="{A364C4AF-944E-4333-86BA-C37F8AC2AABB}" dt="2021-09-30T16:01:53.785" v="80" actId="2696"/>
+        <pc:sldMkLst>
+          <pc:docMk/>
+          <pc:sldMk cId="1401906409" sldId="552"/>
+        </pc:sldMkLst>
+      </pc:sldChg>
+      <pc:sldChg chg="add del">
+        <pc:chgData name="Khattab, Sherif" userId="c83b1e15-36f3-4f46-aceb-05aac24c545e" providerId="ADAL" clId="{A364C4AF-944E-4333-86BA-C37F8AC2AABB}" dt="2021-09-30T16:01:53.785" v="80" actId="2696"/>
+        <pc:sldMkLst>
+          <pc:docMk/>
+          <pc:sldMk cId="441821993" sldId="553"/>
+        </pc:sldMkLst>
+      </pc:sldChg>
+      <pc:sldChg chg="add del">
+        <pc:chgData name="Khattab, Sherif" userId="c83b1e15-36f3-4f46-aceb-05aac24c545e" providerId="ADAL" clId="{A364C4AF-944E-4333-86BA-C37F8AC2AABB}" dt="2021-09-30T16:01:53.785" v="80" actId="2696"/>
+        <pc:sldMkLst>
+          <pc:docMk/>
+          <pc:sldMk cId="3858160310" sldId="554"/>
+        </pc:sldMkLst>
+      </pc:sldChg>
+      <pc:sldChg chg="add del">
+        <pc:chgData name="Khattab, Sherif" userId="c83b1e15-36f3-4f46-aceb-05aac24c545e" providerId="ADAL" clId="{A364C4AF-944E-4333-86BA-C37F8AC2AABB}" dt="2021-09-30T16:01:53.785" v="80" actId="2696"/>
+        <pc:sldMkLst>
+          <pc:docMk/>
+          <pc:sldMk cId="924667073" sldId="555"/>
+        </pc:sldMkLst>
+      </pc:sldChg>
+    </pc:docChg>
+  </pc:docChgLst>
+  <pc:docChgLst>
+    <pc:chgData name="Khattab, Sherif" userId="c83b1e15-36f3-4f46-aceb-05aac24c545e" providerId="ADAL" clId="{00771379-563B-405F-813C-A6D6F2B0CDAD}"/>
+    <pc:docChg chg="modSld">
+      <pc:chgData name="Khattab, Sherif" userId="c83b1e15-36f3-4f46-aceb-05aac24c545e" providerId="ADAL" clId="{00771379-563B-405F-813C-A6D6F2B0CDAD}" dt="2020-09-08T04:21:57.867" v="3" actId="20577"/>
+      <pc:docMkLst>
+        <pc:docMk/>
+      </pc:docMkLst>
+      <pc:sldChg chg="modSp mod">
+        <pc:chgData name="Khattab, Sherif" userId="c83b1e15-36f3-4f46-aceb-05aac24c545e" providerId="ADAL" clId="{00771379-563B-405F-813C-A6D6F2B0CDAD}" dt="2020-09-08T04:21:57.867" v="3" actId="20577"/>
+        <pc:sldMkLst>
+          <pc:docMk/>
+          <pc:sldMk cId="1330366002" sldId="454"/>
+        </pc:sldMkLst>
+        <pc:spChg chg="mod">
+          <ac:chgData name="Khattab, Sherif" userId="c83b1e15-36f3-4f46-aceb-05aac24c545e" providerId="ADAL" clId="{00771379-563B-405F-813C-A6D6F2B0CDAD}" dt="2020-09-08T04:21:57.867" v="3" actId="20577"/>
+          <ac:spMkLst>
+            <pc:docMk/>
+            <pc:sldMk cId="1330366002" sldId="454"/>
+            <ac:spMk id="3" creationId="{00000000-0000-0000-0000-000000000000}"/>
+          </ac:spMkLst>
+        </pc:spChg>
+      </pc:sldChg>
+    </pc:docChg>
+  </pc:docChgLst>
+  <pc:docChgLst>
+    <pc:chgData name="Khattab, Sherif" userId="c83b1e15-36f3-4f46-aceb-05aac24c545e" providerId="ADAL" clId="{BA7E1913-A6F0-C848-94D5-CEC45678B150}"/>
+    <pc:docChg chg="addSld modSld">
+      <pc:chgData name="Khattab, Sherif" userId="c83b1e15-36f3-4f46-aceb-05aac24c545e" providerId="ADAL" clId="{BA7E1913-A6F0-C848-94D5-CEC45678B150}" dt="2021-01-20T03:36:45.256" v="0"/>
+      <pc:docMkLst>
+        <pc:docMk/>
+      </pc:docMkLst>
+      <pc:sldChg chg="add">
+        <pc:chgData name="Khattab, Sherif" userId="c83b1e15-36f3-4f46-aceb-05aac24c545e" providerId="ADAL" clId="{BA7E1913-A6F0-C848-94D5-CEC45678B150}" dt="2021-01-20T03:36:45.256" v="0"/>
+        <pc:sldMkLst>
+          <pc:docMk/>
+          <pc:sldMk cId="2329144619" sldId="445"/>
+        </pc:sldMkLst>
+      </pc:sldChg>
+      <pc:sldChg chg="add">
+        <pc:chgData name="Khattab, Sherif" userId="c83b1e15-36f3-4f46-aceb-05aac24c545e" providerId="ADAL" clId="{BA7E1913-A6F0-C848-94D5-CEC45678B150}" dt="2021-01-20T03:36:45.256" v="0"/>
+        <pc:sldMkLst>
+          <pc:docMk/>
+          <pc:sldMk cId="1783368962" sldId="448"/>
+        </pc:sldMkLst>
+      </pc:sldChg>
+      <pc:sldChg chg="add">
+        <pc:chgData name="Khattab, Sherif" userId="c83b1e15-36f3-4f46-aceb-05aac24c545e" providerId="ADAL" clId="{BA7E1913-A6F0-C848-94D5-CEC45678B150}" dt="2021-01-20T03:36:45.256" v="0"/>
+        <pc:sldMkLst>
+          <pc:docMk/>
+          <pc:sldMk cId="2276002102" sldId="451"/>
+        </pc:sldMkLst>
+      </pc:sldChg>
+      <pc:sldChg chg="modSp">
+        <pc:chgData name="Khattab, Sherif" userId="c83b1e15-36f3-4f46-aceb-05aac24c545e" providerId="ADAL" clId="{BA7E1913-A6F0-C848-94D5-CEC45678B150}" dt="2021-01-20T03:36:45.256" v="0"/>
+        <pc:sldMkLst>
+          <pc:docMk/>
+          <pc:sldMk cId="1025764700" sldId="471"/>
+        </pc:sldMkLst>
+        <pc:spChg chg="mod">
+          <ac:chgData name="Khattab, Sherif" userId="c83b1e15-36f3-4f46-aceb-05aac24c545e" providerId="ADAL" clId="{BA7E1913-A6F0-C848-94D5-CEC45678B150}" dt="2021-01-20T03:36:45.256" v="0"/>
+          <ac:spMkLst>
+            <pc:docMk/>
+            <pc:sldMk cId="1025764700" sldId="471"/>
+            <ac:spMk id="2" creationId="{002C4211-0128-449E-9D1F-69BC748F2810}"/>
+          </ac:spMkLst>
+        </pc:spChg>
+        <pc:spChg chg="mod">
+          <ac:chgData name="Khattab, Sherif" userId="c83b1e15-36f3-4f46-aceb-05aac24c545e" providerId="ADAL" clId="{BA7E1913-A6F0-C848-94D5-CEC45678B150}" dt="2021-01-20T03:36:45.256" v="0"/>
+          <ac:spMkLst>
+            <pc:docMk/>
+            <pc:sldMk cId="1025764700" sldId="471"/>
+            <ac:spMk id="4" creationId="{2E01187D-8C39-467D-8FD2-B6E79B15F5CB}"/>
+          </ac:spMkLst>
+        </pc:spChg>
+        <pc:spChg chg="mod">
+          <ac:chgData name="Khattab, Sherif" userId="c83b1e15-36f3-4f46-aceb-05aac24c545e" providerId="ADAL" clId="{BA7E1913-A6F0-C848-94D5-CEC45678B150}" dt="2021-01-20T03:36:45.256" v="0"/>
+          <ac:spMkLst>
+            <pc:docMk/>
+            <pc:sldMk cId="1025764700" sldId="471"/>
+            <ac:spMk id="5121" creationId="{7512BAA4-EBB3-4158-9546-24CBE50F6439}"/>
+          </ac:spMkLst>
+        </pc:spChg>
+        <pc:spChg chg="mod">
+          <ac:chgData name="Khattab, Sherif" userId="c83b1e15-36f3-4f46-aceb-05aac24c545e" providerId="ADAL" clId="{BA7E1913-A6F0-C848-94D5-CEC45678B150}" dt="2021-01-20T03:36:45.256" v="0"/>
+          <ac:spMkLst>
+            <pc:docMk/>
+            <pc:sldMk cId="1025764700" sldId="471"/>
+            <ac:spMk id="5122" creationId="{23997D45-6B1B-416E-BB06-0DAFD6B2DE75}"/>
+          </ac:spMkLst>
+        </pc:spChg>
+        <pc:grpChg chg="mod">
+          <ac:chgData name="Khattab, Sherif" userId="c83b1e15-36f3-4f46-aceb-05aac24c545e" providerId="ADAL" clId="{BA7E1913-A6F0-C848-94D5-CEC45678B150}" dt="2021-01-20T03:36:45.256" v="0"/>
+          <ac:grpSpMkLst>
+            <pc:docMk/>
+            <pc:sldMk cId="1025764700" sldId="471"/>
+            <ac:grpSpMk id="1" creationId="{00000000-0000-0000-0000-000000000000}"/>
+          </ac:grpSpMkLst>
+        </pc:grpChg>
+        <pc:graphicFrameChg chg="mod">
+          <ac:chgData name="Khattab, Sherif" userId="c83b1e15-36f3-4f46-aceb-05aac24c545e" providerId="ADAL" clId="{BA7E1913-A6F0-C848-94D5-CEC45678B150}" dt="2021-01-20T03:36:45.256" v="0"/>
+          <ac:graphicFrameMkLst>
+            <pc:docMk/>
+            <pc:sldMk cId="1025764700" sldId="471"/>
+            <ac:graphicFrameMk id="5123" creationId="{21D7AF36-DB7D-4E96-B4D0-2E733D24C464}"/>
+          </ac:graphicFrameMkLst>
+        </pc:graphicFrameChg>
+      </pc:sldChg>
+      <pc:sldChg chg="modSp">
+        <pc:chgData name="Khattab, Sherif" userId="c83b1e15-36f3-4f46-aceb-05aac24c545e" providerId="ADAL" clId="{BA7E1913-A6F0-C848-94D5-CEC45678B150}" dt="2021-01-20T03:36:45.256" v="0"/>
+        <pc:sldMkLst>
+          <pc:docMk/>
+          <pc:sldMk cId="3109107092" sldId="472"/>
+        </pc:sldMkLst>
+        <pc:spChg chg="mod">
+          <ac:chgData name="Khattab, Sherif" userId="c83b1e15-36f3-4f46-aceb-05aac24c545e" providerId="ADAL" clId="{BA7E1913-A6F0-C848-94D5-CEC45678B150}" dt="2021-01-20T03:36:45.256" v="0"/>
+          <ac:spMkLst>
+            <pc:docMk/>
+            <pc:sldMk cId="3109107092" sldId="472"/>
+            <ac:spMk id="3" creationId="{30AEF3C6-7EA7-449A-9293-E3ED9F2886F9}"/>
+          </ac:spMkLst>
+        </pc:spChg>
+        <pc:spChg chg="mod">
+          <ac:chgData name="Khattab, Sherif" userId="c83b1e15-36f3-4f46-aceb-05aac24c545e" providerId="ADAL" clId="{BA7E1913-A6F0-C848-94D5-CEC45678B150}" dt="2021-01-20T03:36:45.256" v="0"/>
+          <ac:spMkLst>
+            <pc:docMk/>
+            <pc:sldMk cId="3109107092" sldId="472"/>
+            <ac:spMk id="5" creationId="{86D334BE-F1A0-401C-A7A6-E8399DADA66A}"/>
+          </ac:spMkLst>
+        </pc:spChg>
+        <pc:spChg chg="mod">
+          <ac:chgData name="Khattab, Sherif" userId="c83b1e15-36f3-4f46-aceb-05aac24c545e" providerId="ADAL" clId="{BA7E1913-A6F0-C848-94D5-CEC45678B150}" dt="2021-01-20T03:36:45.256" v="0"/>
+          <ac:spMkLst>
+            <pc:docMk/>
+            <pc:sldMk cId="3109107092" sldId="472"/>
+            <ac:spMk id="7" creationId="{E5F29704-03AA-B747-A2ED-5B8027B1EDEB}"/>
+          </ac:spMkLst>
+        </pc:spChg>
+        <pc:spChg chg="mod">
+          <ac:chgData name="Khattab, Sherif" userId="c83b1e15-36f3-4f46-aceb-05aac24c545e" providerId="ADAL" clId="{BA7E1913-A6F0-C848-94D5-CEC45678B150}" dt="2021-01-20T03:36:45.256" v="0"/>
+          <ac:spMkLst>
+            <pc:docMk/>
+            <pc:sldMk cId="3109107092" sldId="472"/>
+            <ac:spMk id="6146" creationId="{5AEA12F1-A345-4E80-B81B-BB7F54B720F7}"/>
+          </ac:spMkLst>
+        </pc:spChg>
+        <pc:grpChg chg="mod">
+          <ac:chgData name="Khattab, Sherif" userId="c83b1e15-36f3-4f46-aceb-05aac24c545e" providerId="ADAL" clId="{BA7E1913-A6F0-C848-94D5-CEC45678B150}" dt="2021-01-20T03:36:45.256" v="0"/>
+          <ac:grpSpMkLst>
+            <pc:docMk/>
+            <pc:sldMk cId="3109107092" sldId="472"/>
+            <ac:grpSpMk id="1" creationId="{00000000-0000-0000-0000-000000000000}"/>
+          </ac:grpSpMkLst>
+        </pc:grpChg>
+        <pc:graphicFrameChg chg="mod">
+          <ac:chgData name="Khattab, Sherif" userId="c83b1e15-36f3-4f46-aceb-05aac24c545e" providerId="ADAL" clId="{BA7E1913-A6F0-C848-94D5-CEC45678B150}" dt="2021-01-20T03:36:45.256" v="0"/>
+          <ac:graphicFrameMkLst>
+            <pc:docMk/>
+            <pc:sldMk cId="3109107092" sldId="472"/>
+            <ac:graphicFrameMk id="6145" creationId="{1F7F153F-0046-48A7-AF42-071F4C813482}"/>
+          </ac:graphicFrameMkLst>
+        </pc:graphicFrameChg>
+      </pc:sldChg>
+      <pc:sldChg chg="modSp">
+        <pc:chgData name="Khattab, Sherif" userId="c83b1e15-36f3-4f46-aceb-05aac24c545e" providerId="ADAL" clId="{BA7E1913-A6F0-C848-94D5-CEC45678B150}" dt="2021-01-20T03:36:45.256" v="0"/>
+        <pc:sldMkLst>
+          <pc:docMk/>
+          <pc:sldMk cId="4038969182" sldId="477"/>
+        </pc:sldMkLst>
+        <pc:spChg chg="mod">
+          <ac:chgData name="Khattab, Sherif" userId="c83b1e15-36f3-4f46-aceb-05aac24c545e" providerId="ADAL" clId="{BA7E1913-A6F0-C848-94D5-CEC45678B150}" dt="2021-01-20T03:36:45.256" v="0"/>
+          <ac:spMkLst>
+            <pc:docMk/>
+            <pc:sldMk cId="4038969182" sldId="477"/>
+            <ac:spMk id="2" creationId="{FC2F5822-FB95-4FA7-8814-7A9973030216}"/>
+          </ac:spMkLst>
+        </pc:spChg>
+        <pc:spChg chg="mod">
+          <ac:chgData name="Khattab, Sherif" userId="c83b1e15-36f3-4f46-aceb-05aac24c545e" providerId="ADAL" clId="{BA7E1913-A6F0-C848-94D5-CEC45678B150}" dt="2021-01-20T03:36:45.256" v="0"/>
+          <ac:spMkLst>
+            <pc:docMk/>
+            <pc:sldMk cId="4038969182" sldId="477"/>
+            <ac:spMk id="4" creationId="{AC512AFF-6A18-4D49-A4E6-2CC1827AA033}"/>
+          </ac:spMkLst>
+        </pc:spChg>
+        <pc:spChg chg="mod">
+          <ac:chgData name="Khattab, Sherif" userId="c83b1e15-36f3-4f46-aceb-05aac24c545e" providerId="ADAL" clId="{BA7E1913-A6F0-C848-94D5-CEC45678B150}" dt="2021-01-20T03:36:45.256" v="0"/>
+          <ac:spMkLst>
+            <pc:docMk/>
+            <pc:sldMk cId="4038969182" sldId="477"/>
+            <ac:spMk id="16385" creationId="{6A11D2B9-CA45-4A0D-B509-8257E2D9B94F}"/>
+          </ac:spMkLst>
+        </pc:spChg>
+        <pc:spChg chg="mod">
+          <ac:chgData name="Khattab, Sherif" userId="c83b1e15-36f3-4f46-aceb-05aac24c545e" providerId="ADAL" clId="{BA7E1913-A6F0-C848-94D5-CEC45678B150}" dt="2021-01-20T03:36:45.256" v="0"/>
+          <ac:spMkLst>
+            <pc:docMk/>
+            <pc:sldMk cId="4038969182" sldId="477"/>
+            <ac:spMk id="16386" creationId="{2EE14E1C-57AD-4AA5-8D97-EF494DA8A5A6}"/>
+          </ac:spMkLst>
+        </pc:spChg>
+        <pc:grpChg chg="mod">
+          <ac:chgData name="Khattab, Sherif" userId="c83b1e15-36f3-4f46-aceb-05aac24c545e" providerId="ADAL" clId="{BA7E1913-A6F0-C848-94D5-CEC45678B150}" dt="2021-01-20T03:36:45.256" v="0"/>
+          <ac:grpSpMkLst>
+            <pc:docMk/>
+            <pc:sldMk cId="4038969182" sldId="477"/>
+            <ac:grpSpMk id="1" creationId="{00000000-0000-0000-0000-000000000000}"/>
+          </ac:grpSpMkLst>
+        </pc:grpChg>
+        <pc:graphicFrameChg chg="mod">
+          <ac:chgData name="Khattab, Sherif" userId="c83b1e15-36f3-4f46-aceb-05aac24c545e" providerId="ADAL" clId="{BA7E1913-A6F0-C848-94D5-CEC45678B150}" dt="2021-01-20T03:36:45.256" v="0"/>
+          <ac:graphicFrameMkLst>
+            <pc:docMk/>
+            <pc:sldMk cId="4038969182" sldId="477"/>
+            <ac:graphicFrameMk id="16387" creationId="{AF2F8ED8-16A1-4F89-BDB6-8C2730B36B52}"/>
+          </ac:graphicFrameMkLst>
+        </pc:graphicFrameChg>
+      </pc:sldChg>
+      <pc:sldChg chg="modSp">
+        <pc:chgData name="Khattab, Sherif" userId="c83b1e15-36f3-4f46-aceb-05aac24c545e" providerId="ADAL" clId="{BA7E1913-A6F0-C848-94D5-CEC45678B150}" dt="2021-01-20T03:36:45.256" v="0"/>
+        <pc:sldMkLst>
+          <pc:docMk/>
+          <pc:sldMk cId="873856523" sldId="479"/>
+        </pc:sldMkLst>
+        <pc:spChg chg="mod">
+          <ac:chgData name="Khattab, Sherif" userId="c83b1e15-36f3-4f46-aceb-05aac24c545e" providerId="ADAL" clId="{BA7E1913-A6F0-C848-94D5-CEC45678B150}" dt="2021-01-20T03:36:45.256" v="0"/>
+          <ac:spMkLst>
+            <pc:docMk/>
+            <pc:sldMk cId="873856523" sldId="479"/>
+            <ac:spMk id="2" creationId="{0EA6D591-B53C-496E-AC8A-4A137C95CFED}"/>
+          </ac:spMkLst>
+        </pc:spChg>
+        <pc:spChg chg="mod">
+          <ac:chgData name="Khattab, Sherif" userId="c83b1e15-36f3-4f46-aceb-05aac24c545e" providerId="ADAL" clId="{BA7E1913-A6F0-C848-94D5-CEC45678B150}" dt="2021-01-20T03:36:45.256" v="0"/>
+          <ac:spMkLst>
+            <pc:docMk/>
+            <pc:sldMk cId="873856523" sldId="479"/>
+            <ac:spMk id="4" creationId="{ED98CD1B-CC0F-4183-9A7A-D761866A6186}"/>
+          </ac:spMkLst>
+        </pc:spChg>
+        <pc:spChg chg="mod">
+          <ac:chgData name="Khattab, Sherif" userId="c83b1e15-36f3-4f46-aceb-05aac24c545e" providerId="ADAL" clId="{BA7E1913-A6F0-C848-94D5-CEC45678B150}" dt="2021-01-20T03:36:45.256" v="0"/>
+          <ac:spMkLst>
+            <pc:docMk/>
+            <pc:sldMk cId="873856523" sldId="479"/>
+            <ac:spMk id="18433" creationId="{E3607FC9-A77A-4CEC-B201-FD6943B401ED}"/>
+          </ac:spMkLst>
+        </pc:spChg>
+        <pc:spChg chg="mod">
+          <ac:chgData name="Khattab, Sherif" userId="c83b1e15-36f3-4f46-aceb-05aac24c545e" providerId="ADAL" clId="{BA7E1913-A6F0-C848-94D5-CEC45678B150}" dt="2021-01-20T03:36:45.256" v="0"/>
+          <ac:spMkLst>
+            <pc:docMk/>
+            <pc:sldMk cId="873856523" sldId="479"/>
+            <ac:spMk id="18434" creationId="{A670C1CC-C98F-4983-9392-1D866C0F5D42}"/>
+          </ac:spMkLst>
+        </pc:spChg>
+        <pc:grpChg chg="mod">
+          <ac:chgData name="Khattab, Sherif" userId="c83b1e15-36f3-4f46-aceb-05aac24c545e" providerId="ADAL" clId="{BA7E1913-A6F0-C848-94D5-CEC45678B150}" dt="2021-01-20T03:36:45.256" v="0"/>
+          <ac:grpSpMkLst>
+            <pc:docMk/>
+            <pc:sldMk cId="873856523" sldId="479"/>
+            <ac:grpSpMk id="1" creationId="{00000000-0000-0000-0000-000000000000}"/>
+          </ac:grpSpMkLst>
+        </pc:grpChg>
+        <pc:graphicFrameChg chg="mod">
+          <ac:chgData name="Khattab, Sherif" userId="c83b1e15-36f3-4f46-aceb-05aac24c545e" providerId="ADAL" clId="{BA7E1913-A6F0-C848-94D5-CEC45678B150}" dt="2021-01-20T03:36:45.256" v="0"/>
+          <ac:graphicFrameMkLst>
+            <pc:docMk/>
+            <pc:sldMk cId="873856523" sldId="479"/>
+            <ac:graphicFrameMk id="18435" creationId="{E649380A-CE1F-4021-A060-3DE112829840}"/>
+          </ac:graphicFrameMkLst>
+        </pc:graphicFrameChg>
+      </pc:sldChg>
+      <pc:sldChg chg="modSp">
+        <pc:chgData name="Khattab, Sherif" userId="c83b1e15-36f3-4f46-aceb-05aac24c545e" providerId="ADAL" clId="{BA7E1913-A6F0-C848-94D5-CEC45678B150}" dt="2021-01-20T03:36:45.256" v="0"/>
+        <pc:sldMkLst>
+          <pc:docMk/>
+          <pc:sldMk cId="1560930406" sldId="482"/>
+        </pc:sldMkLst>
+        <pc:spChg chg="mod">
+          <ac:chgData name="Khattab, Sherif" userId="c83b1e15-36f3-4f46-aceb-05aac24c545e" providerId="ADAL" clId="{BA7E1913-A6F0-C848-94D5-CEC45678B150}" dt="2021-01-20T03:36:45.256" v="0"/>
+          <ac:spMkLst>
+            <pc:docMk/>
+            <pc:sldMk cId="1560930406" sldId="482"/>
+            <ac:spMk id="2" creationId="{DF0F4013-0B68-4D88-865A-4FC3176C8654}"/>
+          </ac:spMkLst>
+        </pc:spChg>
+        <pc:spChg chg="mod">
+          <ac:chgData name="Khattab, Sherif" userId="c83b1e15-36f3-4f46-aceb-05aac24c545e" providerId="ADAL" clId="{BA7E1913-A6F0-C848-94D5-CEC45678B150}" dt="2021-01-20T03:36:45.256" v="0"/>
+          <ac:spMkLst>
+            <pc:docMk/>
+            <pc:sldMk cId="1560930406" sldId="482"/>
+            <ac:spMk id="4" creationId="{EC2FC32F-B9CD-4D1A-AE2B-0825BE055635}"/>
+          </ac:spMkLst>
+        </pc:spChg>
+        <pc:spChg chg="mod">
+          <ac:chgData name="Khattab, Sherif" userId="c83b1e15-36f3-4f46-aceb-05aac24c545e" providerId="ADAL" clId="{BA7E1913-A6F0-C848-94D5-CEC45678B150}" dt="2021-01-20T03:36:45.256" v="0"/>
+          <ac:spMkLst>
+            <pc:docMk/>
+            <pc:sldMk cId="1560930406" sldId="482"/>
+            <ac:spMk id="23553" creationId="{E59624D1-FEEB-4340-9651-13DD586B53A9}"/>
+          </ac:spMkLst>
+        </pc:spChg>
+        <pc:spChg chg="mod">
+          <ac:chgData name="Khattab, Sherif" userId="c83b1e15-36f3-4f46-aceb-05aac24c545e" providerId="ADAL" clId="{BA7E1913-A6F0-C848-94D5-CEC45678B150}" dt="2021-01-20T03:36:45.256" v="0"/>
+          <ac:spMkLst>
+            <pc:docMk/>
+            <pc:sldMk cId="1560930406" sldId="482"/>
+            <ac:spMk id="23554" creationId="{352A19DE-2E99-4131-8018-428EB1D381D8}"/>
+          </ac:spMkLst>
+        </pc:spChg>
+        <pc:grpChg chg="mod">
+          <ac:chgData name="Khattab, Sherif" userId="c83b1e15-36f3-4f46-aceb-05aac24c545e" providerId="ADAL" clId="{BA7E1913-A6F0-C848-94D5-CEC45678B150}" dt="2021-01-20T03:36:45.256" v="0"/>
+          <ac:grpSpMkLst>
+            <pc:docMk/>
+            <pc:sldMk cId="1560930406" sldId="482"/>
+            <ac:grpSpMk id="1" creationId="{00000000-0000-0000-0000-000000000000}"/>
+          </ac:grpSpMkLst>
+        </pc:grpChg>
+        <pc:graphicFrameChg chg="mod">
+          <ac:chgData name="Khattab, Sherif" userId="c83b1e15-36f3-4f46-aceb-05aac24c545e" providerId="ADAL" clId="{BA7E1913-A6F0-C848-94D5-CEC45678B150}" dt="2021-01-20T03:36:45.256" v="0"/>
+          <ac:graphicFrameMkLst>
+            <pc:docMk/>
+            <pc:sldMk cId="1560930406" sldId="482"/>
+            <ac:graphicFrameMk id="23555" creationId="{72BCA54F-0328-4938-A740-EE2040664901}"/>
+          </ac:graphicFrameMkLst>
+        </pc:graphicFrameChg>
+      </pc:sldChg>
+      <pc:sldChg chg="modSp">
+        <pc:chgData name="Khattab, Sherif" userId="c83b1e15-36f3-4f46-aceb-05aac24c545e" providerId="ADAL" clId="{BA7E1913-A6F0-C848-94D5-CEC45678B150}" dt="2021-01-20T03:36:45.256" v="0"/>
+        <pc:sldMkLst>
+          <pc:docMk/>
+          <pc:sldMk cId="1948397067" sldId="484"/>
+        </pc:sldMkLst>
+        <pc:spChg chg="mod">
+          <ac:chgData name="Khattab, Sherif" userId="c83b1e15-36f3-4f46-aceb-05aac24c545e" providerId="ADAL" clId="{BA7E1913-A6F0-C848-94D5-CEC45678B150}" dt="2021-01-20T03:36:45.256" v="0"/>
+          <ac:spMkLst>
+            <pc:docMk/>
+            <pc:sldMk cId="1948397067" sldId="484"/>
+            <ac:spMk id="3" creationId="{8EEA02BE-54EF-4DED-8936-3DDE41ED48F3}"/>
+          </ac:spMkLst>
+        </pc:spChg>
+        <pc:spChg chg="mod">
+          <ac:chgData name="Khattab, Sherif" userId="c83b1e15-36f3-4f46-aceb-05aac24c545e" providerId="ADAL" clId="{BA7E1913-A6F0-C848-94D5-CEC45678B150}" dt="2021-01-20T03:36:45.256" v="0"/>
+          <ac:spMkLst>
+            <pc:docMk/>
+            <pc:sldMk cId="1948397067" sldId="484"/>
+            <ac:spMk id="5" creationId="{DE1FD728-0EB3-4F5A-B200-1BF20173728C}"/>
+          </ac:spMkLst>
+        </pc:spChg>
+        <pc:spChg chg="mod">
+          <ac:chgData name="Khattab, Sherif" userId="c83b1e15-36f3-4f46-aceb-05aac24c545e" providerId="ADAL" clId="{BA7E1913-A6F0-C848-94D5-CEC45678B150}" dt="2021-01-20T03:36:45.256" v="0"/>
+          <ac:spMkLst>
+            <pc:docMk/>
+            <pc:sldMk cId="1948397067" sldId="484"/>
+            <ac:spMk id="7" creationId="{8A225AA0-21AD-A843-A4E3-3C82E24A7D11}"/>
+          </ac:spMkLst>
+        </pc:spChg>
+        <pc:spChg chg="mod">
+          <ac:chgData name="Khattab, Sherif" userId="c83b1e15-36f3-4f46-aceb-05aac24c545e" providerId="ADAL" clId="{BA7E1913-A6F0-C848-94D5-CEC45678B150}" dt="2021-01-20T03:36:45.256" v="0"/>
+          <ac:spMkLst>
+            <pc:docMk/>
+            <pc:sldMk cId="1948397067" sldId="484"/>
+            <ac:spMk id="25601" creationId="{5E2E26B9-79A1-4156-BA81-69E66E0DF0CE}"/>
+          </ac:spMkLst>
+        </pc:spChg>
+        <pc:grpChg chg="mod">
+          <ac:chgData name="Khattab, Sherif" userId="c83b1e15-36f3-4f46-aceb-05aac24c545e" providerId="ADAL" clId="{BA7E1913-A6F0-C848-94D5-CEC45678B150}" dt="2021-01-20T03:36:45.256" v="0"/>
+          <ac:grpSpMkLst>
+            <pc:docMk/>
+            <pc:sldMk cId="1948397067" sldId="484"/>
+            <ac:grpSpMk id="1" creationId="{00000000-0000-0000-0000-000000000000}"/>
+          </ac:grpSpMkLst>
+        </pc:grpChg>
+        <pc:graphicFrameChg chg="mod">
+          <ac:chgData name="Khattab, Sherif" userId="c83b1e15-36f3-4f46-aceb-05aac24c545e" providerId="ADAL" clId="{BA7E1913-A6F0-C848-94D5-CEC45678B150}" dt="2021-01-20T03:36:45.256" v="0"/>
+          <ac:graphicFrameMkLst>
+            <pc:docMk/>
+            <pc:sldMk cId="1948397067" sldId="484"/>
+            <ac:graphicFrameMk id="25602" creationId="{D681AA8F-570B-452A-9EE8-6BAD95C0CB2A}"/>
+          </ac:graphicFrameMkLst>
+        </pc:graphicFrameChg>
+      </pc:sldChg>
+      <pc:sldChg chg="modSp">
+        <pc:chgData name="Khattab, Sherif" userId="c83b1e15-36f3-4f46-aceb-05aac24c545e" providerId="ADAL" clId="{BA7E1913-A6F0-C848-94D5-CEC45678B150}" dt="2021-01-20T03:36:45.256" v="0"/>
+        <pc:sldMkLst>
+          <pc:docMk/>
+          <pc:sldMk cId="1363323927" sldId="488"/>
+        </pc:sldMkLst>
+        <pc:spChg chg="mod">
+          <ac:chgData name="Khattab, Sherif" userId="c83b1e15-36f3-4f46-aceb-05aac24c545e" providerId="ADAL" clId="{BA7E1913-A6F0-C848-94D5-CEC45678B150}" dt="2021-01-20T03:36:45.256" v="0"/>
+          <ac:spMkLst>
+            <pc:docMk/>
+            <pc:sldMk cId="1363323927" sldId="488"/>
+            <ac:spMk id="2" creationId="{D1784F0E-0CE3-4DF2-BF5E-AC961DED9AD5}"/>
+          </ac:spMkLst>
+        </pc:spChg>
+        <pc:spChg chg="mod">
+          <ac:chgData name="Khattab, Sherif" userId="c83b1e15-36f3-4f46-aceb-05aac24c545e" providerId="ADAL" clId="{BA7E1913-A6F0-C848-94D5-CEC45678B150}" dt="2021-01-20T03:36:45.256" v="0"/>
+          <ac:spMkLst>
+            <pc:docMk/>
+            <pc:sldMk cId="1363323927" sldId="488"/>
+            <ac:spMk id="4" creationId="{EDE852BE-9DBB-4B9F-96D6-41502235E65B}"/>
+          </ac:spMkLst>
+        </pc:spChg>
+        <pc:spChg chg="mod">
+          <ac:chgData name="Khattab, Sherif" userId="c83b1e15-36f3-4f46-aceb-05aac24c545e" providerId="ADAL" clId="{BA7E1913-A6F0-C848-94D5-CEC45678B150}" dt="2021-01-20T03:36:45.256" v="0"/>
+          <ac:spMkLst>
+            <pc:docMk/>
+            <pc:sldMk cId="1363323927" sldId="488"/>
+            <ac:spMk id="29697" creationId="{28E17C06-9C26-4EA2-A8CB-9E266E08CFC9}"/>
+          </ac:spMkLst>
+        </pc:spChg>
+        <pc:spChg chg="mod">
+          <ac:chgData name="Khattab, Sherif" userId="c83b1e15-36f3-4f46-aceb-05aac24c545e" providerId="ADAL" clId="{BA7E1913-A6F0-C848-94D5-CEC45678B150}" dt="2021-01-20T03:36:45.256" v="0"/>
+          <ac:spMkLst>
+            <pc:docMk/>
+            <pc:sldMk cId="1363323927" sldId="488"/>
+            <ac:spMk id="29699" creationId="{9B87D08D-EF4A-454B-A132-2A933B33FADF}"/>
+          </ac:spMkLst>
+        </pc:spChg>
+        <pc:grpChg chg="mod">
+          <ac:chgData name="Khattab, Sherif" userId="c83b1e15-36f3-4f46-aceb-05aac24c545e" providerId="ADAL" clId="{BA7E1913-A6F0-C848-94D5-CEC45678B150}" dt="2021-01-20T03:36:45.256" v="0"/>
+          <ac:grpSpMkLst>
+            <pc:docMk/>
+            <pc:sldMk cId="1363323927" sldId="488"/>
+            <ac:grpSpMk id="1" creationId="{00000000-0000-0000-0000-000000000000}"/>
+          </ac:grpSpMkLst>
+        </pc:grpChg>
+        <pc:graphicFrameChg chg="mod">
+          <ac:chgData name="Khattab, Sherif" userId="c83b1e15-36f3-4f46-aceb-05aac24c545e" providerId="ADAL" clId="{BA7E1913-A6F0-C848-94D5-CEC45678B150}" dt="2021-01-20T03:36:45.256" v="0"/>
+          <ac:graphicFrameMkLst>
+            <pc:docMk/>
+            <pc:sldMk cId="1363323927" sldId="488"/>
+            <ac:graphicFrameMk id="29698" creationId="{5096B804-6DD5-4EA7-8B5D-E7C04AA4F65D}"/>
+          </ac:graphicFrameMkLst>
+        </pc:graphicFrameChg>
+      </pc:sldChg>
+      <pc:sldChg chg="modSp">
+        <pc:chgData name="Khattab, Sherif" userId="c83b1e15-36f3-4f46-aceb-05aac24c545e" providerId="ADAL" clId="{BA7E1913-A6F0-C848-94D5-CEC45678B150}" dt="2021-01-20T03:36:45.256" v="0"/>
+        <pc:sldMkLst>
+          <pc:docMk/>
+          <pc:sldMk cId="936409682" sldId="489"/>
+        </pc:sldMkLst>
+        <pc:spChg chg="mod">
+          <ac:chgData name="Khattab, Sherif" userId="c83b1e15-36f3-4f46-aceb-05aac24c545e" providerId="ADAL" clId="{BA7E1913-A6F0-C848-94D5-CEC45678B150}" dt="2021-01-20T03:36:45.256" v="0"/>
+          <ac:spMkLst>
+            <pc:docMk/>
+            <pc:sldMk cId="936409682" sldId="489"/>
+            <ac:spMk id="2" creationId="{150C62BB-E114-454B-85DB-53D764ED6038}"/>
+          </ac:spMkLst>
+        </pc:spChg>
+        <pc:spChg chg="mod">
+          <ac:chgData name="Khattab, Sherif" userId="c83b1e15-36f3-4f46-aceb-05aac24c545e" providerId="ADAL" clId="{BA7E1913-A6F0-C848-94D5-CEC45678B150}" dt="2021-01-20T03:36:45.256" v="0"/>
+          <ac:spMkLst>
+            <pc:docMk/>
+            <pc:sldMk cId="936409682" sldId="489"/>
+            <ac:spMk id="4" creationId="{8F548AA1-681E-4DA0-A9AF-6C8D550D5E08}"/>
+          </ac:spMkLst>
+        </pc:spChg>
+        <pc:spChg chg="mod">
+          <ac:chgData name="Khattab, Sherif" userId="c83b1e15-36f3-4f46-aceb-05aac24c545e" providerId="ADAL" clId="{BA7E1913-A6F0-C848-94D5-CEC45678B150}" dt="2021-01-20T03:36:45.256" v="0"/>
+          <ac:spMkLst>
+            <pc:docMk/>
+            <pc:sldMk cId="936409682" sldId="489"/>
+            <ac:spMk id="30721" creationId="{0A3F3B3A-9F5F-4801-AFED-E732F58A9EA2}"/>
+          </ac:spMkLst>
+        </pc:spChg>
+        <pc:spChg chg="mod">
+          <ac:chgData name="Khattab, Sherif" userId="c83b1e15-36f3-4f46-aceb-05aac24c545e" providerId="ADAL" clId="{BA7E1913-A6F0-C848-94D5-CEC45678B150}" dt="2021-01-20T03:36:45.256" v="0"/>
+          <ac:spMkLst>
+            <pc:docMk/>
+            <pc:sldMk cId="936409682" sldId="489"/>
+            <ac:spMk id="30722" creationId="{33C3E8B9-1772-47B4-9411-185F126423BA}"/>
+          </ac:spMkLst>
+        </pc:spChg>
+        <pc:grpChg chg="mod">
+          <ac:chgData name="Khattab, Sherif" userId="c83b1e15-36f3-4f46-aceb-05aac24c545e" providerId="ADAL" clId="{BA7E1913-A6F0-C848-94D5-CEC45678B150}" dt="2021-01-20T03:36:45.256" v="0"/>
+          <ac:grpSpMkLst>
+            <pc:docMk/>
+            <pc:sldMk cId="936409682" sldId="489"/>
+            <ac:grpSpMk id="1" creationId="{00000000-0000-0000-0000-000000000000}"/>
+          </ac:grpSpMkLst>
+        </pc:grpChg>
+        <pc:graphicFrameChg chg="mod">
+          <ac:chgData name="Khattab, Sherif" userId="c83b1e15-36f3-4f46-aceb-05aac24c545e" providerId="ADAL" clId="{BA7E1913-A6F0-C848-94D5-CEC45678B150}" dt="2021-01-20T03:36:45.256" v="0"/>
+          <ac:graphicFrameMkLst>
+            <pc:docMk/>
+            <pc:sldMk cId="936409682" sldId="489"/>
+            <ac:graphicFrameMk id="30723" creationId="{24ED8923-A61A-4244-A0FE-28542EDE5C2B}"/>
+          </ac:graphicFrameMkLst>
+        </pc:graphicFrameChg>
+      </pc:sldChg>
+      <pc:sldChg chg="modSp">
+        <pc:chgData name="Khattab, Sherif" userId="c83b1e15-36f3-4f46-aceb-05aac24c545e" providerId="ADAL" clId="{BA7E1913-A6F0-C848-94D5-CEC45678B150}" dt="2021-01-20T03:36:45.256" v="0"/>
+        <pc:sldMkLst>
+          <pc:docMk/>
+          <pc:sldMk cId="3447713174" sldId="494"/>
+        </pc:sldMkLst>
+        <pc:spChg chg="mod">
+          <ac:chgData name="Khattab, Sherif" userId="c83b1e15-36f3-4f46-aceb-05aac24c545e" providerId="ADAL" clId="{BA7E1913-A6F0-C848-94D5-CEC45678B150}" dt="2021-01-20T03:36:45.256" v="0"/>
+          <ac:spMkLst>
+            <pc:docMk/>
+            <pc:sldMk cId="3447713174" sldId="494"/>
+            <ac:spMk id="3" creationId="{68983252-D58B-4136-834E-912F539F00B6}"/>
+          </ac:spMkLst>
+        </pc:spChg>
+        <pc:spChg chg="mod">
+          <ac:chgData name="Khattab, Sherif" userId="c83b1e15-36f3-4f46-aceb-05aac24c545e" providerId="ADAL" clId="{BA7E1913-A6F0-C848-94D5-CEC45678B150}" dt="2021-01-20T03:36:45.256" v="0"/>
+          <ac:spMkLst>
+            <pc:docMk/>
+            <pc:sldMk cId="3447713174" sldId="494"/>
+            <ac:spMk id="5" creationId="{6E7E3CCF-4F96-45E6-B828-6AA5F067043A}"/>
+          </ac:spMkLst>
+        </pc:spChg>
+        <pc:spChg chg="mod">
+          <ac:chgData name="Khattab, Sherif" userId="c83b1e15-36f3-4f46-aceb-05aac24c545e" providerId="ADAL" clId="{BA7E1913-A6F0-C848-94D5-CEC45678B150}" dt="2021-01-20T03:36:45.256" v="0"/>
+          <ac:spMkLst>
+            <pc:docMk/>
+            <pc:sldMk cId="3447713174" sldId="494"/>
+            <ac:spMk id="7" creationId="{E82B22B3-1517-E346-9A8B-094A40D2FC5B}"/>
+          </ac:spMkLst>
+        </pc:spChg>
+        <pc:spChg chg="mod">
+          <ac:chgData name="Khattab, Sherif" userId="c83b1e15-36f3-4f46-aceb-05aac24c545e" providerId="ADAL" clId="{BA7E1913-A6F0-C848-94D5-CEC45678B150}" dt="2021-01-20T03:36:45.256" v="0"/>
+          <ac:spMkLst>
+            <pc:docMk/>
+            <pc:sldMk cId="3447713174" sldId="494"/>
+            <ac:spMk id="35841" creationId="{B48F48C8-3631-4F5F-8724-374B534CDB0D}"/>
+          </ac:spMkLst>
+        </pc:spChg>
+        <pc:grpChg chg="mod">
+          <ac:chgData name="Khattab, Sherif" userId="c83b1e15-36f3-4f46-aceb-05aac24c545e" providerId="ADAL" clId="{BA7E1913-A6F0-C848-94D5-CEC45678B150}" dt="2021-01-20T03:36:45.256" v="0"/>
+          <ac:grpSpMkLst>
+            <pc:docMk/>
+            <pc:sldMk cId="3447713174" sldId="494"/>
+            <ac:grpSpMk id="1" creationId="{00000000-0000-0000-0000-000000000000}"/>
+          </ac:grpSpMkLst>
+        </pc:grpChg>
+        <pc:graphicFrameChg chg="mod">
+          <ac:chgData name="Khattab, Sherif" userId="c83b1e15-36f3-4f46-aceb-05aac24c545e" providerId="ADAL" clId="{BA7E1913-A6F0-C848-94D5-CEC45678B150}" dt="2021-01-20T03:36:45.256" v="0"/>
+          <ac:graphicFrameMkLst>
+            <pc:docMk/>
+            <pc:sldMk cId="3447713174" sldId="494"/>
+            <ac:graphicFrameMk id="35842" creationId="{8D1701A4-A56B-439A-9B39-A560D76A3316}"/>
+          </ac:graphicFrameMkLst>
+        </pc:graphicFrameChg>
+      </pc:sldChg>
+      <pc:sldChg chg="modSp">
+        <pc:chgData name="Khattab, Sherif" userId="c83b1e15-36f3-4f46-aceb-05aac24c545e" providerId="ADAL" clId="{BA7E1913-A6F0-C848-94D5-CEC45678B150}" dt="2021-01-20T03:36:45.256" v="0"/>
+        <pc:sldMkLst>
+          <pc:docMk/>
+          <pc:sldMk cId="2129126942" sldId="495"/>
+        </pc:sldMkLst>
+        <pc:spChg chg="mod">
+          <ac:chgData name="Khattab, Sherif" userId="c83b1e15-36f3-4f46-aceb-05aac24c545e" providerId="ADAL" clId="{BA7E1913-A6F0-C848-94D5-CEC45678B150}" dt="2021-01-20T03:36:45.256" v="0"/>
+          <ac:spMkLst>
+            <pc:docMk/>
+            <pc:sldMk cId="2129126942" sldId="495"/>
+            <ac:spMk id="2" creationId="{B0EDE6F0-5E08-467B-A6AE-AA045809023A}"/>
+          </ac:spMkLst>
+        </pc:spChg>
+        <pc:spChg chg="mod">
+          <ac:chgData name="Khattab, Sherif" userId="c83b1e15-36f3-4f46-aceb-05aac24c545e" providerId="ADAL" clId="{BA7E1913-A6F0-C848-94D5-CEC45678B150}" dt="2021-01-20T03:36:45.256" v="0"/>
+          <ac:spMkLst>
+            <pc:docMk/>
+            <pc:sldMk cId="2129126942" sldId="495"/>
+            <ac:spMk id="4" creationId="{31048580-254B-4562-B07A-13FA9D7EEB7E}"/>
+          </ac:spMkLst>
+        </pc:spChg>
+        <pc:spChg chg="mod">
+          <ac:chgData name="Khattab, Sherif" userId="c83b1e15-36f3-4f46-aceb-05aac24c545e" providerId="ADAL" clId="{BA7E1913-A6F0-C848-94D5-CEC45678B150}" dt="2021-01-20T03:36:45.256" v="0"/>
+          <ac:spMkLst>
+            <pc:docMk/>
+            <pc:sldMk cId="2129126942" sldId="495"/>
+            <ac:spMk id="36865" creationId="{7EA33581-0FBA-4513-BC21-59EBD3254C34}"/>
+          </ac:spMkLst>
+        </pc:spChg>
+        <pc:spChg chg="mod">
+          <ac:chgData name="Khattab, Sherif" userId="c83b1e15-36f3-4f46-aceb-05aac24c545e" providerId="ADAL" clId="{BA7E1913-A6F0-C848-94D5-CEC45678B150}" dt="2021-01-20T03:36:45.256" v="0"/>
+          <ac:spMkLst>
+            <pc:docMk/>
+            <pc:sldMk cId="2129126942" sldId="495"/>
+            <ac:spMk id="36866" creationId="{D4B374AC-8E1B-4FB1-8CD1-E75C5A388926}"/>
+          </ac:spMkLst>
+        </pc:spChg>
+        <pc:grpChg chg="mod">
+          <ac:chgData name="Khattab, Sherif" userId="c83b1e15-36f3-4f46-aceb-05aac24c545e" providerId="ADAL" clId="{BA7E1913-A6F0-C848-94D5-CEC45678B150}" dt="2021-01-20T03:36:45.256" v="0"/>
+          <ac:grpSpMkLst>
+            <pc:docMk/>
+            <pc:sldMk cId="2129126942" sldId="495"/>
+            <ac:grpSpMk id="1" creationId="{00000000-0000-0000-0000-000000000000}"/>
+          </ac:grpSpMkLst>
+        </pc:grpChg>
+        <pc:graphicFrameChg chg="mod">
+          <ac:chgData name="Khattab, Sherif" userId="c83b1e15-36f3-4f46-aceb-05aac24c545e" providerId="ADAL" clId="{BA7E1913-A6F0-C848-94D5-CEC45678B150}" dt="2021-01-20T03:36:45.256" v="0"/>
+          <ac:graphicFrameMkLst>
+            <pc:docMk/>
+            <pc:sldMk cId="2129126942" sldId="495"/>
+            <ac:graphicFrameMk id="36867" creationId="{6EBD17C3-7239-4686-9A19-775BA4E9A6D5}"/>
+          </ac:graphicFrameMkLst>
+        </pc:graphicFrameChg>
+      </pc:sldChg>
+    </pc:docChg>
+  </pc:docChgLst>
+  <pc:docChgLst>
+    <pc:chgData name="Sherif Khattab" userId="c83b1e15-36f3-4f46-aceb-05aac24c545e" providerId="ADAL" clId="{4F266D3B-92A2-40A8-A073-356F608DC91A}"/>
+    <pc:docChg chg="undo custSel addSld delSld modSld">
+      <pc:chgData name="Sherif Khattab" userId="c83b1e15-36f3-4f46-aceb-05aac24c545e" providerId="ADAL" clId="{4F266D3B-92A2-40A8-A073-356F608DC91A}" dt="2021-02-17T00:16:24.875" v="717" actId="1076"/>
+      <pc:docMkLst>
+        <pc:docMk/>
+      </pc:docMkLst>
+      <pc:sldChg chg="modSp del mod">
+        <pc:chgData name="Sherif Khattab" userId="c83b1e15-36f3-4f46-aceb-05aac24c545e" providerId="ADAL" clId="{4F266D3B-92A2-40A8-A073-356F608DC91A}" dt="2021-02-16T18:38:39.143" v="580" actId="47"/>
+        <pc:sldMkLst>
+          <pc:docMk/>
+          <pc:sldMk cId="3681208715" sldId="257"/>
+        </pc:sldMkLst>
+        <pc:spChg chg="mod">
+          <ac:chgData name="Sherif Khattab" userId="c83b1e15-36f3-4f46-aceb-05aac24c545e" providerId="ADAL" clId="{4F266D3B-92A2-40A8-A073-356F608DC91A}" dt="2021-02-16T15:39:14.558" v="504" actId="20577"/>
+          <ac:spMkLst>
+            <pc:docMk/>
+            <pc:sldMk cId="3681208715" sldId="257"/>
+            <ac:spMk id="5123" creationId="{550C3EC1-F853-4061-A0F2-F81B64390D10}"/>
+          </ac:spMkLst>
+        </pc:spChg>
+      </pc:sldChg>
+      <pc:sldChg chg="del">
+        <pc:chgData name="Sherif Khattab" userId="c83b1e15-36f3-4f46-aceb-05aac24c545e" providerId="ADAL" clId="{4F266D3B-92A2-40A8-A073-356F608DC91A}" dt="2021-02-16T15:39:00.760" v="491" actId="47"/>
+        <pc:sldMkLst>
+          <pc:docMk/>
+          <pc:sldMk cId="1664517503" sldId="258"/>
+        </pc:sldMkLst>
+      </pc:sldChg>
+      <pc:sldChg chg="del">
+        <pc:chgData name="Sherif Khattab" userId="c83b1e15-36f3-4f46-aceb-05aac24c545e" providerId="ADAL" clId="{4F266D3B-92A2-40A8-A073-356F608DC91A}" dt="2021-02-16T14:38:32.321" v="5" actId="47"/>
+        <pc:sldMkLst>
+          <pc:docMk/>
+          <pc:sldMk cId="1004035158" sldId="259"/>
+        </pc:sldMkLst>
+      </pc:sldChg>
+      <pc:sldChg chg="del">
+        <pc:chgData name="Sherif Khattab" userId="c83b1e15-36f3-4f46-aceb-05aac24c545e" providerId="ADAL" clId="{4F266D3B-92A2-40A8-A073-356F608DC91A}" dt="2021-02-16T15:39:06.861" v="493" actId="47"/>
+        <pc:sldMkLst>
+          <pc:docMk/>
+          <pc:sldMk cId="3230569327" sldId="260"/>
+        </pc:sldMkLst>
+      </pc:sldChg>
+      <pc:sldChg chg="del">
+        <pc:chgData name="Sherif Khattab" userId="c83b1e15-36f3-4f46-aceb-05aac24c545e" providerId="ADAL" clId="{4F266D3B-92A2-40A8-A073-356F608DC91A}" dt="2021-02-16T14:38:32.321" v="5" actId="47"/>
+        <pc:sldMkLst>
+          <pc:docMk/>
+          <pc:sldMk cId="1444142485" sldId="261"/>
+        </pc:sldMkLst>
+      </pc:sldChg>
+      <pc:sldChg chg="del">
+        <pc:chgData name="Sherif Khattab" userId="c83b1e15-36f3-4f46-aceb-05aac24c545e" providerId="ADAL" clId="{4F266D3B-92A2-40A8-A073-356F608DC91A}" dt="2021-02-16T14:38:32.321" v="5" actId="47"/>
+        <pc:sldMkLst>
+          <pc:docMk/>
+          <pc:sldMk cId="516417489" sldId="262"/>
+        </pc:sldMkLst>
+      </pc:sldChg>
+      <pc:sldChg chg="del">
+        <pc:chgData name="Sherif Khattab" userId="c83b1e15-36f3-4f46-aceb-05aac24c545e" providerId="ADAL" clId="{4F266D3B-92A2-40A8-A073-356F608DC91A}" dt="2021-02-16T14:38:32.321" v="5" actId="47"/>
+        <pc:sldMkLst>
+          <pc:docMk/>
+          <pc:sldMk cId="561583903" sldId="263"/>
+        </pc:sldMkLst>
+      </pc:sldChg>
+      <pc:sldChg chg="del">
+        <pc:chgData name="Sherif Khattab" userId="c83b1e15-36f3-4f46-aceb-05aac24c545e" providerId="ADAL" clId="{4F266D3B-92A2-40A8-A073-356F608DC91A}" dt="2021-02-16T14:38:32.321" v="5" actId="47"/>
+        <pc:sldMkLst>
+          <pc:docMk/>
+          <pc:sldMk cId="982315759" sldId="264"/>
+        </pc:sldMkLst>
+      </pc:sldChg>
+      <pc:sldChg chg="del">
+        <pc:chgData name="Sherif Khattab" userId="c83b1e15-36f3-4f46-aceb-05aac24c545e" providerId="ADAL" clId="{4F266D3B-92A2-40A8-A073-356F608DC91A}" dt="2021-02-16T14:38:32.321" v="5" actId="47"/>
+        <pc:sldMkLst>
+          <pc:docMk/>
+          <pc:sldMk cId="423130617" sldId="265"/>
+        </pc:sldMkLst>
+      </pc:sldChg>
+      <pc:sldChg chg="del">
+        <pc:chgData name="Sherif Khattab" userId="c83b1e15-36f3-4f46-aceb-05aac24c545e" providerId="ADAL" clId="{4F266D3B-92A2-40A8-A073-356F608DC91A}" dt="2021-02-16T14:40:29.007" v="103" actId="47"/>
+        <pc:sldMkLst>
+          <pc:docMk/>
+          <pc:sldMk cId="386763112" sldId="266"/>
+        </pc:sldMkLst>
+      </pc:sldChg>
+      <pc:sldChg chg="del">
+        <pc:chgData name="Sherif Khattab" userId="c83b1e15-36f3-4f46-aceb-05aac24c545e" providerId="ADAL" clId="{4F266D3B-92A2-40A8-A073-356F608DC91A}" dt="2021-02-16T14:38:32.321" v="5" actId="47"/>
+        <pc:sldMkLst>
+          <pc:docMk/>
+          <pc:sldMk cId="661211275" sldId="267"/>
+        </pc:sldMkLst>
+      </pc:sldChg>
+      <pc:sldChg chg="del">
+        <pc:chgData name="Sherif Khattab" userId="c83b1e15-36f3-4f46-aceb-05aac24c545e" providerId="ADAL" clId="{4F266D3B-92A2-40A8-A073-356F608DC91A}" dt="2021-02-16T14:38:32.321" v="5" actId="47"/>
+        <pc:sldMkLst>
+          <pc:docMk/>
+          <pc:sldMk cId="1897509347" sldId="268"/>
+        </pc:sldMkLst>
+      </pc:sldChg>
+      <pc:sldChg chg="del">
+        <pc:chgData name="Sherif Khattab" userId="c83b1e15-36f3-4f46-aceb-05aac24c545e" providerId="ADAL" clId="{4F266D3B-92A2-40A8-A073-356F608DC91A}" dt="2021-02-16T14:38:32.321" v="5" actId="47"/>
+        <pc:sldMkLst>
+          <pc:docMk/>
+          <pc:sldMk cId="1042310649" sldId="269"/>
+        </pc:sldMkLst>
+      </pc:sldChg>
+      <pc:sldChg chg="del">
+        <pc:chgData name="Sherif Khattab" userId="c83b1e15-36f3-4f46-aceb-05aac24c545e" providerId="ADAL" clId="{4F266D3B-92A2-40A8-A073-356F608DC91A}" dt="2021-02-16T14:38:32.321" v="5" actId="47"/>
+        <pc:sldMkLst>
+          <pc:docMk/>
+          <pc:sldMk cId="703361262" sldId="270"/>
+        </pc:sldMkLst>
+      </pc:sldChg>
+      <pc:sldChg chg="del">
+        <pc:chgData name="Sherif Khattab" userId="c83b1e15-36f3-4f46-aceb-05aac24c545e" providerId="ADAL" clId="{4F266D3B-92A2-40A8-A073-356F608DC91A}" dt="2021-02-16T14:38:32.321" v="5" actId="47"/>
+        <pc:sldMkLst>
+          <pc:docMk/>
+          <pc:sldMk cId="1436808390" sldId="271"/>
+        </pc:sldMkLst>
+      </pc:sldChg>
+      <pc:sldChg chg="del">
+        <pc:chgData name="Sherif Khattab" userId="c83b1e15-36f3-4f46-aceb-05aac24c545e" providerId="ADAL" clId="{4F266D3B-92A2-40A8-A073-356F608DC91A}" dt="2021-02-16T14:38:32.321" v="5" actId="47"/>
+        <pc:sldMkLst>
+          <pc:docMk/>
+          <pc:sldMk cId="1301683851" sldId="272"/>
+        </pc:sldMkLst>
+      </pc:sldChg>
+      <pc:sldChg chg="del">
+        <pc:chgData name="Sherif Khattab" userId="c83b1e15-36f3-4f46-aceb-05aac24c545e" providerId="ADAL" clId="{4F266D3B-92A2-40A8-A073-356F608DC91A}" dt="2021-02-16T15:40:09.232" v="506" actId="47"/>
+        <pc:sldMkLst>
+          <pc:docMk/>
+          <pc:sldMk cId="1920820884" sldId="273"/>
+        </pc:sldMkLst>
+      </pc:sldChg>
+      <pc:sldChg chg="del">
+        <pc:chgData name="Sherif Khattab" userId="c83b1e15-36f3-4f46-aceb-05aac24c545e" providerId="ADAL" clId="{4F266D3B-92A2-40A8-A073-356F608DC91A}" dt="2021-02-16T14:38:32.321" v="5" actId="47"/>
+        <pc:sldMkLst>
+          <pc:docMk/>
+          <pc:sldMk cId="55302999" sldId="274"/>
+        </pc:sldMkLst>
+      </pc:sldChg>
+      <pc:sldChg chg="del">
+        <pc:chgData name="Sherif Khattab" userId="c83b1e15-36f3-4f46-aceb-05aac24c545e" providerId="ADAL" clId="{4F266D3B-92A2-40A8-A073-356F608DC91A}" dt="2021-02-16T14:38:32.321" v="5" actId="47"/>
+        <pc:sldMkLst>
+          <pc:docMk/>
+          <pc:sldMk cId="2064114192" sldId="276"/>
+        </pc:sldMkLst>
+      </pc:sldChg>
+      <pc:sldChg chg="del">
+        <pc:chgData name="Sherif Khattab" userId="c83b1e15-36f3-4f46-aceb-05aac24c545e" providerId="ADAL" clId="{4F266D3B-92A2-40A8-A073-356F608DC91A}" dt="2021-02-16T15:40:10.078" v="509" actId="47"/>
+        <pc:sldMkLst>
+          <pc:docMk/>
+          <pc:sldMk cId="2017417480" sldId="277"/>
+        </pc:sldMkLst>
+      </pc:sldChg>
+      <pc:sldChg chg="del">
+        <pc:chgData name="Sherif Khattab" userId="c83b1e15-36f3-4f46-aceb-05aac24c545e" providerId="ADAL" clId="{4F266D3B-92A2-40A8-A073-356F608DC91A}" dt="2021-02-16T14:38:32.321" v="5" actId="47"/>
+        <pc:sldMkLst>
+          <pc:docMk/>
+          <pc:sldMk cId="1000435174" sldId="278"/>
+        </pc:sldMkLst>
+      </pc:sldChg>
+      <pc:sldChg chg="del">
+        <pc:chgData name="Sherif Khattab" userId="c83b1e15-36f3-4f46-aceb-05aac24c545e" providerId="ADAL" clId="{4F266D3B-92A2-40A8-A073-356F608DC91A}" dt="2021-02-16T14:38:32.321" v="5" actId="47"/>
+        <pc:sldMkLst>
+          <pc:docMk/>
+          <pc:sldMk cId="2080017563" sldId="279"/>
+        </pc:sldMkLst>
+      </pc:sldChg>
+      <pc:sldChg chg="del">
+        <pc:chgData name="Sherif Khattab" userId="c83b1e15-36f3-4f46-aceb-05aac24c545e" providerId="ADAL" clId="{4F266D3B-92A2-40A8-A073-356F608DC91A}" dt="2021-02-16T15:40:10.241" v="513" actId="47"/>
+        <pc:sldMkLst>
+          <pc:docMk/>
+          <pc:sldMk cId="2773510753" sldId="280"/>
+        </pc:sldMkLst>
+      </pc:sldChg>
+      <pc:sldChg chg="del">
+        <pc:chgData name="Sherif Khattab" userId="c83b1e15-36f3-4f46-aceb-05aac24c545e" providerId="ADAL" clId="{4F266D3B-92A2-40A8-A073-356F608DC91A}" dt="2021-02-16T14:38:32.321" v="5" actId="47"/>
+        <pc:sldMkLst>
+          <pc:docMk/>
+          <pc:sldMk cId="1445345591" sldId="281"/>
+        </pc:sldMkLst>
+      </pc:sldChg>
+      <pc:sldChg chg="del">
+        <pc:chgData name="Sherif Khattab" userId="c83b1e15-36f3-4f46-aceb-05aac24c545e" providerId="ADAL" clId="{4F266D3B-92A2-40A8-A073-356F608DC91A}" dt="2021-02-16T14:38:32.321" v="5" actId="47"/>
+        <pc:sldMkLst>
+          <pc:docMk/>
+          <pc:sldMk cId="306268545" sldId="282"/>
+        </pc:sldMkLst>
+      </pc:sldChg>
+      <pc:sldChg chg="del">
+        <pc:chgData name="Sherif Khattab" userId="c83b1e15-36f3-4f46-aceb-05aac24c545e" providerId="ADAL" clId="{4F266D3B-92A2-40A8-A073-356F608DC91A}" dt="2021-02-16T15:40:10.360" v="516" actId="47"/>
+        <pc:sldMkLst>
+          <pc:docMk/>
+          <pc:sldMk cId="171235497" sldId="283"/>
+        </pc:sldMkLst>
+      </pc:sldChg>
+      <pc:sldChg chg="del">
+        <pc:chgData name="Sherif Khattab" userId="c83b1e15-36f3-4f46-aceb-05aac24c545e" providerId="ADAL" clId="{4F266D3B-92A2-40A8-A073-356F608DC91A}" dt="2021-02-16T15:40:10.408" v="517" actId="47"/>
+        <pc:sldMkLst>
+          <pc:docMk/>
+          <pc:sldMk cId="2099089282" sldId="284"/>
+        </pc:sldMkLst>
+      </pc:sldChg>
+      <pc:sldChg chg="del">
+        <pc:chgData name="Sherif Khattab" userId="c83b1e15-36f3-4f46-aceb-05aac24c545e" providerId="ADAL" clId="{4F266D3B-92A2-40A8-A073-356F608DC91A}" dt="2021-02-16T15:40:10.457" v="518" actId="47"/>
+        <pc:sldMkLst>
+          <pc:docMk/>
+          <pc:sldMk cId="1136622862" sldId="285"/>
+        </pc:sldMkLst>
+      </pc:sldChg>
+      <pc:sldChg chg="del">
+        <pc:chgData name="Sherif Khattab" userId="c83b1e15-36f3-4f46-aceb-05aac24c545e" providerId="ADAL" clId="{4F266D3B-92A2-40A8-A073-356F608DC91A}" dt="2021-02-16T18:38:39.143" v="580" actId="47"/>
+        <pc:sldMkLst>
+          <pc:docMk/>
+          <pc:sldMk cId="3949722242" sldId="286"/>
+        </pc:sldMkLst>
+      </pc:sldChg>
+      <pc:sldChg chg="del">
+        <pc:chgData name="Sherif Khattab" userId="c83b1e15-36f3-4f46-aceb-05aac24c545e" providerId="ADAL" clId="{4F266D3B-92A2-40A8-A073-356F608DC91A}" dt="2021-02-16T18:38:39.143" v="580" actId="47"/>
+        <pc:sldMkLst>
+          <pc:docMk/>
+          <pc:sldMk cId="1032220564" sldId="287"/>
+        </pc:sldMkLst>
+      </pc:sldChg>
+      <pc:sldChg chg="add del">
+        <pc:chgData name="Sherif Khattab" userId="c83b1e15-36f3-4f46-aceb-05aac24c545e" providerId="ADAL" clId="{4F266D3B-92A2-40A8-A073-356F608DC91A}" dt="2021-02-16T18:38:39.143" v="580" actId="47"/>
+        <pc:sldMkLst>
+          <pc:docMk/>
+          <pc:sldMk cId="1268007695" sldId="288"/>
+        </pc:sldMkLst>
+      </pc:sldChg>
+      <pc:sldChg chg="add del">
+        <pc:chgData name="Sherif Khattab" userId="c83b1e15-36f3-4f46-aceb-05aac24c545e" providerId="ADAL" clId="{4F266D3B-92A2-40A8-A073-356F608DC91A}" dt="2021-02-16T18:38:39.143" v="580" actId="47"/>
+        <pc:sldMkLst>
+          <pc:docMk/>
+          <pc:sldMk cId="463012687" sldId="289"/>
+        </pc:sldMkLst>
+      </pc:sldChg>
+      <pc:sldChg chg="del">
+        <pc:chgData name="Sherif Khattab" userId="c83b1e15-36f3-4f46-aceb-05aac24c545e" providerId="ADAL" clId="{4F266D3B-92A2-40A8-A073-356F608DC91A}" dt="2021-02-16T15:40:10.116" v="510" actId="47"/>
+        <pc:sldMkLst>
+          <pc:docMk/>
+          <pc:sldMk cId="442392580" sldId="290"/>
+        </pc:sldMkLst>
+      </pc:sldChg>
+      <pc:sldChg chg="del">
+        <pc:chgData name="Sherif Khattab" userId="c83b1e15-36f3-4f46-aceb-05aac24c545e" providerId="ADAL" clId="{4F266D3B-92A2-40A8-A073-356F608DC91A}" dt="2021-02-16T14:38:32.321" v="5" actId="47"/>
+        <pc:sldMkLst>
+          <pc:docMk/>
+          <pc:sldMk cId="2710637777" sldId="322"/>
+        </pc:sldMkLst>
+      </pc:sldChg>
+      <pc:sldChg chg="del">
+        <pc:chgData name="Sherif Khattab" userId="c83b1e15-36f3-4f46-aceb-05aac24c545e" providerId="ADAL" clId="{4F266D3B-92A2-40A8-A073-356F608DC91A}" dt="2021-02-16T14:38:32.321" v="5" actId="47"/>
+        <pc:sldMkLst>
+          <pc:docMk/>
+          <pc:sldMk cId="3292918179" sldId="324"/>
+        </pc:sldMkLst>
+      </pc:sldChg>
+      <pc:sldChg chg="del">
+        <pc:chgData name="Sherif Khattab" userId="c83b1e15-36f3-4f46-aceb-05aac24c545e" providerId="ADAL" clId="{4F266D3B-92A2-40A8-A073-356F608DC91A}" dt="2021-02-16T14:38:32.321" v="5" actId="47"/>
+        <pc:sldMkLst>
+          <pc:docMk/>
+          <pc:sldMk cId="355119911" sldId="338"/>
+        </pc:sldMkLst>
+      </pc:sldChg>
+      <pc:sldChg chg="del">
+        <pc:chgData name="Sherif Khattab" userId="c83b1e15-36f3-4f46-aceb-05aac24c545e" providerId="ADAL" clId="{4F266D3B-92A2-40A8-A073-356F608DC91A}" dt="2021-02-16T14:38:32.321" v="5" actId="47"/>
+        <pc:sldMkLst>
+          <pc:docMk/>
+          <pc:sldMk cId="4223572414" sldId="339"/>
+        </pc:sldMkLst>
+      </pc:sldChg>
+      <pc:sldChg chg="del">
+        <pc:chgData name="Sherif Khattab" userId="c83b1e15-36f3-4f46-aceb-05aac24c545e" providerId="ADAL" clId="{4F266D3B-92A2-40A8-A073-356F608DC91A}" dt="2021-02-16T14:38:32.321" v="5" actId="47"/>
+        <pc:sldMkLst>
+          <pc:docMk/>
+          <pc:sldMk cId="470668490" sldId="340"/>
+        </pc:sldMkLst>
+      </pc:sldChg>
+      <pc:sldChg chg="del">
+        <pc:chgData name="Sherif Khattab" userId="c83b1e15-36f3-4f46-aceb-05aac24c545e" providerId="ADAL" clId="{4F266D3B-92A2-40A8-A073-356F608DC91A}" dt="2021-02-16T14:38:32.321" v="5" actId="47"/>
+        <pc:sldMkLst>
+          <pc:docMk/>
+          <pc:sldMk cId="1205868326" sldId="341"/>
+        </pc:sldMkLst>
+      </pc:sldChg>
+      <pc:sldChg chg="del">
+        <pc:chgData name="Sherif Khattab" userId="c83b1e15-36f3-4f46-aceb-05aac24c545e" providerId="ADAL" clId="{4F266D3B-92A2-40A8-A073-356F608DC91A}" dt="2021-02-16T14:38:32.321" v="5" actId="47"/>
+        <pc:sldMkLst>
+          <pc:docMk/>
+          <pc:sldMk cId="1806563943" sldId="342"/>
+        </pc:sldMkLst>
+      </pc:sldChg>
+      <pc:sldChg chg="del">
+        <pc:chgData name="Sherif Khattab" userId="c83b1e15-36f3-4f46-aceb-05aac24c545e" providerId="ADAL" clId="{4F266D3B-92A2-40A8-A073-356F608DC91A}" dt="2021-02-16T14:38:32.321" v="5" actId="47"/>
+        <pc:sldMkLst>
+          <pc:docMk/>
+          <pc:sldMk cId="1167711490" sldId="343"/>
+        </pc:sldMkLst>
+      </pc:sldChg>
+      <pc:sldChg chg="del">
+        <pc:chgData name="Sherif Khattab" userId="c83b1e15-36f3-4f46-aceb-05aac24c545e" providerId="ADAL" clId="{4F266D3B-92A2-40A8-A073-356F608DC91A}" dt="2021-02-16T14:38:32.321" v="5" actId="47"/>
+        <pc:sldMkLst>
+          <pc:docMk/>
+          <pc:sldMk cId="1271999567" sldId="349"/>
+        </pc:sldMkLst>
+      </pc:sldChg>
+      <pc:sldChg chg="del">
+        <pc:chgData name="Sherif Khattab" userId="c83b1e15-36f3-4f46-aceb-05aac24c545e" providerId="ADAL" clId="{4F266D3B-92A2-40A8-A073-356F608DC91A}" dt="2021-02-16T14:38:32.321" v="5" actId="47"/>
+        <pc:sldMkLst>
+          <pc:docMk/>
+          <pc:sldMk cId="434376579" sldId="363"/>
+        </pc:sldMkLst>
+      </pc:sldChg>
+      <pc:sldChg chg="del">
+        <pc:chgData name="Sherif Khattab" userId="c83b1e15-36f3-4f46-aceb-05aac24c545e" providerId="ADAL" clId="{4F266D3B-92A2-40A8-A073-356F608DC91A}" dt="2021-02-16T14:38:32.321" v="5" actId="47"/>
+        <pc:sldMkLst>
+          <pc:docMk/>
+          <pc:sldMk cId="815621424" sldId="364"/>
+        </pc:sldMkLst>
+      </pc:sldChg>
+      <pc:sldChg chg="del">
+        <pc:chgData name="Sherif Khattab" userId="c83b1e15-36f3-4f46-aceb-05aac24c545e" providerId="ADAL" clId="{4F266D3B-92A2-40A8-A073-356F608DC91A}" dt="2021-02-16T14:38:32.321" v="5" actId="47"/>
+        <pc:sldMkLst>
+          <pc:docMk/>
+          <pc:sldMk cId="1934104099" sldId="365"/>
+        </pc:sldMkLst>
+      </pc:sldChg>
+      <pc:sldChg chg="del">
+        <pc:chgData name="Sherif Khattab" userId="c83b1e15-36f3-4f46-aceb-05aac24c545e" providerId="ADAL" clId="{4F266D3B-92A2-40A8-A073-356F608DC91A}" dt="2021-02-16T14:38:32.321" v="5" actId="47"/>
+        <pc:sldMkLst>
+          <pc:docMk/>
+          <pc:sldMk cId="2782429159" sldId="366"/>
+        </pc:sldMkLst>
+      </pc:sldChg>
+      <pc:sldChg chg="del">
+        <pc:chgData name="Sherif Khattab" userId="c83b1e15-36f3-4f46-aceb-05aac24c545e" providerId="ADAL" clId="{4F266D3B-92A2-40A8-A073-356F608DC91A}" dt="2021-02-16T14:38:32.321" v="5" actId="47"/>
+        <pc:sldMkLst>
+          <pc:docMk/>
+          <pc:sldMk cId="2251973667" sldId="367"/>
+        </pc:sldMkLst>
+      </pc:sldChg>
+      <pc:sldChg chg="del">
+        <pc:chgData name="Sherif Khattab" userId="c83b1e15-36f3-4f46-aceb-05aac24c545e" providerId="ADAL" clId="{4F266D3B-92A2-40A8-A073-356F608DC91A}" dt="2021-02-16T14:38:32.321" v="5" actId="47"/>
+        <pc:sldMkLst>
+          <pc:docMk/>
+          <pc:sldMk cId="3138501136" sldId="368"/>
+        </pc:sldMkLst>
+      </pc:sldChg>
+      <pc:sldChg chg="del">
+        <pc:chgData name="Sherif Khattab" userId="c83b1e15-36f3-4f46-aceb-05aac24c545e" providerId="ADAL" clId="{4F266D3B-92A2-40A8-A073-356F608DC91A}" dt="2021-02-16T14:38:32.321" v="5" actId="47"/>
+        <pc:sldMkLst>
+          <pc:docMk/>
+          <pc:sldMk cId="3210992163" sldId="369"/>
+        </pc:sldMkLst>
+      </pc:sldChg>
+      <pc:sldChg chg="del">
+        <pc:chgData name="Sherif Khattab" userId="c83b1e15-36f3-4f46-aceb-05aac24c545e" providerId="ADAL" clId="{4F266D3B-92A2-40A8-A073-356F608DC91A}" dt="2021-02-16T14:38:32.321" v="5" actId="47"/>
+        <pc:sldMkLst>
+          <pc:docMk/>
+          <pc:sldMk cId="4013065491" sldId="370"/>
+        </pc:sldMkLst>
+      </pc:sldChg>
+      <pc:sldChg chg="del">
+        <pc:chgData name="Sherif Khattab" userId="c83b1e15-36f3-4f46-aceb-05aac24c545e" providerId="ADAL" clId="{4F266D3B-92A2-40A8-A073-356F608DC91A}" dt="2021-02-16T14:38:32.321" v="5" actId="47"/>
+        <pc:sldMkLst>
+          <pc:docMk/>
+          <pc:sldMk cId="2592968416" sldId="371"/>
+        </pc:sldMkLst>
+      </pc:sldChg>
+      <pc:sldChg chg="del">
+        <pc:chgData name="Sherif Khattab" userId="c83b1e15-36f3-4f46-aceb-05aac24c545e" providerId="ADAL" clId="{4F266D3B-92A2-40A8-A073-356F608DC91A}" dt="2021-02-16T14:38:32.321" v="5" actId="47"/>
+        <pc:sldMkLst>
+          <pc:docMk/>
+          <pc:sldMk cId="3848335379" sldId="372"/>
+        </pc:sldMkLst>
+      </pc:sldChg>
+      <pc:sldChg chg="del">
+        <pc:chgData name="Sherif Khattab" userId="c83b1e15-36f3-4f46-aceb-05aac24c545e" providerId="ADAL" clId="{4F266D3B-92A2-40A8-A073-356F608DC91A}" dt="2021-02-16T14:38:32.321" v="5" actId="47"/>
+        <pc:sldMkLst>
+          <pc:docMk/>
+          <pc:sldMk cId="3161117264" sldId="373"/>
+        </pc:sldMkLst>
+      </pc:sldChg>
+      <pc:sldChg chg="del">
+        <pc:chgData name="Sherif Khattab" userId="c83b1e15-36f3-4f46-aceb-05aac24c545e" providerId="ADAL" clId="{4F266D3B-92A2-40A8-A073-356F608DC91A}" dt="2021-02-16T14:38:32.321" v="5" actId="47"/>
+        <pc:sldMkLst>
+          <pc:docMk/>
+          <pc:sldMk cId="1542066946" sldId="374"/>
+        </pc:sldMkLst>
+      </pc:sldChg>
+      <pc:sldChg chg="del">
+        <pc:chgData name="Sherif Khattab" userId="c83b1e15-36f3-4f46-aceb-05aac24c545e" providerId="ADAL" clId="{4F266D3B-92A2-40A8-A073-356F608DC91A}" dt="2021-02-16T14:38:32.321" v="5" actId="47"/>
+        <pc:sldMkLst>
+          <pc:docMk/>
+          <pc:sldMk cId="834112894" sldId="375"/>
+        </pc:sldMkLst>
+      </pc:sldChg>
+      <pc:sldChg chg="del">
+        <pc:chgData name="Sherif Khattab" userId="c83b1e15-36f3-4f46-aceb-05aac24c545e" providerId="ADAL" clId="{4F266D3B-92A2-40A8-A073-356F608DC91A}" dt="2021-02-16T14:38:32.321" v="5" actId="47"/>
+        <pc:sldMkLst>
+          <pc:docMk/>
+          <pc:sldMk cId="1165577892" sldId="376"/>
+        </pc:sldMkLst>
+      </pc:sldChg>
+      <pc:sldChg chg="del">
+        <pc:chgData name="Sherif Khattab" userId="c83b1e15-36f3-4f46-aceb-05aac24c545e" providerId="ADAL" clId="{4F266D3B-92A2-40A8-A073-356F608DC91A}" dt="2021-02-16T14:38:32.321" v="5" actId="47"/>
+        <pc:sldMkLst>
+          <pc:docMk/>
+          <pc:sldMk cId="583513582" sldId="377"/>
+        </pc:sldMkLst>
+      </pc:sldChg>
+      <pc:sldChg chg="del">
+        <pc:chgData name="Sherif Khattab" userId="c83b1e15-36f3-4f46-aceb-05aac24c545e" providerId="ADAL" clId="{4F266D3B-92A2-40A8-A073-356F608DC91A}" dt="2021-02-16T14:38:32.321" v="5" actId="47"/>
+        <pc:sldMkLst>
+          <pc:docMk/>
+          <pc:sldMk cId="3990797458" sldId="378"/>
+        </pc:sldMkLst>
+      </pc:sldChg>
+      <pc:sldChg chg="del">
+        <pc:chgData name="Sherif Khattab" userId="c83b1e15-36f3-4f46-aceb-05aac24c545e" providerId="ADAL" clId="{4F266D3B-92A2-40A8-A073-356F608DC91A}" dt="2021-02-16T14:38:32.321" v="5" actId="47"/>
+        <pc:sldMkLst>
+          <pc:docMk/>
+          <pc:sldMk cId="2736486443" sldId="379"/>
+        </pc:sldMkLst>
+      </pc:sldChg>
+      <pc:sldChg chg="del">
+        <pc:chgData name="Sherif Khattab" userId="c83b1e15-36f3-4f46-aceb-05aac24c545e" providerId="ADAL" clId="{4F266D3B-92A2-40A8-A073-356F608DC91A}" dt="2021-02-16T14:38:32.321" v="5" actId="47"/>
+        <pc:sldMkLst>
+          <pc:docMk/>
+          <pc:sldMk cId="541381985" sldId="380"/>
+        </pc:sldMkLst>
+      </pc:sldChg>
+      <pc:sldChg chg="del">
+        <pc:chgData name="Sherif Khattab" userId="c83b1e15-36f3-4f46-aceb-05aac24c545e" providerId="ADAL" clId="{4F266D3B-92A2-40A8-A073-356F608DC91A}" dt="2021-02-16T14:38:32.321" v="5" actId="47"/>
+        <pc:sldMkLst>
+          <pc:docMk/>
+          <pc:sldMk cId="2235897330" sldId="381"/>
+        </pc:sldMkLst>
+      </pc:sldChg>
+      <pc:sldChg chg="del">
+        <pc:chgData name="Sherif Khattab" userId="c83b1e15-36f3-4f46-aceb-05aac24c545e" providerId="ADAL" clId="{4F266D3B-92A2-40A8-A073-356F608DC91A}" dt="2021-02-16T14:38:32.321" v="5" actId="47"/>
+        <pc:sldMkLst>
+          <pc:docMk/>
+          <pc:sldMk cId="3360044446" sldId="382"/>
+        </pc:sldMkLst>
+      </pc:sldChg>
+      <pc:sldChg chg="add">
+        <pc:chgData name="Sherif Khattab" userId="c83b1e15-36f3-4f46-aceb-05aac24c545e" providerId="ADAL" clId="{4F266D3B-92A2-40A8-A073-356F608DC91A}" dt="2021-02-16T15:42:33.963" v="573"/>
+        <pc:sldMkLst>
+          <pc:docMk/>
+          <pc:sldMk cId="3851230975" sldId="382"/>
+        </pc:sldMkLst>
+      </pc:sldChg>
+      <pc:sldChg chg="del">
+        <pc:chgData name="Sherif Khattab" userId="c83b1e15-36f3-4f46-aceb-05aac24c545e" providerId="ADAL" clId="{4F266D3B-92A2-40A8-A073-356F608DC91A}" dt="2021-02-16T14:38:32.321" v="5" actId="47"/>
+        <pc:sldMkLst>
+          <pc:docMk/>
+          <pc:sldMk cId="1954384084" sldId="383"/>
+        </pc:sldMkLst>
+      </pc:sldChg>
+      <pc:sldChg chg="del">
+        <pc:chgData name="Sherif Khattab" userId="c83b1e15-36f3-4f46-aceb-05aac24c545e" providerId="ADAL" clId="{4F266D3B-92A2-40A8-A073-356F608DC91A}" dt="2021-02-16T14:38:32.321" v="5" actId="47"/>
+        <pc:sldMkLst>
+          <pc:docMk/>
+          <pc:sldMk cId="220759689" sldId="384"/>
+        </pc:sldMkLst>
+      </pc:sldChg>
+      <pc:sldChg chg="add">
+        <pc:chgData name="Sherif Khattab" userId="c83b1e15-36f3-4f46-aceb-05aac24c545e" providerId="ADAL" clId="{4F266D3B-92A2-40A8-A073-356F608DC91A}" dt="2021-02-16T15:42:21.392" v="572"/>
+        <pc:sldMkLst>
+          <pc:docMk/>
+          <pc:sldMk cId="1898410716" sldId="385"/>
+        </pc:sldMkLst>
+      </pc:sldChg>
+      <pc:sldChg chg="del">
+        <pc:chgData name="Sherif Khattab" userId="c83b1e15-36f3-4f46-aceb-05aac24c545e" providerId="ADAL" clId="{4F266D3B-92A2-40A8-A073-356F608DC91A}" dt="2021-02-16T14:38:32.321" v="5" actId="47"/>
+        <pc:sldMkLst>
+          <pc:docMk/>
+          <pc:sldMk cId="2809799376" sldId="385"/>
+        </pc:sldMkLst>
+      </pc:sldChg>
+      <pc:sldChg chg="del">
+        <pc:chgData name="Sherif Khattab" userId="c83b1e15-36f3-4f46-aceb-05aac24c545e" providerId="ADAL" clId="{4F266D3B-92A2-40A8-A073-356F608DC91A}" dt="2021-02-16T14:38:32.321" v="5" actId="47"/>
+        <pc:sldMkLst>
+          <pc:docMk/>
+          <pc:sldMk cId="2329144619" sldId="445"/>
+        </pc:sldMkLst>
+      </pc:sldChg>
+      <pc:sldChg chg="del">
+        <pc:chgData name="Sherif Khattab" userId="c83b1e15-36f3-4f46-aceb-05aac24c545e" providerId="ADAL" clId="{4F266D3B-92A2-40A8-A073-356F608DC91A}" dt="2021-02-16T14:38:32.321" v="5" actId="47"/>
+        <pc:sldMkLst>
+          <pc:docMk/>
+          <pc:sldMk cId="1783368962" sldId="448"/>
+        </pc:sldMkLst>
+      </pc:sldChg>
+      <pc:sldChg chg="del">
+        <pc:chgData name="Sherif Khattab" userId="c83b1e15-36f3-4f46-aceb-05aac24c545e" providerId="ADAL" clId="{4F266D3B-92A2-40A8-A073-356F608DC91A}" dt="2021-02-16T14:38:32.321" v="5" actId="47"/>
+        <pc:sldMkLst>
+          <pc:docMk/>
+          <pc:sldMk cId="2276002102" sldId="451"/>
+        </pc:sldMkLst>
+      </pc:sldChg>
+      <pc:sldChg chg="del">
+        <pc:chgData name="Sherif Khattab" userId="c83b1e15-36f3-4f46-aceb-05aac24c545e" providerId="ADAL" clId="{4F266D3B-92A2-40A8-A073-356F608DC91A}" dt="2021-02-16T15:39:03.476" v="492" actId="47"/>
+        <pc:sldMkLst>
+          <pc:docMk/>
+          <pc:sldMk cId="2163467695" sldId="455"/>
+        </pc:sldMkLst>
+      </pc:sldChg>
+      <pc:sldChg chg="del">
+        <pc:chgData name="Sherif Khattab" userId="c83b1e15-36f3-4f46-aceb-05aac24c545e" providerId="ADAL" clId="{4F266D3B-92A2-40A8-A073-356F608DC91A}" dt="2021-02-16T18:38:39.143" v="580" actId="47"/>
+        <pc:sldMkLst>
+          <pc:docMk/>
+          <pc:sldMk cId="3400641916" sldId="456"/>
+        </pc:sldMkLst>
+      </pc:sldChg>
+      <pc:sldChg chg="del">
+        <pc:chgData name="Sherif Khattab" userId="c83b1e15-36f3-4f46-aceb-05aac24c545e" providerId="ADAL" clId="{4F266D3B-92A2-40A8-A073-356F608DC91A}" dt="2021-02-16T18:38:39.143" v="580" actId="47"/>
+        <pc:sldMkLst>
+          <pc:docMk/>
+          <pc:sldMk cId="2840639230" sldId="457"/>
+        </pc:sldMkLst>
+      </pc:sldChg>
+      <pc:sldChg chg="del">
+        <pc:chgData name="Sherif Khattab" userId="c83b1e15-36f3-4f46-aceb-05aac24c545e" providerId="ADAL" clId="{4F266D3B-92A2-40A8-A073-356F608DC91A}" dt="2021-02-16T18:38:39.143" v="580" actId="47"/>
+        <pc:sldMkLst>
+          <pc:docMk/>
+          <pc:sldMk cId="2116012598" sldId="458"/>
+        </pc:sldMkLst>
+      </pc:sldChg>
+      <pc:sldChg chg="del">
+        <pc:chgData name="Sherif Khattab" userId="c83b1e15-36f3-4f46-aceb-05aac24c545e" providerId="ADAL" clId="{4F266D3B-92A2-40A8-A073-356F608DC91A}" dt="2021-02-16T15:39:36.243" v="505" actId="47"/>
+        <pc:sldMkLst>
+          <pc:docMk/>
+          <pc:sldMk cId="1816629761" sldId="459"/>
+        </pc:sldMkLst>
+      </pc:sldChg>
+      <pc:sldChg chg="del">
+        <pc:chgData name="Sherif Khattab" userId="c83b1e15-36f3-4f46-aceb-05aac24c545e" providerId="ADAL" clId="{4F266D3B-92A2-40A8-A073-356F608DC91A}" dt="2021-02-16T18:38:39.143" v="580" actId="47"/>
+        <pc:sldMkLst>
+          <pc:docMk/>
+          <pc:sldMk cId="4107670357" sldId="460"/>
+        </pc:sldMkLst>
+      </pc:sldChg>
+      <pc:sldChg chg="del">
+        <pc:chgData name="Sherif Khattab" userId="c83b1e15-36f3-4f46-aceb-05aac24c545e" providerId="ADAL" clId="{4F266D3B-92A2-40A8-A073-356F608DC91A}" dt="2021-02-16T18:38:39.143" v="580" actId="47"/>
+        <pc:sldMkLst>
+          <pc:docMk/>
+          <pc:sldMk cId="3714784862" sldId="461"/>
+        </pc:sldMkLst>
+      </pc:sldChg>
+      <pc:sldChg chg="del">
+        <pc:chgData name="Sherif Khattab" userId="c83b1e15-36f3-4f46-aceb-05aac24c545e" providerId="ADAL" clId="{4F266D3B-92A2-40A8-A073-356F608DC91A}" dt="2021-02-16T18:38:39.143" v="580" actId="47"/>
+        <pc:sldMkLst>
+          <pc:docMk/>
+          <pc:sldMk cId="931898487" sldId="462"/>
+        </pc:sldMkLst>
+      </pc:sldChg>
+      <pc:sldChg chg="del">
+        <pc:chgData name="Sherif Khattab" userId="c83b1e15-36f3-4f46-aceb-05aac24c545e" providerId="ADAL" clId="{4F266D3B-92A2-40A8-A073-356F608DC91A}" dt="2021-02-16T15:40:10.605" v="519" actId="47"/>
+        <pc:sldMkLst>
+          <pc:docMk/>
+          <pc:sldMk cId="1471081860" sldId="463"/>
+        </pc:sldMkLst>
+      </pc:sldChg>
+      <pc:sldChg chg="del">
+        <pc:chgData name="Sherif Khattab" userId="c83b1e15-36f3-4f46-aceb-05aac24c545e" providerId="ADAL" clId="{4F266D3B-92A2-40A8-A073-356F608DC91A}" dt="2021-02-16T15:40:09.473" v="507" actId="47"/>
+        <pc:sldMkLst>
+          <pc:docMk/>
+          <pc:sldMk cId="574001865" sldId="464"/>
+        </pc:sldMkLst>
+      </pc:sldChg>
+      <pc:sldChg chg="del">
+        <pc:chgData name="Sherif Khattab" userId="c83b1e15-36f3-4f46-aceb-05aac24c545e" providerId="ADAL" clId="{4F266D3B-92A2-40A8-A073-356F608DC91A}" dt="2021-02-16T15:40:09.605" v="508" actId="47"/>
+        <pc:sldMkLst>
+          <pc:docMk/>
+          <pc:sldMk cId="2156977365" sldId="465"/>
+        </pc:sldMkLst>
+      </pc:sldChg>
+      <pc:sldChg chg="del">
+        <pc:chgData name="Sherif Khattab" userId="c83b1e15-36f3-4f46-aceb-05aac24c545e" providerId="ADAL" clId="{4F266D3B-92A2-40A8-A073-356F608DC91A}" dt="2021-02-16T15:40:10.156" v="511" actId="47"/>
+        <pc:sldMkLst>
+          <pc:docMk/>
+          <pc:sldMk cId="117329803" sldId="466"/>
+        </pc:sldMkLst>
+      </pc:sldChg>
+      <pc:sldChg chg="del">
+        <pc:chgData name="Sherif Khattab" userId="c83b1e15-36f3-4f46-aceb-05aac24c545e" providerId="ADAL" clId="{4F266D3B-92A2-40A8-A073-356F608DC91A}" dt="2021-02-16T15:40:10.190" v="512" actId="47"/>
+        <pc:sldMkLst>
+          <pc:docMk/>
+          <pc:sldMk cId="3643915362" sldId="467"/>
+        </pc:sldMkLst>
+      </pc:sldChg>
+      <pc:sldChg chg="del">
+        <pc:chgData name="Sherif Khattab" userId="c83b1e15-36f3-4f46-aceb-05aac24c545e" providerId="ADAL" clId="{4F266D3B-92A2-40A8-A073-356F608DC91A}" dt="2021-02-16T15:40:10.286" v="514" actId="47"/>
+        <pc:sldMkLst>
+          <pc:docMk/>
+          <pc:sldMk cId="1593910045" sldId="468"/>
+        </pc:sldMkLst>
+      </pc:sldChg>
+      <pc:sldChg chg="del">
+        <pc:chgData name="Sherif Khattab" userId="c83b1e15-36f3-4f46-aceb-05aac24c545e" providerId="ADAL" clId="{4F266D3B-92A2-40A8-A073-356F608DC91A}" dt="2021-02-16T15:40:10.331" v="515" actId="47"/>
+        <pc:sldMkLst>
+          <pc:docMk/>
+          <pc:sldMk cId="3392020218" sldId="469"/>
+        </pc:sldMkLst>
+      </pc:sldChg>
+      <pc:sldChg chg="del">
+        <pc:chgData name="Sherif Khattab" userId="c83b1e15-36f3-4f46-aceb-05aac24c545e" providerId="ADAL" clId="{4F266D3B-92A2-40A8-A073-356F608DC91A}" dt="2021-02-16T14:40:29.007" v="103" actId="47"/>
+        <pc:sldMkLst>
+          <pc:docMk/>
+          <pc:sldMk cId="3824051756" sldId="470"/>
+        </pc:sldMkLst>
+      </pc:sldChg>
+      <pc:sldChg chg="del">
+        <pc:chgData name="Sherif Khattab" userId="c83b1e15-36f3-4f46-aceb-05aac24c545e" providerId="ADAL" clId="{4F266D3B-92A2-40A8-A073-356F608DC91A}" dt="2021-02-16T14:40:29.007" v="103" actId="47"/>
+        <pc:sldMkLst>
+          <pc:docMk/>
+          <pc:sldMk cId="1025764700" sldId="471"/>
+        </pc:sldMkLst>
+      </pc:sldChg>
+      <pc:sldChg chg="del">
+        <pc:chgData name="Sherif Khattab" userId="c83b1e15-36f3-4f46-aceb-05aac24c545e" providerId="ADAL" clId="{4F266D3B-92A2-40A8-A073-356F608DC91A}" dt="2021-02-16T14:40:29.007" v="103" actId="47"/>
+        <pc:sldMkLst>
+          <pc:docMk/>
+          <pc:sldMk cId="3109107092" sldId="472"/>
+        </pc:sldMkLst>
+      </pc:sldChg>
+      <pc:sldChg chg="del">
+        <pc:chgData name="Sherif Khattab" userId="c83b1e15-36f3-4f46-aceb-05aac24c545e" providerId="ADAL" clId="{4F266D3B-92A2-40A8-A073-356F608DC91A}" dt="2021-02-16T14:40:29.007" v="103" actId="47"/>
+        <pc:sldMkLst>
+          <pc:docMk/>
+          <pc:sldMk cId="2185675405" sldId="473"/>
+        </pc:sldMkLst>
+      </pc:sldChg>
+      <pc:sldChg chg="del">
+        <pc:chgData name="Sherif Khattab" userId="c83b1e15-36f3-4f46-aceb-05aac24c545e" providerId="ADAL" clId="{4F266D3B-92A2-40A8-A073-356F608DC91A}" dt="2021-02-16T14:40:29.007" v="103" actId="47"/>
+        <pc:sldMkLst>
+          <pc:docMk/>
+          <pc:sldMk cId="1719184921" sldId="474"/>
+        </pc:sldMkLst>
+      </pc:sldChg>
+      <pc:sldChg chg="del">
+        <pc:chgData name="Sherif Khattab" userId="c83b1e15-36f3-4f46-aceb-05aac24c545e" providerId="ADAL" clId="{4F266D3B-92A2-40A8-A073-356F608DC91A}" dt="2021-02-16T14:40:29.007" v="103" actId="47"/>
+        <pc:sldMkLst>
+          <pc:docMk/>
+          <pc:sldMk cId="3632958702" sldId="475"/>
+        </pc:sldMkLst>
+      </pc:sldChg>
+      <pc:sldChg chg="del">
+        <pc:chgData name="Sherif Khattab" userId="c83b1e15-36f3-4f46-aceb-05aac24c545e" providerId="ADAL" clId="{4F266D3B-92A2-40A8-A073-356F608DC91A}" dt="2021-02-16T14:40:29.007" v="103" actId="47"/>
+        <pc:sldMkLst>
+          <pc:docMk/>
+          <pc:sldMk cId="2634117846" sldId="476"/>
+        </pc:sldMkLst>
+      </pc:sldChg>
+      <pc:sldChg chg="del">
+        <pc:chgData name="Sherif Khattab" userId="c83b1e15-36f3-4f46-aceb-05aac24c545e" providerId="ADAL" clId="{4F266D3B-92A2-40A8-A073-356F608DC91A}" dt="2021-02-16T14:40:29.007" v="103" actId="47"/>
+        <pc:sldMkLst>
+          <pc:docMk/>
+          <pc:sldMk cId="4038969182" sldId="477"/>
+        </pc:sldMkLst>
+      </pc:sldChg>
+      <pc:sldChg chg="del">
+        <pc:chgData name="Sherif Khattab" userId="c83b1e15-36f3-4f46-aceb-05aac24c545e" providerId="ADAL" clId="{4F266D3B-92A2-40A8-A073-356F608DC91A}" dt="2021-02-16T14:40:29.007" v="103" actId="47"/>
+        <pc:sldMkLst>
+          <pc:docMk/>
+          <pc:sldMk cId="326259628" sldId="478"/>
+        </pc:sldMkLst>
+      </pc:sldChg>
+      <pc:sldChg chg="del">
+        <pc:chgData name="Sherif Khattab" userId="c83b1e15-36f3-4f46-aceb-05aac24c545e" providerId="ADAL" clId="{4F266D3B-92A2-40A8-A073-356F608DC91A}" dt="2021-02-16T14:40:29.007" v="103" actId="47"/>
+        <pc:sldMkLst>
+          <pc:docMk/>
+          <pc:sldMk cId="873856523" sldId="479"/>
+        </pc:sldMkLst>
+      </pc:sldChg>
+      <pc:sldChg chg="del">
+        <pc:chgData name="Sherif Khattab" userId="c83b1e15-36f3-4f46-aceb-05aac24c545e" providerId="ADAL" clId="{4F266D3B-92A2-40A8-A073-356F608DC91A}" dt="2021-02-16T14:40:29.007" v="103" actId="47"/>
+        <pc:sldMkLst>
+          <pc:docMk/>
+          <pc:sldMk cId="3465344065" sldId="480"/>
+        </pc:sldMkLst>
+      </pc:sldChg>
+      <pc:sldChg chg="del">
+        <pc:chgData name="Sherif Khattab" userId="c83b1e15-36f3-4f46-aceb-05aac24c545e" providerId="ADAL" clId="{4F266D3B-92A2-40A8-A073-356F608DC91A}" dt="2021-02-16T14:40:29.007" v="103" actId="47"/>
+        <pc:sldMkLst>
+          <pc:docMk/>
+          <pc:sldMk cId="2002489455" sldId="481"/>
+        </pc:sldMkLst>
+      </pc:sldChg>
+      <pc:sldChg chg="del">
+        <pc:chgData name="Sherif Khattab" userId="c83b1e15-36f3-4f46-aceb-05aac24c545e" providerId="ADAL" clId="{4F266D3B-92A2-40A8-A073-356F608DC91A}" dt="2021-02-16T14:40:29.007" v="103" actId="47"/>
+        <pc:sldMkLst>
+          <pc:docMk/>
+          <pc:sldMk cId="1560930406" sldId="482"/>
+        </pc:sldMkLst>
+      </pc:sldChg>
+      <pc:sldChg chg="del">
+        <pc:chgData name="Sherif Khattab" userId="c83b1e15-36f3-4f46-aceb-05aac24c545e" providerId="ADAL" clId="{4F266D3B-92A2-40A8-A073-356F608DC91A}" dt="2021-02-16T14:40:29.007" v="103" actId="47"/>
+        <pc:sldMkLst>
+          <pc:docMk/>
+          <pc:sldMk cId="1387835057" sldId="483"/>
+        </pc:sldMkLst>
+      </pc:sldChg>
+      <pc:sldChg chg="del">
+        <pc:chgData name="Sherif Khattab" userId="c83b1e15-36f3-4f46-aceb-05aac24c545e" providerId="ADAL" clId="{4F266D3B-92A2-40A8-A073-356F608DC91A}" dt="2021-02-16T14:40:29.007" v="103" actId="47"/>
+        <pc:sldMkLst>
+          <pc:docMk/>
+          <pc:sldMk cId="1948397067" sldId="484"/>
+        </pc:sldMkLst>
+      </pc:sldChg>
+      <pc:sldChg chg="del">
+        <pc:chgData name="Sherif Khattab" userId="c83b1e15-36f3-4f46-aceb-05aac24c545e" providerId="ADAL" clId="{4F266D3B-92A2-40A8-A073-356F608DC91A}" dt="2021-02-16T14:40:29.007" v="103" actId="47"/>
+        <pc:sldMkLst>
+          <pc:docMk/>
+          <pc:sldMk cId="3473693154" sldId="485"/>
+        </pc:sldMkLst>
+      </pc:sldChg>
+      <pc:sldChg chg="del">
+        <pc:chgData name="Sherif Khattab" userId="c83b1e15-36f3-4f46-aceb-05aac24c545e" providerId="ADAL" clId="{4F266D3B-92A2-40A8-A073-356F608DC91A}" dt="2021-02-16T14:40:29.007" v="103" actId="47"/>
+        <pc:sldMkLst>
+          <pc:docMk/>
+          <pc:sldMk cId="2983945636" sldId="486"/>
+        </pc:sldMkLst>
+      </pc:sldChg>
+      <pc:sldChg chg="del">
+        <pc:chgData name="Sherif Khattab" userId="c83b1e15-36f3-4f46-aceb-05aac24c545e" providerId="ADAL" clId="{4F266D3B-92A2-40A8-A073-356F608DC91A}" dt="2021-02-16T14:40:29.007" v="103" actId="47"/>
+        <pc:sldMkLst>
+          <pc:docMk/>
+          <pc:sldMk cId="3673539870" sldId="487"/>
+        </pc:sldMkLst>
+      </pc:sldChg>
+      <pc:sldChg chg="del">
+        <pc:chgData name="Sherif Khattab" userId="c83b1e15-36f3-4f46-aceb-05aac24c545e" providerId="ADAL" clId="{4F266D3B-92A2-40A8-A073-356F608DC91A}" dt="2021-02-16T14:40:29.007" v="103" actId="47"/>
+        <pc:sldMkLst>
+          <pc:docMk/>
+          <pc:sldMk cId="1363323927" sldId="488"/>
+        </pc:sldMkLst>
+      </pc:sldChg>
+      <pc:sldChg chg="del">
+        <pc:chgData name="Sherif Khattab" userId="c83b1e15-36f3-4f46-aceb-05aac24c545e" providerId="ADAL" clId="{4F266D3B-92A2-40A8-A073-356F608DC91A}" dt="2021-02-16T14:40:29.007" v="103" actId="47"/>
+        <pc:sldMkLst>
+          <pc:docMk/>
+          <pc:sldMk cId="936409682" sldId="489"/>
+        </pc:sldMkLst>
+      </pc:sldChg>
+      <pc:sldChg chg="del">
+        <pc:chgData name="Sherif Khattab" userId="c83b1e15-36f3-4f46-aceb-05aac24c545e" providerId="ADAL" clId="{4F266D3B-92A2-40A8-A073-356F608DC91A}" dt="2021-02-16T14:40:29.007" v="103" actId="47"/>
+        <pc:sldMkLst>
+          <pc:docMk/>
+          <pc:sldMk cId="3252833104" sldId="490"/>
+        </pc:sldMkLst>
+      </pc:sldChg>
+      <pc:sldChg chg="del">
+        <pc:chgData name="Sherif Khattab" userId="c83b1e15-36f3-4f46-aceb-05aac24c545e" providerId="ADAL" clId="{4F266D3B-92A2-40A8-A073-356F608DC91A}" dt="2021-02-16T14:40:29.007" v="103" actId="47"/>
+        <pc:sldMkLst>
+          <pc:docMk/>
+          <pc:sldMk cId="3413759872" sldId="491"/>
+        </pc:sldMkLst>
+      </pc:sldChg>
+      <pc:sldChg chg="del">
+        <pc:chgData name="Sherif Khattab" userId="c83b1e15-36f3-4f46-aceb-05aac24c545e" providerId="ADAL" clId="{4F266D3B-92A2-40A8-A073-356F608DC91A}" dt="2021-02-16T14:40:29.007" v="103" actId="47"/>
+        <pc:sldMkLst>
+          <pc:docMk/>
+          <pc:sldMk cId="1930502979" sldId="492"/>
+        </pc:sldMkLst>
+      </pc:sldChg>
+      <pc:sldChg chg="del">
+        <pc:chgData name="Sherif Khattab" userId="c83b1e15-36f3-4f46-aceb-05aac24c545e" providerId="ADAL" clId="{4F266D3B-92A2-40A8-A073-356F608DC91A}" dt="2021-02-16T14:40:29.007" v="103" actId="47"/>
+        <pc:sldMkLst>
+          <pc:docMk/>
+          <pc:sldMk cId="220106575" sldId="493"/>
+        </pc:sldMkLst>
+      </pc:sldChg>
+      <pc:sldChg chg="del">
+        <pc:chgData name="Sherif Khattab" userId="c83b1e15-36f3-4f46-aceb-05aac24c545e" providerId="ADAL" clId="{4F266D3B-92A2-40A8-A073-356F608DC91A}" dt="2021-02-16T14:40:29.007" v="103" actId="47"/>
+        <pc:sldMkLst>
+          <pc:docMk/>
+          <pc:sldMk cId="3447713174" sldId="494"/>
+        </pc:sldMkLst>
+      </pc:sldChg>
+      <pc:sldChg chg="del">
+        <pc:chgData name="Sherif Khattab" userId="c83b1e15-36f3-4f46-aceb-05aac24c545e" providerId="ADAL" clId="{4F266D3B-92A2-40A8-A073-356F608DC91A}" dt="2021-02-16T14:40:29.007" v="103" actId="47"/>
+        <pc:sldMkLst>
+          <pc:docMk/>
+          <pc:sldMk cId="2129126942" sldId="495"/>
+        </pc:sldMkLst>
+      </pc:sldChg>
+      <pc:sldChg chg="modSp mod">
+        <pc:chgData name="Sherif Khattab" userId="c83b1e15-36f3-4f46-aceb-05aac24c545e" providerId="ADAL" clId="{4F266D3B-92A2-40A8-A073-356F608DC91A}" dt="2021-02-16T14:49:58.948" v="196" actId="20577"/>
+        <pc:sldMkLst>
+          <pc:docMk/>
+          <pc:sldMk cId="702367729" sldId="496"/>
+        </pc:sldMkLst>
+        <pc:spChg chg="mod">
+          <ac:chgData name="Sherif Khattab" userId="c83b1e15-36f3-4f46-aceb-05aac24c545e" providerId="ADAL" clId="{4F266D3B-92A2-40A8-A073-356F608DC91A}" dt="2021-02-16T14:49:58.948" v="196" actId="20577"/>
+          <ac:spMkLst>
+            <pc:docMk/>
+            <pc:sldMk cId="702367729" sldId="496"/>
+            <ac:spMk id="3" creationId="{2466C52D-9A48-4683-BE7F-268D8DB7FAAD}"/>
+          </ac:spMkLst>
+        </pc:spChg>
+      </pc:sldChg>
+      <pc:sldChg chg="addSp delSp modSp add mod modAnim">
+        <pc:chgData name="Sherif Khattab" userId="c83b1e15-36f3-4f46-aceb-05aac24c545e" providerId="ADAL" clId="{4F266D3B-92A2-40A8-A073-356F608DC91A}" dt="2021-02-16T18:44:21.537" v="588"/>
+        <pc:sldMkLst>
+          <pc:docMk/>
+          <pc:sldMk cId="4202616107" sldId="500"/>
+        </pc:sldMkLst>
+        <pc:spChg chg="mod">
+          <ac:chgData name="Sherif Khattab" userId="c83b1e15-36f3-4f46-aceb-05aac24c545e" providerId="ADAL" clId="{4F266D3B-92A2-40A8-A073-356F608DC91A}" dt="2021-02-16T15:29:07.533" v="458" actId="20577"/>
+          <ac:spMkLst>
+            <pc:docMk/>
+            <pc:sldMk cId="4202616107" sldId="500"/>
+            <ac:spMk id="2" creationId="{6BF01C35-B7E9-AD43-99C8-95170559C8A0}"/>
+          </ac:spMkLst>
+        </pc:spChg>
+        <pc:spChg chg="mod">
+          <ac:chgData name="Sherif Khattab" userId="c83b1e15-36f3-4f46-aceb-05aac24c545e" providerId="ADAL" clId="{4F266D3B-92A2-40A8-A073-356F608DC91A}" dt="2021-02-16T18:44:07.044" v="585" actId="6549"/>
+          <ac:spMkLst>
+            <pc:docMk/>
+            <pc:sldMk cId="4202616107" sldId="500"/>
+            <ac:spMk id="3" creationId="{443F42C8-5750-0341-86AA-B64ED9D37EB6}"/>
+          </ac:spMkLst>
+        </pc:spChg>
+        <pc:graphicFrameChg chg="add del modGraphic">
+          <ac:chgData name="Sherif Khattab" userId="c83b1e15-36f3-4f46-aceb-05aac24c545e" providerId="ADAL" clId="{4F266D3B-92A2-40A8-A073-356F608DC91A}" dt="2021-02-16T15:29:38.464" v="468" actId="478"/>
+          <ac:graphicFrameMkLst>
+            <pc:docMk/>
+            <pc:sldMk cId="4202616107" sldId="500"/>
+            <ac:graphicFrameMk id="7" creationId="{8FA67E28-1575-4A35-92AE-803D55765388}"/>
+          </ac:graphicFrameMkLst>
+        </pc:graphicFrameChg>
+      </pc:sldChg>
+      <pc:sldChg chg="modSp add mod">
+        <pc:chgData name="Sherif Khattab" userId="c83b1e15-36f3-4f46-aceb-05aac24c545e" providerId="ADAL" clId="{4F266D3B-92A2-40A8-A073-356F608DC91A}" dt="2021-02-16T14:39:12.366" v="9"/>
+        <pc:sldMkLst>
+          <pc:docMk/>
+          <pc:sldMk cId="2116864396" sldId="505"/>
+        </pc:sldMkLst>
+        <pc:spChg chg="mod">
+          <ac:chgData name="Sherif Khattab" userId="c83b1e15-36f3-4f46-aceb-05aac24c545e" providerId="ADAL" clId="{4F266D3B-92A2-40A8-A073-356F608DC91A}" dt="2021-02-16T14:39:12.366" v="9"/>
+          <ac:spMkLst>
+            <pc:docMk/>
+            <pc:sldMk cId="2116864396" sldId="505"/>
+            <ac:spMk id="3" creationId="{9FDE3B14-90B9-4B5A-83C7-6E633E32EA28}"/>
+          </ac:spMkLst>
+        </pc:spChg>
+      </pc:sldChg>
+      <pc:sldChg chg="modSp add mod">
+        <pc:chgData name="Sherif Khattab" userId="c83b1e15-36f3-4f46-aceb-05aac24c545e" providerId="ADAL" clId="{4F266D3B-92A2-40A8-A073-356F608DC91A}" dt="2021-02-16T18:38:34.478" v="579" actId="20577"/>
+        <pc:sldMkLst>
+          <pc:docMk/>
+          <pc:sldMk cId="3652489610" sldId="506"/>
+        </pc:sldMkLst>
+        <pc:spChg chg="mod">
+          <ac:chgData name="Sherif Khattab" userId="c83b1e15-36f3-4f46-aceb-05aac24c545e" providerId="ADAL" clId="{4F266D3B-92A2-40A8-A073-356F608DC91A}" dt="2021-02-16T18:38:34.478" v="579" actId="20577"/>
+          <ac:spMkLst>
+            <pc:docMk/>
+            <pc:sldMk cId="3652489610" sldId="506"/>
+            <ac:spMk id="3" creationId="{9FDE3B14-90B9-4B5A-83C7-6E633E32EA28}"/>
+          </ac:spMkLst>
+        </pc:spChg>
+      </pc:sldChg>
+      <pc:sldChg chg="modSp add mod modAnim">
+        <pc:chgData name="Sherif Khattab" userId="c83b1e15-36f3-4f46-aceb-05aac24c545e" providerId="ADAL" clId="{4F266D3B-92A2-40A8-A073-356F608DC91A}" dt="2021-02-16T15:29:22.015" v="467" actId="20577"/>
+        <pc:sldMkLst>
+          <pc:docMk/>
+          <pc:sldMk cId="2487721040" sldId="516"/>
+        </pc:sldMkLst>
+        <pc:spChg chg="mod">
+          <ac:chgData name="Sherif Khattab" userId="c83b1e15-36f3-4f46-aceb-05aac24c545e" providerId="ADAL" clId="{4F266D3B-92A2-40A8-A073-356F608DC91A}" dt="2021-02-16T15:29:22.015" v="467" actId="20577"/>
+          <ac:spMkLst>
+            <pc:docMk/>
+            <pc:sldMk cId="2487721040" sldId="516"/>
+            <ac:spMk id="2" creationId="{8F0D0240-9749-9A4C-AFD0-B00F3A6D8FB6}"/>
+          </ac:spMkLst>
+        </pc:spChg>
+        <pc:spChg chg="mod">
+          <ac:chgData name="Sherif Khattab" userId="c83b1e15-36f3-4f46-aceb-05aac24c545e" providerId="ADAL" clId="{4F266D3B-92A2-40A8-A073-356F608DC91A}" dt="2021-02-16T14:57:08.364" v="397"/>
+          <ac:spMkLst>
+            <pc:docMk/>
+            <pc:sldMk cId="2487721040" sldId="516"/>
+            <ac:spMk id="3" creationId="{CBB5D1A1-A1C5-4D4A-9051-CB104F0E3B4F}"/>
+          </ac:spMkLst>
+        </pc:spChg>
+      </pc:sldChg>
+      <pc:sldChg chg="add del">
+        <pc:chgData name="Sherif Khattab" userId="c83b1e15-36f3-4f46-aceb-05aac24c545e" providerId="ADAL" clId="{4F266D3B-92A2-40A8-A073-356F608DC91A}" dt="2021-02-16T14:57:11.643" v="398" actId="47"/>
+        <pc:sldMkLst>
+          <pc:docMk/>
+          <pc:sldMk cId="3114182525" sldId="517"/>
+        </pc:sldMkLst>
+      </pc:sldChg>
+      <pc:sldChg chg="add">
+        <pc:chgData name="Sherif Khattab" userId="c83b1e15-36f3-4f46-aceb-05aac24c545e" providerId="ADAL" clId="{4F266D3B-92A2-40A8-A073-356F608DC91A}" dt="2021-02-16T14:38:45.616" v="6"/>
+        <pc:sldMkLst>
+          <pc:docMk/>
+          <pc:sldMk cId="1616471687" sldId="518"/>
+        </pc:sldMkLst>
+      </pc:sldChg>
+      <pc:sldChg chg="addSp delSp modSp new mod modAnim">
+        <pc:chgData name="Sherif Khattab" userId="c83b1e15-36f3-4f46-aceb-05aac24c545e" providerId="ADAL" clId="{4F266D3B-92A2-40A8-A073-356F608DC91A}" dt="2021-02-16T15:28:48.026" v="449"/>
+        <pc:sldMkLst>
+          <pc:docMk/>
+          <pc:sldMk cId="3504930043" sldId="519"/>
+        </pc:sldMkLst>
+        <pc:spChg chg="mod">
+          <ac:chgData name="Sherif Khattab" userId="c83b1e15-36f3-4f46-aceb-05aac24c545e" providerId="ADAL" clId="{4F266D3B-92A2-40A8-A073-356F608DC91A}" dt="2021-02-16T15:27:02.433" v="415" actId="20577"/>
+          <ac:spMkLst>
+            <pc:docMk/>
+            <pc:sldMk cId="3504930043" sldId="519"/>
+            <ac:spMk id="2" creationId="{A0D540A4-5655-4AC5-A7D9-14716DD6CE03}"/>
+          </ac:spMkLst>
+        </pc:spChg>
+        <pc:spChg chg="add del mod">
+          <ac:chgData name="Sherif Khattab" userId="c83b1e15-36f3-4f46-aceb-05aac24c545e" providerId="ADAL" clId="{4F266D3B-92A2-40A8-A073-356F608DC91A}" dt="2021-02-16T15:28:30.614" v="447" actId="27636"/>
+          <ac:spMkLst>
+            <pc:docMk/>
+            <pc:sldMk cId="3504930043" sldId="519"/>
+            <ac:spMk id="3" creationId="{081F86C7-7D18-4E19-B794-DA1A4D2806F5}"/>
+          </ac:spMkLst>
+        </pc:spChg>
+        <pc:spChg chg="add del mod">
+          <ac:chgData name="Sherif Khattab" userId="c83b1e15-36f3-4f46-aceb-05aac24c545e" providerId="ADAL" clId="{4F266D3B-92A2-40A8-A073-356F608DC91A}" dt="2021-02-16T15:27:07.553" v="419"/>
+          <ac:spMkLst>
+            <pc:docMk/>
+            <pc:sldMk cId="3504930043" sldId="519"/>
+            <ac:spMk id="6" creationId="{5AAC249C-A516-4821-A58B-D2F4C5A24FC3}"/>
+          </ac:spMkLst>
+        </pc:spChg>
+      </pc:sldChg>
+      <pc:sldChg chg="add del">
+        <pc:chgData name="Sherif Khattab" userId="c83b1e15-36f3-4f46-aceb-05aac24c545e" providerId="ADAL" clId="{4F266D3B-92A2-40A8-A073-356F608DC91A}" dt="2021-02-16T14:38:53.992" v="7" actId="47"/>
+        <pc:sldMkLst>
+          <pc:docMk/>
+          <pc:sldMk cId="1895271479" sldId="520"/>
+        </pc:sldMkLst>
+      </pc:sldChg>
+      <pc:sldChg chg="modSp new mod modAnim">
+        <pc:chgData name="Sherif Khattab" userId="c83b1e15-36f3-4f46-aceb-05aac24c545e" providerId="ADAL" clId="{4F266D3B-92A2-40A8-A073-356F608DC91A}" dt="2021-02-16T15:29:50.503" v="470"/>
+        <pc:sldMkLst>
+          <pc:docMk/>
+          <pc:sldMk cId="2126070970" sldId="520"/>
+        </pc:sldMkLst>
+        <pc:spChg chg="mod">
+          <ac:chgData name="Sherif Khattab" userId="c83b1e15-36f3-4f46-aceb-05aac24c545e" providerId="ADAL" clId="{4F266D3B-92A2-40A8-A073-356F608DC91A}" dt="2021-02-16T15:29:16.027" v="461" actId="20577"/>
+          <ac:spMkLst>
+            <pc:docMk/>
+            <pc:sldMk cId="2126070970" sldId="520"/>
+            <ac:spMk id="2" creationId="{08235729-9B80-4A9E-BC29-C4B6E026AAF2}"/>
+          </ac:spMkLst>
+        </pc:spChg>
+        <pc:spChg chg="mod">
+          <ac:chgData name="Sherif Khattab" userId="c83b1e15-36f3-4f46-aceb-05aac24c545e" providerId="ADAL" clId="{4F266D3B-92A2-40A8-A073-356F608DC91A}" dt="2021-02-16T15:29:02.714" v="456" actId="20577"/>
+          <ac:spMkLst>
+            <pc:docMk/>
+            <pc:sldMk cId="2126070970" sldId="520"/>
+            <ac:spMk id="3" creationId="{D7399D59-7ED8-4451-AEDE-1AC4DE33563A}"/>
+          </ac:spMkLst>
+        </pc:spChg>
+      </pc:sldChg>
+      <pc:sldChg chg="addSp modSp new mod">
+        <pc:chgData name="Sherif Khattab" userId="c83b1e15-36f3-4f46-aceb-05aac24c545e" providerId="ADAL" clId="{4F266D3B-92A2-40A8-A073-356F608DC91A}" dt="2021-02-17T00:15:29.065" v="660" actId="1076"/>
+        <pc:sldMkLst>
+          <pc:docMk/>
+          <pc:sldMk cId="2842851832" sldId="521"/>
+        </pc:sldMkLst>
+        <pc:spChg chg="mod">
+          <ac:chgData name="Sherif Khattab" userId="c83b1e15-36f3-4f46-aceb-05aac24c545e" providerId="ADAL" clId="{4F266D3B-92A2-40A8-A073-356F608DC91A}" dt="2021-02-17T00:15:22.868" v="657" actId="20577"/>
+          <ac:spMkLst>
+            <pc:docMk/>
+            <pc:sldMk cId="2842851832" sldId="521"/>
+            <ac:spMk id="2" creationId="{C0669269-A91F-4CAB-A90F-111E11E047C7}"/>
+          </ac:spMkLst>
+        </pc:spChg>
+        <pc:picChg chg="add mod">
+          <ac:chgData name="Sherif Khattab" userId="c83b1e15-36f3-4f46-aceb-05aac24c545e" providerId="ADAL" clId="{4F266D3B-92A2-40A8-A073-356F608DC91A}" dt="2021-02-17T00:15:29.065" v="660" actId="1076"/>
+          <ac:picMkLst>
+            <pc:docMk/>
+            <pc:sldMk cId="2842851832" sldId="521"/>
+            <ac:picMk id="7" creationId="{EE1B0C5E-D406-4EF5-9193-4477D02B33E0}"/>
+          </ac:picMkLst>
+        </pc:picChg>
+      </pc:sldChg>
+      <pc:sldChg chg="add del">
+        <pc:chgData name="Sherif Khattab" userId="c83b1e15-36f3-4f46-aceb-05aac24c545e" providerId="ADAL" clId="{4F266D3B-92A2-40A8-A073-356F608DC91A}" dt="2021-02-16T14:38:54.959" v="8" actId="47"/>
+        <pc:sldMkLst>
+          <pc:docMk/>
+          <pc:sldMk cId="2885366123" sldId="521"/>
+        </pc:sldMkLst>
+      </pc:sldChg>
+      <pc:sldChg chg="add del">
+        <pc:chgData name="Sherif Khattab" userId="c83b1e15-36f3-4f46-aceb-05aac24c545e" providerId="ADAL" clId="{4F266D3B-92A2-40A8-A073-356F608DC91A}" dt="2021-02-16T14:39:22.937" v="10" actId="47"/>
+        <pc:sldMkLst>
+          <pc:docMk/>
+          <pc:sldMk cId="158309068" sldId="522"/>
+        </pc:sldMkLst>
+      </pc:sldChg>
+      <pc:sldChg chg="addSp modSp new mod">
+        <pc:chgData name="Sherif Khattab" userId="c83b1e15-36f3-4f46-aceb-05aac24c545e" providerId="ADAL" clId="{4F266D3B-92A2-40A8-A073-356F608DC91A}" dt="2021-02-17T00:16:24.875" v="717" actId="1076"/>
+        <pc:sldMkLst>
+          <pc:docMk/>
+          <pc:sldMk cId="3046460320" sldId="522"/>
+        </pc:sldMkLst>
+        <pc:spChg chg="mod">
+          <ac:chgData name="Sherif Khattab" userId="c83b1e15-36f3-4f46-aceb-05aac24c545e" providerId="ADAL" clId="{4F266D3B-92A2-40A8-A073-356F608DC91A}" dt="2021-02-17T00:16:13.224" v="714" actId="27636"/>
+          <ac:spMkLst>
+            <pc:docMk/>
+            <pc:sldMk cId="3046460320" sldId="522"/>
+            <ac:spMk id="2" creationId="{FD1CC97F-AFCA-4AC8-AFF1-36EBDCDB0645}"/>
+          </ac:spMkLst>
+        </pc:spChg>
+        <pc:picChg chg="add mod">
+          <ac:chgData name="Sherif Khattab" userId="c83b1e15-36f3-4f46-aceb-05aac24c545e" providerId="ADAL" clId="{4F266D3B-92A2-40A8-A073-356F608DC91A}" dt="2021-02-17T00:16:24.875" v="717" actId="1076"/>
+          <ac:picMkLst>
+            <pc:docMk/>
+            <pc:sldMk cId="3046460320" sldId="522"/>
+            <ac:picMk id="7" creationId="{621196E3-3FAD-44A3-AA2E-C6D7C306E13A}"/>
+          </ac:picMkLst>
+        </pc:picChg>
+      </pc:sldChg>
+    </pc:docChg>
+  </pc:docChgLst>
+  <pc:docChgLst>
+    <pc:chgData name="Khattab, Sherif" userId="c83b1e15-36f3-4f46-aceb-05aac24c545e" providerId="ADAL" clId="{E6EB0EA7-2544-4CF1-A7D6-AFF5E9AECA5D}"/>
+    <pc:docChg chg="addSld delSld modSld modMainMaster">
+      <pc:chgData name="Khattab, Sherif" userId="c83b1e15-36f3-4f46-aceb-05aac24c545e" providerId="ADAL" clId="{E6EB0EA7-2544-4CF1-A7D6-AFF5E9AECA5D}" dt="2020-05-14T17:16:25.708" v="6"/>
+      <pc:docMkLst>
+        <pc:docMk/>
+      </pc:docMkLst>
+      <pc:sldChg chg="del">
+        <pc:chgData name="Khattab, Sherif" userId="c83b1e15-36f3-4f46-aceb-05aac24c545e" providerId="ADAL" clId="{E6EB0EA7-2544-4CF1-A7D6-AFF5E9AECA5D}" dt="2020-05-14T17:10:07.728" v="1" actId="47"/>
+        <pc:sldMkLst>
+          <pc:docMk/>
+          <pc:sldMk cId="0" sldId="256"/>
+        </pc:sldMkLst>
+      </pc:sldChg>
+      <pc:sldChg chg="modSp">
+        <pc:chgData name="Khattab, Sherif" userId="c83b1e15-36f3-4f46-aceb-05aac24c545e" providerId="ADAL" clId="{E6EB0EA7-2544-4CF1-A7D6-AFF5E9AECA5D}" dt="2020-05-14T17:16:25.708" v="6"/>
+        <pc:sldMkLst>
+          <pc:docMk/>
+          <pc:sldMk cId="2710637777" sldId="322"/>
+        </pc:sldMkLst>
+        <pc:spChg chg="mod">
+          <ac:chgData name="Khattab, Sherif" userId="c83b1e15-36f3-4f46-aceb-05aac24c545e" providerId="ADAL" clId="{E6EB0EA7-2544-4CF1-A7D6-AFF5E9AECA5D}" dt="2020-05-14T17:16:25.708" v="6"/>
+          <ac:spMkLst>
+            <pc:docMk/>
+            <pc:sldMk cId="2710637777" sldId="322"/>
+            <ac:spMk id="4" creationId="{98D70E46-AD06-A84D-A403-48FFDDB68BC6}"/>
+          </ac:spMkLst>
+        </pc:spChg>
+        <pc:spChg chg="mod">
+          <ac:chgData name="Khattab, Sherif" userId="c83b1e15-36f3-4f46-aceb-05aac24c545e" providerId="ADAL" clId="{E6EB0EA7-2544-4CF1-A7D6-AFF5E9AECA5D}" dt="2020-05-14T17:16:25.708" v="6"/>
+          <ac:spMkLst>
+            <pc:docMk/>
+            <pc:sldMk cId="2710637777" sldId="322"/>
+            <ac:spMk id="5" creationId="{68F74981-ADDA-9144-ACB5-CE4649DD2D8F}"/>
+          </ac:spMkLst>
+        </pc:spChg>
+        <pc:spChg chg="mod">
+          <ac:chgData name="Khattab, Sherif" userId="c83b1e15-36f3-4f46-aceb-05aac24c545e" providerId="ADAL" clId="{E6EB0EA7-2544-4CF1-A7D6-AFF5E9AECA5D}" dt="2020-05-14T17:16:25.708" v="6"/>
+          <ac:spMkLst>
+            <pc:docMk/>
+            <pc:sldMk cId="2710637777" sldId="322"/>
+            <ac:spMk id="90114" creationId="{308C4648-C13A-A547-ABA8-14DA70E0773D}"/>
+          </ac:spMkLst>
+        </pc:spChg>
+        <pc:spChg chg="mod">
+          <ac:chgData name="Khattab, Sherif" userId="c83b1e15-36f3-4f46-aceb-05aac24c545e" providerId="ADAL" clId="{E6EB0EA7-2544-4CF1-A7D6-AFF5E9AECA5D}" dt="2020-05-14T17:16:25.708" v="6"/>
+          <ac:spMkLst>
+            <pc:docMk/>
+            <pc:sldMk cId="2710637777" sldId="322"/>
+            <ac:spMk id="90115" creationId="{691666FD-EDA0-044F-A826-5F64B00DC362}"/>
+          </ac:spMkLst>
+        </pc:spChg>
+      </pc:sldChg>
+      <pc:sldChg chg="modSp">
+        <pc:chgData name="Khattab, Sherif" userId="c83b1e15-36f3-4f46-aceb-05aac24c545e" providerId="ADAL" clId="{E6EB0EA7-2544-4CF1-A7D6-AFF5E9AECA5D}" dt="2020-05-14T17:16:25.708" v="6"/>
+        <pc:sldMkLst>
+          <pc:docMk/>
+          <pc:sldMk cId="3292918179" sldId="324"/>
+        </pc:sldMkLst>
+        <pc:spChg chg="mod">
+          <ac:chgData name="Khattab, Sherif" userId="c83b1e15-36f3-4f46-aceb-05aac24c545e" providerId="ADAL" clId="{E6EB0EA7-2544-4CF1-A7D6-AFF5E9AECA5D}" dt="2020-05-14T17:16:25.708" v="6"/>
+          <ac:spMkLst>
+            <pc:docMk/>
+            <pc:sldMk cId="3292918179" sldId="324"/>
+            <ac:spMk id="24" creationId="{39DA5595-35A6-EF4C-A674-D955A9DDF867}"/>
+          </ac:spMkLst>
+        </pc:spChg>
+        <pc:spChg chg="mod">
+          <ac:chgData name="Khattab, Sherif" userId="c83b1e15-36f3-4f46-aceb-05aac24c545e" providerId="ADAL" clId="{E6EB0EA7-2544-4CF1-A7D6-AFF5E9AECA5D}" dt="2020-05-14T17:16:25.708" v="6"/>
+          <ac:spMkLst>
+            <pc:docMk/>
+            <pc:sldMk cId="3292918179" sldId="324"/>
+            <ac:spMk id="25" creationId="{D21BF80B-2C7E-944E-B2A9-604706C7B598}"/>
+          </ac:spMkLst>
+        </pc:spChg>
+        <pc:spChg chg="mod">
+          <ac:chgData name="Khattab, Sherif" userId="c83b1e15-36f3-4f46-aceb-05aac24c545e" providerId="ADAL" clId="{E6EB0EA7-2544-4CF1-A7D6-AFF5E9AECA5D}" dt="2020-05-14T17:16:25.708" v="6"/>
+          <ac:spMkLst>
+            <pc:docMk/>
+            <pc:sldMk cId="3292918179" sldId="324"/>
+            <ac:spMk id="92162" creationId="{4BC23600-A1B0-CF42-B178-92570A01C5A5}"/>
+          </ac:spMkLst>
+        </pc:spChg>
+      </pc:sldChg>
+      <pc:sldChg chg="modSp">
+        <pc:chgData name="Khattab, Sherif" userId="c83b1e15-36f3-4f46-aceb-05aac24c545e" providerId="ADAL" clId="{E6EB0EA7-2544-4CF1-A7D6-AFF5E9AECA5D}" dt="2020-05-14T17:16:25.708" v="6"/>
+        <pc:sldMkLst>
+          <pc:docMk/>
+          <pc:sldMk cId="355119911" sldId="338"/>
+        </pc:sldMkLst>
+        <pc:spChg chg="mod">
+          <ac:chgData name="Khattab, Sherif" userId="c83b1e15-36f3-4f46-aceb-05aac24c545e" providerId="ADAL" clId="{E6EB0EA7-2544-4CF1-A7D6-AFF5E9AECA5D}" dt="2020-05-14T17:16:25.708" v="6"/>
+          <ac:spMkLst>
+            <pc:docMk/>
+            <pc:sldMk cId="355119911" sldId="338"/>
+            <ac:spMk id="5" creationId="{9BF724B2-8DB6-E34D-92D7-DCA24F5F0C0D}"/>
+          </ac:spMkLst>
+        </pc:spChg>
+        <pc:spChg chg="mod">
+          <ac:chgData name="Khattab, Sherif" userId="c83b1e15-36f3-4f46-aceb-05aac24c545e" providerId="ADAL" clId="{E6EB0EA7-2544-4CF1-A7D6-AFF5E9AECA5D}" dt="2020-05-14T17:16:25.708" v="6"/>
+          <ac:spMkLst>
+            <pc:docMk/>
+            <pc:sldMk cId="355119911" sldId="338"/>
+            <ac:spMk id="6" creationId="{17F9517E-E98B-6746-8827-A9871727AF2B}"/>
+          </ac:spMkLst>
+        </pc:spChg>
+        <pc:spChg chg="mod">
+          <ac:chgData name="Khattab, Sherif" userId="c83b1e15-36f3-4f46-aceb-05aac24c545e" providerId="ADAL" clId="{E6EB0EA7-2544-4CF1-A7D6-AFF5E9AECA5D}" dt="2020-05-14T17:16:25.708" v="6"/>
+          <ac:spMkLst>
+            <pc:docMk/>
+            <pc:sldMk cId="355119911" sldId="338"/>
+            <ac:spMk id="106499" creationId="{ACBD2F3A-500A-1745-93B6-2D7243F6ECAD}"/>
+          </ac:spMkLst>
+        </pc:spChg>
+        <pc:spChg chg="mod">
+          <ac:chgData name="Khattab, Sherif" userId="c83b1e15-36f3-4f46-aceb-05aac24c545e" providerId="ADAL" clId="{E6EB0EA7-2544-4CF1-A7D6-AFF5E9AECA5D}" dt="2020-05-14T17:16:25.708" v="6"/>
+          <ac:spMkLst>
+            <pc:docMk/>
+            <pc:sldMk cId="355119911" sldId="338"/>
+            <ac:spMk id="106500" creationId="{C1A6B44F-6A6E-624E-A1A8-C1E38440BAFC}"/>
+          </ac:spMkLst>
+        </pc:spChg>
+      </pc:sldChg>
+      <pc:sldChg chg="modSp">
+        <pc:chgData name="Khattab, Sherif" userId="c83b1e15-36f3-4f46-aceb-05aac24c545e" providerId="ADAL" clId="{E6EB0EA7-2544-4CF1-A7D6-AFF5E9AECA5D}" dt="2020-05-14T17:16:25.708" v="6"/>
+        <pc:sldMkLst>
+          <pc:docMk/>
+          <pc:sldMk cId="4223572414" sldId="339"/>
+        </pc:sldMkLst>
+        <pc:spChg chg="mod">
+          <ac:chgData name="Khattab, Sherif" userId="c83b1e15-36f3-4f46-aceb-05aac24c545e" providerId="ADAL" clId="{E6EB0EA7-2544-4CF1-A7D6-AFF5E9AECA5D}" dt="2020-05-14T17:16:25.708" v="6"/>
+          <ac:spMkLst>
+            <pc:docMk/>
+            <pc:sldMk cId="4223572414" sldId="339"/>
+            <ac:spMk id="4" creationId="{D69010A4-1F91-904E-B3C8-1167C46C655B}"/>
+          </ac:spMkLst>
+        </pc:spChg>
+        <pc:spChg chg="mod">
+          <ac:chgData name="Khattab, Sherif" userId="c83b1e15-36f3-4f46-aceb-05aac24c545e" providerId="ADAL" clId="{E6EB0EA7-2544-4CF1-A7D6-AFF5E9AECA5D}" dt="2020-05-14T17:16:25.708" v="6"/>
+          <ac:spMkLst>
+            <pc:docMk/>
+            <pc:sldMk cId="4223572414" sldId="339"/>
+            <ac:spMk id="5" creationId="{9CD943DD-44DA-D14E-86E5-53D56F3B4693}"/>
+          </ac:spMkLst>
+        </pc:spChg>
+        <pc:spChg chg="mod">
+          <ac:chgData name="Khattab, Sherif" userId="c83b1e15-36f3-4f46-aceb-05aac24c545e" providerId="ADAL" clId="{E6EB0EA7-2544-4CF1-A7D6-AFF5E9AECA5D}" dt="2020-05-14T17:16:25.708" v="6"/>
+          <ac:spMkLst>
+            <pc:docMk/>
+            <pc:sldMk cId="4223572414" sldId="339"/>
+            <ac:spMk id="107522" creationId="{7F365B32-B892-9644-B8A9-4981039D7D56}"/>
+          </ac:spMkLst>
+        </pc:spChg>
+        <pc:spChg chg="mod">
+          <ac:chgData name="Khattab, Sherif" userId="c83b1e15-36f3-4f46-aceb-05aac24c545e" providerId="ADAL" clId="{E6EB0EA7-2544-4CF1-A7D6-AFF5E9AECA5D}" dt="2020-05-14T17:16:25.708" v="6"/>
+          <ac:spMkLst>
+            <pc:docMk/>
+            <pc:sldMk cId="4223572414" sldId="339"/>
+            <ac:spMk id="107523" creationId="{0F9697C6-2257-044C-8E34-AC62DE514C44}"/>
+          </ac:spMkLst>
+        </pc:spChg>
+      </pc:sldChg>
+      <pc:sldChg chg="modSp">
+        <pc:chgData name="Khattab, Sherif" userId="c83b1e15-36f3-4f46-aceb-05aac24c545e" providerId="ADAL" clId="{E6EB0EA7-2544-4CF1-A7D6-AFF5E9AECA5D}" dt="2020-05-14T17:16:25.708" v="6"/>
+        <pc:sldMkLst>
+          <pc:docMk/>
+          <pc:sldMk cId="470668490" sldId="340"/>
+        </pc:sldMkLst>
+        <pc:spChg chg="mod">
+          <ac:chgData name="Khattab, Sherif" userId="c83b1e15-36f3-4f46-aceb-05aac24c545e" providerId="ADAL" clId="{E6EB0EA7-2544-4CF1-A7D6-AFF5E9AECA5D}" dt="2020-05-14T17:16:25.708" v="6"/>
+          <ac:spMkLst>
+            <pc:docMk/>
+            <pc:sldMk cId="470668490" sldId="340"/>
+            <ac:spMk id="4" creationId="{29BFE3FF-96E0-4A48-9771-0902F36838F3}"/>
+          </ac:spMkLst>
+        </pc:spChg>
+        <pc:spChg chg="mod">
+          <ac:chgData name="Khattab, Sherif" userId="c83b1e15-36f3-4f46-aceb-05aac24c545e" providerId="ADAL" clId="{E6EB0EA7-2544-4CF1-A7D6-AFF5E9AECA5D}" dt="2020-05-14T17:16:25.708" v="6"/>
+          <ac:spMkLst>
+            <pc:docMk/>
+            <pc:sldMk cId="470668490" sldId="340"/>
+            <ac:spMk id="5" creationId="{85AFFB91-7C27-6641-9A78-BE1CCACB6DE8}"/>
+          </ac:spMkLst>
+        </pc:spChg>
+        <pc:spChg chg="mod">
+          <ac:chgData name="Khattab, Sherif" userId="c83b1e15-36f3-4f46-aceb-05aac24c545e" providerId="ADAL" clId="{E6EB0EA7-2544-4CF1-A7D6-AFF5E9AECA5D}" dt="2020-05-14T17:16:25.708" v="6"/>
+          <ac:spMkLst>
+            <pc:docMk/>
+            <pc:sldMk cId="470668490" sldId="340"/>
+            <ac:spMk id="108546" creationId="{96849A06-BBDF-C040-849E-A024B4FC255B}"/>
+          </ac:spMkLst>
+        </pc:spChg>
+        <pc:spChg chg="mod">
+          <ac:chgData name="Khattab, Sherif" userId="c83b1e15-36f3-4f46-aceb-05aac24c545e" providerId="ADAL" clId="{E6EB0EA7-2544-4CF1-A7D6-AFF5E9AECA5D}" dt="2020-05-14T17:16:25.708" v="6"/>
+          <ac:spMkLst>
+            <pc:docMk/>
+            <pc:sldMk cId="470668490" sldId="340"/>
+            <ac:spMk id="108547" creationId="{CC82A9AD-5F15-AB49-8F90-FE2C306DA419}"/>
+          </ac:spMkLst>
+        </pc:spChg>
+      </pc:sldChg>
+      <pc:sldChg chg="modSp">
+        <pc:chgData name="Khattab, Sherif" userId="c83b1e15-36f3-4f46-aceb-05aac24c545e" providerId="ADAL" clId="{E6EB0EA7-2544-4CF1-A7D6-AFF5E9AECA5D}" dt="2020-05-14T17:16:25.708" v="6"/>
+        <pc:sldMkLst>
+          <pc:docMk/>
+          <pc:sldMk cId="1205868326" sldId="341"/>
+        </pc:sldMkLst>
+        <pc:spChg chg="mod">
+          <ac:chgData name="Khattab, Sherif" userId="c83b1e15-36f3-4f46-aceb-05aac24c545e" providerId="ADAL" clId="{E6EB0EA7-2544-4CF1-A7D6-AFF5E9AECA5D}" dt="2020-05-14T17:16:25.708" v="6"/>
+          <ac:spMkLst>
+            <pc:docMk/>
+            <pc:sldMk cId="1205868326" sldId="341"/>
+            <ac:spMk id="4" creationId="{A5FE58C8-1460-C848-AB84-4F361A9896A1}"/>
+          </ac:spMkLst>
+        </pc:spChg>
+        <pc:spChg chg="mod">
+          <ac:chgData name="Khattab, Sherif" userId="c83b1e15-36f3-4f46-aceb-05aac24c545e" providerId="ADAL" clId="{E6EB0EA7-2544-4CF1-A7D6-AFF5E9AECA5D}" dt="2020-05-14T17:16:25.708" v="6"/>
+          <ac:spMkLst>
+            <pc:docMk/>
+            <pc:sldMk cId="1205868326" sldId="341"/>
+            <ac:spMk id="5" creationId="{F81FC055-C345-0D4E-990E-67395EA45FB7}"/>
+          </ac:spMkLst>
+        </pc:spChg>
+        <pc:spChg chg="mod">
+          <ac:chgData name="Khattab, Sherif" userId="c83b1e15-36f3-4f46-aceb-05aac24c545e" providerId="ADAL" clId="{E6EB0EA7-2544-4CF1-A7D6-AFF5E9AECA5D}" dt="2020-05-14T17:16:25.708" v="6"/>
+          <ac:spMkLst>
+            <pc:docMk/>
+            <pc:sldMk cId="1205868326" sldId="341"/>
+            <ac:spMk id="109570" creationId="{6A881214-C7A5-214A-8E7E-4D686B71DB5F}"/>
+          </ac:spMkLst>
+        </pc:spChg>
+        <pc:spChg chg="mod">
+          <ac:chgData name="Khattab, Sherif" userId="c83b1e15-36f3-4f46-aceb-05aac24c545e" providerId="ADAL" clId="{E6EB0EA7-2544-4CF1-A7D6-AFF5E9AECA5D}" dt="2020-05-14T17:16:25.708" v="6"/>
+          <ac:spMkLst>
+            <pc:docMk/>
+            <pc:sldMk cId="1205868326" sldId="341"/>
+            <ac:spMk id="109571" creationId="{EB65A8A9-691B-3D4F-B0AA-00914900DB3A}"/>
+          </ac:spMkLst>
+        </pc:spChg>
+      </pc:sldChg>
+      <pc:sldChg chg="modSp">
+        <pc:chgData name="Khattab, Sherif" userId="c83b1e15-36f3-4f46-aceb-05aac24c545e" providerId="ADAL" clId="{E6EB0EA7-2544-4CF1-A7D6-AFF5E9AECA5D}" dt="2020-05-14T17:16:25.708" v="6"/>
+        <pc:sldMkLst>
+          <pc:docMk/>
+          <pc:sldMk cId="1806563943" sldId="342"/>
+        </pc:sldMkLst>
+        <pc:spChg chg="mod">
+          <ac:chgData name="Khattab, Sherif" userId="c83b1e15-36f3-4f46-aceb-05aac24c545e" providerId="ADAL" clId="{E6EB0EA7-2544-4CF1-A7D6-AFF5E9AECA5D}" dt="2020-05-14T17:16:25.708" v="6"/>
+          <ac:spMkLst>
+            <pc:docMk/>
+            <pc:sldMk cId="1806563943" sldId="342"/>
+            <ac:spMk id="7" creationId="{6E9B925F-4BC9-934E-AB01-067F794B522E}"/>
+          </ac:spMkLst>
+        </pc:spChg>
+        <pc:spChg chg="mod">
+          <ac:chgData name="Khattab, Sherif" userId="c83b1e15-36f3-4f46-aceb-05aac24c545e" providerId="ADAL" clId="{E6EB0EA7-2544-4CF1-A7D6-AFF5E9AECA5D}" dt="2020-05-14T17:16:25.708" v="6"/>
+          <ac:spMkLst>
+            <pc:docMk/>
+            <pc:sldMk cId="1806563943" sldId="342"/>
+            <ac:spMk id="8" creationId="{0A731FB3-7935-8345-B6C7-AEE0B02240B9}"/>
+          </ac:spMkLst>
+        </pc:spChg>
+        <pc:spChg chg="mod">
+          <ac:chgData name="Khattab, Sherif" userId="c83b1e15-36f3-4f46-aceb-05aac24c545e" providerId="ADAL" clId="{E6EB0EA7-2544-4CF1-A7D6-AFF5E9AECA5D}" dt="2020-05-14T17:16:25.708" v="6"/>
+          <ac:spMkLst>
+            <pc:docMk/>
+            <pc:sldMk cId="1806563943" sldId="342"/>
+            <ac:spMk id="110597" creationId="{BDC36B20-DEF6-BF4D-B0E7-8F5461CE049F}"/>
+          </ac:spMkLst>
+        </pc:spChg>
+        <pc:spChg chg="mod">
+          <ac:chgData name="Khattab, Sherif" userId="c83b1e15-36f3-4f46-aceb-05aac24c545e" providerId="ADAL" clId="{E6EB0EA7-2544-4CF1-A7D6-AFF5E9AECA5D}" dt="2020-05-14T17:16:25.708" v="6"/>
+          <ac:spMkLst>
+            <pc:docMk/>
+            <pc:sldMk cId="1806563943" sldId="342"/>
+            <ac:spMk id="110598" creationId="{58C40865-3753-A447-9770-211D098125F8}"/>
+          </ac:spMkLst>
+        </pc:spChg>
+      </pc:sldChg>
+      <pc:sldChg chg="modSp">
+        <pc:chgData name="Khattab, Sherif" userId="c83b1e15-36f3-4f46-aceb-05aac24c545e" providerId="ADAL" clId="{E6EB0EA7-2544-4CF1-A7D6-AFF5E9AECA5D}" dt="2020-05-14T17:16:25.708" v="6"/>
+        <pc:sldMkLst>
+          <pc:docMk/>
+          <pc:sldMk cId="1167711490" sldId="343"/>
+        </pc:sldMkLst>
+        <pc:spChg chg="mod">
+          <ac:chgData name="Khattab, Sherif" userId="c83b1e15-36f3-4f46-aceb-05aac24c545e" providerId="ADAL" clId="{E6EB0EA7-2544-4CF1-A7D6-AFF5E9AECA5D}" dt="2020-05-14T17:16:25.708" v="6"/>
+          <ac:spMkLst>
+            <pc:docMk/>
+            <pc:sldMk cId="1167711490" sldId="343"/>
+            <ac:spMk id="7" creationId="{72500EF2-C006-2647-8CFD-300FA28B30EA}"/>
+          </ac:spMkLst>
+        </pc:spChg>
+        <pc:spChg chg="mod">
+          <ac:chgData name="Khattab, Sherif" userId="c83b1e15-36f3-4f46-aceb-05aac24c545e" providerId="ADAL" clId="{E6EB0EA7-2544-4CF1-A7D6-AFF5E9AECA5D}" dt="2020-05-14T17:16:25.708" v="6"/>
+          <ac:spMkLst>
+            <pc:docMk/>
+            <pc:sldMk cId="1167711490" sldId="343"/>
+            <ac:spMk id="8" creationId="{5513A82D-D95D-3B46-B415-F25C0E574B15}"/>
+          </ac:spMkLst>
+        </pc:spChg>
+        <pc:spChg chg="mod">
+          <ac:chgData name="Khattab, Sherif" userId="c83b1e15-36f3-4f46-aceb-05aac24c545e" providerId="ADAL" clId="{E6EB0EA7-2544-4CF1-A7D6-AFF5E9AECA5D}" dt="2020-05-14T17:16:25.708" v="6"/>
+          <ac:spMkLst>
+            <pc:docMk/>
+            <pc:sldMk cId="1167711490" sldId="343"/>
+            <ac:spMk id="111621" creationId="{98D1A996-CF96-BF4C-9178-C10B8182C328}"/>
+          </ac:spMkLst>
+        </pc:spChg>
+        <pc:spChg chg="mod">
+          <ac:chgData name="Khattab, Sherif" userId="c83b1e15-36f3-4f46-aceb-05aac24c545e" providerId="ADAL" clId="{E6EB0EA7-2544-4CF1-A7D6-AFF5E9AECA5D}" dt="2020-05-14T17:16:25.708" v="6"/>
+          <ac:spMkLst>
+            <pc:docMk/>
+            <pc:sldMk cId="1167711490" sldId="343"/>
+            <ac:spMk id="111622" creationId="{8B17F8A5-FE1E-5540-991C-590D33FA245A}"/>
+          </ac:spMkLst>
+        </pc:spChg>
+      </pc:sldChg>
+      <pc:sldChg chg="modSp">
+        <pc:chgData name="Khattab, Sherif" userId="c83b1e15-36f3-4f46-aceb-05aac24c545e" providerId="ADAL" clId="{E6EB0EA7-2544-4CF1-A7D6-AFF5E9AECA5D}" dt="2020-05-14T17:16:25.708" v="6"/>
+        <pc:sldMkLst>
+          <pc:docMk/>
+          <pc:sldMk cId="1271999567" sldId="349"/>
+        </pc:sldMkLst>
+        <pc:spChg chg="mod">
+          <ac:chgData name="Khattab, Sherif" userId="c83b1e15-36f3-4f46-aceb-05aac24c545e" providerId="ADAL" clId="{E6EB0EA7-2544-4CF1-A7D6-AFF5E9AECA5D}" dt="2020-05-14T17:16:25.708" v="6"/>
+          <ac:spMkLst>
+            <pc:docMk/>
+            <pc:sldMk cId="1271999567" sldId="349"/>
+            <ac:spMk id="2" creationId="{17A8AD5B-F689-B94F-A878-23B8A0273164}"/>
+          </ac:spMkLst>
+        </pc:spChg>
+        <pc:spChg chg="mod">
+          <ac:chgData name="Khattab, Sherif" userId="c83b1e15-36f3-4f46-aceb-05aac24c545e" providerId="ADAL" clId="{E6EB0EA7-2544-4CF1-A7D6-AFF5E9AECA5D}" dt="2020-05-14T17:16:25.708" v="6"/>
+          <ac:spMkLst>
+            <pc:docMk/>
+            <pc:sldMk cId="1271999567" sldId="349"/>
+            <ac:spMk id="6" creationId="{A88B15B3-238A-4746-829A-03A0FAA7FB19}"/>
+          </ac:spMkLst>
+        </pc:spChg>
+        <pc:spChg chg="mod">
+          <ac:chgData name="Khattab, Sherif" userId="c83b1e15-36f3-4f46-aceb-05aac24c545e" providerId="ADAL" clId="{E6EB0EA7-2544-4CF1-A7D6-AFF5E9AECA5D}" dt="2020-05-14T17:16:25.708" v="6"/>
+          <ac:spMkLst>
+            <pc:docMk/>
+            <pc:sldMk cId="1271999567" sldId="349"/>
+            <ac:spMk id="7" creationId="{D97A772E-AF56-8A43-8E21-10E9198972DA}"/>
+          </ac:spMkLst>
+        </pc:spChg>
+        <pc:spChg chg="mod">
+          <ac:chgData name="Khattab, Sherif" userId="c83b1e15-36f3-4f46-aceb-05aac24c545e" providerId="ADAL" clId="{E6EB0EA7-2544-4CF1-A7D6-AFF5E9AECA5D}" dt="2020-05-14T17:16:25.708" v="6"/>
+          <ac:spMkLst>
+            <pc:docMk/>
+            <pc:sldMk cId="1271999567" sldId="349"/>
+            <ac:spMk id="117762" creationId="{39807B7F-29D5-4E40-91D5-70F81AE81EDD}"/>
+          </ac:spMkLst>
+        </pc:spChg>
+      </pc:sldChg>
+      <pc:sldChg chg="modSp">
+        <pc:chgData name="Khattab, Sherif" userId="c83b1e15-36f3-4f46-aceb-05aac24c545e" providerId="ADAL" clId="{E6EB0EA7-2544-4CF1-A7D6-AFF5E9AECA5D}" dt="2020-05-14T17:16:25.708" v="6"/>
+        <pc:sldMkLst>
+          <pc:docMk/>
+          <pc:sldMk cId="434376579" sldId="363"/>
+        </pc:sldMkLst>
+        <pc:spChg chg="mod">
+          <ac:chgData name="Khattab, Sherif" userId="c83b1e15-36f3-4f46-aceb-05aac24c545e" providerId="ADAL" clId="{E6EB0EA7-2544-4CF1-A7D6-AFF5E9AECA5D}" dt="2020-05-14T17:16:25.708" v="6"/>
+          <ac:spMkLst>
+            <pc:docMk/>
+            <pc:sldMk cId="434376579" sldId="363"/>
+            <ac:spMk id="13" creationId="{399F8E88-2D61-7E41-B9E7-D5D16445265E}"/>
+          </ac:spMkLst>
+        </pc:spChg>
+        <pc:spChg chg="mod">
+          <ac:chgData name="Khattab, Sherif" userId="c83b1e15-36f3-4f46-aceb-05aac24c545e" providerId="ADAL" clId="{E6EB0EA7-2544-4CF1-A7D6-AFF5E9AECA5D}" dt="2020-05-14T17:16:25.708" v="6"/>
+          <ac:spMkLst>
+            <pc:docMk/>
+            <pc:sldMk cId="434376579" sldId="363"/>
+            <ac:spMk id="14" creationId="{1D9B0268-8DED-C745-8271-8B812DB10776}"/>
+          </ac:spMkLst>
+        </pc:spChg>
+        <pc:spChg chg="mod">
+          <ac:chgData name="Khattab, Sherif" userId="c83b1e15-36f3-4f46-aceb-05aac24c545e" providerId="ADAL" clId="{E6EB0EA7-2544-4CF1-A7D6-AFF5E9AECA5D}" dt="2020-05-14T17:16:25.708" v="6"/>
+          <ac:spMkLst>
+            <pc:docMk/>
+            <pc:sldMk cId="434376579" sldId="363"/>
+            <ac:spMk id="91148" creationId="{D182CBCC-E588-9C46-9A14-D3D8D1F9D94B}"/>
+          </ac:spMkLst>
+        </pc:spChg>
+      </pc:sldChg>
+      <pc:sldChg chg="modSp">
+        <pc:chgData name="Khattab, Sherif" userId="c83b1e15-36f3-4f46-aceb-05aac24c545e" providerId="ADAL" clId="{E6EB0EA7-2544-4CF1-A7D6-AFF5E9AECA5D}" dt="2020-05-14T17:16:25.708" v="6"/>
+        <pc:sldMkLst>
+          <pc:docMk/>
+          <pc:sldMk cId="815621424" sldId="364"/>
+        </pc:sldMkLst>
+        <pc:spChg chg="mod">
+          <ac:chgData name="Khattab, Sherif" userId="c83b1e15-36f3-4f46-aceb-05aac24c545e" providerId="ADAL" clId="{E6EB0EA7-2544-4CF1-A7D6-AFF5E9AECA5D}" dt="2020-05-14T17:16:25.708" v="6"/>
+          <ac:spMkLst>
+            <pc:docMk/>
+            <pc:sldMk cId="815621424" sldId="364"/>
+            <ac:spMk id="27" creationId="{667676E5-52CF-B949-92AA-54CEC4825EDD}"/>
+          </ac:spMkLst>
+        </pc:spChg>
+        <pc:spChg chg="mod">
+          <ac:chgData name="Khattab, Sherif" userId="c83b1e15-36f3-4f46-aceb-05aac24c545e" providerId="ADAL" clId="{E6EB0EA7-2544-4CF1-A7D6-AFF5E9AECA5D}" dt="2020-05-14T17:16:25.708" v="6"/>
+          <ac:spMkLst>
+            <pc:docMk/>
+            <pc:sldMk cId="815621424" sldId="364"/>
+            <ac:spMk id="28" creationId="{EC52B04B-D8AF-8643-A73A-7D7FBE25B1FC}"/>
+          </ac:spMkLst>
+        </pc:spChg>
+        <pc:spChg chg="mod">
+          <ac:chgData name="Khattab, Sherif" userId="c83b1e15-36f3-4f46-aceb-05aac24c545e" providerId="ADAL" clId="{E6EB0EA7-2544-4CF1-A7D6-AFF5E9AECA5D}" dt="2020-05-14T17:16:25.708" v="6"/>
+          <ac:spMkLst>
+            <pc:docMk/>
+            <pc:sldMk cId="815621424" sldId="364"/>
+            <ac:spMk id="93186" creationId="{E502F9E0-21A9-6844-A11A-A0680165B684}"/>
+          </ac:spMkLst>
+        </pc:spChg>
+        <pc:spChg chg="mod">
+          <ac:chgData name="Khattab, Sherif" userId="c83b1e15-36f3-4f46-aceb-05aac24c545e" providerId="ADAL" clId="{E6EB0EA7-2544-4CF1-A7D6-AFF5E9AECA5D}" dt="2020-05-14T17:16:25.708" v="6"/>
+          <ac:spMkLst>
+            <pc:docMk/>
+            <pc:sldMk cId="815621424" sldId="364"/>
+            <ac:spMk id="93187" creationId="{83249007-0AB0-EB49-9417-995673C1CEF5}"/>
+          </ac:spMkLst>
+        </pc:spChg>
+      </pc:sldChg>
+      <pc:sldChg chg="modSp">
+        <pc:chgData name="Khattab, Sherif" userId="c83b1e15-36f3-4f46-aceb-05aac24c545e" providerId="ADAL" clId="{E6EB0EA7-2544-4CF1-A7D6-AFF5E9AECA5D}" dt="2020-05-14T17:16:25.708" v="6"/>
+        <pc:sldMkLst>
+          <pc:docMk/>
+          <pc:sldMk cId="1934104099" sldId="365"/>
+        </pc:sldMkLst>
+        <pc:spChg chg="mod">
+          <ac:chgData name="Khattab, Sherif" userId="c83b1e15-36f3-4f46-aceb-05aac24c545e" providerId="ADAL" clId="{E6EB0EA7-2544-4CF1-A7D6-AFF5E9AECA5D}" dt="2020-05-14T17:16:25.708" v="6"/>
+          <ac:spMkLst>
+            <pc:docMk/>
+            <pc:sldMk cId="1934104099" sldId="365"/>
+            <ac:spMk id="8" creationId="{87B93D98-EEC5-C245-A824-29408C4F6AA9}"/>
+          </ac:spMkLst>
+        </pc:spChg>
+        <pc:spChg chg="mod">
+          <ac:chgData name="Khattab, Sherif" userId="c83b1e15-36f3-4f46-aceb-05aac24c545e" providerId="ADAL" clId="{E6EB0EA7-2544-4CF1-A7D6-AFF5E9AECA5D}" dt="2020-05-14T17:16:25.708" v="6"/>
+          <ac:spMkLst>
+            <pc:docMk/>
+            <pc:sldMk cId="1934104099" sldId="365"/>
+            <ac:spMk id="9" creationId="{97A00662-141E-7B4B-97ED-0FA4B9115725}"/>
+          </ac:spMkLst>
+        </pc:spChg>
+        <pc:spChg chg="mod">
+          <ac:chgData name="Khattab, Sherif" userId="c83b1e15-36f3-4f46-aceb-05aac24c545e" providerId="ADAL" clId="{E6EB0EA7-2544-4CF1-A7D6-AFF5E9AECA5D}" dt="2020-05-14T17:16:25.708" v="6"/>
+          <ac:spMkLst>
+            <pc:docMk/>
+            <pc:sldMk cId="1934104099" sldId="365"/>
+            <ac:spMk id="94210" creationId="{FD1747F8-31B5-1F41-BD48-CAFBB42D9534}"/>
+          </ac:spMkLst>
+        </pc:spChg>
+        <pc:spChg chg="mod">
+          <ac:chgData name="Khattab, Sherif" userId="c83b1e15-36f3-4f46-aceb-05aac24c545e" providerId="ADAL" clId="{E6EB0EA7-2544-4CF1-A7D6-AFF5E9AECA5D}" dt="2020-05-14T17:16:25.708" v="6"/>
+          <ac:spMkLst>
+            <pc:docMk/>
+            <pc:sldMk cId="1934104099" sldId="365"/>
+            <ac:spMk id="94211" creationId="{2F4C0CE7-B9FD-0E45-8A7B-DDDB3455B140}"/>
+          </ac:spMkLst>
+        </pc:spChg>
+      </pc:sldChg>
+      <pc:sldChg chg="modSp">
+        <pc:chgData name="Khattab, Sherif" userId="c83b1e15-36f3-4f46-aceb-05aac24c545e" providerId="ADAL" clId="{E6EB0EA7-2544-4CF1-A7D6-AFF5E9AECA5D}" dt="2020-05-14T17:16:25.708" v="6"/>
+        <pc:sldMkLst>
+          <pc:docMk/>
+          <pc:sldMk cId="2782429159" sldId="366"/>
+        </pc:sldMkLst>
+        <pc:spChg chg="mod">
+          <ac:chgData name="Khattab, Sherif" userId="c83b1e15-36f3-4f46-aceb-05aac24c545e" providerId="ADAL" clId="{E6EB0EA7-2544-4CF1-A7D6-AFF5E9AECA5D}" dt="2020-05-14T17:16:25.708" v="6"/>
+          <ac:spMkLst>
+            <pc:docMk/>
+            <pc:sldMk cId="2782429159" sldId="366"/>
+            <ac:spMk id="4" creationId="{27D16428-557C-2344-B354-75ACA52C8E36}"/>
+          </ac:spMkLst>
+        </pc:spChg>
+        <pc:spChg chg="mod">
+          <ac:chgData name="Khattab, Sherif" userId="c83b1e15-36f3-4f46-aceb-05aac24c545e" providerId="ADAL" clId="{E6EB0EA7-2544-4CF1-A7D6-AFF5E9AECA5D}" dt="2020-05-14T17:16:25.708" v="6"/>
+          <ac:spMkLst>
+            <pc:docMk/>
+            <pc:sldMk cId="2782429159" sldId="366"/>
+            <ac:spMk id="5" creationId="{9B92B5DB-B929-F947-BA57-49A11A6B5B28}"/>
+          </ac:spMkLst>
+        </pc:spChg>
+        <pc:spChg chg="mod">
+          <ac:chgData name="Khattab, Sherif" userId="c83b1e15-36f3-4f46-aceb-05aac24c545e" providerId="ADAL" clId="{E6EB0EA7-2544-4CF1-A7D6-AFF5E9AECA5D}" dt="2020-05-14T17:16:25.708" v="6"/>
+          <ac:spMkLst>
+            <pc:docMk/>
+            <pc:sldMk cId="2782429159" sldId="366"/>
+            <ac:spMk id="95234" creationId="{22679527-1C13-D745-AD6F-BECD21053034}"/>
+          </ac:spMkLst>
+        </pc:spChg>
+      </pc:sldChg>
+      <pc:sldChg chg="modSp">
+        <pc:chgData name="Khattab, Sherif" userId="c83b1e15-36f3-4f46-aceb-05aac24c545e" providerId="ADAL" clId="{E6EB0EA7-2544-4CF1-A7D6-AFF5E9AECA5D}" dt="2020-05-14T17:16:25.708" v="6"/>
+        <pc:sldMkLst>
+          <pc:docMk/>
+          <pc:sldMk cId="2251973667" sldId="367"/>
+        </pc:sldMkLst>
+        <pc:spChg chg="mod">
+          <ac:chgData name="Khattab, Sherif" userId="c83b1e15-36f3-4f46-aceb-05aac24c545e" providerId="ADAL" clId="{E6EB0EA7-2544-4CF1-A7D6-AFF5E9AECA5D}" dt="2020-05-14T17:16:25.708" v="6"/>
+          <ac:spMkLst>
+            <pc:docMk/>
+            <pc:sldMk cId="2251973667" sldId="367"/>
+            <ac:spMk id="4" creationId="{27AC079A-FDEE-5245-9DF2-0EA014E67F57}"/>
+          </ac:spMkLst>
+        </pc:spChg>
+        <pc:spChg chg="mod">
+          <ac:chgData name="Khattab, Sherif" userId="c83b1e15-36f3-4f46-aceb-05aac24c545e" providerId="ADAL" clId="{E6EB0EA7-2544-4CF1-A7D6-AFF5E9AECA5D}" dt="2020-05-14T17:16:25.708" v="6"/>
+          <ac:spMkLst>
+            <pc:docMk/>
+            <pc:sldMk cId="2251973667" sldId="367"/>
+            <ac:spMk id="5" creationId="{4BE14FC9-25DA-A545-BFFF-97AA43D9616B}"/>
+          </ac:spMkLst>
+        </pc:spChg>
+        <pc:spChg chg="mod">
+          <ac:chgData name="Khattab, Sherif" userId="c83b1e15-36f3-4f46-aceb-05aac24c545e" providerId="ADAL" clId="{E6EB0EA7-2544-4CF1-A7D6-AFF5E9AECA5D}" dt="2020-05-14T17:16:25.708" v="6"/>
+          <ac:spMkLst>
+            <pc:docMk/>
+            <pc:sldMk cId="2251973667" sldId="367"/>
+            <ac:spMk id="98306" creationId="{8383A26D-3C56-0042-8B6C-8FD1E0DFA250}"/>
+          </ac:spMkLst>
+        </pc:spChg>
+        <pc:spChg chg="mod">
+          <ac:chgData name="Khattab, Sherif" userId="c83b1e15-36f3-4f46-aceb-05aac24c545e" providerId="ADAL" clId="{E6EB0EA7-2544-4CF1-A7D6-AFF5E9AECA5D}" dt="2020-05-14T17:16:25.708" v="6"/>
+          <ac:spMkLst>
+            <pc:docMk/>
+            <pc:sldMk cId="2251973667" sldId="367"/>
+            <ac:spMk id="98307" creationId="{6AF066B1-89F4-4E4D-8ABF-40AC813F6866}"/>
+          </ac:spMkLst>
+        </pc:spChg>
+      </pc:sldChg>
+      <pc:sldChg chg="modSp">
+        <pc:chgData name="Khattab, Sherif" userId="c83b1e15-36f3-4f46-aceb-05aac24c545e" providerId="ADAL" clId="{E6EB0EA7-2544-4CF1-A7D6-AFF5E9AECA5D}" dt="2020-05-14T17:16:25.708" v="6"/>
+        <pc:sldMkLst>
+          <pc:docMk/>
+          <pc:sldMk cId="3138501136" sldId="368"/>
+        </pc:sldMkLst>
+        <pc:spChg chg="mod">
+          <ac:chgData name="Khattab, Sherif" userId="c83b1e15-36f3-4f46-aceb-05aac24c545e" providerId="ADAL" clId="{E6EB0EA7-2544-4CF1-A7D6-AFF5E9AECA5D}" dt="2020-05-14T17:16:25.708" v="6"/>
+          <ac:spMkLst>
+            <pc:docMk/>
+            <pc:sldMk cId="3138501136" sldId="368"/>
+            <ac:spMk id="7" creationId="{532CA168-7A4E-084D-AF13-F17DA4C99AF9}"/>
+          </ac:spMkLst>
+        </pc:spChg>
+        <pc:spChg chg="mod">
+          <ac:chgData name="Khattab, Sherif" userId="c83b1e15-36f3-4f46-aceb-05aac24c545e" providerId="ADAL" clId="{E6EB0EA7-2544-4CF1-A7D6-AFF5E9AECA5D}" dt="2020-05-14T17:16:25.708" v="6"/>
+          <ac:spMkLst>
+            <pc:docMk/>
+            <pc:sldMk cId="3138501136" sldId="368"/>
+            <ac:spMk id="8" creationId="{0C0EE1E8-F246-0344-879F-ACDF28735FC1}"/>
+          </ac:spMkLst>
+        </pc:spChg>
+        <pc:spChg chg="mod">
+          <ac:chgData name="Khattab, Sherif" userId="c83b1e15-36f3-4f46-aceb-05aac24c545e" providerId="ADAL" clId="{E6EB0EA7-2544-4CF1-A7D6-AFF5E9AECA5D}" dt="2020-05-14T17:16:25.708" v="6"/>
+          <ac:spMkLst>
+            <pc:docMk/>
+            <pc:sldMk cId="3138501136" sldId="368"/>
+            <ac:spMk id="99333" creationId="{6961FFD0-3136-6744-AF77-2A7A1A790F1E}"/>
+          </ac:spMkLst>
+        </pc:spChg>
+      </pc:sldChg>
+      <pc:sldChg chg="modSp">
+        <pc:chgData name="Khattab, Sherif" userId="c83b1e15-36f3-4f46-aceb-05aac24c545e" providerId="ADAL" clId="{E6EB0EA7-2544-4CF1-A7D6-AFF5E9AECA5D}" dt="2020-05-14T17:16:25.708" v="6"/>
+        <pc:sldMkLst>
+          <pc:docMk/>
+          <pc:sldMk cId="3210992163" sldId="369"/>
+        </pc:sldMkLst>
+        <pc:spChg chg="mod">
+          <ac:chgData name="Khattab, Sherif" userId="c83b1e15-36f3-4f46-aceb-05aac24c545e" providerId="ADAL" clId="{E6EB0EA7-2544-4CF1-A7D6-AFF5E9AECA5D}" dt="2020-05-14T17:16:25.708" v="6"/>
+          <ac:spMkLst>
+            <pc:docMk/>
+            <pc:sldMk cId="3210992163" sldId="369"/>
+            <ac:spMk id="4" creationId="{73DBA84E-7D96-E442-8FC3-A0C3749B1CC1}"/>
+          </ac:spMkLst>
+        </pc:spChg>
+        <pc:spChg chg="mod">
+          <ac:chgData name="Khattab, Sherif" userId="c83b1e15-36f3-4f46-aceb-05aac24c545e" providerId="ADAL" clId="{E6EB0EA7-2544-4CF1-A7D6-AFF5E9AECA5D}" dt="2020-05-14T17:16:25.708" v="6"/>
+          <ac:spMkLst>
+            <pc:docMk/>
+            <pc:sldMk cId="3210992163" sldId="369"/>
+            <ac:spMk id="5" creationId="{B9F1484A-3D19-CA4A-81F0-82E85A0AC7BB}"/>
+          </ac:spMkLst>
+        </pc:spChg>
+        <pc:spChg chg="mod">
+          <ac:chgData name="Khattab, Sherif" userId="c83b1e15-36f3-4f46-aceb-05aac24c545e" providerId="ADAL" clId="{E6EB0EA7-2544-4CF1-A7D6-AFF5E9AECA5D}" dt="2020-05-14T17:16:25.708" v="6"/>
+          <ac:spMkLst>
+            <pc:docMk/>
+            <pc:sldMk cId="3210992163" sldId="369"/>
+            <ac:spMk id="100354" creationId="{E957CE05-A4BD-144F-A0C4-0AAE7BD7009B}"/>
+          </ac:spMkLst>
+        </pc:spChg>
+        <pc:spChg chg="mod">
+          <ac:chgData name="Khattab, Sherif" userId="c83b1e15-36f3-4f46-aceb-05aac24c545e" providerId="ADAL" clId="{E6EB0EA7-2544-4CF1-A7D6-AFF5E9AECA5D}" dt="2020-05-14T17:16:25.708" v="6"/>
+          <ac:spMkLst>
+            <pc:docMk/>
+            <pc:sldMk cId="3210992163" sldId="369"/>
+            <ac:spMk id="100355" creationId="{0C36604A-A763-A345-B88E-8E6F2BF0C1FE}"/>
+          </ac:spMkLst>
+        </pc:spChg>
+      </pc:sldChg>
+      <pc:sldChg chg="modSp">
+        <pc:chgData name="Khattab, Sherif" userId="c83b1e15-36f3-4f46-aceb-05aac24c545e" providerId="ADAL" clId="{E6EB0EA7-2544-4CF1-A7D6-AFF5E9AECA5D}" dt="2020-05-14T17:16:25.708" v="6"/>
+        <pc:sldMkLst>
+          <pc:docMk/>
+          <pc:sldMk cId="4013065491" sldId="370"/>
+        </pc:sldMkLst>
+        <pc:spChg chg="mod">
+          <ac:chgData name="Khattab, Sherif" userId="c83b1e15-36f3-4f46-aceb-05aac24c545e" providerId="ADAL" clId="{E6EB0EA7-2544-4CF1-A7D6-AFF5E9AECA5D}" dt="2020-05-14T17:16:25.708" v="6"/>
+          <ac:spMkLst>
+            <pc:docMk/>
+            <pc:sldMk cId="4013065491" sldId="370"/>
+            <ac:spMk id="6" creationId="{B0B49E68-86D2-5744-ABD1-0A95627B1316}"/>
+          </ac:spMkLst>
+        </pc:spChg>
+        <pc:spChg chg="mod">
+          <ac:chgData name="Khattab, Sherif" userId="c83b1e15-36f3-4f46-aceb-05aac24c545e" providerId="ADAL" clId="{E6EB0EA7-2544-4CF1-A7D6-AFF5E9AECA5D}" dt="2020-05-14T17:16:25.708" v="6"/>
+          <ac:spMkLst>
+            <pc:docMk/>
+            <pc:sldMk cId="4013065491" sldId="370"/>
+            <ac:spMk id="7" creationId="{FD8B4B24-CAA8-9C41-A932-1538077BB231}"/>
+          </ac:spMkLst>
+        </pc:spChg>
+        <pc:spChg chg="mod">
+          <ac:chgData name="Khattab, Sherif" userId="c83b1e15-36f3-4f46-aceb-05aac24c545e" providerId="ADAL" clId="{E6EB0EA7-2544-4CF1-A7D6-AFF5E9AECA5D}" dt="2020-05-14T17:16:25.708" v="6"/>
+          <ac:spMkLst>
+            <pc:docMk/>
+            <pc:sldMk cId="4013065491" sldId="370"/>
+            <ac:spMk id="101378" creationId="{1C91B2E0-F076-D54D-8685-060CEC00A4EC}"/>
+          </ac:spMkLst>
+        </pc:spChg>
+      </pc:sldChg>
+      <pc:sldChg chg="modSp">
+        <pc:chgData name="Khattab, Sherif" userId="c83b1e15-36f3-4f46-aceb-05aac24c545e" providerId="ADAL" clId="{E6EB0EA7-2544-4CF1-A7D6-AFF5E9AECA5D}" dt="2020-05-14T17:16:25.708" v="6"/>
+        <pc:sldMkLst>
+          <pc:docMk/>
+          <pc:sldMk cId="2592968416" sldId="371"/>
+        </pc:sldMkLst>
+        <pc:spChg chg="mod">
+          <ac:chgData name="Khattab, Sherif" userId="c83b1e15-36f3-4f46-aceb-05aac24c545e" providerId="ADAL" clId="{E6EB0EA7-2544-4CF1-A7D6-AFF5E9AECA5D}" dt="2020-05-14T17:16:25.708" v="6"/>
+          <ac:spMkLst>
+            <pc:docMk/>
+            <pc:sldMk cId="2592968416" sldId="371"/>
+            <ac:spMk id="6" creationId="{04A613E7-574B-C34F-80DA-88C723B69E84}"/>
+          </ac:spMkLst>
+        </pc:spChg>
+        <pc:spChg chg="mod">
+          <ac:chgData name="Khattab, Sherif" userId="c83b1e15-36f3-4f46-aceb-05aac24c545e" providerId="ADAL" clId="{E6EB0EA7-2544-4CF1-A7D6-AFF5E9AECA5D}" dt="2020-05-14T17:16:25.708" v="6"/>
+          <ac:spMkLst>
+            <pc:docMk/>
+            <pc:sldMk cId="2592968416" sldId="371"/>
+            <ac:spMk id="7" creationId="{7CC2F7F6-93EA-AE4F-84CC-7374B32F503D}"/>
+          </ac:spMkLst>
+        </pc:spChg>
+        <pc:spChg chg="mod">
+          <ac:chgData name="Khattab, Sherif" userId="c83b1e15-36f3-4f46-aceb-05aac24c545e" providerId="ADAL" clId="{E6EB0EA7-2544-4CF1-A7D6-AFF5E9AECA5D}" dt="2020-05-14T17:16:25.708" v="6"/>
+          <ac:spMkLst>
+            <pc:docMk/>
+            <pc:sldMk cId="2592968416" sldId="371"/>
+            <ac:spMk id="102404" creationId="{6FDA00AC-6865-D94C-836F-7D9600078A83}"/>
+          </ac:spMkLst>
+        </pc:spChg>
+      </pc:sldChg>
+      <pc:sldChg chg="modSp">
+        <pc:chgData name="Khattab, Sherif" userId="c83b1e15-36f3-4f46-aceb-05aac24c545e" providerId="ADAL" clId="{E6EB0EA7-2544-4CF1-A7D6-AFF5E9AECA5D}" dt="2020-05-14T17:16:25.708" v="6"/>
+        <pc:sldMkLst>
+          <pc:docMk/>
+          <pc:sldMk cId="3848335379" sldId="372"/>
+        </pc:sldMkLst>
+        <pc:spChg chg="mod">
+          <ac:chgData name="Khattab, Sherif" userId="c83b1e15-36f3-4f46-aceb-05aac24c545e" providerId="ADAL" clId="{E6EB0EA7-2544-4CF1-A7D6-AFF5E9AECA5D}" dt="2020-05-14T17:16:25.708" v="6"/>
+          <ac:spMkLst>
+            <pc:docMk/>
+            <pc:sldMk cId="3848335379" sldId="372"/>
+            <ac:spMk id="7" creationId="{1C1CA73E-1E55-D244-B89B-B72382873627}"/>
+          </ac:spMkLst>
+        </pc:spChg>
+        <pc:spChg chg="mod">
+          <ac:chgData name="Khattab, Sherif" userId="c83b1e15-36f3-4f46-aceb-05aac24c545e" providerId="ADAL" clId="{E6EB0EA7-2544-4CF1-A7D6-AFF5E9AECA5D}" dt="2020-05-14T17:16:25.708" v="6"/>
+          <ac:spMkLst>
+            <pc:docMk/>
+            <pc:sldMk cId="3848335379" sldId="372"/>
+            <ac:spMk id="8" creationId="{79E131D4-95F6-D248-9154-AE15F551EEE7}"/>
+          </ac:spMkLst>
+        </pc:spChg>
+        <pc:spChg chg="mod">
+          <ac:chgData name="Khattab, Sherif" userId="c83b1e15-36f3-4f46-aceb-05aac24c545e" providerId="ADAL" clId="{E6EB0EA7-2544-4CF1-A7D6-AFF5E9AECA5D}" dt="2020-05-14T17:16:25.708" v="6"/>
+          <ac:spMkLst>
+            <pc:docMk/>
+            <pc:sldMk cId="3848335379" sldId="372"/>
+            <ac:spMk id="103429" creationId="{8D930911-1A6D-B54F-B76E-66809DD1728E}"/>
+          </ac:spMkLst>
+        </pc:spChg>
+        <pc:spChg chg="mod">
+          <ac:chgData name="Khattab, Sherif" userId="c83b1e15-36f3-4f46-aceb-05aac24c545e" providerId="ADAL" clId="{E6EB0EA7-2544-4CF1-A7D6-AFF5E9AECA5D}" dt="2020-05-14T17:16:25.708" v="6"/>
+          <ac:spMkLst>
+            <pc:docMk/>
+            <pc:sldMk cId="3848335379" sldId="372"/>
+            <ac:spMk id="103430" creationId="{0CA11B9E-1475-6C4F-9C95-B08141F31ADC}"/>
+          </ac:spMkLst>
+        </pc:spChg>
+      </pc:sldChg>
+      <pc:sldChg chg="modSp">
+        <pc:chgData name="Khattab, Sherif" userId="c83b1e15-36f3-4f46-aceb-05aac24c545e" providerId="ADAL" clId="{E6EB0EA7-2544-4CF1-A7D6-AFF5E9AECA5D}" dt="2020-05-14T17:16:25.708" v="6"/>
+        <pc:sldMkLst>
+          <pc:docMk/>
+          <pc:sldMk cId="3161117264" sldId="373"/>
+        </pc:sldMkLst>
+        <pc:spChg chg="mod">
+          <ac:chgData name="Khattab, Sherif" userId="c83b1e15-36f3-4f46-aceb-05aac24c545e" providerId="ADAL" clId="{E6EB0EA7-2544-4CF1-A7D6-AFF5E9AECA5D}" dt="2020-05-14T17:16:25.708" v="6"/>
+          <ac:spMkLst>
+            <pc:docMk/>
+            <pc:sldMk cId="3161117264" sldId="373"/>
+            <ac:spMk id="4" creationId="{D286E859-8EBE-914A-BE43-1BFE745BB03C}"/>
+          </ac:spMkLst>
+        </pc:spChg>
+        <pc:spChg chg="mod">
+          <ac:chgData name="Khattab, Sherif" userId="c83b1e15-36f3-4f46-aceb-05aac24c545e" providerId="ADAL" clId="{E6EB0EA7-2544-4CF1-A7D6-AFF5E9AECA5D}" dt="2020-05-14T17:16:25.708" v="6"/>
+          <ac:spMkLst>
+            <pc:docMk/>
+            <pc:sldMk cId="3161117264" sldId="373"/>
+            <ac:spMk id="5" creationId="{BB0DD3E4-3515-714D-878B-FD1CC73773E4}"/>
+          </ac:spMkLst>
+        </pc:spChg>
+        <pc:spChg chg="mod">
+          <ac:chgData name="Khattab, Sherif" userId="c83b1e15-36f3-4f46-aceb-05aac24c545e" providerId="ADAL" clId="{E6EB0EA7-2544-4CF1-A7D6-AFF5E9AECA5D}" dt="2020-05-14T17:16:25.708" v="6"/>
+          <ac:spMkLst>
+            <pc:docMk/>
+            <pc:sldMk cId="3161117264" sldId="373"/>
+            <ac:spMk id="104450" creationId="{EB53BFD2-2569-C440-A78C-F70A1D185BE8}"/>
+          </ac:spMkLst>
+        </pc:spChg>
+        <pc:spChg chg="mod">
+          <ac:chgData name="Khattab, Sherif" userId="c83b1e15-36f3-4f46-aceb-05aac24c545e" providerId="ADAL" clId="{E6EB0EA7-2544-4CF1-A7D6-AFF5E9AECA5D}" dt="2020-05-14T17:16:25.708" v="6"/>
+          <ac:spMkLst>
+            <pc:docMk/>
+            <pc:sldMk cId="3161117264" sldId="373"/>
+            <ac:spMk id="104451" creationId="{36A9E868-CE41-B547-B6C1-87C325B8A1FF}"/>
+          </ac:spMkLst>
+        </pc:spChg>
+      </pc:sldChg>
+      <pc:sldChg chg="modSp">
+        <pc:chgData name="Khattab, Sherif" userId="c83b1e15-36f3-4f46-aceb-05aac24c545e" providerId="ADAL" clId="{E6EB0EA7-2544-4CF1-A7D6-AFF5E9AECA5D}" dt="2020-05-14T17:16:25.708" v="6"/>
+        <pc:sldMkLst>
+          <pc:docMk/>
+          <pc:sldMk cId="1542066946" sldId="374"/>
+        </pc:sldMkLst>
+        <pc:spChg chg="mod">
+          <ac:chgData name="Khattab, Sherif" userId="c83b1e15-36f3-4f46-aceb-05aac24c545e" providerId="ADAL" clId="{E6EB0EA7-2544-4CF1-A7D6-AFF5E9AECA5D}" dt="2020-05-14T17:16:25.708" v="6"/>
+          <ac:spMkLst>
+            <pc:docMk/>
+            <pc:sldMk cId="1542066946" sldId="374"/>
+            <ac:spMk id="4" creationId="{EEDC933A-1F17-A24F-80B2-2B746C541E3D}"/>
+          </ac:spMkLst>
+        </pc:spChg>
+        <pc:spChg chg="mod">
+          <ac:chgData name="Khattab, Sherif" userId="c83b1e15-36f3-4f46-aceb-05aac24c545e" providerId="ADAL" clId="{E6EB0EA7-2544-4CF1-A7D6-AFF5E9AECA5D}" dt="2020-05-14T17:16:25.708" v="6"/>
+          <ac:spMkLst>
+            <pc:docMk/>
+            <pc:sldMk cId="1542066946" sldId="374"/>
+            <ac:spMk id="5" creationId="{309D0953-6635-1B4D-A779-9F44EE0705E6}"/>
+          </ac:spMkLst>
+        </pc:spChg>
+        <pc:spChg chg="mod">
+          <ac:chgData name="Khattab, Sherif" userId="c83b1e15-36f3-4f46-aceb-05aac24c545e" providerId="ADAL" clId="{E6EB0EA7-2544-4CF1-A7D6-AFF5E9AECA5D}" dt="2020-05-14T17:16:25.708" v="6"/>
+          <ac:spMkLst>
+            <pc:docMk/>
+            <pc:sldMk cId="1542066946" sldId="374"/>
+            <ac:spMk id="105474" creationId="{6E60B537-4E2B-3645-8740-E45FF319D167}"/>
+          </ac:spMkLst>
+        </pc:spChg>
+        <pc:spChg chg="mod">
+          <ac:chgData name="Khattab, Sherif" userId="c83b1e15-36f3-4f46-aceb-05aac24c545e" providerId="ADAL" clId="{E6EB0EA7-2544-4CF1-A7D6-AFF5E9AECA5D}" dt="2020-05-14T17:16:25.708" v="6"/>
+          <ac:spMkLst>
+            <pc:docMk/>
+            <pc:sldMk cId="1542066946" sldId="374"/>
+            <ac:spMk id="105475" creationId="{B2EA02B2-FF2F-E840-9115-9F46B908CC54}"/>
+          </ac:spMkLst>
+        </pc:spChg>
+      </pc:sldChg>
+      <pc:sldChg chg="modSp">
+        <pc:chgData name="Khattab, Sherif" userId="c83b1e15-36f3-4f46-aceb-05aac24c545e" providerId="ADAL" clId="{E6EB0EA7-2544-4CF1-A7D6-AFF5E9AECA5D}" dt="2020-05-14T17:16:25.708" v="6"/>
+        <pc:sldMkLst>
+          <pc:docMk/>
+          <pc:sldMk cId="834112894" sldId="375"/>
+        </pc:sldMkLst>
+        <pc:spChg chg="mod">
+          <ac:chgData name="Khattab, Sherif" userId="c83b1e15-36f3-4f46-aceb-05aac24c545e" providerId="ADAL" clId="{E6EB0EA7-2544-4CF1-A7D6-AFF5E9AECA5D}" dt="2020-05-14T17:16:25.708" v="6"/>
+          <ac:spMkLst>
+            <pc:docMk/>
+            <pc:sldMk cId="834112894" sldId="375"/>
+            <ac:spMk id="4" creationId="{31956E2C-E5A6-0647-BF42-137E615716E0}"/>
+          </ac:spMkLst>
+        </pc:spChg>
+        <pc:spChg chg="mod">
+          <ac:chgData name="Khattab, Sherif" userId="c83b1e15-36f3-4f46-aceb-05aac24c545e" providerId="ADAL" clId="{E6EB0EA7-2544-4CF1-A7D6-AFF5E9AECA5D}" dt="2020-05-14T17:16:25.708" v="6"/>
+          <ac:spMkLst>
+            <pc:docMk/>
+            <pc:sldMk cId="834112894" sldId="375"/>
+            <ac:spMk id="5" creationId="{B7C7726A-A27A-B54E-8233-121EE02C6ADC}"/>
+          </ac:spMkLst>
+        </pc:spChg>
+        <pc:spChg chg="mod">
+          <ac:chgData name="Khattab, Sherif" userId="c83b1e15-36f3-4f46-aceb-05aac24c545e" providerId="ADAL" clId="{E6EB0EA7-2544-4CF1-A7D6-AFF5E9AECA5D}" dt="2020-05-14T17:16:25.708" v="6"/>
+          <ac:spMkLst>
+            <pc:docMk/>
+            <pc:sldMk cId="834112894" sldId="375"/>
+            <ac:spMk id="112642" creationId="{838EA777-B608-8E4A-8B51-786B3BEF4E8D}"/>
+          </ac:spMkLst>
+        </pc:spChg>
+        <pc:spChg chg="mod">
+          <ac:chgData name="Khattab, Sherif" userId="c83b1e15-36f3-4f46-aceb-05aac24c545e" providerId="ADAL" clId="{E6EB0EA7-2544-4CF1-A7D6-AFF5E9AECA5D}" dt="2020-05-14T17:16:25.708" v="6"/>
+          <ac:spMkLst>
+            <pc:docMk/>
+            <pc:sldMk cId="834112894" sldId="375"/>
+            <ac:spMk id="112643" creationId="{362D90CE-C693-414D-B6F5-8829A4C95071}"/>
+          </ac:spMkLst>
+        </pc:spChg>
+      </pc:sldChg>
+      <pc:sldChg chg="modSp">
+        <pc:chgData name="Khattab, Sherif" userId="c83b1e15-36f3-4f46-aceb-05aac24c545e" providerId="ADAL" clId="{E6EB0EA7-2544-4CF1-A7D6-AFF5E9AECA5D}" dt="2020-05-14T17:16:25.708" v="6"/>
+        <pc:sldMkLst>
+          <pc:docMk/>
+          <pc:sldMk cId="1165577892" sldId="376"/>
+        </pc:sldMkLst>
+        <pc:spChg chg="mod">
+          <ac:chgData name="Khattab, Sherif" userId="c83b1e15-36f3-4f46-aceb-05aac24c545e" providerId="ADAL" clId="{E6EB0EA7-2544-4CF1-A7D6-AFF5E9AECA5D}" dt="2020-05-14T17:16:25.708" v="6"/>
+          <ac:spMkLst>
+            <pc:docMk/>
+            <pc:sldMk cId="1165577892" sldId="376"/>
+            <ac:spMk id="40" creationId="{67328B6C-4287-814A-93BF-39FD1F8937B2}"/>
+          </ac:spMkLst>
+        </pc:spChg>
+        <pc:spChg chg="mod">
+          <ac:chgData name="Khattab, Sherif" userId="c83b1e15-36f3-4f46-aceb-05aac24c545e" providerId="ADAL" clId="{E6EB0EA7-2544-4CF1-A7D6-AFF5E9AECA5D}" dt="2020-05-14T17:16:25.708" v="6"/>
+          <ac:spMkLst>
+            <pc:docMk/>
+            <pc:sldMk cId="1165577892" sldId="376"/>
+            <ac:spMk id="41" creationId="{8B2F9FDC-8F0A-CC49-98A2-71FB6688BA80}"/>
+          </ac:spMkLst>
+        </pc:spChg>
+        <pc:spChg chg="mod">
+          <ac:chgData name="Khattab, Sherif" userId="c83b1e15-36f3-4f46-aceb-05aac24c545e" providerId="ADAL" clId="{E6EB0EA7-2544-4CF1-A7D6-AFF5E9AECA5D}" dt="2020-05-14T17:16:25.708" v="6"/>
+          <ac:spMkLst>
+            <pc:docMk/>
+            <pc:sldMk cId="1165577892" sldId="376"/>
+            <ac:spMk id="113666" creationId="{75B0BB18-45FE-C145-86F9-5F2D13AD61F3}"/>
+          </ac:spMkLst>
+        </pc:spChg>
+        <pc:spChg chg="mod">
+          <ac:chgData name="Khattab, Sherif" userId="c83b1e15-36f3-4f46-aceb-05aac24c545e" providerId="ADAL" clId="{E6EB0EA7-2544-4CF1-A7D6-AFF5E9AECA5D}" dt="2020-05-14T17:16:25.708" v="6"/>
+          <ac:spMkLst>
+            <pc:docMk/>
+            <pc:sldMk cId="1165577892" sldId="376"/>
+            <ac:spMk id="113667" creationId="{53E09A75-9602-D845-8429-42B9F821B4BA}"/>
+          </ac:spMkLst>
+        </pc:spChg>
+      </pc:sldChg>
+      <pc:sldChg chg="modSp">
+        <pc:chgData name="Khattab, Sherif" userId="c83b1e15-36f3-4f46-aceb-05aac24c545e" providerId="ADAL" clId="{E6EB0EA7-2544-4CF1-A7D6-AFF5E9AECA5D}" dt="2020-05-14T17:16:25.708" v="6"/>
+        <pc:sldMkLst>
+          <pc:docMk/>
+          <pc:sldMk cId="583513582" sldId="377"/>
+        </pc:sldMkLst>
+        <pc:spChg chg="mod">
+          <ac:chgData name="Khattab, Sherif" userId="c83b1e15-36f3-4f46-aceb-05aac24c545e" providerId="ADAL" clId="{E6EB0EA7-2544-4CF1-A7D6-AFF5E9AECA5D}" dt="2020-05-14T17:16:25.708" v="6"/>
+          <ac:spMkLst>
+            <pc:docMk/>
+            <pc:sldMk cId="583513582" sldId="377"/>
+            <ac:spMk id="7" creationId="{0E336C6B-24E5-C547-995B-7595329F8449}"/>
+          </ac:spMkLst>
+        </pc:spChg>
+        <pc:spChg chg="mod">
+          <ac:chgData name="Khattab, Sherif" userId="c83b1e15-36f3-4f46-aceb-05aac24c545e" providerId="ADAL" clId="{E6EB0EA7-2544-4CF1-A7D6-AFF5E9AECA5D}" dt="2020-05-14T17:16:25.708" v="6"/>
+          <ac:spMkLst>
+            <pc:docMk/>
+            <pc:sldMk cId="583513582" sldId="377"/>
+            <ac:spMk id="8" creationId="{E0264D84-51E2-CF40-866C-B9902608A9A7}"/>
+          </ac:spMkLst>
+        </pc:spChg>
+        <pc:spChg chg="mod">
+          <ac:chgData name="Khattab, Sherif" userId="c83b1e15-36f3-4f46-aceb-05aac24c545e" providerId="ADAL" clId="{E6EB0EA7-2544-4CF1-A7D6-AFF5E9AECA5D}" dt="2020-05-14T17:16:25.708" v="6"/>
+          <ac:spMkLst>
+            <pc:docMk/>
+            <pc:sldMk cId="583513582" sldId="377"/>
+            <ac:spMk id="114693" creationId="{2AAD9DE3-45D5-A249-B337-D99D281826B9}"/>
+          </ac:spMkLst>
+        </pc:spChg>
+      </pc:sldChg>
+      <pc:sldChg chg="modSp">
+        <pc:chgData name="Khattab, Sherif" userId="c83b1e15-36f3-4f46-aceb-05aac24c545e" providerId="ADAL" clId="{E6EB0EA7-2544-4CF1-A7D6-AFF5E9AECA5D}" dt="2020-05-14T17:16:25.708" v="6"/>
+        <pc:sldMkLst>
+          <pc:docMk/>
+          <pc:sldMk cId="3990797458" sldId="378"/>
+        </pc:sldMkLst>
+        <pc:spChg chg="mod">
+          <ac:chgData name="Khattab, Sherif" userId="c83b1e15-36f3-4f46-aceb-05aac24c545e" providerId="ADAL" clId="{E6EB0EA7-2544-4CF1-A7D6-AFF5E9AECA5D}" dt="2020-05-14T17:16:25.708" v="6"/>
+          <ac:spMkLst>
+            <pc:docMk/>
+            <pc:sldMk cId="3990797458" sldId="378"/>
+            <ac:spMk id="4" creationId="{BD0C602E-3244-7347-8C4C-7141324C4D74}"/>
+          </ac:spMkLst>
+        </pc:spChg>
+        <pc:spChg chg="mod">
+          <ac:chgData name="Khattab, Sherif" userId="c83b1e15-36f3-4f46-aceb-05aac24c545e" providerId="ADAL" clId="{E6EB0EA7-2544-4CF1-A7D6-AFF5E9AECA5D}" dt="2020-05-14T17:16:25.708" v="6"/>
+          <ac:spMkLst>
+            <pc:docMk/>
+            <pc:sldMk cId="3990797458" sldId="378"/>
+            <ac:spMk id="5" creationId="{83641B87-BBB9-9941-85A4-F6E6D630A406}"/>
+          </ac:spMkLst>
+        </pc:spChg>
+        <pc:spChg chg="mod">
+          <ac:chgData name="Khattab, Sherif" userId="c83b1e15-36f3-4f46-aceb-05aac24c545e" providerId="ADAL" clId="{E6EB0EA7-2544-4CF1-A7D6-AFF5E9AECA5D}" dt="2020-05-14T17:16:25.708" v="6"/>
+          <ac:spMkLst>
+            <pc:docMk/>
+            <pc:sldMk cId="3990797458" sldId="378"/>
+            <ac:spMk id="115714" creationId="{662FDEC6-1A57-7A4E-BD61-B4C9C42FB107}"/>
+          </ac:spMkLst>
+        </pc:spChg>
+        <pc:spChg chg="mod">
+          <ac:chgData name="Khattab, Sherif" userId="c83b1e15-36f3-4f46-aceb-05aac24c545e" providerId="ADAL" clId="{E6EB0EA7-2544-4CF1-A7D6-AFF5E9AECA5D}" dt="2020-05-14T17:16:25.708" v="6"/>
+          <ac:spMkLst>
+            <pc:docMk/>
+            <pc:sldMk cId="3990797458" sldId="378"/>
+            <ac:spMk id="115715" creationId="{9CCF0D6A-3A12-D542-BC48-B9C95F39152F}"/>
+          </ac:spMkLst>
+        </pc:spChg>
+      </pc:sldChg>
+      <pc:sldChg chg="modSp">
+        <pc:chgData name="Khattab, Sherif" userId="c83b1e15-36f3-4f46-aceb-05aac24c545e" providerId="ADAL" clId="{E6EB0EA7-2544-4CF1-A7D6-AFF5E9AECA5D}" dt="2020-05-14T17:16:25.708" v="6"/>
+        <pc:sldMkLst>
+          <pc:docMk/>
+          <pc:sldMk cId="2736486443" sldId="379"/>
+        </pc:sldMkLst>
+        <pc:spChg chg="mod">
+          <ac:chgData name="Khattab, Sherif" userId="c83b1e15-36f3-4f46-aceb-05aac24c545e" providerId="ADAL" clId="{E6EB0EA7-2544-4CF1-A7D6-AFF5E9AECA5D}" dt="2020-05-14T17:16:25.708" v="6"/>
+          <ac:spMkLst>
+            <pc:docMk/>
+            <pc:sldMk cId="2736486443" sldId="379"/>
+            <ac:spMk id="7" creationId="{58C40539-46F0-494A-8163-8D5BF28501B8}"/>
+          </ac:spMkLst>
+        </pc:spChg>
+        <pc:spChg chg="mod">
+          <ac:chgData name="Khattab, Sherif" userId="c83b1e15-36f3-4f46-aceb-05aac24c545e" providerId="ADAL" clId="{E6EB0EA7-2544-4CF1-A7D6-AFF5E9AECA5D}" dt="2020-05-14T17:16:25.708" v="6"/>
+          <ac:spMkLst>
+            <pc:docMk/>
+            <pc:sldMk cId="2736486443" sldId="379"/>
+            <ac:spMk id="8" creationId="{FE005030-9F97-AB44-8CA9-4B4CEC2B226B}"/>
+          </ac:spMkLst>
+        </pc:spChg>
+        <pc:spChg chg="mod">
+          <ac:chgData name="Khattab, Sherif" userId="c83b1e15-36f3-4f46-aceb-05aac24c545e" providerId="ADAL" clId="{E6EB0EA7-2544-4CF1-A7D6-AFF5E9AECA5D}" dt="2020-05-14T17:16:25.708" v="6"/>
+          <ac:spMkLst>
+            <pc:docMk/>
+            <pc:sldMk cId="2736486443" sldId="379"/>
+            <ac:spMk id="116741" creationId="{61954CF2-0056-D24F-AC34-B313ACE689DF}"/>
+          </ac:spMkLst>
+        </pc:spChg>
+        <pc:spChg chg="mod">
+          <ac:chgData name="Khattab, Sherif" userId="c83b1e15-36f3-4f46-aceb-05aac24c545e" providerId="ADAL" clId="{E6EB0EA7-2544-4CF1-A7D6-AFF5E9AECA5D}" dt="2020-05-14T17:16:25.708" v="6"/>
+          <ac:spMkLst>
+            <pc:docMk/>
+            <pc:sldMk cId="2736486443" sldId="379"/>
+            <ac:spMk id="116742" creationId="{7FDA39D6-D460-F84C-B825-972ADE5DCF4A}"/>
+          </ac:spMkLst>
+        </pc:spChg>
+      </pc:sldChg>
+      <pc:sldChg chg="modSp">
+        <pc:chgData name="Khattab, Sherif" userId="c83b1e15-36f3-4f46-aceb-05aac24c545e" providerId="ADAL" clId="{E6EB0EA7-2544-4CF1-A7D6-AFF5E9AECA5D}" dt="2020-05-14T17:16:25.708" v="6"/>
+        <pc:sldMkLst>
+          <pc:docMk/>
+          <pc:sldMk cId="541381985" sldId="380"/>
+        </pc:sldMkLst>
+        <pc:spChg chg="mod">
+          <ac:chgData name="Khattab, Sherif" userId="c83b1e15-36f3-4f46-aceb-05aac24c545e" providerId="ADAL" clId="{E6EB0EA7-2544-4CF1-A7D6-AFF5E9AECA5D}" dt="2020-05-14T17:16:25.708" v="6"/>
+          <ac:spMkLst>
+            <pc:docMk/>
+            <pc:sldMk cId="541381985" sldId="380"/>
+            <ac:spMk id="23" creationId="{D8BAE81C-B76B-1043-9117-0845AC5B4638}"/>
+          </ac:spMkLst>
+        </pc:spChg>
+        <pc:spChg chg="mod">
+          <ac:chgData name="Khattab, Sherif" userId="c83b1e15-36f3-4f46-aceb-05aac24c545e" providerId="ADAL" clId="{E6EB0EA7-2544-4CF1-A7D6-AFF5E9AECA5D}" dt="2020-05-14T17:16:25.708" v="6"/>
+          <ac:spMkLst>
+            <pc:docMk/>
+            <pc:sldMk cId="541381985" sldId="380"/>
+            <ac:spMk id="24" creationId="{E12A7118-22DB-E24A-AC7D-671F01F34327}"/>
+          </ac:spMkLst>
+        </pc:spChg>
+        <pc:spChg chg="mod">
+          <ac:chgData name="Khattab, Sherif" userId="c83b1e15-36f3-4f46-aceb-05aac24c545e" providerId="ADAL" clId="{E6EB0EA7-2544-4CF1-A7D6-AFF5E9AECA5D}" dt="2020-05-14T17:16:25.708" v="6"/>
+          <ac:spMkLst>
+            <pc:docMk/>
+            <pc:sldMk cId="541381985" sldId="380"/>
+            <ac:spMk id="118786" creationId="{26D54543-5CF1-B947-A0EE-00F2D893EE94}"/>
+          </ac:spMkLst>
+        </pc:spChg>
+      </pc:sldChg>
+      <pc:sldChg chg="modSp">
+        <pc:chgData name="Khattab, Sherif" userId="c83b1e15-36f3-4f46-aceb-05aac24c545e" providerId="ADAL" clId="{E6EB0EA7-2544-4CF1-A7D6-AFF5E9AECA5D}" dt="2020-05-14T17:16:25.708" v="6"/>
+        <pc:sldMkLst>
+          <pc:docMk/>
+          <pc:sldMk cId="2235897330" sldId="381"/>
+        </pc:sldMkLst>
+        <pc:spChg chg="mod">
+          <ac:chgData name="Khattab, Sherif" userId="c83b1e15-36f3-4f46-aceb-05aac24c545e" providerId="ADAL" clId="{E6EB0EA7-2544-4CF1-A7D6-AFF5E9AECA5D}" dt="2020-05-14T17:16:25.708" v="6"/>
+          <ac:spMkLst>
+            <pc:docMk/>
+            <pc:sldMk cId="2235897330" sldId="381"/>
+            <ac:spMk id="6" creationId="{14AD1B91-AC10-B440-9C4C-C14AAC27D890}"/>
+          </ac:spMkLst>
+        </pc:spChg>
+        <pc:spChg chg="mod">
+          <ac:chgData name="Khattab, Sherif" userId="c83b1e15-36f3-4f46-aceb-05aac24c545e" providerId="ADAL" clId="{E6EB0EA7-2544-4CF1-A7D6-AFF5E9AECA5D}" dt="2020-05-14T17:16:25.708" v="6"/>
+          <ac:spMkLst>
+            <pc:docMk/>
+            <pc:sldMk cId="2235897330" sldId="381"/>
+            <ac:spMk id="7" creationId="{B9EE9886-5992-E94D-9C19-0A09959F63CE}"/>
+          </ac:spMkLst>
+        </pc:spChg>
+        <pc:spChg chg="mod">
+          <ac:chgData name="Khattab, Sherif" userId="c83b1e15-36f3-4f46-aceb-05aac24c545e" providerId="ADAL" clId="{E6EB0EA7-2544-4CF1-A7D6-AFF5E9AECA5D}" dt="2020-05-14T17:16:25.708" v="6"/>
+          <ac:spMkLst>
+            <pc:docMk/>
+            <pc:sldMk cId="2235897330" sldId="381"/>
+            <ac:spMk id="119812" creationId="{A73752DD-1D6A-F745-BB51-635DA198A402}"/>
+          </ac:spMkLst>
+        </pc:spChg>
+        <pc:spChg chg="mod">
+          <ac:chgData name="Khattab, Sherif" userId="c83b1e15-36f3-4f46-aceb-05aac24c545e" providerId="ADAL" clId="{E6EB0EA7-2544-4CF1-A7D6-AFF5E9AECA5D}" dt="2020-05-14T17:16:25.708" v="6"/>
+          <ac:spMkLst>
+            <pc:docMk/>
+            <pc:sldMk cId="2235897330" sldId="381"/>
+            <ac:spMk id="119813" creationId="{2D0E5FEC-FE0E-9048-B247-70B668077E38}"/>
+          </ac:spMkLst>
+        </pc:spChg>
+      </pc:sldChg>
+      <pc:sldChg chg="modSp">
+        <pc:chgData name="Khattab, Sherif" userId="c83b1e15-36f3-4f46-aceb-05aac24c545e" providerId="ADAL" clId="{E6EB0EA7-2544-4CF1-A7D6-AFF5E9AECA5D}" dt="2020-05-14T17:16:25.708" v="6"/>
+        <pc:sldMkLst>
+          <pc:docMk/>
+          <pc:sldMk cId="3360044446" sldId="382"/>
+        </pc:sldMkLst>
+        <pc:spChg chg="mod">
+          <ac:chgData name="Khattab, Sherif" userId="c83b1e15-36f3-4f46-aceb-05aac24c545e" providerId="ADAL" clId="{E6EB0EA7-2544-4CF1-A7D6-AFF5E9AECA5D}" dt="2020-05-14T17:16:25.708" v="6"/>
+          <ac:spMkLst>
+            <pc:docMk/>
+            <pc:sldMk cId="3360044446" sldId="382"/>
+            <ac:spMk id="6" creationId="{892037B0-DA9E-524E-9830-DB51F1E2FAD4}"/>
+          </ac:spMkLst>
+        </pc:spChg>
+        <pc:spChg chg="mod">
+          <ac:chgData name="Khattab, Sherif" userId="c83b1e15-36f3-4f46-aceb-05aac24c545e" providerId="ADAL" clId="{E6EB0EA7-2544-4CF1-A7D6-AFF5E9AECA5D}" dt="2020-05-14T17:16:25.708" v="6"/>
+          <ac:spMkLst>
+            <pc:docMk/>
+            <pc:sldMk cId="3360044446" sldId="382"/>
+            <ac:spMk id="7" creationId="{7AAA58F4-97D1-A64F-ABCD-20A52A9C827F}"/>
+          </ac:spMkLst>
+        </pc:spChg>
+        <pc:spChg chg="mod">
+          <ac:chgData name="Khattab, Sherif" userId="c83b1e15-36f3-4f46-aceb-05aac24c545e" providerId="ADAL" clId="{E6EB0EA7-2544-4CF1-A7D6-AFF5E9AECA5D}" dt="2020-05-14T17:16:25.708" v="6"/>
+          <ac:spMkLst>
+            <pc:docMk/>
+            <pc:sldMk cId="3360044446" sldId="382"/>
+            <ac:spMk id="120836" creationId="{88BA2802-16A1-694F-9A85-7A5E70F37E97}"/>
+          </ac:spMkLst>
+        </pc:spChg>
+      </pc:sldChg>
+      <pc:sldChg chg="modSp">
+        <pc:chgData name="Khattab, Sherif" userId="c83b1e15-36f3-4f46-aceb-05aac24c545e" providerId="ADAL" clId="{E6EB0EA7-2544-4CF1-A7D6-AFF5E9AECA5D}" dt="2020-05-14T17:16:25.708" v="6"/>
+        <pc:sldMkLst>
+          <pc:docMk/>
+          <pc:sldMk cId="1954384084" sldId="383"/>
+        </pc:sldMkLst>
+        <pc:spChg chg="mod">
+          <ac:chgData name="Khattab, Sherif" userId="c83b1e15-36f3-4f46-aceb-05aac24c545e" providerId="ADAL" clId="{E6EB0EA7-2544-4CF1-A7D6-AFF5E9AECA5D}" dt="2020-05-14T17:16:25.708" v="6"/>
+          <ac:spMkLst>
+            <pc:docMk/>
+            <pc:sldMk cId="1954384084" sldId="383"/>
+            <ac:spMk id="2" creationId="{C152C312-EE9A-B14C-81EE-6E9046ACD9F5}"/>
+          </ac:spMkLst>
+        </pc:spChg>
+        <pc:spChg chg="mod">
+          <ac:chgData name="Khattab, Sherif" userId="c83b1e15-36f3-4f46-aceb-05aac24c545e" providerId="ADAL" clId="{E6EB0EA7-2544-4CF1-A7D6-AFF5E9AECA5D}" dt="2020-05-14T17:16:25.708" v="6"/>
+          <ac:spMkLst>
+            <pc:docMk/>
+            <pc:sldMk cId="1954384084" sldId="383"/>
+            <ac:spMk id="6" creationId="{42655DCF-2496-8343-8285-CC501D3D933F}"/>
+          </ac:spMkLst>
+        </pc:spChg>
+        <pc:spChg chg="mod">
+          <ac:chgData name="Khattab, Sherif" userId="c83b1e15-36f3-4f46-aceb-05aac24c545e" providerId="ADAL" clId="{E6EB0EA7-2544-4CF1-A7D6-AFF5E9AECA5D}" dt="2020-05-14T17:16:25.708" v="6"/>
+          <ac:spMkLst>
+            <pc:docMk/>
+            <pc:sldMk cId="1954384084" sldId="383"/>
+            <ac:spMk id="7" creationId="{46F010D7-2CC3-2A4D-91D1-83C1FF96DE38}"/>
+          </ac:spMkLst>
+        </pc:spChg>
+        <pc:spChg chg="mod">
+          <ac:chgData name="Khattab, Sherif" userId="c83b1e15-36f3-4f46-aceb-05aac24c545e" providerId="ADAL" clId="{E6EB0EA7-2544-4CF1-A7D6-AFF5E9AECA5D}" dt="2020-05-14T17:16:25.708" v="6"/>
+          <ac:spMkLst>
+            <pc:docMk/>
+            <pc:sldMk cId="1954384084" sldId="383"/>
+            <ac:spMk id="121858" creationId="{996677B1-E9B9-7E43-80C2-5A0146DDFBD6}"/>
+          </ac:spMkLst>
+        </pc:spChg>
+      </pc:sldChg>
+      <pc:sldChg chg="modSp">
+        <pc:chgData name="Khattab, Sherif" userId="c83b1e15-36f3-4f46-aceb-05aac24c545e" providerId="ADAL" clId="{E6EB0EA7-2544-4CF1-A7D6-AFF5E9AECA5D}" dt="2020-05-14T17:16:25.708" v="6"/>
+        <pc:sldMkLst>
+          <pc:docMk/>
+          <pc:sldMk cId="220759689" sldId="384"/>
+        </pc:sldMkLst>
+        <pc:spChg chg="mod">
+          <ac:chgData name="Khattab, Sherif" userId="c83b1e15-36f3-4f46-aceb-05aac24c545e" providerId="ADAL" clId="{E6EB0EA7-2544-4CF1-A7D6-AFF5E9AECA5D}" dt="2020-05-14T17:16:25.708" v="6"/>
+          <ac:spMkLst>
+            <pc:docMk/>
+            <pc:sldMk cId="220759689" sldId="384"/>
+            <ac:spMk id="2" creationId="{CF207B98-521B-224F-9214-404C50F1BDD2}"/>
+          </ac:spMkLst>
+        </pc:spChg>
+        <pc:spChg chg="mod">
+          <ac:chgData name="Khattab, Sherif" userId="c83b1e15-36f3-4f46-aceb-05aac24c545e" providerId="ADAL" clId="{E6EB0EA7-2544-4CF1-A7D6-AFF5E9AECA5D}" dt="2020-05-14T17:16:25.708" v="6"/>
+          <ac:spMkLst>
+            <pc:docMk/>
+            <pc:sldMk cId="220759689" sldId="384"/>
+            <ac:spMk id="4" creationId="{CC9723C8-7544-8F48-9942-691DFD0E7709}"/>
+          </ac:spMkLst>
+        </pc:spChg>
+        <pc:spChg chg="mod">
+          <ac:chgData name="Khattab, Sherif" userId="c83b1e15-36f3-4f46-aceb-05aac24c545e" providerId="ADAL" clId="{E6EB0EA7-2544-4CF1-A7D6-AFF5E9AECA5D}" dt="2020-05-14T17:16:25.708" v="6"/>
+          <ac:spMkLst>
+            <pc:docMk/>
+            <pc:sldMk cId="220759689" sldId="384"/>
+            <ac:spMk id="5" creationId="{E6792081-A4F1-204D-89A2-A383EBF798DE}"/>
+          </ac:spMkLst>
+        </pc:spChg>
+        <pc:spChg chg="mod">
+          <ac:chgData name="Khattab, Sherif" userId="c83b1e15-36f3-4f46-aceb-05aac24c545e" providerId="ADAL" clId="{E6EB0EA7-2544-4CF1-A7D6-AFF5E9AECA5D}" dt="2020-05-14T17:16:25.708" v="6"/>
+          <ac:spMkLst>
+            <pc:docMk/>
+            <pc:sldMk cId="220759689" sldId="384"/>
+            <ac:spMk id="122883" creationId="{0E76E078-47E1-124A-A71A-BC95F0EC2D35}"/>
+          </ac:spMkLst>
+        </pc:spChg>
+      </pc:sldChg>
+      <pc:sldChg chg="modSp">
+        <pc:chgData name="Khattab, Sherif" userId="c83b1e15-36f3-4f46-aceb-05aac24c545e" providerId="ADAL" clId="{E6EB0EA7-2544-4CF1-A7D6-AFF5E9AECA5D}" dt="2020-05-14T17:16:25.708" v="6"/>
+        <pc:sldMkLst>
+          <pc:docMk/>
+          <pc:sldMk cId="2809799376" sldId="385"/>
+        </pc:sldMkLst>
+        <pc:spChg chg="mod">
+          <ac:chgData name="Khattab, Sherif" userId="c83b1e15-36f3-4f46-aceb-05aac24c545e" providerId="ADAL" clId="{E6EB0EA7-2544-4CF1-A7D6-AFF5E9AECA5D}" dt="2020-05-14T17:16:25.708" v="6"/>
+          <ac:spMkLst>
+            <pc:docMk/>
+            <pc:sldMk cId="2809799376" sldId="385"/>
+            <ac:spMk id="6" creationId="{5C0366B7-59B2-A44E-A41C-A7F29A0C0CA0}"/>
+          </ac:spMkLst>
+        </pc:spChg>
+        <pc:spChg chg="mod">
+          <ac:chgData name="Khattab, Sherif" userId="c83b1e15-36f3-4f46-aceb-05aac24c545e" providerId="ADAL" clId="{E6EB0EA7-2544-4CF1-A7D6-AFF5E9AECA5D}" dt="2020-05-14T17:16:25.708" v="6"/>
+          <ac:spMkLst>
+            <pc:docMk/>
+            <pc:sldMk cId="2809799376" sldId="385"/>
+            <ac:spMk id="7" creationId="{B7E9558F-D8D8-2248-A973-1E52834737CC}"/>
+          </ac:spMkLst>
+        </pc:spChg>
+        <pc:spChg chg="mod">
+          <ac:chgData name="Khattab, Sherif" userId="c83b1e15-36f3-4f46-aceb-05aac24c545e" providerId="ADAL" clId="{E6EB0EA7-2544-4CF1-A7D6-AFF5E9AECA5D}" dt="2020-05-14T17:16:25.708" v="6"/>
+          <ac:spMkLst>
+            <pc:docMk/>
+            <pc:sldMk cId="2809799376" sldId="385"/>
+            <ac:spMk id="123906" creationId="{C9706936-D7BB-8D41-95AD-F45EB6AAB603}"/>
+          </ac:spMkLst>
+        </pc:spChg>
+      </pc:sldChg>
+      <pc:sldChg chg="add">
+        <pc:chgData name="Khattab, Sherif" userId="c83b1e15-36f3-4f46-aceb-05aac24c545e" providerId="ADAL" clId="{E6EB0EA7-2544-4CF1-A7D6-AFF5E9AECA5D}" dt="2020-05-14T17:10:05.791" v="0"/>
+        <pc:sldMkLst>
+          <pc:docMk/>
+          <pc:sldMk cId="1330366002" sldId="454"/>
+        </pc:sldMkLst>
+      </pc:sldChg>
+      <pc:sldMasterChg chg="modSldLayout">
+        <pc:chgData name="Khattab, Sherif" userId="c83b1e15-36f3-4f46-aceb-05aac24c545e" providerId="ADAL" clId="{E6EB0EA7-2544-4CF1-A7D6-AFF5E9AECA5D}" dt="2020-05-14T17:11:02.329" v="5" actId="478"/>
+        <pc:sldMasterMkLst>
+          <pc:docMk/>
+          <pc:sldMasterMk cId="0" sldId="2147483648"/>
+        </pc:sldMasterMkLst>
+        <pc:sldLayoutChg chg="addSp delSp modSp">
+          <pc:chgData name="Khattab, Sherif" userId="c83b1e15-36f3-4f46-aceb-05aac24c545e" providerId="ADAL" clId="{E6EB0EA7-2544-4CF1-A7D6-AFF5E9AECA5D}" dt="2020-05-14T17:11:02.329" v="5" actId="478"/>
+          <pc:sldLayoutMkLst>
+            <pc:docMk/>
+            <pc:sldMasterMk cId="0" sldId="2147483648"/>
+            <pc:sldLayoutMk cId="75952674" sldId="2147483651"/>
+          </pc:sldLayoutMkLst>
+          <pc:spChg chg="mod">
+            <ac:chgData name="Khattab, Sherif" userId="c83b1e15-36f3-4f46-aceb-05aac24c545e" providerId="ADAL" clId="{E6EB0EA7-2544-4CF1-A7D6-AFF5E9AECA5D}" dt="2020-05-14T17:10:58.314" v="4" actId="207"/>
+            <ac:spMkLst>
+              <pc:docMk/>
+              <pc:sldMasterMk cId="0" sldId="2147483648"/>
+              <pc:sldLayoutMk cId="75952674" sldId="2147483651"/>
+              <ac:spMk id="2" creationId="{00000000-0000-0000-0000-000000000000}"/>
+            </ac:spMkLst>
+          </pc:spChg>
+          <pc:picChg chg="add del mod">
+            <ac:chgData name="Khattab, Sherif" userId="c83b1e15-36f3-4f46-aceb-05aac24c545e" providerId="ADAL" clId="{E6EB0EA7-2544-4CF1-A7D6-AFF5E9AECA5D}" dt="2020-05-14T17:11:02.329" v="5" actId="478"/>
+            <ac:picMkLst>
+              <pc:docMk/>
+              <pc:sldMasterMk cId="0" sldId="2147483648"/>
+              <pc:sldLayoutMk cId="75952674" sldId="2147483651"/>
+              <ac:picMk id="10" creationId="{CE32924D-DB3B-4207-A608-C0B94DD56D2C}"/>
+            </ac:picMkLst>
+          </pc:picChg>
+        </pc:sldLayoutChg>
+      </pc:sldMasterChg>
+    </pc:docChg>
+  </pc:docChgLst>
+  <pc:docChgLst>
+    <pc:chgData name="Khattab, Sherif" userId="c83b1e15-36f3-4f46-aceb-05aac24c545e" providerId="ADAL" clId="{DE316A4D-089D-2A40-9FA9-4724C2884636}"/>
+    <pc:docChg chg="undo custSel addSld delSld modSld">
+      <pc:chgData name="Khattab, Sherif" userId="c83b1e15-36f3-4f46-aceb-05aac24c545e" providerId="ADAL" clId="{DE316A4D-089D-2A40-9FA9-4724C2884636}" dt="2019-05-23T05:43:41.544" v="183"/>
       <pc:docMkLst>
         <pc:docMk/>
       </pc:docMkLst>
       <pc:sldChg chg="modSp">
-        <pc:chgData name="Khattab, Sherif" userId="c83b1e15-36f3-4f46-aceb-05aac24c545e" providerId="ADAL" clId="{EE78B4C3-BA47-2B47-8B84-4022815E3587}" dt="2019-05-14T13:28:04.131" v="18" actId="20577"/>
+        <pc:chgData name="Khattab, Sherif" userId="c83b1e15-36f3-4f46-aceb-05aac24c545e" providerId="ADAL" clId="{DE316A4D-089D-2A40-9FA9-4724C2884636}" dt="2019-05-14T13:41:27.276" v="1" actId="20577"/>
         <pc:sldMkLst>
           <pc:docMk/>
           <pc:sldMk cId="0" sldId="256"/>
         </pc:sldMkLst>
         <pc:spChg chg="mod">
-          <ac:chgData name="Khattab, Sherif" userId="c83b1e15-36f3-4f46-aceb-05aac24c545e" providerId="ADAL" clId="{EE78B4C3-BA47-2B47-8B84-4022815E3587}" dt="2019-05-14T13:28:04.131" v="18" actId="20577"/>
+          <ac:chgData name="Khattab, Sherif" userId="c83b1e15-36f3-4f46-aceb-05aac24c545e" providerId="ADAL" clId="{DE316A4D-089D-2A40-9FA9-4724C2884636}" dt="2019-05-14T13:41:27.276" v="1" actId="20577"/>
           <ac:spMkLst>
             <pc:docMk/>
             <pc:sldMk cId="0" sldId="256"/>
@@ -5110,761 +6565,461 @@
           </ac:spMkLst>
         </pc:spChg>
       </pc:sldChg>
-      <pc:sldChg chg="delSp">
-        <pc:chgData name="Khattab, Sherif" userId="c83b1e15-36f3-4f46-aceb-05aac24c545e" providerId="ADAL" clId="{EE78B4C3-BA47-2B47-8B84-4022815E3587}" dt="2019-05-14T13:30:07.468" v="20"/>
-        <pc:sldMkLst>
-          <pc:docMk/>
-          <pc:sldMk cId="1004035158" sldId="259"/>
-        </pc:sldMkLst>
-        <pc:spChg chg="del">
-          <ac:chgData name="Khattab, Sherif" userId="c83b1e15-36f3-4f46-aceb-05aac24c545e" providerId="ADAL" clId="{EE78B4C3-BA47-2B47-8B84-4022815E3587}" dt="2019-05-14T13:30:07.468" v="20"/>
-          <ac:spMkLst>
-            <pc:docMk/>
-            <pc:sldMk cId="1004035158" sldId="259"/>
-            <ac:spMk id="2" creationId="{00000000-0000-0000-0000-000000000000}"/>
-          </ac:spMkLst>
-        </pc:spChg>
-      </pc:sldChg>
-      <pc:sldChg chg="delSp">
-        <pc:chgData name="Khattab, Sherif" userId="c83b1e15-36f3-4f46-aceb-05aac24c545e" providerId="ADAL" clId="{EE78B4C3-BA47-2B47-8B84-4022815E3587}" dt="2019-05-14T13:30:07.468" v="20"/>
-        <pc:sldMkLst>
-          <pc:docMk/>
-          <pc:sldMk cId="1444142485" sldId="261"/>
-        </pc:sldMkLst>
-        <pc:spChg chg="del">
-          <ac:chgData name="Khattab, Sherif" userId="c83b1e15-36f3-4f46-aceb-05aac24c545e" providerId="ADAL" clId="{EE78B4C3-BA47-2B47-8B84-4022815E3587}" dt="2019-05-14T13:30:07.468" v="20"/>
-          <ac:spMkLst>
-            <pc:docMk/>
-            <pc:sldMk cId="1444142485" sldId="261"/>
-            <ac:spMk id="3" creationId="{00000000-0000-0000-0000-000000000000}"/>
-          </ac:spMkLst>
-        </pc:spChg>
-      </pc:sldChg>
-      <pc:sldChg chg="delSp">
-        <pc:chgData name="Khattab, Sherif" userId="c83b1e15-36f3-4f46-aceb-05aac24c545e" providerId="ADAL" clId="{EE78B4C3-BA47-2B47-8B84-4022815E3587}" dt="2019-05-14T13:30:07.468" v="20"/>
-        <pc:sldMkLst>
-          <pc:docMk/>
-          <pc:sldMk cId="516417489" sldId="262"/>
-        </pc:sldMkLst>
-        <pc:spChg chg="del">
-          <ac:chgData name="Khattab, Sherif" userId="c83b1e15-36f3-4f46-aceb-05aac24c545e" providerId="ADAL" clId="{EE78B4C3-BA47-2B47-8B84-4022815E3587}" dt="2019-05-14T13:30:07.468" v="20"/>
-          <ac:spMkLst>
-            <pc:docMk/>
-            <pc:sldMk cId="516417489" sldId="262"/>
-            <ac:spMk id="2" creationId="{00000000-0000-0000-0000-000000000000}"/>
-          </ac:spMkLst>
-        </pc:spChg>
-      </pc:sldChg>
-      <pc:sldChg chg="delSp">
-        <pc:chgData name="Khattab, Sherif" userId="c83b1e15-36f3-4f46-aceb-05aac24c545e" providerId="ADAL" clId="{EE78B4C3-BA47-2B47-8B84-4022815E3587}" dt="2019-05-14T13:30:07.468" v="20"/>
-        <pc:sldMkLst>
-          <pc:docMk/>
-          <pc:sldMk cId="561583903" sldId="263"/>
-        </pc:sldMkLst>
-        <pc:spChg chg="del">
-          <ac:chgData name="Khattab, Sherif" userId="c83b1e15-36f3-4f46-aceb-05aac24c545e" providerId="ADAL" clId="{EE78B4C3-BA47-2B47-8B84-4022815E3587}" dt="2019-05-14T13:30:07.468" v="20"/>
-          <ac:spMkLst>
-            <pc:docMk/>
-            <pc:sldMk cId="561583903" sldId="263"/>
-            <ac:spMk id="3" creationId="{00000000-0000-0000-0000-000000000000}"/>
-          </ac:spMkLst>
-        </pc:spChg>
-      </pc:sldChg>
-      <pc:sldChg chg="delSp">
-        <pc:chgData name="Khattab, Sherif" userId="c83b1e15-36f3-4f46-aceb-05aac24c545e" providerId="ADAL" clId="{EE78B4C3-BA47-2B47-8B84-4022815E3587}" dt="2019-05-14T13:30:07.468" v="20"/>
-        <pc:sldMkLst>
-          <pc:docMk/>
-          <pc:sldMk cId="982315759" sldId="264"/>
-        </pc:sldMkLst>
-        <pc:spChg chg="del">
-          <ac:chgData name="Khattab, Sherif" userId="c83b1e15-36f3-4f46-aceb-05aac24c545e" providerId="ADAL" clId="{EE78B4C3-BA47-2B47-8B84-4022815E3587}" dt="2019-05-14T13:30:07.468" v="20"/>
-          <ac:spMkLst>
-            <pc:docMk/>
-            <pc:sldMk cId="982315759" sldId="264"/>
-            <ac:spMk id="2" creationId="{00000000-0000-0000-0000-000000000000}"/>
-          </ac:spMkLst>
-        </pc:spChg>
-      </pc:sldChg>
-      <pc:sldChg chg="delSp modSp">
-        <pc:chgData name="Khattab, Sherif" userId="c83b1e15-36f3-4f46-aceb-05aac24c545e" providerId="ADAL" clId="{EE78B4C3-BA47-2B47-8B84-4022815E3587}" dt="2019-05-14T13:30:35.317" v="37" actId="20577"/>
-        <pc:sldMkLst>
-          <pc:docMk/>
-          <pc:sldMk cId="423130617" sldId="265"/>
-        </pc:sldMkLst>
-        <pc:spChg chg="del">
-          <ac:chgData name="Khattab, Sherif" userId="c83b1e15-36f3-4f46-aceb-05aac24c545e" providerId="ADAL" clId="{EE78B4C3-BA47-2B47-8B84-4022815E3587}" dt="2019-05-14T13:30:07.468" v="20"/>
-          <ac:spMkLst>
-            <pc:docMk/>
-            <pc:sldMk cId="423130617" sldId="265"/>
-            <ac:spMk id="3" creationId="{00000000-0000-0000-0000-000000000000}"/>
-          </ac:spMkLst>
-        </pc:spChg>
-        <pc:spChg chg="mod">
-          <ac:chgData name="Khattab, Sherif" userId="c83b1e15-36f3-4f46-aceb-05aac24c545e" providerId="ADAL" clId="{EE78B4C3-BA47-2B47-8B84-4022815E3587}" dt="2019-05-14T13:30:35.317" v="37" actId="20577"/>
-          <ac:spMkLst>
-            <pc:docMk/>
-            <pc:sldMk cId="423130617" sldId="265"/>
-            <ac:spMk id="12290" creationId="{00000000-0000-0000-0000-000000000000}"/>
-          </ac:spMkLst>
-        </pc:spChg>
-      </pc:sldChg>
-      <pc:sldChg chg="delSp">
-        <pc:chgData name="Khattab, Sherif" userId="c83b1e15-36f3-4f46-aceb-05aac24c545e" providerId="ADAL" clId="{EE78B4C3-BA47-2B47-8B84-4022815E3587}" dt="2019-05-14T13:30:07.468" v="20"/>
-        <pc:sldMkLst>
-          <pc:docMk/>
-          <pc:sldMk cId="661211275" sldId="267"/>
-        </pc:sldMkLst>
-        <pc:spChg chg="del">
-          <ac:chgData name="Khattab, Sherif" userId="c83b1e15-36f3-4f46-aceb-05aac24c545e" providerId="ADAL" clId="{EE78B4C3-BA47-2B47-8B84-4022815E3587}" dt="2019-05-14T13:30:07.468" v="20"/>
-          <ac:spMkLst>
-            <pc:docMk/>
-            <pc:sldMk cId="661211275" sldId="267"/>
-            <ac:spMk id="2" creationId="{00000000-0000-0000-0000-000000000000}"/>
-          </ac:spMkLst>
-        </pc:spChg>
-      </pc:sldChg>
-      <pc:sldChg chg="delSp">
-        <pc:chgData name="Khattab, Sherif" userId="c83b1e15-36f3-4f46-aceb-05aac24c545e" providerId="ADAL" clId="{EE78B4C3-BA47-2B47-8B84-4022815E3587}" dt="2019-05-14T13:30:07.468" v="20"/>
-        <pc:sldMkLst>
-          <pc:docMk/>
-          <pc:sldMk cId="1897509347" sldId="268"/>
-        </pc:sldMkLst>
-        <pc:spChg chg="del">
-          <ac:chgData name="Khattab, Sherif" userId="c83b1e15-36f3-4f46-aceb-05aac24c545e" providerId="ADAL" clId="{EE78B4C3-BA47-2B47-8B84-4022815E3587}" dt="2019-05-14T13:30:07.468" v="20"/>
-          <ac:spMkLst>
-            <pc:docMk/>
-            <pc:sldMk cId="1897509347" sldId="268"/>
-            <ac:spMk id="2" creationId="{00000000-0000-0000-0000-000000000000}"/>
-          </ac:spMkLst>
-        </pc:spChg>
-      </pc:sldChg>
-      <pc:sldChg chg="delSp">
-        <pc:chgData name="Khattab, Sherif" userId="c83b1e15-36f3-4f46-aceb-05aac24c545e" providerId="ADAL" clId="{EE78B4C3-BA47-2B47-8B84-4022815E3587}" dt="2019-05-14T13:30:07.468" v="20"/>
-        <pc:sldMkLst>
-          <pc:docMk/>
-          <pc:sldMk cId="1042310649" sldId="269"/>
-        </pc:sldMkLst>
-        <pc:spChg chg="del">
-          <ac:chgData name="Khattab, Sherif" userId="c83b1e15-36f3-4f46-aceb-05aac24c545e" providerId="ADAL" clId="{EE78B4C3-BA47-2B47-8B84-4022815E3587}" dt="2019-05-14T13:30:07.468" v="20"/>
-          <ac:spMkLst>
-            <pc:docMk/>
-            <pc:sldMk cId="1042310649" sldId="269"/>
-            <ac:spMk id="3" creationId="{00000000-0000-0000-0000-000000000000}"/>
-          </ac:spMkLst>
-        </pc:spChg>
-      </pc:sldChg>
-      <pc:sldChg chg="delSp">
-        <pc:chgData name="Khattab, Sherif" userId="c83b1e15-36f3-4f46-aceb-05aac24c545e" providerId="ADAL" clId="{EE78B4C3-BA47-2B47-8B84-4022815E3587}" dt="2019-05-14T13:30:07.468" v="20"/>
-        <pc:sldMkLst>
-          <pc:docMk/>
-          <pc:sldMk cId="703361262" sldId="270"/>
-        </pc:sldMkLst>
-        <pc:spChg chg="del">
-          <ac:chgData name="Khattab, Sherif" userId="c83b1e15-36f3-4f46-aceb-05aac24c545e" providerId="ADAL" clId="{EE78B4C3-BA47-2B47-8B84-4022815E3587}" dt="2019-05-14T13:30:07.468" v="20"/>
-          <ac:spMkLst>
-            <pc:docMk/>
-            <pc:sldMk cId="703361262" sldId="270"/>
-            <ac:spMk id="3" creationId="{00000000-0000-0000-0000-000000000000}"/>
-          </ac:spMkLst>
-        </pc:spChg>
-      </pc:sldChg>
-      <pc:sldChg chg="delSp">
-        <pc:chgData name="Khattab, Sherif" userId="c83b1e15-36f3-4f46-aceb-05aac24c545e" providerId="ADAL" clId="{EE78B4C3-BA47-2B47-8B84-4022815E3587}" dt="2019-05-14T13:30:07.468" v="20"/>
-        <pc:sldMkLst>
-          <pc:docMk/>
-          <pc:sldMk cId="1436808390" sldId="271"/>
-        </pc:sldMkLst>
-        <pc:spChg chg="del">
-          <ac:chgData name="Khattab, Sherif" userId="c83b1e15-36f3-4f46-aceb-05aac24c545e" providerId="ADAL" clId="{EE78B4C3-BA47-2B47-8B84-4022815E3587}" dt="2019-05-14T13:30:07.468" v="20"/>
-          <ac:spMkLst>
-            <pc:docMk/>
-            <pc:sldMk cId="1436808390" sldId="271"/>
-            <ac:spMk id="2" creationId="{00000000-0000-0000-0000-000000000000}"/>
-          </ac:spMkLst>
-        </pc:spChg>
-      </pc:sldChg>
-      <pc:sldChg chg="delSp">
-        <pc:chgData name="Khattab, Sherif" userId="c83b1e15-36f3-4f46-aceb-05aac24c545e" providerId="ADAL" clId="{EE78B4C3-BA47-2B47-8B84-4022815E3587}" dt="2019-05-14T13:30:07.468" v="20"/>
-        <pc:sldMkLst>
-          <pc:docMk/>
-          <pc:sldMk cId="1301683851" sldId="272"/>
-        </pc:sldMkLst>
-        <pc:spChg chg="del">
-          <ac:chgData name="Khattab, Sherif" userId="c83b1e15-36f3-4f46-aceb-05aac24c545e" providerId="ADAL" clId="{EE78B4C3-BA47-2B47-8B84-4022815E3587}" dt="2019-05-14T13:30:07.468" v="20"/>
-          <ac:spMkLst>
-            <pc:docMk/>
-            <pc:sldMk cId="1301683851" sldId="272"/>
-            <ac:spMk id="3" creationId="{00000000-0000-0000-0000-000000000000}"/>
-          </ac:spMkLst>
-        </pc:spChg>
-      </pc:sldChg>
-      <pc:sldChg chg="delSp">
-        <pc:chgData name="Khattab, Sherif" userId="c83b1e15-36f3-4f46-aceb-05aac24c545e" providerId="ADAL" clId="{EE78B4C3-BA47-2B47-8B84-4022815E3587}" dt="2019-05-14T13:30:07.468" v="20"/>
-        <pc:sldMkLst>
-          <pc:docMk/>
-          <pc:sldMk cId="55302999" sldId="274"/>
-        </pc:sldMkLst>
-        <pc:spChg chg="del">
-          <ac:chgData name="Khattab, Sherif" userId="c83b1e15-36f3-4f46-aceb-05aac24c545e" providerId="ADAL" clId="{EE78B4C3-BA47-2B47-8B84-4022815E3587}" dt="2019-05-14T13:30:07.468" v="20"/>
-          <ac:spMkLst>
-            <pc:docMk/>
-            <pc:sldMk cId="55302999" sldId="274"/>
-            <ac:spMk id="2" creationId="{00000000-0000-0000-0000-000000000000}"/>
-          </ac:spMkLst>
-        </pc:spChg>
-      </pc:sldChg>
-      <pc:sldChg chg="delSp">
-        <pc:chgData name="Khattab, Sherif" userId="c83b1e15-36f3-4f46-aceb-05aac24c545e" providerId="ADAL" clId="{EE78B4C3-BA47-2B47-8B84-4022815E3587}" dt="2019-05-14T13:30:07.468" v="20"/>
-        <pc:sldMkLst>
-          <pc:docMk/>
-          <pc:sldMk cId="2064114192" sldId="276"/>
-        </pc:sldMkLst>
-        <pc:spChg chg="del">
-          <ac:chgData name="Khattab, Sherif" userId="c83b1e15-36f3-4f46-aceb-05aac24c545e" providerId="ADAL" clId="{EE78B4C3-BA47-2B47-8B84-4022815E3587}" dt="2019-05-14T13:30:07.468" v="20"/>
-          <ac:spMkLst>
-            <pc:docMk/>
-            <pc:sldMk cId="2064114192" sldId="276"/>
-            <ac:spMk id="2" creationId="{00000000-0000-0000-0000-000000000000}"/>
-          </ac:spMkLst>
-        </pc:spChg>
-      </pc:sldChg>
-      <pc:sldChg chg="delSp">
-        <pc:chgData name="Khattab, Sherif" userId="c83b1e15-36f3-4f46-aceb-05aac24c545e" providerId="ADAL" clId="{EE78B4C3-BA47-2B47-8B84-4022815E3587}" dt="2019-05-14T13:30:07.468" v="20"/>
-        <pc:sldMkLst>
-          <pc:docMk/>
-          <pc:sldMk cId="1000435174" sldId="278"/>
-        </pc:sldMkLst>
-        <pc:spChg chg="del">
-          <ac:chgData name="Khattab, Sherif" userId="c83b1e15-36f3-4f46-aceb-05aac24c545e" providerId="ADAL" clId="{EE78B4C3-BA47-2B47-8B84-4022815E3587}" dt="2019-05-14T13:30:07.468" v="20"/>
-          <ac:spMkLst>
-            <pc:docMk/>
-            <pc:sldMk cId="1000435174" sldId="278"/>
-            <ac:spMk id="2" creationId="{00000000-0000-0000-0000-000000000000}"/>
-          </ac:spMkLst>
-        </pc:spChg>
-      </pc:sldChg>
-      <pc:sldChg chg="delSp">
-        <pc:chgData name="Khattab, Sherif" userId="c83b1e15-36f3-4f46-aceb-05aac24c545e" providerId="ADAL" clId="{EE78B4C3-BA47-2B47-8B84-4022815E3587}" dt="2019-05-14T13:30:07.468" v="20"/>
-        <pc:sldMkLst>
-          <pc:docMk/>
-          <pc:sldMk cId="2080017563" sldId="279"/>
-        </pc:sldMkLst>
-        <pc:spChg chg="del">
-          <ac:chgData name="Khattab, Sherif" userId="c83b1e15-36f3-4f46-aceb-05aac24c545e" providerId="ADAL" clId="{EE78B4C3-BA47-2B47-8B84-4022815E3587}" dt="2019-05-14T13:30:07.468" v="20"/>
-          <ac:spMkLst>
-            <pc:docMk/>
-            <pc:sldMk cId="2080017563" sldId="279"/>
-            <ac:spMk id="3" creationId="{00000000-0000-0000-0000-000000000000}"/>
-          </ac:spMkLst>
-        </pc:spChg>
-      </pc:sldChg>
-      <pc:sldChg chg="delSp">
-        <pc:chgData name="Khattab, Sherif" userId="c83b1e15-36f3-4f46-aceb-05aac24c545e" providerId="ADAL" clId="{EE78B4C3-BA47-2B47-8B84-4022815E3587}" dt="2019-05-14T13:30:07.468" v="20"/>
-        <pc:sldMkLst>
-          <pc:docMk/>
-          <pc:sldMk cId="1445345591" sldId="281"/>
-        </pc:sldMkLst>
-        <pc:spChg chg="del">
-          <ac:chgData name="Khattab, Sherif" userId="c83b1e15-36f3-4f46-aceb-05aac24c545e" providerId="ADAL" clId="{EE78B4C3-BA47-2B47-8B84-4022815E3587}" dt="2019-05-14T13:30:07.468" v="20"/>
-          <ac:spMkLst>
-            <pc:docMk/>
-            <pc:sldMk cId="1445345591" sldId="281"/>
-            <ac:spMk id="2" creationId="{00000000-0000-0000-0000-000000000000}"/>
-          </ac:spMkLst>
-        </pc:spChg>
-      </pc:sldChg>
-      <pc:sldChg chg="delSp">
-        <pc:chgData name="Khattab, Sherif" userId="c83b1e15-36f3-4f46-aceb-05aac24c545e" providerId="ADAL" clId="{EE78B4C3-BA47-2B47-8B84-4022815E3587}" dt="2019-05-14T13:30:07.468" v="20"/>
-        <pc:sldMkLst>
-          <pc:docMk/>
-          <pc:sldMk cId="306268545" sldId="282"/>
-        </pc:sldMkLst>
-        <pc:spChg chg="del">
-          <ac:chgData name="Khattab, Sherif" userId="c83b1e15-36f3-4f46-aceb-05aac24c545e" providerId="ADAL" clId="{EE78B4C3-BA47-2B47-8B84-4022815E3587}" dt="2019-05-14T13:30:07.468" v="20"/>
-          <ac:spMkLst>
-            <pc:docMk/>
-            <pc:sldMk cId="306268545" sldId="282"/>
-            <ac:spMk id="2" creationId="{00000000-0000-0000-0000-000000000000}"/>
-          </ac:spMkLst>
-        </pc:spChg>
-      </pc:sldChg>
-      <pc:sldChg chg="delSp add">
-        <pc:chgData name="Khattab, Sherif" userId="c83b1e15-36f3-4f46-aceb-05aac24c545e" providerId="ADAL" clId="{EE78B4C3-BA47-2B47-8B84-4022815E3587}" dt="2019-05-14T13:34:18.851" v="46"/>
-        <pc:sldMkLst>
-          <pc:docMk/>
-          <pc:sldMk cId="2710637777" sldId="322"/>
-        </pc:sldMkLst>
-        <pc:spChg chg="del">
-          <ac:chgData name="Khattab, Sherif" userId="c83b1e15-36f3-4f46-aceb-05aac24c545e" providerId="ADAL" clId="{EE78B4C3-BA47-2B47-8B84-4022815E3587}" dt="2019-05-14T13:34:18.851" v="46"/>
-          <ac:spMkLst>
-            <pc:docMk/>
-            <pc:sldMk cId="2710637777" sldId="322"/>
-            <ac:spMk id="6" creationId="{0700C6EC-DCCB-614E-A0F4-3418D2D78AC7}"/>
-          </ac:spMkLst>
-        </pc:spChg>
-      </pc:sldChg>
-      <pc:sldChg chg="delSp add">
-        <pc:chgData name="Khattab, Sherif" userId="c83b1e15-36f3-4f46-aceb-05aac24c545e" providerId="ADAL" clId="{EE78B4C3-BA47-2B47-8B84-4022815E3587}" dt="2019-05-14T13:34:18.851" v="46"/>
-        <pc:sldMkLst>
-          <pc:docMk/>
-          <pc:sldMk cId="3292918179" sldId="324"/>
-        </pc:sldMkLst>
-        <pc:spChg chg="del">
-          <ac:chgData name="Khattab, Sherif" userId="c83b1e15-36f3-4f46-aceb-05aac24c545e" providerId="ADAL" clId="{EE78B4C3-BA47-2B47-8B84-4022815E3587}" dt="2019-05-14T13:34:18.851" v="46"/>
-          <ac:spMkLst>
-            <pc:docMk/>
-            <pc:sldMk cId="3292918179" sldId="324"/>
-            <ac:spMk id="26" creationId="{3729950E-4F02-6B44-A5A4-B6238ABBD35B}"/>
-          </ac:spMkLst>
-        </pc:spChg>
-      </pc:sldChg>
-      <pc:sldChg chg="delSp add">
-        <pc:chgData name="Khattab, Sherif" userId="c83b1e15-36f3-4f46-aceb-05aac24c545e" providerId="ADAL" clId="{EE78B4C3-BA47-2B47-8B84-4022815E3587}" dt="2019-05-14T13:34:18.851" v="46"/>
-        <pc:sldMkLst>
-          <pc:docMk/>
-          <pc:sldMk cId="355119911" sldId="338"/>
-        </pc:sldMkLst>
-        <pc:spChg chg="del">
-          <ac:chgData name="Khattab, Sherif" userId="c83b1e15-36f3-4f46-aceb-05aac24c545e" providerId="ADAL" clId="{EE78B4C3-BA47-2B47-8B84-4022815E3587}" dt="2019-05-14T13:34:18.851" v="46"/>
-          <ac:spMkLst>
-            <pc:docMk/>
-            <pc:sldMk cId="355119911" sldId="338"/>
-            <ac:spMk id="7" creationId="{AC4B9F18-B1E5-C341-B953-6D96BAA0EB6C}"/>
-          </ac:spMkLst>
-        </pc:spChg>
-      </pc:sldChg>
-      <pc:sldChg chg="delSp add">
-        <pc:chgData name="Khattab, Sherif" userId="c83b1e15-36f3-4f46-aceb-05aac24c545e" providerId="ADAL" clId="{EE78B4C3-BA47-2B47-8B84-4022815E3587}" dt="2019-05-14T13:34:18.851" v="46"/>
-        <pc:sldMkLst>
-          <pc:docMk/>
-          <pc:sldMk cId="4223572414" sldId="339"/>
-        </pc:sldMkLst>
-        <pc:spChg chg="del">
-          <ac:chgData name="Khattab, Sherif" userId="c83b1e15-36f3-4f46-aceb-05aac24c545e" providerId="ADAL" clId="{EE78B4C3-BA47-2B47-8B84-4022815E3587}" dt="2019-05-14T13:34:18.851" v="46"/>
-          <ac:spMkLst>
-            <pc:docMk/>
-            <pc:sldMk cId="4223572414" sldId="339"/>
-            <ac:spMk id="6" creationId="{48879884-318D-6C49-B6B8-463E617B85F1}"/>
-          </ac:spMkLst>
-        </pc:spChg>
-      </pc:sldChg>
-      <pc:sldChg chg="delSp add">
-        <pc:chgData name="Khattab, Sherif" userId="c83b1e15-36f3-4f46-aceb-05aac24c545e" providerId="ADAL" clId="{EE78B4C3-BA47-2B47-8B84-4022815E3587}" dt="2019-05-14T13:34:18.851" v="46"/>
-        <pc:sldMkLst>
-          <pc:docMk/>
-          <pc:sldMk cId="470668490" sldId="340"/>
-        </pc:sldMkLst>
-        <pc:spChg chg="del">
-          <ac:chgData name="Khattab, Sherif" userId="c83b1e15-36f3-4f46-aceb-05aac24c545e" providerId="ADAL" clId="{EE78B4C3-BA47-2B47-8B84-4022815E3587}" dt="2019-05-14T13:34:18.851" v="46"/>
-          <ac:spMkLst>
-            <pc:docMk/>
-            <pc:sldMk cId="470668490" sldId="340"/>
-            <ac:spMk id="6" creationId="{32D0E818-62B1-0A49-9CFC-1DC58F40FEBE}"/>
-          </ac:spMkLst>
-        </pc:spChg>
-      </pc:sldChg>
-      <pc:sldChg chg="delSp add">
-        <pc:chgData name="Khattab, Sherif" userId="c83b1e15-36f3-4f46-aceb-05aac24c545e" providerId="ADAL" clId="{EE78B4C3-BA47-2B47-8B84-4022815E3587}" dt="2019-05-14T13:34:18.851" v="46"/>
-        <pc:sldMkLst>
-          <pc:docMk/>
-          <pc:sldMk cId="1205868326" sldId="341"/>
-        </pc:sldMkLst>
-        <pc:spChg chg="del">
-          <ac:chgData name="Khattab, Sherif" userId="c83b1e15-36f3-4f46-aceb-05aac24c545e" providerId="ADAL" clId="{EE78B4C3-BA47-2B47-8B84-4022815E3587}" dt="2019-05-14T13:34:18.851" v="46"/>
-          <ac:spMkLst>
-            <pc:docMk/>
-            <pc:sldMk cId="1205868326" sldId="341"/>
-            <ac:spMk id="6" creationId="{918B0854-EAA5-9D49-9ED0-EA7684377156}"/>
-          </ac:spMkLst>
-        </pc:spChg>
-      </pc:sldChg>
-      <pc:sldChg chg="delSp add">
-        <pc:chgData name="Khattab, Sherif" userId="c83b1e15-36f3-4f46-aceb-05aac24c545e" providerId="ADAL" clId="{EE78B4C3-BA47-2B47-8B84-4022815E3587}" dt="2019-05-14T13:34:18.851" v="46"/>
-        <pc:sldMkLst>
-          <pc:docMk/>
-          <pc:sldMk cId="1806563943" sldId="342"/>
-        </pc:sldMkLst>
-        <pc:spChg chg="del">
-          <ac:chgData name="Khattab, Sherif" userId="c83b1e15-36f3-4f46-aceb-05aac24c545e" providerId="ADAL" clId="{EE78B4C3-BA47-2B47-8B84-4022815E3587}" dt="2019-05-14T13:34:18.851" v="46"/>
-          <ac:spMkLst>
-            <pc:docMk/>
-            <pc:sldMk cId="1806563943" sldId="342"/>
-            <ac:spMk id="9" creationId="{712AC7F1-3CB0-3140-8620-EAE2154DEBDF}"/>
-          </ac:spMkLst>
-        </pc:spChg>
-      </pc:sldChg>
-      <pc:sldChg chg="delSp add">
-        <pc:chgData name="Khattab, Sherif" userId="c83b1e15-36f3-4f46-aceb-05aac24c545e" providerId="ADAL" clId="{EE78B4C3-BA47-2B47-8B84-4022815E3587}" dt="2019-05-14T13:34:18.851" v="46"/>
-        <pc:sldMkLst>
-          <pc:docMk/>
-          <pc:sldMk cId="1167711490" sldId="343"/>
-        </pc:sldMkLst>
-        <pc:spChg chg="del">
-          <ac:chgData name="Khattab, Sherif" userId="c83b1e15-36f3-4f46-aceb-05aac24c545e" providerId="ADAL" clId="{EE78B4C3-BA47-2B47-8B84-4022815E3587}" dt="2019-05-14T13:34:18.851" v="46"/>
-          <ac:spMkLst>
-            <pc:docMk/>
-            <pc:sldMk cId="1167711490" sldId="343"/>
-            <ac:spMk id="9" creationId="{7277E941-6A46-A141-896C-8CF8D763337C}"/>
-          </ac:spMkLst>
-        </pc:spChg>
-      </pc:sldChg>
-      <pc:sldChg chg="delSp add">
-        <pc:chgData name="Khattab, Sherif" userId="c83b1e15-36f3-4f46-aceb-05aac24c545e" providerId="ADAL" clId="{EE78B4C3-BA47-2B47-8B84-4022815E3587}" dt="2019-05-14T13:34:18.851" v="46"/>
-        <pc:sldMkLst>
-          <pc:docMk/>
-          <pc:sldMk cId="1271999567" sldId="349"/>
-        </pc:sldMkLst>
-        <pc:spChg chg="del">
-          <ac:chgData name="Khattab, Sherif" userId="c83b1e15-36f3-4f46-aceb-05aac24c545e" providerId="ADAL" clId="{EE78B4C3-BA47-2B47-8B84-4022815E3587}" dt="2019-05-14T13:34:18.851" v="46"/>
-          <ac:spMkLst>
-            <pc:docMk/>
-            <pc:sldMk cId="1271999567" sldId="349"/>
-            <ac:spMk id="8" creationId="{7BD79B2E-E2F2-FE40-AF15-AA838FE67060}"/>
-          </ac:spMkLst>
-        </pc:spChg>
-      </pc:sldChg>
-      <pc:sldChg chg="delSp add">
-        <pc:chgData name="Khattab, Sherif" userId="c83b1e15-36f3-4f46-aceb-05aac24c545e" providerId="ADAL" clId="{EE78B4C3-BA47-2B47-8B84-4022815E3587}" dt="2019-05-14T13:34:18.851" v="46"/>
-        <pc:sldMkLst>
-          <pc:docMk/>
-          <pc:sldMk cId="434376579" sldId="363"/>
-        </pc:sldMkLst>
-        <pc:spChg chg="del">
-          <ac:chgData name="Khattab, Sherif" userId="c83b1e15-36f3-4f46-aceb-05aac24c545e" providerId="ADAL" clId="{EE78B4C3-BA47-2B47-8B84-4022815E3587}" dt="2019-05-14T13:34:18.851" v="46"/>
-          <ac:spMkLst>
-            <pc:docMk/>
-            <pc:sldMk cId="434376579" sldId="363"/>
-            <ac:spMk id="15" creationId="{1190D209-83D1-A548-8C7B-C35DE4396F91}"/>
-          </ac:spMkLst>
-        </pc:spChg>
-      </pc:sldChg>
-      <pc:sldChg chg="delSp add">
-        <pc:chgData name="Khattab, Sherif" userId="c83b1e15-36f3-4f46-aceb-05aac24c545e" providerId="ADAL" clId="{EE78B4C3-BA47-2B47-8B84-4022815E3587}" dt="2019-05-14T13:34:18.851" v="46"/>
-        <pc:sldMkLst>
-          <pc:docMk/>
-          <pc:sldMk cId="815621424" sldId="364"/>
-        </pc:sldMkLst>
-        <pc:spChg chg="del">
-          <ac:chgData name="Khattab, Sherif" userId="c83b1e15-36f3-4f46-aceb-05aac24c545e" providerId="ADAL" clId="{EE78B4C3-BA47-2B47-8B84-4022815E3587}" dt="2019-05-14T13:34:18.851" v="46"/>
-          <ac:spMkLst>
-            <pc:docMk/>
-            <pc:sldMk cId="815621424" sldId="364"/>
-            <ac:spMk id="29" creationId="{6D10D6C8-49C6-BE4E-9E3F-EEC76AE056AA}"/>
-          </ac:spMkLst>
-        </pc:spChg>
-      </pc:sldChg>
-      <pc:sldChg chg="delSp add">
-        <pc:chgData name="Khattab, Sherif" userId="c83b1e15-36f3-4f46-aceb-05aac24c545e" providerId="ADAL" clId="{EE78B4C3-BA47-2B47-8B84-4022815E3587}" dt="2019-05-14T13:34:18.851" v="46"/>
-        <pc:sldMkLst>
-          <pc:docMk/>
-          <pc:sldMk cId="1934104099" sldId="365"/>
-        </pc:sldMkLst>
-        <pc:spChg chg="del">
-          <ac:chgData name="Khattab, Sherif" userId="c83b1e15-36f3-4f46-aceb-05aac24c545e" providerId="ADAL" clId="{EE78B4C3-BA47-2B47-8B84-4022815E3587}" dt="2019-05-14T13:34:18.851" v="46"/>
-          <ac:spMkLst>
-            <pc:docMk/>
-            <pc:sldMk cId="1934104099" sldId="365"/>
-            <ac:spMk id="10" creationId="{87886125-1D5E-014B-A276-636801877DB6}"/>
-          </ac:spMkLst>
-        </pc:spChg>
-      </pc:sldChg>
-      <pc:sldChg chg="delSp add">
-        <pc:chgData name="Khattab, Sherif" userId="c83b1e15-36f3-4f46-aceb-05aac24c545e" providerId="ADAL" clId="{EE78B4C3-BA47-2B47-8B84-4022815E3587}" dt="2019-05-14T13:34:18.851" v="46"/>
+      <pc:sldChg chg="del">
+        <pc:chgData name="Khattab, Sherif" userId="c83b1e15-36f3-4f46-aceb-05aac24c545e" providerId="ADAL" clId="{DE316A4D-089D-2A40-9FA9-4724C2884636}" dt="2019-05-23T03:59:27.081" v="2" actId="2696"/>
+        <pc:sldMkLst>
+          <pc:docMk/>
+          <pc:sldMk cId="1969176380" sldId="257"/>
+        </pc:sldMkLst>
+      </pc:sldChg>
+      <pc:sldChg chg="del">
+        <pc:chgData name="Khattab, Sherif" userId="c83b1e15-36f3-4f46-aceb-05aac24c545e" providerId="ADAL" clId="{DE316A4D-089D-2A40-9FA9-4724C2884636}" dt="2019-05-23T03:59:31.239" v="3" actId="2696"/>
+        <pc:sldMkLst>
+          <pc:docMk/>
+          <pc:sldMk cId="978894378" sldId="266"/>
+        </pc:sldMkLst>
+      </pc:sldChg>
+      <pc:sldChg chg="del">
+        <pc:chgData name="Khattab, Sherif" userId="c83b1e15-36f3-4f46-aceb-05aac24c545e" providerId="ADAL" clId="{DE316A4D-089D-2A40-9FA9-4724C2884636}" dt="2019-05-23T03:59:34.863" v="4" actId="2696"/>
+        <pc:sldMkLst>
+          <pc:docMk/>
+          <pc:sldMk cId="1871263980" sldId="275"/>
+        </pc:sldMkLst>
+      </pc:sldChg>
+      <pc:sldChg chg="del">
+        <pc:chgData name="Khattab, Sherif" userId="c83b1e15-36f3-4f46-aceb-05aac24c545e" providerId="ADAL" clId="{DE316A4D-089D-2A40-9FA9-4724C2884636}" dt="2019-05-23T03:59:50.802" v="5" actId="2696"/>
+        <pc:sldMkLst>
+          <pc:docMk/>
+          <pc:sldMk cId="2119836463" sldId="283"/>
+        </pc:sldMkLst>
+      </pc:sldChg>
+      <pc:sldChg chg="del">
+        <pc:chgData name="Khattab, Sherif" userId="c83b1e15-36f3-4f46-aceb-05aac24c545e" providerId="ADAL" clId="{DE316A4D-089D-2A40-9FA9-4724C2884636}" dt="2019-05-23T03:59:50.830" v="6" actId="2696"/>
+        <pc:sldMkLst>
+          <pc:docMk/>
+          <pc:sldMk cId="1220313734" sldId="284"/>
+        </pc:sldMkLst>
+      </pc:sldChg>
+      <pc:sldChg chg="del">
+        <pc:chgData name="Khattab, Sherif" userId="c83b1e15-36f3-4f46-aceb-05aac24c545e" providerId="ADAL" clId="{DE316A4D-089D-2A40-9FA9-4724C2884636}" dt="2019-05-23T03:59:50.853" v="7" actId="2696"/>
+        <pc:sldMkLst>
+          <pc:docMk/>
+          <pc:sldMk cId="882805023" sldId="285"/>
+        </pc:sldMkLst>
+      </pc:sldChg>
+      <pc:sldChg chg="del">
+        <pc:chgData name="Khattab, Sherif" userId="c83b1e15-36f3-4f46-aceb-05aac24c545e" providerId="ADAL" clId="{DE316A4D-089D-2A40-9FA9-4724C2884636}" dt="2019-05-23T03:59:50.877" v="8" actId="2696"/>
+        <pc:sldMkLst>
+          <pc:docMk/>
+          <pc:sldMk cId="561854054" sldId="287"/>
+        </pc:sldMkLst>
+      </pc:sldChg>
+      <pc:sldChg chg="del">
+        <pc:chgData name="Khattab, Sherif" userId="c83b1e15-36f3-4f46-aceb-05aac24c545e" providerId="ADAL" clId="{DE316A4D-089D-2A40-9FA9-4724C2884636}" dt="2019-05-23T03:59:50.893" v="9" actId="2696"/>
+        <pc:sldMkLst>
+          <pc:docMk/>
+          <pc:sldMk cId="1121912213" sldId="288"/>
+        </pc:sldMkLst>
+      </pc:sldChg>
+      <pc:sldChg chg="del">
+        <pc:chgData name="Khattab, Sherif" userId="c83b1e15-36f3-4f46-aceb-05aac24c545e" providerId="ADAL" clId="{DE316A4D-089D-2A40-9FA9-4724C2884636}" dt="2019-05-23T03:59:50.912" v="10" actId="2696"/>
+        <pc:sldMkLst>
+          <pc:docMk/>
+          <pc:sldMk cId="2123485087" sldId="289"/>
+        </pc:sldMkLst>
+      </pc:sldChg>
+      <pc:sldChg chg="del">
+        <pc:chgData name="Khattab, Sherif" userId="c83b1e15-36f3-4f46-aceb-05aac24c545e" providerId="ADAL" clId="{DE316A4D-089D-2A40-9FA9-4724C2884636}" dt="2019-05-23T03:59:50.929" v="11" actId="2696"/>
+        <pc:sldMkLst>
+          <pc:docMk/>
+          <pc:sldMk cId="1071549106" sldId="290"/>
+        </pc:sldMkLst>
+      </pc:sldChg>
+      <pc:sldChg chg="del">
+        <pc:chgData name="Khattab, Sherif" userId="c83b1e15-36f3-4f46-aceb-05aac24c545e" providerId="ADAL" clId="{DE316A4D-089D-2A40-9FA9-4724C2884636}" dt="2019-05-23T03:59:50.947" v="12" actId="2696"/>
+        <pc:sldMkLst>
+          <pc:docMk/>
+          <pc:sldMk cId="622828641" sldId="291"/>
+        </pc:sldMkLst>
+      </pc:sldChg>
+      <pc:sldChg chg="del">
+        <pc:chgData name="Khattab, Sherif" userId="c83b1e15-36f3-4f46-aceb-05aac24c545e" providerId="ADAL" clId="{DE316A4D-089D-2A40-9FA9-4724C2884636}" dt="2019-05-23T03:59:50.968" v="13" actId="2696"/>
+        <pc:sldMkLst>
+          <pc:docMk/>
+          <pc:sldMk cId="1781024462" sldId="292"/>
+        </pc:sldMkLst>
+      </pc:sldChg>
+      <pc:sldChg chg="del">
+        <pc:chgData name="Khattab, Sherif" userId="c83b1e15-36f3-4f46-aceb-05aac24c545e" providerId="ADAL" clId="{DE316A4D-089D-2A40-9FA9-4724C2884636}" dt="2019-05-23T03:59:50.988" v="14" actId="2696"/>
+        <pc:sldMkLst>
+          <pc:docMk/>
+          <pc:sldMk cId="64306115" sldId="295"/>
+        </pc:sldMkLst>
+      </pc:sldChg>
+      <pc:sldChg chg="del">
+        <pc:chgData name="Khattab, Sherif" userId="c83b1e15-36f3-4f46-aceb-05aac24c545e" providerId="ADAL" clId="{DE316A4D-089D-2A40-9FA9-4724C2884636}" dt="2019-05-23T03:59:51.007" v="15" actId="2696"/>
+        <pc:sldMkLst>
+          <pc:docMk/>
+          <pc:sldMk cId="281707087" sldId="296"/>
+        </pc:sldMkLst>
+      </pc:sldChg>
+      <pc:sldChg chg="del">
+        <pc:chgData name="Khattab, Sherif" userId="c83b1e15-36f3-4f46-aceb-05aac24c545e" providerId="ADAL" clId="{DE316A4D-089D-2A40-9FA9-4724C2884636}" dt="2019-05-23T03:59:51.028" v="16" actId="2696"/>
+        <pc:sldMkLst>
+          <pc:docMk/>
+          <pc:sldMk cId="275381494" sldId="297"/>
+        </pc:sldMkLst>
+      </pc:sldChg>
+      <pc:sldChg chg="del">
+        <pc:chgData name="Khattab, Sherif" userId="c83b1e15-36f3-4f46-aceb-05aac24c545e" providerId="ADAL" clId="{DE316A4D-089D-2A40-9FA9-4724C2884636}" dt="2019-05-23T03:59:51.054" v="17" actId="2696"/>
+        <pc:sldMkLst>
+          <pc:docMk/>
+          <pc:sldMk cId="1323538422" sldId="298"/>
+        </pc:sldMkLst>
+      </pc:sldChg>
+      <pc:sldChg chg="del">
+        <pc:chgData name="Khattab, Sherif" userId="c83b1e15-36f3-4f46-aceb-05aac24c545e" providerId="ADAL" clId="{DE316A4D-089D-2A40-9FA9-4724C2884636}" dt="2019-05-23T03:59:51.076" v="18" actId="2696"/>
+        <pc:sldMkLst>
+          <pc:docMk/>
+          <pc:sldMk cId="1186219626" sldId="299"/>
+        </pc:sldMkLst>
+      </pc:sldChg>
+      <pc:sldChg chg="del">
+        <pc:chgData name="Khattab, Sherif" userId="c83b1e15-36f3-4f46-aceb-05aac24c545e" providerId="ADAL" clId="{DE316A4D-089D-2A40-9FA9-4724C2884636}" dt="2019-05-23T03:59:51.094" v="19" actId="2696"/>
+        <pc:sldMkLst>
+          <pc:docMk/>
+          <pc:sldMk cId="1838361739" sldId="300"/>
+        </pc:sldMkLst>
+      </pc:sldChg>
+      <pc:sldChg chg="del">
+        <pc:chgData name="Khattab, Sherif" userId="c83b1e15-36f3-4f46-aceb-05aac24c545e" providerId="ADAL" clId="{DE316A4D-089D-2A40-9FA9-4724C2884636}" dt="2019-05-23T03:59:51.121" v="20" actId="2696"/>
+        <pc:sldMkLst>
+          <pc:docMk/>
+          <pc:sldMk cId="2051028719" sldId="301"/>
+        </pc:sldMkLst>
+      </pc:sldChg>
+      <pc:sldChg chg="del">
+        <pc:chgData name="Khattab, Sherif" userId="c83b1e15-36f3-4f46-aceb-05aac24c545e" providerId="ADAL" clId="{DE316A4D-089D-2A40-9FA9-4724C2884636}" dt="2019-05-23T03:59:51.137" v="21" actId="2696"/>
+        <pc:sldMkLst>
+          <pc:docMk/>
+          <pc:sldMk cId="247758724" sldId="302"/>
+        </pc:sldMkLst>
+      </pc:sldChg>
+      <pc:sldChg chg="del">
+        <pc:chgData name="Khattab, Sherif" userId="c83b1e15-36f3-4f46-aceb-05aac24c545e" providerId="ADAL" clId="{DE316A4D-089D-2A40-9FA9-4724C2884636}" dt="2019-05-23T03:59:51.155" v="22" actId="2696"/>
+        <pc:sldMkLst>
+          <pc:docMk/>
+          <pc:sldMk cId="1220341221" sldId="308"/>
+        </pc:sldMkLst>
+      </pc:sldChg>
+      <pc:sldChg chg="del">
+        <pc:chgData name="Khattab, Sherif" userId="c83b1e15-36f3-4f46-aceb-05aac24c545e" providerId="ADAL" clId="{DE316A4D-089D-2A40-9FA9-4724C2884636}" dt="2019-05-23T03:59:51.175" v="23" actId="2696"/>
+        <pc:sldMkLst>
+          <pc:docMk/>
+          <pc:sldMk cId="7029104" sldId="310"/>
+        </pc:sldMkLst>
+      </pc:sldChg>
+      <pc:sldChg chg="del">
+        <pc:chgData name="Khattab, Sherif" userId="c83b1e15-36f3-4f46-aceb-05aac24c545e" providerId="ADAL" clId="{DE316A4D-089D-2A40-9FA9-4724C2884636}" dt="2019-05-23T03:59:51.194" v="24" actId="2696"/>
+        <pc:sldMkLst>
+          <pc:docMk/>
+          <pc:sldMk cId="1024142779" sldId="312"/>
+        </pc:sldMkLst>
+      </pc:sldChg>
+      <pc:sldChg chg="del">
+        <pc:chgData name="Khattab, Sherif" userId="c83b1e15-36f3-4f46-aceb-05aac24c545e" providerId="ADAL" clId="{DE316A4D-089D-2A40-9FA9-4724C2884636}" dt="2019-05-23T03:59:51.209" v="25" actId="2696"/>
+        <pc:sldMkLst>
+          <pc:docMk/>
+          <pc:sldMk cId="1916533646" sldId="313"/>
+        </pc:sldMkLst>
+      </pc:sldChg>
+      <pc:sldChg chg="del">
+        <pc:chgData name="Khattab, Sherif" userId="c83b1e15-36f3-4f46-aceb-05aac24c545e" providerId="ADAL" clId="{DE316A4D-089D-2A40-9FA9-4724C2884636}" dt="2019-05-23T03:59:51.225" v="26" actId="2696"/>
+        <pc:sldMkLst>
+          <pc:docMk/>
+          <pc:sldMk cId="1496362242" sldId="314"/>
+        </pc:sldMkLst>
+      </pc:sldChg>
+      <pc:sldChg chg="del">
+        <pc:chgData name="Khattab, Sherif" userId="c83b1e15-36f3-4f46-aceb-05aac24c545e" providerId="ADAL" clId="{DE316A4D-089D-2A40-9FA9-4724C2884636}" dt="2019-05-23T03:59:51.246" v="27" actId="2696"/>
+        <pc:sldMkLst>
+          <pc:docMk/>
+          <pc:sldMk cId="1231859445" sldId="315"/>
+        </pc:sldMkLst>
+      </pc:sldChg>
+      <pc:sldChg chg="del">
+        <pc:chgData name="Khattab, Sherif" userId="c83b1e15-36f3-4f46-aceb-05aac24c545e" providerId="ADAL" clId="{DE316A4D-089D-2A40-9FA9-4724C2884636}" dt="2019-05-23T03:59:51.263" v="28" actId="2696"/>
+        <pc:sldMkLst>
+          <pc:docMk/>
+          <pc:sldMk cId="1500164103" sldId="316"/>
+        </pc:sldMkLst>
+      </pc:sldChg>
+      <pc:sldChg chg="del">
+        <pc:chgData name="Khattab, Sherif" userId="c83b1e15-36f3-4f46-aceb-05aac24c545e" providerId="ADAL" clId="{DE316A4D-089D-2A40-9FA9-4724C2884636}" dt="2019-05-23T03:59:51.285" v="29" actId="2696"/>
+        <pc:sldMkLst>
+          <pc:docMk/>
+          <pc:sldMk cId="2062436898" sldId="317"/>
+        </pc:sldMkLst>
+      </pc:sldChg>
+      <pc:sldChg chg="del">
+        <pc:chgData name="Khattab, Sherif" userId="c83b1e15-36f3-4f46-aceb-05aac24c545e" providerId="ADAL" clId="{DE316A4D-089D-2A40-9FA9-4724C2884636}" dt="2019-05-23T04:00:10.658" v="31" actId="2696"/>
+        <pc:sldMkLst>
+          <pc:docMk/>
+          <pc:sldMk cId="234564799" sldId="321"/>
+        </pc:sldMkLst>
+      </pc:sldChg>
+      <pc:sldChg chg="del">
+        <pc:chgData name="Khattab, Sherif" userId="c83b1e15-36f3-4f46-aceb-05aac24c545e" providerId="ADAL" clId="{DE316A4D-089D-2A40-9FA9-4724C2884636}" dt="2019-05-23T04:00:10.675" v="32" actId="2696"/>
+        <pc:sldMkLst>
+          <pc:docMk/>
+          <pc:sldMk cId="12771870" sldId="323"/>
+        </pc:sldMkLst>
+      </pc:sldChg>
+      <pc:sldChg chg="del">
+        <pc:chgData name="Khattab, Sherif" userId="c83b1e15-36f3-4f46-aceb-05aac24c545e" providerId="ADAL" clId="{DE316A4D-089D-2A40-9FA9-4724C2884636}" dt="2019-05-23T04:00:10.691" v="33" actId="2696"/>
+        <pc:sldMkLst>
+          <pc:docMk/>
+          <pc:sldMk cId="1847714567" sldId="325"/>
+        </pc:sldMkLst>
+      </pc:sldChg>
+      <pc:sldChg chg="del">
+        <pc:chgData name="Khattab, Sherif" userId="c83b1e15-36f3-4f46-aceb-05aac24c545e" providerId="ADAL" clId="{DE316A4D-089D-2A40-9FA9-4724C2884636}" dt="2019-05-23T04:00:10.712" v="34" actId="2696"/>
+        <pc:sldMkLst>
+          <pc:docMk/>
+          <pc:sldMk cId="564977494" sldId="326"/>
+        </pc:sldMkLst>
+      </pc:sldChg>
+      <pc:sldChg chg="del">
+        <pc:chgData name="Khattab, Sherif" userId="c83b1e15-36f3-4f46-aceb-05aac24c545e" providerId="ADAL" clId="{DE316A4D-089D-2A40-9FA9-4724C2884636}" dt="2019-05-23T04:00:10.730" v="35" actId="2696"/>
+        <pc:sldMkLst>
+          <pc:docMk/>
+          <pc:sldMk cId="1957278823" sldId="327"/>
+        </pc:sldMkLst>
+      </pc:sldChg>
+      <pc:sldChg chg="del">
+        <pc:chgData name="Khattab, Sherif" userId="c83b1e15-36f3-4f46-aceb-05aac24c545e" providerId="ADAL" clId="{DE316A4D-089D-2A40-9FA9-4724C2884636}" dt="2019-05-23T04:00:10.745" v="36" actId="2696"/>
+        <pc:sldMkLst>
+          <pc:docMk/>
+          <pc:sldMk cId="336896758" sldId="328"/>
+        </pc:sldMkLst>
+      </pc:sldChg>
+      <pc:sldChg chg="del">
+        <pc:chgData name="Khattab, Sherif" userId="c83b1e15-36f3-4f46-aceb-05aac24c545e" providerId="ADAL" clId="{DE316A4D-089D-2A40-9FA9-4724C2884636}" dt="2019-05-23T04:00:10.764" v="37" actId="2696"/>
+        <pc:sldMkLst>
+          <pc:docMk/>
+          <pc:sldMk cId="815879604" sldId="329"/>
+        </pc:sldMkLst>
+      </pc:sldChg>
+      <pc:sldChg chg="del">
+        <pc:chgData name="Khattab, Sherif" userId="c83b1e15-36f3-4f46-aceb-05aac24c545e" providerId="ADAL" clId="{DE316A4D-089D-2A40-9FA9-4724C2884636}" dt="2019-05-23T04:00:10.782" v="38" actId="2696"/>
+        <pc:sldMkLst>
+          <pc:docMk/>
+          <pc:sldMk cId="1076495690" sldId="330"/>
+        </pc:sldMkLst>
+      </pc:sldChg>
+      <pc:sldChg chg="del">
+        <pc:chgData name="Khattab, Sherif" userId="c83b1e15-36f3-4f46-aceb-05aac24c545e" providerId="ADAL" clId="{DE316A4D-089D-2A40-9FA9-4724C2884636}" dt="2019-05-23T04:00:10.800" v="39" actId="2696"/>
+        <pc:sldMkLst>
+          <pc:docMk/>
+          <pc:sldMk cId="17720096" sldId="331"/>
+        </pc:sldMkLst>
+      </pc:sldChg>
+      <pc:sldChg chg="del">
+        <pc:chgData name="Khattab, Sherif" userId="c83b1e15-36f3-4f46-aceb-05aac24c545e" providerId="ADAL" clId="{DE316A4D-089D-2A40-9FA9-4724C2884636}" dt="2019-05-23T04:00:10.818" v="40" actId="2696"/>
+        <pc:sldMkLst>
+          <pc:docMk/>
+          <pc:sldMk cId="501490190" sldId="332"/>
+        </pc:sldMkLst>
+      </pc:sldChg>
+      <pc:sldChg chg="del">
+        <pc:chgData name="Khattab, Sherif" userId="c83b1e15-36f3-4f46-aceb-05aac24c545e" providerId="ADAL" clId="{DE316A4D-089D-2A40-9FA9-4724C2884636}" dt="2019-05-23T04:00:10.831" v="41" actId="2696"/>
+        <pc:sldMkLst>
+          <pc:docMk/>
+          <pc:sldMk cId="790480540" sldId="333"/>
+        </pc:sldMkLst>
+      </pc:sldChg>
+      <pc:sldChg chg="del">
+        <pc:chgData name="Khattab, Sherif" userId="c83b1e15-36f3-4f46-aceb-05aac24c545e" providerId="ADAL" clId="{DE316A4D-089D-2A40-9FA9-4724C2884636}" dt="2019-05-23T04:00:10.847" v="42" actId="2696"/>
+        <pc:sldMkLst>
+          <pc:docMk/>
+          <pc:sldMk cId="1721885993" sldId="334"/>
+        </pc:sldMkLst>
+      </pc:sldChg>
+      <pc:sldChg chg="del">
+        <pc:chgData name="Khattab, Sherif" userId="c83b1e15-36f3-4f46-aceb-05aac24c545e" providerId="ADAL" clId="{DE316A4D-089D-2A40-9FA9-4724C2884636}" dt="2019-05-23T04:00:10.862" v="43" actId="2696"/>
+        <pc:sldMkLst>
+          <pc:docMk/>
+          <pc:sldMk cId="2048526379" sldId="335"/>
+        </pc:sldMkLst>
+      </pc:sldChg>
+      <pc:sldChg chg="del">
+        <pc:chgData name="Khattab, Sherif" userId="c83b1e15-36f3-4f46-aceb-05aac24c545e" providerId="ADAL" clId="{DE316A4D-089D-2A40-9FA9-4724C2884636}" dt="2019-05-23T04:00:10.875" v="44" actId="2696"/>
+        <pc:sldMkLst>
+          <pc:docMk/>
+          <pc:sldMk cId="1818037055" sldId="336"/>
+        </pc:sldMkLst>
+      </pc:sldChg>
+      <pc:sldChg chg="del">
+        <pc:chgData name="Khattab, Sherif" userId="c83b1e15-36f3-4f46-aceb-05aac24c545e" providerId="ADAL" clId="{DE316A4D-089D-2A40-9FA9-4724C2884636}" dt="2019-05-23T04:00:10.942" v="45" actId="2696"/>
+        <pc:sldMkLst>
+          <pc:docMk/>
+          <pc:sldMk cId="1351453869" sldId="337"/>
+        </pc:sldMkLst>
+      </pc:sldChg>
+      <pc:sldChg chg="del">
+        <pc:chgData name="Khattab, Sherif" userId="c83b1e15-36f3-4f46-aceb-05aac24c545e" providerId="ADAL" clId="{DE316A4D-089D-2A40-9FA9-4724C2884636}" dt="2019-05-23T04:00:10.959" v="46" actId="2696"/>
+        <pc:sldMkLst>
+          <pc:docMk/>
+          <pc:sldMk cId="299099826" sldId="344"/>
+        </pc:sldMkLst>
+      </pc:sldChg>
+      <pc:sldChg chg="del">
+        <pc:chgData name="Khattab, Sherif" userId="c83b1e15-36f3-4f46-aceb-05aac24c545e" providerId="ADAL" clId="{DE316A4D-089D-2A40-9FA9-4724C2884636}" dt="2019-05-23T04:00:10.978" v="47" actId="2696"/>
+        <pc:sldMkLst>
+          <pc:docMk/>
+          <pc:sldMk cId="1172624611" sldId="345"/>
+        </pc:sldMkLst>
+      </pc:sldChg>
+      <pc:sldChg chg="del">
+        <pc:chgData name="Khattab, Sherif" userId="c83b1e15-36f3-4f46-aceb-05aac24c545e" providerId="ADAL" clId="{DE316A4D-089D-2A40-9FA9-4724C2884636}" dt="2019-05-23T04:00:10.995" v="48" actId="2696"/>
+        <pc:sldMkLst>
+          <pc:docMk/>
+          <pc:sldMk cId="1402694930" sldId="346"/>
+        </pc:sldMkLst>
+      </pc:sldChg>
+      <pc:sldChg chg="del">
+        <pc:chgData name="Khattab, Sherif" userId="c83b1e15-36f3-4f46-aceb-05aac24c545e" providerId="ADAL" clId="{DE316A4D-089D-2A40-9FA9-4724C2884636}" dt="2019-05-23T04:00:11.012" v="49" actId="2696"/>
+        <pc:sldMkLst>
+          <pc:docMk/>
+          <pc:sldMk cId="1142103534" sldId="347"/>
+        </pc:sldMkLst>
+      </pc:sldChg>
+      <pc:sldChg chg="del">
+        <pc:chgData name="Khattab, Sherif" userId="c83b1e15-36f3-4f46-aceb-05aac24c545e" providerId="ADAL" clId="{DE316A4D-089D-2A40-9FA9-4724C2884636}" dt="2019-05-23T04:00:11.027" v="50" actId="2696"/>
+        <pc:sldMkLst>
+          <pc:docMk/>
+          <pc:sldMk cId="1487891482" sldId="348"/>
+        </pc:sldMkLst>
+      </pc:sldChg>
+      <pc:sldChg chg="del">
+        <pc:chgData name="Khattab, Sherif" userId="c83b1e15-36f3-4f46-aceb-05aac24c545e" providerId="ADAL" clId="{DE316A4D-089D-2A40-9FA9-4724C2884636}" dt="2019-05-23T04:00:11.046" v="51" actId="2696"/>
+        <pc:sldMkLst>
+          <pc:docMk/>
+          <pc:sldMk cId="1088938428" sldId="350"/>
+        </pc:sldMkLst>
+      </pc:sldChg>
+      <pc:sldChg chg="del">
+        <pc:chgData name="Khattab, Sherif" userId="c83b1e15-36f3-4f46-aceb-05aac24c545e" providerId="ADAL" clId="{DE316A4D-089D-2A40-9FA9-4724C2884636}" dt="2019-05-23T04:00:11.061" v="52" actId="2696"/>
+        <pc:sldMkLst>
+          <pc:docMk/>
+          <pc:sldMk cId="522303428" sldId="351"/>
+        </pc:sldMkLst>
+      </pc:sldChg>
+      <pc:sldChg chg="del">
+        <pc:chgData name="Khattab, Sherif" userId="c83b1e15-36f3-4f46-aceb-05aac24c545e" providerId="ADAL" clId="{DE316A4D-089D-2A40-9FA9-4724C2884636}" dt="2019-05-23T04:00:11.078" v="53" actId="2696"/>
+        <pc:sldMkLst>
+          <pc:docMk/>
+          <pc:sldMk cId="1414576433" sldId="352"/>
+        </pc:sldMkLst>
+      </pc:sldChg>
+      <pc:sldChg chg="del">
+        <pc:chgData name="Khattab, Sherif" userId="c83b1e15-36f3-4f46-aceb-05aac24c545e" providerId="ADAL" clId="{DE316A4D-089D-2A40-9FA9-4724C2884636}" dt="2019-05-23T04:00:11.097" v="54" actId="2696"/>
+        <pc:sldMkLst>
+          <pc:docMk/>
+          <pc:sldMk cId="335586832" sldId="353"/>
+        </pc:sldMkLst>
+      </pc:sldChg>
+      <pc:sldChg chg="del">
+        <pc:chgData name="Khattab, Sherif" userId="c83b1e15-36f3-4f46-aceb-05aac24c545e" providerId="ADAL" clId="{DE316A4D-089D-2A40-9FA9-4724C2884636}" dt="2019-05-23T04:00:11.116" v="55" actId="2696"/>
+        <pc:sldMkLst>
+          <pc:docMk/>
+          <pc:sldMk cId="1312654365" sldId="354"/>
+        </pc:sldMkLst>
+      </pc:sldChg>
+      <pc:sldChg chg="del">
+        <pc:chgData name="Khattab, Sherif" userId="c83b1e15-36f3-4f46-aceb-05aac24c545e" providerId="ADAL" clId="{DE316A4D-089D-2A40-9FA9-4724C2884636}" dt="2019-05-23T04:00:11.135" v="56" actId="2696"/>
+        <pc:sldMkLst>
+          <pc:docMk/>
+          <pc:sldMk cId="1650496688" sldId="355"/>
+        </pc:sldMkLst>
+      </pc:sldChg>
+      <pc:sldChg chg="del">
+        <pc:chgData name="Khattab, Sherif" userId="c83b1e15-36f3-4f46-aceb-05aac24c545e" providerId="ADAL" clId="{DE316A4D-089D-2A40-9FA9-4724C2884636}" dt="2019-05-23T04:00:11.151" v="57" actId="2696"/>
+        <pc:sldMkLst>
+          <pc:docMk/>
+          <pc:sldMk cId="1454150411" sldId="356"/>
+        </pc:sldMkLst>
+      </pc:sldChg>
+      <pc:sldChg chg="del">
+        <pc:chgData name="Khattab, Sherif" userId="c83b1e15-36f3-4f46-aceb-05aac24c545e" providerId="ADAL" clId="{DE316A4D-089D-2A40-9FA9-4724C2884636}" dt="2019-05-23T04:00:11.168" v="58" actId="2696"/>
+        <pc:sldMkLst>
+          <pc:docMk/>
+          <pc:sldMk cId="101929529" sldId="360"/>
+        </pc:sldMkLst>
+      </pc:sldChg>
+      <pc:sldChg chg="del">
+        <pc:chgData name="Khattab, Sherif" userId="c83b1e15-36f3-4f46-aceb-05aac24c545e" providerId="ADAL" clId="{DE316A4D-089D-2A40-9FA9-4724C2884636}" dt="2019-05-23T04:00:11.184" v="59" actId="2696"/>
+        <pc:sldMkLst>
+          <pc:docMk/>
+          <pc:sldMk cId="1698948873" sldId="361"/>
+        </pc:sldMkLst>
+      </pc:sldChg>
+      <pc:sldChg chg="del">
+        <pc:chgData name="Khattab, Sherif" userId="c83b1e15-36f3-4f46-aceb-05aac24c545e" providerId="ADAL" clId="{DE316A4D-089D-2A40-9FA9-4724C2884636}" dt="2019-05-23T04:00:10.639" v="30" actId="2696"/>
+        <pc:sldMkLst>
+          <pc:docMk/>
+          <pc:sldMk cId="1039212811" sldId="362"/>
+        </pc:sldMkLst>
+      </pc:sldChg>
+      <pc:sldChg chg="modSp">
+        <pc:chgData name="Khattab, Sherif" userId="c83b1e15-36f3-4f46-aceb-05aac24c545e" providerId="ADAL" clId="{DE316A4D-089D-2A40-9FA9-4724C2884636}" dt="2019-05-23T04:41:06.345" v="179" actId="20577"/>
         <pc:sldMkLst>
           <pc:docMk/>
           <pc:sldMk cId="2782429159" sldId="366"/>
         </pc:sldMkLst>
-        <pc:spChg chg="del">
-          <ac:chgData name="Khattab, Sherif" userId="c83b1e15-36f3-4f46-aceb-05aac24c545e" providerId="ADAL" clId="{EE78B4C3-BA47-2B47-8B84-4022815E3587}" dt="2019-05-14T13:34:18.851" v="46"/>
+        <pc:spChg chg="mod">
+          <ac:chgData name="Khattab, Sherif" userId="c83b1e15-36f3-4f46-aceb-05aac24c545e" providerId="ADAL" clId="{DE316A4D-089D-2A40-9FA9-4724C2884636}" dt="2019-05-23T04:41:06.345" v="179" actId="20577"/>
           <ac:spMkLst>
             <pc:docMk/>
             <pc:sldMk cId="2782429159" sldId="366"/>
-            <ac:spMk id="6" creationId="{35E278D3-0A71-264A-B99D-056EBFA58F06}"/>
-          </ac:spMkLst>
-        </pc:spChg>
-      </pc:sldChg>
-      <pc:sldChg chg="delSp add">
-        <pc:chgData name="Khattab, Sherif" userId="c83b1e15-36f3-4f46-aceb-05aac24c545e" providerId="ADAL" clId="{EE78B4C3-BA47-2B47-8B84-4022815E3587}" dt="2019-05-14T13:34:18.851" v="46"/>
-        <pc:sldMkLst>
-          <pc:docMk/>
-          <pc:sldMk cId="2251973667" sldId="367"/>
-        </pc:sldMkLst>
-        <pc:spChg chg="del">
-          <ac:chgData name="Khattab, Sherif" userId="c83b1e15-36f3-4f46-aceb-05aac24c545e" providerId="ADAL" clId="{EE78B4C3-BA47-2B47-8B84-4022815E3587}" dt="2019-05-14T13:34:18.851" v="46"/>
-          <ac:spMkLst>
-            <pc:docMk/>
-            <pc:sldMk cId="2251973667" sldId="367"/>
-            <ac:spMk id="6" creationId="{156F37D5-7C3B-D446-B495-19F8366B5AD6}"/>
-          </ac:spMkLst>
-        </pc:spChg>
-      </pc:sldChg>
-      <pc:sldChg chg="delSp add">
-        <pc:chgData name="Khattab, Sherif" userId="c83b1e15-36f3-4f46-aceb-05aac24c545e" providerId="ADAL" clId="{EE78B4C3-BA47-2B47-8B84-4022815E3587}" dt="2019-05-14T13:34:18.851" v="46"/>
-        <pc:sldMkLst>
-          <pc:docMk/>
-          <pc:sldMk cId="3138501136" sldId="368"/>
-        </pc:sldMkLst>
-        <pc:spChg chg="del">
-          <ac:chgData name="Khattab, Sherif" userId="c83b1e15-36f3-4f46-aceb-05aac24c545e" providerId="ADAL" clId="{EE78B4C3-BA47-2B47-8B84-4022815E3587}" dt="2019-05-14T13:34:18.851" v="46"/>
-          <ac:spMkLst>
-            <pc:docMk/>
-            <pc:sldMk cId="3138501136" sldId="368"/>
-            <ac:spMk id="9" creationId="{2996EA4B-3DC2-9F42-B065-0840F656E48E}"/>
-          </ac:spMkLst>
-        </pc:spChg>
-      </pc:sldChg>
-      <pc:sldChg chg="delSp add">
-        <pc:chgData name="Khattab, Sherif" userId="c83b1e15-36f3-4f46-aceb-05aac24c545e" providerId="ADAL" clId="{EE78B4C3-BA47-2B47-8B84-4022815E3587}" dt="2019-05-14T13:34:18.851" v="46"/>
-        <pc:sldMkLst>
-          <pc:docMk/>
-          <pc:sldMk cId="3210992163" sldId="369"/>
-        </pc:sldMkLst>
-        <pc:spChg chg="del">
-          <ac:chgData name="Khattab, Sherif" userId="c83b1e15-36f3-4f46-aceb-05aac24c545e" providerId="ADAL" clId="{EE78B4C3-BA47-2B47-8B84-4022815E3587}" dt="2019-05-14T13:34:18.851" v="46"/>
-          <ac:spMkLst>
-            <pc:docMk/>
-            <pc:sldMk cId="3210992163" sldId="369"/>
-            <ac:spMk id="6" creationId="{B0B02CAE-6A9B-A441-9498-BF8F3DB626EB}"/>
-          </ac:spMkLst>
-        </pc:spChg>
-      </pc:sldChg>
-      <pc:sldChg chg="delSp add">
-        <pc:chgData name="Khattab, Sherif" userId="c83b1e15-36f3-4f46-aceb-05aac24c545e" providerId="ADAL" clId="{EE78B4C3-BA47-2B47-8B84-4022815E3587}" dt="2019-05-14T13:34:18.851" v="46"/>
-        <pc:sldMkLst>
-          <pc:docMk/>
-          <pc:sldMk cId="4013065491" sldId="370"/>
-        </pc:sldMkLst>
-        <pc:spChg chg="del">
-          <ac:chgData name="Khattab, Sherif" userId="c83b1e15-36f3-4f46-aceb-05aac24c545e" providerId="ADAL" clId="{EE78B4C3-BA47-2B47-8B84-4022815E3587}" dt="2019-05-14T13:34:18.851" v="46"/>
-          <ac:spMkLst>
-            <pc:docMk/>
-            <pc:sldMk cId="4013065491" sldId="370"/>
-            <ac:spMk id="8" creationId="{D0EF7B2F-C2A6-4E4A-BA48-98165068EB9D}"/>
-          </ac:spMkLst>
-        </pc:spChg>
-      </pc:sldChg>
-      <pc:sldChg chg="delSp add">
-        <pc:chgData name="Khattab, Sherif" userId="c83b1e15-36f3-4f46-aceb-05aac24c545e" providerId="ADAL" clId="{EE78B4C3-BA47-2B47-8B84-4022815E3587}" dt="2019-05-14T13:34:18.851" v="46"/>
-        <pc:sldMkLst>
-          <pc:docMk/>
-          <pc:sldMk cId="2592968416" sldId="371"/>
-        </pc:sldMkLst>
-        <pc:spChg chg="del">
-          <ac:chgData name="Khattab, Sherif" userId="c83b1e15-36f3-4f46-aceb-05aac24c545e" providerId="ADAL" clId="{EE78B4C3-BA47-2B47-8B84-4022815E3587}" dt="2019-05-14T13:34:18.851" v="46"/>
-          <ac:spMkLst>
-            <pc:docMk/>
-            <pc:sldMk cId="2592968416" sldId="371"/>
-            <ac:spMk id="8" creationId="{61F73BD1-10AC-B146-B4D6-4D1B879CEAE3}"/>
-          </ac:spMkLst>
-        </pc:spChg>
-      </pc:sldChg>
-      <pc:sldChg chg="delSp add">
-        <pc:chgData name="Khattab, Sherif" userId="c83b1e15-36f3-4f46-aceb-05aac24c545e" providerId="ADAL" clId="{EE78B4C3-BA47-2B47-8B84-4022815E3587}" dt="2019-05-14T13:34:18.851" v="46"/>
-        <pc:sldMkLst>
-          <pc:docMk/>
-          <pc:sldMk cId="3848335379" sldId="372"/>
-        </pc:sldMkLst>
-        <pc:spChg chg="del">
-          <ac:chgData name="Khattab, Sherif" userId="c83b1e15-36f3-4f46-aceb-05aac24c545e" providerId="ADAL" clId="{EE78B4C3-BA47-2B47-8B84-4022815E3587}" dt="2019-05-14T13:34:18.851" v="46"/>
-          <ac:spMkLst>
-            <pc:docMk/>
-            <pc:sldMk cId="3848335379" sldId="372"/>
-            <ac:spMk id="9" creationId="{A9CB262F-7565-A04A-9FDE-A27BCA955EC0}"/>
-          </ac:spMkLst>
-        </pc:spChg>
-      </pc:sldChg>
-      <pc:sldChg chg="delSp add">
-        <pc:chgData name="Khattab, Sherif" userId="c83b1e15-36f3-4f46-aceb-05aac24c545e" providerId="ADAL" clId="{EE78B4C3-BA47-2B47-8B84-4022815E3587}" dt="2019-05-14T13:34:18.851" v="46"/>
-        <pc:sldMkLst>
-          <pc:docMk/>
-          <pc:sldMk cId="3161117264" sldId="373"/>
-        </pc:sldMkLst>
-        <pc:spChg chg="del">
-          <ac:chgData name="Khattab, Sherif" userId="c83b1e15-36f3-4f46-aceb-05aac24c545e" providerId="ADAL" clId="{EE78B4C3-BA47-2B47-8B84-4022815E3587}" dt="2019-05-14T13:34:18.851" v="46"/>
-          <ac:spMkLst>
-            <pc:docMk/>
-            <pc:sldMk cId="3161117264" sldId="373"/>
-            <ac:spMk id="6" creationId="{E9F1DC46-4FA4-D444-A7D6-705144867080}"/>
-          </ac:spMkLst>
-        </pc:spChg>
-      </pc:sldChg>
-      <pc:sldChg chg="delSp add">
-        <pc:chgData name="Khattab, Sherif" userId="c83b1e15-36f3-4f46-aceb-05aac24c545e" providerId="ADAL" clId="{EE78B4C3-BA47-2B47-8B84-4022815E3587}" dt="2019-05-14T13:34:18.851" v="46"/>
+            <ac:spMk id="95235" creationId="{2B3AF23D-100F-A945-8AE4-C62D08FB4EFF}"/>
+          </ac:spMkLst>
+        </pc:spChg>
+      </pc:sldChg>
+      <pc:sldChg chg="modSp">
+        <pc:chgData name="Khattab, Sherif" userId="c83b1e15-36f3-4f46-aceb-05aac24c545e" providerId="ADAL" clId="{DE316A4D-089D-2A40-9FA9-4724C2884636}" dt="2019-05-23T04:06:27.051" v="169" actId="20577"/>
         <pc:sldMkLst>
           <pc:docMk/>
           <pc:sldMk cId="1542066946" sldId="374"/>
         </pc:sldMkLst>
-        <pc:spChg chg="del">
-          <ac:chgData name="Khattab, Sherif" userId="c83b1e15-36f3-4f46-aceb-05aac24c545e" providerId="ADAL" clId="{EE78B4C3-BA47-2B47-8B84-4022815E3587}" dt="2019-05-14T13:34:18.851" v="46"/>
+        <pc:spChg chg="mod">
+          <ac:chgData name="Khattab, Sherif" userId="c83b1e15-36f3-4f46-aceb-05aac24c545e" providerId="ADAL" clId="{DE316A4D-089D-2A40-9FA9-4724C2884636}" dt="2019-05-23T04:06:27.051" v="169" actId="20577"/>
           <ac:spMkLst>
             <pc:docMk/>
             <pc:sldMk cId="1542066946" sldId="374"/>
-            <ac:spMk id="6" creationId="{D50D1AE2-A719-F648-ABE5-1D2605CF399A}"/>
-          </ac:spMkLst>
-        </pc:spChg>
-      </pc:sldChg>
-      <pc:sldChg chg="delSp add">
-        <pc:chgData name="Khattab, Sherif" userId="c83b1e15-36f3-4f46-aceb-05aac24c545e" providerId="ADAL" clId="{EE78B4C3-BA47-2B47-8B84-4022815E3587}" dt="2019-05-14T13:34:18.851" v="46"/>
-        <pc:sldMkLst>
-          <pc:docMk/>
-          <pc:sldMk cId="834112894" sldId="375"/>
-        </pc:sldMkLst>
-        <pc:spChg chg="del">
-          <ac:chgData name="Khattab, Sherif" userId="c83b1e15-36f3-4f46-aceb-05aac24c545e" providerId="ADAL" clId="{EE78B4C3-BA47-2B47-8B84-4022815E3587}" dt="2019-05-14T13:34:18.851" v="46"/>
-          <ac:spMkLst>
-            <pc:docMk/>
-            <pc:sldMk cId="834112894" sldId="375"/>
-            <ac:spMk id="6" creationId="{429B8308-B899-EF4A-97A6-3EEDF546FBBB}"/>
-          </ac:spMkLst>
-        </pc:spChg>
-      </pc:sldChg>
-      <pc:sldChg chg="delSp add">
-        <pc:chgData name="Khattab, Sherif" userId="c83b1e15-36f3-4f46-aceb-05aac24c545e" providerId="ADAL" clId="{EE78B4C3-BA47-2B47-8B84-4022815E3587}" dt="2019-05-14T13:34:18.851" v="46"/>
-        <pc:sldMkLst>
-          <pc:docMk/>
-          <pc:sldMk cId="1165577892" sldId="376"/>
-        </pc:sldMkLst>
-        <pc:spChg chg="del">
-          <ac:chgData name="Khattab, Sherif" userId="c83b1e15-36f3-4f46-aceb-05aac24c545e" providerId="ADAL" clId="{EE78B4C3-BA47-2B47-8B84-4022815E3587}" dt="2019-05-14T13:34:18.851" v="46"/>
-          <ac:spMkLst>
-            <pc:docMk/>
-            <pc:sldMk cId="1165577892" sldId="376"/>
-            <ac:spMk id="42" creationId="{27F42901-D1CE-084B-9E38-96413317B8CF}"/>
-          </ac:spMkLst>
-        </pc:spChg>
-      </pc:sldChg>
-      <pc:sldChg chg="delSp add">
-        <pc:chgData name="Khattab, Sherif" userId="c83b1e15-36f3-4f46-aceb-05aac24c545e" providerId="ADAL" clId="{EE78B4C3-BA47-2B47-8B84-4022815E3587}" dt="2019-05-14T13:34:18.851" v="46"/>
+            <ac:spMk id="105475" creationId="{B2EA02B2-FF2F-E840-9115-9F46B908CC54}"/>
+          </ac:spMkLst>
+        </pc:spChg>
+      </pc:sldChg>
+      <pc:sldChg chg="add">
+        <pc:chgData name="Khattab, Sherif" userId="c83b1e15-36f3-4f46-aceb-05aac24c545e" providerId="ADAL" clId="{DE316A4D-089D-2A40-9FA9-4724C2884636}" dt="2019-05-23T05:43:41.544" v="183"/>
+        <pc:sldMkLst>
+          <pc:docMk/>
+          <pc:sldMk cId="583513582" sldId="377"/>
+        </pc:sldMkLst>
+      </pc:sldChg>
+      <pc:sldChg chg="modSp del">
+        <pc:chgData name="Khattab, Sherif" userId="c83b1e15-36f3-4f46-aceb-05aac24c545e" providerId="ADAL" clId="{DE316A4D-089D-2A40-9FA9-4724C2884636}" dt="2019-05-23T05:43:32.974" v="182" actId="2696"/>
         <pc:sldMkLst>
           <pc:docMk/>
           <pc:sldMk cId="1942139729" sldId="377"/>
         </pc:sldMkLst>
-        <pc:spChg chg="del">
-          <ac:chgData name="Khattab, Sherif" userId="c83b1e15-36f3-4f46-aceb-05aac24c545e" providerId="ADAL" clId="{EE78B4C3-BA47-2B47-8B84-4022815E3587}" dt="2019-05-14T13:34:18.851" v="46"/>
+        <pc:spChg chg="mod">
+          <ac:chgData name="Khattab, Sherif" userId="c83b1e15-36f3-4f46-aceb-05aac24c545e" providerId="ADAL" clId="{DE316A4D-089D-2A40-9FA9-4724C2884636}" dt="2019-05-23T05:40:47.295" v="181" actId="20577"/>
           <ac:spMkLst>
             <pc:docMk/>
             <pc:sldMk cId="1942139729" sldId="377"/>
-            <ac:spMk id="9" creationId="{68716DFF-FDE6-F443-A890-77FBFB539BEB}"/>
-          </ac:spMkLst>
-        </pc:spChg>
-      </pc:sldChg>
-      <pc:sldChg chg="delSp add">
-        <pc:chgData name="Khattab, Sherif" userId="c83b1e15-36f3-4f46-aceb-05aac24c545e" providerId="ADAL" clId="{EE78B4C3-BA47-2B47-8B84-4022815E3587}" dt="2019-05-14T13:34:18.851" v="46"/>
-        <pc:sldMkLst>
-          <pc:docMk/>
-          <pc:sldMk cId="3990797458" sldId="378"/>
-        </pc:sldMkLst>
-        <pc:spChg chg="del">
-          <ac:chgData name="Khattab, Sherif" userId="c83b1e15-36f3-4f46-aceb-05aac24c545e" providerId="ADAL" clId="{EE78B4C3-BA47-2B47-8B84-4022815E3587}" dt="2019-05-14T13:34:18.851" v="46"/>
-          <ac:spMkLst>
-            <pc:docMk/>
-            <pc:sldMk cId="3990797458" sldId="378"/>
-            <ac:spMk id="6" creationId="{ADE8E4C1-F96E-1346-A961-80E2D6A49C9A}"/>
-          </ac:spMkLst>
-        </pc:spChg>
-      </pc:sldChg>
-      <pc:sldChg chg="delSp add">
-        <pc:chgData name="Khattab, Sherif" userId="c83b1e15-36f3-4f46-aceb-05aac24c545e" providerId="ADAL" clId="{EE78B4C3-BA47-2B47-8B84-4022815E3587}" dt="2019-05-14T13:34:18.851" v="46"/>
-        <pc:sldMkLst>
-          <pc:docMk/>
-          <pc:sldMk cId="2736486443" sldId="379"/>
-        </pc:sldMkLst>
-        <pc:spChg chg="del">
-          <ac:chgData name="Khattab, Sherif" userId="c83b1e15-36f3-4f46-aceb-05aac24c545e" providerId="ADAL" clId="{EE78B4C3-BA47-2B47-8B84-4022815E3587}" dt="2019-05-14T13:34:18.851" v="46"/>
-          <ac:spMkLst>
-            <pc:docMk/>
-            <pc:sldMk cId="2736486443" sldId="379"/>
-            <ac:spMk id="9" creationId="{68630AFF-8EA0-D641-8FA2-6949259437AD}"/>
-          </ac:spMkLst>
-        </pc:spChg>
-      </pc:sldChg>
-      <pc:sldChg chg="delSp add">
-        <pc:chgData name="Khattab, Sherif" userId="c83b1e15-36f3-4f46-aceb-05aac24c545e" providerId="ADAL" clId="{EE78B4C3-BA47-2B47-8B84-4022815E3587}" dt="2019-05-14T13:34:18.851" v="46"/>
-        <pc:sldMkLst>
-          <pc:docMk/>
-          <pc:sldMk cId="541381985" sldId="380"/>
-        </pc:sldMkLst>
-        <pc:spChg chg="del">
-          <ac:chgData name="Khattab, Sherif" userId="c83b1e15-36f3-4f46-aceb-05aac24c545e" providerId="ADAL" clId="{EE78B4C3-BA47-2B47-8B84-4022815E3587}" dt="2019-05-14T13:34:18.851" v="46"/>
-          <ac:spMkLst>
-            <pc:docMk/>
-            <pc:sldMk cId="541381985" sldId="380"/>
-            <ac:spMk id="25" creationId="{4D20C47B-3C18-E64F-95ED-21B263511FAD}"/>
-          </ac:spMkLst>
-        </pc:spChg>
-      </pc:sldChg>
-      <pc:sldChg chg="delSp add">
-        <pc:chgData name="Khattab, Sherif" userId="c83b1e15-36f3-4f46-aceb-05aac24c545e" providerId="ADAL" clId="{EE78B4C3-BA47-2B47-8B84-4022815E3587}" dt="2019-05-14T13:34:18.851" v="46"/>
-        <pc:sldMkLst>
-          <pc:docMk/>
-          <pc:sldMk cId="2235897330" sldId="381"/>
-        </pc:sldMkLst>
-        <pc:spChg chg="del">
-          <ac:chgData name="Khattab, Sherif" userId="c83b1e15-36f3-4f46-aceb-05aac24c545e" providerId="ADAL" clId="{EE78B4C3-BA47-2B47-8B84-4022815E3587}" dt="2019-05-14T13:34:18.851" v="46"/>
-          <ac:spMkLst>
-            <pc:docMk/>
-            <pc:sldMk cId="2235897330" sldId="381"/>
-            <ac:spMk id="8" creationId="{9D3BDADA-F567-BD4E-9F02-7C5462E120E7}"/>
-          </ac:spMkLst>
-        </pc:spChg>
-      </pc:sldChg>
-      <pc:sldChg chg="delSp add">
-        <pc:chgData name="Khattab, Sherif" userId="c83b1e15-36f3-4f46-aceb-05aac24c545e" providerId="ADAL" clId="{EE78B4C3-BA47-2B47-8B84-4022815E3587}" dt="2019-05-14T13:34:18.851" v="46"/>
-        <pc:sldMkLst>
-          <pc:docMk/>
-          <pc:sldMk cId="3360044446" sldId="382"/>
-        </pc:sldMkLst>
-        <pc:spChg chg="del">
-          <ac:chgData name="Khattab, Sherif" userId="c83b1e15-36f3-4f46-aceb-05aac24c545e" providerId="ADAL" clId="{EE78B4C3-BA47-2B47-8B84-4022815E3587}" dt="2019-05-14T13:34:18.851" v="46"/>
-          <ac:spMkLst>
-            <pc:docMk/>
-            <pc:sldMk cId="3360044446" sldId="382"/>
-            <ac:spMk id="8" creationId="{90688045-CAEF-334F-9E8D-5DE392BB31B7}"/>
-          </ac:spMkLst>
-        </pc:spChg>
-      </pc:sldChg>
-      <pc:sldChg chg="delSp add">
-        <pc:chgData name="Khattab, Sherif" userId="c83b1e15-36f3-4f46-aceb-05aac24c545e" providerId="ADAL" clId="{EE78B4C3-BA47-2B47-8B84-4022815E3587}" dt="2019-05-14T13:34:18.851" v="46"/>
-        <pc:sldMkLst>
-          <pc:docMk/>
-          <pc:sldMk cId="1954384084" sldId="383"/>
-        </pc:sldMkLst>
-        <pc:spChg chg="del">
-          <ac:chgData name="Khattab, Sherif" userId="c83b1e15-36f3-4f46-aceb-05aac24c545e" providerId="ADAL" clId="{EE78B4C3-BA47-2B47-8B84-4022815E3587}" dt="2019-05-14T13:34:18.851" v="46"/>
-          <ac:spMkLst>
-            <pc:docMk/>
-            <pc:sldMk cId="1954384084" sldId="383"/>
-            <ac:spMk id="8" creationId="{307391A8-557A-8A4A-8E68-85B54349ED8F}"/>
-          </ac:spMkLst>
-        </pc:spChg>
-      </pc:sldChg>
-      <pc:sldChg chg="delSp add">
-        <pc:chgData name="Khattab, Sherif" userId="c83b1e15-36f3-4f46-aceb-05aac24c545e" providerId="ADAL" clId="{EE78B4C3-BA47-2B47-8B84-4022815E3587}" dt="2019-05-14T13:34:18.851" v="46"/>
-        <pc:sldMkLst>
-          <pc:docMk/>
-          <pc:sldMk cId="220759689" sldId="384"/>
-        </pc:sldMkLst>
-        <pc:spChg chg="del">
-          <ac:chgData name="Khattab, Sherif" userId="c83b1e15-36f3-4f46-aceb-05aac24c545e" providerId="ADAL" clId="{EE78B4C3-BA47-2B47-8B84-4022815E3587}" dt="2019-05-14T13:34:18.851" v="46"/>
-          <ac:spMkLst>
-            <pc:docMk/>
-            <pc:sldMk cId="220759689" sldId="384"/>
-            <ac:spMk id="6" creationId="{E1DC0099-5926-8C42-9144-C73482BF1FE7}"/>
-          </ac:spMkLst>
-        </pc:spChg>
-      </pc:sldChg>
-      <pc:sldChg chg="delSp add">
-        <pc:chgData name="Khattab, Sherif" userId="c83b1e15-36f3-4f46-aceb-05aac24c545e" providerId="ADAL" clId="{EE78B4C3-BA47-2B47-8B84-4022815E3587}" dt="2019-05-14T13:34:18.851" v="46"/>
-        <pc:sldMkLst>
-          <pc:docMk/>
-          <pc:sldMk cId="2809799376" sldId="385"/>
-        </pc:sldMkLst>
-        <pc:spChg chg="del">
-          <ac:chgData name="Khattab, Sherif" userId="c83b1e15-36f3-4f46-aceb-05aac24c545e" providerId="ADAL" clId="{EE78B4C3-BA47-2B47-8B84-4022815E3587}" dt="2019-05-14T13:34:18.851" v="46"/>
-          <ac:spMkLst>
-            <pc:docMk/>
-            <pc:sldMk cId="2809799376" sldId="385"/>
-            <ac:spMk id="8" creationId="{0E14A1DC-F2CD-F64B-A516-0E10067BD269}"/>
+            <ac:spMk id="114694" creationId="{BBDAC104-BD98-9A47-A516-EE144AE2C4FF}"/>
           </ac:spMkLst>
         </pc:spChg>
       </pc:sldChg>
@@ -5887,47 +7042,782 @@
     </pc:docChg>
   </pc:docChgLst>
   <pc:docChgLst>
-    <pc:chgData name="Khattab, Sherif" userId="c83b1e15-36f3-4f46-aceb-05aac24c545e" providerId="ADAL" clId="{FE92C68B-4A2B-491A-802D-9A016E970098}"/>
-    <pc:docChg chg="addSld modSld">
-      <pc:chgData name="Khattab, Sherif" userId="c83b1e15-36f3-4f46-aceb-05aac24c545e" providerId="ADAL" clId="{FE92C68B-4A2B-491A-802D-9A016E970098}" dt="2021-01-21T02:52:14.809" v="71" actId="20577"/>
+    <pc:chgData name="Khattab, Sherif" userId="c83b1e15-36f3-4f46-aceb-05aac24c545e" providerId="ADAL" clId="{EE78B4C3-BA47-2B47-8B84-4022815E3587}"/>
+    <pc:docChg chg="addSld delSld modSld">
+      <pc:chgData name="Khattab, Sherif" userId="c83b1e15-36f3-4f46-aceb-05aac24c545e" providerId="ADAL" clId="{EE78B4C3-BA47-2B47-8B84-4022815E3587}" dt="2019-05-14T13:34:18.851" v="46"/>
       <pc:docMkLst>
         <pc:docMk/>
       </pc:docMkLst>
-      <pc:sldChg chg="modSp mod">
-        <pc:chgData name="Khattab, Sherif" userId="c83b1e15-36f3-4f46-aceb-05aac24c545e" providerId="ADAL" clId="{FE92C68B-4A2B-491A-802D-9A016E970098}" dt="2021-01-21T02:51:24.200" v="12" actId="20577"/>
-        <pc:sldMkLst>
-          <pc:docMk/>
-          <pc:sldMk cId="1330366002" sldId="454"/>
-        </pc:sldMkLst>
-        <pc:spChg chg="mod">
-          <ac:chgData name="Khattab, Sherif" userId="c83b1e15-36f3-4f46-aceb-05aac24c545e" providerId="ADAL" clId="{FE92C68B-4A2B-491A-802D-9A016E970098}" dt="2021-01-21T02:51:24.200" v="12" actId="20577"/>
-          <ac:spMkLst>
-            <pc:docMk/>
-            <pc:sldMk cId="1330366002" sldId="454"/>
+      <pc:sldChg chg="modSp">
+        <pc:chgData name="Khattab, Sherif" userId="c83b1e15-36f3-4f46-aceb-05aac24c545e" providerId="ADAL" clId="{EE78B4C3-BA47-2B47-8B84-4022815E3587}" dt="2019-05-14T13:28:04.131" v="18" actId="20577"/>
+        <pc:sldMkLst>
+          <pc:docMk/>
+          <pc:sldMk cId="0" sldId="256"/>
+        </pc:sldMkLst>
+        <pc:spChg chg="mod">
+          <ac:chgData name="Khattab, Sherif" userId="c83b1e15-36f3-4f46-aceb-05aac24c545e" providerId="ADAL" clId="{EE78B4C3-BA47-2B47-8B84-4022815E3587}" dt="2019-05-14T13:28:04.131" v="18" actId="20577"/>
+          <ac:spMkLst>
+            <pc:docMk/>
+            <pc:sldMk cId="0" sldId="256"/>
+            <ac:spMk id="2" creationId="{00000000-0000-0000-0000-000000000000}"/>
+          </ac:spMkLst>
+        </pc:spChg>
+      </pc:sldChg>
+      <pc:sldChg chg="delSp">
+        <pc:chgData name="Khattab, Sherif" userId="c83b1e15-36f3-4f46-aceb-05aac24c545e" providerId="ADAL" clId="{EE78B4C3-BA47-2B47-8B84-4022815E3587}" dt="2019-05-14T13:30:07.468" v="20"/>
+        <pc:sldMkLst>
+          <pc:docMk/>
+          <pc:sldMk cId="1004035158" sldId="259"/>
+        </pc:sldMkLst>
+        <pc:spChg chg="del">
+          <ac:chgData name="Khattab, Sherif" userId="c83b1e15-36f3-4f46-aceb-05aac24c545e" providerId="ADAL" clId="{EE78B4C3-BA47-2B47-8B84-4022815E3587}" dt="2019-05-14T13:30:07.468" v="20"/>
+          <ac:spMkLst>
+            <pc:docMk/>
+            <pc:sldMk cId="1004035158" sldId="259"/>
+            <ac:spMk id="2" creationId="{00000000-0000-0000-0000-000000000000}"/>
+          </ac:spMkLst>
+        </pc:spChg>
+      </pc:sldChg>
+      <pc:sldChg chg="delSp">
+        <pc:chgData name="Khattab, Sherif" userId="c83b1e15-36f3-4f46-aceb-05aac24c545e" providerId="ADAL" clId="{EE78B4C3-BA47-2B47-8B84-4022815E3587}" dt="2019-05-14T13:30:07.468" v="20"/>
+        <pc:sldMkLst>
+          <pc:docMk/>
+          <pc:sldMk cId="1444142485" sldId="261"/>
+        </pc:sldMkLst>
+        <pc:spChg chg="del">
+          <ac:chgData name="Khattab, Sherif" userId="c83b1e15-36f3-4f46-aceb-05aac24c545e" providerId="ADAL" clId="{EE78B4C3-BA47-2B47-8B84-4022815E3587}" dt="2019-05-14T13:30:07.468" v="20"/>
+          <ac:spMkLst>
+            <pc:docMk/>
+            <pc:sldMk cId="1444142485" sldId="261"/>
             <ac:spMk id="3" creationId="{00000000-0000-0000-0000-000000000000}"/>
           </ac:spMkLst>
         </pc:spChg>
       </pc:sldChg>
-      <pc:sldChg chg="modSp new mod">
-        <pc:chgData name="Khattab, Sherif" userId="c83b1e15-36f3-4f46-aceb-05aac24c545e" providerId="ADAL" clId="{FE92C68B-4A2B-491A-802D-9A016E970098}" dt="2021-01-21T02:52:14.809" v="71" actId="20577"/>
-        <pc:sldMkLst>
-          <pc:docMk/>
-          <pc:sldMk cId="702367729" sldId="496"/>
-        </pc:sldMkLst>
-        <pc:spChg chg="mod">
-          <ac:chgData name="Khattab, Sherif" userId="c83b1e15-36f3-4f46-aceb-05aac24c545e" providerId="ADAL" clId="{FE92C68B-4A2B-491A-802D-9A016E970098}" dt="2021-01-21T02:51:45.117" v="26" actId="20577"/>
-          <ac:spMkLst>
-            <pc:docMk/>
-            <pc:sldMk cId="702367729" sldId="496"/>
-            <ac:spMk id="2" creationId="{AB9EA720-F5B4-463B-B14C-1970BB85B2C8}"/>
-          </ac:spMkLst>
-        </pc:spChg>
-        <pc:spChg chg="mod">
-          <ac:chgData name="Khattab, Sherif" userId="c83b1e15-36f3-4f46-aceb-05aac24c545e" providerId="ADAL" clId="{FE92C68B-4A2B-491A-802D-9A016E970098}" dt="2021-01-21T02:52:14.809" v="71" actId="20577"/>
-          <ac:spMkLst>
-            <pc:docMk/>
-            <pc:sldMk cId="702367729" sldId="496"/>
-            <ac:spMk id="3" creationId="{2466C52D-9A48-4683-BE7F-268D8DB7FAAD}"/>
+      <pc:sldChg chg="delSp">
+        <pc:chgData name="Khattab, Sherif" userId="c83b1e15-36f3-4f46-aceb-05aac24c545e" providerId="ADAL" clId="{EE78B4C3-BA47-2B47-8B84-4022815E3587}" dt="2019-05-14T13:30:07.468" v="20"/>
+        <pc:sldMkLst>
+          <pc:docMk/>
+          <pc:sldMk cId="516417489" sldId="262"/>
+        </pc:sldMkLst>
+        <pc:spChg chg="del">
+          <ac:chgData name="Khattab, Sherif" userId="c83b1e15-36f3-4f46-aceb-05aac24c545e" providerId="ADAL" clId="{EE78B4C3-BA47-2B47-8B84-4022815E3587}" dt="2019-05-14T13:30:07.468" v="20"/>
+          <ac:spMkLst>
+            <pc:docMk/>
+            <pc:sldMk cId="516417489" sldId="262"/>
+            <ac:spMk id="2" creationId="{00000000-0000-0000-0000-000000000000}"/>
+          </ac:spMkLst>
+        </pc:spChg>
+      </pc:sldChg>
+      <pc:sldChg chg="delSp">
+        <pc:chgData name="Khattab, Sherif" userId="c83b1e15-36f3-4f46-aceb-05aac24c545e" providerId="ADAL" clId="{EE78B4C3-BA47-2B47-8B84-4022815E3587}" dt="2019-05-14T13:30:07.468" v="20"/>
+        <pc:sldMkLst>
+          <pc:docMk/>
+          <pc:sldMk cId="561583903" sldId="263"/>
+        </pc:sldMkLst>
+        <pc:spChg chg="del">
+          <ac:chgData name="Khattab, Sherif" userId="c83b1e15-36f3-4f46-aceb-05aac24c545e" providerId="ADAL" clId="{EE78B4C3-BA47-2B47-8B84-4022815E3587}" dt="2019-05-14T13:30:07.468" v="20"/>
+          <ac:spMkLst>
+            <pc:docMk/>
+            <pc:sldMk cId="561583903" sldId="263"/>
+            <ac:spMk id="3" creationId="{00000000-0000-0000-0000-000000000000}"/>
+          </ac:spMkLst>
+        </pc:spChg>
+      </pc:sldChg>
+      <pc:sldChg chg="delSp">
+        <pc:chgData name="Khattab, Sherif" userId="c83b1e15-36f3-4f46-aceb-05aac24c545e" providerId="ADAL" clId="{EE78B4C3-BA47-2B47-8B84-4022815E3587}" dt="2019-05-14T13:30:07.468" v="20"/>
+        <pc:sldMkLst>
+          <pc:docMk/>
+          <pc:sldMk cId="982315759" sldId="264"/>
+        </pc:sldMkLst>
+        <pc:spChg chg="del">
+          <ac:chgData name="Khattab, Sherif" userId="c83b1e15-36f3-4f46-aceb-05aac24c545e" providerId="ADAL" clId="{EE78B4C3-BA47-2B47-8B84-4022815E3587}" dt="2019-05-14T13:30:07.468" v="20"/>
+          <ac:spMkLst>
+            <pc:docMk/>
+            <pc:sldMk cId="982315759" sldId="264"/>
+            <ac:spMk id="2" creationId="{00000000-0000-0000-0000-000000000000}"/>
+          </ac:spMkLst>
+        </pc:spChg>
+      </pc:sldChg>
+      <pc:sldChg chg="delSp modSp">
+        <pc:chgData name="Khattab, Sherif" userId="c83b1e15-36f3-4f46-aceb-05aac24c545e" providerId="ADAL" clId="{EE78B4C3-BA47-2B47-8B84-4022815E3587}" dt="2019-05-14T13:30:35.317" v="37" actId="20577"/>
+        <pc:sldMkLst>
+          <pc:docMk/>
+          <pc:sldMk cId="423130617" sldId="265"/>
+        </pc:sldMkLst>
+        <pc:spChg chg="del">
+          <ac:chgData name="Khattab, Sherif" userId="c83b1e15-36f3-4f46-aceb-05aac24c545e" providerId="ADAL" clId="{EE78B4C3-BA47-2B47-8B84-4022815E3587}" dt="2019-05-14T13:30:07.468" v="20"/>
+          <ac:spMkLst>
+            <pc:docMk/>
+            <pc:sldMk cId="423130617" sldId="265"/>
+            <ac:spMk id="3" creationId="{00000000-0000-0000-0000-000000000000}"/>
+          </ac:spMkLst>
+        </pc:spChg>
+        <pc:spChg chg="mod">
+          <ac:chgData name="Khattab, Sherif" userId="c83b1e15-36f3-4f46-aceb-05aac24c545e" providerId="ADAL" clId="{EE78B4C3-BA47-2B47-8B84-4022815E3587}" dt="2019-05-14T13:30:35.317" v="37" actId="20577"/>
+          <ac:spMkLst>
+            <pc:docMk/>
+            <pc:sldMk cId="423130617" sldId="265"/>
+            <ac:spMk id="12290" creationId="{00000000-0000-0000-0000-000000000000}"/>
+          </ac:spMkLst>
+        </pc:spChg>
+      </pc:sldChg>
+      <pc:sldChg chg="delSp">
+        <pc:chgData name="Khattab, Sherif" userId="c83b1e15-36f3-4f46-aceb-05aac24c545e" providerId="ADAL" clId="{EE78B4C3-BA47-2B47-8B84-4022815E3587}" dt="2019-05-14T13:30:07.468" v="20"/>
+        <pc:sldMkLst>
+          <pc:docMk/>
+          <pc:sldMk cId="661211275" sldId="267"/>
+        </pc:sldMkLst>
+        <pc:spChg chg="del">
+          <ac:chgData name="Khattab, Sherif" userId="c83b1e15-36f3-4f46-aceb-05aac24c545e" providerId="ADAL" clId="{EE78B4C3-BA47-2B47-8B84-4022815E3587}" dt="2019-05-14T13:30:07.468" v="20"/>
+          <ac:spMkLst>
+            <pc:docMk/>
+            <pc:sldMk cId="661211275" sldId="267"/>
+            <ac:spMk id="2" creationId="{00000000-0000-0000-0000-000000000000}"/>
+          </ac:spMkLst>
+        </pc:spChg>
+      </pc:sldChg>
+      <pc:sldChg chg="delSp">
+        <pc:chgData name="Khattab, Sherif" userId="c83b1e15-36f3-4f46-aceb-05aac24c545e" providerId="ADAL" clId="{EE78B4C3-BA47-2B47-8B84-4022815E3587}" dt="2019-05-14T13:30:07.468" v="20"/>
+        <pc:sldMkLst>
+          <pc:docMk/>
+          <pc:sldMk cId="1897509347" sldId="268"/>
+        </pc:sldMkLst>
+        <pc:spChg chg="del">
+          <ac:chgData name="Khattab, Sherif" userId="c83b1e15-36f3-4f46-aceb-05aac24c545e" providerId="ADAL" clId="{EE78B4C3-BA47-2B47-8B84-4022815E3587}" dt="2019-05-14T13:30:07.468" v="20"/>
+          <ac:spMkLst>
+            <pc:docMk/>
+            <pc:sldMk cId="1897509347" sldId="268"/>
+            <ac:spMk id="2" creationId="{00000000-0000-0000-0000-000000000000}"/>
+          </ac:spMkLst>
+        </pc:spChg>
+      </pc:sldChg>
+      <pc:sldChg chg="delSp">
+        <pc:chgData name="Khattab, Sherif" userId="c83b1e15-36f3-4f46-aceb-05aac24c545e" providerId="ADAL" clId="{EE78B4C3-BA47-2B47-8B84-4022815E3587}" dt="2019-05-14T13:30:07.468" v="20"/>
+        <pc:sldMkLst>
+          <pc:docMk/>
+          <pc:sldMk cId="1042310649" sldId="269"/>
+        </pc:sldMkLst>
+        <pc:spChg chg="del">
+          <ac:chgData name="Khattab, Sherif" userId="c83b1e15-36f3-4f46-aceb-05aac24c545e" providerId="ADAL" clId="{EE78B4C3-BA47-2B47-8B84-4022815E3587}" dt="2019-05-14T13:30:07.468" v="20"/>
+          <ac:spMkLst>
+            <pc:docMk/>
+            <pc:sldMk cId="1042310649" sldId="269"/>
+            <ac:spMk id="3" creationId="{00000000-0000-0000-0000-000000000000}"/>
+          </ac:spMkLst>
+        </pc:spChg>
+      </pc:sldChg>
+      <pc:sldChg chg="delSp">
+        <pc:chgData name="Khattab, Sherif" userId="c83b1e15-36f3-4f46-aceb-05aac24c545e" providerId="ADAL" clId="{EE78B4C3-BA47-2B47-8B84-4022815E3587}" dt="2019-05-14T13:30:07.468" v="20"/>
+        <pc:sldMkLst>
+          <pc:docMk/>
+          <pc:sldMk cId="703361262" sldId="270"/>
+        </pc:sldMkLst>
+        <pc:spChg chg="del">
+          <ac:chgData name="Khattab, Sherif" userId="c83b1e15-36f3-4f46-aceb-05aac24c545e" providerId="ADAL" clId="{EE78B4C3-BA47-2B47-8B84-4022815E3587}" dt="2019-05-14T13:30:07.468" v="20"/>
+          <ac:spMkLst>
+            <pc:docMk/>
+            <pc:sldMk cId="703361262" sldId="270"/>
+            <ac:spMk id="3" creationId="{00000000-0000-0000-0000-000000000000}"/>
+          </ac:spMkLst>
+        </pc:spChg>
+      </pc:sldChg>
+      <pc:sldChg chg="delSp">
+        <pc:chgData name="Khattab, Sherif" userId="c83b1e15-36f3-4f46-aceb-05aac24c545e" providerId="ADAL" clId="{EE78B4C3-BA47-2B47-8B84-4022815E3587}" dt="2019-05-14T13:30:07.468" v="20"/>
+        <pc:sldMkLst>
+          <pc:docMk/>
+          <pc:sldMk cId="1436808390" sldId="271"/>
+        </pc:sldMkLst>
+        <pc:spChg chg="del">
+          <ac:chgData name="Khattab, Sherif" userId="c83b1e15-36f3-4f46-aceb-05aac24c545e" providerId="ADAL" clId="{EE78B4C3-BA47-2B47-8B84-4022815E3587}" dt="2019-05-14T13:30:07.468" v="20"/>
+          <ac:spMkLst>
+            <pc:docMk/>
+            <pc:sldMk cId="1436808390" sldId="271"/>
+            <ac:spMk id="2" creationId="{00000000-0000-0000-0000-000000000000}"/>
+          </ac:spMkLst>
+        </pc:spChg>
+      </pc:sldChg>
+      <pc:sldChg chg="delSp">
+        <pc:chgData name="Khattab, Sherif" userId="c83b1e15-36f3-4f46-aceb-05aac24c545e" providerId="ADAL" clId="{EE78B4C3-BA47-2B47-8B84-4022815E3587}" dt="2019-05-14T13:30:07.468" v="20"/>
+        <pc:sldMkLst>
+          <pc:docMk/>
+          <pc:sldMk cId="1301683851" sldId="272"/>
+        </pc:sldMkLst>
+        <pc:spChg chg="del">
+          <ac:chgData name="Khattab, Sherif" userId="c83b1e15-36f3-4f46-aceb-05aac24c545e" providerId="ADAL" clId="{EE78B4C3-BA47-2B47-8B84-4022815E3587}" dt="2019-05-14T13:30:07.468" v="20"/>
+          <ac:spMkLst>
+            <pc:docMk/>
+            <pc:sldMk cId="1301683851" sldId="272"/>
+            <ac:spMk id="3" creationId="{00000000-0000-0000-0000-000000000000}"/>
+          </ac:spMkLst>
+        </pc:spChg>
+      </pc:sldChg>
+      <pc:sldChg chg="delSp">
+        <pc:chgData name="Khattab, Sherif" userId="c83b1e15-36f3-4f46-aceb-05aac24c545e" providerId="ADAL" clId="{EE78B4C3-BA47-2B47-8B84-4022815E3587}" dt="2019-05-14T13:30:07.468" v="20"/>
+        <pc:sldMkLst>
+          <pc:docMk/>
+          <pc:sldMk cId="55302999" sldId="274"/>
+        </pc:sldMkLst>
+        <pc:spChg chg="del">
+          <ac:chgData name="Khattab, Sherif" userId="c83b1e15-36f3-4f46-aceb-05aac24c545e" providerId="ADAL" clId="{EE78B4C3-BA47-2B47-8B84-4022815E3587}" dt="2019-05-14T13:30:07.468" v="20"/>
+          <ac:spMkLst>
+            <pc:docMk/>
+            <pc:sldMk cId="55302999" sldId="274"/>
+            <ac:spMk id="2" creationId="{00000000-0000-0000-0000-000000000000}"/>
+          </ac:spMkLst>
+        </pc:spChg>
+      </pc:sldChg>
+      <pc:sldChg chg="delSp">
+        <pc:chgData name="Khattab, Sherif" userId="c83b1e15-36f3-4f46-aceb-05aac24c545e" providerId="ADAL" clId="{EE78B4C3-BA47-2B47-8B84-4022815E3587}" dt="2019-05-14T13:30:07.468" v="20"/>
+        <pc:sldMkLst>
+          <pc:docMk/>
+          <pc:sldMk cId="2064114192" sldId="276"/>
+        </pc:sldMkLst>
+        <pc:spChg chg="del">
+          <ac:chgData name="Khattab, Sherif" userId="c83b1e15-36f3-4f46-aceb-05aac24c545e" providerId="ADAL" clId="{EE78B4C3-BA47-2B47-8B84-4022815E3587}" dt="2019-05-14T13:30:07.468" v="20"/>
+          <ac:spMkLst>
+            <pc:docMk/>
+            <pc:sldMk cId="2064114192" sldId="276"/>
+            <ac:spMk id="2" creationId="{00000000-0000-0000-0000-000000000000}"/>
+          </ac:spMkLst>
+        </pc:spChg>
+      </pc:sldChg>
+      <pc:sldChg chg="delSp">
+        <pc:chgData name="Khattab, Sherif" userId="c83b1e15-36f3-4f46-aceb-05aac24c545e" providerId="ADAL" clId="{EE78B4C3-BA47-2B47-8B84-4022815E3587}" dt="2019-05-14T13:30:07.468" v="20"/>
+        <pc:sldMkLst>
+          <pc:docMk/>
+          <pc:sldMk cId="1000435174" sldId="278"/>
+        </pc:sldMkLst>
+        <pc:spChg chg="del">
+          <ac:chgData name="Khattab, Sherif" userId="c83b1e15-36f3-4f46-aceb-05aac24c545e" providerId="ADAL" clId="{EE78B4C3-BA47-2B47-8B84-4022815E3587}" dt="2019-05-14T13:30:07.468" v="20"/>
+          <ac:spMkLst>
+            <pc:docMk/>
+            <pc:sldMk cId="1000435174" sldId="278"/>
+            <ac:spMk id="2" creationId="{00000000-0000-0000-0000-000000000000}"/>
+          </ac:spMkLst>
+        </pc:spChg>
+      </pc:sldChg>
+      <pc:sldChg chg="delSp">
+        <pc:chgData name="Khattab, Sherif" userId="c83b1e15-36f3-4f46-aceb-05aac24c545e" providerId="ADAL" clId="{EE78B4C3-BA47-2B47-8B84-4022815E3587}" dt="2019-05-14T13:30:07.468" v="20"/>
+        <pc:sldMkLst>
+          <pc:docMk/>
+          <pc:sldMk cId="2080017563" sldId="279"/>
+        </pc:sldMkLst>
+        <pc:spChg chg="del">
+          <ac:chgData name="Khattab, Sherif" userId="c83b1e15-36f3-4f46-aceb-05aac24c545e" providerId="ADAL" clId="{EE78B4C3-BA47-2B47-8B84-4022815E3587}" dt="2019-05-14T13:30:07.468" v="20"/>
+          <ac:spMkLst>
+            <pc:docMk/>
+            <pc:sldMk cId="2080017563" sldId="279"/>
+            <ac:spMk id="3" creationId="{00000000-0000-0000-0000-000000000000}"/>
+          </ac:spMkLst>
+        </pc:spChg>
+      </pc:sldChg>
+      <pc:sldChg chg="delSp">
+        <pc:chgData name="Khattab, Sherif" userId="c83b1e15-36f3-4f46-aceb-05aac24c545e" providerId="ADAL" clId="{EE78B4C3-BA47-2B47-8B84-4022815E3587}" dt="2019-05-14T13:30:07.468" v="20"/>
+        <pc:sldMkLst>
+          <pc:docMk/>
+          <pc:sldMk cId="1445345591" sldId="281"/>
+        </pc:sldMkLst>
+        <pc:spChg chg="del">
+          <ac:chgData name="Khattab, Sherif" userId="c83b1e15-36f3-4f46-aceb-05aac24c545e" providerId="ADAL" clId="{EE78B4C3-BA47-2B47-8B84-4022815E3587}" dt="2019-05-14T13:30:07.468" v="20"/>
+          <ac:spMkLst>
+            <pc:docMk/>
+            <pc:sldMk cId="1445345591" sldId="281"/>
+            <ac:spMk id="2" creationId="{00000000-0000-0000-0000-000000000000}"/>
+          </ac:spMkLst>
+        </pc:spChg>
+      </pc:sldChg>
+      <pc:sldChg chg="delSp">
+        <pc:chgData name="Khattab, Sherif" userId="c83b1e15-36f3-4f46-aceb-05aac24c545e" providerId="ADAL" clId="{EE78B4C3-BA47-2B47-8B84-4022815E3587}" dt="2019-05-14T13:30:07.468" v="20"/>
+        <pc:sldMkLst>
+          <pc:docMk/>
+          <pc:sldMk cId="306268545" sldId="282"/>
+        </pc:sldMkLst>
+        <pc:spChg chg="del">
+          <ac:chgData name="Khattab, Sherif" userId="c83b1e15-36f3-4f46-aceb-05aac24c545e" providerId="ADAL" clId="{EE78B4C3-BA47-2B47-8B84-4022815E3587}" dt="2019-05-14T13:30:07.468" v="20"/>
+          <ac:spMkLst>
+            <pc:docMk/>
+            <pc:sldMk cId="306268545" sldId="282"/>
+            <ac:spMk id="2" creationId="{00000000-0000-0000-0000-000000000000}"/>
+          </ac:spMkLst>
+        </pc:spChg>
+      </pc:sldChg>
+      <pc:sldChg chg="delSp add">
+        <pc:chgData name="Khattab, Sherif" userId="c83b1e15-36f3-4f46-aceb-05aac24c545e" providerId="ADAL" clId="{EE78B4C3-BA47-2B47-8B84-4022815E3587}" dt="2019-05-14T13:34:18.851" v="46"/>
+        <pc:sldMkLst>
+          <pc:docMk/>
+          <pc:sldMk cId="2710637777" sldId="322"/>
+        </pc:sldMkLst>
+        <pc:spChg chg="del">
+          <ac:chgData name="Khattab, Sherif" userId="c83b1e15-36f3-4f46-aceb-05aac24c545e" providerId="ADAL" clId="{EE78B4C3-BA47-2B47-8B84-4022815E3587}" dt="2019-05-14T13:34:18.851" v="46"/>
+          <ac:spMkLst>
+            <pc:docMk/>
+            <pc:sldMk cId="2710637777" sldId="322"/>
+            <ac:spMk id="6" creationId="{0700C6EC-DCCB-614E-A0F4-3418D2D78AC7}"/>
+          </ac:spMkLst>
+        </pc:spChg>
+      </pc:sldChg>
+      <pc:sldChg chg="delSp add">
+        <pc:chgData name="Khattab, Sherif" userId="c83b1e15-36f3-4f46-aceb-05aac24c545e" providerId="ADAL" clId="{EE78B4C3-BA47-2B47-8B84-4022815E3587}" dt="2019-05-14T13:34:18.851" v="46"/>
+        <pc:sldMkLst>
+          <pc:docMk/>
+          <pc:sldMk cId="3292918179" sldId="324"/>
+        </pc:sldMkLst>
+        <pc:spChg chg="del">
+          <ac:chgData name="Khattab, Sherif" userId="c83b1e15-36f3-4f46-aceb-05aac24c545e" providerId="ADAL" clId="{EE78B4C3-BA47-2B47-8B84-4022815E3587}" dt="2019-05-14T13:34:18.851" v="46"/>
+          <ac:spMkLst>
+            <pc:docMk/>
+            <pc:sldMk cId="3292918179" sldId="324"/>
+            <ac:spMk id="26" creationId="{3729950E-4F02-6B44-A5A4-B6238ABBD35B}"/>
+          </ac:spMkLst>
+        </pc:spChg>
+      </pc:sldChg>
+      <pc:sldChg chg="delSp add">
+        <pc:chgData name="Khattab, Sherif" userId="c83b1e15-36f3-4f46-aceb-05aac24c545e" providerId="ADAL" clId="{EE78B4C3-BA47-2B47-8B84-4022815E3587}" dt="2019-05-14T13:34:18.851" v="46"/>
+        <pc:sldMkLst>
+          <pc:docMk/>
+          <pc:sldMk cId="355119911" sldId="338"/>
+        </pc:sldMkLst>
+        <pc:spChg chg="del">
+          <ac:chgData name="Khattab, Sherif" userId="c83b1e15-36f3-4f46-aceb-05aac24c545e" providerId="ADAL" clId="{EE78B4C3-BA47-2B47-8B84-4022815E3587}" dt="2019-05-14T13:34:18.851" v="46"/>
+          <ac:spMkLst>
+            <pc:docMk/>
+            <pc:sldMk cId="355119911" sldId="338"/>
+            <ac:spMk id="7" creationId="{AC4B9F18-B1E5-C341-B953-6D96BAA0EB6C}"/>
+          </ac:spMkLst>
+        </pc:spChg>
+      </pc:sldChg>
+      <pc:sldChg chg="delSp add">
+        <pc:chgData name="Khattab, Sherif" userId="c83b1e15-36f3-4f46-aceb-05aac24c545e" providerId="ADAL" clId="{EE78B4C3-BA47-2B47-8B84-4022815E3587}" dt="2019-05-14T13:34:18.851" v="46"/>
+        <pc:sldMkLst>
+          <pc:docMk/>
+          <pc:sldMk cId="4223572414" sldId="339"/>
+        </pc:sldMkLst>
+        <pc:spChg chg="del">
+          <ac:chgData name="Khattab, Sherif" userId="c83b1e15-36f3-4f46-aceb-05aac24c545e" providerId="ADAL" clId="{EE78B4C3-BA47-2B47-8B84-4022815E3587}" dt="2019-05-14T13:34:18.851" v="46"/>
+          <ac:spMkLst>
+            <pc:docMk/>
+            <pc:sldMk cId="4223572414" sldId="339"/>
+            <ac:spMk id="6" creationId="{48879884-318D-6C49-B6B8-463E617B85F1}"/>
+          </ac:spMkLst>
+        </pc:spChg>
+      </pc:sldChg>
+      <pc:sldChg chg="delSp add">
+        <pc:chgData name="Khattab, Sherif" userId="c83b1e15-36f3-4f46-aceb-05aac24c545e" providerId="ADAL" clId="{EE78B4C3-BA47-2B47-8B84-4022815E3587}" dt="2019-05-14T13:34:18.851" v="46"/>
+        <pc:sldMkLst>
+          <pc:docMk/>
+          <pc:sldMk cId="470668490" sldId="340"/>
+        </pc:sldMkLst>
+        <pc:spChg chg="del">
+          <ac:chgData name="Khattab, Sherif" userId="c83b1e15-36f3-4f46-aceb-05aac24c545e" providerId="ADAL" clId="{EE78B4C3-BA47-2B47-8B84-4022815E3587}" dt="2019-05-14T13:34:18.851" v="46"/>
+          <ac:spMkLst>
+            <pc:docMk/>
+            <pc:sldMk cId="470668490" sldId="340"/>
+            <ac:spMk id="6" creationId="{32D0E818-62B1-0A49-9CFC-1DC58F40FEBE}"/>
+          </ac:spMkLst>
+        </pc:spChg>
+      </pc:sldChg>
+      <pc:sldChg chg="delSp add">
+        <pc:chgData name="Khattab, Sherif" userId="c83b1e15-36f3-4f46-aceb-05aac24c545e" providerId="ADAL" clId="{EE78B4C3-BA47-2B47-8B84-4022815E3587}" dt="2019-05-14T13:34:18.851" v="46"/>
+        <pc:sldMkLst>
+          <pc:docMk/>
+          <pc:sldMk cId="1205868326" sldId="341"/>
+        </pc:sldMkLst>
+        <pc:spChg chg="del">
+          <ac:chgData name="Khattab, Sherif" userId="c83b1e15-36f3-4f46-aceb-05aac24c545e" providerId="ADAL" clId="{EE78B4C3-BA47-2B47-8B84-4022815E3587}" dt="2019-05-14T13:34:18.851" v="46"/>
+          <ac:spMkLst>
+            <pc:docMk/>
+            <pc:sldMk cId="1205868326" sldId="341"/>
+            <ac:spMk id="6" creationId="{918B0854-EAA5-9D49-9ED0-EA7684377156}"/>
+          </ac:spMkLst>
+        </pc:spChg>
+      </pc:sldChg>
+      <pc:sldChg chg="delSp add">
+        <pc:chgData name="Khattab, Sherif" userId="c83b1e15-36f3-4f46-aceb-05aac24c545e" providerId="ADAL" clId="{EE78B4C3-BA47-2B47-8B84-4022815E3587}" dt="2019-05-14T13:34:18.851" v="46"/>
+        <pc:sldMkLst>
+          <pc:docMk/>
+          <pc:sldMk cId="1806563943" sldId="342"/>
+        </pc:sldMkLst>
+        <pc:spChg chg="del">
+          <ac:chgData name="Khattab, Sherif" userId="c83b1e15-36f3-4f46-aceb-05aac24c545e" providerId="ADAL" clId="{EE78B4C3-BA47-2B47-8B84-4022815E3587}" dt="2019-05-14T13:34:18.851" v="46"/>
+          <ac:spMkLst>
+            <pc:docMk/>
+            <pc:sldMk cId="1806563943" sldId="342"/>
+            <ac:spMk id="9" creationId="{712AC7F1-3CB0-3140-8620-EAE2154DEBDF}"/>
+          </ac:spMkLst>
+        </pc:spChg>
+      </pc:sldChg>
+      <pc:sldChg chg="delSp add">
+        <pc:chgData name="Khattab, Sherif" userId="c83b1e15-36f3-4f46-aceb-05aac24c545e" providerId="ADAL" clId="{EE78B4C3-BA47-2B47-8B84-4022815E3587}" dt="2019-05-14T13:34:18.851" v="46"/>
+        <pc:sldMkLst>
+          <pc:docMk/>
+          <pc:sldMk cId="1167711490" sldId="343"/>
+        </pc:sldMkLst>
+        <pc:spChg chg="del">
+          <ac:chgData name="Khattab, Sherif" userId="c83b1e15-36f3-4f46-aceb-05aac24c545e" providerId="ADAL" clId="{EE78B4C3-BA47-2B47-8B84-4022815E3587}" dt="2019-05-14T13:34:18.851" v="46"/>
+          <ac:spMkLst>
+            <pc:docMk/>
+            <pc:sldMk cId="1167711490" sldId="343"/>
+            <ac:spMk id="9" creationId="{7277E941-6A46-A141-896C-8CF8D763337C}"/>
+          </ac:spMkLst>
+        </pc:spChg>
+      </pc:sldChg>
+      <pc:sldChg chg="delSp add">
+        <pc:chgData name="Khattab, Sherif" userId="c83b1e15-36f3-4f46-aceb-05aac24c545e" providerId="ADAL" clId="{EE78B4C3-BA47-2B47-8B84-4022815E3587}" dt="2019-05-14T13:34:18.851" v="46"/>
+        <pc:sldMkLst>
+          <pc:docMk/>
+          <pc:sldMk cId="1271999567" sldId="349"/>
+        </pc:sldMkLst>
+        <pc:spChg chg="del">
+          <ac:chgData name="Khattab, Sherif" userId="c83b1e15-36f3-4f46-aceb-05aac24c545e" providerId="ADAL" clId="{EE78B4C3-BA47-2B47-8B84-4022815E3587}" dt="2019-05-14T13:34:18.851" v="46"/>
+          <ac:spMkLst>
+            <pc:docMk/>
+            <pc:sldMk cId="1271999567" sldId="349"/>
+            <ac:spMk id="8" creationId="{7BD79B2E-E2F2-FE40-AF15-AA838FE67060}"/>
+          </ac:spMkLst>
+        </pc:spChg>
+      </pc:sldChg>
+      <pc:sldChg chg="delSp add">
+        <pc:chgData name="Khattab, Sherif" userId="c83b1e15-36f3-4f46-aceb-05aac24c545e" providerId="ADAL" clId="{EE78B4C3-BA47-2B47-8B84-4022815E3587}" dt="2019-05-14T13:34:18.851" v="46"/>
+        <pc:sldMkLst>
+          <pc:docMk/>
+          <pc:sldMk cId="434376579" sldId="363"/>
+        </pc:sldMkLst>
+        <pc:spChg chg="del">
+          <ac:chgData name="Khattab, Sherif" userId="c83b1e15-36f3-4f46-aceb-05aac24c545e" providerId="ADAL" clId="{EE78B4C3-BA47-2B47-8B84-4022815E3587}" dt="2019-05-14T13:34:18.851" v="46"/>
+          <ac:spMkLst>
+            <pc:docMk/>
+            <pc:sldMk cId="434376579" sldId="363"/>
+            <ac:spMk id="15" creationId="{1190D209-83D1-A548-8C7B-C35DE4396F91}"/>
+          </ac:spMkLst>
+        </pc:spChg>
+      </pc:sldChg>
+      <pc:sldChg chg="delSp add">
+        <pc:chgData name="Khattab, Sherif" userId="c83b1e15-36f3-4f46-aceb-05aac24c545e" providerId="ADAL" clId="{EE78B4C3-BA47-2B47-8B84-4022815E3587}" dt="2019-05-14T13:34:18.851" v="46"/>
+        <pc:sldMkLst>
+          <pc:docMk/>
+          <pc:sldMk cId="815621424" sldId="364"/>
+        </pc:sldMkLst>
+        <pc:spChg chg="del">
+          <ac:chgData name="Khattab, Sherif" userId="c83b1e15-36f3-4f46-aceb-05aac24c545e" providerId="ADAL" clId="{EE78B4C3-BA47-2B47-8B84-4022815E3587}" dt="2019-05-14T13:34:18.851" v="46"/>
+          <ac:spMkLst>
+            <pc:docMk/>
+            <pc:sldMk cId="815621424" sldId="364"/>
+            <ac:spMk id="29" creationId="{6D10D6C8-49C6-BE4E-9E3F-EEC76AE056AA}"/>
+          </ac:spMkLst>
+        </pc:spChg>
+      </pc:sldChg>
+      <pc:sldChg chg="delSp add">
+        <pc:chgData name="Khattab, Sherif" userId="c83b1e15-36f3-4f46-aceb-05aac24c545e" providerId="ADAL" clId="{EE78B4C3-BA47-2B47-8B84-4022815E3587}" dt="2019-05-14T13:34:18.851" v="46"/>
+        <pc:sldMkLst>
+          <pc:docMk/>
+          <pc:sldMk cId="1934104099" sldId="365"/>
+        </pc:sldMkLst>
+        <pc:spChg chg="del">
+          <ac:chgData name="Khattab, Sherif" userId="c83b1e15-36f3-4f46-aceb-05aac24c545e" providerId="ADAL" clId="{EE78B4C3-BA47-2B47-8B84-4022815E3587}" dt="2019-05-14T13:34:18.851" v="46"/>
+          <ac:spMkLst>
+            <pc:docMk/>
+            <pc:sldMk cId="1934104099" sldId="365"/>
+            <ac:spMk id="10" creationId="{87886125-1D5E-014B-A276-636801877DB6}"/>
+          </ac:spMkLst>
+        </pc:spChg>
+      </pc:sldChg>
+      <pc:sldChg chg="delSp add">
+        <pc:chgData name="Khattab, Sherif" userId="c83b1e15-36f3-4f46-aceb-05aac24c545e" providerId="ADAL" clId="{EE78B4C3-BA47-2B47-8B84-4022815E3587}" dt="2019-05-14T13:34:18.851" v="46"/>
+        <pc:sldMkLst>
+          <pc:docMk/>
+          <pc:sldMk cId="2782429159" sldId="366"/>
+        </pc:sldMkLst>
+        <pc:spChg chg="del">
+          <ac:chgData name="Khattab, Sherif" userId="c83b1e15-36f3-4f46-aceb-05aac24c545e" providerId="ADAL" clId="{EE78B4C3-BA47-2B47-8B84-4022815E3587}" dt="2019-05-14T13:34:18.851" v="46"/>
+          <ac:spMkLst>
+            <pc:docMk/>
+            <pc:sldMk cId="2782429159" sldId="366"/>
+            <ac:spMk id="6" creationId="{35E278D3-0A71-264A-B99D-056EBFA58F06}"/>
+          </ac:spMkLst>
+        </pc:spChg>
+      </pc:sldChg>
+      <pc:sldChg chg="delSp add">
+        <pc:chgData name="Khattab, Sherif" userId="c83b1e15-36f3-4f46-aceb-05aac24c545e" providerId="ADAL" clId="{EE78B4C3-BA47-2B47-8B84-4022815E3587}" dt="2019-05-14T13:34:18.851" v="46"/>
+        <pc:sldMkLst>
+          <pc:docMk/>
+          <pc:sldMk cId="2251973667" sldId="367"/>
+        </pc:sldMkLst>
+        <pc:spChg chg="del">
+          <ac:chgData name="Khattab, Sherif" userId="c83b1e15-36f3-4f46-aceb-05aac24c545e" providerId="ADAL" clId="{EE78B4C3-BA47-2B47-8B84-4022815E3587}" dt="2019-05-14T13:34:18.851" v="46"/>
+          <ac:spMkLst>
+            <pc:docMk/>
+            <pc:sldMk cId="2251973667" sldId="367"/>
+            <ac:spMk id="6" creationId="{156F37D5-7C3B-D446-B495-19F8366B5AD6}"/>
+          </ac:spMkLst>
+        </pc:spChg>
+      </pc:sldChg>
+      <pc:sldChg chg="delSp add">
+        <pc:chgData name="Khattab, Sherif" userId="c83b1e15-36f3-4f46-aceb-05aac24c545e" providerId="ADAL" clId="{EE78B4C3-BA47-2B47-8B84-4022815E3587}" dt="2019-05-14T13:34:18.851" v="46"/>
+        <pc:sldMkLst>
+          <pc:docMk/>
+          <pc:sldMk cId="3138501136" sldId="368"/>
+        </pc:sldMkLst>
+        <pc:spChg chg="del">
+          <ac:chgData name="Khattab, Sherif" userId="c83b1e15-36f3-4f46-aceb-05aac24c545e" providerId="ADAL" clId="{EE78B4C3-BA47-2B47-8B84-4022815E3587}" dt="2019-05-14T13:34:18.851" v="46"/>
+          <ac:spMkLst>
+            <pc:docMk/>
+            <pc:sldMk cId="3138501136" sldId="368"/>
+            <ac:spMk id="9" creationId="{2996EA4B-3DC2-9F42-B065-0840F656E48E}"/>
+          </ac:spMkLst>
+        </pc:spChg>
+      </pc:sldChg>
+      <pc:sldChg chg="delSp add">
+        <pc:chgData name="Khattab, Sherif" userId="c83b1e15-36f3-4f46-aceb-05aac24c545e" providerId="ADAL" clId="{EE78B4C3-BA47-2B47-8B84-4022815E3587}" dt="2019-05-14T13:34:18.851" v="46"/>
+        <pc:sldMkLst>
+          <pc:docMk/>
+          <pc:sldMk cId="3210992163" sldId="369"/>
+        </pc:sldMkLst>
+        <pc:spChg chg="del">
+          <ac:chgData name="Khattab, Sherif" userId="c83b1e15-36f3-4f46-aceb-05aac24c545e" providerId="ADAL" clId="{EE78B4C3-BA47-2B47-8B84-4022815E3587}" dt="2019-05-14T13:34:18.851" v="46"/>
+          <ac:spMkLst>
+            <pc:docMk/>
+            <pc:sldMk cId="3210992163" sldId="369"/>
+            <ac:spMk id="6" creationId="{B0B02CAE-6A9B-A441-9498-BF8F3DB626EB}"/>
+          </ac:spMkLst>
+        </pc:spChg>
+      </pc:sldChg>
+      <pc:sldChg chg="delSp add">
+        <pc:chgData name="Khattab, Sherif" userId="c83b1e15-36f3-4f46-aceb-05aac24c545e" providerId="ADAL" clId="{EE78B4C3-BA47-2B47-8B84-4022815E3587}" dt="2019-05-14T13:34:18.851" v="46"/>
+        <pc:sldMkLst>
+          <pc:docMk/>
+          <pc:sldMk cId="4013065491" sldId="370"/>
+        </pc:sldMkLst>
+        <pc:spChg chg="del">
+          <ac:chgData name="Khattab, Sherif" userId="c83b1e15-36f3-4f46-aceb-05aac24c545e" providerId="ADAL" clId="{EE78B4C3-BA47-2B47-8B84-4022815E3587}" dt="2019-05-14T13:34:18.851" v="46"/>
+          <ac:spMkLst>
+            <pc:docMk/>
+            <pc:sldMk cId="4013065491" sldId="370"/>
+            <ac:spMk id="8" creationId="{D0EF7B2F-C2A6-4E4A-BA48-98165068EB9D}"/>
+          </ac:spMkLst>
+        </pc:spChg>
+      </pc:sldChg>
+      <pc:sldChg chg="delSp add">
+        <pc:chgData name="Khattab, Sherif" userId="c83b1e15-36f3-4f46-aceb-05aac24c545e" providerId="ADAL" clId="{EE78B4C3-BA47-2B47-8B84-4022815E3587}" dt="2019-05-14T13:34:18.851" v="46"/>
+        <pc:sldMkLst>
+          <pc:docMk/>
+          <pc:sldMk cId="2592968416" sldId="371"/>
+        </pc:sldMkLst>
+        <pc:spChg chg="del">
+          <ac:chgData name="Khattab, Sherif" userId="c83b1e15-36f3-4f46-aceb-05aac24c545e" providerId="ADAL" clId="{EE78B4C3-BA47-2B47-8B84-4022815E3587}" dt="2019-05-14T13:34:18.851" v="46"/>
+          <ac:spMkLst>
+            <pc:docMk/>
+            <pc:sldMk cId="2592968416" sldId="371"/>
+            <ac:spMk id="8" creationId="{61F73BD1-10AC-B146-B4D6-4D1B879CEAE3}"/>
+          </ac:spMkLst>
+        </pc:spChg>
+      </pc:sldChg>
+      <pc:sldChg chg="delSp add">
+        <pc:chgData name="Khattab, Sherif" userId="c83b1e15-36f3-4f46-aceb-05aac24c545e" providerId="ADAL" clId="{EE78B4C3-BA47-2B47-8B84-4022815E3587}" dt="2019-05-14T13:34:18.851" v="46"/>
+        <pc:sldMkLst>
+          <pc:docMk/>
+          <pc:sldMk cId="3848335379" sldId="372"/>
+        </pc:sldMkLst>
+        <pc:spChg chg="del">
+          <ac:chgData name="Khattab, Sherif" userId="c83b1e15-36f3-4f46-aceb-05aac24c545e" providerId="ADAL" clId="{EE78B4C3-BA47-2B47-8B84-4022815E3587}" dt="2019-05-14T13:34:18.851" v="46"/>
+          <ac:spMkLst>
+            <pc:docMk/>
+            <pc:sldMk cId="3848335379" sldId="372"/>
+            <ac:spMk id="9" creationId="{A9CB262F-7565-A04A-9FDE-A27BCA955EC0}"/>
+          </ac:spMkLst>
+        </pc:spChg>
+      </pc:sldChg>
+      <pc:sldChg chg="delSp add">
+        <pc:chgData name="Khattab, Sherif" userId="c83b1e15-36f3-4f46-aceb-05aac24c545e" providerId="ADAL" clId="{EE78B4C3-BA47-2B47-8B84-4022815E3587}" dt="2019-05-14T13:34:18.851" v="46"/>
+        <pc:sldMkLst>
+          <pc:docMk/>
+          <pc:sldMk cId="3161117264" sldId="373"/>
+        </pc:sldMkLst>
+        <pc:spChg chg="del">
+          <ac:chgData name="Khattab, Sherif" userId="c83b1e15-36f3-4f46-aceb-05aac24c545e" providerId="ADAL" clId="{EE78B4C3-BA47-2B47-8B84-4022815E3587}" dt="2019-05-14T13:34:18.851" v="46"/>
+          <ac:spMkLst>
+            <pc:docMk/>
+            <pc:sldMk cId="3161117264" sldId="373"/>
+            <ac:spMk id="6" creationId="{E9F1DC46-4FA4-D444-A7D6-705144867080}"/>
+          </ac:spMkLst>
+        </pc:spChg>
+      </pc:sldChg>
+      <pc:sldChg chg="delSp add">
+        <pc:chgData name="Khattab, Sherif" userId="c83b1e15-36f3-4f46-aceb-05aac24c545e" providerId="ADAL" clId="{EE78B4C3-BA47-2B47-8B84-4022815E3587}" dt="2019-05-14T13:34:18.851" v="46"/>
+        <pc:sldMkLst>
+          <pc:docMk/>
+          <pc:sldMk cId="1542066946" sldId="374"/>
+        </pc:sldMkLst>
+        <pc:spChg chg="del">
+          <ac:chgData name="Khattab, Sherif" userId="c83b1e15-36f3-4f46-aceb-05aac24c545e" providerId="ADAL" clId="{EE78B4C3-BA47-2B47-8B84-4022815E3587}" dt="2019-05-14T13:34:18.851" v="46"/>
+          <ac:spMkLst>
+            <pc:docMk/>
+            <pc:sldMk cId="1542066946" sldId="374"/>
+            <ac:spMk id="6" creationId="{D50D1AE2-A719-F648-ABE5-1D2605CF399A}"/>
+          </ac:spMkLst>
+        </pc:spChg>
+      </pc:sldChg>
+      <pc:sldChg chg="delSp add">
+        <pc:chgData name="Khattab, Sherif" userId="c83b1e15-36f3-4f46-aceb-05aac24c545e" providerId="ADAL" clId="{EE78B4C3-BA47-2B47-8B84-4022815E3587}" dt="2019-05-14T13:34:18.851" v="46"/>
+        <pc:sldMkLst>
+          <pc:docMk/>
+          <pc:sldMk cId="834112894" sldId="375"/>
+        </pc:sldMkLst>
+        <pc:spChg chg="del">
+          <ac:chgData name="Khattab, Sherif" userId="c83b1e15-36f3-4f46-aceb-05aac24c545e" providerId="ADAL" clId="{EE78B4C3-BA47-2B47-8B84-4022815E3587}" dt="2019-05-14T13:34:18.851" v="46"/>
+          <ac:spMkLst>
+            <pc:docMk/>
+            <pc:sldMk cId="834112894" sldId="375"/>
+            <ac:spMk id="6" creationId="{429B8308-B899-EF4A-97A6-3EEDF546FBBB}"/>
+          </ac:spMkLst>
+        </pc:spChg>
+      </pc:sldChg>
+      <pc:sldChg chg="delSp add">
+        <pc:chgData name="Khattab, Sherif" userId="c83b1e15-36f3-4f46-aceb-05aac24c545e" providerId="ADAL" clId="{EE78B4C3-BA47-2B47-8B84-4022815E3587}" dt="2019-05-14T13:34:18.851" v="46"/>
+        <pc:sldMkLst>
+          <pc:docMk/>
+          <pc:sldMk cId="1165577892" sldId="376"/>
+        </pc:sldMkLst>
+        <pc:spChg chg="del">
+          <ac:chgData name="Khattab, Sherif" userId="c83b1e15-36f3-4f46-aceb-05aac24c545e" providerId="ADAL" clId="{EE78B4C3-BA47-2B47-8B84-4022815E3587}" dt="2019-05-14T13:34:18.851" v="46"/>
+          <ac:spMkLst>
+            <pc:docMk/>
+            <pc:sldMk cId="1165577892" sldId="376"/>
+            <ac:spMk id="42" creationId="{27F42901-D1CE-084B-9E38-96413317B8CF}"/>
+          </ac:spMkLst>
+        </pc:spChg>
+      </pc:sldChg>
+      <pc:sldChg chg="delSp add">
+        <pc:chgData name="Khattab, Sherif" userId="c83b1e15-36f3-4f46-aceb-05aac24c545e" providerId="ADAL" clId="{EE78B4C3-BA47-2B47-8B84-4022815E3587}" dt="2019-05-14T13:34:18.851" v="46"/>
+        <pc:sldMkLst>
+          <pc:docMk/>
+          <pc:sldMk cId="1942139729" sldId="377"/>
+        </pc:sldMkLst>
+        <pc:spChg chg="del">
+          <ac:chgData name="Khattab, Sherif" userId="c83b1e15-36f3-4f46-aceb-05aac24c545e" providerId="ADAL" clId="{EE78B4C3-BA47-2B47-8B84-4022815E3587}" dt="2019-05-14T13:34:18.851" v="46"/>
+          <ac:spMkLst>
+            <pc:docMk/>
+            <pc:sldMk cId="1942139729" sldId="377"/>
+            <ac:spMk id="9" creationId="{68716DFF-FDE6-F443-A890-77FBFB539BEB}"/>
+          </ac:spMkLst>
+        </pc:spChg>
+      </pc:sldChg>
+      <pc:sldChg chg="delSp add">
+        <pc:chgData name="Khattab, Sherif" userId="c83b1e15-36f3-4f46-aceb-05aac24c545e" providerId="ADAL" clId="{EE78B4C3-BA47-2B47-8B84-4022815E3587}" dt="2019-05-14T13:34:18.851" v="46"/>
+        <pc:sldMkLst>
+          <pc:docMk/>
+          <pc:sldMk cId="3990797458" sldId="378"/>
+        </pc:sldMkLst>
+        <pc:spChg chg="del">
+          <ac:chgData name="Khattab, Sherif" userId="c83b1e15-36f3-4f46-aceb-05aac24c545e" providerId="ADAL" clId="{EE78B4C3-BA47-2B47-8B84-4022815E3587}" dt="2019-05-14T13:34:18.851" v="46"/>
+          <ac:spMkLst>
+            <pc:docMk/>
+            <pc:sldMk cId="3990797458" sldId="378"/>
+            <ac:spMk id="6" creationId="{ADE8E4C1-F96E-1346-A961-80E2D6A49C9A}"/>
+          </ac:spMkLst>
+        </pc:spChg>
+      </pc:sldChg>
+      <pc:sldChg chg="delSp add">
+        <pc:chgData name="Khattab, Sherif" userId="c83b1e15-36f3-4f46-aceb-05aac24c545e" providerId="ADAL" clId="{EE78B4C3-BA47-2B47-8B84-4022815E3587}" dt="2019-05-14T13:34:18.851" v="46"/>
+        <pc:sldMkLst>
+          <pc:docMk/>
+          <pc:sldMk cId="2736486443" sldId="379"/>
+        </pc:sldMkLst>
+        <pc:spChg chg="del">
+          <ac:chgData name="Khattab, Sherif" userId="c83b1e15-36f3-4f46-aceb-05aac24c545e" providerId="ADAL" clId="{EE78B4C3-BA47-2B47-8B84-4022815E3587}" dt="2019-05-14T13:34:18.851" v="46"/>
+          <ac:spMkLst>
+            <pc:docMk/>
+            <pc:sldMk cId="2736486443" sldId="379"/>
+            <ac:spMk id="9" creationId="{68630AFF-8EA0-D641-8FA2-6949259437AD}"/>
+          </ac:spMkLst>
+        </pc:spChg>
+      </pc:sldChg>
+      <pc:sldChg chg="delSp add">
+        <pc:chgData name="Khattab, Sherif" userId="c83b1e15-36f3-4f46-aceb-05aac24c545e" providerId="ADAL" clId="{EE78B4C3-BA47-2B47-8B84-4022815E3587}" dt="2019-05-14T13:34:18.851" v="46"/>
+        <pc:sldMkLst>
+          <pc:docMk/>
+          <pc:sldMk cId="541381985" sldId="380"/>
+        </pc:sldMkLst>
+        <pc:spChg chg="del">
+          <ac:chgData name="Khattab, Sherif" userId="c83b1e15-36f3-4f46-aceb-05aac24c545e" providerId="ADAL" clId="{EE78B4C3-BA47-2B47-8B84-4022815E3587}" dt="2019-05-14T13:34:18.851" v="46"/>
+          <ac:spMkLst>
+            <pc:docMk/>
+            <pc:sldMk cId="541381985" sldId="380"/>
+            <ac:spMk id="25" creationId="{4D20C47B-3C18-E64F-95ED-21B263511FAD}"/>
+          </ac:spMkLst>
+        </pc:spChg>
+      </pc:sldChg>
+      <pc:sldChg chg="delSp add">
+        <pc:chgData name="Khattab, Sherif" userId="c83b1e15-36f3-4f46-aceb-05aac24c545e" providerId="ADAL" clId="{EE78B4C3-BA47-2B47-8B84-4022815E3587}" dt="2019-05-14T13:34:18.851" v="46"/>
+        <pc:sldMkLst>
+          <pc:docMk/>
+          <pc:sldMk cId="2235897330" sldId="381"/>
+        </pc:sldMkLst>
+        <pc:spChg chg="del">
+          <ac:chgData name="Khattab, Sherif" userId="c83b1e15-36f3-4f46-aceb-05aac24c545e" providerId="ADAL" clId="{EE78B4C3-BA47-2B47-8B84-4022815E3587}" dt="2019-05-14T13:34:18.851" v="46"/>
+          <ac:spMkLst>
+            <pc:docMk/>
+            <pc:sldMk cId="2235897330" sldId="381"/>
+            <ac:spMk id="8" creationId="{9D3BDADA-F567-BD4E-9F02-7C5462E120E7}"/>
+          </ac:spMkLst>
+        </pc:spChg>
+      </pc:sldChg>
+      <pc:sldChg chg="delSp add">
+        <pc:chgData name="Khattab, Sherif" userId="c83b1e15-36f3-4f46-aceb-05aac24c545e" providerId="ADAL" clId="{EE78B4C3-BA47-2B47-8B84-4022815E3587}" dt="2019-05-14T13:34:18.851" v="46"/>
+        <pc:sldMkLst>
+          <pc:docMk/>
+          <pc:sldMk cId="3360044446" sldId="382"/>
+        </pc:sldMkLst>
+        <pc:spChg chg="del">
+          <ac:chgData name="Khattab, Sherif" userId="c83b1e15-36f3-4f46-aceb-05aac24c545e" providerId="ADAL" clId="{EE78B4C3-BA47-2B47-8B84-4022815E3587}" dt="2019-05-14T13:34:18.851" v="46"/>
+          <ac:spMkLst>
+            <pc:docMk/>
+            <pc:sldMk cId="3360044446" sldId="382"/>
+            <ac:spMk id="8" creationId="{90688045-CAEF-334F-9E8D-5DE392BB31B7}"/>
+          </ac:spMkLst>
+        </pc:spChg>
+      </pc:sldChg>
+      <pc:sldChg chg="delSp add">
+        <pc:chgData name="Khattab, Sherif" userId="c83b1e15-36f3-4f46-aceb-05aac24c545e" providerId="ADAL" clId="{EE78B4C3-BA47-2B47-8B84-4022815E3587}" dt="2019-05-14T13:34:18.851" v="46"/>
+        <pc:sldMkLst>
+          <pc:docMk/>
+          <pc:sldMk cId="1954384084" sldId="383"/>
+        </pc:sldMkLst>
+        <pc:spChg chg="del">
+          <ac:chgData name="Khattab, Sherif" userId="c83b1e15-36f3-4f46-aceb-05aac24c545e" providerId="ADAL" clId="{EE78B4C3-BA47-2B47-8B84-4022815E3587}" dt="2019-05-14T13:34:18.851" v="46"/>
+          <ac:spMkLst>
+            <pc:docMk/>
+            <pc:sldMk cId="1954384084" sldId="383"/>
+            <ac:spMk id="8" creationId="{307391A8-557A-8A4A-8E68-85B54349ED8F}"/>
+          </ac:spMkLst>
+        </pc:spChg>
+      </pc:sldChg>
+      <pc:sldChg chg="delSp add">
+        <pc:chgData name="Khattab, Sherif" userId="c83b1e15-36f3-4f46-aceb-05aac24c545e" providerId="ADAL" clId="{EE78B4C3-BA47-2B47-8B84-4022815E3587}" dt="2019-05-14T13:34:18.851" v="46"/>
+        <pc:sldMkLst>
+          <pc:docMk/>
+          <pc:sldMk cId="220759689" sldId="384"/>
+        </pc:sldMkLst>
+        <pc:spChg chg="del">
+          <ac:chgData name="Khattab, Sherif" userId="c83b1e15-36f3-4f46-aceb-05aac24c545e" providerId="ADAL" clId="{EE78B4C3-BA47-2B47-8B84-4022815E3587}" dt="2019-05-14T13:34:18.851" v="46"/>
+          <ac:spMkLst>
+            <pc:docMk/>
+            <pc:sldMk cId="220759689" sldId="384"/>
+            <ac:spMk id="6" creationId="{E1DC0099-5926-8C42-9144-C73482BF1FE7}"/>
+          </ac:spMkLst>
+        </pc:spChg>
+      </pc:sldChg>
+      <pc:sldChg chg="delSp add">
+        <pc:chgData name="Khattab, Sherif" userId="c83b1e15-36f3-4f46-aceb-05aac24c545e" providerId="ADAL" clId="{EE78B4C3-BA47-2B47-8B84-4022815E3587}" dt="2019-05-14T13:34:18.851" v="46"/>
+        <pc:sldMkLst>
+          <pc:docMk/>
+          <pc:sldMk cId="2809799376" sldId="385"/>
+        </pc:sldMkLst>
+        <pc:spChg chg="del">
+          <ac:chgData name="Khattab, Sherif" userId="c83b1e15-36f3-4f46-aceb-05aac24c545e" providerId="ADAL" clId="{EE78B4C3-BA47-2B47-8B84-4022815E3587}" dt="2019-05-14T13:34:18.851" v="46"/>
+          <ac:spMkLst>
+            <pc:docMk/>
+            <pc:sldMk cId="2809799376" sldId="385"/>
+            <ac:spMk id="8" creationId="{0E14A1DC-F2CD-F64B-A516-0E10067BD269}"/>
           </ac:spMkLst>
         </pc:spChg>
       </pc:sldChg>
@@ -5954,1880 +7844,6 @@
             <ac:spMk id="3" creationId="{00000000-0000-0000-0000-000000000000}"/>
           </ac:spMkLst>
         </pc:spChg>
-      </pc:sldChg>
-    </pc:docChg>
-  </pc:docChgLst>
-  <pc:docChgLst>
-    <pc:chgData name="Khattab, Sherif" userId="c83b1e15-36f3-4f46-aceb-05aac24c545e" providerId="ADAL" clId="{DE316A4D-089D-2A40-9FA9-4724C2884636}"/>
-    <pc:docChg chg="undo custSel addSld delSld modSld">
-      <pc:chgData name="Khattab, Sherif" userId="c83b1e15-36f3-4f46-aceb-05aac24c545e" providerId="ADAL" clId="{DE316A4D-089D-2A40-9FA9-4724C2884636}" dt="2019-05-23T05:43:41.544" v="183"/>
-      <pc:docMkLst>
-        <pc:docMk/>
-      </pc:docMkLst>
-      <pc:sldChg chg="modSp">
-        <pc:chgData name="Khattab, Sherif" userId="c83b1e15-36f3-4f46-aceb-05aac24c545e" providerId="ADAL" clId="{DE316A4D-089D-2A40-9FA9-4724C2884636}" dt="2019-05-14T13:41:27.276" v="1" actId="20577"/>
-        <pc:sldMkLst>
-          <pc:docMk/>
-          <pc:sldMk cId="0" sldId="256"/>
-        </pc:sldMkLst>
-        <pc:spChg chg="mod">
-          <ac:chgData name="Khattab, Sherif" userId="c83b1e15-36f3-4f46-aceb-05aac24c545e" providerId="ADAL" clId="{DE316A4D-089D-2A40-9FA9-4724C2884636}" dt="2019-05-14T13:41:27.276" v="1" actId="20577"/>
-          <ac:spMkLst>
-            <pc:docMk/>
-            <pc:sldMk cId="0" sldId="256"/>
-            <ac:spMk id="2" creationId="{00000000-0000-0000-0000-000000000000}"/>
-          </ac:spMkLst>
-        </pc:spChg>
-      </pc:sldChg>
-      <pc:sldChg chg="del">
-        <pc:chgData name="Khattab, Sherif" userId="c83b1e15-36f3-4f46-aceb-05aac24c545e" providerId="ADAL" clId="{DE316A4D-089D-2A40-9FA9-4724C2884636}" dt="2019-05-23T03:59:27.081" v="2" actId="2696"/>
-        <pc:sldMkLst>
-          <pc:docMk/>
-          <pc:sldMk cId="1969176380" sldId="257"/>
-        </pc:sldMkLst>
-      </pc:sldChg>
-      <pc:sldChg chg="del">
-        <pc:chgData name="Khattab, Sherif" userId="c83b1e15-36f3-4f46-aceb-05aac24c545e" providerId="ADAL" clId="{DE316A4D-089D-2A40-9FA9-4724C2884636}" dt="2019-05-23T03:59:31.239" v="3" actId="2696"/>
-        <pc:sldMkLst>
-          <pc:docMk/>
-          <pc:sldMk cId="978894378" sldId="266"/>
-        </pc:sldMkLst>
-      </pc:sldChg>
-      <pc:sldChg chg="del">
-        <pc:chgData name="Khattab, Sherif" userId="c83b1e15-36f3-4f46-aceb-05aac24c545e" providerId="ADAL" clId="{DE316A4D-089D-2A40-9FA9-4724C2884636}" dt="2019-05-23T03:59:34.863" v="4" actId="2696"/>
-        <pc:sldMkLst>
-          <pc:docMk/>
-          <pc:sldMk cId="1871263980" sldId="275"/>
-        </pc:sldMkLst>
-      </pc:sldChg>
-      <pc:sldChg chg="del">
-        <pc:chgData name="Khattab, Sherif" userId="c83b1e15-36f3-4f46-aceb-05aac24c545e" providerId="ADAL" clId="{DE316A4D-089D-2A40-9FA9-4724C2884636}" dt="2019-05-23T03:59:50.802" v="5" actId="2696"/>
-        <pc:sldMkLst>
-          <pc:docMk/>
-          <pc:sldMk cId="2119836463" sldId="283"/>
-        </pc:sldMkLst>
-      </pc:sldChg>
-      <pc:sldChg chg="del">
-        <pc:chgData name="Khattab, Sherif" userId="c83b1e15-36f3-4f46-aceb-05aac24c545e" providerId="ADAL" clId="{DE316A4D-089D-2A40-9FA9-4724C2884636}" dt="2019-05-23T03:59:50.830" v="6" actId="2696"/>
-        <pc:sldMkLst>
-          <pc:docMk/>
-          <pc:sldMk cId="1220313734" sldId="284"/>
-        </pc:sldMkLst>
-      </pc:sldChg>
-      <pc:sldChg chg="del">
-        <pc:chgData name="Khattab, Sherif" userId="c83b1e15-36f3-4f46-aceb-05aac24c545e" providerId="ADAL" clId="{DE316A4D-089D-2A40-9FA9-4724C2884636}" dt="2019-05-23T03:59:50.853" v="7" actId="2696"/>
-        <pc:sldMkLst>
-          <pc:docMk/>
-          <pc:sldMk cId="882805023" sldId="285"/>
-        </pc:sldMkLst>
-      </pc:sldChg>
-      <pc:sldChg chg="del">
-        <pc:chgData name="Khattab, Sherif" userId="c83b1e15-36f3-4f46-aceb-05aac24c545e" providerId="ADAL" clId="{DE316A4D-089D-2A40-9FA9-4724C2884636}" dt="2019-05-23T03:59:50.877" v="8" actId="2696"/>
-        <pc:sldMkLst>
-          <pc:docMk/>
-          <pc:sldMk cId="561854054" sldId="287"/>
-        </pc:sldMkLst>
-      </pc:sldChg>
-      <pc:sldChg chg="del">
-        <pc:chgData name="Khattab, Sherif" userId="c83b1e15-36f3-4f46-aceb-05aac24c545e" providerId="ADAL" clId="{DE316A4D-089D-2A40-9FA9-4724C2884636}" dt="2019-05-23T03:59:50.893" v="9" actId="2696"/>
-        <pc:sldMkLst>
-          <pc:docMk/>
-          <pc:sldMk cId="1121912213" sldId="288"/>
-        </pc:sldMkLst>
-      </pc:sldChg>
-      <pc:sldChg chg="del">
-        <pc:chgData name="Khattab, Sherif" userId="c83b1e15-36f3-4f46-aceb-05aac24c545e" providerId="ADAL" clId="{DE316A4D-089D-2A40-9FA9-4724C2884636}" dt="2019-05-23T03:59:50.912" v="10" actId="2696"/>
-        <pc:sldMkLst>
-          <pc:docMk/>
-          <pc:sldMk cId="2123485087" sldId="289"/>
-        </pc:sldMkLst>
-      </pc:sldChg>
-      <pc:sldChg chg="del">
-        <pc:chgData name="Khattab, Sherif" userId="c83b1e15-36f3-4f46-aceb-05aac24c545e" providerId="ADAL" clId="{DE316A4D-089D-2A40-9FA9-4724C2884636}" dt="2019-05-23T03:59:50.929" v="11" actId="2696"/>
-        <pc:sldMkLst>
-          <pc:docMk/>
-          <pc:sldMk cId="1071549106" sldId="290"/>
-        </pc:sldMkLst>
-      </pc:sldChg>
-      <pc:sldChg chg="del">
-        <pc:chgData name="Khattab, Sherif" userId="c83b1e15-36f3-4f46-aceb-05aac24c545e" providerId="ADAL" clId="{DE316A4D-089D-2A40-9FA9-4724C2884636}" dt="2019-05-23T03:59:50.947" v="12" actId="2696"/>
-        <pc:sldMkLst>
-          <pc:docMk/>
-          <pc:sldMk cId="622828641" sldId="291"/>
-        </pc:sldMkLst>
-      </pc:sldChg>
-      <pc:sldChg chg="del">
-        <pc:chgData name="Khattab, Sherif" userId="c83b1e15-36f3-4f46-aceb-05aac24c545e" providerId="ADAL" clId="{DE316A4D-089D-2A40-9FA9-4724C2884636}" dt="2019-05-23T03:59:50.968" v="13" actId="2696"/>
-        <pc:sldMkLst>
-          <pc:docMk/>
-          <pc:sldMk cId="1781024462" sldId="292"/>
-        </pc:sldMkLst>
-      </pc:sldChg>
-      <pc:sldChg chg="del">
-        <pc:chgData name="Khattab, Sherif" userId="c83b1e15-36f3-4f46-aceb-05aac24c545e" providerId="ADAL" clId="{DE316A4D-089D-2A40-9FA9-4724C2884636}" dt="2019-05-23T03:59:50.988" v="14" actId="2696"/>
-        <pc:sldMkLst>
-          <pc:docMk/>
-          <pc:sldMk cId="64306115" sldId="295"/>
-        </pc:sldMkLst>
-      </pc:sldChg>
-      <pc:sldChg chg="del">
-        <pc:chgData name="Khattab, Sherif" userId="c83b1e15-36f3-4f46-aceb-05aac24c545e" providerId="ADAL" clId="{DE316A4D-089D-2A40-9FA9-4724C2884636}" dt="2019-05-23T03:59:51.007" v="15" actId="2696"/>
-        <pc:sldMkLst>
-          <pc:docMk/>
-          <pc:sldMk cId="281707087" sldId="296"/>
-        </pc:sldMkLst>
-      </pc:sldChg>
-      <pc:sldChg chg="del">
-        <pc:chgData name="Khattab, Sherif" userId="c83b1e15-36f3-4f46-aceb-05aac24c545e" providerId="ADAL" clId="{DE316A4D-089D-2A40-9FA9-4724C2884636}" dt="2019-05-23T03:59:51.028" v="16" actId="2696"/>
-        <pc:sldMkLst>
-          <pc:docMk/>
-          <pc:sldMk cId="275381494" sldId="297"/>
-        </pc:sldMkLst>
-      </pc:sldChg>
-      <pc:sldChg chg="del">
-        <pc:chgData name="Khattab, Sherif" userId="c83b1e15-36f3-4f46-aceb-05aac24c545e" providerId="ADAL" clId="{DE316A4D-089D-2A40-9FA9-4724C2884636}" dt="2019-05-23T03:59:51.054" v="17" actId="2696"/>
-        <pc:sldMkLst>
-          <pc:docMk/>
-          <pc:sldMk cId="1323538422" sldId="298"/>
-        </pc:sldMkLst>
-      </pc:sldChg>
-      <pc:sldChg chg="del">
-        <pc:chgData name="Khattab, Sherif" userId="c83b1e15-36f3-4f46-aceb-05aac24c545e" providerId="ADAL" clId="{DE316A4D-089D-2A40-9FA9-4724C2884636}" dt="2019-05-23T03:59:51.076" v="18" actId="2696"/>
-        <pc:sldMkLst>
-          <pc:docMk/>
-          <pc:sldMk cId="1186219626" sldId="299"/>
-        </pc:sldMkLst>
-      </pc:sldChg>
-      <pc:sldChg chg="del">
-        <pc:chgData name="Khattab, Sherif" userId="c83b1e15-36f3-4f46-aceb-05aac24c545e" providerId="ADAL" clId="{DE316A4D-089D-2A40-9FA9-4724C2884636}" dt="2019-05-23T03:59:51.094" v="19" actId="2696"/>
-        <pc:sldMkLst>
-          <pc:docMk/>
-          <pc:sldMk cId="1838361739" sldId="300"/>
-        </pc:sldMkLst>
-      </pc:sldChg>
-      <pc:sldChg chg="del">
-        <pc:chgData name="Khattab, Sherif" userId="c83b1e15-36f3-4f46-aceb-05aac24c545e" providerId="ADAL" clId="{DE316A4D-089D-2A40-9FA9-4724C2884636}" dt="2019-05-23T03:59:51.121" v="20" actId="2696"/>
-        <pc:sldMkLst>
-          <pc:docMk/>
-          <pc:sldMk cId="2051028719" sldId="301"/>
-        </pc:sldMkLst>
-      </pc:sldChg>
-      <pc:sldChg chg="del">
-        <pc:chgData name="Khattab, Sherif" userId="c83b1e15-36f3-4f46-aceb-05aac24c545e" providerId="ADAL" clId="{DE316A4D-089D-2A40-9FA9-4724C2884636}" dt="2019-05-23T03:59:51.137" v="21" actId="2696"/>
-        <pc:sldMkLst>
-          <pc:docMk/>
-          <pc:sldMk cId="247758724" sldId="302"/>
-        </pc:sldMkLst>
-      </pc:sldChg>
-      <pc:sldChg chg="del">
-        <pc:chgData name="Khattab, Sherif" userId="c83b1e15-36f3-4f46-aceb-05aac24c545e" providerId="ADAL" clId="{DE316A4D-089D-2A40-9FA9-4724C2884636}" dt="2019-05-23T03:59:51.155" v="22" actId="2696"/>
-        <pc:sldMkLst>
-          <pc:docMk/>
-          <pc:sldMk cId="1220341221" sldId="308"/>
-        </pc:sldMkLst>
-      </pc:sldChg>
-      <pc:sldChg chg="del">
-        <pc:chgData name="Khattab, Sherif" userId="c83b1e15-36f3-4f46-aceb-05aac24c545e" providerId="ADAL" clId="{DE316A4D-089D-2A40-9FA9-4724C2884636}" dt="2019-05-23T03:59:51.175" v="23" actId="2696"/>
-        <pc:sldMkLst>
-          <pc:docMk/>
-          <pc:sldMk cId="7029104" sldId="310"/>
-        </pc:sldMkLst>
-      </pc:sldChg>
-      <pc:sldChg chg="del">
-        <pc:chgData name="Khattab, Sherif" userId="c83b1e15-36f3-4f46-aceb-05aac24c545e" providerId="ADAL" clId="{DE316A4D-089D-2A40-9FA9-4724C2884636}" dt="2019-05-23T03:59:51.194" v="24" actId="2696"/>
-        <pc:sldMkLst>
-          <pc:docMk/>
-          <pc:sldMk cId="1024142779" sldId="312"/>
-        </pc:sldMkLst>
-      </pc:sldChg>
-      <pc:sldChg chg="del">
-        <pc:chgData name="Khattab, Sherif" userId="c83b1e15-36f3-4f46-aceb-05aac24c545e" providerId="ADAL" clId="{DE316A4D-089D-2A40-9FA9-4724C2884636}" dt="2019-05-23T03:59:51.209" v="25" actId="2696"/>
-        <pc:sldMkLst>
-          <pc:docMk/>
-          <pc:sldMk cId="1916533646" sldId="313"/>
-        </pc:sldMkLst>
-      </pc:sldChg>
-      <pc:sldChg chg="del">
-        <pc:chgData name="Khattab, Sherif" userId="c83b1e15-36f3-4f46-aceb-05aac24c545e" providerId="ADAL" clId="{DE316A4D-089D-2A40-9FA9-4724C2884636}" dt="2019-05-23T03:59:51.225" v="26" actId="2696"/>
-        <pc:sldMkLst>
-          <pc:docMk/>
-          <pc:sldMk cId="1496362242" sldId="314"/>
-        </pc:sldMkLst>
-      </pc:sldChg>
-      <pc:sldChg chg="del">
-        <pc:chgData name="Khattab, Sherif" userId="c83b1e15-36f3-4f46-aceb-05aac24c545e" providerId="ADAL" clId="{DE316A4D-089D-2A40-9FA9-4724C2884636}" dt="2019-05-23T03:59:51.246" v="27" actId="2696"/>
-        <pc:sldMkLst>
-          <pc:docMk/>
-          <pc:sldMk cId="1231859445" sldId="315"/>
-        </pc:sldMkLst>
-      </pc:sldChg>
-      <pc:sldChg chg="del">
-        <pc:chgData name="Khattab, Sherif" userId="c83b1e15-36f3-4f46-aceb-05aac24c545e" providerId="ADAL" clId="{DE316A4D-089D-2A40-9FA9-4724C2884636}" dt="2019-05-23T03:59:51.263" v="28" actId="2696"/>
-        <pc:sldMkLst>
-          <pc:docMk/>
-          <pc:sldMk cId="1500164103" sldId="316"/>
-        </pc:sldMkLst>
-      </pc:sldChg>
-      <pc:sldChg chg="del">
-        <pc:chgData name="Khattab, Sherif" userId="c83b1e15-36f3-4f46-aceb-05aac24c545e" providerId="ADAL" clId="{DE316A4D-089D-2A40-9FA9-4724C2884636}" dt="2019-05-23T03:59:51.285" v="29" actId="2696"/>
-        <pc:sldMkLst>
-          <pc:docMk/>
-          <pc:sldMk cId="2062436898" sldId="317"/>
-        </pc:sldMkLst>
-      </pc:sldChg>
-      <pc:sldChg chg="del">
-        <pc:chgData name="Khattab, Sherif" userId="c83b1e15-36f3-4f46-aceb-05aac24c545e" providerId="ADAL" clId="{DE316A4D-089D-2A40-9FA9-4724C2884636}" dt="2019-05-23T04:00:10.658" v="31" actId="2696"/>
-        <pc:sldMkLst>
-          <pc:docMk/>
-          <pc:sldMk cId="234564799" sldId="321"/>
-        </pc:sldMkLst>
-      </pc:sldChg>
-      <pc:sldChg chg="del">
-        <pc:chgData name="Khattab, Sherif" userId="c83b1e15-36f3-4f46-aceb-05aac24c545e" providerId="ADAL" clId="{DE316A4D-089D-2A40-9FA9-4724C2884636}" dt="2019-05-23T04:00:10.675" v="32" actId="2696"/>
-        <pc:sldMkLst>
-          <pc:docMk/>
-          <pc:sldMk cId="12771870" sldId="323"/>
-        </pc:sldMkLst>
-      </pc:sldChg>
-      <pc:sldChg chg="del">
-        <pc:chgData name="Khattab, Sherif" userId="c83b1e15-36f3-4f46-aceb-05aac24c545e" providerId="ADAL" clId="{DE316A4D-089D-2A40-9FA9-4724C2884636}" dt="2019-05-23T04:00:10.691" v="33" actId="2696"/>
-        <pc:sldMkLst>
-          <pc:docMk/>
-          <pc:sldMk cId="1847714567" sldId="325"/>
-        </pc:sldMkLst>
-      </pc:sldChg>
-      <pc:sldChg chg="del">
-        <pc:chgData name="Khattab, Sherif" userId="c83b1e15-36f3-4f46-aceb-05aac24c545e" providerId="ADAL" clId="{DE316A4D-089D-2A40-9FA9-4724C2884636}" dt="2019-05-23T04:00:10.712" v="34" actId="2696"/>
-        <pc:sldMkLst>
-          <pc:docMk/>
-          <pc:sldMk cId="564977494" sldId="326"/>
-        </pc:sldMkLst>
-      </pc:sldChg>
-      <pc:sldChg chg="del">
-        <pc:chgData name="Khattab, Sherif" userId="c83b1e15-36f3-4f46-aceb-05aac24c545e" providerId="ADAL" clId="{DE316A4D-089D-2A40-9FA9-4724C2884636}" dt="2019-05-23T04:00:10.730" v="35" actId="2696"/>
-        <pc:sldMkLst>
-          <pc:docMk/>
-          <pc:sldMk cId="1957278823" sldId="327"/>
-        </pc:sldMkLst>
-      </pc:sldChg>
-      <pc:sldChg chg="del">
-        <pc:chgData name="Khattab, Sherif" userId="c83b1e15-36f3-4f46-aceb-05aac24c545e" providerId="ADAL" clId="{DE316A4D-089D-2A40-9FA9-4724C2884636}" dt="2019-05-23T04:00:10.745" v="36" actId="2696"/>
-        <pc:sldMkLst>
-          <pc:docMk/>
-          <pc:sldMk cId="336896758" sldId="328"/>
-        </pc:sldMkLst>
-      </pc:sldChg>
-      <pc:sldChg chg="del">
-        <pc:chgData name="Khattab, Sherif" userId="c83b1e15-36f3-4f46-aceb-05aac24c545e" providerId="ADAL" clId="{DE316A4D-089D-2A40-9FA9-4724C2884636}" dt="2019-05-23T04:00:10.764" v="37" actId="2696"/>
-        <pc:sldMkLst>
-          <pc:docMk/>
-          <pc:sldMk cId="815879604" sldId="329"/>
-        </pc:sldMkLst>
-      </pc:sldChg>
-      <pc:sldChg chg="del">
-        <pc:chgData name="Khattab, Sherif" userId="c83b1e15-36f3-4f46-aceb-05aac24c545e" providerId="ADAL" clId="{DE316A4D-089D-2A40-9FA9-4724C2884636}" dt="2019-05-23T04:00:10.782" v="38" actId="2696"/>
-        <pc:sldMkLst>
-          <pc:docMk/>
-          <pc:sldMk cId="1076495690" sldId="330"/>
-        </pc:sldMkLst>
-      </pc:sldChg>
-      <pc:sldChg chg="del">
-        <pc:chgData name="Khattab, Sherif" userId="c83b1e15-36f3-4f46-aceb-05aac24c545e" providerId="ADAL" clId="{DE316A4D-089D-2A40-9FA9-4724C2884636}" dt="2019-05-23T04:00:10.800" v="39" actId="2696"/>
-        <pc:sldMkLst>
-          <pc:docMk/>
-          <pc:sldMk cId="17720096" sldId="331"/>
-        </pc:sldMkLst>
-      </pc:sldChg>
-      <pc:sldChg chg="del">
-        <pc:chgData name="Khattab, Sherif" userId="c83b1e15-36f3-4f46-aceb-05aac24c545e" providerId="ADAL" clId="{DE316A4D-089D-2A40-9FA9-4724C2884636}" dt="2019-05-23T04:00:10.818" v="40" actId="2696"/>
-        <pc:sldMkLst>
-          <pc:docMk/>
-          <pc:sldMk cId="501490190" sldId="332"/>
-        </pc:sldMkLst>
-      </pc:sldChg>
-      <pc:sldChg chg="del">
-        <pc:chgData name="Khattab, Sherif" userId="c83b1e15-36f3-4f46-aceb-05aac24c545e" providerId="ADAL" clId="{DE316A4D-089D-2A40-9FA9-4724C2884636}" dt="2019-05-23T04:00:10.831" v="41" actId="2696"/>
-        <pc:sldMkLst>
-          <pc:docMk/>
-          <pc:sldMk cId="790480540" sldId="333"/>
-        </pc:sldMkLst>
-      </pc:sldChg>
-      <pc:sldChg chg="del">
-        <pc:chgData name="Khattab, Sherif" userId="c83b1e15-36f3-4f46-aceb-05aac24c545e" providerId="ADAL" clId="{DE316A4D-089D-2A40-9FA9-4724C2884636}" dt="2019-05-23T04:00:10.847" v="42" actId="2696"/>
-        <pc:sldMkLst>
-          <pc:docMk/>
-          <pc:sldMk cId="1721885993" sldId="334"/>
-        </pc:sldMkLst>
-      </pc:sldChg>
-      <pc:sldChg chg="del">
-        <pc:chgData name="Khattab, Sherif" userId="c83b1e15-36f3-4f46-aceb-05aac24c545e" providerId="ADAL" clId="{DE316A4D-089D-2A40-9FA9-4724C2884636}" dt="2019-05-23T04:00:10.862" v="43" actId="2696"/>
-        <pc:sldMkLst>
-          <pc:docMk/>
-          <pc:sldMk cId="2048526379" sldId="335"/>
-        </pc:sldMkLst>
-      </pc:sldChg>
-      <pc:sldChg chg="del">
-        <pc:chgData name="Khattab, Sherif" userId="c83b1e15-36f3-4f46-aceb-05aac24c545e" providerId="ADAL" clId="{DE316A4D-089D-2A40-9FA9-4724C2884636}" dt="2019-05-23T04:00:10.875" v="44" actId="2696"/>
-        <pc:sldMkLst>
-          <pc:docMk/>
-          <pc:sldMk cId="1818037055" sldId="336"/>
-        </pc:sldMkLst>
-      </pc:sldChg>
-      <pc:sldChg chg="del">
-        <pc:chgData name="Khattab, Sherif" userId="c83b1e15-36f3-4f46-aceb-05aac24c545e" providerId="ADAL" clId="{DE316A4D-089D-2A40-9FA9-4724C2884636}" dt="2019-05-23T04:00:10.942" v="45" actId="2696"/>
-        <pc:sldMkLst>
-          <pc:docMk/>
-          <pc:sldMk cId="1351453869" sldId="337"/>
-        </pc:sldMkLst>
-      </pc:sldChg>
-      <pc:sldChg chg="del">
-        <pc:chgData name="Khattab, Sherif" userId="c83b1e15-36f3-4f46-aceb-05aac24c545e" providerId="ADAL" clId="{DE316A4D-089D-2A40-9FA9-4724C2884636}" dt="2019-05-23T04:00:10.959" v="46" actId="2696"/>
-        <pc:sldMkLst>
-          <pc:docMk/>
-          <pc:sldMk cId="299099826" sldId="344"/>
-        </pc:sldMkLst>
-      </pc:sldChg>
-      <pc:sldChg chg="del">
-        <pc:chgData name="Khattab, Sherif" userId="c83b1e15-36f3-4f46-aceb-05aac24c545e" providerId="ADAL" clId="{DE316A4D-089D-2A40-9FA9-4724C2884636}" dt="2019-05-23T04:00:10.978" v="47" actId="2696"/>
-        <pc:sldMkLst>
-          <pc:docMk/>
-          <pc:sldMk cId="1172624611" sldId="345"/>
-        </pc:sldMkLst>
-      </pc:sldChg>
-      <pc:sldChg chg="del">
-        <pc:chgData name="Khattab, Sherif" userId="c83b1e15-36f3-4f46-aceb-05aac24c545e" providerId="ADAL" clId="{DE316A4D-089D-2A40-9FA9-4724C2884636}" dt="2019-05-23T04:00:10.995" v="48" actId="2696"/>
-        <pc:sldMkLst>
-          <pc:docMk/>
-          <pc:sldMk cId="1402694930" sldId="346"/>
-        </pc:sldMkLst>
-      </pc:sldChg>
-      <pc:sldChg chg="del">
-        <pc:chgData name="Khattab, Sherif" userId="c83b1e15-36f3-4f46-aceb-05aac24c545e" providerId="ADAL" clId="{DE316A4D-089D-2A40-9FA9-4724C2884636}" dt="2019-05-23T04:00:11.012" v="49" actId="2696"/>
-        <pc:sldMkLst>
-          <pc:docMk/>
-          <pc:sldMk cId="1142103534" sldId="347"/>
-        </pc:sldMkLst>
-      </pc:sldChg>
-      <pc:sldChg chg="del">
-        <pc:chgData name="Khattab, Sherif" userId="c83b1e15-36f3-4f46-aceb-05aac24c545e" providerId="ADAL" clId="{DE316A4D-089D-2A40-9FA9-4724C2884636}" dt="2019-05-23T04:00:11.027" v="50" actId="2696"/>
-        <pc:sldMkLst>
-          <pc:docMk/>
-          <pc:sldMk cId="1487891482" sldId="348"/>
-        </pc:sldMkLst>
-      </pc:sldChg>
-      <pc:sldChg chg="del">
-        <pc:chgData name="Khattab, Sherif" userId="c83b1e15-36f3-4f46-aceb-05aac24c545e" providerId="ADAL" clId="{DE316A4D-089D-2A40-9FA9-4724C2884636}" dt="2019-05-23T04:00:11.046" v="51" actId="2696"/>
-        <pc:sldMkLst>
-          <pc:docMk/>
-          <pc:sldMk cId="1088938428" sldId="350"/>
-        </pc:sldMkLst>
-      </pc:sldChg>
-      <pc:sldChg chg="del">
-        <pc:chgData name="Khattab, Sherif" userId="c83b1e15-36f3-4f46-aceb-05aac24c545e" providerId="ADAL" clId="{DE316A4D-089D-2A40-9FA9-4724C2884636}" dt="2019-05-23T04:00:11.061" v="52" actId="2696"/>
-        <pc:sldMkLst>
-          <pc:docMk/>
-          <pc:sldMk cId="522303428" sldId="351"/>
-        </pc:sldMkLst>
-      </pc:sldChg>
-      <pc:sldChg chg="del">
-        <pc:chgData name="Khattab, Sherif" userId="c83b1e15-36f3-4f46-aceb-05aac24c545e" providerId="ADAL" clId="{DE316A4D-089D-2A40-9FA9-4724C2884636}" dt="2019-05-23T04:00:11.078" v="53" actId="2696"/>
-        <pc:sldMkLst>
-          <pc:docMk/>
-          <pc:sldMk cId="1414576433" sldId="352"/>
-        </pc:sldMkLst>
-      </pc:sldChg>
-      <pc:sldChg chg="del">
-        <pc:chgData name="Khattab, Sherif" userId="c83b1e15-36f3-4f46-aceb-05aac24c545e" providerId="ADAL" clId="{DE316A4D-089D-2A40-9FA9-4724C2884636}" dt="2019-05-23T04:00:11.097" v="54" actId="2696"/>
-        <pc:sldMkLst>
-          <pc:docMk/>
-          <pc:sldMk cId="335586832" sldId="353"/>
-        </pc:sldMkLst>
-      </pc:sldChg>
-      <pc:sldChg chg="del">
-        <pc:chgData name="Khattab, Sherif" userId="c83b1e15-36f3-4f46-aceb-05aac24c545e" providerId="ADAL" clId="{DE316A4D-089D-2A40-9FA9-4724C2884636}" dt="2019-05-23T04:00:11.116" v="55" actId="2696"/>
-        <pc:sldMkLst>
-          <pc:docMk/>
-          <pc:sldMk cId="1312654365" sldId="354"/>
-        </pc:sldMkLst>
-      </pc:sldChg>
-      <pc:sldChg chg="del">
-        <pc:chgData name="Khattab, Sherif" userId="c83b1e15-36f3-4f46-aceb-05aac24c545e" providerId="ADAL" clId="{DE316A4D-089D-2A40-9FA9-4724C2884636}" dt="2019-05-23T04:00:11.135" v="56" actId="2696"/>
-        <pc:sldMkLst>
-          <pc:docMk/>
-          <pc:sldMk cId="1650496688" sldId="355"/>
-        </pc:sldMkLst>
-      </pc:sldChg>
-      <pc:sldChg chg="del">
-        <pc:chgData name="Khattab, Sherif" userId="c83b1e15-36f3-4f46-aceb-05aac24c545e" providerId="ADAL" clId="{DE316A4D-089D-2A40-9FA9-4724C2884636}" dt="2019-05-23T04:00:11.151" v="57" actId="2696"/>
-        <pc:sldMkLst>
-          <pc:docMk/>
-          <pc:sldMk cId="1454150411" sldId="356"/>
-        </pc:sldMkLst>
-      </pc:sldChg>
-      <pc:sldChg chg="del">
-        <pc:chgData name="Khattab, Sherif" userId="c83b1e15-36f3-4f46-aceb-05aac24c545e" providerId="ADAL" clId="{DE316A4D-089D-2A40-9FA9-4724C2884636}" dt="2019-05-23T04:00:11.168" v="58" actId="2696"/>
-        <pc:sldMkLst>
-          <pc:docMk/>
-          <pc:sldMk cId="101929529" sldId="360"/>
-        </pc:sldMkLst>
-      </pc:sldChg>
-      <pc:sldChg chg="del">
-        <pc:chgData name="Khattab, Sherif" userId="c83b1e15-36f3-4f46-aceb-05aac24c545e" providerId="ADAL" clId="{DE316A4D-089D-2A40-9FA9-4724C2884636}" dt="2019-05-23T04:00:11.184" v="59" actId="2696"/>
-        <pc:sldMkLst>
-          <pc:docMk/>
-          <pc:sldMk cId="1698948873" sldId="361"/>
-        </pc:sldMkLst>
-      </pc:sldChg>
-      <pc:sldChg chg="del">
-        <pc:chgData name="Khattab, Sherif" userId="c83b1e15-36f3-4f46-aceb-05aac24c545e" providerId="ADAL" clId="{DE316A4D-089D-2A40-9FA9-4724C2884636}" dt="2019-05-23T04:00:10.639" v="30" actId="2696"/>
-        <pc:sldMkLst>
-          <pc:docMk/>
-          <pc:sldMk cId="1039212811" sldId="362"/>
-        </pc:sldMkLst>
-      </pc:sldChg>
-      <pc:sldChg chg="modSp">
-        <pc:chgData name="Khattab, Sherif" userId="c83b1e15-36f3-4f46-aceb-05aac24c545e" providerId="ADAL" clId="{DE316A4D-089D-2A40-9FA9-4724C2884636}" dt="2019-05-23T04:41:06.345" v="179" actId="20577"/>
-        <pc:sldMkLst>
-          <pc:docMk/>
-          <pc:sldMk cId="2782429159" sldId="366"/>
-        </pc:sldMkLst>
-        <pc:spChg chg="mod">
-          <ac:chgData name="Khattab, Sherif" userId="c83b1e15-36f3-4f46-aceb-05aac24c545e" providerId="ADAL" clId="{DE316A4D-089D-2A40-9FA9-4724C2884636}" dt="2019-05-23T04:41:06.345" v="179" actId="20577"/>
-          <ac:spMkLst>
-            <pc:docMk/>
-            <pc:sldMk cId="2782429159" sldId="366"/>
-            <ac:spMk id="95235" creationId="{2B3AF23D-100F-A945-8AE4-C62D08FB4EFF}"/>
-          </ac:spMkLst>
-        </pc:spChg>
-      </pc:sldChg>
-      <pc:sldChg chg="modSp">
-        <pc:chgData name="Khattab, Sherif" userId="c83b1e15-36f3-4f46-aceb-05aac24c545e" providerId="ADAL" clId="{DE316A4D-089D-2A40-9FA9-4724C2884636}" dt="2019-05-23T04:06:27.051" v="169" actId="20577"/>
-        <pc:sldMkLst>
-          <pc:docMk/>
-          <pc:sldMk cId="1542066946" sldId="374"/>
-        </pc:sldMkLst>
-        <pc:spChg chg="mod">
-          <ac:chgData name="Khattab, Sherif" userId="c83b1e15-36f3-4f46-aceb-05aac24c545e" providerId="ADAL" clId="{DE316A4D-089D-2A40-9FA9-4724C2884636}" dt="2019-05-23T04:06:27.051" v="169" actId="20577"/>
-          <ac:spMkLst>
-            <pc:docMk/>
-            <pc:sldMk cId="1542066946" sldId="374"/>
-            <ac:spMk id="105475" creationId="{B2EA02B2-FF2F-E840-9115-9F46B908CC54}"/>
-          </ac:spMkLst>
-        </pc:spChg>
-      </pc:sldChg>
-      <pc:sldChg chg="add">
-        <pc:chgData name="Khattab, Sherif" userId="c83b1e15-36f3-4f46-aceb-05aac24c545e" providerId="ADAL" clId="{DE316A4D-089D-2A40-9FA9-4724C2884636}" dt="2019-05-23T05:43:41.544" v="183"/>
-        <pc:sldMkLst>
-          <pc:docMk/>
-          <pc:sldMk cId="583513582" sldId="377"/>
-        </pc:sldMkLst>
-      </pc:sldChg>
-      <pc:sldChg chg="modSp del">
-        <pc:chgData name="Khattab, Sherif" userId="c83b1e15-36f3-4f46-aceb-05aac24c545e" providerId="ADAL" clId="{DE316A4D-089D-2A40-9FA9-4724C2884636}" dt="2019-05-23T05:43:32.974" v="182" actId="2696"/>
-        <pc:sldMkLst>
-          <pc:docMk/>
-          <pc:sldMk cId="1942139729" sldId="377"/>
-        </pc:sldMkLst>
-        <pc:spChg chg="mod">
-          <ac:chgData name="Khattab, Sherif" userId="c83b1e15-36f3-4f46-aceb-05aac24c545e" providerId="ADAL" clId="{DE316A4D-089D-2A40-9FA9-4724C2884636}" dt="2019-05-23T05:40:47.295" v="181" actId="20577"/>
-          <ac:spMkLst>
-            <pc:docMk/>
-            <pc:sldMk cId="1942139729" sldId="377"/>
-            <ac:spMk id="114694" creationId="{BBDAC104-BD98-9A47-A516-EE144AE2C4FF}"/>
-          </ac:spMkLst>
-        </pc:spChg>
-      </pc:sldChg>
-    </pc:docChg>
-  </pc:docChgLst>
-  <pc:docChgLst>
-    <pc:chgData name="Khattab, Sherif" userId="c83b1e15-36f3-4f46-aceb-05aac24c545e" providerId="ADAL" clId="{A364C4AF-944E-4333-86BA-C37F8AC2AABB}"/>
-    <pc:docChg chg="addSld delSld modSld">
-      <pc:chgData name="Khattab, Sherif" userId="c83b1e15-36f3-4f46-aceb-05aac24c545e" providerId="ADAL" clId="{A364C4AF-944E-4333-86BA-C37F8AC2AABB}" dt="2021-09-30T16:01:53.785" v="80" actId="2696"/>
-      <pc:docMkLst>
-        <pc:docMk/>
-      </pc:docMkLst>
-      <pc:sldChg chg="add">
-        <pc:chgData name="Khattab, Sherif" userId="c83b1e15-36f3-4f46-aceb-05aac24c545e" providerId="ADAL" clId="{A364C4AF-944E-4333-86BA-C37F8AC2AABB}" dt="2021-09-28T16:29:02.753" v="79"/>
-        <pc:sldMkLst>
-          <pc:docMk/>
-          <pc:sldMk cId="1806563943" sldId="342"/>
-        </pc:sldMkLst>
-      </pc:sldChg>
-      <pc:sldChg chg="add">
-        <pc:chgData name="Khattab, Sherif" userId="c83b1e15-36f3-4f46-aceb-05aac24c545e" providerId="ADAL" clId="{A364C4AF-944E-4333-86BA-C37F8AC2AABB}" dt="2021-09-28T16:29:02.753" v="79"/>
-        <pc:sldMkLst>
-          <pc:docMk/>
-          <pc:sldMk cId="1167711490" sldId="343"/>
-        </pc:sldMkLst>
-      </pc:sldChg>
-      <pc:sldChg chg="add del">
-        <pc:chgData name="Khattab, Sherif" userId="c83b1e15-36f3-4f46-aceb-05aac24c545e" providerId="ADAL" clId="{A364C4AF-944E-4333-86BA-C37F8AC2AABB}" dt="2021-09-30T16:01:53.785" v="80" actId="2696"/>
-        <pc:sldMkLst>
-          <pc:docMk/>
-          <pc:sldMk cId="1271999567" sldId="349"/>
-        </pc:sldMkLst>
-      </pc:sldChg>
-      <pc:sldChg chg="add del">
-        <pc:chgData name="Khattab, Sherif" userId="c83b1e15-36f3-4f46-aceb-05aac24c545e" providerId="ADAL" clId="{A364C4AF-944E-4333-86BA-C37F8AC2AABB}" dt="2021-09-30T16:01:53.785" v="80" actId="2696"/>
-        <pc:sldMkLst>
-          <pc:docMk/>
-          <pc:sldMk cId="3990797458" sldId="378"/>
-        </pc:sldMkLst>
-      </pc:sldChg>
-      <pc:sldChg chg="add del">
-        <pc:chgData name="Khattab, Sherif" userId="c83b1e15-36f3-4f46-aceb-05aac24c545e" providerId="ADAL" clId="{A364C4AF-944E-4333-86BA-C37F8AC2AABB}" dt="2021-09-30T16:01:53.785" v="80" actId="2696"/>
-        <pc:sldMkLst>
-          <pc:docMk/>
-          <pc:sldMk cId="2736486443" sldId="379"/>
-        </pc:sldMkLst>
-      </pc:sldChg>
-      <pc:sldChg chg="add del">
-        <pc:chgData name="Khattab, Sherif" userId="c83b1e15-36f3-4f46-aceb-05aac24c545e" providerId="ADAL" clId="{A364C4AF-944E-4333-86BA-C37F8AC2AABB}" dt="2021-09-30T16:01:53.785" v="80" actId="2696"/>
-        <pc:sldMkLst>
-          <pc:docMk/>
-          <pc:sldMk cId="1337868689" sldId="381"/>
-        </pc:sldMkLst>
-      </pc:sldChg>
-      <pc:sldChg chg="del">
-        <pc:chgData name="Khattab, Sherif" userId="c83b1e15-36f3-4f46-aceb-05aac24c545e" providerId="ADAL" clId="{A364C4AF-944E-4333-86BA-C37F8AC2AABB}" dt="2021-09-30T16:01:53.785" v="80" actId="2696"/>
-        <pc:sldMkLst>
-          <pc:docMk/>
-          <pc:sldMk cId="3851230975" sldId="382"/>
-        </pc:sldMkLst>
-      </pc:sldChg>
-      <pc:sldChg chg="add del">
-        <pc:chgData name="Khattab, Sherif" userId="c83b1e15-36f3-4f46-aceb-05aac24c545e" providerId="ADAL" clId="{A364C4AF-944E-4333-86BA-C37F8AC2AABB}" dt="2021-09-30T16:01:53.785" v="80" actId="2696"/>
-        <pc:sldMkLst>
-          <pc:docMk/>
-          <pc:sldMk cId="1591837287" sldId="384"/>
-        </pc:sldMkLst>
-      </pc:sldChg>
-      <pc:sldChg chg="del">
-        <pc:chgData name="Khattab, Sherif" userId="c83b1e15-36f3-4f46-aceb-05aac24c545e" providerId="ADAL" clId="{A364C4AF-944E-4333-86BA-C37F8AC2AABB}" dt="2021-09-30T16:01:53.785" v="80" actId="2696"/>
-        <pc:sldMkLst>
-          <pc:docMk/>
-          <pc:sldMk cId="1898410716" sldId="385"/>
-        </pc:sldMkLst>
-      </pc:sldChg>
-      <pc:sldChg chg="del">
-        <pc:chgData name="Khattab, Sherif" userId="c83b1e15-36f3-4f46-aceb-05aac24c545e" providerId="ADAL" clId="{A364C4AF-944E-4333-86BA-C37F8AC2AABB}" dt="2021-09-28T16:28:01.437" v="6" actId="47"/>
-        <pc:sldMkLst>
-          <pc:docMk/>
-          <pc:sldMk cId="702367729" sldId="496"/>
-        </pc:sldMkLst>
-      </pc:sldChg>
-      <pc:sldChg chg="modSp add mod">
-        <pc:chgData name="Khattab, Sherif" userId="c83b1e15-36f3-4f46-aceb-05aac24c545e" providerId="ADAL" clId="{A364C4AF-944E-4333-86BA-C37F8AC2AABB}" dt="2021-09-28T16:27:59.143" v="5" actId="5793"/>
-        <pc:sldMkLst>
-          <pc:docMk/>
-          <pc:sldMk cId="3903507516" sldId="498"/>
-        </pc:sldMkLst>
-        <pc:spChg chg="mod">
-          <ac:chgData name="Khattab, Sherif" userId="c83b1e15-36f3-4f46-aceb-05aac24c545e" providerId="ADAL" clId="{A364C4AF-944E-4333-86BA-C37F8AC2AABB}" dt="2021-09-28T16:27:59.143" v="5" actId="5793"/>
-          <ac:spMkLst>
-            <pc:docMk/>
-            <pc:sldMk cId="3903507516" sldId="498"/>
-            <ac:spMk id="3" creationId="{2466C52D-9A48-4683-BE7F-268D8DB7FAAD}"/>
-          </ac:spMkLst>
-        </pc:spChg>
-      </pc:sldChg>
-      <pc:sldChg chg="del">
-        <pc:chgData name="Khattab, Sherif" userId="c83b1e15-36f3-4f46-aceb-05aac24c545e" providerId="ADAL" clId="{A364C4AF-944E-4333-86BA-C37F8AC2AABB}" dt="2021-09-28T16:28:51.069" v="78" actId="47"/>
-        <pc:sldMkLst>
-          <pc:docMk/>
-          <pc:sldMk cId="4202616107" sldId="500"/>
-        </pc:sldMkLst>
-      </pc:sldChg>
-      <pc:sldChg chg="modSp mod">
-        <pc:chgData name="Khattab, Sherif" userId="c83b1e15-36f3-4f46-aceb-05aac24c545e" providerId="ADAL" clId="{A364C4AF-944E-4333-86BA-C37F8AC2AABB}" dt="2021-09-28T16:28:47.590" v="77" actId="20577"/>
-        <pc:sldMkLst>
-          <pc:docMk/>
-          <pc:sldMk cId="2116864396" sldId="505"/>
-        </pc:sldMkLst>
-        <pc:spChg chg="mod">
-          <ac:chgData name="Khattab, Sherif" userId="c83b1e15-36f3-4f46-aceb-05aac24c545e" providerId="ADAL" clId="{A364C4AF-944E-4333-86BA-C37F8AC2AABB}" dt="2021-09-28T16:28:47.590" v="77" actId="20577"/>
-          <ac:spMkLst>
-            <pc:docMk/>
-            <pc:sldMk cId="2116864396" sldId="505"/>
-            <ac:spMk id="3" creationId="{9FDE3B14-90B9-4B5A-83C7-6E633E32EA28}"/>
-          </ac:spMkLst>
-        </pc:spChg>
-      </pc:sldChg>
-      <pc:sldChg chg="del">
-        <pc:chgData name="Khattab, Sherif" userId="c83b1e15-36f3-4f46-aceb-05aac24c545e" providerId="ADAL" clId="{A364C4AF-944E-4333-86BA-C37F8AC2AABB}" dt="2021-09-30T16:01:53.785" v="80" actId="2696"/>
-        <pc:sldMkLst>
-          <pc:docMk/>
-          <pc:sldMk cId="3652489610" sldId="506"/>
-        </pc:sldMkLst>
-      </pc:sldChg>
-      <pc:sldChg chg="add">
-        <pc:chgData name="Khattab, Sherif" userId="c83b1e15-36f3-4f46-aceb-05aac24c545e" providerId="ADAL" clId="{A364C4AF-944E-4333-86BA-C37F8AC2AABB}" dt="2021-09-28T16:29:02.753" v="79"/>
-        <pc:sldMkLst>
-          <pc:docMk/>
-          <pc:sldMk cId="707882026" sldId="509"/>
-        </pc:sldMkLst>
-      </pc:sldChg>
-      <pc:sldChg chg="add">
-        <pc:chgData name="Khattab, Sherif" userId="c83b1e15-36f3-4f46-aceb-05aac24c545e" providerId="ADAL" clId="{A364C4AF-944E-4333-86BA-C37F8AC2AABB}" dt="2021-09-28T16:29:02.753" v="79"/>
-        <pc:sldMkLst>
-          <pc:docMk/>
-          <pc:sldMk cId="2108493189" sldId="510"/>
-        </pc:sldMkLst>
-      </pc:sldChg>
-      <pc:sldChg chg="add">
-        <pc:chgData name="Khattab, Sherif" userId="c83b1e15-36f3-4f46-aceb-05aac24c545e" providerId="ADAL" clId="{A364C4AF-944E-4333-86BA-C37F8AC2AABB}" dt="2021-09-28T16:29:02.753" v="79"/>
-        <pc:sldMkLst>
-          <pc:docMk/>
-          <pc:sldMk cId="2618280309" sldId="511"/>
-        </pc:sldMkLst>
-      </pc:sldChg>
-      <pc:sldChg chg="add del">
-        <pc:chgData name="Khattab, Sherif" userId="c83b1e15-36f3-4f46-aceb-05aac24c545e" providerId="ADAL" clId="{A364C4AF-944E-4333-86BA-C37F8AC2AABB}" dt="2021-09-30T16:01:53.785" v="80" actId="2696"/>
-        <pc:sldMkLst>
-          <pc:docMk/>
-          <pc:sldMk cId="2907412692" sldId="512"/>
-        </pc:sldMkLst>
-      </pc:sldChg>
-      <pc:sldChg chg="add del">
-        <pc:chgData name="Khattab, Sherif" userId="c83b1e15-36f3-4f46-aceb-05aac24c545e" providerId="ADAL" clId="{A364C4AF-944E-4333-86BA-C37F8AC2AABB}" dt="2021-09-30T16:01:53.785" v="80" actId="2696"/>
-        <pc:sldMkLst>
-          <pc:docMk/>
-          <pc:sldMk cId="3017477705" sldId="513"/>
-        </pc:sldMkLst>
-      </pc:sldChg>
-      <pc:sldChg chg="add del">
-        <pc:chgData name="Khattab, Sherif" userId="c83b1e15-36f3-4f46-aceb-05aac24c545e" providerId="ADAL" clId="{A364C4AF-944E-4333-86BA-C37F8AC2AABB}" dt="2021-09-30T16:01:53.785" v="80" actId="2696"/>
-        <pc:sldMkLst>
-          <pc:docMk/>
-          <pc:sldMk cId="1468641068" sldId="514"/>
-        </pc:sldMkLst>
-      </pc:sldChg>
-      <pc:sldChg chg="add del">
-        <pc:chgData name="Khattab, Sherif" userId="c83b1e15-36f3-4f46-aceb-05aac24c545e" providerId="ADAL" clId="{A364C4AF-944E-4333-86BA-C37F8AC2AABB}" dt="2021-09-30T16:01:53.785" v="80" actId="2696"/>
-        <pc:sldMkLst>
-          <pc:docMk/>
-          <pc:sldMk cId="2793897325" sldId="515"/>
-        </pc:sldMkLst>
-      </pc:sldChg>
-      <pc:sldChg chg="del">
-        <pc:chgData name="Khattab, Sherif" userId="c83b1e15-36f3-4f46-aceb-05aac24c545e" providerId="ADAL" clId="{A364C4AF-944E-4333-86BA-C37F8AC2AABB}" dt="2021-09-30T16:01:53.785" v="80" actId="2696"/>
-        <pc:sldMkLst>
-          <pc:docMk/>
-          <pc:sldMk cId="2487721040" sldId="516"/>
-        </pc:sldMkLst>
-      </pc:sldChg>
-      <pc:sldChg chg="del">
-        <pc:chgData name="Khattab, Sherif" userId="c83b1e15-36f3-4f46-aceb-05aac24c545e" providerId="ADAL" clId="{A364C4AF-944E-4333-86BA-C37F8AC2AABB}" dt="2021-09-30T16:01:53.785" v="80" actId="2696"/>
-        <pc:sldMkLst>
-          <pc:docMk/>
-          <pc:sldMk cId="1616471687" sldId="518"/>
-        </pc:sldMkLst>
-      </pc:sldChg>
-      <pc:sldChg chg="del">
-        <pc:chgData name="Khattab, Sherif" userId="c83b1e15-36f3-4f46-aceb-05aac24c545e" providerId="ADAL" clId="{A364C4AF-944E-4333-86BA-C37F8AC2AABB}" dt="2021-09-30T16:01:53.785" v="80" actId="2696"/>
-        <pc:sldMkLst>
-          <pc:docMk/>
-          <pc:sldMk cId="3504930043" sldId="519"/>
-        </pc:sldMkLst>
-      </pc:sldChg>
-      <pc:sldChg chg="del">
-        <pc:chgData name="Khattab, Sherif" userId="c83b1e15-36f3-4f46-aceb-05aac24c545e" providerId="ADAL" clId="{A364C4AF-944E-4333-86BA-C37F8AC2AABB}" dt="2021-09-30T16:01:53.785" v="80" actId="2696"/>
-        <pc:sldMkLst>
-          <pc:docMk/>
-          <pc:sldMk cId="2126070970" sldId="520"/>
-        </pc:sldMkLst>
-      </pc:sldChg>
-      <pc:sldChg chg="del">
-        <pc:chgData name="Khattab, Sherif" userId="c83b1e15-36f3-4f46-aceb-05aac24c545e" providerId="ADAL" clId="{A364C4AF-944E-4333-86BA-C37F8AC2AABB}" dt="2021-09-30T16:01:53.785" v="80" actId="2696"/>
-        <pc:sldMkLst>
-          <pc:docMk/>
-          <pc:sldMk cId="2842851832" sldId="521"/>
-        </pc:sldMkLst>
-      </pc:sldChg>
-      <pc:sldChg chg="del">
-        <pc:chgData name="Khattab, Sherif" userId="c83b1e15-36f3-4f46-aceb-05aac24c545e" providerId="ADAL" clId="{A364C4AF-944E-4333-86BA-C37F8AC2AABB}" dt="2021-09-30T16:01:53.785" v="80" actId="2696"/>
-        <pc:sldMkLst>
-          <pc:docMk/>
-          <pc:sldMk cId="3046460320" sldId="522"/>
-        </pc:sldMkLst>
-      </pc:sldChg>
-      <pc:sldChg chg="add">
-        <pc:chgData name="Khattab, Sherif" userId="c83b1e15-36f3-4f46-aceb-05aac24c545e" providerId="ADAL" clId="{A364C4AF-944E-4333-86BA-C37F8AC2AABB}" dt="2021-09-28T16:29:02.753" v="79"/>
-        <pc:sldMkLst>
-          <pc:docMk/>
-          <pc:sldMk cId="1471214150" sldId="523"/>
-        </pc:sldMkLst>
-      </pc:sldChg>
-      <pc:sldChg chg="add">
-        <pc:chgData name="Khattab, Sherif" userId="c83b1e15-36f3-4f46-aceb-05aac24c545e" providerId="ADAL" clId="{A364C4AF-944E-4333-86BA-C37F8AC2AABB}" dt="2021-09-28T16:29:02.753" v="79"/>
-        <pc:sldMkLst>
-          <pc:docMk/>
-          <pc:sldMk cId="1839202036" sldId="524"/>
-        </pc:sldMkLst>
-      </pc:sldChg>
-      <pc:sldChg chg="add">
-        <pc:chgData name="Khattab, Sherif" userId="c83b1e15-36f3-4f46-aceb-05aac24c545e" providerId="ADAL" clId="{A364C4AF-944E-4333-86BA-C37F8AC2AABB}" dt="2021-09-28T16:29:02.753" v="79"/>
-        <pc:sldMkLst>
-          <pc:docMk/>
-          <pc:sldMk cId="1301141676" sldId="525"/>
-        </pc:sldMkLst>
-      </pc:sldChg>
-      <pc:sldChg chg="add">
-        <pc:chgData name="Khattab, Sherif" userId="c83b1e15-36f3-4f46-aceb-05aac24c545e" providerId="ADAL" clId="{A364C4AF-944E-4333-86BA-C37F8AC2AABB}" dt="2021-09-28T16:29:02.753" v="79"/>
-        <pc:sldMkLst>
-          <pc:docMk/>
-          <pc:sldMk cId="3336646820" sldId="526"/>
-        </pc:sldMkLst>
-      </pc:sldChg>
-      <pc:sldChg chg="add del">
-        <pc:chgData name="Khattab, Sherif" userId="c83b1e15-36f3-4f46-aceb-05aac24c545e" providerId="ADAL" clId="{A364C4AF-944E-4333-86BA-C37F8AC2AABB}" dt="2021-09-30T16:01:53.785" v="80" actId="2696"/>
-        <pc:sldMkLst>
-          <pc:docMk/>
-          <pc:sldMk cId="3989127528" sldId="527"/>
-        </pc:sldMkLst>
-      </pc:sldChg>
-      <pc:sldChg chg="add">
-        <pc:chgData name="Khattab, Sherif" userId="c83b1e15-36f3-4f46-aceb-05aac24c545e" providerId="ADAL" clId="{A364C4AF-944E-4333-86BA-C37F8AC2AABB}" dt="2021-09-28T16:29:02.753" v="79"/>
-        <pc:sldMkLst>
-          <pc:docMk/>
-          <pc:sldMk cId="3718964789" sldId="543"/>
-        </pc:sldMkLst>
-      </pc:sldChg>
-      <pc:sldChg chg="add">
-        <pc:chgData name="Khattab, Sherif" userId="c83b1e15-36f3-4f46-aceb-05aac24c545e" providerId="ADAL" clId="{A364C4AF-944E-4333-86BA-C37F8AC2AABB}" dt="2021-09-28T16:29:02.753" v="79"/>
-        <pc:sldMkLst>
-          <pc:docMk/>
-          <pc:sldMk cId="486560120" sldId="544"/>
-        </pc:sldMkLst>
-      </pc:sldChg>
-      <pc:sldChg chg="add del">
-        <pc:chgData name="Khattab, Sherif" userId="c83b1e15-36f3-4f46-aceb-05aac24c545e" providerId="ADAL" clId="{A364C4AF-944E-4333-86BA-C37F8AC2AABB}" dt="2021-09-30T16:01:53.785" v="80" actId="2696"/>
-        <pc:sldMkLst>
-          <pc:docMk/>
-          <pc:sldMk cId="2959171718" sldId="545"/>
-        </pc:sldMkLst>
-      </pc:sldChg>
-      <pc:sldChg chg="add del">
-        <pc:chgData name="Khattab, Sherif" userId="c83b1e15-36f3-4f46-aceb-05aac24c545e" providerId="ADAL" clId="{A364C4AF-944E-4333-86BA-C37F8AC2AABB}" dt="2021-09-30T16:01:53.785" v="80" actId="2696"/>
-        <pc:sldMkLst>
-          <pc:docMk/>
-          <pc:sldMk cId="2259346312" sldId="546"/>
-        </pc:sldMkLst>
-      </pc:sldChg>
-      <pc:sldChg chg="add del">
-        <pc:chgData name="Khattab, Sherif" userId="c83b1e15-36f3-4f46-aceb-05aac24c545e" providerId="ADAL" clId="{A364C4AF-944E-4333-86BA-C37F8AC2AABB}" dt="2021-09-30T16:01:53.785" v="80" actId="2696"/>
-        <pc:sldMkLst>
-          <pc:docMk/>
-          <pc:sldMk cId="3876805328" sldId="547"/>
-        </pc:sldMkLst>
-      </pc:sldChg>
-      <pc:sldChg chg="add del">
-        <pc:chgData name="Khattab, Sherif" userId="c83b1e15-36f3-4f46-aceb-05aac24c545e" providerId="ADAL" clId="{A364C4AF-944E-4333-86BA-C37F8AC2AABB}" dt="2021-09-30T16:01:53.785" v="80" actId="2696"/>
-        <pc:sldMkLst>
-          <pc:docMk/>
-          <pc:sldMk cId="1302483671" sldId="548"/>
-        </pc:sldMkLst>
-      </pc:sldChg>
-      <pc:sldChg chg="add del">
-        <pc:chgData name="Khattab, Sherif" userId="c83b1e15-36f3-4f46-aceb-05aac24c545e" providerId="ADAL" clId="{A364C4AF-944E-4333-86BA-C37F8AC2AABB}" dt="2021-09-30T16:01:53.785" v="80" actId="2696"/>
-        <pc:sldMkLst>
-          <pc:docMk/>
-          <pc:sldMk cId="4082589092" sldId="549"/>
-        </pc:sldMkLst>
-      </pc:sldChg>
-      <pc:sldChg chg="add del">
-        <pc:chgData name="Khattab, Sherif" userId="c83b1e15-36f3-4f46-aceb-05aac24c545e" providerId="ADAL" clId="{A364C4AF-944E-4333-86BA-C37F8AC2AABB}" dt="2021-09-30T16:01:53.785" v="80" actId="2696"/>
-        <pc:sldMkLst>
-          <pc:docMk/>
-          <pc:sldMk cId="2768642374" sldId="550"/>
-        </pc:sldMkLst>
-      </pc:sldChg>
-      <pc:sldChg chg="add del">
-        <pc:chgData name="Khattab, Sherif" userId="c83b1e15-36f3-4f46-aceb-05aac24c545e" providerId="ADAL" clId="{A364C4AF-944E-4333-86BA-C37F8AC2AABB}" dt="2021-09-30T16:01:53.785" v="80" actId="2696"/>
-        <pc:sldMkLst>
-          <pc:docMk/>
-          <pc:sldMk cId="1850740189" sldId="551"/>
-        </pc:sldMkLst>
-      </pc:sldChg>
-      <pc:sldChg chg="add del">
-        <pc:chgData name="Khattab, Sherif" userId="c83b1e15-36f3-4f46-aceb-05aac24c545e" providerId="ADAL" clId="{A364C4AF-944E-4333-86BA-C37F8AC2AABB}" dt="2021-09-30T16:01:53.785" v="80" actId="2696"/>
-        <pc:sldMkLst>
-          <pc:docMk/>
-          <pc:sldMk cId="1401906409" sldId="552"/>
-        </pc:sldMkLst>
-      </pc:sldChg>
-      <pc:sldChg chg="add del">
-        <pc:chgData name="Khattab, Sherif" userId="c83b1e15-36f3-4f46-aceb-05aac24c545e" providerId="ADAL" clId="{A364C4AF-944E-4333-86BA-C37F8AC2AABB}" dt="2021-09-30T16:01:53.785" v="80" actId="2696"/>
-        <pc:sldMkLst>
-          <pc:docMk/>
-          <pc:sldMk cId="441821993" sldId="553"/>
-        </pc:sldMkLst>
-      </pc:sldChg>
-      <pc:sldChg chg="add del">
-        <pc:chgData name="Khattab, Sherif" userId="c83b1e15-36f3-4f46-aceb-05aac24c545e" providerId="ADAL" clId="{A364C4AF-944E-4333-86BA-C37F8AC2AABB}" dt="2021-09-30T16:01:53.785" v="80" actId="2696"/>
-        <pc:sldMkLst>
-          <pc:docMk/>
-          <pc:sldMk cId="3858160310" sldId="554"/>
-        </pc:sldMkLst>
-      </pc:sldChg>
-      <pc:sldChg chg="add del">
-        <pc:chgData name="Khattab, Sherif" userId="c83b1e15-36f3-4f46-aceb-05aac24c545e" providerId="ADAL" clId="{A364C4AF-944E-4333-86BA-C37F8AC2AABB}" dt="2021-09-30T16:01:53.785" v="80" actId="2696"/>
-        <pc:sldMkLst>
-          <pc:docMk/>
-          <pc:sldMk cId="924667073" sldId="555"/>
-        </pc:sldMkLst>
-      </pc:sldChg>
-    </pc:docChg>
-  </pc:docChgLst>
-  <pc:docChgLst>
-    <pc:chgData name="Khattab, Sherif" userId="c83b1e15-36f3-4f46-aceb-05aac24c545e" providerId="ADAL" clId="{00771379-563B-405F-813C-A6D6F2B0CDAD}"/>
-    <pc:docChg chg="modSld">
-      <pc:chgData name="Khattab, Sherif" userId="c83b1e15-36f3-4f46-aceb-05aac24c545e" providerId="ADAL" clId="{00771379-563B-405F-813C-A6D6F2B0CDAD}" dt="2020-09-08T04:21:57.867" v="3" actId="20577"/>
-      <pc:docMkLst>
-        <pc:docMk/>
-      </pc:docMkLst>
-      <pc:sldChg chg="modSp mod">
-        <pc:chgData name="Khattab, Sherif" userId="c83b1e15-36f3-4f46-aceb-05aac24c545e" providerId="ADAL" clId="{00771379-563B-405F-813C-A6D6F2B0CDAD}" dt="2020-09-08T04:21:57.867" v="3" actId="20577"/>
-        <pc:sldMkLst>
-          <pc:docMk/>
-          <pc:sldMk cId="1330366002" sldId="454"/>
-        </pc:sldMkLst>
-        <pc:spChg chg="mod">
-          <ac:chgData name="Khattab, Sherif" userId="c83b1e15-36f3-4f46-aceb-05aac24c545e" providerId="ADAL" clId="{00771379-563B-405F-813C-A6D6F2B0CDAD}" dt="2020-09-08T04:21:57.867" v="3" actId="20577"/>
-          <ac:spMkLst>
-            <pc:docMk/>
-            <pc:sldMk cId="1330366002" sldId="454"/>
-            <ac:spMk id="3" creationId="{00000000-0000-0000-0000-000000000000}"/>
-          </ac:spMkLst>
-        </pc:spChg>
-      </pc:sldChg>
-    </pc:docChg>
-  </pc:docChgLst>
-  <pc:docChgLst>
-    <pc:chgData name="Sherif Khattab" userId="c83b1e15-36f3-4f46-aceb-05aac24c545e" providerId="ADAL" clId="{4F266D3B-92A2-40A8-A073-356F608DC91A}"/>
-    <pc:docChg chg="undo custSel addSld delSld modSld">
-      <pc:chgData name="Sherif Khattab" userId="c83b1e15-36f3-4f46-aceb-05aac24c545e" providerId="ADAL" clId="{4F266D3B-92A2-40A8-A073-356F608DC91A}" dt="2021-02-17T00:16:24.875" v="717" actId="1076"/>
-      <pc:docMkLst>
-        <pc:docMk/>
-      </pc:docMkLst>
-      <pc:sldChg chg="modSp del mod">
-        <pc:chgData name="Sherif Khattab" userId="c83b1e15-36f3-4f46-aceb-05aac24c545e" providerId="ADAL" clId="{4F266D3B-92A2-40A8-A073-356F608DC91A}" dt="2021-02-16T18:38:39.143" v="580" actId="47"/>
-        <pc:sldMkLst>
-          <pc:docMk/>
-          <pc:sldMk cId="3681208715" sldId="257"/>
-        </pc:sldMkLst>
-        <pc:spChg chg="mod">
-          <ac:chgData name="Sherif Khattab" userId="c83b1e15-36f3-4f46-aceb-05aac24c545e" providerId="ADAL" clId="{4F266D3B-92A2-40A8-A073-356F608DC91A}" dt="2021-02-16T15:39:14.558" v="504" actId="20577"/>
-          <ac:spMkLst>
-            <pc:docMk/>
-            <pc:sldMk cId="3681208715" sldId="257"/>
-            <ac:spMk id="5123" creationId="{550C3EC1-F853-4061-A0F2-F81B64390D10}"/>
-          </ac:spMkLst>
-        </pc:spChg>
-      </pc:sldChg>
-      <pc:sldChg chg="del">
-        <pc:chgData name="Sherif Khattab" userId="c83b1e15-36f3-4f46-aceb-05aac24c545e" providerId="ADAL" clId="{4F266D3B-92A2-40A8-A073-356F608DC91A}" dt="2021-02-16T15:39:00.760" v="491" actId="47"/>
-        <pc:sldMkLst>
-          <pc:docMk/>
-          <pc:sldMk cId="1664517503" sldId="258"/>
-        </pc:sldMkLst>
-      </pc:sldChg>
-      <pc:sldChg chg="del">
-        <pc:chgData name="Sherif Khattab" userId="c83b1e15-36f3-4f46-aceb-05aac24c545e" providerId="ADAL" clId="{4F266D3B-92A2-40A8-A073-356F608DC91A}" dt="2021-02-16T14:38:32.321" v="5" actId="47"/>
-        <pc:sldMkLst>
-          <pc:docMk/>
-          <pc:sldMk cId="1004035158" sldId="259"/>
-        </pc:sldMkLst>
-      </pc:sldChg>
-      <pc:sldChg chg="del">
-        <pc:chgData name="Sherif Khattab" userId="c83b1e15-36f3-4f46-aceb-05aac24c545e" providerId="ADAL" clId="{4F266D3B-92A2-40A8-A073-356F608DC91A}" dt="2021-02-16T15:39:06.861" v="493" actId="47"/>
-        <pc:sldMkLst>
-          <pc:docMk/>
-          <pc:sldMk cId="3230569327" sldId="260"/>
-        </pc:sldMkLst>
-      </pc:sldChg>
-      <pc:sldChg chg="del">
-        <pc:chgData name="Sherif Khattab" userId="c83b1e15-36f3-4f46-aceb-05aac24c545e" providerId="ADAL" clId="{4F266D3B-92A2-40A8-A073-356F608DC91A}" dt="2021-02-16T14:38:32.321" v="5" actId="47"/>
-        <pc:sldMkLst>
-          <pc:docMk/>
-          <pc:sldMk cId="1444142485" sldId="261"/>
-        </pc:sldMkLst>
-      </pc:sldChg>
-      <pc:sldChg chg="del">
-        <pc:chgData name="Sherif Khattab" userId="c83b1e15-36f3-4f46-aceb-05aac24c545e" providerId="ADAL" clId="{4F266D3B-92A2-40A8-A073-356F608DC91A}" dt="2021-02-16T14:38:32.321" v="5" actId="47"/>
-        <pc:sldMkLst>
-          <pc:docMk/>
-          <pc:sldMk cId="516417489" sldId="262"/>
-        </pc:sldMkLst>
-      </pc:sldChg>
-      <pc:sldChg chg="del">
-        <pc:chgData name="Sherif Khattab" userId="c83b1e15-36f3-4f46-aceb-05aac24c545e" providerId="ADAL" clId="{4F266D3B-92A2-40A8-A073-356F608DC91A}" dt="2021-02-16T14:38:32.321" v="5" actId="47"/>
-        <pc:sldMkLst>
-          <pc:docMk/>
-          <pc:sldMk cId="561583903" sldId="263"/>
-        </pc:sldMkLst>
-      </pc:sldChg>
-      <pc:sldChg chg="del">
-        <pc:chgData name="Sherif Khattab" userId="c83b1e15-36f3-4f46-aceb-05aac24c545e" providerId="ADAL" clId="{4F266D3B-92A2-40A8-A073-356F608DC91A}" dt="2021-02-16T14:38:32.321" v="5" actId="47"/>
-        <pc:sldMkLst>
-          <pc:docMk/>
-          <pc:sldMk cId="982315759" sldId="264"/>
-        </pc:sldMkLst>
-      </pc:sldChg>
-      <pc:sldChg chg="del">
-        <pc:chgData name="Sherif Khattab" userId="c83b1e15-36f3-4f46-aceb-05aac24c545e" providerId="ADAL" clId="{4F266D3B-92A2-40A8-A073-356F608DC91A}" dt="2021-02-16T14:38:32.321" v="5" actId="47"/>
-        <pc:sldMkLst>
-          <pc:docMk/>
-          <pc:sldMk cId="423130617" sldId="265"/>
-        </pc:sldMkLst>
-      </pc:sldChg>
-      <pc:sldChg chg="del">
-        <pc:chgData name="Sherif Khattab" userId="c83b1e15-36f3-4f46-aceb-05aac24c545e" providerId="ADAL" clId="{4F266D3B-92A2-40A8-A073-356F608DC91A}" dt="2021-02-16T14:40:29.007" v="103" actId="47"/>
-        <pc:sldMkLst>
-          <pc:docMk/>
-          <pc:sldMk cId="386763112" sldId="266"/>
-        </pc:sldMkLst>
-      </pc:sldChg>
-      <pc:sldChg chg="del">
-        <pc:chgData name="Sherif Khattab" userId="c83b1e15-36f3-4f46-aceb-05aac24c545e" providerId="ADAL" clId="{4F266D3B-92A2-40A8-A073-356F608DC91A}" dt="2021-02-16T14:38:32.321" v="5" actId="47"/>
-        <pc:sldMkLst>
-          <pc:docMk/>
-          <pc:sldMk cId="661211275" sldId="267"/>
-        </pc:sldMkLst>
-      </pc:sldChg>
-      <pc:sldChg chg="del">
-        <pc:chgData name="Sherif Khattab" userId="c83b1e15-36f3-4f46-aceb-05aac24c545e" providerId="ADAL" clId="{4F266D3B-92A2-40A8-A073-356F608DC91A}" dt="2021-02-16T14:38:32.321" v="5" actId="47"/>
-        <pc:sldMkLst>
-          <pc:docMk/>
-          <pc:sldMk cId="1897509347" sldId="268"/>
-        </pc:sldMkLst>
-      </pc:sldChg>
-      <pc:sldChg chg="del">
-        <pc:chgData name="Sherif Khattab" userId="c83b1e15-36f3-4f46-aceb-05aac24c545e" providerId="ADAL" clId="{4F266D3B-92A2-40A8-A073-356F608DC91A}" dt="2021-02-16T14:38:32.321" v="5" actId="47"/>
-        <pc:sldMkLst>
-          <pc:docMk/>
-          <pc:sldMk cId="1042310649" sldId="269"/>
-        </pc:sldMkLst>
-      </pc:sldChg>
-      <pc:sldChg chg="del">
-        <pc:chgData name="Sherif Khattab" userId="c83b1e15-36f3-4f46-aceb-05aac24c545e" providerId="ADAL" clId="{4F266D3B-92A2-40A8-A073-356F608DC91A}" dt="2021-02-16T14:38:32.321" v="5" actId="47"/>
-        <pc:sldMkLst>
-          <pc:docMk/>
-          <pc:sldMk cId="703361262" sldId="270"/>
-        </pc:sldMkLst>
-      </pc:sldChg>
-      <pc:sldChg chg="del">
-        <pc:chgData name="Sherif Khattab" userId="c83b1e15-36f3-4f46-aceb-05aac24c545e" providerId="ADAL" clId="{4F266D3B-92A2-40A8-A073-356F608DC91A}" dt="2021-02-16T14:38:32.321" v="5" actId="47"/>
-        <pc:sldMkLst>
-          <pc:docMk/>
-          <pc:sldMk cId="1436808390" sldId="271"/>
-        </pc:sldMkLst>
-      </pc:sldChg>
-      <pc:sldChg chg="del">
-        <pc:chgData name="Sherif Khattab" userId="c83b1e15-36f3-4f46-aceb-05aac24c545e" providerId="ADAL" clId="{4F266D3B-92A2-40A8-A073-356F608DC91A}" dt="2021-02-16T14:38:32.321" v="5" actId="47"/>
-        <pc:sldMkLst>
-          <pc:docMk/>
-          <pc:sldMk cId="1301683851" sldId="272"/>
-        </pc:sldMkLst>
-      </pc:sldChg>
-      <pc:sldChg chg="del">
-        <pc:chgData name="Sherif Khattab" userId="c83b1e15-36f3-4f46-aceb-05aac24c545e" providerId="ADAL" clId="{4F266D3B-92A2-40A8-A073-356F608DC91A}" dt="2021-02-16T15:40:09.232" v="506" actId="47"/>
-        <pc:sldMkLst>
-          <pc:docMk/>
-          <pc:sldMk cId="1920820884" sldId="273"/>
-        </pc:sldMkLst>
-      </pc:sldChg>
-      <pc:sldChg chg="del">
-        <pc:chgData name="Sherif Khattab" userId="c83b1e15-36f3-4f46-aceb-05aac24c545e" providerId="ADAL" clId="{4F266D3B-92A2-40A8-A073-356F608DC91A}" dt="2021-02-16T14:38:32.321" v="5" actId="47"/>
-        <pc:sldMkLst>
-          <pc:docMk/>
-          <pc:sldMk cId="55302999" sldId="274"/>
-        </pc:sldMkLst>
-      </pc:sldChg>
-      <pc:sldChg chg="del">
-        <pc:chgData name="Sherif Khattab" userId="c83b1e15-36f3-4f46-aceb-05aac24c545e" providerId="ADAL" clId="{4F266D3B-92A2-40A8-A073-356F608DC91A}" dt="2021-02-16T14:38:32.321" v="5" actId="47"/>
-        <pc:sldMkLst>
-          <pc:docMk/>
-          <pc:sldMk cId="2064114192" sldId="276"/>
-        </pc:sldMkLst>
-      </pc:sldChg>
-      <pc:sldChg chg="del">
-        <pc:chgData name="Sherif Khattab" userId="c83b1e15-36f3-4f46-aceb-05aac24c545e" providerId="ADAL" clId="{4F266D3B-92A2-40A8-A073-356F608DC91A}" dt="2021-02-16T15:40:10.078" v="509" actId="47"/>
-        <pc:sldMkLst>
-          <pc:docMk/>
-          <pc:sldMk cId="2017417480" sldId="277"/>
-        </pc:sldMkLst>
-      </pc:sldChg>
-      <pc:sldChg chg="del">
-        <pc:chgData name="Sherif Khattab" userId="c83b1e15-36f3-4f46-aceb-05aac24c545e" providerId="ADAL" clId="{4F266D3B-92A2-40A8-A073-356F608DC91A}" dt="2021-02-16T14:38:32.321" v="5" actId="47"/>
-        <pc:sldMkLst>
-          <pc:docMk/>
-          <pc:sldMk cId="1000435174" sldId="278"/>
-        </pc:sldMkLst>
-      </pc:sldChg>
-      <pc:sldChg chg="del">
-        <pc:chgData name="Sherif Khattab" userId="c83b1e15-36f3-4f46-aceb-05aac24c545e" providerId="ADAL" clId="{4F266D3B-92A2-40A8-A073-356F608DC91A}" dt="2021-02-16T14:38:32.321" v="5" actId="47"/>
-        <pc:sldMkLst>
-          <pc:docMk/>
-          <pc:sldMk cId="2080017563" sldId="279"/>
-        </pc:sldMkLst>
-      </pc:sldChg>
-      <pc:sldChg chg="del">
-        <pc:chgData name="Sherif Khattab" userId="c83b1e15-36f3-4f46-aceb-05aac24c545e" providerId="ADAL" clId="{4F266D3B-92A2-40A8-A073-356F608DC91A}" dt="2021-02-16T15:40:10.241" v="513" actId="47"/>
-        <pc:sldMkLst>
-          <pc:docMk/>
-          <pc:sldMk cId="2773510753" sldId="280"/>
-        </pc:sldMkLst>
-      </pc:sldChg>
-      <pc:sldChg chg="del">
-        <pc:chgData name="Sherif Khattab" userId="c83b1e15-36f3-4f46-aceb-05aac24c545e" providerId="ADAL" clId="{4F266D3B-92A2-40A8-A073-356F608DC91A}" dt="2021-02-16T14:38:32.321" v="5" actId="47"/>
-        <pc:sldMkLst>
-          <pc:docMk/>
-          <pc:sldMk cId="1445345591" sldId="281"/>
-        </pc:sldMkLst>
-      </pc:sldChg>
-      <pc:sldChg chg="del">
-        <pc:chgData name="Sherif Khattab" userId="c83b1e15-36f3-4f46-aceb-05aac24c545e" providerId="ADAL" clId="{4F266D3B-92A2-40A8-A073-356F608DC91A}" dt="2021-02-16T14:38:32.321" v="5" actId="47"/>
-        <pc:sldMkLst>
-          <pc:docMk/>
-          <pc:sldMk cId="306268545" sldId="282"/>
-        </pc:sldMkLst>
-      </pc:sldChg>
-      <pc:sldChg chg="del">
-        <pc:chgData name="Sherif Khattab" userId="c83b1e15-36f3-4f46-aceb-05aac24c545e" providerId="ADAL" clId="{4F266D3B-92A2-40A8-A073-356F608DC91A}" dt="2021-02-16T15:40:10.360" v="516" actId="47"/>
-        <pc:sldMkLst>
-          <pc:docMk/>
-          <pc:sldMk cId="171235497" sldId="283"/>
-        </pc:sldMkLst>
-      </pc:sldChg>
-      <pc:sldChg chg="del">
-        <pc:chgData name="Sherif Khattab" userId="c83b1e15-36f3-4f46-aceb-05aac24c545e" providerId="ADAL" clId="{4F266D3B-92A2-40A8-A073-356F608DC91A}" dt="2021-02-16T15:40:10.408" v="517" actId="47"/>
-        <pc:sldMkLst>
-          <pc:docMk/>
-          <pc:sldMk cId="2099089282" sldId="284"/>
-        </pc:sldMkLst>
-      </pc:sldChg>
-      <pc:sldChg chg="del">
-        <pc:chgData name="Sherif Khattab" userId="c83b1e15-36f3-4f46-aceb-05aac24c545e" providerId="ADAL" clId="{4F266D3B-92A2-40A8-A073-356F608DC91A}" dt="2021-02-16T15:40:10.457" v="518" actId="47"/>
-        <pc:sldMkLst>
-          <pc:docMk/>
-          <pc:sldMk cId="1136622862" sldId="285"/>
-        </pc:sldMkLst>
-      </pc:sldChg>
-      <pc:sldChg chg="del">
-        <pc:chgData name="Sherif Khattab" userId="c83b1e15-36f3-4f46-aceb-05aac24c545e" providerId="ADAL" clId="{4F266D3B-92A2-40A8-A073-356F608DC91A}" dt="2021-02-16T18:38:39.143" v="580" actId="47"/>
-        <pc:sldMkLst>
-          <pc:docMk/>
-          <pc:sldMk cId="3949722242" sldId="286"/>
-        </pc:sldMkLst>
-      </pc:sldChg>
-      <pc:sldChg chg="del">
-        <pc:chgData name="Sherif Khattab" userId="c83b1e15-36f3-4f46-aceb-05aac24c545e" providerId="ADAL" clId="{4F266D3B-92A2-40A8-A073-356F608DC91A}" dt="2021-02-16T18:38:39.143" v="580" actId="47"/>
-        <pc:sldMkLst>
-          <pc:docMk/>
-          <pc:sldMk cId="1032220564" sldId="287"/>
-        </pc:sldMkLst>
-      </pc:sldChg>
-      <pc:sldChg chg="add del">
-        <pc:chgData name="Sherif Khattab" userId="c83b1e15-36f3-4f46-aceb-05aac24c545e" providerId="ADAL" clId="{4F266D3B-92A2-40A8-A073-356F608DC91A}" dt="2021-02-16T18:38:39.143" v="580" actId="47"/>
-        <pc:sldMkLst>
-          <pc:docMk/>
-          <pc:sldMk cId="1268007695" sldId="288"/>
-        </pc:sldMkLst>
-      </pc:sldChg>
-      <pc:sldChg chg="add del">
-        <pc:chgData name="Sherif Khattab" userId="c83b1e15-36f3-4f46-aceb-05aac24c545e" providerId="ADAL" clId="{4F266D3B-92A2-40A8-A073-356F608DC91A}" dt="2021-02-16T18:38:39.143" v="580" actId="47"/>
-        <pc:sldMkLst>
-          <pc:docMk/>
-          <pc:sldMk cId="463012687" sldId="289"/>
-        </pc:sldMkLst>
-      </pc:sldChg>
-      <pc:sldChg chg="del">
-        <pc:chgData name="Sherif Khattab" userId="c83b1e15-36f3-4f46-aceb-05aac24c545e" providerId="ADAL" clId="{4F266D3B-92A2-40A8-A073-356F608DC91A}" dt="2021-02-16T15:40:10.116" v="510" actId="47"/>
-        <pc:sldMkLst>
-          <pc:docMk/>
-          <pc:sldMk cId="442392580" sldId="290"/>
-        </pc:sldMkLst>
-      </pc:sldChg>
-      <pc:sldChg chg="del">
-        <pc:chgData name="Sherif Khattab" userId="c83b1e15-36f3-4f46-aceb-05aac24c545e" providerId="ADAL" clId="{4F266D3B-92A2-40A8-A073-356F608DC91A}" dt="2021-02-16T14:38:32.321" v="5" actId="47"/>
-        <pc:sldMkLst>
-          <pc:docMk/>
-          <pc:sldMk cId="2710637777" sldId="322"/>
-        </pc:sldMkLst>
-      </pc:sldChg>
-      <pc:sldChg chg="del">
-        <pc:chgData name="Sherif Khattab" userId="c83b1e15-36f3-4f46-aceb-05aac24c545e" providerId="ADAL" clId="{4F266D3B-92A2-40A8-A073-356F608DC91A}" dt="2021-02-16T14:38:32.321" v="5" actId="47"/>
-        <pc:sldMkLst>
-          <pc:docMk/>
-          <pc:sldMk cId="3292918179" sldId="324"/>
-        </pc:sldMkLst>
-      </pc:sldChg>
-      <pc:sldChg chg="del">
-        <pc:chgData name="Sherif Khattab" userId="c83b1e15-36f3-4f46-aceb-05aac24c545e" providerId="ADAL" clId="{4F266D3B-92A2-40A8-A073-356F608DC91A}" dt="2021-02-16T14:38:32.321" v="5" actId="47"/>
-        <pc:sldMkLst>
-          <pc:docMk/>
-          <pc:sldMk cId="355119911" sldId="338"/>
-        </pc:sldMkLst>
-      </pc:sldChg>
-      <pc:sldChg chg="del">
-        <pc:chgData name="Sherif Khattab" userId="c83b1e15-36f3-4f46-aceb-05aac24c545e" providerId="ADAL" clId="{4F266D3B-92A2-40A8-A073-356F608DC91A}" dt="2021-02-16T14:38:32.321" v="5" actId="47"/>
-        <pc:sldMkLst>
-          <pc:docMk/>
-          <pc:sldMk cId="4223572414" sldId="339"/>
-        </pc:sldMkLst>
-      </pc:sldChg>
-      <pc:sldChg chg="del">
-        <pc:chgData name="Sherif Khattab" userId="c83b1e15-36f3-4f46-aceb-05aac24c545e" providerId="ADAL" clId="{4F266D3B-92A2-40A8-A073-356F608DC91A}" dt="2021-02-16T14:38:32.321" v="5" actId="47"/>
-        <pc:sldMkLst>
-          <pc:docMk/>
-          <pc:sldMk cId="470668490" sldId="340"/>
-        </pc:sldMkLst>
-      </pc:sldChg>
-      <pc:sldChg chg="del">
-        <pc:chgData name="Sherif Khattab" userId="c83b1e15-36f3-4f46-aceb-05aac24c545e" providerId="ADAL" clId="{4F266D3B-92A2-40A8-A073-356F608DC91A}" dt="2021-02-16T14:38:32.321" v="5" actId="47"/>
-        <pc:sldMkLst>
-          <pc:docMk/>
-          <pc:sldMk cId="1205868326" sldId="341"/>
-        </pc:sldMkLst>
-      </pc:sldChg>
-      <pc:sldChg chg="del">
-        <pc:chgData name="Sherif Khattab" userId="c83b1e15-36f3-4f46-aceb-05aac24c545e" providerId="ADAL" clId="{4F266D3B-92A2-40A8-A073-356F608DC91A}" dt="2021-02-16T14:38:32.321" v="5" actId="47"/>
-        <pc:sldMkLst>
-          <pc:docMk/>
-          <pc:sldMk cId="1806563943" sldId="342"/>
-        </pc:sldMkLst>
-      </pc:sldChg>
-      <pc:sldChg chg="del">
-        <pc:chgData name="Sherif Khattab" userId="c83b1e15-36f3-4f46-aceb-05aac24c545e" providerId="ADAL" clId="{4F266D3B-92A2-40A8-A073-356F608DC91A}" dt="2021-02-16T14:38:32.321" v="5" actId="47"/>
-        <pc:sldMkLst>
-          <pc:docMk/>
-          <pc:sldMk cId="1167711490" sldId="343"/>
-        </pc:sldMkLst>
-      </pc:sldChg>
-      <pc:sldChg chg="del">
-        <pc:chgData name="Sherif Khattab" userId="c83b1e15-36f3-4f46-aceb-05aac24c545e" providerId="ADAL" clId="{4F266D3B-92A2-40A8-A073-356F608DC91A}" dt="2021-02-16T14:38:32.321" v="5" actId="47"/>
-        <pc:sldMkLst>
-          <pc:docMk/>
-          <pc:sldMk cId="1271999567" sldId="349"/>
-        </pc:sldMkLst>
-      </pc:sldChg>
-      <pc:sldChg chg="del">
-        <pc:chgData name="Sherif Khattab" userId="c83b1e15-36f3-4f46-aceb-05aac24c545e" providerId="ADAL" clId="{4F266D3B-92A2-40A8-A073-356F608DC91A}" dt="2021-02-16T14:38:32.321" v="5" actId="47"/>
-        <pc:sldMkLst>
-          <pc:docMk/>
-          <pc:sldMk cId="434376579" sldId="363"/>
-        </pc:sldMkLst>
-      </pc:sldChg>
-      <pc:sldChg chg="del">
-        <pc:chgData name="Sherif Khattab" userId="c83b1e15-36f3-4f46-aceb-05aac24c545e" providerId="ADAL" clId="{4F266D3B-92A2-40A8-A073-356F608DC91A}" dt="2021-02-16T14:38:32.321" v="5" actId="47"/>
-        <pc:sldMkLst>
-          <pc:docMk/>
-          <pc:sldMk cId="815621424" sldId="364"/>
-        </pc:sldMkLst>
-      </pc:sldChg>
-      <pc:sldChg chg="del">
-        <pc:chgData name="Sherif Khattab" userId="c83b1e15-36f3-4f46-aceb-05aac24c545e" providerId="ADAL" clId="{4F266D3B-92A2-40A8-A073-356F608DC91A}" dt="2021-02-16T14:38:32.321" v="5" actId="47"/>
-        <pc:sldMkLst>
-          <pc:docMk/>
-          <pc:sldMk cId="1934104099" sldId="365"/>
-        </pc:sldMkLst>
-      </pc:sldChg>
-      <pc:sldChg chg="del">
-        <pc:chgData name="Sherif Khattab" userId="c83b1e15-36f3-4f46-aceb-05aac24c545e" providerId="ADAL" clId="{4F266D3B-92A2-40A8-A073-356F608DC91A}" dt="2021-02-16T14:38:32.321" v="5" actId="47"/>
-        <pc:sldMkLst>
-          <pc:docMk/>
-          <pc:sldMk cId="2782429159" sldId="366"/>
-        </pc:sldMkLst>
-      </pc:sldChg>
-      <pc:sldChg chg="del">
-        <pc:chgData name="Sherif Khattab" userId="c83b1e15-36f3-4f46-aceb-05aac24c545e" providerId="ADAL" clId="{4F266D3B-92A2-40A8-A073-356F608DC91A}" dt="2021-02-16T14:38:32.321" v="5" actId="47"/>
-        <pc:sldMkLst>
-          <pc:docMk/>
-          <pc:sldMk cId="2251973667" sldId="367"/>
-        </pc:sldMkLst>
-      </pc:sldChg>
-      <pc:sldChg chg="del">
-        <pc:chgData name="Sherif Khattab" userId="c83b1e15-36f3-4f46-aceb-05aac24c545e" providerId="ADAL" clId="{4F266D3B-92A2-40A8-A073-356F608DC91A}" dt="2021-02-16T14:38:32.321" v="5" actId="47"/>
-        <pc:sldMkLst>
-          <pc:docMk/>
-          <pc:sldMk cId="3138501136" sldId="368"/>
-        </pc:sldMkLst>
-      </pc:sldChg>
-      <pc:sldChg chg="del">
-        <pc:chgData name="Sherif Khattab" userId="c83b1e15-36f3-4f46-aceb-05aac24c545e" providerId="ADAL" clId="{4F266D3B-92A2-40A8-A073-356F608DC91A}" dt="2021-02-16T14:38:32.321" v="5" actId="47"/>
-        <pc:sldMkLst>
-          <pc:docMk/>
-          <pc:sldMk cId="3210992163" sldId="369"/>
-        </pc:sldMkLst>
-      </pc:sldChg>
-      <pc:sldChg chg="del">
-        <pc:chgData name="Sherif Khattab" userId="c83b1e15-36f3-4f46-aceb-05aac24c545e" providerId="ADAL" clId="{4F266D3B-92A2-40A8-A073-356F608DC91A}" dt="2021-02-16T14:38:32.321" v="5" actId="47"/>
-        <pc:sldMkLst>
-          <pc:docMk/>
-          <pc:sldMk cId="4013065491" sldId="370"/>
-        </pc:sldMkLst>
-      </pc:sldChg>
-      <pc:sldChg chg="del">
-        <pc:chgData name="Sherif Khattab" userId="c83b1e15-36f3-4f46-aceb-05aac24c545e" providerId="ADAL" clId="{4F266D3B-92A2-40A8-A073-356F608DC91A}" dt="2021-02-16T14:38:32.321" v="5" actId="47"/>
-        <pc:sldMkLst>
-          <pc:docMk/>
-          <pc:sldMk cId="2592968416" sldId="371"/>
-        </pc:sldMkLst>
-      </pc:sldChg>
-      <pc:sldChg chg="del">
-        <pc:chgData name="Sherif Khattab" userId="c83b1e15-36f3-4f46-aceb-05aac24c545e" providerId="ADAL" clId="{4F266D3B-92A2-40A8-A073-356F608DC91A}" dt="2021-02-16T14:38:32.321" v="5" actId="47"/>
-        <pc:sldMkLst>
-          <pc:docMk/>
-          <pc:sldMk cId="3848335379" sldId="372"/>
-        </pc:sldMkLst>
-      </pc:sldChg>
-      <pc:sldChg chg="del">
-        <pc:chgData name="Sherif Khattab" userId="c83b1e15-36f3-4f46-aceb-05aac24c545e" providerId="ADAL" clId="{4F266D3B-92A2-40A8-A073-356F608DC91A}" dt="2021-02-16T14:38:32.321" v="5" actId="47"/>
-        <pc:sldMkLst>
-          <pc:docMk/>
-          <pc:sldMk cId="3161117264" sldId="373"/>
-        </pc:sldMkLst>
-      </pc:sldChg>
-      <pc:sldChg chg="del">
-        <pc:chgData name="Sherif Khattab" userId="c83b1e15-36f3-4f46-aceb-05aac24c545e" providerId="ADAL" clId="{4F266D3B-92A2-40A8-A073-356F608DC91A}" dt="2021-02-16T14:38:32.321" v="5" actId="47"/>
-        <pc:sldMkLst>
-          <pc:docMk/>
-          <pc:sldMk cId="1542066946" sldId="374"/>
-        </pc:sldMkLst>
-      </pc:sldChg>
-      <pc:sldChg chg="del">
-        <pc:chgData name="Sherif Khattab" userId="c83b1e15-36f3-4f46-aceb-05aac24c545e" providerId="ADAL" clId="{4F266D3B-92A2-40A8-A073-356F608DC91A}" dt="2021-02-16T14:38:32.321" v="5" actId="47"/>
-        <pc:sldMkLst>
-          <pc:docMk/>
-          <pc:sldMk cId="834112894" sldId="375"/>
-        </pc:sldMkLst>
-      </pc:sldChg>
-      <pc:sldChg chg="del">
-        <pc:chgData name="Sherif Khattab" userId="c83b1e15-36f3-4f46-aceb-05aac24c545e" providerId="ADAL" clId="{4F266D3B-92A2-40A8-A073-356F608DC91A}" dt="2021-02-16T14:38:32.321" v="5" actId="47"/>
-        <pc:sldMkLst>
-          <pc:docMk/>
-          <pc:sldMk cId="1165577892" sldId="376"/>
-        </pc:sldMkLst>
-      </pc:sldChg>
-      <pc:sldChg chg="del">
-        <pc:chgData name="Sherif Khattab" userId="c83b1e15-36f3-4f46-aceb-05aac24c545e" providerId="ADAL" clId="{4F266D3B-92A2-40A8-A073-356F608DC91A}" dt="2021-02-16T14:38:32.321" v="5" actId="47"/>
-        <pc:sldMkLst>
-          <pc:docMk/>
-          <pc:sldMk cId="583513582" sldId="377"/>
-        </pc:sldMkLst>
-      </pc:sldChg>
-      <pc:sldChg chg="del">
-        <pc:chgData name="Sherif Khattab" userId="c83b1e15-36f3-4f46-aceb-05aac24c545e" providerId="ADAL" clId="{4F266D3B-92A2-40A8-A073-356F608DC91A}" dt="2021-02-16T14:38:32.321" v="5" actId="47"/>
-        <pc:sldMkLst>
-          <pc:docMk/>
-          <pc:sldMk cId="3990797458" sldId="378"/>
-        </pc:sldMkLst>
-      </pc:sldChg>
-      <pc:sldChg chg="del">
-        <pc:chgData name="Sherif Khattab" userId="c83b1e15-36f3-4f46-aceb-05aac24c545e" providerId="ADAL" clId="{4F266D3B-92A2-40A8-A073-356F608DC91A}" dt="2021-02-16T14:38:32.321" v="5" actId="47"/>
-        <pc:sldMkLst>
-          <pc:docMk/>
-          <pc:sldMk cId="2736486443" sldId="379"/>
-        </pc:sldMkLst>
-      </pc:sldChg>
-      <pc:sldChg chg="del">
-        <pc:chgData name="Sherif Khattab" userId="c83b1e15-36f3-4f46-aceb-05aac24c545e" providerId="ADAL" clId="{4F266D3B-92A2-40A8-A073-356F608DC91A}" dt="2021-02-16T14:38:32.321" v="5" actId="47"/>
-        <pc:sldMkLst>
-          <pc:docMk/>
-          <pc:sldMk cId="541381985" sldId="380"/>
-        </pc:sldMkLst>
-      </pc:sldChg>
-      <pc:sldChg chg="del">
-        <pc:chgData name="Sherif Khattab" userId="c83b1e15-36f3-4f46-aceb-05aac24c545e" providerId="ADAL" clId="{4F266D3B-92A2-40A8-A073-356F608DC91A}" dt="2021-02-16T14:38:32.321" v="5" actId="47"/>
-        <pc:sldMkLst>
-          <pc:docMk/>
-          <pc:sldMk cId="2235897330" sldId="381"/>
-        </pc:sldMkLst>
-      </pc:sldChg>
-      <pc:sldChg chg="del">
-        <pc:chgData name="Sherif Khattab" userId="c83b1e15-36f3-4f46-aceb-05aac24c545e" providerId="ADAL" clId="{4F266D3B-92A2-40A8-A073-356F608DC91A}" dt="2021-02-16T14:38:32.321" v="5" actId="47"/>
-        <pc:sldMkLst>
-          <pc:docMk/>
-          <pc:sldMk cId="3360044446" sldId="382"/>
-        </pc:sldMkLst>
-      </pc:sldChg>
-      <pc:sldChg chg="add">
-        <pc:chgData name="Sherif Khattab" userId="c83b1e15-36f3-4f46-aceb-05aac24c545e" providerId="ADAL" clId="{4F266D3B-92A2-40A8-A073-356F608DC91A}" dt="2021-02-16T15:42:33.963" v="573"/>
-        <pc:sldMkLst>
-          <pc:docMk/>
-          <pc:sldMk cId="3851230975" sldId="382"/>
-        </pc:sldMkLst>
-      </pc:sldChg>
-      <pc:sldChg chg="del">
-        <pc:chgData name="Sherif Khattab" userId="c83b1e15-36f3-4f46-aceb-05aac24c545e" providerId="ADAL" clId="{4F266D3B-92A2-40A8-A073-356F608DC91A}" dt="2021-02-16T14:38:32.321" v="5" actId="47"/>
-        <pc:sldMkLst>
-          <pc:docMk/>
-          <pc:sldMk cId="1954384084" sldId="383"/>
-        </pc:sldMkLst>
-      </pc:sldChg>
-      <pc:sldChg chg="del">
-        <pc:chgData name="Sherif Khattab" userId="c83b1e15-36f3-4f46-aceb-05aac24c545e" providerId="ADAL" clId="{4F266D3B-92A2-40A8-A073-356F608DC91A}" dt="2021-02-16T14:38:32.321" v="5" actId="47"/>
-        <pc:sldMkLst>
-          <pc:docMk/>
-          <pc:sldMk cId="220759689" sldId="384"/>
-        </pc:sldMkLst>
-      </pc:sldChg>
-      <pc:sldChg chg="add">
-        <pc:chgData name="Sherif Khattab" userId="c83b1e15-36f3-4f46-aceb-05aac24c545e" providerId="ADAL" clId="{4F266D3B-92A2-40A8-A073-356F608DC91A}" dt="2021-02-16T15:42:21.392" v="572"/>
-        <pc:sldMkLst>
-          <pc:docMk/>
-          <pc:sldMk cId="1898410716" sldId="385"/>
-        </pc:sldMkLst>
-      </pc:sldChg>
-      <pc:sldChg chg="del">
-        <pc:chgData name="Sherif Khattab" userId="c83b1e15-36f3-4f46-aceb-05aac24c545e" providerId="ADAL" clId="{4F266D3B-92A2-40A8-A073-356F608DC91A}" dt="2021-02-16T14:38:32.321" v="5" actId="47"/>
-        <pc:sldMkLst>
-          <pc:docMk/>
-          <pc:sldMk cId="2809799376" sldId="385"/>
-        </pc:sldMkLst>
-      </pc:sldChg>
-      <pc:sldChg chg="del">
-        <pc:chgData name="Sherif Khattab" userId="c83b1e15-36f3-4f46-aceb-05aac24c545e" providerId="ADAL" clId="{4F266D3B-92A2-40A8-A073-356F608DC91A}" dt="2021-02-16T14:38:32.321" v="5" actId="47"/>
-        <pc:sldMkLst>
-          <pc:docMk/>
-          <pc:sldMk cId="2329144619" sldId="445"/>
-        </pc:sldMkLst>
-      </pc:sldChg>
-      <pc:sldChg chg="del">
-        <pc:chgData name="Sherif Khattab" userId="c83b1e15-36f3-4f46-aceb-05aac24c545e" providerId="ADAL" clId="{4F266D3B-92A2-40A8-A073-356F608DC91A}" dt="2021-02-16T14:38:32.321" v="5" actId="47"/>
-        <pc:sldMkLst>
-          <pc:docMk/>
-          <pc:sldMk cId="1783368962" sldId="448"/>
-        </pc:sldMkLst>
-      </pc:sldChg>
-      <pc:sldChg chg="del">
-        <pc:chgData name="Sherif Khattab" userId="c83b1e15-36f3-4f46-aceb-05aac24c545e" providerId="ADAL" clId="{4F266D3B-92A2-40A8-A073-356F608DC91A}" dt="2021-02-16T14:38:32.321" v="5" actId="47"/>
-        <pc:sldMkLst>
-          <pc:docMk/>
-          <pc:sldMk cId="2276002102" sldId="451"/>
-        </pc:sldMkLst>
-      </pc:sldChg>
-      <pc:sldChg chg="del">
-        <pc:chgData name="Sherif Khattab" userId="c83b1e15-36f3-4f46-aceb-05aac24c545e" providerId="ADAL" clId="{4F266D3B-92A2-40A8-A073-356F608DC91A}" dt="2021-02-16T15:39:03.476" v="492" actId="47"/>
-        <pc:sldMkLst>
-          <pc:docMk/>
-          <pc:sldMk cId="2163467695" sldId="455"/>
-        </pc:sldMkLst>
-      </pc:sldChg>
-      <pc:sldChg chg="del">
-        <pc:chgData name="Sherif Khattab" userId="c83b1e15-36f3-4f46-aceb-05aac24c545e" providerId="ADAL" clId="{4F266D3B-92A2-40A8-A073-356F608DC91A}" dt="2021-02-16T18:38:39.143" v="580" actId="47"/>
-        <pc:sldMkLst>
-          <pc:docMk/>
-          <pc:sldMk cId="3400641916" sldId="456"/>
-        </pc:sldMkLst>
-      </pc:sldChg>
-      <pc:sldChg chg="del">
-        <pc:chgData name="Sherif Khattab" userId="c83b1e15-36f3-4f46-aceb-05aac24c545e" providerId="ADAL" clId="{4F266D3B-92A2-40A8-A073-356F608DC91A}" dt="2021-02-16T18:38:39.143" v="580" actId="47"/>
-        <pc:sldMkLst>
-          <pc:docMk/>
-          <pc:sldMk cId="2840639230" sldId="457"/>
-        </pc:sldMkLst>
-      </pc:sldChg>
-      <pc:sldChg chg="del">
-        <pc:chgData name="Sherif Khattab" userId="c83b1e15-36f3-4f46-aceb-05aac24c545e" providerId="ADAL" clId="{4F266D3B-92A2-40A8-A073-356F608DC91A}" dt="2021-02-16T18:38:39.143" v="580" actId="47"/>
-        <pc:sldMkLst>
-          <pc:docMk/>
-          <pc:sldMk cId="2116012598" sldId="458"/>
-        </pc:sldMkLst>
-      </pc:sldChg>
-      <pc:sldChg chg="del">
-        <pc:chgData name="Sherif Khattab" userId="c83b1e15-36f3-4f46-aceb-05aac24c545e" providerId="ADAL" clId="{4F266D3B-92A2-40A8-A073-356F608DC91A}" dt="2021-02-16T15:39:36.243" v="505" actId="47"/>
-        <pc:sldMkLst>
-          <pc:docMk/>
-          <pc:sldMk cId="1816629761" sldId="459"/>
-        </pc:sldMkLst>
-      </pc:sldChg>
-      <pc:sldChg chg="del">
-        <pc:chgData name="Sherif Khattab" userId="c83b1e15-36f3-4f46-aceb-05aac24c545e" providerId="ADAL" clId="{4F266D3B-92A2-40A8-A073-356F608DC91A}" dt="2021-02-16T18:38:39.143" v="580" actId="47"/>
-        <pc:sldMkLst>
-          <pc:docMk/>
-          <pc:sldMk cId="4107670357" sldId="460"/>
-        </pc:sldMkLst>
-      </pc:sldChg>
-      <pc:sldChg chg="del">
-        <pc:chgData name="Sherif Khattab" userId="c83b1e15-36f3-4f46-aceb-05aac24c545e" providerId="ADAL" clId="{4F266D3B-92A2-40A8-A073-356F608DC91A}" dt="2021-02-16T18:38:39.143" v="580" actId="47"/>
-        <pc:sldMkLst>
-          <pc:docMk/>
-          <pc:sldMk cId="3714784862" sldId="461"/>
-        </pc:sldMkLst>
-      </pc:sldChg>
-      <pc:sldChg chg="del">
-        <pc:chgData name="Sherif Khattab" userId="c83b1e15-36f3-4f46-aceb-05aac24c545e" providerId="ADAL" clId="{4F266D3B-92A2-40A8-A073-356F608DC91A}" dt="2021-02-16T18:38:39.143" v="580" actId="47"/>
-        <pc:sldMkLst>
-          <pc:docMk/>
-          <pc:sldMk cId="931898487" sldId="462"/>
-        </pc:sldMkLst>
-      </pc:sldChg>
-      <pc:sldChg chg="del">
-        <pc:chgData name="Sherif Khattab" userId="c83b1e15-36f3-4f46-aceb-05aac24c545e" providerId="ADAL" clId="{4F266D3B-92A2-40A8-A073-356F608DC91A}" dt="2021-02-16T15:40:10.605" v="519" actId="47"/>
-        <pc:sldMkLst>
-          <pc:docMk/>
-          <pc:sldMk cId="1471081860" sldId="463"/>
-        </pc:sldMkLst>
-      </pc:sldChg>
-      <pc:sldChg chg="del">
-        <pc:chgData name="Sherif Khattab" userId="c83b1e15-36f3-4f46-aceb-05aac24c545e" providerId="ADAL" clId="{4F266D3B-92A2-40A8-A073-356F608DC91A}" dt="2021-02-16T15:40:09.473" v="507" actId="47"/>
-        <pc:sldMkLst>
-          <pc:docMk/>
-          <pc:sldMk cId="574001865" sldId="464"/>
-        </pc:sldMkLst>
-      </pc:sldChg>
-      <pc:sldChg chg="del">
-        <pc:chgData name="Sherif Khattab" userId="c83b1e15-36f3-4f46-aceb-05aac24c545e" providerId="ADAL" clId="{4F266D3B-92A2-40A8-A073-356F608DC91A}" dt="2021-02-16T15:40:09.605" v="508" actId="47"/>
-        <pc:sldMkLst>
-          <pc:docMk/>
-          <pc:sldMk cId="2156977365" sldId="465"/>
-        </pc:sldMkLst>
-      </pc:sldChg>
-      <pc:sldChg chg="del">
-        <pc:chgData name="Sherif Khattab" userId="c83b1e15-36f3-4f46-aceb-05aac24c545e" providerId="ADAL" clId="{4F266D3B-92A2-40A8-A073-356F608DC91A}" dt="2021-02-16T15:40:10.156" v="511" actId="47"/>
-        <pc:sldMkLst>
-          <pc:docMk/>
-          <pc:sldMk cId="117329803" sldId="466"/>
-        </pc:sldMkLst>
-      </pc:sldChg>
-      <pc:sldChg chg="del">
-        <pc:chgData name="Sherif Khattab" userId="c83b1e15-36f3-4f46-aceb-05aac24c545e" providerId="ADAL" clId="{4F266D3B-92A2-40A8-A073-356F608DC91A}" dt="2021-02-16T15:40:10.190" v="512" actId="47"/>
-        <pc:sldMkLst>
-          <pc:docMk/>
-          <pc:sldMk cId="3643915362" sldId="467"/>
-        </pc:sldMkLst>
-      </pc:sldChg>
-      <pc:sldChg chg="del">
-        <pc:chgData name="Sherif Khattab" userId="c83b1e15-36f3-4f46-aceb-05aac24c545e" providerId="ADAL" clId="{4F266D3B-92A2-40A8-A073-356F608DC91A}" dt="2021-02-16T15:40:10.286" v="514" actId="47"/>
-        <pc:sldMkLst>
-          <pc:docMk/>
-          <pc:sldMk cId="1593910045" sldId="468"/>
-        </pc:sldMkLst>
-      </pc:sldChg>
-      <pc:sldChg chg="del">
-        <pc:chgData name="Sherif Khattab" userId="c83b1e15-36f3-4f46-aceb-05aac24c545e" providerId="ADAL" clId="{4F266D3B-92A2-40A8-A073-356F608DC91A}" dt="2021-02-16T15:40:10.331" v="515" actId="47"/>
-        <pc:sldMkLst>
-          <pc:docMk/>
-          <pc:sldMk cId="3392020218" sldId="469"/>
-        </pc:sldMkLst>
-      </pc:sldChg>
-      <pc:sldChg chg="del">
-        <pc:chgData name="Sherif Khattab" userId="c83b1e15-36f3-4f46-aceb-05aac24c545e" providerId="ADAL" clId="{4F266D3B-92A2-40A8-A073-356F608DC91A}" dt="2021-02-16T14:40:29.007" v="103" actId="47"/>
-        <pc:sldMkLst>
-          <pc:docMk/>
-          <pc:sldMk cId="3824051756" sldId="470"/>
-        </pc:sldMkLst>
-      </pc:sldChg>
-      <pc:sldChg chg="del">
-        <pc:chgData name="Sherif Khattab" userId="c83b1e15-36f3-4f46-aceb-05aac24c545e" providerId="ADAL" clId="{4F266D3B-92A2-40A8-A073-356F608DC91A}" dt="2021-02-16T14:40:29.007" v="103" actId="47"/>
-        <pc:sldMkLst>
-          <pc:docMk/>
-          <pc:sldMk cId="1025764700" sldId="471"/>
-        </pc:sldMkLst>
-      </pc:sldChg>
-      <pc:sldChg chg="del">
-        <pc:chgData name="Sherif Khattab" userId="c83b1e15-36f3-4f46-aceb-05aac24c545e" providerId="ADAL" clId="{4F266D3B-92A2-40A8-A073-356F608DC91A}" dt="2021-02-16T14:40:29.007" v="103" actId="47"/>
-        <pc:sldMkLst>
-          <pc:docMk/>
-          <pc:sldMk cId="3109107092" sldId="472"/>
-        </pc:sldMkLst>
-      </pc:sldChg>
-      <pc:sldChg chg="del">
-        <pc:chgData name="Sherif Khattab" userId="c83b1e15-36f3-4f46-aceb-05aac24c545e" providerId="ADAL" clId="{4F266D3B-92A2-40A8-A073-356F608DC91A}" dt="2021-02-16T14:40:29.007" v="103" actId="47"/>
-        <pc:sldMkLst>
-          <pc:docMk/>
-          <pc:sldMk cId="2185675405" sldId="473"/>
-        </pc:sldMkLst>
-      </pc:sldChg>
-      <pc:sldChg chg="del">
-        <pc:chgData name="Sherif Khattab" userId="c83b1e15-36f3-4f46-aceb-05aac24c545e" providerId="ADAL" clId="{4F266D3B-92A2-40A8-A073-356F608DC91A}" dt="2021-02-16T14:40:29.007" v="103" actId="47"/>
-        <pc:sldMkLst>
-          <pc:docMk/>
-          <pc:sldMk cId="1719184921" sldId="474"/>
-        </pc:sldMkLst>
-      </pc:sldChg>
-      <pc:sldChg chg="del">
-        <pc:chgData name="Sherif Khattab" userId="c83b1e15-36f3-4f46-aceb-05aac24c545e" providerId="ADAL" clId="{4F266D3B-92A2-40A8-A073-356F608DC91A}" dt="2021-02-16T14:40:29.007" v="103" actId="47"/>
-        <pc:sldMkLst>
-          <pc:docMk/>
-          <pc:sldMk cId="3632958702" sldId="475"/>
-        </pc:sldMkLst>
-      </pc:sldChg>
-      <pc:sldChg chg="del">
-        <pc:chgData name="Sherif Khattab" userId="c83b1e15-36f3-4f46-aceb-05aac24c545e" providerId="ADAL" clId="{4F266D3B-92A2-40A8-A073-356F608DC91A}" dt="2021-02-16T14:40:29.007" v="103" actId="47"/>
-        <pc:sldMkLst>
-          <pc:docMk/>
-          <pc:sldMk cId="2634117846" sldId="476"/>
-        </pc:sldMkLst>
-      </pc:sldChg>
-      <pc:sldChg chg="del">
-        <pc:chgData name="Sherif Khattab" userId="c83b1e15-36f3-4f46-aceb-05aac24c545e" providerId="ADAL" clId="{4F266D3B-92A2-40A8-A073-356F608DC91A}" dt="2021-02-16T14:40:29.007" v="103" actId="47"/>
-        <pc:sldMkLst>
-          <pc:docMk/>
-          <pc:sldMk cId="4038969182" sldId="477"/>
-        </pc:sldMkLst>
-      </pc:sldChg>
-      <pc:sldChg chg="del">
-        <pc:chgData name="Sherif Khattab" userId="c83b1e15-36f3-4f46-aceb-05aac24c545e" providerId="ADAL" clId="{4F266D3B-92A2-40A8-A073-356F608DC91A}" dt="2021-02-16T14:40:29.007" v="103" actId="47"/>
-        <pc:sldMkLst>
-          <pc:docMk/>
-          <pc:sldMk cId="326259628" sldId="478"/>
-        </pc:sldMkLst>
-      </pc:sldChg>
-      <pc:sldChg chg="del">
-        <pc:chgData name="Sherif Khattab" userId="c83b1e15-36f3-4f46-aceb-05aac24c545e" providerId="ADAL" clId="{4F266D3B-92A2-40A8-A073-356F608DC91A}" dt="2021-02-16T14:40:29.007" v="103" actId="47"/>
-        <pc:sldMkLst>
-          <pc:docMk/>
-          <pc:sldMk cId="873856523" sldId="479"/>
-        </pc:sldMkLst>
-      </pc:sldChg>
-      <pc:sldChg chg="del">
-        <pc:chgData name="Sherif Khattab" userId="c83b1e15-36f3-4f46-aceb-05aac24c545e" providerId="ADAL" clId="{4F266D3B-92A2-40A8-A073-356F608DC91A}" dt="2021-02-16T14:40:29.007" v="103" actId="47"/>
-        <pc:sldMkLst>
-          <pc:docMk/>
-          <pc:sldMk cId="3465344065" sldId="480"/>
-        </pc:sldMkLst>
-      </pc:sldChg>
-      <pc:sldChg chg="del">
-        <pc:chgData name="Sherif Khattab" userId="c83b1e15-36f3-4f46-aceb-05aac24c545e" providerId="ADAL" clId="{4F266D3B-92A2-40A8-A073-356F608DC91A}" dt="2021-02-16T14:40:29.007" v="103" actId="47"/>
-        <pc:sldMkLst>
-          <pc:docMk/>
-          <pc:sldMk cId="2002489455" sldId="481"/>
-        </pc:sldMkLst>
-      </pc:sldChg>
-      <pc:sldChg chg="del">
-        <pc:chgData name="Sherif Khattab" userId="c83b1e15-36f3-4f46-aceb-05aac24c545e" providerId="ADAL" clId="{4F266D3B-92A2-40A8-A073-356F608DC91A}" dt="2021-02-16T14:40:29.007" v="103" actId="47"/>
-        <pc:sldMkLst>
-          <pc:docMk/>
-          <pc:sldMk cId="1560930406" sldId="482"/>
-        </pc:sldMkLst>
-      </pc:sldChg>
-      <pc:sldChg chg="del">
-        <pc:chgData name="Sherif Khattab" userId="c83b1e15-36f3-4f46-aceb-05aac24c545e" providerId="ADAL" clId="{4F266D3B-92A2-40A8-A073-356F608DC91A}" dt="2021-02-16T14:40:29.007" v="103" actId="47"/>
-        <pc:sldMkLst>
-          <pc:docMk/>
-          <pc:sldMk cId="1387835057" sldId="483"/>
-        </pc:sldMkLst>
-      </pc:sldChg>
-      <pc:sldChg chg="del">
-        <pc:chgData name="Sherif Khattab" userId="c83b1e15-36f3-4f46-aceb-05aac24c545e" providerId="ADAL" clId="{4F266D3B-92A2-40A8-A073-356F608DC91A}" dt="2021-02-16T14:40:29.007" v="103" actId="47"/>
-        <pc:sldMkLst>
-          <pc:docMk/>
-          <pc:sldMk cId="1948397067" sldId="484"/>
-        </pc:sldMkLst>
-      </pc:sldChg>
-      <pc:sldChg chg="del">
-        <pc:chgData name="Sherif Khattab" userId="c83b1e15-36f3-4f46-aceb-05aac24c545e" providerId="ADAL" clId="{4F266D3B-92A2-40A8-A073-356F608DC91A}" dt="2021-02-16T14:40:29.007" v="103" actId="47"/>
-        <pc:sldMkLst>
-          <pc:docMk/>
-          <pc:sldMk cId="3473693154" sldId="485"/>
-        </pc:sldMkLst>
-      </pc:sldChg>
-      <pc:sldChg chg="del">
-        <pc:chgData name="Sherif Khattab" userId="c83b1e15-36f3-4f46-aceb-05aac24c545e" providerId="ADAL" clId="{4F266D3B-92A2-40A8-A073-356F608DC91A}" dt="2021-02-16T14:40:29.007" v="103" actId="47"/>
-        <pc:sldMkLst>
-          <pc:docMk/>
-          <pc:sldMk cId="2983945636" sldId="486"/>
-        </pc:sldMkLst>
-      </pc:sldChg>
-      <pc:sldChg chg="del">
-        <pc:chgData name="Sherif Khattab" userId="c83b1e15-36f3-4f46-aceb-05aac24c545e" providerId="ADAL" clId="{4F266D3B-92A2-40A8-A073-356F608DC91A}" dt="2021-02-16T14:40:29.007" v="103" actId="47"/>
-        <pc:sldMkLst>
-          <pc:docMk/>
-          <pc:sldMk cId="3673539870" sldId="487"/>
-        </pc:sldMkLst>
-      </pc:sldChg>
-      <pc:sldChg chg="del">
-        <pc:chgData name="Sherif Khattab" userId="c83b1e15-36f3-4f46-aceb-05aac24c545e" providerId="ADAL" clId="{4F266D3B-92A2-40A8-A073-356F608DC91A}" dt="2021-02-16T14:40:29.007" v="103" actId="47"/>
-        <pc:sldMkLst>
-          <pc:docMk/>
-          <pc:sldMk cId="1363323927" sldId="488"/>
-        </pc:sldMkLst>
-      </pc:sldChg>
-      <pc:sldChg chg="del">
-        <pc:chgData name="Sherif Khattab" userId="c83b1e15-36f3-4f46-aceb-05aac24c545e" providerId="ADAL" clId="{4F266D3B-92A2-40A8-A073-356F608DC91A}" dt="2021-02-16T14:40:29.007" v="103" actId="47"/>
-        <pc:sldMkLst>
-          <pc:docMk/>
-          <pc:sldMk cId="936409682" sldId="489"/>
-        </pc:sldMkLst>
-      </pc:sldChg>
-      <pc:sldChg chg="del">
-        <pc:chgData name="Sherif Khattab" userId="c83b1e15-36f3-4f46-aceb-05aac24c545e" providerId="ADAL" clId="{4F266D3B-92A2-40A8-A073-356F608DC91A}" dt="2021-02-16T14:40:29.007" v="103" actId="47"/>
-        <pc:sldMkLst>
-          <pc:docMk/>
-          <pc:sldMk cId="3252833104" sldId="490"/>
-        </pc:sldMkLst>
-      </pc:sldChg>
-      <pc:sldChg chg="del">
-        <pc:chgData name="Sherif Khattab" userId="c83b1e15-36f3-4f46-aceb-05aac24c545e" providerId="ADAL" clId="{4F266D3B-92A2-40A8-A073-356F608DC91A}" dt="2021-02-16T14:40:29.007" v="103" actId="47"/>
-        <pc:sldMkLst>
-          <pc:docMk/>
-          <pc:sldMk cId="3413759872" sldId="491"/>
-        </pc:sldMkLst>
-      </pc:sldChg>
-      <pc:sldChg chg="del">
-        <pc:chgData name="Sherif Khattab" userId="c83b1e15-36f3-4f46-aceb-05aac24c545e" providerId="ADAL" clId="{4F266D3B-92A2-40A8-A073-356F608DC91A}" dt="2021-02-16T14:40:29.007" v="103" actId="47"/>
-        <pc:sldMkLst>
-          <pc:docMk/>
-          <pc:sldMk cId="1930502979" sldId="492"/>
-        </pc:sldMkLst>
-      </pc:sldChg>
-      <pc:sldChg chg="del">
-        <pc:chgData name="Sherif Khattab" userId="c83b1e15-36f3-4f46-aceb-05aac24c545e" providerId="ADAL" clId="{4F266D3B-92A2-40A8-A073-356F608DC91A}" dt="2021-02-16T14:40:29.007" v="103" actId="47"/>
-        <pc:sldMkLst>
-          <pc:docMk/>
-          <pc:sldMk cId="220106575" sldId="493"/>
-        </pc:sldMkLst>
-      </pc:sldChg>
-      <pc:sldChg chg="del">
-        <pc:chgData name="Sherif Khattab" userId="c83b1e15-36f3-4f46-aceb-05aac24c545e" providerId="ADAL" clId="{4F266D3B-92A2-40A8-A073-356F608DC91A}" dt="2021-02-16T14:40:29.007" v="103" actId="47"/>
-        <pc:sldMkLst>
-          <pc:docMk/>
-          <pc:sldMk cId="3447713174" sldId="494"/>
-        </pc:sldMkLst>
-      </pc:sldChg>
-      <pc:sldChg chg="del">
-        <pc:chgData name="Sherif Khattab" userId="c83b1e15-36f3-4f46-aceb-05aac24c545e" providerId="ADAL" clId="{4F266D3B-92A2-40A8-A073-356F608DC91A}" dt="2021-02-16T14:40:29.007" v="103" actId="47"/>
-        <pc:sldMkLst>
-          <pc:docMk/>
-          <pc:sldMk cId="2129126942" sldId="495"/>
-        </pc:sldMkLst>
-      </pc:sldChg>
-      <pc:sldChg chg="modSp mod">
-        <pc:chgData name="Sherif Khattab" userId="c83b1e15-36f3-4f46-aceb-05aac24c545e" providerId="ADAL" clId="{4F266D3B-92A2-40A8-A073-356F608DC91A}" dt="2021-02-16T14:49:58.948" v="196" actId="20577"/>
-        <pc:sldMkLst>
-          <pc:docMk/>
-          <pc:sldMk cId="702367729" sldId="496"/>
-        </pc:sldMkLst>
-        <pc:spChg chg="mod">
-          <ac:chgData name="Sherif Khattab" userId="c83b1e15-36f3-4f46-aceb-05aac24c545e" providerId="ADAL" clId="{4F266D3B-92A2-40A8-A073-356F608DC91A}" dt="2021-02-16T14:49:58.948" v="196" actId="20577"/>
-          <ac:spMkLst>
-            <pc:docMk/>
-            <pc:sldMk cId="702367729" sldId="496"/>
-            <ac:spMk id="3" creationId="{2466C52D-9A48-4683-BE7F-268D8DB7FAAD}"/>
-          </ac:spMkLst>
-        </pc:spChg>
-      </pc:sldChg>
-      <pc:sldChg chg="addSp delSp modSp add mod modAnim">
-        <pc:chgData name="Sherif Khattab" userId="c83b1e15-36f3-4f46-aceb-05aac24c545e" providerId="ADAL" clId="{4F266D3B-92A2-40A8-A073-356F608DC91A}" dt="2021-02-16T18:44:21.537" v="588"/>
-        <pc:sldMkLst>
-          <pc:docMk/>
-          <pc:sldMk cId="4202616107" sldId="500"/>
-        </pc:sldMkLst>
-        <pc:spChg chg="mod">
-          <ac:chgData name="Sherif Khattab" userId="c83b1e15-36f3-4f46-aceb-05aac24c545e" providerId="ADAL" clId="{4F266D3B-92A2-40A8-A073-356F608DC91A}" dt="2021-02-16T15:29:07.533" v="458" actId="20577"/>
-          <ac:spMkLst>
-            <pc:docMk/>
-            <pc:sldMk cId="4202616107" sldId="500"/>
-            <ac:spMk id="2" creationId="{6BF01C35-B7E9-AD43-99C8-95170559C8A0}"/>
-          </ac:spMkLst>
-        </pc:spChg>
-        <pc:spChg chg="mod">
-          <ac:chgData name="Sherif Khattab" userId="c83b1e15-36f3-4f46-aceb-05aac24c545e" providerId="ADAL" clId="{4F266D3B-92A2-40A8-A073-356F608DC91A}" dt="2021-02-16T18:44:07.044" v="585" actId="6549"/>
-          <ac:spMkLst>
-            <pc:docMk/>
-            <pc:sldMk cId="4202616107" sldId="500"/>
-            <ac:spMk id="3" creationId="{443F42C8-5750-0341-86AA-B64ED9D37EB6}"/>
-          </ac:spMkLst>
-        </pc:spChg>
-        <pc:graphicFrameChg chg="add del modGraphic">
-          <ac:chgData name="Sherif Khattab" userId="c83b1e15-36f3-4f46-aceb-05aac24c545e" providerId="ADAL" clId="{4F266D3B-92A2-40A8-A073-356F608DC91A}" dt="2021-02-16T15:29:38.464" v="468" actId="478"/>
-          <ac:graphicFrameMkLst>
-            <pc:docMk/>
-            <pc:sldMk cId="4202616107" sldId="500"/>
-            <ac:graphicFrameMk id="7" creationId="{8FA67E28-1575-4A35-92AE-803D55765388}"/>
-          </ac:graphicFrameMkLst>
-        </pc:graphicFrameChg>
-      </pc:sldChg>
-      <pc:sldChg chg="modSp add mod">
-        <pc:chgData name="Sherif Khattab" userId="c83b1e15-36f3-4f46-aceb-05aac24c545e" providerId="ADAL" clId="{4F266D3B-92A2-40A8-A073-356F608DC91A}" dt="2021-02-16T14:39:12.366" v="9"/>
-        <pc:sldMkLst>
-          <pc:docMk/>
-          <pc:sldMk cId="2116864396" sldId="505"/>
-        </pc:sldMkLst>
-        <pc:spChg chg="mod">
-          <ac:chgData name="Sherif Khattab" userId="c83b1e15-36f3-4f46-aceb-05aac24c545e" providerId="ADAL" clId="{4F266D3B-92A2-40A8-A073-356F608DC91A}" dt="2021-02-16T14:39:12.366" v="9"/>
-          <ac:spMkLst>
-            <pc:docMk/>
-            <pc:sldMk cId="2116864396" sldId="505"/>
-            <ac:spMk id="3" creationId="{9FDE3B14-90B9-4B5A-83C7-6E633E32EA28}"/>
-          </ac:spMkLst>
-        </pc:spChg>
-      </pc:sldChg>
-      <pc:sldChg chg="modSp add mod">
-        <pc:chgData name="Sherif Khattab" userId="c83b1e15-36f3-4f46-aceb-05aac24c545e" providerId="ADAL" clId="{4F266D3B-92A2-40A8-A073-356F608DC91A}" dt="2021-02-16T18:38:34.478" v="579" actId="20577"/>
-        <pc:sldMkLst>
-          <pc:docMk/>
-          <pc:sldMk cId="3652489610" sldId="506"/>
-        </pc:sldMkLst>
-        <pc:spChg chg="mod">
-          <ac:chgData name="Sherif Khattab" userId="c83b1e15-36f3-4f46-aceb-05aac24c545e" providerId="ADAL" clId="{4F266D3B-92A2-40A8-A073-356F608DC91A}" dt="2021-02-16T18:38:34.478" v="579" actId="20577"/>
-          <ac:spMkLst>
-            <pc:docMk/>
-            <pc:sldMk cId="3652489610" sldId="506"/>
-            <ac:spMk id="3" creationId="{9FDE3B14-90B9-4B5A-83C7-6E633E32EA28}"/>
-          </ac:spMkLst>
-        </pc:spChg>
-      </pc:sldChg>
-      <pc:sldChg chg="modSp add mod modAnim">
-        <pc:chgData name="Sherif Khattab" userId="c83b1e15-36f3-4f46-aceb-05aac24c545e" providerId="ADAL" clId="{4F266D3B-92A2-40A8-A073-356F608DC91A}" dt="2021-02-16T15:29:22.015" v="467" actId="20577"/>
-        <pc:sldMkLst>
-          <pc:docMk/>
-          <pc:sldMk cId="2487721040" sldId="516"/>
-        </pc:sldMkLst>
-        <pc:spChg chg="mod">
-          <ac:chgData name="Sherif Khattab" userId="c83b1e15-36f3-4f46-aceb-05aac24c545e" providerId="ADAL" clId="{4F266D3B-92A2-40A8-A073-356F608DC91A}" dt="2021-02-16T15:29:22.015" v="467" actId="20577"/>
-          <ac:spMkLst>
-            <pc:docMk/>
-            <pc:sldMk cId="2487721040" sldId="516"/>
-            <ac:spMk id="2" creationId="{8F0D0240-9749-9A4C-AFD0-B00F3A6D8FB6}"/>
-          </ac:spMkLst>
-        </pc:spChg>
-        <pc:spChg chg="mod">
-          <ac:chgData name="Sherif Khattab" userId="c83b1e15-36f3-4f46-aceb-05aac24c545e" providerId="ADAL" clId="{4F266D3B-92A2-40A8-A073-356F608DC91A}" dt="2021-02-16T14:57:08.364" v="397"/>
-          <ac:spMkLst>
-            <pc:docMk/>
-            <pc:sldMk cId="2487721040" sldId="516"/>
-            <ac:spMk id="3" creationId="{CBB5D1A1-A1C5-4D4A-9051-CB104F0E3B4F}"/>
-          </ac:spMkLst>
-        </pc:spChg>
-      </pc:sldChg>
-      <pc:sldChg chg="add del">
-        <pc:chgData name="Sherif Khattab" userId="c83b1e15-36f3-4f46-aceb-05aac24c545e" providerId="ADAL" clId="{4F266D3B-92A2-40A8-A073-356F608DC91A}" dt="2021-02-16T14:57:11.643" v="398" actId="47"/>
-        <pc:sldMkLst>
-          <pc:docMk/>
-          <pc:sldMk cId="3114182525" sldId="517"/>
-        </pc:sldMkLst>
-      </pc:sldChg>
-      <pc:sldChg chg="add">
-        <pc:chgData name="Sherif Khattab" userId="c83b1e15-36f3-4f46-aceb-05aac24c545e" providerId="ADAL" clId="{4F266D3B-92A2-40A8-A073-356F608DC91A}" dt="2021-02-16T14:38:45.616" v="6"/>
-        <pc:sldMkLst>
-          <pc:docMk/>
-          <pc:sldMk cId="1616471687" sldId="518"/>
-        </pc:sldMkLst>
-      </pc:sldChg>
-      <pc:sldChg chg="addSp delSp modSp new mod modAnim">
-        <pc:chgData name="Sherif Khattab" userId="c83b1e15-36f3-4f46-aceb-05aac24c545e" providerId="ADAL" clId="{4F266D3B-92A2-40A8-A073-356F608DC91A}" dt="2021-02-16T15:28:48.026" v="449"/>
-        <pc:sldMkLst>
-          <pc:docMk/>
-          <pc:sldMk cId="3504930043" sldId="519"/>
-        </pc:sldMkLst>
-        <pc:spChg chg="mod">
-          <ac:chgData name="Sherif Khattab" userId="c83b1e15-36f3-4f46-aceb-05aac24c545e" providerId="ADAL" clId="{4F266D3B-92A2-40A8-A073-356F608DC91A}" dt="2021-02-16T15:27:02.433" v="415" actId="20577"/>
-          <ac:spMkLst>
-            <pc:docMk/>
-            <pc:sldMk cId="3504930043" sldId="519"/>
-            <ac:spMk id="2" creationId="{A0D540A4-5655-4AC5-A7D9-14716DD6CE03}"/>
-          </ac:spMkLst>
-        </pc:spChg>
-        <pc:spChg chg="add del mod">
-          <ac:chgData name="Sherif Khattab" userId="c83b1e15-36f3-4f46-aceb-05aac24c545e" providerId="ADAL" clId="{4F266D3B-92A2-40A8-A073-356F608DC91A}" dt="2021-02-16T15:28:30.614" v="447" actId="27636"/>
-          <ac:spMkLst>
-            <pc:docMk/>
-            <pc:sldMk cId="3504930043" sldId="519"/>
-            <ac:spMk id="3" creationId="{081F86C7-7D18-4E19-B794-DA1A4D2806F5}"/>
-          </ac:spMkLst>
-        </pc:spChg>
-        <pc:spChg chg="add del mod">
-          <ac:chgData name="Sherif Khattab" userId="c83b1e15-36f3-4f46-aceb-05aac24c545e" providerId="ADAL" clId="{4F266D3B-92A2-40A8-A073-356F608DC91A}" dt="2021-02-16T15:27:07.553" v="419"/>
-          <ac:spMkLst>
-            <pc:docMk/>
-            <pc:sldMk cId="3504930043" sldId="519"/>
-            <ac:spMk id="6" creationId="{5AAC249C-A516-4821-A58B-D2F4C5A24FC3}"/>
-          </ac:spMkLst>
-        </pc:spChg>
-      </pc:sldChg>
-      <pc:sldChg chg="add del">
-        <pc:chgData name="Sherif Khattab" userId="c83b1e15-36f3-4f46-aceb-05aac24c545e" providerId="ADAL" clId="{4F266D3B-92A2-40A8-A073-356F608DC91A}" dt="2021-02-16T14:38:53.992" v="7" actId="47"/>
-        <pc:sldMkLst>
-          <pc:docMk/>
-          <pc:sldMk cId="1895271479" sldId="520"/>
-        </pc:sldMkLst>
-      </pc:sldChg>
-      <pc:sldChg chg="modSp new mod modAnim">
-        <pc:chgData name="Sherif Khattab" userId="c83b1e15-36f3-4f46-aceb-05aac24c545e" providerId="ADAL" clId="{4F266D3B-92A2-40A8-A073-356F608DC91A}" dt="2021-02-16T15:29:50.503" v="470"/>
-        <pc:sldMkLst>
-          <pc:docMk/>
-          <pc:sldMk cId="2126070970" sldId="520"/>
-        </pc:sldMkLst>
-        <pc:spChg chg="mod">
-          <ac:chgData name="Sherif Khattab" userId="c83b1e15-36f3-4f46-aceb-05aac24c545e" providerId="ADAL" clId="{4F266D3B-92A2-40A8-A073-356F608DC91A}" dt="2021-02-16T15:29:16.027" v="461" actId="20577"/>
-          <ac:spMkLst>
-            <pc:docMk/>
-            <pc:sldMk cId="2126070970" sldId="520"/>
-            <ac:spMk id="2" creationId="{08235729-9B80-4A9E-BC29-C4B6E026AAF2}"/>
-          </ac:spMkLst>
-        </pc:spChg>
-        <pc:spChg chg="mod">
-          <ac:chgData name="Sherif Khattab" userId="c83b1e15-36f3-4f46-aceb-05aac24c545e" providerId="ADAL" clId="{4F266D3B-92A2-40A8-A073-356F608DC91A}" dt="2021-02-16T15:29:02.714" v="456" actId="20577"/>
-          <ac:spMkLst>
-            <pc:docMk/>
-            <pc:sldMk cId="2126070970" sldId="520"/>
-            <ac:spMk id="3" creationId="{D7399D59-7ED8-4451-AEDE-1AC4DE33563A}"/>
-          </ac:spMkLst>
-        </pc:spChg>
-      </pc:sldChg>
-      <pc:sldChg chg="addSp modSp new mod">
-        <pc:chgData name="Sherif Khattab" userId="c83b1e15-36f3-4f46-aceb-05aac24c545e" providerId="ADAL" clId="{4F266D3B-92A2-40A8-A073-356F608DC91A}" dt="2021-02-17T00:15:29.065" v="660" actId="1076"/>
-        <pc:sldMkLst>
-          <pc:docMk/>
-          <pc:sldMk cId="2842851832" sldId="521"/>
-        </pc:sldMkLst>
-        <pc:spChg chg="mod">
-          <ac:chgData name="Sherif Khattab" userId="c83b1e15-36f3-4f46-aceb-05aac24c545e" providerId="ADAL" clId="{4F266D3B-92A2-40A8-A073-356F608DC91A}" dt="2021-02-17T00:15:22.868" v="657" actId="20577"/>
-          <ac:spMkLst>
-            <pc:docMk/>
-            <pc:sldMk cId="2842851832" sldId="521"/>
-            <ac:spMk id="2" creationId="{C0669269-A91F-4CAB-A90F-111E11E047C7}"/>
-          </ac:spMkLst>
-        </pc:spChg>
-        <pc:picChg chg="add mod">
-          <ac:chgData name="Sherif Khattab" userId="c83b1e15-36f3-4f46-aceb-05aac24c545e" providerId="ADAL" clId="{4F266D3B-92A2-40A8-A073-356F608DC91A}" dt="2021-02-17T00:15:29.065" v="660" actId="1076"/>
-          <ac:picMkLst>
-            <pc:docMk/>
-            <pc:sldMk cId="2842851832" sldId="521"/>
-            <ac:picMk id="7" creationId="{EE1B0C5E-D406-4EF5-9193-4477D02B33E0}"/>
-          </ac:picMkLst>
-        </pc:picChg>
-      </pc:sldChg>
-      <pc:sldChg chg="add del">
-        <pc:chgData name="Sherif Khattab" userId="c83b1e15-36f3-4f46-aceb-05aac24c545e" providerId="ADAL" clId="{4F266D3B-92A2-40A8-A073-356F608DC91A}" dt="2021-02-16T14:38:54.959" v="8" actId="47"/>
-        <pc:sldMkLst>
-          <pc:docMk/>
-          <pc:sldMk cId="2885366123" sldId="521"/>
-        </pc:sldMkLst>
-      </pc:sldChg>
-      <pc:sldChg chg="add del">
-        <pc:chgData name="Sherif Khattab" userId="c83b1e15-36f3-4f46-aceb-05aac24c545e" providerId="ADAL" clId="{4F266D3B-92A2-40A8-A073-356F608DC91A}" dt="2021-02-16T14:39:22.937" v="10" actId="47"/>
-        <pc:sldMkLst>
-          <pc:docMk/>
-          <pc:sldMk cId="158309068" sldId="522"/>
-        </pc:sldMkLst>
-      </pc:sldChg>
-      <pc:sldChg chg="addSp modSp new mod">
-        <pc:chgData name="Sherif Khattab" userId="c83b1e15-36f3-4f46-aceb-05aac24c545e" providerId="ADAL" clId="{4F266D3B-92A2-40A8-A073-356F608DC91A}" dt="2021-02-17T00:16:24.875" v="717" actId="1076"/>
-        <pc:sldMkLst>
-          <pc:docMk/>
-          <pc:sldMk cId="3046460320" sldId="522"/>
-        </pc:sldMkLst>
-        <pc:spChg chg="mod">
-          <ac:chgData name="Sherif Khattab" userId="c83b1e15-36f3-4f46-aceb-05aac24c545e" providerId="ADAL" clId="{4F266D3B-92A2-40A8-A073-356F608DC91A}" dt="2021-02-17T00:16:13.224" v="714" actId="27636"/>
-          <ac:spMkLst>
-            <pc:docMk/>
-            <pc:sldMk cId="3046460320" sldId="522"/>
-            <ac:spMk id="2" creationId="{FD1CC97F-AFCA-4AC8-AFF1-36EBDCDB0645}"/>
-          </ac:spMkLst>
-        </pc:spChg>
-        <pc:picChg chg="add mod">
-          <ac:chgData name="Sherif Khattab" userId="c83b1e15-36f3-4f46-aceb-05aac24c545e" providerId="ADAL" clId="{4F266D3B-92A2-40A8-A073-356F608DC91A}" dt="2021-02-17T00:16:24.875" v="717" actId="1076"/>
-          <ac:picMkLst>
-            <pc:docMk/>
-            <pc:sldMk cId="3046460320" sldId="522"/>
-            <ac:picMk id="7" creationId="{621196E3-3FAD-44A3-AA2E-C6D7C306E13A}"/>
-          </ac:picMkLst>
-        </pc:picChg>
       </pc:sldChg>
     </pc:docChg>
   </pc:docChgLst>
@@ -11058,7 +11074,7 @@
           <a:p>
             <a:r>
               <a:rPr lang="en-US"/>
-              <a:t>Fall 2021</a:t>
+              <a:t>Spring 2022</a:t>
             </a:r>
           </a:p>
           <a:p>

--- a/DraftSlides/Lecture8.pptx
+++ b/DraftSlides/Lecture8.pptx
@@ -5,7 +5,7 @@
     <p:sldMasterId id="2147483648" r:id="rId1"/>
   </p:sldMasterIdLst>
   <p:notesMasterIdLst>
-    <p:notesMasterId r:id="rId20"/>
+    <p:notesMasterId r:id="rId17"/>
   </p:notesMasterIdLst>
   <p:sldIdLst>
     <p:sldId id="454" r:id="rId2"/>
@@ -23,9 +23,6 @@
     <p:sldId id="553" r:id="rId14"/>
     <p:sldId id="554" r:id="rId15"/>
     <p:sldId id="557" r:id="rId16"/>
-    <p:sldId id="556" r:id="rId17"/>
-    <p:sldId id="558" r:id="rId18"/>
-    <p:sldId id="559" r:id="rId19"/>
   </p:sldIdLst>
   <p:sldSz cx="10080625" cy="7559675"/>
   <p:notesSz cx="7772400" cy="10058400"/>
@@ -230,7 +227,7 @@
 <file path=ppt/revisionInfo.xml><?xml version="1.0" encoding="utf-8"?>
 <p1510:revInfo xmlns:a="http://schemas.openxmlformats.org/drawingml/2006/main" xmlns:r="http://schemas.openxmlformats.org/officeDocument/2006/relationships" xmlns:p1510="http://schemas.microsoft.com/office/powerpoint/2015/10/main">
   <p1510:revLst>
-    <p1510:client id="{E6AB764D-2824-4613-BFFF-A2420CC730EF}" v="58" dt="2022-02-08T14:15:34.380"/>
+    <p1510:client id="{E6AB764D-2824-4613-BFFF-A2420CC730EF}" v="59" dt="2022-02-10T19:11:00.640"/>
   </p1510:revLst>
 </p1510:revInfo>
 </file>
@@ -287,7 +284,7 @@
   <pc:docChgLst>
     <pc:chgData name="Khattab, Sherif" userId="c83b1e15-36f3-4f46-aceb-05aac24c545e" providerId="ADAL" clId="{E6AB764D-2824-4613-BFFF-A2420CC730EF}"/>
     <pc:docChg chg="custSel addSld delSld modSld">
-      <pc:chgData name="Khattab, Sherif" userId="c83b1e15-36f3-4f46-aceb-05aac24c545e" providerId="ADAL" clId="{E6AB764D-2824-4613-BFFF-A2420CC730EF}" dt="2022-02-08T14:18:08.292" v="955" actId="20577"/>
+      <pc:chgData name="Khattab, Sherif" userId="c83b1e15-36f3-4f46-aceb-05aac24c545e" providerId="ADAL" clId="{E6AB764D-2824-4613-BFFF-A2420CC730EF}" dt="2022-02-10T19:11:00.640" v="957" actId="13926"/>
       <pc:docMkLst>
         <pc:docMk/>
       </pc:docMkLst>
@@ -529,7 +526,7 @@
         </pc:spChg>
       </pc:sldChg>
       <pc:sldChg chg="modSp add mod">
-        <pc:chgData name="Khattab, Sherif" userId="c83b1e15-36f3-4f46-aceb-05aac24c545e" providerId="ADAL" clId="{E6AB764D-2824-4613-BFFF-A2420CC730EF}" dt="2022-02-08T14:10:25.694" v="384" actId="13926"/>
+        <pc:chgData name="Khattab, Sherif" userId="c83b1e15-36f3-4f46-aceb-05aac24c545e" providerId="ADAL" clId="{E6AB764D-2824-4613-BFFF-A2420CC730EF}" dt="2022-02-10T19:11:00.640" v="957" actId="13926"/>
         <pc:sldMkLst>
           <pc:docMk/>
           <pc:sldMk cId="492702480" sldId="549"/>
@@ -543,7 +540,7 @@
           </ac:spMkLst>
         </pc:spChg>
         <pc:spChg chg="mod">
-          <ac:chgData name="Khattab, Sherif" userId="c83b1e15-36f3-4f46-aceb-05aac24c545e" providerId="ADAL" clId="{E6AB764D-2824-4613-BFFF-A2420CC730EF}" dt="2022-02-08T14:10:25.694" v="384" actId="13926"/>
+          <ac:chgData name="Khattab, Sherif" userId="c83b1e15-36f3-4f46-aceb-05aac24c545e" providerId="ADAL" clId="{E6AB764D-2824-4613-BFFF-A2420CC730EF}" dt="2022-02-10T19:11:00.640" v="957" actId="13926"/>
           <ac:spMkLst>
             <pc:docMk/>
             <pc:sldMk cId="492702480" sldId="549"/>
@@ -705,8 +702,8 @@
           <pc:sldMk cId="1475445910" sldId="555"/>
         </pc:sldMkLst>
       </pc:sldChg>
-      <pc:sldChg chg="add">
-        <pc:chgData name="Khattab, Sherif" userId="c83b1e15-36f3-4f46-aceb-05aac24c545e" providerId="ADAL" clId="{E6AB764D-2824-4613-BFFF-A2420CC730EF}" dt="2022-02-08T14:14:03.247" v="598"/>
+      <pc:sldChg chg="add del">
+        <pc:chgData name="Khattab, Sherif" userId="c83b1e15-36f3-4f46-aceb-05aac24c545e" providerId="ADAL" clId="{E6AB764D-2824-4613-BFFF-A2420CC730EF}" dt="2022-02-10T14:15:35.826" v="956" actId="2696"/>
         <pc:sldMkLst>
           <pc:docMk/>
           <pc:sldMk cId="375143652" sldId="556"/>
@@ -727,8 +724,8 @@
           </ac:spMkLst>
         </pc:spChg>
       </pc:sldChg>
-      <pc:sldChg chg="add">
-        <pc:chgData name="Khattab, Sherif" userId="c83b1e15-36f3-4f46-aceb-05aac24c545e" providerId="ADAL" clId="{E6AB764D-2824-4613-BFFF-A2420CC730EF}" dt="2022-02-08T14:15:34.378" v="792"/>
+      <pc:sldChg chg="add del">
+        <pc:chgData name="Khattab, Sherif" userId="c83b1e15-36f3-4f46-aceb-05aac24c545e" providerId="ADAL" clId="{E6AB764D-2824-4613-BFFF-A2420CC730EF}" dt="2022-02-10T14:15:35.826" v="956" actId="2696"/>
         <pc:sldMkLst>
           <pc:docMk/>
           <pc:sldMk cId="2858246217" sldId="558"/>
@@ -741,8 +738,8 @@
           <pc:sldMk cId="3876688249" sldId="558"/>
         </pc:sldMkLst>
       </pc:sldChg>
-      <pc:sldChg chg="modSp new mod">
-        <pc:chgData name="Khattab, Sherif" userId="c83b1e15-36f3-4f46-aceb-05aac24c545e" providerId="ADAL" clId="{E6AB764D-2824-4613-BFFF-A2420CC730EF}" dt="2022-02-08T14:18:08.292" v="955" actId="20577"/>
+      <pc:sldChg chg="modSp new del mod">
+        <pc:chgData name="Khattab, Sherif" userId="c83b1e15-36f3-4f46-aceb-05aac24c545e" providerId="ADAL" clId="{E6AB764D-2824-4613-BFFF-A2420CC730EF}" dt="2022-02-10T14:15:35.826" v="956" actId="2696"/>
         <pc:sldMkLst>
           <pc:docMk/>
           <pc:sldMk cId="355203031" sldId="559"/>
@@ -17328,3796 +17325,6 @@
 </p:sld>
 </file>
 
-<file path=ppt/slides/slide16.xml><?xml version="1.0" encoding="utf-8"?>
-<p:sld xmlns:a="http://schemas.openxmlformats.org/drawingml/2006/main" xmlns:r="http://schemas.openxmlformats.org/officeDocument/2006/relationships" xmlns:p="http://schemas.openxmlformats.org/presentationml/2006/main">
-  <p:cSld>
-    <p:spTree>
-      <p:nvGrpSpPr>
-        <p:cNvPr id="1" name=""/>
-        <p:cNvGrpSpPr/>
-        <p:nvPr/>
-      </p:nvGrpSpPr>
-      <p:grpSpPr>
-        <a:xfrm>
-          <a:off x="0" y="0"/>
-          <a:ext cx="0" cy="0"/>
-          <a:chOff x="0" y="0"/>
-          <a:chExt cx="0" cy="0"/>
-        </a:xfrm>
-      </p:grpSpPr>
-      <p:sp>
-        <p:nvSpPr>
-          <p:cNvPr id="2" name="Title 1">
-            <a:extLst>
-              <a:ext uri="{FF2B5EF4-FFF2-40B4-BE49-F238E27FC236}">
-                <a16:creationId xmlns:a16="http://schemas.microsoft.com/office/drawing/2014/main" id="{C4A59103-2BDE-4B0B-8F90-7C8025F1E671}"/>
-              </a:ext>
-            </a:extLst>
-          </p:cNvPr>
-          <p:cNvSpPr>
-            <a:spLocks noGrp="1"/>
-          </p:cNvSpPr>
-          <p:nvPr>
-            <p:ph type="title"/>
-          </p:nvPr>
-        </p:nvSpPr>
-        <p:spPr/>
-        <p:txBody>
-          <a:bodyPr/>
-          <a:lstStyle/>
-          <a:p>
-            <a:r>
-              <a:rPr lang="en-US" dirty="0"/>
-              <a:t>Sequence 1</a:t>
-            </a:r>
-          </a:p>
-        </p:txBody>
-      </p:sp>
-      <p:sp>
-        <p:nvSpPr>
-          <p:cNvPr id="3" name="Content Placeholder 2">
-            <a:extLst>
-              <a:ext uri="{FF2B5EF4-FFF2-40B4-BE49-F238E27FC236}">
-                <a16:creationId xmlns:a16="http://schemas.microsoft.com/office/drawing/2014/main" id="{3F6B336D-9D2D-4710-89E4-444D79F1482A}"/>
-              </a:ext>
-            </a:extLst>
-          </p:cNvPr>
-          <p:cNvSpPr>
-            <a:spLocks noGrp="1"/>
-          </p:cNvSpPr>
-          <p:nvPr>
-            <p:ph idx="1"/>
-          </p:nvPr>
-        </p:nvSpPr>
-        <p:spPr>
-          <a:xfrm>
-            <a:off x="0" y="714375"/>
-            <a:ext cx="3091218" cy="6567487"/>
-          </a:xfrm>
-        </p:spPr>
-        <p:txBody>
-          <a:bodyPr>
-            <a:normAutofit/>
-          </a:bodyPr>
-          <a:lstStyle/>
-          <a:p>
-            <a:r>
-              <a:rPr lang="en-US" dirty="0"/>
-              <a:t>W0 </a:t>
-            </a:r>
-            <a:r>
-              <a:rPr lang="en-US" dirty="0" err="1"/>
-              <a:t>enterWrite</a:t>
-            </a:r>
-            <a:endParaRPr lang="en-US" dirty="0"/>
-          </a:p>
-          <a:p>
-            <a:r>
-              <a:rPr lang="en-US" dirty="0"/>
-              <a:t>W0 write</a:t>
-            </a:r>
-          </a:p>
-          <a:p>
-            <a:r>
-              <a:rPr lang="en-US" dirty="0"/>
-              <a:t>R0 </a:t>
-            </a:r>
-            <a:r>
-              <a:rPr lang="en-US" dirty="0" err="1"/>
-              <a:t>enterRead</a:t>
-            </a:r>
-            <a:endParaRPr lang="en-US" dirty="0"/>
-          </a:p>
-          <a:p>
-            <a:r>
-              <a:rPr lang="en-US" dirty="0"/>
-              <a:t>R1 </a:t>
-            </a:r>
-            <a:r>
-              <a:rPr lang="en-US" dirty="0" err="1"/>
-              <a:t>enterRead</a:t>
-            </a:r>
-            <a:endParaRPr lang="en-US" dirty="0"/>
-          </a:p>
-          <a:p>
-            <a:r>
-              <a:rPr lang="en-US" dirty="0"/>
-              <a:t>R2 </a:t>
-            </a:r>
-            <a:r>
-              <a:rPr lang="en-US" dirty="0" err="1"/>
-              <a:t>enterRead</a:t>
-            </a:r>
-            <a:endParaRPr lang="en-US" dirty="0"/>
-          </a:p>
-          <a:p>
-            <a:r>
-              <a:rPr lang="en-US" dirty="0"/>
-              <a:t>W0 </a:t>
-            </a:r>
-            <a:r>
-              <a:rPr lang="en-US" dirty="0" err="1"/>
-              <a:t>doneWrite</a:t>
-            </a:r>
-            <a:endParaRPr lang="en-US" dirty="0"/>
-          </a:p>
-          <a:p>
-            <a:r>
-              <a:rPr lang="en-US" dirty="0"/>
-              <a:t>R2 read</a:t>
-            </a:r>
-          </a:p>
-          <a:p>
-            <a:r>
-              <a:rPr lang="en-US" dirty="0"/>
-              <a:t>W1 </a:t>
-            </a:r>
-            <a:r>
-              <a:rPr lang="en-US" dirty="0" err="1"/>
-              <a:t>enterWrite</a:t>
-            </a:r>
-            <a:endParaRPr lang="en-US" dirty="0"/>
-          </a:p>
-          <a:p>
-            <a:r>
-              <a:rPr lang="en-US" dirty="0"/>
-              <a:t>R2 </a:t>
-            </a:r>
-            <a:r>
-              <a:rPr lang="en-US" dirty="0" err="1"/>
-              <a:t>doneRead</a:t>
-            </a:r>
-            <a:endParaRPr lang="en-US" dirty="0"/>
-          </a:p>
-          <a:p>
-            <a:r>
-              <a:rPr lang="en-US" dirty="0"/>
-              <a:t>W1 write</a:t>
-            </a:r>
-          </a:p>
-        </p:txBody>
-      </p:sp>
-      <p:sp>
-        <p:nvSpPr>
-          <p:cNvPr id="4" name="Footer Placeholder 3">
-            <a:extLst>
-              <a:ext uri="{FF2B5EF4-FFF2-40B4-BE49-F238E27FC236}">
-                <a16:creationId xmlns:a16="http://schemas.microsoft.com/office/drawing/2014/main" id="{191CCCFD-3EA7-4929-924F-901ECE297006}"/>
-              </a:ext>
-            </a:extLst>
-          </p:cNvPr>
-          <p:cNvSpPr>
-            <a:spLocks noGrp="1"/>
-          </p:cNvSpPr>
-          <p:nvPr>
-            <p:ph type="ftr" idx="11"/>
-          </p:nvPr>
-        </p:nvSpPr>
-        <p:spPr/>
-        <p:txBody>
-          <a:bodyPr/>
-          <a:lstStyle/>
-          <a:p>
-            <a:pPr>
-              <a:defRPr/>
-            </a:pPr>
-            <a:r>
-              <a:rPr lang="en-US">
-                <a:latin typeface="+mn-lt"/>
-              </a:rPr>
-              <a:t>CS/COE 1550 – Operating Systems – Sherif Khattab</a:t>
-            </a:r>
-            <a:endParaRPr lang="en-GB" dirty="0"/>
-          </a:p>
-        </p:txBody>
-      </p:sp>
-      <p:sp>
-        <p:nvSpPr>
-          <p:cNvPr id="5" name="Slide Number Placeholder 4">
-            <a:extLst>
-              <a:ext uri="{FF2B5EF4-FFF2-40B4-BE49-F238E27FC236}">
-                <a16:creationId xmlns:a16="http://schemas.microsoft.com/office/drawing/2014/main" id="{079A1D3E-E0C3-421E-8EC8-FFC918565C33}"/>
-              </a:ext>
-            </a:extLst>
-          </p:cNvPr>
-          <p:cNvSpPr>
-            <a:spLocks noGrp="1"/>
-          </p:cNvSpPr>
-          <p:nvPr>
-            <p:ph type="sldNum" idx="12"/>
-          </p:nvPr>
-        </p:nvSpPr>
-        <p:spPr/>
-        <p:txBody>
-          <a:bodyPr/>
-          <a:lstStyle/>
-          <a:p>
-            <a:fld id="{65E435D9-63B0-4660-8D04-E83F5E2CA2AE}" type="slidenum">
-              <a:rPr lang="en-GB" altLang="en-US" smtClean="0"/>
-              <a:pPr/>
-              <a:t>16</a:t>
-            </a:fld>
-            <a:endParaRPr lang="en-GB" altLang="en-US" dirty="0"/>
-          </a:p>
-        </p:txBody>
-      </p:sp>
-      <p:sp>
-        <p:nvSpPr>
-          <p:cNvPr id="6" name="Text Box 3">
-            <a:extLst>
-              <a:ext uri="{FF2B5EF4-FFF2-40B4-BE49-F238E27FC236}">
-                <a16:creationId xmlns:a16="http://schemas.microsoft.com/office/drawing/2014/main" id="{B54D0833-D468-4579-AA17-87C1E04A796F}"/>
-              </a:ext>
-            </a:extLst>
-          </p:cNvPr>
-          <p:cNvSpPr txBox="1">
-            <a:spLocks noChangeArrowheads="1"/>
-          </p:cNvSpPr>
-          <p:nvPr/>
-        </p:nvSpPr>
-        <p:spPr bwMode="auto">
-          <a:xfrm>
-            <a:off x="3888473" y="1250297"/>
-            <a:ext cx="5199027" cy="4015681"/>
-          </a:xfrm>
-          <a:prstGeom prst="rect">
-            <a:avLst/>
-          </a:prstGeom>
-          <a:noFill/>
-          <a:ln w="6350">
-            <a:solidFill>
-              <a:schemeClr val="tx1"/>
-            </a:solidFill>
-            <a:miter lim="800000"/>
-            <a:headEnd/>
-            <a:tailEnd/>
-          </a:ln>
-          <a:effectLst/>
-          <a:extLst>
-            <a:ext uri="{909E8E84-426E-40DD-AFC4-6F175D3DCCD1}">
-              <a14:hiddenFill xmlns:a14="http://schemas.microsoft.com/office/drawing/2010/main">
-                <a:solidFill>
-                  <a:schemeClr val="accent1"/>
-                </a:solidFill>
-              </a14:hiddenFill>
-            </a:ext>
-            <a:ext uri="{AF507438-7753-43E0-B8FC-AC1667EBCBE1}">
-              <a14:hiddenEffects xmlns:a14="http://schemas.microsoft.com/office/drawing/2010/main">
-                <a:effectLst>
-                  <a:outerShdw dist="35921" dir="2700000" algn="ctr" rotWithShape="0">
-                    <a:schemeClr val="bg2"/>
-                  </a:outerShdw>
-                </a:effectLst>
-              </a14:hiddenEffects>
-            </a:ext>
-          </a:extLst>
-        </p:spPr>
-        <p:txBody>
-          <a:bodyPr lIns="95343" tIns="47672" rIns="95343" bIns="47672">
-            <a:spAutoFit/>
-          </a:bodyPr>
-          <a:lstStyle>
-            <a:lvl1pPr defTabSz="865188">
-              <a:defRPr sz="2400">
-                <a:solidFill>
-                  <a:schemeClr val="tx1"/>
-                </a:solidFill>
-                <a:latin typeface="Times" pitchFamily="2" charset="0"/>
-              </a:defRPr>
-            </a:lvl1pPr>
-            <a:lvl2pPr marL="431800" defTabSz="865188">
-              <a:defRPr sz="2400">
-                <a:solidFill>
-                  <a:schemeClr val="tx1"/>
-                </a:solidFill>
-                <a:latin typeface="Times" pitchFamily="2" charset="0"/>
-              </a:defRPr>
-            </a:lvl2pPr>
-            <a:lvl3pPr marL="865188" defTabSz="865188">
-              <a:defRPr sz="2400">
-                <a:solidFill>
-                  <a:schemeClr val="tx1"/>
-                </a:solidFill>
-                <a:latin typeface="Times" pitchFamily="2" charset="0"/>
-              </a:defRPr>
-            </a:lvl3pPr>
-            <a:lvl4pPr marL="1296988" defTabSz="865188">
-              <a:defRPr sz="2400">
-                <a:solidFill>
-                  <a:schemeClr val="tx1"/>
-                </a:solidFill>
-                <a:latin typeface="Times" pitchFamily="2" charset="0"/>
-              </a:defRPr>
-            </a:lvl4pPr>
-            <a:lvl5pPr marL="1730375" defTabSz="865188">
-              <a:defRPr sz="2400">
-                <a:solidFill>
-                  <a:schemeClr val="tx1"/>
-                </a:solidFill>
-                <a:latin typeface="Times" pitchFamily="2" charset="0"/>
-              </a:defRPr>
-            </a:lvl5pPr>
-            <a:lvl6pPr marL="2187575" defTabSz="865188" eaLnBrk="0" fontAlgn="base" hangingPunct="0">
-              <a:spcBef>
-                <a:spcPct val="0"/>
-              </a:spcBef>
-              <a:spcAft>
-                <a:spcPct val="0"/>
-              </a:spcAft>
-              <a:defRPr sz="2400">
-                <a:solidFill>
-                  <a:schemeClr val="tx1"/>
-                </a:solidFill>
-                <a:latin typeface="Times" pitchFamily="2" charset="0"/>
-              </a:defRPr>
-            </a:lvl6pPr>
-            <a:lvl7pPr marL="2644775" defTabSz="865188" eaLnBrk="0" fontAlgn="base" hangingPunct="0">
-              <a:spcBef>
-                <a:spcPct val="0"/>
-              </a:spcBef>
-              <a:spcAft>
-                <a:spcPct val="0"/>
-              </a:spcAft>
-              <a:defRPr sz="2400">
-                <a:solidFill>
-                  <a:schemeClr val="tx1"/>
-                </a:solidFill>
-                <a:latin typeface="Times" pitchFamily="2" charset="0"/>
-              </a:defRPr>
-            </a:lvl7pPr>
-            <a:lvl8pPr marL="3101975" defTabSz="865188" eaLnBrk="0" fontAlgn="base" hangingPunct="0">
-              <a:spcBef>
-                <a:spcPct val="0"/>
-              </a:spcBef>
-              <a:spcAft>
-                <a:spcPct val="0"/>
-              </a:spcAft>
-              <a:defRPr sz="2400">
-                <a:solidFill>
-                  <a:schemeClr val="tx1"/>
-                </a:solidFill>
-                <a:latin typeface="Times" pitchFamily="2" charset="0"/>
-              </a:defRPr>
-            </a:lvl8pPr>
-            <a:lvl9pPr marL="3559175" defTabSz="865188" eaLnBrk="0" fontAlgn="base" hangingPunct="0">
-              <a:spcBef>
-                <a:spcPct val="0"/>
-              </a:spcBef>
-              <a:spcAft>
-                <a:spcPct val="0"/>
-              </a:spcAft>
-              <a:defRPr sz="2400">
-                <a:solidFill>
-                  <a:schemeClr val="tx1"/>
-                </a:solidFill>
-                <a:latin typeface="Times" pitchFamily="2" charset="0"/>
-              </a:defRPr>
-            </a:lvl9pPr>
-          </a:lstStyle>
-          <a:p>
-            <a:pPr marL="0" marR="0" lvl="0" indent="0" algn="l" defTabSz="953697" rtl="0" eaLnBrk="0" fontAlgn="base" latinLnBrk="0" hangingPunct="0">
-              <a:lnSpc>
-                <a:spcPct val="100000"/>
-              </a:lnSpc>
-              <a:spcBef>
-                <a:spcPct val="0"/>
-              </a:spcBef>
-              <a:spcAft>
-                <a:spcPct val="0"/>
-              </a:spcAft>
-              <a:buClrTx/>
-              <a:buSzTx/>
-              <a:buFont typeface="Times New Roman" panose="02020603050405020304" pitchFamily="18" charset="0"/>
-              <a:buNone/>
-              <a:tabLst/>
-              <a:defRPr/>
-            </a:pPr>
-            <a:r>
-              <a:rPr kumimoji="0" lang="en-US" altLang="en-US" sz="2535" b="0" i="0" u="none" strike="noStrike" kern="1200" cap="none" spc="0" normalizeH="0" baseline="0" noProof="0" dirty="0">
-                <a:ln>
-                  <a:noFill/>
-                </a:ln>
-                <a:solidFill>
-                  <a:srgbClr val="000000"/>
-                </a:solidFill>
-                <a:effectLst/>
-                <a:uLnTx/>
-                <a:uFillTx/>
-                <a:latin typeface="Times" pitchFamily="2" charset="0"/>
-                <a:ea typeface="+mn-ea"/>
-                <a:cs typeface="Arial"/>
-              </a:rPr>
-              <a:t>Reader process</a:t>
-            </a:r>
-            <a:endParaRPr kumimoji="0" lang="en-US" altLang="en-US" sz="1874" b="0" i="0" u="none" strike="noStrike" kern="1200" cap="none" spc="0" normalizeH="0" baseline="0" noProof="0" dirty="0">
-              <a:ln>
-                <a:noFill/>
-              </a:ln>
-              <a:solidFill>
-                <a:srgbClr val="000000"/>
-              </a:solidFill>
-              <a:effectLst/>
-              <a:uLnTx/>
-              <a:uFillTx/>
-              <a:latin typeface="Courier" pitchFamily="2" charset="0"/>
-              <a:ea typeface="+mn-ea"/>
-              <a:cs typeface="Arial"/>
-            </a:endParaRPr>
-          </a:p>
-          <a:p>
-            <a:pPr marL="0" marR="0" lvl="0" indent="0" algn="l" defTabSz="953697" rtl="0" eaLnBrk="0" fontAlgn="base" latinLnBrk="0" hangingPunct="0">
-              <a:lnSpc>
-                <a:spcPct val="100000"/>
-              </a:lnSpc>
-              <a:spcBef>
-                <a:spcPct val="0"/>
-              </a:spcBef>
-              <a:spcAft>
-                <a:spcPct val="0"/>
-              </a:spcAft>
-              <a:buClrTx/>
-              <a:buSzTx/>
-              <a:buFont typeface="Times New Roman" panose="02020603050405020304" pitchFamily="18" charset="0"/>
-              <a:buNone/>
-              <a:tabLst/>
-              <a:defRPr/>
-            </a:pPr>
-            <a:r>
-              <a:rPr kumimoji="0" lang="en-US" altLang="en-US" sz="1764" b="0" i="0" u="none" strike="noStrike" kern="1200" cap="none" spc="0" normalizeH="0" baseline="0" noProof="0" dirty="0">
-                <a:ln>
-                  <a:noFill/>
-                </a:ln>
-                <a:solidFill>
-                  <a:srgbClr val="000000"/>
-                </a:solidFill>
-                <a:effectLst/>
-                <a:uLnTx/>
-                <a:uFillTx/>
-                <a:latin typeface="Monaco" pitchFamily="2" charset="77"/>
-                <a:ea typeface="+mn-ea"/>
-                <a:cs typeface="Arial"/>
-              </a:rPr>
-              <a:t>…</a:t>
-            </a:r>
-          </a:p>
-          <a:p>
-            <a:pPr marL="0" marR="0" lvl="0" indent="0" algn="l" defTabSz="953697" rtl="0" eaLnBrk="0" fontAlgn="base" latinLnBrk="0" hangingPunct="0">
-              <a:lnSpc>
-                <a:spcPct val="100000"/>
-              </a:lnSpc>
-              <a:spcBef>
-                <a:spcPct val="0"/>
-              </a:spcBef>
-              <a:spcAft>
-                <a:spcPct val="0"/>
-              </a:spcAft>
-              <a:buClrTx/>
-              <a:buSzTx/>
-              <a:buFont typeface="Times New Roman" panose="02020603050405020304" pitchFamily="18" charset="0"/>
-              <a:buNone/>
-              <a:tabLst/>
-              <a:defRPr/>
-            </a:pPr>
-            <a:r>
-              <a:rPr kumimoji="0" lang="en-US" altLang="en-US" sz="1764" b="0" i="0" u="none" strike="noStrike" kern="1200" cap="none" spc="0" normalizeH="0" baseline="0" noProof="0" dirty="0" err="1">
-                <a:ln>
-                  <a:noFill/>
-                </a:ln>
-                <a:solidFill>
-                  <a:srgbClr val="000000"/>
-                </a:solidFill>
-                <a:effectLst/>
-                <a:uLnTx/>
-                <a:uFillTx/>
-                <a:latin typeface="Monaco" pitchFamily="2" charset="77"/>
-                <a:ea typeface="+mn-ea"/>
-                <a:cs typeface="Arial"/>
-              </a:rPr>
-              <a:t>mutex.down</a:t>
-            </a:r>
-            <a:r>
-              <a:rPr kumimoji="0" lang="en-US" altLang="en-US" sz="1764" b="0" i="0" u="none" strike="noStrike" kern="1200" cap="none" spc="0" normalizeH="0" baseline="0" noProof="0" dirty="0">
-                <a:ln>
-                  <a:noFill/>
-                </a:ln>
-                <a:solidFill>
-                  <a:srgbClr val="000000"/>
-                </a:solidFill>
-                <a:effectLst/>
-                <a:uLnTx/>
-                <a:uFillTx/>
-                <a:latin typeface="Monaco" pitchFamily="2" charset="77"/>
-                <a:ea typeface="+mn-ea"/>
-                <a:cs typeface="Arial"/>
-              </a:rPr>
-              <a:t>();</a:t>
-            </a:r>
-          </a:p>
-          <a:p>
-            <a:pPr marL="0" marR="0" lvl="0" indent="0" algn="l" defTabSz="953697" rtl="0" eaLnBrk="0" fontAlgn="base" latinLnBrk="0" hangingPunct="0">
-              <a:lnSpc>
-                <a:spcPct val="100000"/>
-              </a:lnSpc>
-              <a:spcBef>
-                <a:spcPct val="0"/>
-              </a:spcBef>
-              <a:spcAft>
-                <a:spcPct val="0"/>
-              </a:spcAft>
-              <a:buClrTx/>
-              <a:buSzTx/>
-              <a:buFont typeface="Times New Roman" panose="02020603050405020304" pitchFamily="18" charset="0"/>
-              <a:buNone/>
-              <a:tabLst/>
-              <a:defRPr/>
-            </a:pPr>
-            <a:r>
-              <a:rPr kumimoji="0" lang="en-US" altLang="en-US" sz="1764" b="0" i="0" u="none" strike="noStrike" kern="1200" cap="none" spc="0" normalizeH="0" baseline="0" noProof="0" dirty="0" err="1">
-                <a:ln>
-                  <a:noFill/>
-                </a:ln>
-                <a:solidFill>
-                  <a:srgbClr val="000000"/>
-                </a:solidFill>
-                <a:effectLst/>
-                <a:uLnTx/>
-                <a:uFillTx/>
-                <a:latin typeface="Monaco" pitchFamily="2" charset="77"/>
-                <a:ea typeface="+mn-ea"/>
-                <a:cs typeface="Arial"/>
-              </a:rPr>
-              <a:t>nreaders</a:t>
-            </a:r>
-            <a:r>
-              <a:rPr kumimoji="0" lang="en-US" altLang="en-US" sz="1764" b="0" i="0" u="none" strike="noStrike" kern="1200" cap="none" spc="0" normalizeH="0" baseline="0" noProof="0" dirty="0">
-                <a:ln>
-                  <a:noFill/>
-                </a:ln>
-                <a:solidFill>
-                  <a:srgbClr val="000000"/>
-                </a:solidFill>
-                <a:effectLst/>
-                <a:uLnTx/>
-                <a:uFillTx/>
-                <a:latin typeface="Monaco" pitchFamily="2" charset="77"/>
-                <a:ea typeface="+mn-ea"/>
-                <a:cs typeface="Arial"/>
-              </a:rPr>
-              <a:t> += 1;</a:t>
-            </a:r>
-          </a:p>
-          <a:p>
-            <a:pPr marL="0" marR="0" lvl="0" indent="0" algn="l" defTabSz="953697" rtl="0" eaLnBrk="0" fontAlgn="base" latinLnBrk="0" hangingPunct="0">
-              <a:lnSpc>
-                <a:spcPct val="100000"/>
-              </a:lnSpc>
-              <a:spcBef>
-                <a:spcPct val="0"/>
-              </a:spcBef>
-              <a:spcAft>
-                <a:spcPct val="0"/>
-              </a:spcAft>
-              <a:buClrTx/>
-              <a:buSzTx/>
-              <a:buFont typeface="Times New Roman" panose="02020603050405020304" pitchFamily="18" charset="0"/>
-              <a:buNone/>
-              <a:tabLst/>
-              <a:defRPr/>
-            </a:pPr>
-            <a:r>
-              <a:rPr kumimoji="0" lang="en-US" altLang="en-US" sz="1764" b="0" i="0" u="none" strike="noStrike" kern="1200" cap="none" spc="0" normalizeH="0" baseline="0" noProof="0" dirty="0">
-                <a:ln>
-                  <a:noFill/>
-                </a:ln>
-                <a:solidFill>
-                  <a:srgbClr val="000000"/>
-                </a:solidFill>
-                <a:effectLst/>
-                <a:uLnTx/>
-                <a:uFillTx/>
-                <a:latin typeface="Monaco" pitchFamily="2" charset="77"/>
-                <a:ea typeface="+mn-ea"/>
-                <a:cs typeface="Arial"/>
-              </a:rPr>
-              <a:t>if (</a:t>
-            </a:r>
-            <a:r>
-              <a:rPr kumimoji="0" lang="en-US" altLang="en-US" sz="1764" b="0" i="0" u="none" strike="noStrike" kern="1200" cap="none" spc="0" normalizeH="0" baseline="0" noProof="0" dirty="0" err="1">
-                <a:ln>
-                  <a:noFill/>
-                </a:ln>
-                <a:solidFill>
-                  <a:srgbClr val="000000"/>
-                </a:solidFill>
-                <a:effectLst/>
-                <a:uLnTx/>
-                <a:uFillTx/>
-                <a:latin typeface="Monaco" pitchFamily="2" charset="77"/>
-                <a:ea typeface="+mn-ea"/>
-                <a:cs typeface="Arial"/>
-              </a:rPr>
-              <a:t>nreaders</a:t>
-            </a:r>
-            <a:r>
-              <a:rPr kumimoji="0" lang="en-US" altLang="en-US" sz="1764" b="0" i="0" u="none" strike="noStrike" kern="1200" cap="none" spc="0" normalizeH="0" baseline="0" noProof="0" dirty="0">
-                <a:ln>
-                  <a:noFill/>
-                </a:ln>
-                <a:solidFill>
-                  <a:srgbClr val="000000"/>
-                </a:solidFill>
-                <a:effectLst/>
-                <a:uLnTx/>
-                <a:uFillTx/>
-                <a:latin typeface="Monaco" pitchFamily="2" charset="77"/>
-                <a:ea typeface="+mn-ea"/>
-                <a:cs typeface="Arial"/>
-              </a:rPr>
-              <a:t> == 1) // wait if</a:t>
-            </a:r>
-          </a:p>
-          <a:p>
-            <a:pPr marL="0" marR="0" lvl="0" indent="0" algn="l" defTabSz="953697" rtl="0" eaLnBrk="0" fontAlgn="base" latinLnBrk="0" hangingPunct="0">
-              <a:lnSpc>
-                <a:spcPct val="100000"/>
-              </a:lnSpc>
-              <a:spcBef>
-                <a:spcPct val="0"/>
-              </a:spcBef>
-              <a:spcAft>
-                <a:spcPct val="0"/>
-              </a:spcAft>
-              <a:buClrTx/>
-              <a:buSzTx/>
-              <a:buFont typeface="Times New Roman" panose="02020603050405020304" pitchFamily="18" charset="0"/>
-              <a:buNone/>
-              <a:tabLst/>
-              <a:defRPr/>
-            </a:pPr>
-            <a:r>
-              <a:rPr kumimoji="0" lang="en-US" altLang="en-US" sz="1764" b="0" i="0" u="none" strike="noStrike" kern="1200" cap="none" spc="0" normalizeH="0" baseline="0" noProof="0" dirty="0">
-                <a:ln>
-                  <a:noFill/>
-                </a:ln>
-                <a:solidFill>
-                  <a:srgbClr val="000000"/>
-                </a:solidFill>
-                <a:effectLst/>
-                <a:uLnTx/>
-                <a:uFillTx/>
-                <a:latin typeface="Monaco" pitchFamily="2" charset="77"/>
-                <a:ea typeface="+mn-ea"/>
-                <a:cs typeface="Arial"/>
-              </a:rPr>
-              <a:t>  </a:t>
-            </a:r>
-            <a:r>
-              <a:rPr kumimoji="0" lang="en-US" altLang="en-US" sz="1764" b="0" i="0" u="none" strike="noStrike" kern="1200" cap="none" spc="0" normalizeH="0" baseline="0" noProof="0" dirty="0" err="1">
-                <a:ln>
-                  <a:noFill/>
-                </a:ln>
-                <a:solidFill>
-                  <a:srgbClr val="000000"/>
-                </a:solidFill>
-                <a:effectLst/>
-                <a:uLnTx/>
-                <a:uFillTx/>
-                <a:latin typeface="Monaco" pitchFamily="2" charset="77"/>
-                <a:ea typeface="+mn-ea"/>
-                <a:cs typeface="Arial"/>
-              </a:rPr>
-              <a:t>writing.down</a:t>
-            </a:r>
-            <a:r>
-              <a:rPr kumimoji="0" lang="en-US" altLang="en-US" sz="1764" b="0" i="0" u="none" strike="noStrike" kern="1200" cap="none" spc="0" normalizeH="0" baseline="0" noProof="0" dirty="0">
-                <a:ln>
-                  <a:noFill/>
-                </a:ln>
-                <a:solidFill>
-                  <a:srgbClr val="000000"/>
-                </a:solidFill>
-                <a:effectLst/>
-                <a:uLnTx/>
-                <a:uFillTx/>
-                <a:latin typeface="Monaco" pitchFamily="2" charset="77"/>
-                <a:ea typeface="+mn-ea"/>
-                <a:cs typeface="Arial"/>
-              </a:rPr>
-              <a:t>();  // 1st reader</a:t>
-            </a:r>
-          </a:p>
-          <a:p>
-            <a:pPr marL="0" marR="0" lvl="0" indent="0" algn="l" defTabSz="953697" rtl="0" eaLnBrk="0" fontAlgn="base" latinLnBrk="0" hangingPunct="0">
-              <a:lnSpc>
-                <a:spcPct val="100000"/>
-              </a:lnSpc>
-              <a:spcBef>
-                <a:spcPct val="0"/>
-              </a:spcBef>
-              <a:spcAft>
-                <a:spcPct val="0"/>
-              </a:spcAft>
-              <a:buClrTx/>
-              <a:buSzTx/>
-              <a:buFont typeface="Times New Roman" panose="02020603050405020304" pitchFamily="18" charset="0"/>
-              <a:buNone/>
-              <a:tabLst/>
-              <a:defRPr/>
-            </a:pPr>
-            <a:r>
-              <a:rPr kumimoji="0" lang="en-US" altLang="en-US" sz="1764" b="0" i="0" u="none" strike="noStrike" kern="1200" cap="none" spc="0" normalizeH="0" baseline="0" noProof="0" dirty="0" err="1">
-                <a:ln>
-                  <a:noFill/>
-                </a:ln>
-                <a:solidFill>
-                  <a:srgbClr val="000000"/>
-                </a:solidFill>
-                <a:effectLst/>
-                <a:uLnTx/>
-                <a:uFillTx/>
-                <a:latin typeface="Monaco" pitchFamily="2" charset="77"/>
-                <a:ea typeface="+mn-ea"/>
-                <a:cs typeface="Arial"/>
-              </a:rPr>
-              <a:t>mutex.up</a:t>
-            </a:r>
-            <a:r>
-              <a:rPr kumimoji="0" lang="en-US" altLang="en-US" sz="1764" b="0" i="0" u="none" strike="noStrike" kern="1200" cap="none" spc="0" normalizeH="0" baseline="0" noProof="0" dirty="0">
-                <a:ln>
-                  <a:noFill/>
-                </a:ln>
-                <a:solidFill>
-                  <a:srgbClr val="000000"/>
-                </a:solidFill>
-                <a:effectLst/>
-                <a:uLnTx/>
-                <a:uFillTx/>
-                <a:latin typeface="Monaco" pitchFamily="2" charset="77"/>
-                <a:ea typeface="+mn-ea"/>
-                <a:cs typeface="Arial"/>
-              </a:rPr>
-              <a:t>();</a:t>
-            </a:r>
-          </a:p>
-          <a:p>
-            <a:pPr marL="0" marR="0" lvl="0" indent="0" algn="l" defTabSz="953697" rtl="0" eaLnBrk="0" fontAlgn="base" latinLnBrk="0" hangingPunct="0">
-              <a:lnSpc>
-                <a:spcPct val="100000"/>
-              </a:lnSpc>
-              <a:spcBef>
-                <a:spcPct val="0"/>
-              </a:spcBef>
-              <a:spcAft>
-                <a:spcPct val="0"/>
-              </a:spcAft>
-              <a:buClrTx/>
-              <a:buSzTx/>
-              <a:buFont typeface="Times New Roman" panose="02020603050405020304" pitchFamily="18" charset="0"/>
-              <a:buNone/>
-              <a:tabLst/>
-              <a:defRPr/>
-            </a:pPr>
-            <a:r>
-              <a:rPr kumimoji="0" lang="en-US" altLang="en-US" sz="1764" b="0" i="0" u="none" strike="noStrike" kern="1200" cap="none" spc="0" normalizeH="0" baseline="0" noProof="0" dirty="0">
-                <a:ln>
-                  <a:noFill/>
-                </a:ln>
-                <a:solidFill>
-                  <a:srgbClr val="000000"/>
-                </a:solidFill>
-                <a:effectLst/>
-                <a:uLnTx/>
-                <a:uFillTx/>
-                <a:latin typeface="Monaco" pitchFamily="2" charset="77"/>
-                <a:ea typeface="+mn-ea"/>
-                <a:cs typeface="Arial"/>
-              </a:rPr>
-              <a:t>// Read some stuff</a:t>
-            </a:r>
-          </a:p>
-          <a:p>
-            <a:pPr marL="0" marR="0" lvl="0" indent="0" algn="l" defTabSz="953697" rtl="0" eaLnBrk="0" fontAlgn="base" latinLnBrk="0" hangingPunct="0">
-              <a:lnSpc>
-                <a:spcPct val="100000"/>
-              </a:lnSpc>
-              <a:spcBef>
-                <a:spcPct val="0"/>
-              </a:spcBef>
-              <a:spcAft>
-                <a:spcPct val="0"/>
-              </a:spcAft>
-              <a:buClrTx/>
-              <a:buSzTx/>
-              <a:buFont typeface="Times New Roman" panose="02020603050405020304" pitchFamily="18" charset="0"/>
-              <a:buNone/>
-              <a:tabLst/>
-              <a:defRPr/>
-            </a:pPr>
-            <a:r>
-              <a:rPr kumimoji="0" lang="en-US" altLang="en-US" sz="1764" b="0" i="0" u="none" strike="noStrike" kern="1200" cap="none" spc="0" normalizeH="0" baseline="0" noProof="0" dirty="0" err="1">
-                <a:ln>
-                  <a:noFill/>
-                </a:ln>
-                <a:solidFill>
-                  <a:srgbClr val="000000"/>
-                </a:solidFill>
-                <a:effectLst/>
-                <a:uLnTx/>
-                <a:uFillTx/>
-                <a:latin typeface="Monaco" pitchFamily="2" charset="77"/>
-                <a:ea typeface="+mn-ea"/>
-                <a:cs typeface="Arial"/>
-              </a:rPr>
-              <a:t>mutex.down</a:t>
-            </a:r>
-            <a:r>
-              <a:rPr kumimoji="0" lang="en-US" altLang="en-US" sz="1764" b="0" i="0" u="none" strike="noStrike" kern="1200" cap="none" spc="0" normalizeH="0" baseline="0" noProof="0" dirty="0">
-                <a:ln>
-                  <a:noFill/>
-                </a:ln>
-                <a:solidFill>
-                  <a:srgbClr val="000000"/>
-                </a:solidFill>
-                <a:effectLst/>
-                <a:uLnTx/>
-                <a:uFillTx/>
-                <a:latin typeface="Monaco" pitchFamily="2" charset="77"/>
-                <a:ea typeface="+mn-ea"/>
-                <a:cs typeface="Arial"/>
-              </a:rPr>
-              <a:t>();</a:t>
-            </a:r>
-          </a:p>
-          <a:p>
-            <a:pPr marL="0" marR="0" lvl="0" indent="0" algn="l" defTabSz="953697" rtl="0" eaLnBrk="0" fontAlgn="base" latinLnBrk="0" hangingPunct="0">
-              <a:lnSpc>
-                <a:spcPct val="100000"/>
-              </a:lnSpc>
-              <a:spcBef>
-                <a:spcPct val="0"/>
-              </a:spcBef>
-              <a:spcAft>
-                <a:spcPct val="0"/>
-              </a:spcAft>
-              <a:buClrTx/>
-              <a:buSzTx/>
-              <a:buFont typeface="Times New Roman" panose="02020603050405020304" pitchFamily="18" charset="0"/>
-              <a:buNone/>
-              <a:tabLst/>
-              <a:defRPr/>
-            </a:pPr>
-            <a:r>
-              <a:rPr kumimoji="0" lang="en-US" altLang="en-US" sz="1764" b="0" i="0" u="none" strike="noStrike" kern="1200" cap="none" spc="0" normalizeH="0" baseline="0" noProof="0" dirty="0" err="1">
-                <a:ln>
-                  <a:noFill/>
-                </a:ln>
-                <a:solidFill>
-                  <a:srgbClr val="000000"/>
-                </a:solidFill>
-                <a:effectLst/>
-                <a:uLnTx/>
-                <a:uFillTx/>
-                <a:latin typeface="Monaco" pitchFamily="2" charset="77"/>
-                <a:ea typeface="+mn-ea"/>
-                <a:cs typeface="Arial"/>
-              </a:rPr>
-              <a:t>nreaders</a:t>
-            </a:r>
-            <a:r>
-              <a:rPr kumimoji="0" lang="en-US" altLang="en-US" sz="1764" b="0" i="0" u="none" strike="noStrike" kern="1200" cap="none" spc="0" normalizeH="0" baseline="0" noProof="0" dirty="0">
-                <a:ln>
-                  <a:noFill/>
-                </a:ln>
-                <a:solidFill>
-                  <a:srgbClr val="000000"/>
-                </a:solidFill>
-                <a:effectLst/>
-                <a:uLnTx/>
-                <a:uFillTx/>
-                <a:latin typeface="Monaco" pitchFamily="2" charset="77"/>
-                <a:ea typeface="+mn-ea"/>
-                <a:cs typeface="Arial"/>
-              </a:rPr>
-              <a:t> -= 1;</a:t>
-            </a:r>
-          </a:p>
-          <a:p>
-            <a:pPr marL="0" marR="0" lvl="0" indent="0" algn="l" defTabSz="953697" rtl="0" eaLnBrk="0" fontAlgn="base" latinLnBrk="0" hangingPunct="0">
-              <a:lnSpc>
-                <a:spcPct val="100000"/>
-              </a:lnSpc>
-              <a:spcBef>
-                <a:spcPct val="0"/>
-              </a:spcBef>
-              <a:spcAft>
-                <a:spcPct val="0"/>
-              </a:spcAft>
-              <a:buClrTx/>
-              <a:buSzTx/>
-              <a:buFont typeface="Times New Roman" panose="02020603050405020304" pitchFamily="18" charset="0"/>
-              <a:buNone/>
-              <a:tabLst/>
-              <a:defRPr/>
-            </a:pPr>
-            <a:r>
-              <a:rPr kumimoji="0" lang="en-US" altLang="en-US" sz="1764" b="0" i="0" u="none" strike="noStrike" kern="1200" cap="none" spc="0" normalizeH="0" baseline="0" noProof="0" dirty="0">
-                <a:ln>
-                  <a:noFill/>
-                </a:ln>
-                <a:solidFill>
-                  <a:srgbClr val="000000"/>
-                </a:solidFill>
-                <a:effectLst/>
-                <a:uLnTx/>
-                <a:uFillTx/>
-                <a:latin typeface="Monaco" pitchFamily="2" charset="77"/>
-                <a:ea typeface="+mn-ea"/>
-                <a:cs typeface="Arial"/>
-              </a:rPr>
-              <a:t>if (</a:t>
-            </a:r>
-            <a:r>
-              <a:rPr kumimoji="0" lang="en-US" altLang="en-US" sz="1764" b="0" i="0" u="none" strike="noStrike" kern="1200" cap="none" spc="0" normalizeH="0" baseline="0" noProof="0" dirty="0" err="1">
-                <a:ln>
-                  <a:noFill/>
-                </a:ln>
-                <a:solidFill>
-                  <a:srgbClr val="000000"/>
-                </a:solidFill>
-                <a:effectLst/>
-                <a:uLnTx/>
-                <a:uFillTx/>
-                <a:latin typeface="Monaco" pitchFamily="2" charset="77"/>
-                <a:ea typeface="+mn-ea"/>
-                <a:cs typeface="Arial"/>
-              </a:rPr>
-              <a:t>nreaders</a:t>
-            </a:r>
-            <a:r>
-              <a:rPr kumimoji="0" lang="en-US" altLang="en-US" sz="1764" b="0" i="0" u="none" strike="noStrike" kern="1200" cap="none" spc="0" normalizeH="0" baseline="0" noProof="0" dirty="0">
-                <a:ln>
-                  <a:noFill/>
-                </a:ln>
-                <a:solidFill>
-                  <a:srgbClr val="000000"/>
-                </a:solidFill>
-                <a:effectLst/>
-                <a:uLnTx/>
-                <a:uFillTx/>
-                <a:latin typeface="Monaco" pitchFamily="2" charset="77"/>
-                <a:ea typeface="+mn-ea"/>
-                <a:cs typeface="Arial"/>
-              </a:rPr>
-              <a:t> == 0)	// signal if</a:t>
-            </a:r>
-          </a:p>
-          <a:p>
-            <a:pPr marL="0" marR="0" lvl="0" indent="0" algn="l" defTabSz="953697" rtl="0" eaLnBrk="0" fontAlgn="base" latinLnBrk="0" hangingPunct="0">
-              <a:lnSpc>
-                <a:spcPct val="100000"/>
-              </a:lnSpc>
-              <a:spcBef>
-                <a:spcPct val="0"/>
-              </a:spcBef>
-              <a:spcAft>
-                <a:spcPct val="0"/>
-              </a:spcAft>
-              <a:buClrTx/>
-              <a:buSzTx/>
-              <a:buFont typeface="Times New Roman" panose="02020603050405020304" pitchFamily="18" charset="0"/>
-              <a:buNone/>
-              <a:tabLst/>
-              <a:defRPr/>
-            </a:pPr>
-            <a:r>
-              <a:rPr kumimoji="0" lang="en-US" altLang="en-US" sz="1764" b="0" i="0" u="none" strike="noStrike" kern="1200" cap="none" spc="0" normalizeH="0" baseline="0" noProof="0" dirty="0">
-                <a:ln>
-                  <a:noFill/>
-                </a:ln>
-                <a:solidFill>
-                  <a:srgbClr val="000000"/>
-                </a:solidFill>
-                <a:effectLst/>
-                <a:uLnTx/>
-                <a:uFillTx/>
-                <a:latin typeface="Monaco" pitchFamily="2" charset="77"/>
-                <a:ea typeface="+mn-ea"/>
-                <a:cs typeface="Arial"/>
-              </a:rPr>
-              <a:t>  </a:t>
-            </a:r>
-            <a:r>
-              <a:rPr kumimoji="0" lang="en-US" altLang="en-US" sz="1764" b="0" i="0" u="none" strike="noStrike" kern="1200" cap="none" spc="0" normalizeH="0" baseline="0" noProof="0" dirty="0" err="1">
-                <a:ln>
-                  <a:noFill/>
-                </a:ln>
-                <a:solidFill>
-                  <a:srgbClr val="000000"/>
-                </a:solidFill>
-                <a:effectLst/>
-                <a:uLnTx/>
-                <a:uFillTx/>
-                <a:latin typeface="Monaco" pitchFamily="2" charset="77"/>
-                <a:ea typeface="+mn-ea"/>
-                <a:cs typeface="Arial"/>
-              </a:rPr>
-              <a:t>writing.up</a:t>
-            </a:r>
-            <a:r>
-              <a:rPr kumimoji="0" lang="en-US" altLang="en-US" sz="1764" b="0" i="0" u="none" strike="noStrike" kern="1200" cap="none" spc="0" normalizeH="0" baseline="0" noProof="0" dirty="0">
-                <a:ln>
-                  <a:noFill/>
-                </a:ln>
-                <a:solidFill>
-                  <a:srgbClr val="000000"/>
-                </a:solidFill>
-                <a:effectLst/>
-                <a:uLnTx/>
-                <a:uFillTx/>
-                <a:latin typeface="Monaco" pitchFamily="2" charset="77"/>
-                <a:ea typeface="+mn-ea"/>
-                <a:cs typeface="Arial"/>
-              </a:rPr>
-              <a:t>();	// last reader</a:t>
-            </a:r>
-          </a:p>
-          <a:p>
-            <a:pPr marL="0" marR="0" lvl="0" indent="0" algn="l" defTabSz="953697" rtl="0" eaLnBrk="0" fontAlgn="base" latinLnBrk="0" hangingPunct="0">
-              <a:lnSpc>
-                <a:spcPct val="100000"/>
-              </a:lnSpc>
-              <a:spcBef>
-                <a:spcPct val="0"/>
-              </a:spcBef>
-              <a:spcAft>
-                <a:spcPct val="0"/>
-              </a:spcAft>
-              <a:buClrTx/>
-              <a:buSzTx/>
-              <a:buFont typeface="Times New Roman" panose="02020603050405020304" pitchFamily="18" charset="0"/>
-              <a:buNone/>
-              <a:tabLst/>
-              <a:defRPr/>
-            </a:pPr>
-            <a:r>
-              <a:rPr kumimoji="0" lang="en-US" altLang="en-US" sz="1764" b="0" i="0" u="none" strike="noStrike" kern="1200" cap="none" spc="0" normalizeH="0" baseline="0" noProof="0" dirty="0" err="1">
-                <a:ln>
-                  <a:noFill/>
-                </a:ln>
-                <a:solidFill>
-                  <a:srgbClr val="000000"/>
-                </a:solidFill>
-                <a:effectLst/>
-                <a:uLnTx/>
-                <a:uFillTx/>
-                <a:latin typeface="Monaco" pitchFamily="2" charset="77"/>
-                <a:ea typeface="+mn-ea"/>
-                <a:cs typeface="Arial"/>
-              </a:rPr>
-              <a:t>mutex.up</a:t>
-            </a:r>
-            <a:r>
-              <a:rPr kumimoji="0" lang="en-US" altLang="en-US" sz="1764" b="0" i="0" u="none" strike="noStrike" kern="1200" cap="none" spc="0" normalizeH="0" baseline="0" noProof="0" dirty="0">
-                <a:ln>
-                  <a:noFill/>
-                </a:ln>
-                <a:solidFill>
-                  <a:srgbClr val="000000"/>
-                </a:solidFill>
-                <a:effectLst/>
-                <a:uLnTx/>
-                <a:uFillTx/>
-                <a:latin typeface="Monaco" pitchFamily="2" charset="77"/>
-                <a:ea typeface="+mn-ea"/>
-                <a:cs typeface="Arial"/>
-              </a:rPr>
-              <a:t>();</a:t>
-            </a:r>
-          </a:p>
-          <a:p>
-            <a:pPr marL="0" marR="0" lvl="0" indent="0" algn="l" defTabSz="953697" rtl="0" eaLnBrk="0" fontAlgn="base" latinLnBrk="0" hangingPunct="0">
-              <a:lnSpc>
-                <a:spcPct val="100000"/>
-              </a:lnSpc>
-              <a:spcBef>
-                <a:spcPct val="0"/>
-              </a:spcBef>
-              <a:spcAft>
-                <a:spcPct val="0"/>
-              </a:spcAft>
-              <a:buClrTx/>
-              <a:buSzTx/>
-              <a:buFont typeface="Times New Roman" panose="02020603050405020304" pitchFamily="18" charset="0"/>
-              <a:buNone/>
-              <a:tabLst/>
-              <a:defRPr/>
-            </a:pPr>
-            <a:r>
-              <a:rPr kumimoji="0" lang="en-US" altLang="en-US" sz="1764" b="0" i="0" u="none" strike="noStrike" kern="1200" cap="none" spc="0" normalizeH="0" baseline="0" noProof="0" dirty="0">
-                <a:ln>
-                  <a:noFill/>
-                </a:ln>
-                <a:solidFill>
-                  <a:srgbClr val="000000"/>
-                </a:solidFill>
-                <a:effectLst/>
-                <a:uLnTx/>
-                <a:uFillTx/>
-                <a:latin typeface="Monaco" pitchFamily="2" charset="77"/>
-                <a:ea typeface="+mn-ea"/>
-                <a:cs typeface="Arial"/>
-              </a:rPr>
-              <a:t>…</a:t>
-            </a:r>
-          </a:p>
-        </p:txBody>
-      </p:sp>
-      <p:sp>
-        <p:nvSpPr>
-          <p:cNvPr id="8" name="Text Box 5">
-            <a:extLst>
-              <a:ext uri="{FF2B5EF4-FFF2-40B4-BE49-F238E27FC236}">
-                <a16:creationId xmlns:a16="http://schemas.microsoft.com/office/drawing/2014/main" id="{A1D33533-79E2-4621-ACBC-C6FF3C3B5843}"/>
-              </a:ext>
-            </a:extLst>
-          </p:cNvPr>
-          <p:cNvSpPr txBox="1">
-            <a:spLocks noChangeArrowheads="1"/>
-          </p:cNvSpPr>
-          <p:nvPr/>
-        </p:nvSpPr>
-        <p:spPr bwMode="auto">
-          <a:xfrm>
-            <a:off x="5112544" y="5341585"/>
-            <a:ext cx="3198862" cy="1843805"/>
-          </a:xfrm>
-          <a:prstGeom prst="rect">
-            <a:avLst/>
-          </a:prstGeom>
-          <a:noFill/>
-          <a:ln w="6350">
-            <a:solidFill>
-              <a:schemeClr val="tx1"/>
-            </a:solidFill>
-            <a:miter lim="800000"/>
-            <a:headEnd/>
-            <a:tailEnd/>
-          </a:ln>
-          <a:effectLst/>
-          <a:extLst>
-            <a:ext uri="{909E8E84-426E-40DD-AFC4-6F175D3DCCD1}">
-              <a14:hiddenFill xmlns:a14="http://schemas.microsoft.com/office/drawing/2010/main">
-                <a:solidFill>
-                  <a:schemeClr val="accent1"/>
-                </a:solidFill>
-              </a14:hiddenFill>
-            </a:ext>
-            <a:ext uri="{AF507438-7753-43E0-B8FC-AC1667EBCBE1}">
-              <a14:hiddenEffects xmlns:a14="http://schemas.microsoft.com/office/drawing/2010/main">
-                <a:effectLst>
-                  <a:outerShdw dist="35921" dir="2700000" algn="ctr" rotWithShape="0">
-                    <a:schemeClr val="bg2"/>
-                  </a:outerShdw>
-                </a:effectLst>
-              </a14:hiddenEffects>
-            </a:ext>
-          </a:extLst>
-        </p:spPr>
-        <p:txBody>
-          <a:bodyPr lIns="95343" tIns="47672" rIns="95343" bIns="47672">
-            <a:spAutoFit/>
-          </a:bodyPr>
-          <a:lstStyle>
-            <a:lvl1pPr defTabSz="865188">
-              <a:defRPr sz="2400">
-                <a:solidFill>
-                  <a:schemeClr val="tx1"/>
-                </a:solidFill>
-                <a:latin typeface="Times" pitchFamily="2" charset="0"/>
-              </a:defRPr>
-            </a:lvl1pPr>
-            <a:lvl2pPr marL="431800" defTabSz="865188">
-              <a:defRPr sz="2400">
-                <a:solidFill>
-                  <a:schemeClr val="tx1"/>
-                </a:solidFill>
-                <a:latin typeface="Times" pitchFamily="2" charset="0"/>
-              </a:defRPr>
-            </a:lvl2pPr>
-            <a:lvl3pPr marL="865188" defTabSz="865188">
-              <a:defRPr sz="2400">
-                <a:solidFill>
-                  <a:schemeClr val="tx1"/>
-                </a:solidFill>
-                <a:latin typeface="Times" pitchFamily="2" charset="0"/>
-              </a:defRPr>
-            </a:lvl3pPr>
-            <a:lvl4pPr marL="1296988" defTabSz="865188">
-              <a:defRPr sz="2400">
-                <a:solidFill>
-                  <a:schemeClr val="tx1"/>
-                </a:solidFill>
-                <a:latin typeface="Times" pitchFamily="2" charset="0"/>
-              </a:defRPr>
-            </a:lvl4pPr>
-            <a:lvl5pPr marL="1730375" defTabSz="865188">
-              <a:defRPr sz="2400">
-                <a:solidFill>
-                  <a:schemeClr val="tx1"/>
-                </a:solidFill>
-                <a:latin typeface="Times" pitchFamily="2" charset="0"/>
-              </a:defRPr>
-            </a:lvl5pPr>
-            <a:lvl6pPr marL="2187575" defTabSz="865188" eaLnBrk="0" fontAlgn="base" hangingPunct="0">
-              <a:spcBef>
-                <a:spcPct val="0"/>
-              </a:spcBef>
-              <a:spcAft>
-                <a:spcPct val="0"/>
-              </a:spcAft>
-              <a:defRPr sz="2400">
-                <a:solidFill>
-                  <a:schemeClr val="tx1"/>
-                </a:solidFill>
-                <a:latin typeface="Times" pitchFamily="2" charset="0"/>
-              </a:defRPr>
-            </a:lvl6pPr>
-            <a:lvl7pPr marL="2644775" defTabSz="865188" eaLnBrk="0" fontAlgn="base" hangingPunct="0">
-              <a:spcBef>
-                <a:spcPct val="0"/>
-              </a:spcBef>
-              <a:spcAft>
-                <a:spcPct val="0"/>
-              </a:spcAft>
-              <a:defRPr sz="2400">
-                <a:solidFill>
-                  <a:schemeClr val="tx1"/>
-                </a:solidFill>
-                <a:latin typeface="Times" pitchFamily="2" charset="0"/>
-              </a:defRPr>
-            </a:lvl7pPr>
-            <a:lvl8pPr marL="3101975" defTabSz="865188" eaLnBrk="0" fontAlgn="base" hangingPunct="0">
-              <a:spcBef>
-                <a:spcPct val="0"/>
-              </a:spcBef>
-              <a:spcAft>
-                <a:spcPct val="0"/>
-              </a:spcAft>
-              <a:defRPr sz="2400">
-                <a:solidFill>
-                  <a:schemeClr val="tx1"/>
-                </a:solidFill>
-                <a:latin typeface="Times" pitchFamily="2" charset="0"/>
-              </a:defRPr>
-            </a:lvl8pPr>
-            <a:lvl9pPr marL="3559175" defTabSz="865188" eaLnBrk="0" fontAlgn="base" hangingPunct="0">
-              <a:spcBef>
-                <a:spcPct val="0"/>
-              </a:spcBef>
-              <a:spcAft>
-                <a:spcPct val="0"/>
-              </a:spcAft>
-              <a:defRPr sz="2400">
-                <a:solidFill>
-                  <a:schemeClr val="tx1"/>
-                </a:solidFill>
-                <a:latin typeface="Times" pitchFamily="2" charset="0"/>
-              </a:defRPr>
-            </a:lvl9pPr>
-          </a:lstStyle>
-          <a:p>
-            <a:pPr marL="0" marR="0" lvl="0" indent="0" algn="l" defTabSz="953697" rtl="0" eaLnBrk="0" fontAlgn="base" latinLnBrk="0" hangingPunct="0">
-              <a:lnSpc>
-                <a:spcPct val="100000"/>
-              </a:lnSpc>
-              <a:spcBef>
-                <a:spcPct val="0"/>
-              </a:spcBef>
-              <a:spcAft>
-                <a:spcPct val="0"/>
-              </a:spcAft>
-              <a:buClrTx/>
-              <a:buSzTx/>
-              <a:buFont typeface="Times New Roman" panose="02020603050405020304" pitchFamily="18" charset="0"/>
-              <a:buNone/>
-              <a:tabLst/>
-              <a:defRPr/>
-            </a:pPr>
-            <a:r>
-              <a:rPr kumimoji="0" lang="en-US" altLang="en-US" sz="2535" b="0" i="0" u="none" strike="noStrike" kern="1200" cap="none" spc="0" normalizeH="0" baseline="0" noProof="0">
-                <a:ln>
-                  <a:noFill/>
-                </a:ln>
-                <a:solidFill>
-                  <a:srgbClr val="000000"/>
-                </a:solidFill>
-                <a:effectLst/>
-                <a:uLnTx/>
-                <a:uFillTx/>
-                <a:latin typeface="Times" pitchFamily="2" charset="0"/>
-                <a:ea typeface="+mn-ea"/>
-                <a:cs typeface="Arial"/>
-              </a:rPr>
-              <a:t>Writer process</a:t>
-            </a:r>
-            <a:endParaRPr kumimoji="0" lang="en-US" altLang="en-US" sz="1874" b="0" i="0" u="none" strike="noStrike" kern="1200" cap="none" spc="0" normalizeH="0" baseline="0" noProof="0">
-              <a:ln>
-                <a:noFill/>
-              </a:ln>
-              <a:solidFill>
-                <a:srgbClr val="000000"/>
-              </a:solidFill>
-              <a:effectLst/>
-              <a:uLnTx/>
-              <a:uFillTx/>
-              <a:latin typeface="Courier" pitchFamily="2" charset="0"/>
-              <a:ea typeface="+mn-ea"/>
-              <a:cs typeface="Arial"/>
-            </a:endParaRPr>
-          </a:p>
-          <a:p>
-            <a:pPr marL="0" marR="0" lvl="0" indent="0" algn="l" defTabSz="953697" rtl="0" eaLnBrk="0" fontAlgn="base" latinLnBrk="0" hangingPunct="0">
-              <a:lnSpc>
-                <a:spcPct val="100000"/>
-              </a:lnSpc>
-              <a:spcBef>
-                <a:spcPct val="0"/>
-              </a:spcBef>
-              <a:spcAft>
-                <a:spcPct val="0"/>
-              </a:spcAft>
-              <a:buClrTx/>
-              <a:buSzTx/>
-              <a:buFont typeface="Times New Roman" panose="02020603050405020304" pitchFamily="18" charset="0"/>
-              <a:buNone/>
-              <a:tabLst/>
-              <a:defRPr/>
-            </a:pPr>
-            <a:r>
-              <a:rPr kumimoji="0" lang="en-US" altLang="en-US" sz="1764" b="0" i="0" u="none" strike="noStrike" kern="1200" cap="none" spc="0" normalizeH="0" baseline="0" noProof="0">
-                <a:ln>
-                  <a:noFill/>
-                </a:ln>
-                <a:solidFill>
-                  <a:srgbClr val="000000"/>
-                </a:solidFill>
-                <a:effectLst/>
-                <a:uLnTx/>
-                <a:uFillTx/>
-                <a:latin typeface="Monaco" pitchFamily="2" charset="77"/>
-                <a:ea typeface="+mn-ea"/>
-                <a:cs typeface="Arial"/>
-              </a:rPr>
-              <a:t>…</a:t>
-            </a:r>
-          </a:p>
-          <a:p>
-            <a:pPr marL="0" marR="0" lvl="0" indent="0" algn="l" defTabSz="953697" rtl="0" eaLnBrk="0" fontAlgn="base" latinLnBrk="0" hangingPunct="0">
-              <a:lnSpc>
-                <a:spcPct val="100000"/>
-              </a:lnSpc>
-              <a:spcBef>
-                <a:spcPct val="0"/>
-              </a:spcBef>
-              <a:spcAft>
-                <a:spcPct val="0"/>
-              </a:spcAft>
-              <a:buClrTx/>
-              <a:buSzTx/>
-              <a:buFont typeface="Times New Roman" panose="02020603050405020304" pitchFamily="18" charset="0"/>
-              <a:buNone/>
-              <a:tabLst/>
-              <a:defRPr/>
-            </a:pPr>
-            <a:r>
-              <a:rPr kumimoji="0" lang="en-US" altLang="en-US" sz="1764" b="0" i="0" u="none" strike="noStrike" kern="1200" cap="none" spc="0" normalizeH="0" baseline="0" noProof="0" err="1">
-                <a:ln>
-                  <a:noFill/>
-                </a:ln>
-                <a:solidFill>
-                  <a:srgbClr val="000000"/>
-                </a:solidFill>
-                <a:effectLst/>
-                <a:uLnTx/>
-                <a:uFillTx/>
-                <a:latin typeface="Monaco" pitchFamily="2" charset="77"/>
-                <a:ea typeface="+mn-ea"/>
-                <a:cs typeface="Arial"/>
-              </a:rPr>
-              <a:t>writing.down</a:t>
-            </a:r>
-            <a:r>
-              <a:rPr kumimoji="0" lang="en-US" altLang="en-US" sz="1764" b="0" i="0" u="none" strike="noStrike" kern="1200" cap="none" spc="0" normalizeH="0" baseline="0" noProof="0">
-                <a:ln>
-                  <a:noFill/>
-                </a:ln>
-                <a:solidFill>
-                  <a:srgbClr val="000000"/>
-                </a:solidFill>
-                <a:effectLst/>
-                <a:uLnTx/>
-                <a:uFillTx/>
-                <a:latin typeface="Monaco" pitchFamily="2" charset="77"/>
-                <a:ea typeface="+mn-ea"/>
-                <a:cs typeface="Arial"/>
-              </a:rPr>
-              <a:t>();</a:t>
-            </a:r>
-          </a:p>
-          <a:p>
-            <a:pPr marL="0" marR="0" lvl="0" indent="0" algn="l" defTabSz="953697" rtl="0" eaLnBrk="0" fontAlgn="base" latinLnBrk="0" hangingPunct="0">
-              <a:lnSpc>
-                <a:spcPct val="100000"/>
-              </a:lnSpc>
-              <a:spcBef>
-                <a:spcPct val="0"/>
-              </a:spcBef>
-              <a:spcAft>
-                <a:spcPct val="0"/>
-              </a:spcAft>
-              <a:buClrTx/>
-              <a:buSzTx/>
-              <a:buFont typeface="Times New Roman" panose="02020603050405020304" pitchFamily="18" charset="0"/>
-              <a:buNone/>
-              <a:tabLst/>
-              <a:defRPr/>
-            </a:pPr>
-            <a:r>
-              <a:rPr kumimoji="0" lang="en-US" altLang="en-US" sz="1764" b="0" i="0" u="none" strike="noStrike" kern="1200" cap="none" spc="0" normalizeH="0" baseline="0" noProof="0">
-                <a:ln>
-                  <a:noFill/>
-                </a:ln>
-                <a:solidFill>
-                  <a:srgbClr val="000000"/>
-                </a:solidFill>
-                <a:effectLst/>
-                <a:uLnTx/>
-                <a:uFillTx/>
-                <a:latin typeface="Monaco" pitchFamily="2" charset="77"/>
-                <a:ea typeface="+mn-ea"/>
-                <a:cs typeface="Arial"/>
-              </a:rPr>
-              <a:t>// Write some stuff</a:t>
-            </a:r>
-          </a:p>
-          <a:p>
-            <a:pPr marL="0" marR="0" lvl="0" indent="0" algn="l" defTabSz="953697" rtl="0" eaLnBrk="0" fontAlgn="base" latinLnBrk="0" hangingPunct="0">
-              <a:lnSpc>
-                <a:spcPct val="100000"/>
-              </a:lnSpc>
-              <a:spcBef>
-                <a:spcPct val="0"/>
-              </a:spcBef>
-              <a:spcAft>
-                <a:spcPct val="0"/>
-              </a:spcAft>
-              <a:buClrTx/>
-              <a:buSzTx/>
-              <a:buFont typeface="Times New Roman" panose="02020603050405020304" pitchFamily="18" charset="0"/>
-              <a:buNone/>
-              <a:tabLst/>
-              <a:defRPr/>
-            </a:pPr>
-            <a:r>
-              <a:rPr kumimoji="0" lang="en-US" altLang="en-US" sz="1764" b="0" i="0" u="none" strike="noStrike" kern="1200" cap="none" spc="0" normalizeH="0" baseline="0" noProof="0" err="1">
-                <a:ln>
-                  <a:noFill/>
-                </a:ln>
-                <a:solidFill>
-                  <a:srgbClr val="000000"/>
-                </a:solidFill>
-                <a:effectLst/>
-                <a:uLnTx/>
-                <a:uFillTx/>
-                <a:latin typeface="Monaco" pitchFamily="2" charset="77"/>
-                <a:ea typeface="+mn-ea"/>
-                <a:cs typeface="Arial"/>
-              </a:rPr>
-              <a:t>writing.up</a:t>
-            </a:r>
-            <a:r>
-              <a:rPr kumimoji="0" lang="en-US" altLang="en-US" sz="1764" b="0" i="0" u="none" strike="noStrike" kern="1200" cap="none" spc="0" normalizeH="0" baseline="0" noProof="0">
-                <a:ln>
-                  <a:noFill/>
-                </a:ln>
-                <a:solidFill>
-                  <a:srgbClr val="000000"/>
-                </a:solidFill>
-                <a:effectLst/>
-                <a:uLnTx/>
-                <a:uFillTx/>
-                <a:latin typeface="Monaco" pitchFamily="2" charset="77"/>
-                <a:ea typeface="+mn-ea"/>
-                <a:cs typeface="Arial"/>
-              </a:rPr>
-              <a:t>();</a:t>
-            </a:r>
-          </a:p>
-          <a:p>
-            <a:pPr marL="0" marR="0" lvl="0" indent="0" algn="l" defTabSz="953697" rtl="0" eaLnBrk="0" fontAlgn="base" latinLnBrk="0" hangingPunct="0">
-              <a:lnSpc>
-                <a:spcPct val="100000"/>
-              </a:lnSpc>
-              <a:spcBef>
-                <a:spcPct val="0"/>
-              </a:spcBef>
-              <a:spcAft>
-                <a:spcPct val="0"/>
-              </a:spcAft>
-              <a:buClrTx/>
-              <a:buSzTx/>
-              <a:buFont typeface="Times New Roman" panose="02020603050405020304" pitchFamily="18" charset="0"/>
-              <a:buNone/>
-              <a:tabLst/>
-              <a:defRPr/>
-            </a:pPr>
-            <a:r>
-              <a:rPr kumimoji="0" lang="en-US" altLang="en-US" sz="1764" b="0" i="0" u="none" strike="noStrike" kern="1200" cap="none" spc="0" normalizeH="0" baseline="0" noProof="0">
-                <a:ln>
-                  <a:noFill/>
-                </a:ln>
-                <a:solidFill>
-                  <a:srgbClr val="000000"/>
-                </a:solidFill>
-                <a:effectLst/>
-                <a:uLnTx/>
-                <a:uFillTx/>
-                <a:latin typeface="Monaco" pitchFamily="2" charset="77"/>
-                <a:ea typeface="+mn-ea"/>
-                <a:cs typeface="Arial"/>
-              </a:rPr>
-              <a:t>…</a:t>
-            </a:r>
-            <a:endParaRPr kumimoji="0" lang="en-US" altLang="en-US" sz="1874" b="0" i="0" u="none" strike="noStrike" kern="1200" cap="none" spc="0" normalizeH="0" baseline="0" noProof="0">
-              <a:ln>
-                <a:noFill/>
-              </a:ln>
-              <a:solidFill>
-                <a:srgbClr val="000000"/>
-              </a:solidFill>
-              <a:effectLst/>
-              <a:uLnTx/>
-              <a:uFillTx/>
-              <a:latin typeface="Courier" pitchFamily="2" charset="0"/>
-              <a:ea typeface="+mn-ea"/>
-              <a:cs typeface="Arial"/>
-            </a:endParaRPr>
-          </a:p>
-        </p:txBody>
-      </p:sp>
-    </p:spTree>
-    <p:extLst>
-      <p:ext uri="{BB962C8B-B14F-4D97-AF65-F5344CB8AC3E}">
-        <p14:creationId xmlns:p14="http://schemas.microsoft.com/office/powerpoint/2010/main" val="375143652"/>
-      </p:ext>
-    </p:extLst>
-  </p:cSld>
-  <p:clrMapOvr>
-    <a:masterClrMapping/>
-  </p:clrMapOvr>
-  <p:timing>
-    <p:tnLst>
-      <p:par>
-        <p:cTn id="1" dur="indefinite" restart="never" nodeType="tmRoot">
-          <p:childTnLst>
-            <p:seq concurrent="1" nextAc="seek">
-              <p:cTn id="2" dur="indefinite" nodeType="mainSeq">
-                <p:childTnLst>
-                  <p:par>
-                    <p:cTn id="3" fill="hold">
-                      <p:stCondLst>
-                        <p:cond delay="indefinite"/>
-                      </p:stCondLst>
-                      <p:childTnLst>
-                        <p:par>
-                          <p:cTn id="4" fill="hold">
-                            <p:stCondLst>
-                              <p:cond delay="0"/>
-                            </p:stCondLst>
-                            <p:childTnLst>
-                              <p:par>
-                                <p:cTn id="5" presetID="1" presetClass="entr" presetSubtype="0" fill="hold" grpId="0" nodeType="clickEffect">
-                                  <p:stCondLst>
-                                    <p:cond delay="0"/>
-                                  </p:stCondLst>
-                                  <p:childTnLst>
-                                    <p:set>
-                                      <p:cBhvr>
-                                        <p:cTn id="6" dur="1" fill="hold">
-                                          <p:stCondLst>
-                                            <p:cond delay="0"/>
-                                          </p:stCondLst>
-                                        </p:cTn>
-                                        <p:tgtEl>
-                                          <p:spTgt spid="8"/>
-                                        </p:tgtEl>
-                                        <p:attrNameLst>
-                                          <p:attrName>style.visibility</p:attrName>
-                                        </p:attrNameLst>
-                                      </p:cBhvr>
-                                      <p:to>
-                                        <p:strVal val="visible"/>
-                                      </p:to>
-                                    </p:set>
-                                  </p:childTnLst>
-                                </p:cTn>
-                              </p:par>
-                            </p:childTnLst>
-                          </p:cTn>
-                        </p:par>
-                      </p:childTnLst>
-                    </p:cTn>
-                  </p:par>
-                  <p:par>
-                    <p:cTn id="7" fill="hold">
-                      <p:stCondLst>
-                        <p:cond delay="indefinite"/>
-                      </p:stCondLst>
-                      <p:childTnLst>
-                        <p:par>
-                          <p:cTn id="8" fill="hold">
-                            <p:stCondLst>
-                              <p:cond delay="0"/>
-                            </p:stCondLst>
-                            <p:childTnLst>
-                              <p:par>
-                                <p:cTn id="9" presetID="1" presetClass="entr" presetSubtype="0" fill="hold" grpId="0" nodeType="clickEffect">
-                                  <p:stCondLst>
-                                    <p:cond delay="0"/>
-                                  </p:stCondLst>
-                                  <p:childTnLst>
-                                    <p:set>
-                                      <p:cBhvr>
-                                        <p:cTn id="10" dur="1" fill="hold">
-                                          <p:stCondLst>
-                                            <p:cond delay="0"/>
-                                          </p:stCondLst>
-                                        </p:cTn>
-                                        <p:tgtEl>
-                                          <p:spTgt spid="6"/>
-                                        </p:tgtEl>
-                                        <p:attrNameLst>
-                                          <p:attrName>style.visibility</p:attrName>
-                                        </p:attrNameLst>
-                                      </p:cBhvr>
-                                      <p:to>
-                                        <p:strVal val="visible"/>
-                                      </p:to>
-                                    </p:set>
-                                  </p:childTnLst>
-                                </p:cTn>
-                              </p:par>
-                            </p:childTnLst>
-                          </p:cTn>
-                        </p:par>
-                      </p:childTnLst>
-                    </p:cTn>
-                  </p:par>
-                </p:childTnLst>
-              </p:cTn>
-              <p:prevCondLst>
-                <p:cond evt="onPrev" delay="0">
-                  <p:tgtEl>
-                    <p:sldTgt/>
-                  </p:tgtEl>
-                </p:cond>
-              </p:prevCondLst>
-              <p:nextCondLst>
-                <p:cond evt="onNext" delay="0">
-                  <p:tgtEl>
-                    <p:sldTgt/>
-                  </p:tgtEl>
-                </p:cond>
-              </p:nextCondLst>
-            </p:seq>
-          </p:childTnLst>
-        </p:cTn>
-      </p:par>
-    </p:tnLst>
-    <p:bldLst>
-      <p:bldP spid="6" grpId="0" animBg="1"/>
-      <p:bldP spid="8" grpId="0" animBg="1"/>
-    </p:bldLst>
-  </p:timing>
-</p:sld>
-</file>
-
-<file path=ppt/slides/slide17.xml><?xml version="1.0" encoding="utf-8"?>
-<p:sld xmlns:a="http://schemas.openxmlformats.org/drawingml/2006/main" xmlns:r="http://schemas.openxmlformats.org/officeDocument/2006/relationships" xmlns:p="http://schemas.openxmlformats.org/presentationml/2006/main">
-  <p:cSld>
-    <p:spTree>
-      <p:nvGrpSpPr>
-        <p:cNvPr id="1" name=""/>
-        <p:cNvGrpSpPr/>
-        <p:nvPr/>
-      </p:nvGrpSpPr>
-      <p:grpSpPr>
-        <a:xfrm>
-          <a:off x="0" y="0"/>
-          <a:ext cx="0" cy="0"/>
-          <a:chOff x="0" y="0"/>
-          <a:chExt cx="0" cy="0"/>
-        </a:xfrm>
-      </p:grpSpPr>
-      <p:sp>
-        <p:nvSpPr>
-          <p:cNvPr id="2" name="Title 1">
-            <a:extLst>
-              <a:ext uri="{FF2B5EF4-FFF2-40B4-BE49-F238E27FC236}">
-                <a16:creationId xmlns:a16="http://schemas.microsoft.com/office/drawing/2014/main" id="{C4A59103-2BDE-4B0B-8F90-7C8025F1E671}"/>
-              </a:ext>
-            </a:extLst>
-          </p:cNvPr>
-          <p:cNvSpPr>
-            <a:spLocks noGrp="1"/>
-          </p:cNvSpPr>
-          <p:nvPr>
-            <p:ph type="title"/>
-          </p:nvPr>
-        </p:nvSpPr>
-        <p:spPr/>
-        <p:txBody>
-          <a:bodyPr/>
-          <a:lstStyle/>
-          <a:p>
-            <a:r>
-              <a:rPr lang="en-US" dirty="0"/>
-              <a:t>Sequence 2</a:t>
-            </a:r>
-          </a:p>
-        </p:txBody>
-      </p:sp>
-      <p:sp>
-        <p:nvSpPr>
-          <p:cNvPr id="3" name="Content Placeholder 2">
-            <a:extLst>
-              <a:ext uri="{FF2B5EF4-FFF2-40B4-BE49-F238E27FC236}">
-                <a16:creationId xmlns:a16="http://schemas.microsoft.com/office/drawing/2014/main" id="{3F6B336D-9D2D-4710-89E4-444D79F1482A}"/>
-              </a:ext>
-            </a:extLst>
-          </p:cNvPr>
-          <p:cNvSpPr>
-            <a:spLocks noGrp="1"/>
-          </p:cNvSpPr>
-          <p:nvPr>
-            <p:ph idx="1"/>
-          </p:nvPr>
-        </p:nvSpPr>
-        <p:spPr>
-          <a:xfrm>
-            <a:off x="0" y="714375"/>
-            <a:ext cx="3091218" cy="6567487"/>
-          </a:xfrm>
-        </p:spPr>
-        <p:txBody>
-          <a:bodyPr>
-            <a:normAutofit fontScale="92500" lnSpcReduction="20000"/>
-          </a:bodyPr>
-          <a:lstStyle/>
-          <a:p>
-            <a:r>
-              <a:rPr lang="en-US" dirty="0"/>
-              <a:t>R0 </a:t>
-            </a:r>
-            <a:r>
-              <a:rPr lang="en-US" dirty="0" err="1"/>
-              <a:t>enterRead</a:t>
-            </a:r>
-            <a:endParaRPr lang="en-US" dirty="0"/>
-          </a:p>
-          <a:p>
-            <a:r>
-              <a:rPr lang="en-US" dirty="0"/>
-              <a:t>R0 read</a:t>
-            </a:r>
-          </a:p>
-          <a:p>
-            <a:r>
-              <a:rPr lang="en-US" dirty="0"/>
-              <a:t>R1 </a:t>
-            </a:r>
-            <a:r>
-              <a:rPr lang="en-US" dirty="0" err="1"/>
-              <a:t>enterRead</a:t>
-            </a:r>
-            <a:endParaRPr lang="en-US" dirty="0"/>
-          </a:p>
-          <a:p>
-            <a:r>
-              <a:rPr lang="en-US" dirty="0"/>
-              <a:t>R1 read</a:t>
-            </a:r>
-          </a:p>
-          <a:p>
-            <a:r>
-              <a:rPr lang="en-US" dirty="0"/>
-              <a:t>W0 </a:t>
-            </a:r>
-            <a:r>
-              <a:rPr lang="en-US" dirty="0" err="1"/>
-              <a:t>enterWrite</a:t>
-            </a:r>
-            <a:endParaRPr lang="en-US" dirty="0"/>
-          </a:p>
-          <a:p>
-            <a:r>
-              <a:rPr lang="en-US" dirty="0"/>
-              <a:t>R2 </a:t>
-            </a:r>
-            <a:r>
-              <a:rPr lang="en-US" dirty="0" err="1"/>
-              <a:t>enterRead</a:t>
-            </a:r>
-            <a:endParaRPr lang="en-US" dirty="0"/>
-          </a:p>
-          <a:p>
-            <a:r>
-              <a:rPr lang="en-US" dirty="0"/>
-              <a:t>R2 read</a:t>
-            </a:r>
-          </a:p>
-          <a:p>
-            <a:r>
-              <a:rPr lang="en-US" dirty="0"/>
-              <a:t>R2 </a:t>
-            </a:r>
-            <a:r>
-              <a:rPr lang="en-US" dirty="0" err="1"/>
-              <a:t>doneRead</a:t>
-            </a:r>
-            <a:endParaRPr lang="en-US" dirty="0"/>
-          </a:p>
-          <a:p>
-            <a:r>
-              <a:rPr lang="en-US" dirty="0"/>
-              <a:t>R1 </a:t>
-            </a:r>
-            <a:r>
-              <a:rPr lang="en-US" dirty="0" err="1"/>
-              <a:t>doneRead</a:t>
-            </a:r>
-            <a:endParaRPr lang="en-US" dirty="0"/>
-          </a:p>
-          <a:p>
-            <a:r>
-              <a:rPr lang="en-US" dirty="0"/>
-              <a:t>R0 </a:t>
-            </a:r>
-            <a:r>
-              <a:rPr lang="en-US" dirty="0" err="1"/>
-              <a:t>doneRead</a:t>
-            </a:r>
-            <a:endParaRPr lang="en-US" dirty="0"/>
-          </a:p>
-          <a:p>
-            <a:r>
-              <a:rPr lang="en-US" dirty="0"/>
-              <a:t>W0 write</a:t>
-            </a:r>
-          </a:p>
-          <a:p>
-            <a:r>
-              <a:rPr lang="en-US" dirty="0"/>
-              <a:t>W0 </a:t>
-            </a:r>
-            <a:r>
-              <a:rPr lang="en-US" dirty="0" err="1"/>
-              <a:t>doneWrite</a:t>
-            </a:r>
-            <a:endParaRPr lang="en-US" dirty="0"/>
-          </a:p>
-        </p:txBody>
-      </p:sp>
-      <p:sp>
-        <p:nvSpPr>
-          <p:cNvPr id="4" name="Footer Placeholder 3">
-            <a:extLst>
-              <a:ext uri="{FF2B5EF4-FFF2-40B4-BE49-F238E27FC236}">
-                <a16:creationId xmlns:a16="http://schemas.microsoft.com/office/drawing/2014/main" id="{191CCCFD-3EA7-4929-924F-901ECE297006}"/>
-              </a:ext>
-            </a:extLst>
-          </p:cNvPr>
-          <p:cNvSpPr>
-            <a:spLocks noGrp="1"/>
-          </p:cNvSpPr>
-          <p:nvPr>
-            <p:ph type="ftr" idx="11"/>
-          </p:nvPr>
-        </p:nvSpPr>
-        <p:spPr/>
-        <p:txBody>
-          <a:bodyPr/>
-          <a:lstStyle/>
-          <a:p>
-            <a:pPr marL="0" marR="0" lvl="0" indent="0" algn="ctr" defTabSz="457200" rtl="0" eaLnBrk="1" fontAlgn="base" latinLnBrk="0" hangingPunct="0">
-              <a:lnSpc>
-                <a:spcPct val="96000"/>
-              </a:lnSpc>
-              <a:spcBef>
-                <a:spcPct val="0"/>
-              </a:spcBef>
-              <a:spcAft>
-                <a:spcPct val="0"/>
-              </a:spcAft>
-              <a:buClr>
-                <a:srgbClr val="000000"/>
-              </a:buClr>
-              <a:buSzPct val="100000"/>
-              <a:buFont typeface="Times New Roman" pitchFamily="16" charset="0"/>
-              <a:buNone/>
-              <a:tabLst>
-                <a:tab pos="0" algn="l"/>
-                <a:tab pos="457200" algn="l"/>
-                <a:tab pos="914400" algn="l"/>
-                <a:tab pos="1371600" algn="l"/>
-                <a:tab pos="1828800" algn="l"/>
-                <a:tab pos="2286000" algn="l"/>
-                <a:tab pos="2743200" algn="l"/>
-                <a:tab pos="3200400" algn="l"/>
-                <a:tab pos="3657600" algn="l"/>
-                <a:tab pos="4114800" algn="l"/>
-                <a:tab pos="4572000" algn="l"/>
-                <a:tab pos="5029200" algn="l"/>
-                <a:tab pos="5486400" algn="l"/>
-                <a:tab pos="5943600" algn="l"/>
-                <a:tab pos="6400800" algn="l"/>
-                <a:tab pos="6858000" algn="l"/>
-                <a:tab pos="7315200" algn="l"/>
-                <a:tab pos="7772400" algn="l"/>
-                <a:tab pos="8229600" algn="l"/>
-                <a:tab pos="8686800" algn="l"/>
-                <a:tab pos="9144000" algn="l"/>
-              </a:tabLst>
-              <a:defRPr/>
-            </a:pPr>
-            <a:r>
-              <a:rPr kumimoji="0" lang="en-US" sz="1400" b="0" i="0" u="none" strike="noStrike" kern="1200" cap="none" spc="0" normalizeH="0" baseline="0" noProof="0">
-                <a:ln>
-                  <a:noFill/>
-                </a:ln>
-                <a:solidFill>
-                  <a:srgbClr val="000000"/>
-                </a:solidFill>
-                <a:effectLst/>
-                <a:uLnTx/>
-                <a:uFillTx/>
-                <a:latin typeface="Arial"/>
-                <a:ea typeface="+mn-ea"/>
-                <a:cs typeface="Arial" charset="0"/>
-              </a:rPr>
-              <a:t>CS/COE 1550 – Operating Systems – Sherif Khattab</a:t>
-            </a:r>
-            <a:endParaRPr kumimoji="0" lang="en-GB" sz="1400" b="0" i="0" u="none" strike="noStrike" kern="1200" cap="none" spc="0" normalizeH="0" baseline="0" noProof="0" dirty="0">
-              <a:ln>
-                <a:noFill/>
-              </a:ln>
-              <a:solidFill>
-                <a:srgbClr val="000000"/>
-              </a:solidFill>
-              <a:effectLst/>
-              <a:uLnTx/>
-              <a:uFillTx/>
-              <a:latin typeface="Times New Roman" pitchFamily="16" charset="0"/>
-              <a:ea typeface="+mn-ea"/>
-              <a:cs typeface="Arial" charset="0"/>
-            </a:endParaRPr>
-          </a:p>
-        </p:txBody>
-      </p:sp>
-      <p:sp>
-        <p:nvSpPr>
-          <p:cNvPr id="5" name="Slide Number Placeholder 4">
-            <a:extLst>
-              <a:ext uri="{FF2B5EF4-FFF2-40B4-BE49-F238E27FC236}">
-                <a16:creationId xmlns:a16="http://schemas.microsoft.com/office/drawing/2014/main" id="{079A1D3E-E0C3-421E-8EC8-FFC918565C33}"/>
-              </a:ext>
-            </a:extLst>
-          </p:cNvPr>
-          <p:cNvSpPr>
-            <a:spLocks noGrp="1"/>
-          </p:cNvSpPr>
-          <p:nvPr>
-            <p:ph type="sldNum" idx="12"/>
-          </p:nvPr>
-        </p:nvSpPr>
-        <p:spPr/>
-        <p:txBody>
-          <a:bodyPr/>
-          <a:lstStyle/>
-          <a:p>
-            <a:pPr marL="0" marR="0" lvl="0" indent="0" algn="r" defTabSz="457200" rtl="0" eaLnBrk="1" fontAlgn="base" latinLnBrk="0" hangingPunct="0">
-              <a:lnSpc>
-                <a:spcPct val="96000"/>
-              </a:lnSpc>
-              <a:spcBef>
-                <a:spcPct val="0"/>
-              </a:spcBef>
-              <a:spcAft>
-                <a:spcPct val="0"/>
-              </a:spcAft>
-              <a:buClr>
-                <a:srgbClr val="000000"/>
-              </a:buClr>
-              <a:buSzPct val="100000"/>
-              <a:buFont typeface="Times New Roman" panose="02020603050405020304" pitchFamily="18" charset="0"/>
-              <a:buNone/>
-              <a:tabLst/>
-              <a:defRPr/>
-            </a:pPr>
-            <a:fld id="{65E435D9-63B0-4660-8D04-E83F5E2CA2AE}" type="slidenum">
-              <a:rPr kumimoji="0" lang="en-GB" altLang="en-US" sz="1400" b="0" i="0" u="none" strike="noStrike" kern="1200" cap="none" spc="0" normalizeH="0" baseline="0" noProof="0" smtClean="0">
-                <a:ln>
-                  <a:noFill/>
-                </a:ln>
-                <a:solidFill>
-                  <a:srgbClr val="000000"/>
-                </a:solidFill>
-                <a:effectLst/>
-                <a:uLnTx/>
-                <a:uFillTx/>
-                <a:latin typeface="Times New Roman" panose="02020603050405020304" pitchFamily="18" charset="0"/>
-                <a:ea typeface="+mn-ea"/>
-                <a:cs typeface="Arial" panose="020B0604020202020204" pitchFamily="34" charset="0"/>
-              </a:rPr>
-              <a:pPr marL="0" marR="0" lvl="0" indent="0" algn="r" defTabSz="457200" rtl="0" eaLnBrk="1" fontAlgn="base" latinLnBrk="0" hangingPunct="0">
-                <a:lnSpc>
-                  <a:spcPct val="96000"/>
-                </a:lnSpc>
-                <a:spcBef>
-                  <a:spcPct val="0"/>
-                </a:spcBef>
-                <a:spcAft>
-                  <a:spcPct val="0"/>
-                </a:spcAft>
-                <a:buClr>
-                  <a:srgbClr val="000000"/>
-                </a:buClr>
-                <a:buSzPct val="100000"/>
-                <a:buFont typeface="Times New Roman" panose="02020603050405020304" pitchFamily="18" charset="0"/>
-                <a:buNone/>
-                <a:tabLst/>
-                <a:defRPr/>
-              </a:pPr>
-              <a:t>17</a:t>
-            </a:fld>
-            <a:endParaRPr kumimoji="0" lang="en-GB" altLang="en-US" sz="1400" b="0" i="0" u="none" strike="noStrike" kern="1200" cap="none" spc="0" normalizeH="0" baseline="0" noProof="0" dirty="0">
-              <a:ln>
-                <a:noFill/>
-              </a:ln>
-              <a:solidFill>
-                <a:srgbClr val="000000"/>
-              </a:solidFill>
-              <a:effectLst/>
-              <a:uLnTx/>
-              <a:uFillTx/>
-              <a:latin typeface="Times New Roman" panose="02020603050405020304" pitchFamily="18" charset="0"/>
-              <a:ea typeface="+mn-ea"/>
-              <a:cs typeface="Arial" panose="020B0604020202020204" pitchFamily="34" charset="0"/>
-            </a:endParaRPr>
-          </a:p>
-        </p:txBody>
-      </p:sp>
-      <p:sp>
-        <p:nvSpPr>
-          <p:cNvPr id="6" name="Text Box 3">
-            <a:extLst>
-              <a:ext uri="{FF2B5EF4-FFF2-40B4-BE49-F238E27FC236}">
-                <a16:creationId xmlns:a16="http://schemas.microsoft.com/office/drawing/2014/main" id="{B54D0833-D468-4579-AA17-87C1E04A796F}"/>
-              </a:ext>
-            </a:extLst>
-          </p:cNvPr>
-          <p:cNvSpPr txBox="1">
-            <a:spLocks noChangeArrowheads="1"/>
-          </p:cNvSpPr>
-          <p:nvPr/>
-        </p:nvSpPr>
-        <p:spPr bwMode="auto">
-          <a:xfrm>
-            <a:off x="3888473" y="1250297"/>
-            <a:ext cx="5199027" cy="4015681"/>
-          </a:xfrm>
-          <a:prstGeom prst="rect">
-            <a:avLst/>
-          </a:prstGeom>
-          <a:noFill/>
-          <a:ln w="6350">
-            <a:solidFill>
-              <a:schemeClr val="tx1"/>
-            </a:solidFill>
-            <a:miter lim="800000"/>
-            <a:headEnd/>
-            <a:tailEnd/>
-          </a:ln>
-          <a:effectLst/>
-          <a:extLst>
-            <a:ext uri="{909E8E84-426E-40DD-AFC4-6F175D3DCCD1}">
-              <a14:hiddenFill xmlns:a14="http://schemas.microsoft.com/office/drawing/2010/main">
-                <a:solidFill>
-                  <a:schemeClr val="accent1"/>
-                </a:solidFill>
-              </a14:hiddenFill>
-            </a:ext>
-            <a:ext uri="{AF507438-7753-43E0-B8FC-AC1667EBCBE1}">
-              <a14:hiddenEffects xmlns:a14="http://schemas.microsoft.com/office/drawing/2010/main">
-                <a:effectLst>
-                  <a:outerShdw dist="35921" dir="2700000" algn="ctr" rotWithShape="0">
-                    <a:schemeClr val="bg2"/>
-                  </a:outerShdw>
-                </a:effectLst>
-              </a14:hiddenEffects>
-            </a:ext>
-          </a:extLst>
-        </p:spPr>
-        <p:txBody>
-          <a:bodyPr lIns="95343" tIns="47672" rIns="95343" bIns="47672">
-            <a:spAutoFit/>
-          </a:bodyPr>
-          <a:lstStyle>
-            <a:lvl1pPr defTabSz="865188">
-              <a:defRPr sz="2400">
-                <a:solidFill>
-                  <a:schemeClr val="tx1"/>
-                </a:solidFill>
-                <a:latin typeface="Times" pitchFamily="2" charset="0"/>
-              </a:defRPr>
-            </a:lvl1pPr>
-            <a:lvl2pPr marL="431800" defTabSz="865188">
-              <a:defRPr sz="2400">
-                <a:solidFill>
-                  <a:schemeClr val="tx1"/>
-                </a:solidFill>
-                <a:latin typeface="Times" pitchFamily="2" charset="0"/>
-              </a:defRPr>
-            </a:lvl2pPr>
-            <a:lvl3pPr marL="865188" defTabSz="865188">
-              <a:defRPr sz="2400">
-                <a:solidFill>
-                  <a:schemeClr val="tx1"/>
-                </a:solidFill>
-                <a:latin typeface="Times" pitchFamily="2" charset="0"/>
-              </a:defRPr>
-            </a:lvl3pPr>
-            <a:lvl4pPr marL="1296988" defTabSz="865188">
-              <a:defRPr sz="2400">
-                <a:solidFill>
-                  <a:schemeClr val="tx1"/>
-                </a:solidFill>
-                <a:latin typeface="Times" pitchFamily="2" charset="0"/>
-              </a:defRPr>
-            </a:lvl4pPr>
-            <a:lvl5pPr marL="1730375" defTabSz="865188">
-              <a:defRPr sz="2400">
-                <a:solidFill>
-                  <a:schemeClr val="tx1"/>
-                </a:solidFill>
-                <a:latin typeface="Times" pitchFamily="2" charset="0"/>
-              </a:defRPr>
-            </a:lvl5pPr>
-            <a:lvl6pPr marL="2187575" defTabSz="865188" eaLnBrk="0" fontAlgn="base" hangingPunct="0">
-              <a:spcBef>
-                <a:spcPct val="0"/>
-              </a:spcBef>
-              <a:spcAft>
-                <a:spcPct val="0"/>
-              </a:spcAft>
-              <a:defRPr sz="2400">
-                <a:solidFill>
-                  <a:schemeClr val="tx1"/>
-                </a:solidFill>
-                <a:latin typeface="Times" pitchFamily="2" charset="0"/>
-              </a:defRPr>
-            </a:lvl6pPr>
-            <a:lvl7pPr marL="2644775" defTabSz="865188" eaLnBrk="0" fontAlgn="base" hangingPunct="0">
-              <a:spcBef>
-                <a:spcPct val="0"/>
-              </a:spcBef>
-              <a:spcAft>
-                <a:spcPct val="0"/>
-              </a:spcAft>
-              <a:defRPr sz="2400">
-                <a:solidFill>
-                  <a:schemeClr val="tx1"/>
-                </a:solidFill>
-                <a:latin typeface="Times" pitchFamily="2" charset="0"/>
-              </a:defRPr>
-            </a:lvl7pPr>
-            <a:lvl8pPr marL="3101975" defTabSz="865188" eaLnBrk="0" fontAlgn="base" hangingPunct="0">
-              <a:spcBef>
-                <a:spcPct val="0"/>
-              </a:spcBef>
-              <a:spcAft>
-                <a:spcPct val="0"/>
-              </a:spcAft>
-              <a:defRPr sz="2400">
-                <a:solidFill>
-                  <a:schemeClr val="tx1"/>
-                </a:solidFill>
-                <a:latin typeface="Times" pitchFamily="2" charset="0"/>
-              </a:defRPr>
-            </a:lvl8pPr>
-            <a:lvl9pPr marL="3559175" defTabSz="865188" eaLnBrk="0" fontAlgn="base" hangingPunct="0">
-              <a:spcBef>
-                <a:spcPct val="0"/>
-              </a:spcBef>
-              <a:spcAft>
-                <a:spcPct val="0"/>
-              </a:spcAft>
-              <a:defRPr sz="2400">
-                <a:solidFill>
-                  <a:schemeClr val="tx1"/>
-                </a:solidFill>
-                <a:latin typeface="Times" pitchFamily="2" charset="0"/>
-              </a:defRPr>
-            </a:lvl9pPr>
-          </a:lstStyle>
-          <a:p>
-            <a:pPr marL="0" marR="0" lvl="0" indent="0" algn="l" defTabSz="953697" rtl="0" eaLnBrk="0" fontAlgn="base" latinLnBrk="0" hangingPunct="0">
-              <a:lnSpc>
-                <a:spcPct val="100000"/>
-              </a:lnSpc>
-              <a:spcBef>
-                <a:spcPct val="0"/>
-              </a:spcBef>
-              <a:spcAft>
-                <a:spcPct val="0"/>
-              </a:spcAft>
-              <a:buClrTx/>
-              <a:buSzTx/>
-              <a:buFont typeface="Times New Roman" panose="02020603050405020304" pitchFamily="18" charset="0"/>
-              <a:buNone/>
-              <a:tabLst/>
-              <a:defRPr/>
-            </a:pPr>
-            <a:r>
-              <a:rPr kumimoji="0" lang="en-US" altLang="en-US" sz="2535" b="0" i="0" u="none" strike="noStrike" kern="1200" cap="none" spc="0" normalizeH="0" baseline="0" noProof="0" dirty="0">
-                <a:ln>
-                  <a:noFill/>
-                </a:ln>
-                <a:solidFill>
-                  <a:srgbClr val="000000"/>
-                </a:solidFill>
-                <a:effectLst/>
-                <a:uLnTx/>
-                <a:uFillTx/>
-                <a:latin typeface="Times" pitchFamily="2" charset="0"/>
-                <a:ea typeface="+mn-ea"/>
-                <a:cs typeface="Arial"/>
-              </a:rPr>
-              <a:t>Reader process</a:t>
-            </a:r>
-            <a:endParaRPr kumimoji="0" lang="en-US" altLang="en-US" sz="1874" b="0" i="0" u="none" strike="noStrike" kern="1200" cap="none" spc="0" normalizeH="0" baseline="0" noProof="0" dirty="0">
-              <a:ln>
-                <a:noFill/>
-              </a:ln>
-              <a:solidFill>
-                <a:srgbClr val="000000"/>
-              </a:solidFill>
-              <a:effectLst/>
-              <a:uLnTx/>
-              <a:uFillTx/>
-              <a:latin typeface="Courier" pitchFamily="2" charset="0"/>
-              <a:ea typeface="+mn-ea"/>
-              <a:cs typeface="Arial"/>
-            </a:endParaRPr>
-          </a:p>
-          <a:p>
-            <a:pPr marL="0" marR="0" lvl="0" indent="0" algn="l" defTabSz="953697" rtl="0" eaLnBrk="0" fontAlgn="base" latinLnBrk="0" hangingPunct="0">
-              <a:lnSpc>
-                <a:spcPct val="100000"/>
-              </a:lnSpc>
-              <a:spcBef>
-                <a:spcPct val="0"/>
-              </a:spcBef>
-              <a:spcAft>
-                <a:spcPct val="0"/>
-              </a:spcAft>
-              <a:buClrTx/>
-              <a:buSzTx/>
-              <a:buFont typeface="Times New Roman" panose="02020603050405020304" pitchFamily="18" charset="0"/>
-              <a:buNone/>
-              <a:tabLst/>
-              <a:defRPr/>
-            </a:pPr>
-            <a:r>
-              <a:rPr kumimoji="0" lang="en-US" altLang="en-US" sz="1764" b="0" i="0" u="none" strike="noStrike" kern="1200" cap="none" spc="0" normalizeH="0" baseline="0" noProof="0" dirty="0">
-                <a:ln>
-                  <a:noFill/>
-                </a:ln>
-                <a:solidFill>
-                  <a:srgbClr val="000000"/>
-                </a:solidFill>
-                <a:effectLst/>
-                <a:uLnTx/>
-                <a:uFillTx/>
-                <a:latin typeface="Monaco" pitchFamily="2" charset="77"/>
-                <a:ea typeface="+mn-ea"/>
-                <a:cs typeface="Arial"/>
-              </a:rPr>
-              <a:t>…</a:t>
-            </a:r>
-          </a:p>
-          <a:p>
-            <a:pPr marL="0" marR="0" lvl="0" indent="0" algn="l" defTabSz="953697" rtl="0" eaLnBrk="0" fontAlgn="base" latinLnBrk="0" hangingPunct="0">
-              <a:lnSpc>
-                <a:spcPct val="100000"/>
-              </a:lnSpc>
-              <a:spcBef>
-                <a:spcPct val="0"/>
-              </a:spcBef>
-              <a:spcAft>
-                <a:spcPct val="0"/>
-              </a:spcAft>
-              <a:buClrTx/>
-              <a:buSzTx/>
-              <a:buFont typeface="Times New Roman" panose="02020603050405020304" pitchFamily="18" charset="0"/>
-              <a:buNone/>
-              <a:tabLst/>
-              <a:defRPr/>
-            </a:pPr>
-            <a:r>
-              <a:rPr kumimoji="0" lang="en-US" altLang="en-US" sz="1764" b="0" i="0" u="none" strike="noStrike" kern="1200" cap="none" spc="0" normalizeH="0" baseline="0" noProof="0" dirty="0" err="1">
-                <a:ln>
-                  <a:noFill/>
-                </a:ln>
-                <a:solidFill>
-                  <a:srgbClr val="000000"/>
-                </a:solidFill>
-                <a:effectLst/>
-                <a:uLnTx/>
-                <a:uFillTx/>
-                <a:latin typeface="Monaco" pitchFamily="2" charset="77"/>
-                <a:ea typeface="+mn-ea"/>
-                <a:cs typeface="Arial"/>
-              </a:rPr>
-              <a:t>mutex.down</a:t>
-            </a:r>
-            <a:r>
-              <a:rPr kumimoji="0" lang="en-US" altLang="en-US" sz="1764" b="0" i="0" u="none" strike="noStrike" kern="1200" cap="none" spc="0" normalizeH="0" baseline="0" noProof="0" dirty="0">
-                <a:ln>
-                  <a:noFill/>
-                </a:ln>
-                <a:solidFill>
-                  <a:srgbClr val="000000"/>
-                </a:solidFill>
-                <a:effectLst/>
-                <a:uLnTx/>
-                <a:uFillTx/>
-                <a:latin typeface="Monaco" pitchFamily="2" charset="77"/>
-                <a:ea typeface="+mn-ea"/>
-                <a:cs typeface="Arial"/>
-              </a:rPr>
-              <a:t>();</a:t>
-            </a:r>
-          </a:p>
-          <a:p>
-            <a:pPr marL="0" marR="0" lvl="0" indent="0" algn="l" defTabSz="953697" rtl="0" eaLnBrk="0" fontAlgn="base" latinLnBrk="0" hangingPunct="0">
-              <a:lnSpc>
-                <a:spcPct val="100000"/>
-              </a:lnSpc>
-              <a:spcBef>
-                <a:spcPct val="0"/>
-              </a:spcBef>
-              <a:spcAft>
-                <a:spcPct val="0"/>
-              </a:spcAft>
-              <a:buClrTx/>
-              <a:buSzTx/>
-              <a:buFont typeface="Times New Roman" panose="02020603050405020304" pitchFamily="18" charset="0"/>
-              <a:buNone/>
-              <a:tabLst/>
-              <a:defRPr/>
-            </a:pPr>
-            <a:r>
-              <a:rPr kumimoji="0" lang="en-US" altLang="en-US" sz="1764" b="0" i="0" u="none" strike="noStrike" kern="1200" cap="none" spc="0" normalizeH="0" baseline="0" noProof="0" dirty="0" err="1">
-                <a:ln>
-                  <a:noFill/>
-                </a:ln>
-                <a:solidFill>
-                  <a:srgbClr val="000000"/>
-                </a:solidFill>
-                <a:effectLst/>
-                <a:uLnTx/>
-                <a:uFillTx/>
-                <a:latin typeface="Monaco" pitchFamily="2" charset="77"/>
-                <a:ea typeface="+mn-ea"/>
-                <a:cs typeface="Arial"/>
-              </a:rPr>
-              <a:t>nreaders</a:t>
-            </a:r>
-            <a:r>
-              <a:rPr kumimoji="0" lang="en-US" altLang="en-US" sz="1764" b="0" i="0" u="none" strike="noStrike" kern="1200" cap="none" spc="0" normalizeH="0" baseline="0" noProof="0" dirty="0">
-                <a:ln>
-                  <a:noFill/>
-                </a:ln>
-                <a:solidFill>
-                  <a:srgbClr val="000000"/>
-                </a:solidFill>
-                <a:effectLst/>
-                <a:uLnTx/>
-                <a:uFillTx/>
-                <a:latin typeface="Monaco" pitchFamily="2" charset="77"/>
-                <a:ea typeface="+mn-ea"/>
-                <a:cs typeface="Arial"/>
-              </a:rPr>
-              <a:t> += 1;</a:t>
-            </a:r>
-          </a:p>
-          <a:p>
-            <a:pPr marL="0" marR="0" lvl="0" indent="0" algn="l" defTabSz="953697" rtl="0" eaLnBrk="0" fontAlgn="base" latinLnBrk="0" hangingPunct="0">
-              <a:lnSpc>
-                <a:spcPct val="100000"/>
-              </a:lnSpc>
-              <a:spcBef>
-                <a:spcPct val="0"/>
-              </a:spcBef>
-              <a:spcAft>
-                <a:spcPct val="0"/>
-              </a:spcAft>
-              <a:buClrTx/>
-              <a:buSzTx/>
-              <a:buFont typeface="Times New Roman" panose="02020603050405020304" pitchFamily="18" charset="0"/>
-              <a:buNone/>
-              <a:tabLst/>
-              <a:defRPr/>
-            </a:pPr>
-            <a:r>
-              <a:rPr kumimoji="0" lang="en-US" altLang="en-US" sz="1764" b="0" i="0" u="none" strike="noStrike" kern="1200" cap="none" spc="0" normalizeH="0" baseline="0" noProof="0" dirty="0">
-                <a:ln>
-                  <a:noFill/>
-                </a:ln>
-                <a:solidFill>
-                  <a:srgbClr val="000000"/>
-                </a:solidFill>
-                <a:effectLst/>
-                <a:uLnTx/>
-                <a:uFillTx/>
-                <a:latin typeface="Monaco" pitchFamily="2" charset="77"/>
-                <a:ea typeface="+mn-ea"/>
-                <a:cs typeface="Arial"/>
-              </a:rPr>
-              <a:t>if (</a:t>
-            </a:r>
-            <a:r>
-              <a:rPr kumimoji="0" lang="en-US" altLang="en-US" sz="1764" b="0" i="0" u="none" strike="noStrike" kern="1200" cap="none" spc="0" normalizeH="0" baseline="0" noProof="0" dirty="0" err="1">
-                <a:ln>
-                  <a:noFill/>
-                </a:ln>
-                <a:solidFill>
-                  <a:srgbClr val="000000"/>
-                </a:solidFill>
-                <a:effectLst/>
-                <a:uLnTx/>
-                <a:uFillTx/>
-                <a:latin typeface="Monaco" pitchFamily="2" charset="77"/>
-                <a:ea typeface="+mn-ea"/>
-                <a:cs typeface="Arial"/>
-              </a:rPr>
-              <a:t>nreaders</a:t>
-            </a:r>
-            <a:r>
-              <a:rPr kumimoji="0" lang="en-US" altLang="en-US" sz="1764" b="0" i="0" u="none" strike="noStrike" kern="1200" cap="none" spc="0" normalizeH="0" baseline="0" noProof="0" dirty="0">
-                <a:ln>
-                  <a:noFill/>
-                </a:ln>
-                <a:solidFill>
-                  <a:srgbClr val="000000"/>
-                </a:solidFill>
-                <a:effectLst/>
-                <a:uLnTx/>
-                <a:uFillTx/>
-                <a:latin typeface="Monaco" pitchFamily="2" charset="77"/>
-                <a:ea typeface="+mn-ea"/>
-                <a:cs typeface="Arial"/>
-              </a:rPr>
-              <a:t> == 1) // wait if</a:t>
-            </a:r>
-          </a:p>
-          <a:p>
-            <a:pPr marL="0" marR="0" lvl="0" indent="0" algn="l" defTabSz="953697" rtl="0" eaLnBrk="0" fontAlgn="base" latinLnBrk="0" hangingPunct="0">
-              <a:lnSpc>
-                <a:spcPct val="100000"/>
-              </a:lnSpc>
-              <a:spcBef>
-                <a:spcPct val="0"/>
-              </a:spcBef>
-              <a:spcAft>
-                <a:spcPct val="0"/>
-              </a:spcAft>
-              <a:buClrTx/>
-              <a:buSzTx/>
-              <a:buFont typeface="Times New Roman" panose="02020603050405020304" pitchFamily="18" charset="0"/>
-              <a:buNone/>
-              <a:tabLst/>
-              <a:defRPr/>
-            </a:pPr>
-            <a:r>
-              <a:rPr kumimoji="0" lang="en-US" altLang="en-US" sz="1764" b="0" i="0" u="none" strike="noStrike" kern="1200" cap="none" spc="0" normalizeH="0" baseline="0" noProof="0" dirty="0">
-                <a:ln>
-                  <a:noFill/>
-                </a:ln>
-                <a:solidFill>
-                  <a:srgbClr val="000000"/>
-                </a:solidFill>
-                <a:effectLst/>
-                <a:uLnTx/>
-                <a:uFillTx/>
-                <a:latin typeface="Monaco" pitchFamily="2" charset="77"/>
-                <a:ea typeface="+mn-ea"/>
-                <a:cs typeface="Arial"/>
-              </a:rPr>
-              <a:t>  </a:t>
-            </a:r>
-            <a:r>
-              <a:rPr kumimoji="0" lang="en-US" altLang="en-US" sz="1764" b="0" i="0" u="none" strike="noStrike" kern="1200" cap="none" spc="0" normalizeH="0" baseline="0" noProof="0" dirty="0" err="1">
-                <a:ln>
-                  <a:noFill/>
-                </a:ln>
-                <a:solidFill>
-                  <a:srgbClr val="000000"/>
-                </a:solidFill>
-                <a:effectLst/>
-                <a:uLnTx/>
-                <a:uFillTx/>
-                <a:latin typeface="Monaco" pitchFamily="2" charset="77"/>
-                <a:ea typeface="+mn-ea"/>
-                <a:cs typeface="Arial"/>
-              </a:rPr>
-              <a:t>writing.down</a:t>
-            </a:r>
-            <a:r>
-              <a:rPr kumimoji="0" lang="en-US" altLang="en-US" sz="1764" b="0" i="0" u="none" strike="noStrike" kern="1200" cap="none" spc="0" normalizeH="0" baseline="0" noProof="0" dirty="0">
-                <a:ln>
-                  <a:noFill/>
-                </a:ln>
-                <a:solidFill>
-                  <a:srgbClr val="000000"/>
-                </a:solidFill>
-                <a:effectLst/>
-                <a:uLnTx/>
-                <a:uFillTx/>
-                <a:latin typeface="Monaco" pitchFamily="2" charset="77"/>
-                <a:ea typeface="+mn-ea"/>
-                <a:cs typeface="Arial"/>
-              </a:rPr>
-              <a:t>();  // 1st reader</a:t>
-            </a:r>
-          </a:p>
-          <a:p>
-            <a:pPr marL="0" marR="0" lvl="0" indent="0" algn="l" defTabSz="953697" rtl="0" eaLnBrk="0" fontAlgn="base" latinLnBrk="0" hangingPunct="0">
-              <a:lnSpc>
-                <a:spcPct val="100000"/>
-              </a:lnSpc>
-              <a:spcBef>
-                <a:spcPct val="0"/>
-              </a:spcBef>
-              <a:spcAft>
-                <a:spcPct val="0"/>
-              </a:spcAft>
-              <a:buClrTx/>
-              <a:buSzTx/>
-              <a:buFont typeface="Times New Roman" panose="02020603050405020304" pitchFamily="18" charset="0"/>
-              <a:buNone/>
-              <a:tabLst/>
-              <a:defRPr/>
-            </a:pPr>
-            <a:r>
-              <a:rPr kumimoji="0" lang="en-US" altLang="en-US" sz="1764" b="0" i="0" u="none" strike="noStrike" kern="1200" cap="none" spc="0" normalizeH="0" baseline="0" noProof="0" dirty="0" err="1">
-                <a:ln>
-                  <a:noFill/>
-                </a:ln>
-                <a:solidFill>
-                  <a:srgbClr val="000000"/>
-                </a:solidFill>
-                <a:effectLst/>
-                <a:uLnTx/>
-                <a:uFillTx/>
-                <a:latin typeface="Monaco" pitchFamily="2" charset="77"/>
-                <a:ea typeface="+mn-ea"/>
-                <a:cs typeface="Arial"/>
-              </a:rPr>
-              <a:t>mutex.up</a:t>
-            </a:r>
-            <a:r>
-              <a:rPr kumimoji="0" lang="en-US" altLang="en-US" sz="1764" b="0" i="0" u="none" strike="noStrike" kern="1200" cap="none" spc="0" normalizeH="0" baseline="0" noProof="0" dirty="0">
-                <a:ln>
-                  <a:noFill/>
-                </a:ln>
-                <a:solidFill>
-                  <a:srgbClr val="000000"/>
-                </a:solidFill>
-                <a:effectLst/>
-                <a:uLnTx/>
-                <a:uFillTx/>
-                <a:latin typeface="Monaco" pitchFamily="2" charset="77"/>
-                <a:ea typeface="+mn-ea"/>
-                <a:cs typeface="Arial"/>
-              </a:rPr>
-              <a:t>();</a:t>
-            </a:r>
-          </a:p>
-          <a:p>
-            <a:pPr marL="0" marR="0" lvl="0" indent="0" algn="l" defTabSz="953697" rtl="0" eaLnBrk="0" fontAlgn="base" latinLnBrk="0" hangingPunct="0">
-              <a:lnSpc>
-                <a:spcPct val="100000"/>
-              </a:lnSpc>
-              <a:spcBef>
-                <a:spcPct val="0"/>
-              </a:spcBef>
-              <a:spcAft>
-                <a:spcPct val="0"/>
-              </a:spcAft>
-              <a:buClrTx/>
-              <a:buSzTx/>
-              <a:buFont typeface="Times New Roman" panose="02020603050405020304" pitchFamily="18" charset="0"/>
-              <a:buNone/>
-              <a:tabLst/>
-              <a:defRPr/>
-            </a:pPr>
-            <a:r>
-              <a:rPr kumimoji="0" lang="en-US" altLang="en-US" sz="1764" b="0" i="0" u="none" strike="noStrike" kern="1200" cap="none" spc="0" normalizeH="0" baseline="0" noProof="0" dirty="0">
-                <a:ln>
-                  <a:noFill/>
-                </a:ln>
-                <a:solidFill>
-                  <a:srgbClr val="000000"/>
-                </a:solidFill>
-                <a:effectLst/>
-                <a:uLnTx/>
-                <a:uFillTx/>
-                <a:latin typeface="Monaco" pitchFamily="2" charset="77"/>
-                <a:ea typeface="+mn-ea"/>
-                <a:cs typeface="Arial"/>
-              </a:rPr>
-              <a:t>// Read some stuff</a:t>
-            </a:r>
-          </a:p>
-          <a:p>
-            <a:pPr marL="0" marR="0" lvl="0" indent="0" algn="l" defTabSz="953697" rtl="0" eaLnBrk="0" fontAlgn="base" latinLnBrk="0" hangingPunct="0">
-              <a:lnSpc>
-                <a:spcPct val="100000"/>
-              </a:lnSpc>
-              <a:spcBef>
-                <a:spcPct val="0"/>
-              </a:spcBef>
-              <a:spcAft>
-                <a:spcPct val="0"/>
-              </a:spcAft>
-              <a:buClrTx/>
-              <a:buSzTx/>
-              <a:buFont typeface="Times New Roman" panose="02020603050405020304" pitchFamily="18" charset="0"/>
-              <a:buNone/>
-              <a:tabLst/>
-              <a:defRPr/>
-            </a:pPr>
-            <a:r>
-              <a:rPr kumimoji="0" lang="en-US" altLang="en-US" sz="1764" b="0" i="0" u="none" strike="noStrike" kern="1200" cap="none" spc="0" normalizeH="0" baseline="0" noProof="0" dirty="0" err="1">
-                <a:ln>
-                  <a:noFill/>
-                </a:ln>
-                <a:solidFill>
-                  <a:srgbClr val="000000"/>
-                </a:solidFill>
-                <a:effectLst/>
-                <a:uLnTx/>
-                <a:uFillTx/>
-                <a:latin typeface="Monaco" pitchFamily="2" charset="77"/>
-                <a:ea typeface="+mn-ea"/>
-                <a:cs typeface="Arial"/>
-              </a:rPr>
-              <a:t>mutex.down</a:t>
-            </a:r>
-            <a:r>
-              <a:rPr kumimoji="0" lang="en-US" altLang="en-US" sz="1764" b="0" i="0" u="none" strike="noStrike" kern="1200" cap="none" spc="0" normalizeH="0" baseline="0" noProof="0" dirty="0">
-                <a:ln>
-                  <a:noFill/>
-                </a:ln>
-                <a:solidFill>
-                  <a:srgbClr val="000000"/>
-                </a:solidFill>
-                <a:effectLst/>
-                <a:uLnTx/>
-                <a:uFillTx/>
-                <a:latin typeface="Monaco" pitchFamily="2" charset="77"/>
-                <a:ea typeface="+mn-ea"/>
-                <a:cs typeface="Arial"/>
-              </a:rPr>
-              <a:t>();</a:t>
-            </a:r>
-          </a:p>
-          <a:p>
-            <a:pPr marL="0" marR="0" lvl="0" indent="0" algn="l" defTabSz="953697" rtl="0" eaLnBrk="0" fontAlgn="base" latinLnBrk="0" hangingPunct="0">
-              <a:lnSpc>
-                <a:spcPct val="100000"/>
-              </a:lnSpc>
-              <a:spcBef>
-                <a:spcPct val="0"/>
-              </a:spcBef>
-              <a:spcAft>
-                <a:spcPct val="0"/>
-              </a:spcAft>
-              <a:buClrTx/>
-              <a:buSzTx/>
-              <a:buFont typeface="Times New Roman" panose="02020603050405020304" pitchFamily="18" charset="0"/>
-              <a:buNone/>
-              <a:tabLst/>
-              <a:defRPr/>
-            </a:pPr>
-            <a:r>
-              <a:rPr kumimoji="0" lang="en-US" altLang="en-US" sz="1764" b="0" i="0" u="none" strike="noStrike" kern="1200" cap="none" spc="0" normalizeH="0" baseline="0" noProof="0" dirty="0" err="1">
-                <a:ln>
-                  <a:noFill/>
-                </a:ln>
-                <a:solidFill>
-                  <a:srgbClr val="000000"/>
-                </a:solidFill>
-                <a:effectLst/>
-                <a:uLnTx/>
-                <a:uFillTx/>
-                <a:latin typeface="Monaco" pitchFamily="2" charset="77"/>
-                <a:ea typeface="+mn-ea"/>
-                <a:cs typeface="Arial"/>
-              </a:rPr>
-              <a:t>nreaders</a:t>
-            </a:r>
-            <a:r>
-              <a:rPr kumimoji="0" lang="en-US" altLang="en-US" sz="1764" b="0" i="0" u="none" strike="noStrike" kern="1200" cap="none" spc="0" normalizeH="0" baseline="0" noProof="0" dirty="0">
-                <a:ln>
-                  <a:noFill/>
-                </a:ln>
-                <a:solidFill>
-                  <a:srgbClr val="000000"/>
-                </a:solidFill>
-                <a:effectLst/>
-                <a:uLnTx/>
-                <a:uFillTx/>
-                <a:latin typeface="Monaco" pitchFamily="2" charset="77"/>
-                <a:ea typeface="+mn-ea"/>
-                <a:cs typeface="Arial"/>
-              </a:rPr>
-              <a:t> -= 1;</a:t>
-            </a:r>
-          </a:p>
-          <a:p>
-            <a:pPr marL="0" marR="0" lvl="0" indent="0" algn="l" defTabSz="953697" rtl="0" eaLnBrk="0" fontAlgn="base" latinLnBrk="0" hangingPunct="0">
-              <a:lnSpc>
-                <a:spcPct val="100000"/>
-              </a:lnSpc>
-              <a:spcBef>
-                <a:spcPct val="0"/>
-              </a:spcBef>
-              <a:spcAft>
-                <a:spcPct val="0"/>
-              </a:spcAft>
-              <a:buClrTx/>
-              <a:buSzTx/>
-              <a:buFont typeface="Times New Roman" panose="02020603050405020304" pitchFamily="18" charset="0"/>
-              <a:buNone/>
-              <a:tabLst/>
-              <a:defRPr/>
-            </a:pPr>
-            <a:r>
-              <a:rPr kumimoji="0" lang="en-US" altLang="en-US" sz="1764" b="0" i="0" u="none" strike="noStrike" kern="1200" cap="none" spc="0" normalizeH="0" baseline="0" noProof="0" dirty="0">
-                <a:ln>
-                  <a:noFill/>
-                </a:ln>
-                <a:solidFill>
-                  <a:srgbClr val="000000"/>
-                </a:solidFill>
-                <a:effectLst/>
-                <a:uLnTx/>
-                <a:uFillTx/>
-                <a:latin typeface="Monaco" pitchFamily="2" charset="77"/>
-                <a:ea typeface="+mn-ea"/>
-                <a:cs typeface="Arial"/>
-              </a:rPr>
-              <a:t>if (</a:t>
-            </a:r>
-            <a:r>
-              <a:rPr kumimoji="0" lang="en-US" altLang="en-US" sz="1764" b="0" i="0" u="none" strike="noStrike" kern="1200" cap="none" spc="0" normalizeH="0" baseline="0" noProof="0" dirty="0" err="1">
-                <a:ln>
-                  <a:noFill/>
-                </a:ln>
-                <a:solidFill>
-                  <a:srgbClr val="000000"/>
-                </a:solidFill>
-                <a:effectLst/>
-                <a:uLnTx/>
-                <a:uFillTx/>
-                <a:latin typeface="Monaco" pitchFamily="2" charset="77"/>
-                <a:ea typeface="+mn-ea"/>
-                <a:cs typeface="Arial"/>
-              </a:rPr>
-              <a:t>nreaders</a:t>
-            </a:r>
-            <a:r>
-              <a:rPr kumimoji="0" lang="en-US" altLang="en-US" sz="1764" b="0" i="0" u="none" strike="noStrike" kern="1200" cap="none" spc="0" normalizeH="0" baseline="0" noProof="0" dirty="0">
-                <a:ln>
-                  <a:noFill/>
-                </a:ln>
-                <a:solidFill>
-                  <a:srgbClr val="000000"/>
-                </a:solidFill>
-                <a:effectLst/>
-                <a:uLnTx/>
-                <a:uFillTx/>
-                <a:latin typeface="Monaco" pitchFamily="2" charset="77"/>
-                <a:ea typeface="+mn-ea"/>
-                <a:cs typeface="Arial"/>
-              </a:rPr>
-              <a:t> == 0)	// signal if</a:t>
-            </a:r>
-          </a:p>
-          <a:p>
-            <a:pPr marL="0" marR="0" lvl="0" indent="0" algn="l" defTabSz="953697" rtl="0" eaLnBrk="0" fontAlgn="base" latinLnBrk="0" hangingPunct="0">
-              <a:lnSpc>
-                <a:spcPct val="100000"/>
-              </a:lnSpc>
-              <a:spcBef>
-                <a:spcPct val="0"/>
-              </a:spcBef>
-              <a:spcAft>
-                <a:spcPct val="0"/>
-              </a:spcAft>
-              <a:buClrTx/>
-              <a:buSzTx/>
-              <a:buFont typeface="Times New Roman" panose="02020603050405020304" pitchFamily="18" charset="0"/>
-              <a:buNone/>
-              <a:tabLst/>
-              <a:defRPr/>
-            </a:pPr>
-            <a:r>
-              <a:rPr kumimoji="0" lang="en-US" altLang="en-US" sz="1764" b="0" i="0" u="none" strike="noStrike" kern="1200" cap="none" spc="0" normalizeH="0" baseline="0" noProof="0" dirty="0">
-                <a:ln>
-                  <a:noFill/>
-                </a:ln>
-                <a:solidFill>
-                  <a:srgbClr val="000000"/>
-                </a:solidFill>
-                <a:effectLst/>
-                <a:uLnTx/>
-                <a:uFillTx/>
-                <a:latin typeface="Monaco" pitchFamily="2" charset="77"/>
-                <a:ea typeface="+mn-ea"/>
-                <a:cs typeface="Arial"/>
-              </a:rPr>
-              <a:t>  </a:t>
-            </a:r>
-            <a:r>
-              <a:rPr kumimoji="0" lang="en-US" altLang="en-US" sz="1764" b="0" i="0" u="none" strike="noStrike" kern="1200" cap="none" spc="0" normalizeH="0" baseline="0" noProof="0" dirty="0" err="1">
-                <a:ln>
-                  <a:noFill/>
-                </a:ln>
-                <a:solidFill>
-                  <a:srgbClr val="000000"/>
-                </a:solidFill>
-                <a:effectLst/>
-                <a:uLnTx/>
-                <a:uFillTx/>
-                <a:latin typeface="Monaco" pitchFamily="2" charset="77"/>
-                <a:ea typeface="+mn-ea"/>
-                <a:cs typeface="Arial"/>
-              </a:rPr>
-              <a:t>writing.up</a:t>
-            </a:r>
-            <a:r>
-              <a:rPr kumimoji="0" lang="en-US" altLang="en-US" sz="1764" b="0" i="0" u="none" strike="noStrike" kern="1200" cap="none" spc="0" normalizeH="0" baseline="0" noProof="0" dirty="0">
-                <a:ln>
-                  <a:noFill/>
-                </a:ln>
-                <a:solidFill>
-                  <a:srgbClr val="000000"/>
-                </a:solidFill>
-                <a:effectLst/>
-                <a:uLnTx/>
-                <a:uFillTx/>
-                <a:latin typeface="Monaco" pitchFamily="2" charset="77"/>
-                <a:ea typeface="+mn-ea"/>
-                <a:cs typeface="Arial"/>
-              </a:rPr>
-              <a:t>();	// last reader</a:t>
-            </a:r>
-          </a:p>
-          <a:p>
-            <a:pPr marL="0" marR="0" lvl="0" indent="0" algn="l" defTabSz="953697" rtl="0" eaLnBrk="0" fontAlgn="base" latinLnBrk="0" hangingPunct="0">
-              <a:lnSpc>
-                <a:spcPct val="100000"/>
-              </a:lnSpc>
-              <a:spcBef>
-                <a:spcPct val="0"/>
-              </a:spcBef>
-              <a:spcAft>
-                <a:spcPct val="0"/>
-              </a:spcAft>
-              <a:buClrTx/>
-              <a:buSzTx/>
-              <a:buFont typeface="Times New Roman" panose="02020603050405020304" pitchFamily="18" charset="0"/>
-              <a:buNone/>
-              <a:tabLst/>
-              <a:defRPr/>
-            </a:pPr>
-            <a:r>
-              <a:rPr kumimoji="0" lang="en-US" altLang="en-US" sz="1764" b="0" i="0" u="none" strike="noStrike" kern="1200" cap="none" spc="0" normalizeH="0" baseline="0" noProof="0" dirty="0" err="1">
-                <a:ln>
-                  <a:noFill/>
-                </a:ln>
-                <a:solidFill>
-                  <a:srgbClr val="000000"/>
-                </a:solidFill>
-                <a:effectLst/>
-                <a:uLnTx/>
-                <a:uFillTx/>
-                <a:latin typeface="Monaco" pitchFamily="2" charset="77"/>
-                <a:ea typeface="+mn-ea"/>
-                <a:cs typeface="Arial"/>
-              </a:rPr>
-              <a:t>mutex.up</a:t>
-            </a:r>
-            <a:r>
-              <a:rPr kumimoji="0" lang="en-US" altLang="en-US" sz="1764" b="0" i="0" u="none" strike="noStrike" kern="1200" cap="none" spc="0" normalizeH="0" baseline="0" noProof="0" dirty="0">
-                <a:ln>
-                  <a:noFill/>
-                </a:ln>
-                <a:solidFill>
-                  <a:srgbClr val="000000"/>
-                </a:solidFill>
-                <a:effectLst/>
-                <a:uLnTx/>
-                <a:uFillTx/>
-                <a:latin typeface="Monaco" pitchFamily="2" charset="77"/>
-                <a:ea typeface="+mn-ea"/>
-                <a:cs typeface="Arial"/>
-              </a:rPr>
-              <a:t>();</a:t>
-            </a:r>
-          </a:p>
-          <a:p>
-            <a:pPr marL="0" marR="0" lvl="0" indent="0" algn="l" defTabSz="953697" rtl="0" eaLnBrk="0" fontAlgn="base" latinLnBrk="0" hangingPunct="0">
-              <a:lnSpc>
-                <a:spcPct val="100000"/>
-              </a:lnSpc>
-              <a:spcBef>
-                <a:spcPct val="0"/>
-              </a:spcBef>
-              <a:spcAft>
-                <a:spcPct val="0"/>
-              </a:spcAft>
-              <a:buClrTx/>
-              <a:buSzTx/>
-              <a:buFont typeface="Times New Roman" panose="02020603050405020304" pitchFamily="18" charset="0"/>
-              <a:buNone/>
-              <a:tabLst/>
-              <a:defRPr/>
-            </a:pPr>
-            <a:r>
-              <a:rPr kumimoji="0" lang="en-US" altLang="en-US" sz="1764" b="0" i="0" u="none" strike="noStrike" kern="1200" cap="none" spc="0" normalizeH="0" baseline="0" noProof="0" dirty="0">
-                <a:ln>
-                  <a:noFill/>
-                </a:ln>
-                <a:solidFill>
-                  <a:srgbClr val="000000"/>
-                </a:solidFill>
-                <a:effectLst/>
-                <a:uLnTx/>
-                <a:uFillTx/>
-                <a:latin typeface="Monaco" pitchFamily="2" charset="77"/>
-                <a:ea typeface="+mn-ea"/>
-                <a:cs typeface="Arial"/>
-              </a:rPr>
-              <a:t>…</a:t>
-            </a:r>
-          </a:p>
-        </p:txBody>
-      </p:sp>
-      <p:sp>
-        <p:nvSpPr>
-          <p:cNvPr id="8" name="Text Box 5">
-            <a:extLst>
-              <a:ext uri="{FF2B5EF4-FFF2-40B4-BE49-F238E27FC236}">
-                <a16:creationId xmlns:a16="http://schemas.microsoft.com/office/drawing/2014/main" id="{A1D33533-79E2-4621-ACBC-C6FF3C3B5843}"/>
-              </a:ext>
-            </a:extLst>
-          </p:cNvPr>
-          <p:cNvSpPr txBox="1">
-            <a:spLocks noChangeArrowheads="1"/>
-          </p:cNvSpPr>
-          <p:nvPr/>
-        </p:nvSpPr>
-        <p:spPr bwMode="auto">
-          <a:xfrm>
-            <a:off x="5112544" y="5341585"/>
-            <a:ext cx="3198862" cy="1843805"/>
-          </a:xfrm>
-          <a:prstGeom prst="rect">
-            <a:avLst/>
-          </a:prstGeom>
-          <a:noFill/>
-          <a:ln w="6350">
-            <a:solidFill>
-              <a:schemeClr val="tx1"/>
-            </a:solidFill>
-            <a:miter lim="800000"/>
-            <a:headEnd/>
-            <a:tailEnd/>
-          </a:ln>
-          <a:effectLst/>
-          <a:extLst>
-            <a:ext uri="{909E8E84-426E-40DD-AFC4-6F175D3DCCD1}">
-              <a14:hiddenFill xmlns:a14="http://schemas.microsoft.com/office/drawing/2010/main">
-                <a:solidFill>
-                  <a:schemeClr val="accent1"/>
-                </a:solidFill>
-              </a14:hiddenFill>
-            </a:ext>
-            <a:ext uri="{AF507438-7753-43E0-B8FC-AC1667EBCBE1}">
-              <a14:hiddenEffects xmlns:a14="http://schemas.microsoft.com/office/drawing/2010/main">
-                <a:effectLst>
-                  <a:outerShdw dist="35921" dir="2700000" algn="ctr" rotWithShape="0">
-                    <a:schemeClr val="bg2"/>
-                  </a:outerShdw>
-                </a:effectLst>
-              </a14:hiddenEffects>
-            </a:ext>
-          </a:extLst>
-        </p:spPr>
-        <p:txBody>
-          <a:bodyPr lIns="95343" tIns="47672" rIns="95343" bIns="47672">
-            <a:spAutoFit/>
-          </a:bodyPr>
-          <a:lstStyle>
-            <a:lvl1pPr defTabSz="865188">
-              <a:defRPr sz="2400">
-                <a:solidFill>
-                  <a:schemeClr val="tx1"/>
-                </a:solidFill>
-                <a:latin typeface="Times" pitchFamily="2" charset="0"/>
-              </a:defRPr>
-            </a:lvl1pPr>
-            <a:lvl2pPr marL="431800" defTabSz="865188">
-              <a:defRPr sz="2400">
-                <a:solidFill>
-                  <a:schemeClr val="tx1"/>
-                </a:solidFill>
-                <a:latin typeface="Times" pitchFamily="2" charset="0"/>
-              </a:defRPr>
-            </a:lvl2pPr>
-            <a:lvl3pPr marL="865188" defTabSz="865188">
-              <a:defRPr sz="2400">
-                <a:solidFill>
-                  <a:schemeClr val="tx1"/>
-                </a:solidFill>
-                <a:latin typeface="Times" pitchFamily="2" charset="0"/>
-              </a:defRPr>
-            </a:lvl3pPr>
-            <a:lvl4pPr marL="1296988" defTabSz="865188">
-              <a:defRPr sz="2400">
-                <a:solidFill>
-                  <a:schemeClr val="tx1"/>
-                </a:solidFill>
-                <a:latin typeface="Times" pitchFamily="2" charset="0"/>
-              </a:defRPr>
-            </a:lvl4pPr>
-            <a:lvl5pPr marL="1730375" defTabSz="865188">
-              <a:defRPr sz="2400">
-                <a:solidFill>
-                  <a:schemeClr val="tx1"/>
-                </a:solidFill>
-                <a:latin typeface="Times" pitchFamily="2" charset="0"/>
-              </a:defRPr>
-            </a:lvl5pPr>
-            <a:lvl6pPr marL="2187575" defTabSz="865188" eaLnBrk="0" fontAlgn="base" hangingPunct="0">
-              <a:spcBef>
-                <a:spcPct val="0"/>
-              </a:spcBef>
-              <a:spcAft>
-                <a:spcPct val="0"/>
-              </a:spcAft>
-              <a:defRPr sz="2400">
-                <a:solidFill>
-                  <a:schemeClr val="tx1"/>
-                </a:solidFill>
-                <a:latin typeface="Times" pitchFamily="2" charset="0"/>
-              </a:defRPr>
-            </a:lvl6pPr>
-            <a:lvl7pPr marL="2644775" defTabSz="865188" eaLnBrk="0" fontAlgn="base" hangingPunct="0">
-              <a:spcBef>
-                <a:spcPct val="0"/>
-              </a:spcBef>
-              <a:spcAft>
-                <a:spcPct val="0"/>
-              </a:spcAft>
-              <a:defRPr sz="2400">
-                <a:solidFill>
-                  <a:schemeClr val="tx1"/>
-                </a:solidFill>
-                <a:latin typeface="Times" pitchFamily="2" charset="0"/>
-              </a:defRPr>
-            </a:lvl7pPr>
-            <a:lvl8pPr marL="3101975" defTabSz="865188" eaLnBrk="0" fontAlgn="base" hangingPunct="0">
-              <a:spcBef>
-                <a:spcPct val="0"/>
-              </a:spcBef>
-              <a:spcAft>
-                <a:spcPct val="0"/>
-              </a:spcAft>
-              <a:defRPr sz="2400">
-                <a:solidFill>
-                  <a:schemeClr val="tx1"/>
-                </a:solidFill>
-                <a:latin typeface="Times" pitchFamily="2" charset="0"/>
-              </a:defRPr>
-            </a:lvl8pPr>
-            <a:lvl9pPr marL="3559175" defTabSz="865188" eaLnBrk="0" fontAlgn="base" hangingPunct="0">
-              <a:spcBef>
-                <a:spcPct val="0"/>
-              </a:spcBef>
-              <a:spcAft>
-                <a:spcPct val="0"/>
-              </a:spcAft>
-              <a:defRPr sz="2400">
-                <a:solidFill>
-                  <a:schemeClr val="tx1"/>
-                </a:solidFill>
-                <a:latin typeface="Times" pitchFamily="2" charset="0"/>
-              </a:defRPr>
-            </a:lvl9pPr>
-          </a:lstStyle>
-          <a:p>
-            <a:pPr marL="0" marR="0" lvl="0" indent="0" algn="l" defTabSz="953697" rtl="0" eaLnBrk="0" fontAlgn="base" latinLnBrk="0" hangingPunct="0">
-              <a:lnSpc>
-                <a:spcPct val="100000"/>
-              </a:lnSpc>
-              <a:spcBef>
-                <a:spcPct val="0"/>
-              </a:spcBef>
-              <a:spcAft>
-                <a:spcPct val="0"/>
-              </a:spcAft>
-              <a:buClrTx/>
-              <a:buSzTx/>
-              <a:buFont typeface="Times New Roman" panose="02020603050405020304" pitchFamily="18" charset="0"/>
-              <a:buNone/>
-              <a:tabLst/>
-              <a:defRPr/>
-            </a:pPr>
-            <a:r>
-              <a:rPr kumimoji="0" lang="en-US" altLang="en-US" sz="2535" b="0" i="0" u="none" strike="noStrike" kern="1200" cap="none" spc="0" normalizeH="0" baseline="0" noProof="0">
-                <a:ln>
-                  <a:noFill/>
-                </a:ln>
-                <a:solidFill>
-                  <a:srgbClr val="000000"/>
-                </a:solidFill>
-                <a:effectLst/>
-                <a:uLnTx/>
-                <a:uFillTx/>
-                <a:latin typeface="Times" pitchFamily="2" charset="0"/>
-                <a:ea typeface="+mn-ea"/>
-                <a:cs typeface="Arial"/>
-              </a:rPr>
-              <a:t>Writer process</a:t>
-            </a:r>
-            <a:endParaRPr kumimoji="0" lang="en-US" altLang="en-US" sz="1874" b="0" i="0" u="none" strike="noStrike" kern="1200" cap="none" spc="0" normalizeH="0" baseline="0" noProof="0">
-              <a:ln>
-                <a:noFill/>
-              </a:ln>
-              <a:solidFill>
-                <a:srgbClr val="000000"/>
-              </a:solidFill>
-              <a:effectLst/>
-              <a:uLnTx/>
-              <a:uFillTx/>
-              <a:latin typeface="Courier" pitchFamily="2" charset="0"/>
-              <a:ea typeface="+mn-ea"/>
-              <a:cs typeface="Arial"/>
-            </a:endParaRPr>
-          </a:p>
-          <a:p>
-            <a:pPr marL="0" marR="0" lvl="0" indent="0" algn="l" defTabSz="953697" rtl="0" eaLnBrk="0" fontAlgn="base" latinLnBrk="0" hangingPunct="0">
-              <a:lnSpc>
-                <a:spcPct val="100000"/>
-              </a:lnSpc>
-              <a:spcBef>
-                <a:spcPct val="0"/>
-              </a:spcBef>
-              <a:spcAft>
-                <a:spcPct val="0"/>
-              </a:spcAft>
-              <a:buClrTx/>
-              <a:buSzTx/>
-              <a:buFont typeface="Times New Roman" panose="02020603050405020304" pitchFamily="18" charset="0"/>
-              <a:buNone/>
-              <a:tabLst/>
-              <a:defRPr/>
-            </a:pPr>
-            <a:r>
-              <a:rPr kumimoji="0" lang="en-US" altLang="en-US" sz="1764" b="0" i="0" u="none" strike="noStrike" kern="1200" cap="none" spc="0" normalizeH="0" baseline="0" noProof="0">
-                <a:ln>
-                  <a:noFill/>
-                </a:ln>
-                <a:solidFill>
-                  <a:srgbClr val="000000"/>
-                </a:solidFill>
-                <a:effectLst/>
-                <a:uLnTx/>
-                <a:uFillTx/>
-                <a:latin typeface="Monaco" pitchFamily="2" charset="77"/>
-                <a:ea typeface="+mn-ea"/>
-                <a:cs typeface="Arial"/>
-              </a:rPr>
-              <a:t>…</a:t>
-            </a:r>
-          </a:p>
-          <a:p>
-            <a:pPr marL="0" marR="0" lvl="0" indent="0" algn="l" defTabSz="953697" rtl="0" eaLnBrk="0" fontAlgn="base" latinLnBrk="0" hangingPunct="0">
-              <a:lnSpc>
-                <a:spcPct val="100000"/>
-              </a:lnSpc>
-              <a:spcBef>
-                <a:spcPct val="0"/>
-              </a:spcBef>
-              <a:spcAft>
-                <a:spcPct val="0"/>
-              </a:spcAft>
-              <a:buClrTx/>
-              <a:buSzTx/>
-              <a:buFont typeface="Times New Roman" panose="02020603050405020304" pitchFamily="18" charset="0"/>
-              <a:buNone/>
-              <a:tabLst/>
-              <a:defRPr/>
-            </a:pPr>
-            <a:r>
-              <a:rPr kumimoji="0" lang="en-US" altLang="en-US" sz="1764" b="0" i="0" u="none" strike="noStrike" kern="1200" cap="none" spc="0" normalizeH="0" baseline="0" noProof="0" err="1">
-                <a:ln>
-                  <a:noFill/>
-                </a:ln>
-                <a:solidFill>
-                  <a:srgbClr val="000000"/>
-                </a:solidFill>
-                <a:effectLst/>
-                <a:uLnTx/>
-                <a:uFillTx/>
-                <a:latin typeface="Monaco" pitchFamily="2" charset="77"/>
-                <a:ea typeface="+mn-ea"/>
-                <a:cs typeface="Arial"/>
-              </a:rPr>
-              <a:t>writing.down</a:t>
-            </a:r>
-            <a:r>
-              <a:rPr kumimoji="0" lang="en-US" altLang="en-US" sz="1764" b="0" i="0" u="none" strike="noStrike" kern="1200" cap="none" spc="0" normalizeH="0" baseline="0" noProof="0">
-                <a:ln>
-                  <a:noFill/>
-                </a:ln>
-                <a:solidFill>
-                  <a:srgbClr val="000000"/>
-                </a:solidFill>
-                <a:effectLst/>
-                <a:uLnTx/>
-                <a:uFillTx/>
-                <a:latin typeface="Monaco" pitchFamily="2" charset="77"/>
-                <a:ea typeface="+mn-ea"/>
-                <a:cs typeface="Arial"/>
-              </a:rPr>
-              <a:t>();</a:t>
-            </a:r>
-          </a:p>
-          <a:p>
-            <a:pPr marL="0" marR="0" lvl="0" indent="0" algn="l" defTabSz="953697" rtl="0" eaLnBrk="0" fontAlgn="base" latinLnBrk="0" hangingPunct="0">
-              <a:lnSpc>
-                <a:spcPct val="100000"/>
-              </a:lnSpc>
-              <a:spcBef>
-                <a:spcPct val="0"/>
-              </a:spcBef>
-              <a:spcAft>
-                <a:spcPct val="0"/>
-              </a:spcAft>
-              <a:buClrTx/>
-              <a:buSzTx/>
-              <a:buFont typeface="Times New Roman" panose="02020603050405020304" pitchFamily="18" charset="0"/>
-              <a:buNone/>
-              <a:tabLst/>
-              <a:defRPr/>
-            </a:pPr>
-            <a:r>
-              <a:rPr kumimoji="0" lang="en-US" altLang="en-US" sz="1764" b="0" i="0" u="none" strike="noStrike" kern="1200" cap="none" spc="0" normalizeH="0" baseline="0" noProof="0">
-                <a:ln>
-                  <a:noFill/>
-                </a:ln>
-                <a:solidFill>
-                  <a:srgbClr val="000000"/>
-                </a:solidFill>
-                <a:effectLst/>
-                <a:uLnTx/>
-                <a:uFillTx/>
-                <a:latin typeface="Monaco" pitchFamily="2" charset="77"/>
-                <a:ea typeface="+mn-ea"/>
-                <a:cs typeface="Arial"/>
-              </a:rPr>
-              <a:t>// Write some stuff</a:t>
-            </a:r>
-          </a:p>
-          <a:p>
-            <a:pPr marL="0" marR="0" lvl="0" indent="0" algn="l" defTabSz="953697" rtl="0" eaLnBrk="0" fontAlgn="base" latinLnBrk="0" hangingPunct="0">
-              <a:lnSpc>
-                <a:spcPct val="100000"/>
-              </a:lnSpc>
-              <a:spcBef>
-                <a:spcPct val="0"/>
-              </a:spcBef>
-              <a:spcAft>
-                <a:spcPct val="0"/>
-              </a:spcAft>
-              <a:buClrTx/>
-              <a:buSzTx/>
-              <a:buFont typeface="Times New Roman" panose="02020603050405020304" pitchFamily="18" charset="0"/>
-              <a:buNone/>
-              <a:tabLst/>
-              <a:defRPr/>
-            </a:pPr>
-            <a:r>
-              <a:rPr kumimoji="0" lang="en-US" altLang="en-US" sz="1764" b="0" i="0" u="none" strike="noStrike" kern="1200" cap="none" spc="0" normalizeH="0" baseline="0" noProof="0" err="1">
-                <a:ln>
-                  <a:noFill/>
-                </a:ln>
-                <a:solidFill>
-                  <a:srgbClr val="000000"/>
-                </a:solidFill>
-                <a:effectLst/>
-                <a:uLnTx/>
-                <a:uFillTx/>
-                <a:latin typeface="Monaco" pitchFamily="2" charset="77"/>
-                <a:ea typeface="+mn-ea"/>
-                <a:cs typeface="Arial"/>
-              </a:rPr>
-              <a:t>writing.up</a:t>
-            </a:r>
-            <a:r>
-              <a:rPr kumimoji="0" lang="en-US" altLang="en-US" sz="1764" b="0" i="0" u="none" strike="noStrike" kern="1200" cap="none" spc="0" normalizeH="0" baseline="0" noProof="0">
-                <a:ln>
-                  <a:noFill/>
-                </a:ln>
-                <a:solidFill>
-                  <a:srgbClr val="000000"/>
-                </a:solidFill>
-                <a:effectLst/>
-                <a:uLnTx/>
-                <a:uFillTx/>
-                <a:latin typeface="Monaco" pitchFamily="2" charset="77"/>
-                <a:ea typeface="+mn-ea"/>
-                <a:cs typeface="Arial"/>
-              </a:rPr>
-              <a:t>();</a:t>
-            </a:r>
-          </a:p>
-          <a:p>
-            <a:pPr marL="0" marR="0" lvl="0" indent="0" algn="l" defTabSz="953697" rtl="0" eaLnBrk="0" fontAlgn="base" latinLnBrk="0" hangingPunct="0">
-              <a:lnSpc>
-                <a:spcPct val="100000"/>
-              </a:lnSpc>
-              <a:spcBef>
-                <a:spcPct val="0"/>
-              </a:spcBef>
-              <a:spcAft>
-                <a:spcPct val="0"/>
-              </a:spcAft>
-              <a:buClrTx/>
-              <a:buSzTx/>
-              <a:buFont typeface="Times New Roman" panose="02020603050405020304" pitchFamily="18" charset="0"/>
-              <a:buNone/>
-              <a:tabLst/>
-              <a:defRPr/>
-            </a:pPr>
-            <a:r>
-              <a:rPr kumimoji="0" lang="en-US" altLang="en-US" sz="1764" b="0" i="0" u="none" strike="noStrike" kern="1200" cap="none" spc="0" normalizeH="0" baseline="0" noProof="0">
-                <a:ln>
-                  <a:noFill/>
-                </a:ln>
-                <a:solidFill>
-                  <a:srgbClr val="000000"/>
-                </a:solidFill>
-                <a:effectLst/>
-                <a:uLnTx/>
-                <a:uFillTx/>
-                <a:latin typeface="Monaco" pitchFamily="2" charset="77"/>
-                <a:ea typeface="+mn-ea"/>
-                <a:cs typeface="Arial"/>
-              </a:rPr>
-              <a:t>…</a:t>
-            </a:r>
-            <a:endParaRPr kumimoji="0" lang="en-US" altLang="en-US" sz="1874" b="0" i="0" u="none" strike="noStrike" kern="1200" cap="none" spc="0" normalizeH="0" baseline="0" noProof="0">
-              <a:ln>
-                <a:noFill/>
-              </a:ln>
-              <a:solidFill>
-                <a:srgbClr val="000000"/>
-              </a:solidFill>
-              <a:effectLst/>
-              <a:uLnTx/>
-              <a:uFillTx/>
-              <a:latin typeface="Courier" pitchFamily="2" charset="0"/>
-              <a:ea typeface="+mn-ea"/>
-              <a:cs typeface="Arial"/>
-            </a:endParaRPr>
-          </a:p>
-        </p:txBody>
-      </p:sp>
-    </p:spTree>
-    <p:extLst>
-      <p:ext uri="{BB962C8B-B14F-4D97-AF65-F5344CB8AC3E}">
-        <p14:creationId xmlns:p14="http://schemas.microsoft.com/office/powerpoint/2010/main" val="2858246217"/>
-      </p:ext>
-    </p:extLst>
-  </p:cSld>
-  <p:clrMapOvr>
-    <a:masterClrMapping/>
-  </p:clrMapOvr>
-  <p:timing>
-    <p:tnLst>
-      <p:par>
-        <p:cTn id="1" dur="indefinite" restart="never" nodeType="tmRoot">
-          <p:childTnLst>
-            <p:seq concurrent="1" nextAc="seek">
-              <p:cTn id="2" dur="indefinite" nodeType="mainSeq">
-                <p:childTnLst>
-                  <p:par>
-                    <p:cTn id="3" fill="hold">
-                      <p:stCondLst>
-                        <p:cond delay="indefinite"/>
-                      </p:stCondLst>
-                      <p:childTnLst>
-                        <p:par>
-                          <p:cTn id="4" fill="hold">
-                            <p:stCondLst>
-                              <p:cond delay="0"/>
-                            </p:stCondLst>
-                            <p:childTnLst>
-                              <p:par>
-                                <p:cTn id="5" presetID="1" presetClass="entr" presetSubtype="0" fill="hold" grpId="0" nodeType="clickEffect">
-                                  <p:stCondLst>
-                                    <p:cond delay="0"/>
-                                  </p:stCondLst>
-                                  <p:childTnLst>
-                                    <p:set>
-                                      <p:cBhvr>
-                                        <p:cTn id="6" dur="1" fill="hold">
-                                          <p:stCondLst>
-                                            <p:cond delay="0"/>
-                                          </p:stCondLst>
-                                        </p:cTn>
-                                        <p:tgtEl>
-                                          <p:spTgt spid="8"/>
-                                        </p:tgtEl>
-                                        <p:attrNameLst>
-                                          <p:attrName>style.visibility</p:attrName>
-                                        </p:attrNameLst>
-                                      </p:cBhvr>
-                                      <p:to>
-                                        <p:strVal val="visible"/>
-                                      </p:to>
-                                    </p:set>
-                                  </p:childTnLst>
-                                </p:cTn>
-                              </p:par>
-                            </p:childTnLst>
-                          </p:cTn>
-                        </p:par>
-                      </p:childTnLst>
-                    </p:cTn>
-                  </p:par>
-                  <p:par>
-                    <p:cTn id="7" fill="hold">
-                      <p:stCondLst>
-                        <p:cond delay="indefinite"/>
-                      </p:stCondLst>
-                      <p:childTnLst>
-                        <p:par>
-                          <p:cTn id="8" fill="hold">
-                            <p:stCondLst>
-                              <p:cond delay="0"/>
-                            </p:stCondLst>
-                            <p:childTnLst>
-                              <p:par>
-                                <p:cTn id="9" presetID="1" presetClass="entr" presetSubtype="0" fill="hold" grpId="0" nodeType="clickEffect">
-                                  <p:stCondLst>
-                                    <p:cond delay="0"/>
-                                  </p:stCondLst>
-                                  <p:childTnLst>
-                                    <p:set>
-                                      <p:cBhvr>
-                                        <p:cTn id="10" dur="1" fill="hold">
-                                          <p:stCondLst>
-                                            <p:cond delay="0"/>
-                                          </p:stCondLst>
-                                        </p:cTn>
-                                        <p:tgtEl>
-                                          <p:spTgt spid="6"/>
-                                        </p:tgtEl>
-                                        <p:attrNameLst>
-                                          <p:attrName>style.visibility</p:attrName>
-                                        </p:attrNameLst>
-                                      </p:cBhvr>
-                                      <p:to>
-                                        <p:strVal val="visible"/>
-                                      </p:to>
-                                    </p:set>
-                                  </p:childTnLst>
-                                </p:cTn>
-                              </p:par>
-                            </p:childTnLst>
-                          </p:cTn>
-                        </p:par>
-                      </p:childTnLst>
-                    </p:cTn>
-                  </p:par>
-                </p:childTnLst>
-              </p:cTn>
-              <p:prevCondLst>
-                <p:cond evt="onPrev" delay="0">
-                  <p:tgtEl>
-                    <p:sldTgt/>
-                  </p:tgtEl>
-                </p:cond>
-              </p:prevCondLst>
-              <p:nextCondLst>
-                <p:cond evt="onNext" delay="0">
-                  <p:tgtEl>
-                    <p:sldTgt/>
-                  </p:tgtEl>
-                </p:cond>
-              </p:nextCondLst>
-            </p:seq>
-          </p:childTnLst>
-        </p:cTn>
-      </p:par>
-    </p:tnLst>
-    <p:bldLst>
-      <p:bldP spid="6" grpId="0" animBg="1"/>
-      <p:bldP spid="8" grpId="0" animBg="1"/>
-    </p:bldLst>
-  </p:timing>
-</p:sld>
-</file>
-
-<file path=ppt/slides/slide18.xml><?xml version="1.0" encoding="utf-8"?>
-<p:sld xmlns:a="http://schemas.openxmlformats.org/drawingml/2006/main" xmlns:r="http://schemas.openxmlformats.org/officeDocument/2006/relationships" xmlns:p="http://schemas.openxmlformats.org/presentationml/2006/main">
-  <p:cSld>
-    <p:spTree>
-      <p:nvGrpSpPr>
-        <p:cNvPr id="1" name=""/>
-        <p:cNvGrpSpPr/>
-        <p:nvPr/>
-      </p:nvGrpSpPr>
-      <p:grpSpPr>
-        <a:xfrm>
-          <a:off x="0" y="0"/>
-          <a:ext cx="0" cy="0"/>
-          <a:chOff x="0" y="0"/>
-          <a:chExt cx="0" cy="0"/>
-        </a:xfrm>
-      </p:grpSpPr>
-      <p:sp>
-        <p:nvSpPr>
-          <p:cNvPr id="2" name="Title 1">
-            <a:extLst>
-              <a:ext uri="{FF2B5EF4-FFF2-40B4-BE49-F238E27FC236}">
-                <a16:creationId xmlns:a16="http://schemas.microsoft.com/office/drawing/2014/main" id="{DA38EBC9-99A2-4242-9B09-0A47BFE12641}"/>
-              </a:ext>
-            </a:extLst>
-          </p:cNvPr>
-          <p:cNvSpPr>
-            <a:spLocks noGrp="1"/>
-          </p:cNvSpPr>
-          <p:nvPr>
-            <p:ph type="title"/>
-          </p:nvPr>
-        </p:nvSpPr>
-        <p:spPr/>
-        <p:txBody>
-          <a:bodyPr/>
-          <a:lstStyle/>
-          <a:p>
-            <a:r>
-              <a:rPr lang="en-US" sz="4000" dirty="0"/>
-              <a:t>What happens if we use if instead of while?</a:t>
-            </a:r>
-          </a:p>
-        </p:txBody>
-      </p:sp>
-      <p:sp>
-        <p:nvSpPr>
-          <p:cNvPr id="3" name="Content Placeholder 2">
-            <a:extLst>
-              <a:ext uri="{FF2B5EF4-FFF2-40B4-BE49-F238E27FC236}">
-                <a16:creationId xmlns:a16="http://schemas.microsoft.com/office/drawing/2014/main" id="{42E5A9B4-0B88-4EC0-B36A-ECBA81F67C6C}"/>
-              </a:ext>
-            </a:extLst>
-          </p:cNvPr>
-          <p:cNvSpPr>
-            <a:spLocks noGrp="1"/>
-          </p:cNvSpPr>
-          <p:nvPr>
-            <p:ph idx="1"/>
-          </p:nvPr>
-        </p:nvSpPr>
-        <p:spPr/>
-        <p:txBody>
-          <a:bodyPr/>
-          <a:lstStyle/>
-          <a:p>
-            <a:r>
-              <a:rPr lang="en-US" dirty="0"/>
-              <a:t>Consider the sequence:</a:t>
-            </a:r>
-          </a:p>
-          <a:p>
-            <a:pPr lvl="1"/>
-            <a:r>
-              <a:rPr lang="en-US" dirty="0"/>
-              <a:t>W0 </a:t>
-            </a:r>
-            <a:r>
-              <a:rPr lang="en-US" dirty="0" err="1"/>
-              <a:t>enterWrite</a:t>
-            </a:r>
-            <a:endParaRPr lang="en-US" dirty="0"/>
-          </a:p>
-          <a:p>
-            <a:pPr lvl="1"/>
-            <a:r>
-              <a:rPr lang="en-US" dirty="0"/>
-              <a:t>R0 </a:t>
-            </a:r>
-            <a:r>
-              <a:rPr lang="en-US" dirty="0" err="1"/>
-              <a:t>enterRead</a:t>
-            </a:r>
-            <a:endParaRPr lang="en-US" dirty="0"/>
-          </a:p>
-          <a:p>
-            <a:pPr lvl="1"/>
-            <a:r>
-              <a:rPr lang="en-US" dirty="0"/>
-              <a:t>W1 write</a:t>
-            </a:r>
-          </a:p>
-          <a:p>
-            <a:pPr lvl="1"/>
-            <a:r>
-              <a:rPr lang="en-US" dirty="0"/>
-              <a:t>W1 </a:t>
-            </a:r>
-            <a:r>
-              <a:rPr lang="en-US" dirty="0" err="1"/>
-              <a:t>doneWrite</a:t>
-            </a:r>
-            <a:endParaRPr lang="en-US" dirty="0"/>
-          </a:p>
-          <a:p>
-            <a:pPr lvl="1"/>
-            <a:r>
-              <a:rPr lang="en-US" dirty="0"/>
-              <a:t>W0 </a:t>
-            </a:r>
-            <a:r>
-              <a:rPr lang="en-US" dirty="0" err="1"/>
-              <a:t>enterWrite</a:t>
-            </a:r>
-            <a:endParaRPr lang="en-US" dirty="0"/>
-          </a:p>
-          <a:p>
-            <a:pPr lvl="1"/>
-            <a:r>
-              <a:rPr lang="en-US" dirty="0"/>
-              <a:t>W1 write</a:t>
-            </a:r>
-          </a:p>
-          <a:p>
-            <a:pPr lvl="1"/>
-            <a:r>
-              <a:rPr lang="en-US"/>
-              <a:t>R0 read</a:t>
-            </a:r>
-            <a:endParaRPr lang="en-US" dirty="0"/>
-          </a:p>
-        </p:txBody>
-      </p:sp>
-      <p:sp>
-        <p:nvSpPr>
-          <p:cNvPr id="4" name="Footer Placeholder 3">
-            <a:extLst>
-              <a:ext uri="{FF2B5EF4-FFF2-40B4-BE49-F238E27FC236}">
-                <a16:creationId xmlns:a16="http://schemas.microsoft.com/office/drawing/2014/main" id="{9EE9820C-B754-4CB3-BC89-1A03D3116235}"/>
-              </a:ext>
-            </a:extLst>
-          </p:cNvPr>
-          <p:cNvSpPr>
-            <a:spLocks noGrp="1"/>
-          </p:cNvSpPr>
-          <p:nvPr>
-            <p:ph type="ftr" idx="11"/>
-          </p:nvPr>
-        </p:nvSpPr>
-        <p:spPr/>
-        <p:txBody>
-          <a:bodyPr/>
-          <a:lstStyle/>
-          <a:p>
-            <a:pPr>
-              <a:defRPr/>
-            </a:pPr>
-            <a:r>
-              <a:rPr lang="en-US">
-                <a:latin typeface="+mn-lt"/>
-              </a:rPr>
-              <a:t>CS/COE 1550 – Operating Systems – Sherif Khattab</a:t>
-            </a:r>
-            <a:endParaRPr lang="en-GB" dirty="0"/>
-          </a:p>
-        </p:txBody>
-      </p:sp>
-      <p:sp>
-        <p:nvSpPr>
-          <p:cNvPr id="5" name="Slide Number Placeholder 4">
-            <a:extLst>
-              <a:ext uri="{FF2B5EF4-FFF2-40B4-BE49-F238E27FC236}">
-                <a16:creationId xmlns:a16="http://schemas.microsoft.com/office/drawing/2014/main" id="{53DFDAFE-EB3A-404C-AC30-2EFD30AD7FB0}"/>
-              </a:ext>
-            </a:extLst>
-          </p:cNvPr>
-          <p:cNvSpPr>
-            <a:spLocks noGrp="1"/>
-          </p:cNvSpPr>
-          <p:nvPr>
-            <p:ph type="sldNum" idx="12"/>
-          </p:nvPr>
-        </p:nvSpPr>
-        <p:spPr/>
-        <p:txBody>
-          <a:bodyPr/>
-          <a:lstStyle/>
-          <a:p>
-            <a:fld id="{65E435D9-63B0-4660-8D04-E83F5E2CA2AE}" type="slidenum">
-              <a:rPr lang="en-GB" altLang="en-US" smtClean="0"/>
-              <a:pPr/>
-              <a:t>18</a:t>
-            </a:fld>
-            <a:endParaRPr lang="en-GB" altLang="en-US" dirty="0"/>
-          </a:p>
-        </p:txBody>
-      </p:sp>
-    </p:spTree>
-    <p:extLst>
-      <p:ext uri="{BB962C8B-B14F-4D97-AF65-F5344CB8AC3E}">
-        <p14:creationId xmlns:p14="http://schemas.microsoft.com/office/powerpoint/2010/main" val="355203031"/>
-      </p:ext>
-    </p:extLst>
-  </p:cSld>
-  <p:clrMapOvr>
-    <a:masterClrMapping/>
-  </p:clrMapOvr>
-</p:sld>
-</file>
-
 <file path=ppt/slides/slide2.xml><?xml version="1.0" encoding="utf-8"?>
 <p:sld xmlns:a="http://schemas.openxmlformats.org/drawingml/2006/main" xmlns:r="http://schemas.openxmlformats.org/officeDocument/2006/relationships" xmlns:p="http://schemas.openxmlformats.org/presentationml/2006/main">
   <p:cSld>
@@ -27292,6 +23499,9 @@
                   <a:srgbClr val="000000"/>
                 </a:solidFill>
                 <a:effectLst/>
+                <a:highlight>
+                  <a:srgbClr val="FFFF00"/>
+                </a:highlight>
                 <a:uLnTx/>
                 <a:uFillTx/>
                 <a:latin typeface="Monaco" pitchFamily="2" charset="77"/>
@@ -27309,6 +23519,9 @@
                   <a:srgbClr val="000000"/>
                 </a:solidFill>
                 <a:effectLst/>
+                <a:highlight>
+                  <a:srgbClr val="FFFF00"/>
+                </a:highlight>
                 <a:uLnTx/>
                 <a:uFillTx/>
                 <a:latin typeface="Monaco" pitchFamily="2" charset="77"/>
